--- a/documentation/slimfaas.pptx
+++ b/documentation/slimfaas.pptx
@@ -5,14 +5,15 @@
     <p:sldMasterId id="2147483648" r:id="rId4"/>
   </p:sldMasterIdLst>
   <p:notesMasterIdLst>
-    <p:notesMasterId r:id="rId7"/>
+    <p:notesMasterId r:id="rId8"/>
   </p:notesMasterIdLst>
   <p:handoutMasterIdLst>
-    <p:handoutMasterId r:id="rId8"/>
+    <p:handoutMasterId r:id="rId9"/>
   </p:handoutMasterIdLst>
   <p:sldIdLst>
     <p:sldId id="891" r:id="rId5"/>
     <p:sldId id="892" r:id="rId6"/>
+    <p:sldId id="893" r:id="rId7"/>
   </p:sldIdLst>
   <p:sldSz cx="12192000" cy="6858000"/>
   <p:notesSz cx="6858000" cy="9144000"/>
@@ -118,6 +119,7 @@
           <p14:sldIdLst>
             <p14:sldId id="891"/>
             <p14:sldId id="892"/>
+            <p14:sldId id="893"/>
           </p14:sldIdLst>
         </p14:section>
       </p14:sectionLst>
@@ -234,7 +236,7 @@
           <a:p>
             <a:fld id="{F60FFC85-34C0-4167-8801-71D65E4D986C}" type="datetimeFigureOut">
               <a:rPr lang="fr-FR" smtClean="0"/>
-              <a:t>06/12/2023</a:t>
+              <a:t>24/05/2024</a:t>
             </a:fld>
             <a:endParaRPr lang="fr-FR"/>
           </a:p>
@@ -411,7 +413,7 @@
           <a:p>
             <a:fld id="{F2EE8696-3B2B-7D49-B212-A8F746F3A84B}" type="datetimeFigureOut">
               <a:rPr lang="es-ES_tradnl" smtClean="0"/>
-              <a:t>06/12/2023</a:t>
+              <a:t>24/05/2024</a:t>
             </a:fld>
             <a:endParaRPr lang="es-ES_tradnl"/>
           </a:p>
@@ -1108,7 +1110,7 @@
           <a:p>
             <a:fld id="{80160E5B-2E24-B941-8DE0-C0A90C36B7C5}" type="datetimeFigureOut">
               <a:rPr lang="en-GB" smtClean="0"/>
-              <a:t>06/12/2023</a:t>
+              <a:t>24/05/2024</a:t>
             </a:fld>
             <a:endParaRPr lang="en-GB"/>
           </a:p>
@@ -1306,7 +1308,7 @@
           <a:p>
             <a:fld id="{80160E5B-2E24-B941-8DE0-C0A90C36B7C5}" type="datetimeFigureOut">
               <a:rPr lang="en-GB" smtClean="0"/>
-              <a:t>06/12/2023</a:t>
+              <a:t>24/05/2024</a:t>
             </a:fld>
             <a:endParaRPr lang="en-GB"/>
           </a:p>
@@ -1553,7 +1555,7 @@
           <a:p>
             <a:fld id="{80160E5B-2E24-B941-8DE0-C0A90C36B7C5}" type="datetimeFigureOut">
               <a:rPr lang="en-GB" smtClean="0"/>
-              <a:t>06/12/2023</a:t>
+              <a:t>24/05/2024</a:t>
             </a:fld>
             <a:endParaRPr lang="en-GB"/>
           </a:p>
@@ -1772,7 +1774,7 @@
           <a:p>
             <a:fld id="{80160E5B-2E24-B941-8DE0-C0A90C36B7C5}" type="datetimeFigureOut">
               <a:rPr lang="en-GB" smtClean="0"/>
-              <a:t>06/12/2023</a:t>
+              <a:t>24/05/2024</a:t>
             </a:fld>
             <a:endParaRPr lang="en-GB"/>
           </a:p>
@@ -2047,7 +2049,7 @@
           <a:p>
             <a:fld id="{80160E5B-2E24-B941-8DE0-C0A90C36B7C5}" type="datetimeFigureOut">
               <a:rPr lang="en-GB" smtClean="0"/>
-              <a:t>06/12/2023</a:t>
+              <a:t>24/05/2024</a:t>
             </a:fld>
             <a:endParaRPr lang="en-GB"/>
           </a:p>
@@ -2351,7 +2353,7 @@
           <a:p>
             <a:fld id="{80160E5B-2E24-B941-8DE0-C0A90C36B7C5}" type="datetimeFigureOut">
               <a:rPr lang="en-GB" smtClean="0"/>
-              <a:t>06/12/2023</a:t>
+              <a:t>24/05/2024</a:t>
             </a:fld>
             <a:endParaRPr lang="en-GB"/>
           </a:p>
@@ -2802,7 +2804,7 @@
           <a:p>
             <a:fld id="{80160E5B-2E24-B941-8DE0-C0A90C36B7C5}" type="datetimeFigureOut">
               <a:rPr lang="en-GB" smtClean="0"/>
-              <a:t>06/12/2023</a:t>
+              <a:t>24/05/2024</a:t>
             </a:fld>
             <a:endParaRPr lang="en-GB"/>
           </a:p>
@@ -2982,7 +2984,7 @@
           <a:p>
             <a:fld id="{80160E5B-2E24-B941-8DE0-C0A90C36B7C5}" type="datetimeFigureOut">
               <a:rPr lang="en-GB" smtClean="0"/>
-              <a:t>06/12/2023</a:t>
+              <a:t>24/05/2024</a:t>
             </a:fld>
             <a:endParaRPr lang="en-GB"/>
           </a:p>
@@ -3134,7 +3136,7 @@
           <a:p>
             <a:fld id="{80160E5B-2E24-B941-8DE0-C0A90C36B7C5}" type="datetimeFigureOut">
               <a:rPr lang="en-GB" smtClean="0"/>
-              <a:t>06/12/2023</a:t>
+              <a:t>24/05/2024</a:t>
             </a:fld>
             <a:endParaRPr lang="en-GB"/>
           </a:p>
@@ -3484,7 +3486,7 @@
           <a:p>
             <a:fld id="{80160E5B-2E24-B941-8DE0-C0A90C36B7C5}" type="datetimeFigureOut">
               <a:rPr lang="en-GB" smtClean="0"/>
-              <a:t>06/12/2023</a:t>
+              <a:t>24/05/2024</a:t>
             </a:fld>
             <a:endParaRPr lang="en-GB"/>
           </a:p>
@@ -3811,7 +3813,7 @@
           <a:p>
             <a:fld id="{80160E5B-2E24-B941-8DE0-C0A90C36B7C5}" type="datetimeFigureOut">
               <a:rPr lang="en-GB" smtClean="0"/>
-              <a:t>06/12/2023</a:t>
+              <a:t>24/05/2024</a:t>
             </a:fld>
             <a:endParaRPr lang="en-GB"/>
           </a:p>
@@ -4091,7 +4093,7 @@
           <a:p>
             <a:fld id="{80160E5B-2E24-B941-8DE0-C0A90C36B7C5}" type="datetimeFigureOut">
               <a:rPr lang="en-GB" smtClean="0"/>
-              <a:t>06/12/2023</a:t>
+              <a:t>24/05/2024</a:t>
             </a:fld>
             <a:endParaRPr lang="en-GB"/>
           </a:p>
@@ -6335,6 +6337,1054 @@
     <p:extLst>
       <p:ext uri="{BB962C8B-B14F-4D97-AF65-F5344CB8AC3E}">
         <p14:creationId xmlns:p14="http://schemas.microsoft.com/office/powerpoint/2010/main" val="129032465"/>
+      </p:ext>
+    </p:extLst>
+  </p:cSld>
+  <p:clrMapOvr>
+    <a:masterClrMapping/>
+  </p:clrMapOvr>
+</p:sld>
+</file>
+
+<file path=ppt/slides/slide3.xml><?xml version="1.0" encoding="utf-8"?>
+<p:sld xmlns:a="http://schemas.openxmlformats.org/drawingml/2006/main" xmlns:r="http://schemas.openxmlformats.org/officeDocument/2006/relationships" xmlns:p="http://schemas.openxmlformats.org/presentationml/2006/main">
+  <p:cSld>
+    <p:spTree>
+      <p:nvGrpSpPr>
+        <p:cNvPr id="1" name=""/>
+        <p:cNvGrpSpPr/>
+        <p:nvPr/>
+      </p:nvGrpSpPr>
+      <p:grpSpPr>
+        <a:xfrm>
+          <a:off x="0" y="0"/>
+          <a:ext cx="0" cy="0"/>
+          <a:chOff x="0" y="0"/>
+          <a:chExt cx="0" cy="0"/>
+        </a:xfrm>
+      </p:grpSpPr>
+      <p:sp>
+        <p:nvSpPr>
+          <p:cNvPr id="3" name="Espace réservé du contenu 2">
+            <a:extLst>
+              <a:ext uri="{FF2B5EF4-FFF2-40B4-BE49-F238E27FC236}">
+                <a16:creationId xmlns:a16="http://schemas.microsoft.com/office/drawing/2014/main" id="{FC72177F-6E5E-241E-BA74-8D91DC6E05F3}"/>
+              </a:ext>
+            </a:extLst>
+          </p:cNvPr>
+          <p:cNvSpPr>
+            <a:spLocks noGrp="1"/>
+          </p:cNvSpPr>
+          <p:nvPr>
+            <p:ph idx="1"/>
+          </p:nvPr>
+        </p:nvSpPr>
+        <p:spPr/>
+        <p:txBody>
+          <a:bodyPr/>
+          <a:lstStyle/>
+          <a:p>
+            <a:endParaRPr lang="fr-FR" dirty="0"/>
+          </a:p>
+        </p:txBody>
+      </p:sp>
+      <p:sp>
+        <p:nvSpPr>
+          <p:cNvPr id="6" name="Rounded Rectangle 44">
+            <a:extLst>
+              <a:ext uri="{FF2B5EF4-FFF2-40B4-BE49-F238E27FC236}">
+                <a16:creationId xmlns:a16="http://schemas.microsoft.com/office/drawing/2014/main" id="{DDD08BA0-70BB-583F-312D-C1BE714A89E8}"/>
+              </a:ext>
+            </a:extLst>
+          </p:cNvPr>
+          <p:cNvSpPr/>
+          <p:nvPr/>
+        </p:nvSpPr>
+        <p:spPr>
+          <a:xfrm>
+            <a:off x="4275182" y="2785207"/>
+            <a:ext cx="2245224" cy="1125268"/>
+          </a:xfrm>
+          <a:prstGeom prst="roundRect">
+            <a:avLst/>
+          </a:prstGeom>
+          <a:solidFill>
+            <a:schemeClr val="bg2">
+              <a:lumMod val="25000"/>
+            </a:schemeClr>
+          </a:solidFill>
+          <a:ln>
+            <a:noFill/>
+          </a:ln>
+        </p:spPr>
+        <p:style>
+          <a:lnRef idx="2">
+            <a:schemeClr val="accent1">
+              <a:shade val="50000"/>
+            </a:schemeClr>
+          </a:lnRef>
+          <a:fillRef idx="1">
+            <a:schemeClr val="accent1"/>
+          </a:fillRef>
+          <a:effectRef idx="0">
+            <a:schemeClr val="accent1"/>
+          </a:effectRef>
+          <a:fontRef idx="minor">
+            <a:schemeClr val="lt1"/>
+          </a:fontRef>
+        </p:style>
+        <p:txBody>
+          <a:bodyPr rtlCol="0" anchor="ctr"/>
+          <a:lstStyle/>
+          <a:p>
+            <a:pPr algn="ctr"/>
+            <a:r>
+              <a:rPr lang="en-US" sz="2400" dirty="0">
+                <a:solidFill>
+                  <a:schemeClr val="bg1"/>
+                </a:solidFill>
+              </a:rPr>
+              <a:t>SlimFaas</a:t>
+            </a:r>
+          </a:p>
+        </p:txBody>
+      </p:sp>
+      <p:cxnSp>
+        <p:nvCxnSpPr>
+          <p:cNvPr id="7" name="Connecteur droit avec flèche 6">
+            <a:extLst>
+              <a:ext uri="{FF2B5EF4-FFF2-40B4-BE49-F238E27FC236}">
+                <a16:creationId xmlns:a16="http://schemas.microsoft.com/office/drawing/2014/main" id="{2846A4F1-5F1E-1B4A-EAEC-F51C758D93A6}"/>
+              </a:ext>
+            </a:extLst>
+          </p:cNvPr>
+          <p:cNvCxnSpPr>
+            <a:cxnSpLocks/>
+            <a:stCxn id="8" idx="3"/>
+            <a:endCxn id="6" idx="1"/>
+          </p:cNvCxnSpPr>
+          <p:nvPr/>
+        </p:nvCxnSpPr>
+        <p:spPr>
+          <a:xfrm flipV="1">
+            <a:off x="3322445" y="3347841"/>
+            <a:ext cx="952737" cy="1"/>
+          </a:xfrm>
+          <a:prstGeom prst="straightConnector1">
+            <a:avLst/>
+          </a:prstGeom>
+          <a:ln w="127000">
+            <a:solidFill>
+              <a:schemeClr val="accent6">
+                <a:lumMod val="75000"/>
+              </a:schemeClr>
+            </a:solidFill>
+            <a:tailEnd type="triangle"/>
+          </a:ln>
+        </p:spPr>
+        <p:style>
+          <a:lnRef idx="1">
+            <a:schemeClr val="accent1"/>
+          </a:lnRef>
+          <a:fillRef idx="0">
+            <a:schemeClr val="accent1"/>
+          </a:fillRef>
+          <a:effectRef idx="0">
+            <a:schemeClr val="accent1"/>
+          </a:effectRef>
+          <a:fontRef idx="minor">
+            <a:schemeClr val="tx1"/>
+          </a:fontRef>
+        </p:style>
+      </p:cxnSp>
+      <p:sp>
+        <p:nvSpPr>
+          <p:cNvPr id="8" name="ZoneTexte 7">
+            <a:extLst>
+              <a:ext uri="{FF2B5EF4-FFF2-40B4-BE49-F238E27FC236}">
+                <a16:creationId xmlns:a16="http://schemas.microsoft.com/office/drawing/2014/main" id="{AC32730B-6D07-37BE-5E05-17826CC33CC8}"/>
+              </a:ext>
+            </a:extLst>
+          </p:cNvPr>
+          <p:cNvSpPr txBox="1"/>
+          <p:nvPr/>
+        </p:nvSpPr>
+        <p:spPr>
+          <a:xfrm>
+            <a:off x="166495" y="2932343"/>
+            <a:ext cx="3155950" cy="830997"/>
+          </a:xfrm>
+          <a:prstGeom prst="rect">
+            <a:avLst/>
+          </a:prstGeom>
+          <a:noFill/>
+        </p:spPr>
+        <p:txBody>
+          <a:bodyPr wrap="square" rtlCol="0">
+            <a:spAutoFit/>
+          </a:bodyPr>
+          <a:lstStyle/>
+          <a:p>
+            <a:r>
+              <a:rPr lang="fr-FR" sz="1600" dirty="0"/>
+              <a:t>HTTP POST</a:t>
+            </a:r>
+          </a:p>
+          <a:p>
+            <a:r>
+              <a:rPr lang="fr-FR" sz="1600" dirty="0">
+                <a:hlinkClick r:id="rId2"/>
+              </a:rPr>
+              <a:t>http://slimfaas/publish/fibonacci</a:t>
+            </a:r>
+            <a:endParaRPr lang="fr-FR" sz="1600" dirty="0"/>
+          </a:p>
+          <a:p>
+            <a:r>
+              <a:rPr lang="fr-FR" sz="1600" dirty="0"/>
+              <a:t>{</a:t>
+            </a:r>
+            <a:r>
+              <a:rPr lang="fr-FR" sz="1600" b="0" i="0" dirty="0">
+                <a:effectLst/>
+                <a:latin typeface="-apple-system"/>
+              </a:rPr>
+              <a:t>"</a:t>
+            </a:r>
+            <a:r>
+              <a:rPr lang="fr-FR" sz="1600" dirty="0"/>
+              <a:t>input</a:t>
+            </a:r>
+            <a:r>
+              <a:rPr lang="fr-FR" sz="1600" b="0" i="0" dirty="0">
+                <a:effectLst/>
+                <a:latin typeface="-apple-system"/>
+              </a:rPr>
+              <a:t>"</a:t>
+            </a:r>
+            <a:r>
+              <a:rPr lang="fr-FR" sz="1600" dirty="0"/>
+              <a:t>:42}</a:t>
+            </a:r>
+          </a:p>
+        </p:txBody>
+      </p:sp>
+      <p:sp>
+        <p:nvSpPr>
+          <p:cNvPr id="9" name="ZoneTexte 8">
+            <a:extLst>
+              <a:ext uri="{FF2B5EF4-FFF2-40B4-BE49-F238E27FC236}">
+                <a16:creationId xmlns:a16="http://schemas.microsoft.com/office/drawing/2014/main" id="{6611272C-28EE-7524-CD4D-AAE3B72A1A73}"/>
+              </a:ext>
+            </a:extLst>
+          </p:cNvPr>
+          <p:cNvSpPr txBox="1"/>
+          <p:nvPr/>
+        </p:nvSpPr>
+        <p:spPr>
+          <a:xfrm>
+            <a:off x="6542729" y="997387"/>
+            <a:ext cx="1659171" cy="830997"/>
+          </a:xfrm>
+          <a:prstGeom prst="rect">
+            <a:avLst/>
+          </a:prstGeom>
+          <a:noFill/>
+        </p:spPr>
+        <p:txBody>
+          <a:bodyPr wrap="square" rtlCol="0">
+            <a:spAutoFit/>
+          </a:bodyPr>
+          <a:lstStyle/>
+          <a:p>
+            <a:r>
+              <a:rPr lang="fr-FR" sz="1600" dirty="0"/>
+              <a:t>HTTP POST</a:t>
+            </a:r>
+          </a:p>
+          <a:p>
+            <a:r>
+              <a:rPr lang="fr-FR" sz="1600" dirty="0">
+                <a:hlinkClick r:id="rId3"/>
+              </a:rPr>
+              <a:t>http://fibonacci</a:t>
+            </a:r>
+            <a:r>
+              <a:rPr lang="fr-FR" sz="1600" dirty="0"/>
+              <a:t> </a:t>
+            </a:r>
+            <a:br>
+              <a:rPr lang="fr-FR" sz="1600" dirty="0"/>
+            </a:br>
+            <a:r>
+              <a:rPr lang="fr-FR" sz="1600" dirty="0"/>
+              <a:t>{</a:t>
+            </a:r>
+            <a:r>
+              <a:rPr lang="fr-FR" sz="1600" b="0" i="0" dirty="0">
+                <a:effectLst/>
+                <a:latin typeface="-apple-system"/>
+              </a:rPr>
+              <a:t>"</a:t>
+            </a:r>
+            <a:r>
+              <a:rPr lang="fr-FR" sz="1600" dirty="0"/>
+              <a:t>input</a:t>
+            </a:r>
+            <a:r>
+              <a:rPr lang="fr-FR" sz="1600" b="0" i="0" dirty="0">
+                <a:effectLst/>
+                <a:latin typeface="-apple-system"/>
+              </a:rPr>
+              <a:t>"</a:t>
+            </a:r>
+            <a:r>
+              <a:rPr lang="fr-FR" sz="1600" dirty="0"/>
+              <a:t>:42}</a:t>
+            </a:r>
+          </a:p>
+        </p:txBody>
+      </p:sp>
+      <p:sp>
+        <p:nvSpPr>
+          <p:cNvPr id="10" name="Rounded Rectangle 45">
+            <a:extLst>
+              <a:ext uri="{FF2B5EF4-FFF2-40B4-BE49-F238E27FC236}">
+                <a16:creationId xmlns:a16="http://schemas.microsoft.com/office/drawing/2014/main" id="{D79C9965-A2CD-C2C1-A01C-697EABB121C8}"/>
+              </a:ext>
+            </a:extLst>
+          </p:cNvPr>
+          <p:cNvSpPr/>
+          <p:nvPr/>
+        </p:nvSpPr>
+        <p:spPr>
+          <a:xfrm>
+            <a:off x="8812333" y="509182"/>
+            <a:ext cx="3040144" cy="1540322"/>
+          </a:xfrm>
+          <a:prstGeom prst="roundRect">
+            <a:avLst/>
+          </a:prstGeom>
+          <a:solidFill>
+            <a:schemeClr val="bg2">
+              <a:lumMod val="25000"/>
+            </a:schemeClr>
+          </a:solidFill>
+          <a:ln>
+            <a:noFill/>
+          </a:ln>
+        </p:spPr>
+        <p:style>
+          <a:lnRef idx="2">
+            <a:schemeClr val="accent1">
+              <a:shade val="50000"/>
+            </a:schemeClr>
+          </a:lnRef>
+          <a:fillRef idx="1">
+            <a:schemeClr val="accent1"/>
+          </a:fillRef>
+          <a:effectRef idx="0">
+            <a:schemeClr val="accent1"/>
+          </a:effectRef>
+          <a:fontRef idx="minor">
+            <a:schemeClr val="lt1"/>
+          </a:fontRef>
+        </p:style>
+        <p:txBody>
+          <a:bodyPr rtlCol="0" anchor="ctr"/>
+          <a:lstStyle/>
+          <a:p>
+            <a:pPr algn="ctr"/>
+            <a:r>
+              <a:rPr lang="fr-FR" sz="2400" dirty="0">
+                <a:solidFill>
+                  <a:schemeClr val="bg1"/>
+                </a:solidFill>
+              </a:rPr>
+              <a:t>function « </a:t>
+            </a:r>
+            <a:r>
+              <a:rPr lang="fr-FR" sz="2400" dirty="0" err="1">
+                <a:solidFill>
+                  <a:schemeClr val="bg1"/>
+                </a:solidFill>
+              </a:rPr>
+              <a:t>fibonacci</a:t>
+            </a:r>
+            <a:r>
+              <a:rPr lang="fr-FR" sz="2400" dirty="0">
+                <a:solidFill>
+                  <a:schemeClr val="bg1"/>
+                </a:solidFill>
+              </a:rPr>
+              <a:t> » instance 1</a:t>
+            </a:r>
+            <a:endParaRPr lang="en-FR" sz="2400" dirty="0">
+              <a:solidFill>
+                <a:schemeClr val="bg1"/>
+              </a:solidFill>
+            </a:endParaRPr>
+          </a:p>
+        </p:txBody>
+      </p:sp>
+      <p:pic>
+        <p:nvPicPr>
+          <p:cNvPr id="11" name="Picture 2" descr="Afficher l’image source">
+            <a:extLst>
+              <a:ext uri="{FF2B5EF4-FFF2-40B4-BE49-F238E27FC236}">
+                <a16:creationId xmlns:a16="http://schemas.microsoft.com/office/drawing/2014/main" id="{B80A9736-02F1-1190-8A3C-F71D0B8C1D08}"/>
+              </a:ext>
+            </a:extLst>
+          </p:cNvPr>
+          <p:cNvPicPr>
+            <a:picLocks noChangeAspect="1" noChangeArrowheads="1"/>
+          </p:cNvPicPr>
+          <p:nvPr/>
+        </p:nvPicPr>
+        <p:blipFill>
+          <a:blip r:embed="rId4">
+            <a:extLst>
+              <a:ext uri="{28A0092B-C50C-407E-A947-70E740481C1C}">
+                <a14:useLocalDpi xmlns:a14="http://schemas.microsoft.com/office/drawing/2010/main" val="0"/>
+              </a:ext>
+            </a:extLst>
+          </a:blip>
+          <a:srcRect/>
+          <a:stretch>
+            <a:fillRect/>
+          </a:stretch>
+        </p:blipFill>
+        <p:spPr bwMode="auto">
+          <a:xfrm>
+            <a:off x="8618142" y="206059"/>
+            <a:ext cx="588793" cy="572693"/>
+          </a:xfrm>
+          <a:prstGeom prst="rect">
+            <a:avLst/>
+          </a:prstGeom>
+          <a:noFill/>
+          <a:extLst>
+            <a:ext uri="{909E8E84-426E-40DD-AFC4-6F175D3DCCD1}">
+              <a14:hiddenFill xmlns:a14="http://schemas.microsoft.com/office/drawing/2010/main">
+                <a:solidFill>
+                  <a:srgbClr val="FFFFFF"/>
+                </a:solidFill>
+              </a14:hiddenFill>
+            </a:ext>
+          </a:extLst>
+        </p:spPr>
+      </p:pic>
+      <p:cxnSp>
+        <p:nvCxnSpPr>
+          <p:cNvPr id="12" name="Connecteur droit avec flèche 11">
+            <a:extLst>
+              <a:ext uri="{FF2B5EF4-FFF2-40B4-BE49-F238E27FC236}">
+                <a16:creationId xmlns:a16="http://schemas.microsoft.com/office/drawing/2014/main" id="{3AFE1186-6876-1E2D-BB90-BFA726C0ACA3}"/>
+              </a:ext>
+            </a:extLst>
+          </p:cNvPr>
+          <p:cNvCxnSpPr>
+            <a:cxnSpLocks/>
+            <a:stCxn id="6" idx="3"/>
+            <a:endCxn id="10" idx="1"/>
+          </p:cNvCxnSpPr>
+          <p:nvPr/>
+        </p:nvCxnSpPr>
+        <p:spPr>
+          <a:xfrm flipV="1">
+            <a:off x="6520406" y="1279343"/>
+            <a:ext cx="2291927" cy="2068498"/>
+          </a:xfrm>
+          <a:prstGeom prst="straightConnector1">
+            <a:avLst/>
+          </a:prstGeom>
+          <a:ln w="127000">
+            <a:solidFill>
+              <a:schemeClr val="accent6">
+                <a:lumMod val="75000"/>
+              </a:schemeClr>
+            </a:solidFill>
+            <a:tailEnd type="triangle"/>
+          </a:ln>
+        </p:spPr>
+        <p:style>
+          <a:lnRef idx="1">
+            <a:schemeClr val="accent1"/>
+          </a:lnRef>
+          <a:fillRef idx="0">
+            <a:schemeClr val="accent1"/>
+          </a:fillRef>
+          <a:effectRef idx="0">
+            <a:schemeClr val="accent1"/>
+          </a:effectRef>
+          <a:fontRef idx="minor">
+            <a:schemeClr val="tx1"/>
+          </a:fontRef>
+        </p:style>
+      </p:cxnSp>
+      <p:sp>
+        <p:nvSpPr>
+          <p:cNvPr id="22" name="ZoneTexte 21">
+            <a:extLst>
+              <a:ext uri="{FF2B5EF4-FFF2-40B4-BE49-F238E27FC236}">
+                <a16:creationId xmlns:a16="http://schemas.microsoft.com/office/drawing/2014/main" id="{B20F6461-EFC4-60A1-6479-F83792C4E189}"/>
+              </a:ext>
+            </a:extLst>
+          </p:cNvPr>
+          <p:cNvSpPr txBox="1"/>
+          <p:nvPr/>
+        </p:nvSpPr>
+        <p:spPr>
+          <a:xfrm>
+            <a:off x="7304194" y="3284661"/>
+            <a:ext cx="1659171" cy="830997"/>
+          </a:xfrm>
+          <a:prstGeom prst="rect">
+            <a:avLst/>
+          </a:prstGeom>
+          <a:noFill/>
+        </p:spPr>
+        <p:txBody>
+          <a:bodyPr wrap="square" rtlCol="0">
+            <a:spAutoFit/>
+          </a:bodyPr>
+          <a:lstStyle/>
+          <a:p>
+            <a:r>
+              <a:rPr lang="fr-FR" sz="1600" dirty="0"/>
+              <a:t>HTTP POST</a:t>
+            </a:r>
+          </a:p>
+          <a:p>
+            <a:r>
+              <a:rPr lang="fr-FR" sz="1600" dirty="0">
+                <a:hlinkClick r:id="rId3"/>
+              </a:rPr>
+              <a:t>http://fibonacci</a:t>
+            </a:r>
+            <a:r>
+              <a:rPr lang="fr-FR" sz="1600" dirty="0"/>
+              <a:t> </a:t>
+            </a:r>
+            <a:br>
+              <a:rPr lang="fr-FR" sz="1600" dirty="0"/>
+            </a:br>
+            <a:r>
+              <a:rPr lang="fr-FR" sz="1600" dirty="0"/>
+              <a:t>{</a:t>
+            </a:r>
+            <a:r>
+              <a:rPr lang="fr-FR" sz="1600" b="0" i="0" dirty="0">
+                <a:effectLst/>
+                <a:latin typeface="-apple-system"/>
+              </a:rPr>
+              <a:t>"</a:t>
+            </a:r>
+            <a:r>
+              <a:rPr lang="fr-FR" sz="1600" dirty="0"/>
+              <a:t>input</a:t>
+            </a:r>
+            <a:r>
+              <a:rPr lang="fr-FR" sz="1600" b="0" i="0" dirty="0">
+                <a:effectLst/>
+                <a:latin typeface="-apple-system"/>
+              </a:rPr>
+              <a:t>"</a:t>
+            </a:r>
+            <a:r>
+              <a:rPr lang="fr-FR" sz="1600" dirty="0"/>
+              <a:t>:42}</a:t>
+            </a:r>
+          </a:p>
+        </p:txBody>
+      </p:sp>
+      <p:sp>
+        <p:nvSpPr>
+          <p:cNvPr id="23" name="Rounded Rectangle 45">
+            <a:extLst>
+              <a:ext uri="{FF2B5EF4-FFF2-40B4-BE49-F238E27FC236}">
+                <a16:creationId xmlns:a16="http://schemas.microsoft.com/office/drawing/2014/main" id="{02CDF874-6617-192D-7FBF-DFCDF050DE8B}"/>
+              </a:ext>
+            </a:extLst>
+          </p:cNvPr>
+          <p:cNvSpPr/>
+          <p:nvPr/>
+        </p:nvSpPr>
+        <p:spPr>
+          <a:xfrm>
+            <a:off x="8858733" y="2401822"/>
+            <a:ext cx="3040144" cy="1540322"/>
+          </a:xfrm>
+          <a:prstGeom prst="roundRect">
+            <a:avLst/>
+          </a:prstGeom>
+          <a:solidFill>
+            <a:schemeClr val="bg2">
+              <a:lumMod val="25000"/>
+            </a:schemeClr>
+          </a:solidFill>
+          <a:ln>
+            <a:noFill/>
+          </a:ln>
+        </p:spPr>
+        <p:style>
+          <a:lnRef idx="2">
+            <a:schemeClr val="accent1">
+              <a:shade val="50000"/>
+            </a:schemeClr>
+          </a:lnRef>
+          <a:fillRef idx="1">
+            <a:schemeClr val="accent1"/>
+          </a:fillRef>
+          <a:effectRef idx="0">
+            <a:schemeClr val="accent1"/>
+          </a:effectRef>
+          <a:fontRef idx="minor">
+            <a:schemeClr val="lt1"/>
+          </a:fontRef>
+        </p:style>
+        <p:txBody>
+          <a:bodyPr rtlCol="0" anchor="ctr"/>
+          <a:lstStyle/>
+          <a:p>
+            <a:pPr algn="ctr"/>
+            <a:r>
+              <a:rPr lang="fr-FR" sz="2400" dirty="0" err="1">
+                <a:solidFill>
+                  <a:schemeClr val="bg1"/>
+                </a:solidFill>
+              </a:rPr>
+              <a:t>function</a:t>
+            </a:r>
+            <a:r>
+              <a:rPr lang="fr-FR" sz="2400" dirty="0">
+                <a:solidFill>
+                  <a:schemeClr val="bg1"/>
+                </a:solidFill>
+              </a:rPr>
+              <a:t> « </a:t>
+            </a:r>
+            <a:r>
+              <a:rPr lang="fr-FR" sz="2400" dirty="0" err="1">
+                <a:solidFill>
+                  <a:schemeClr val="bg1"/>
+                </a:solidFill>
+              </a:rPr>
+              <a:t>fibonacci</a:t>
+            </a:r>
+            <a:r>
+              <a:rPr lang="fr-FR" sz="2400" dirty="0">
+                <a:solidFill>
+                  <a:schemeClr val="bg1"/>
+                </a:solidFill>
+              </a:rPr>
+              <a:t> » instance 2</a:t>
+            </a:r>
+          </a:p>
+        </p:txBody>
+      </p:sp>
+      <p:pic>
+        <p:nvPicPr>
+          <p:cNvPr id="24" name="Picture 2" descr="Afficher l’image source">
+            <a:extLst>
+              <a:ext uri="{FF2B5EF4-FFF2-40B4-BE49-F238E27FC236}">
+                <a16:creationId xmlns:a16="http://schemas.microsoft.com/office/drawing/2014/main" id="{6367FF6E-BE42-9237-982C-7249BC298201}"/>
+              </a:ext>
+            </a:extLst>
+          </p:cNvPr>
+          <p:cNvPicPr>
+            <a:picLocks noChangeAspect="1" noChangeArrowheads="1"/>
+          </p:cNvPicPr>
+          <p:nvPr/>
+        </p:nvPicPr>
+        <p:blipFill>
+          <a:blip r:embed="rId4">
+            <a:extLst>
+              <a:ext uri="{28A0092B-C50C-407E-A947-70E740481C1C}">
+                <a14:useLocalDpi xmlns:a14="http://schemas.microsoft.com/office/drawing/2010/main" val="0"/>
+              </a:ext>
+            </a:extLst>
+          </a:blip>
+          <a:srcRect/>
+          <a:stretch>
+            <a:fillRect/>
+          </a:stretch>
+        </p:blipFill>
+        <p:spPr bwMode="auto">
+          <a:xfrm>
+            <a:off x="8799603" y="2111546"/>
+            <a:ext cx="588793" cy="572693"/>
+          </a:xfrm>
+          <a:prstGeom prst="rect">
+            <a:avLst/>
+          </a:prstGeom>
+          <a:noFill/>
+          <a:extLst>
+            <a:ext uri="{909E8E84-426E-40DD-AFC4-6F175D3DCCD1}">
+              <a14:hiddenFill xmlns:a14="http://schemas.microsoft.com/office/drawing/2010/main">
+                <a:solidFill>
+                  <a:srgbClr val="FFFFFF"/>
+                </a:solidFill>
+              </a14:hiddenFill>
+            </a:ext>
+          </a:extLst>
+        </p:spPr>
+      </p:pic>
+      <p:cxnSp>
+        <p:nvCxnSpPr>
+          <p:cNvPr id="25" name="Connecteur droit avec flèche 24">
+            <a:extLst>
+              <a:ext uri="{FF2B5EF4-FFF2-40B4-BE49-F238E27FC236}">
+                <a16:creationId xmlns:a16="http://schemas.microsoft.com/office/drawing/2014/main" id="{47CCB34C-BDE9-83E6-DBE9-369CE229F27F}"/>
+              </a:ext>
+            </a:extLst>
+          </p:cNvPr>
+          <p:cNvCxnSpPr>
+            <a:cxnSpLocks/>
+            <a:stCxn id="6" idx="3"/>
+            <a:endCxn id="23" idx="1"/>
+          </p:cNvCxnSpPr>
+          <p:nvPr/>
+        </p:nvCxnSpPr>
+        <p:spPr>
+          <a:xfrm flipV="1">
+            <a:off x="6520406" y="3171983"/>
+            <a:ext cx="2338327" cy="175858"/>
+          </a:xfrm>
+          <a:prstGeom prst="straightConnector1">
+            <a:avLst/>
+          </a:prstGeom>
+          <a:ln w="127000">
+            <a:solidFill>
+              <a:schemeClr val="accent6">
+                <a:lumMod val="75000"/>
+              </a:schemeClr>
+            </a:solidFill>
+            <a:tailEnd type="triangle"/>
+          </a:ln>
+        </p:spPr>
+        <p:style>
+          <a:lnRef idx="1">
+            <a:schemeClr val="accent1"/>
+          </a:lnRef>
+          <a:fillRef idx="0">
+            <a:schemeClr val="accent1"/>
+          </a:fillRef>
+          <a:effectRef idx="0">
+            <a:schemeClr val="accent1"/>
+          </a:effectRef>
+          <a:fontRef idx="minor">
+            <a:schemeClr val="tx1"/>
+          </a:fontRef>
+        </p:style>
+      </p:cxnSp>
+      <p:sp>
+        <p:nvSpPr>
+          <p:cNvPr id="28" name="Rounded Rectangle 45">
+            <a:extLst>
+              <a:ext uri="{FF2B5EF4-FFF2-40B4-BE49-F238E27FC236}">
+                <a16:creationId xmlns:a16="http://schemas.microsoft.com/office/drawing/2014/main" id="{38FF5A4C-559C-1D52-9476-314AAD56BECB}"/>
+              </a:ext>
+            </a:extLst>
+          </p:cNvPr>
+          <p:cNvSpPr/>
+          <p:nvPr/>
+        </p:nvSpPr>
+        <p:spPr>
+          <a:xfrm>
+            <a:off x="8822212" y="4493355"/>
+            <a:ext cx="3040144" cy="1540322"/>
+          </a:xfrm>
+          <a:prstGeom prst="roundRect">
+            <a:avLst/>
+          </a:prstGeom>
+          <a:solidFill>
+            <a:schemeClr val="bg2">
+              <a:lumMod val="25000"/>
+            </a:schemeClr>
+          </a:solidFill>
+          <a:ln>
+            <a:noFill/>
+          </a:ln>
+        </p:spPr>
+        <p:style>
+          <a:lnRef idx="2">
+            <a:schemeClr val="accent1">
+              <a:shade val="50000"/>
+            </a:schemeClr>
+          </a:lnRef>
+          <a:fillRef idx="1">
+            <a:schemeClr val="accent1"/>
+          </a:fillRef>
+          <a:effectRef idx="0">
+            <a:schemeClr val="accent1"/>
+          </a:effectRef>
+          <a:fontRef idx="minor">
+            <a:schemeClr val="lt1"/>
+          </a:fontRef>
+        </p:style>
+        <p:txBody>
+          <a:bodyPr rtlCol="0" anchor="ctr"/>
+          <a:lstStyle/>
+          <a:p>
+            <a:pPr algn="ctr"/>
+            <a:r>
+              <a:rPr lang="fr-FR" sz="2400" dirty="0" err="1">
+                <a:solidFill>
+                  <a:schemeClr val="bg1"/>
+                </a:solidFill>
+              </a:rPr>
+              <a:t>function</a:t>
+            </a:r>
+            <a:r>
+              <a:rPr lang="fr-FR" sz="2400" dirty="0">
+                <a:solidFill>
+                  <a:schemeClr val="bg1"/>
+                </a:solidFill>
+              </a:rPr>
+              <a:t> « </a:t>
+            </a:r>
+            <a:r>
+              <a:rPr lang="fr-FR" sz="2400" dirty="0" err="1">
+                <a:solidFill>
+                  <a:schemeClr val="bg1"/>
+                </a:solidFill>
+              </a:rPr>
+              <a:t>fibonacci</a:t>
+            </a:r>
+            <a:r>
+              <a:rPr lang="fr-FR" sz="2400" dirty="0">
+                <a:solidFill>
+                  <a:schemeClr val="bg1"/>
+                </a:solidFill>
+              </a:rPr>
+              <a:t> » instance 3</a:t>
+            </a:r>
+          </a:p>
+        </p:txBody>
+      </p:sp>
+      <p:pic>
+        <p:nvPicPr>
+          <p:cNvPr id="29" name="Picture 2" descr="Afficher l’image source">
+            <a:extLst>
+              <a:ext uri="{FF2B5EF4-FFF2-40B4-BE49-F238E27FC236}">
+                <a16:creationId xmlns:a16="http://schemas.microsoft.com/office/drawing/2014/main" id="{5C2C929B-DD3A-D402-D3D0-47B59BB4F807}"/>
+              </a:ext>
+            </a:extLst>
+          </p:cNvPr>
+          <p:cNvPicPr>
+            <a:picLocks noChangeAspect="1" noChangeArrowheads="1"/>
+          </p:cNvPicPr>
+          <p:nvPr/>
+        </p:nvPicPr>
+        <p:blipFill>
+          <a:blip r:embed="rId4">
+            <a:extLst>
+              <a:ext uri="{28A0092B-C50C-407E-A947-70E740481C1C}">
+                <a14:useLocalDpi xmlns:a14="http://schemas.microsoft.com/office/drawing/2010/main" val="0"/>
+              </a:ext>
+            </a:extLst>
+          </a:blip>
+          <a:srcRect/>
+          <a:stretch>
+            <a:fillRect/>
+          </a:stretch>
+        </p:blipFill>
+        <p:spPr bwMode="auto">
+          <a:xfrm>
+            <a:off x="8753203" y="4252319"/>
+            <a:ext cx="588793" cy="572693"/>
+          </a:xfrm>
+          <a:prstGeom prst="rect">
+            <a:avLst/>
+          </a:prstGeom>
+          <a:noFill/>
+          <a:extLst>
+            <a:ext uri="{909E8E84-426E-40DD-AFC4-6F175D3DCCD1}">
+              <a14:hiddenFill xmlns:a14="http://schemas.microsoft.com/office/drawing/2010/main">
+                <a:solidFill>
+                  <a:srgbClr val="FFFFFF"/>
+                </a:solidFill>
+              </a14:hiddenFill>
+            </a:ext>
+          </a:extLst>
+        </p:spPr>
+      </p:pic>
+      <p:cxnSp>
+        <p:nvCxnSpPr>
+          <p:cNvPr id="30" name="Connecteur droit avec flèche 29">
+            <a:extLst>
+              <a:ext uri="{FF2B5EF4-FFF2-40B4-BE49-F238E27FC236}">
+                <a16:creationId xmlns:a16="http://schemas.microsoft.com/office/drawing/2014/main" id="{3C17D7D9-AD0C-3CB9-E9C2-8FE52952EA0A}"/>
+              </a:ext>
+            </a:extLst>
+          </p:cNvPr>
+          <p:cNvCxnSpPr>
+            <a:cxnSpLocks/>
+            <a:stCxn id="6" idx="3"/>
+            <a:endCxn id="28" idx="1"/>
+          </p:cNvCxnSpPr>
+          <p:nvPr/>
+        </p:nvCxnSpPr>
+        <p:spPr>
+          <a:xfrm>
+            <a:off x="6520406" y="3347841"/>
+            <a:ext cx="2301806" cy="1915675"/>
+          </a:xfrm>
+          <a:prstGeom prst="straightConnector1">
+            <a:avLst/>
+          </a:prstGeom>
+          <a:ln w="127000">
+            <a:solidFill>
+              <a:schemeClr val="accent6">
+                <a:lumMod val="75000"/>
+              </a:schemeClr>
+            </a:solidFill>
+            <a:tailEnd type="triangle"/>
+          </a:ln>
+        </p:spPr>
+        <p:style>
+          <a:lnRef idx="1">
+            <a:schemeClr val="accent1"/>
+          </a:lnRef>
+          <a:fillRef idx="0">
+            <a:schemeClr val="accent1"/>
+          </a:fillRef>
+          <a:effectRef idx="0">
+            <a:schemeClr val="accent1"/>
+          </a:effectRef>
+          <a:fontRef idx="minor">
+            <a:schemeClr val="tx1"/>
+          </a:fontRef>
+        </p:style>
+      </p:cxnSp>
+      <p:sp>
+        <p:nvSpPr>
+          <p:cNvPr id="38" name="ZoneTexte 37">
+            <a:extLst>
+              <a:ext uri="{FF2B5EF4-FFF2-40B4-BE49-F238E27FC236}">
+                <a16:creationId xmlns:a16="http://schemas.microsoft.com/office/drawing/2014/main" id="{3E51368A-C3EC-DCF9-2D42-54C522F99A21}"/>
+              </a:ext>
+            </a:extLst>
+          </p:cNvPr>
+          <p:cNvSpPr txBox="1"/>
+          <p:nvPr/>
+        </p:nvSpPr>
+        <p:spPr>
+          <a:xfrm>
+            <a:off x="7218978" y="5412088"/>
+            <a:ext cx="1659171" cy="830997"/>
+          </a:xfrm>
+          <a:prstGeom prst="rect">
+            <a:avLst/>
+          </a:prstGeom>
+          <a:noFill/>
+        </p:spPr>
+        <p:txBody>
+          <a:bodyPr wrap="square" rtlCol="0">
+            <a:spAutoFit/>
+          </a:bodyPr>
+          <a:lstStyle/>
+          <a:p>
+            <a:r>
+              <a:rPr lang="fr-FR" sz="1600" dirty="0"/>
+              <a:t>HTTP POST</a:t>
+            </a:r>
+          </a:p>
+          <a:p>
+            <a:r>
+              <a:rPr lang="fr-FR" sz="1600" dirty="0">
+                <a:hlinkClick r:id="rId3"/>
+              </a:rPr>
+              <a:t>http://fibonacci</a:t>
+            </a:r>
+            <a:r>
+              <a:rPr lang="fr-FR" sz="1600" dirty="0"/>
+              <a:t> </a:t>
+            </a:r>
+            <a:br>
+              <a:rPr lang="fr-FR" sz="1600" dirty="0"/>
+            </a:br>
+            <a:r>
+              <a:rPr lang="fr-FR" sz="1600" dirty="0"/>
+              <a:t>{</a:t>
+            </a:r>
+            <a:r>
+              <a:rPr lang="fr-FR" sz="1600" b="0" i="0" dirty="0">
+                <a:effectLst/>
+                <a:latin typeface="-apple-system"/>
+              </a:rPr>
+              <a:t>"</a:t>
+            </a:r>
+            <a:r>
+              <a:rPr lang="fr-FR" sz="1600" dirty="0"/>
+              <a:t>input</a:t>
+            </a:r>
+            <a:r>
+              <a:rPr lang="fr-FR" sz="1600" b="0" i="0" dirty="0">
+                <a:effectLst/>
+                <a:latin typeface="-apple-system"/>
+              </a:rPr>
+              <a:t>"</a:t>
+            </a:r>
+            <a:r>
+              <a:rPr lang="fr-FR" sz="1600" dirty="0"/>
+              <a:t>:42}</a:t>
+            </a:r>
+          </a:p>
+        </p:txBody>
+      </p:sp>
+      <p:pic>
+        <p:nvPicPr>
+          <p:cNvPr id="5" name="Picture 2" descr="Afficher l’image source">
+            <a:extLst>
+              <a:ext uri="{FF2B5EF4-FFF2-40B4-BE49-F238E27FC236}">
+                <a16:creationId xmlns:a16="http://schemas.microsoft.com/office/drawing/2014/main" id="{9CF92849-9C7F-61C9-32C2-F99F37E01F43}"/>
+              </a:ext>
+            </a:extLst>
+          </p:cNvPr>
+          <p:cNvPicPr>
+            <a:picLocks noChangeAspect="1" noChangeArrowheads="1"/>
+          </p:cNvPicPr>
+          <p:nvPr/>
+        </p:nvPicPr>
+        <p:blipFill>
+          <a:blip r:embed="rId4">
+            <a:extLst>
+              <a:ext uri="{28A0092B-C50C-407E-A947-70E740481C1C}">
+                <a14:useLocalDpi xmlns:a14="http://schemas.microsoft.com/office/drawing/2010/main" val="0"/>
+              </a:ext>
+            </a:extLst>
+          </a:blip>
+          <a:srcRect/>
+          <a:stretch>
+            <a:fillRect/>
+          </a:stretch>
+        </p:blipFill>
+        <p:spPr bwMode="auto">
+          <a:xfrm>
+            <a:off x="4066798" y="2514707"/>
+            <a:ext cx="588793" cy="572693"/>
+          </a:xfrm>
+          <a:prstGeom prst="rect">
+            <a:avLst/>
+          </a:prstGeom>
+          <a:noFill/>
+          <a:extLst>
+            <a:ext uri="{909E8E84-426E-40DD-AFC4-6F175D3DCCD1}">
+              <a14:hiddenFill xmlns:a14="http://schemas.microsoft.com/office/drawing/2010/main">
+                <a:solidFill>
+                  <a:srgbClr val="FFFFFF"/>
+                </a:solidFill>
+              </a14:hiddenFill>
+            </a:ext>
+          </a:extLst>
+        </p:spPr>
+      </p:pic>
+    </p:spTree>
+    <p:extLst>
+      <p:ext uri="{BB962C8B-B14F-4D97-AF65-F5344CB8AC3E}">
+        <p14:creationId xmlns:p14="http://schemas.microsoft.com/office/powerpoint/2010/main" val="2176232589"/>
       </p:ext>
     </p:extLst>
   </p:cSld>
@@ -7196,6 +8246,34 @@
 </file>
 
 <file path=customXml/item1.xml><?xml version="1.0" encoding="utf-8"?>
+<p:properties xmlns:p="http://schemas.microsoft.com/office/2006/metadata/properties" xmlns:xsi="http://www.w3.org/2001/XMLSchema-instance" xmlns:pc="http://schemas.microsoft.com/office/infopath/2007/PartnerControls">
+  <documentManagement>
+    <SharedWithUsers xmlns="03cb9dc2-e9ea-44ac-afed-001b6fad4f36">
+      <UserInfo>
+        <DisplayName>LEMARCHAND THOMAS</DisplayName>
+        <AccountId>16</AccountId>
+        <AccountType/>
+      </UserInfo>
+      <UserInfo>
+        <DisplayName>CHERVET Guillaume</DisplayName>
+        <AccountId>84</AccountId>
+        <AccountType/>
+      </UserInfo>
+    </SharedWithUsers>
+  </documentManagement>
+</p:properties>
+</file>
+
+<file path=customXml/item2.xml><?xml version="1.0" encoding="utf-8"?>
+<?mso-contentType ?>
+<FormTemplates xmlns="http://schemas.microsoft.com/sharepoint/v3/contenttype/forms">
+  <Display>DocumentLibraryForm</Display>
+  <Edit>DocumentLibraryForm</Edit>
+  <New>DocumentLibraryForm</New>
+</FormTemplates>
+</file>
+
+<file path=customXml/item3.xml><?xml version="1.0" encoding="utf-8"?>
 <ct:contentTypeSchema xmlns:ct="http://schemas.microsoft.com/office/2006/metadata/contentType" xmlns:ma="http://schemas.microsoft.com/office/2006/metadata/properties/metaAttributes" ct:_="" ma:_="" ma:contentTypeName="Document" ma:contentTypeID="0x0101003BE0F011240A094E827BA56BE9109944" ma:contentTypeVersion="13" ma:contentTypeDescription="Create a new document." ma:contentTypeScope="" ma:versionID="5dc1144dd420c1d8a9ebf51c7358c8f0">
   <xsd:schema xmlns:xsd="http://www.w3.org/2001/XMLSchema" xmlns:xs="http://www.w3.org/2001/XMLSchema" xmlns:p="http://schemas.microsoft.com/office/2006/metadata/properties" xmlns:ns3="03cb9dc2-e9ea-44ac-afed-001b6fad4f36" xmlns:ns4="d0879fa5-f2db-41a7-8861-4a44e7ee3b24" targetNamespace="http://schemas.microsoft.com/office/2006/metadata/properties" ma:root="true" ma:fieldsID="6dda18631f78ef64168f1da1c53d30ff" ns3:_="" ns4:_="">
     <xsd:import namespace="03cb9dc2-e9ea-44ac-afed-001b6fad4f36"/>
@@ -7418,35 +8496,32 @@
 </ct:contentTypeSchema>
 </file>
 
-<file path=customXml/item2.xml><?xml version="1.0" encoding="utf-8"?>
-<?mso-contentType ?>
-<FormTemplates xmlns="http://schemas.microsoft.com/sharepoint/v3/contenttype/forms">
-  <Display>DocumentLibraryForm</Display>
-  <Edit>DocumentLibraryForm</Edit>
-  <New>DocumentLibraryForm</New>
-</FormTemplates>
+<file path=customXml/itemProps1.xml><?xml version="1.0" encoding="utf-8"?>
+<ds:datastoreItem xmlns:ds="http://schemas.openxmlformats.org/officeDocument/2006/customXml" ds:itemID="{C522BBC0-3E7A-472B-9CC6-34C5EA434DEE}">
+  <ds:schemaRefs>
+    <ds:schemaRef ds:uri="http://purl.org/dc/terms/"/>
+    <ds:schemaRef ds:uri="http://schemas.openxmlformats.org/package/2006/metadata/core-properties"/>
+    <ds:schemaRef ds:uri="http://purl.org/dc/dcmitype/"/>
+    <ds:schemaRef ds:uri="http://schemas.microsoft.com/office/infopath/2007/PartnerControls"/>
+    <ds:schemaRef ds:uri="http://schemas.microsoft.com/office/2006/documentManagement/types"/>
+    <ds:schemaRef ds:uri="http://purl.org/dc/elements/1.1/"/>
+    <ds:schemaRef ds:uri="http://schemas.microsoft.com/office/2006/metadata/properties"/>
+    <ds:schemaRef ds:uri="d0879fa5-f2db-41a7-8861-4a44e7ee3b24"/>
+    <ds:schemaRef ds:uri="03cb9dc2-e9ea-44ac-afed-001b6fad4f36"/>
+    <ds:schemaRef ds:uri="http://www.w3.org/XML/1998/namespace"/>
+  </ds:schemaRefs>
+</ds:datastoreItem>
 </file>
 
-<file path=customXml/item3.xml><?xml version="1.0" encoding="utf-8"?>
-<p:properties xmlns:p="http://schemas.microsoft.com/office/2006/metadata/properties" xmlns:xsi="http://www.w3.org/2001/XMLSchema-instance" xmlns:pc="http://schemas.microsoft.com/office/infopath/2007/PartnerControls">
-  <documentManagement>
-    <SharedWithUsers xmlns="03cb9dc2-e9ea-44ac-afed-001b6fad4f36">
-      <UserInfo>
-        <DisplayName>LEMARCHAND THOMAS</DisplayName>
-        <AccountId>16</AccountId>
-        <AccountType/>
-      </UserInfo>
-      <UserInfo>
-        <DisplayName>CHERVET Guillaume</DisplayName>
-        <AccountId>84</AccountId>
-        <AccountType/>
-      </UserInfo>
-    </SharedWithUsers>
-  </documentManagement>
-</p:properties>
+<file path=customXml/itemProps2.xml><?xml version="1.0" encoding="utf-8"?>
+<ds:datastoreItem xmlns:ds="http://schemas.openxmlformats.org/officeDocument/2006/customXml" ds:itemID="{05D7AB42-0DA9-4407-9B22-92C435FE7C62}">
+  <ds:schemaRefs>
+    <ds:schemaRef ds:uri="http://schemas.microsoft.com/sharepoint/v3/contenttype/forms"/>
+  </ds:schemaRefs>
+</ds:datastoreItem>
 </file>
 
-<file path=customXml/itemProps1.xml><?xml version="1.0" encoding="utf-8"?>
+<file path=customXml/itemProps3.xml><?xml version="1.0" encoding="utf-8"?>
 <ds:datastoreItem xmlns:ds="http://schemas.openxmlformats.org/officeDocument/2006/customXml" ds:itemID="{C72C7657-97CD-4958-88DD-F8AC87258741}">
   <ds:schemaRefs>
     <ds:schemaRef ds:uri="http://schemas.microsoft.com/office/2006/metadata/contentType"/>
@@ -7463,29 +8538,4 @@
     <ds:schemaRef ds:uri="http://schemas.microsoft.com/internal/obd"/>
   </ds:schemaRefs>
 </ds:datastoreItem>
-</file>
-
-<file path=customXml/itemProps2.xml><?xml version="1.0" encoding="utf-8"?>
-<ds:datastoreItem xmlns:ds="http://schemas.openxmlformats.org/officeDocument/2006/customXml" ds:itemID="{05D7AB42-0DA9-4407-9B22-92C435FE7C62}">
-  <ds:schemaRefs>
-    <ds:schemaRef ds:uri="http://schemas.microsoft.com/sharepoint/v3/contenttype/forms"/>
-  </ds:schemaRefs>
-</ds:datastoreItem>
-</file>
-
-<file path=customXml/itemProps3.xml><?xml version="1.0" encoding="utf-8"?>
-<ds:datastoreItem xmlns:ds="http://schemas.openxmlformats.org/officeDocument/2006/customXml" ds:itemID="{C522BBC0-3E7A-472B-9CC6-34C5EA434DEE}">
-  <ds:schemaRefs>
-    <ds:schemaRef ds:uri="http://purl.org/dc/terms/"/>
-    <ds:schemaRef ds:uri="http://schemas.openxmlformats.org/package/2006/metadata/core-properties"/>
-    <ds:schemaRef ds:uri="http://purl.org/dc/dcmitype/"/>
-    <ds:schemaRef ds:uri="http://schemas.microsoft.com/office/infopath/2007/PartnerControls"/>
-    <ds:schemaRef ds:uri="http://schemas.microsoft.com/office/2006/documentManagement/types"/>
-    <ds:schemaRef ds:uri="http://purl.org/dc/elements/1.1/"/>
-    <ds:schemaRef ds:uri="http://schemas.microsoft.com/office/2006/metadata/properties"/>
-    <ds:schemaRef ds:uri="d0879fa5-f2db-41a7-8861-4a44e7ee3b24"/>
-    <ds:schemaRef ds:uri="03cb9dc2-e9ea-44ac-afed-001b6fad4f36"/>
-    <ds:schemaRef ds:uri="http://www.w3.org/XML/1998/namespace"/>
-  </ds:schemaRefs>
-</ds:datastoreItem>
 </file>
--- a/documentation/slimfaas.pptx
+++ b/documentation/slimfaas.pptx
@@ -5,15 +5,16 @@
     <p:sldMasterId id="2147483648" r:id="rId4"/>
   </p:sldMasterIdLst>
   <p:notesMasterIdLst>
-    <p:notesMasterId r:id="rId8"/>
+    <p:notesMasterId r:id="rId9"/>
   </p:notesMasterIdLst>
   <p:handoutMasterIdLst>
-    <p:handoutMasterId r:id="rId9"/>
+    <p:handoutMasterId r:id="rId10"/>
   </p:handoutMasterIdLst>
   <p:sldIdLst>
     <p:sldId id="891" r:id="rId5"/>
     <p:sldId id="892" r:id="rId6"/>
     <p:sldId id="893" r:id="rId7"/>
+    <p:sldId id="894" r:id="rId8"/>
   </p:sldIdLst>
   <p:sldSz cx="12192000" cy="6858000"/>
   <p:notesSz cx="6858000" cy="9144000"/>
@@ -120,6 +121,7 @@
             <p14:sldId id="891"/>
             <p14:sldId id="892"/>
             <p14:sldId id="893"/>
+            <p14:sldId id="894"/>
           </p14:sldIdLst>
         </p14:section>
       </p14:sectionLst>
@@ -6379,9 +6381,16 @@
             <p:ph idx="1"/>
           </p:nvPr>
         </p:nvSpPr>
-        <p:spPr/>
-        <p:txBody>
-          <a:bodyPr/>
+        <p:spPr>
+          <a:xfrm>
+            <a:off x="0" y="6481822"/>
+            <a:ext cx="12192000" cy="376177"/>
+          </a:xfrm>
+        </p:spPr>
+        <p:txBody>
+          <a:bodyPr>
+            <a:normAutofit fontScale="92500" lnSpcReduction="20000"/>
+          </a:bodyPr>
           <a:lstStyle/>
           <a:p>
             <a:endParaRPr lang="fr-FR" dirty="0"/>
@@ -6535,7 +6544,22 @@
               <a:rPr lang="fr-FR" sz="1600" dirty="0">
                 <a:hlinkClick r:id="rId2"/>
               </a:rPr>
-              <a:t>http://slimfaas/publish/fibonacci</a:t>
+              <a:t>http://slimfaas/</a:t>
+            </a:r>
+            <a:r>
+              <a:rPr lang="fr-FR" sz="1600" dirty="0">
+                <a:highlight>
+                  <a:srgbClr val="FFFF00"/>
+                </a:highlight>
+                <a:hlinkClick r:id="rId2"/>
+              </a:rPr>
+              <a:t>publish</a:t>
+            </a:r>
+            <a:r>
+              <a:rPr lang="fr-FR" sz="1600" dirty="0">
+                <a:hlinkClick r:id="rId2"/>
+              </a:rPr>
+              <a:t>/fibonacci</a:t>
             </a:r>
             <a:endParaRPr lang="fr-FR" sz="1600" dirty="0"/>
           </a:p>
@@ -6701,23 +6725,7 @@
                   <a:schemeClr val="bg1"/>
                 </a:solidFill>
               </a:rPr>
-              <a:t>function « </a:t>
-            </a:r>
-            <a:r>
-              <a:rPr lang="fr-FR" sz="2400" dirty="0" err="1">
-                <a:solidFill>
-                  <a:schemeClr val="bg1"/>
-                </a:solidFill>
-              </a:rPr>
-              <a:t>fibonacci</a:t>
-            </a:r>
-            <a:r>
-              <a:rPr lang="fr-FR" sz="2400" dirty="0">
-                <a:solidFill>
-                  <a:schemeClr val="bg1"/>
-                </a:solidFill>
-              </a:rPr>
-              <a:t> » instance 1</a:t>
+              <a:t>function « fibonacci » instance 1</a:t>
             </a:r>
             <a:endParaRPr lang="en-FR" sz="2400" dirty="0">
               <a:solidFill>
@@ -6949,36 +6957,12 @@
           <a:p>
             <a:pPr algn="ctr"/>
             <a:r>
-              <a:rPr lang="fr-FR" sz="2400" dirty="0" err="1">
-                <a:solidFill>
-                  <a:schemeClr val="bg1"/>
-                </a:solidFill>
-              </a:rPr>
-              <a:t>function</a:t>
-            </a:r>
-            <a:r>
               <a:rPr lang="fr-FR" sz="2400" dirty="0">
                 <a:solidFill>
                   <a:schemeClr val="bg1"/>
                 </a:solidFill>
               </a:rPr>
-              <a:t> « </a:t>
-            </a:r>
-            <a:r>
-              <a:rPr lang="fr-FR" sz="2400" dirty="0" err="1">
-                <a:solidFill>
-                  <a:schemeClr val="bg1"/>
-                </a:solidFill>
-              </a:rPr>
-              <a:t>fibonacci</a:t>
-            </a:r>
-            <a:r>
-              <a:rPr lang="fr-FR" sz="2400" dirty="0">
-                <a:solidFill>
-                  <a:schemeClr val="bg1"/>
-                </a:solidFill>
-              </a:rPr>
-              <a:t> » instance 2</a:t>
+              <a:t>function « fibonacci » instance 2</a:t>
             </a:r>
           </a:p>
         </p:txBody>
@@ -7129,36 +7113,12 @@
           <a:p>
             <a:pPr algn="ctr"/>
             <a:r>
-              <a:rPr lang="fr-FR" sz="2400" dirty="0" err="1">
-                <a:solidFill>
-                  <a:schemeClr val="bg1"/>
-                </a:solidFill>
-              </a:rPr>
-              <a:t>function</a:t>
-            </a:r>
-            <a:r>
               <a:rPr lang="fr-FR" sz="2400" dirty="0">
                 <a:solidFill>
                   <a:schemeClr val="bg1"/>
                 </a:solidFill>
               </a:rPr>
-              <a:t> « </a:t>
-            </a:r>
-            <a:r>
-              <a:rPr lang="fr-FR" sz="2400" dirty="0" err="1">
-                <a:solidFill>
-                  <a:schemeClr val="bg1"/>
-                </a:solidFill>
-              </a:rPr>
-              <a:t>fibonacci</a:t>
-            </a:r>
-            <a:r>
-              <a:rPr lang="fr-FR" sz="2400" dirty="0">
-                <a:solidFill>
-                  <a:schemeClr val="bg1"/>
-                </a:solidFill>
-              </a:rPr>
-              <a:t> » instance 3</a:t>
+              <a:t>function « fibonacci » instance 3</a:t>
             </a:r>
           </a:p>
         </p:txBody>
@@ -7385,6 +7345,1012 @@
     <p:extLst>
       <p:ext uri="{BB962C8B-B14F-4D97-AF65-F5344CB8AC3E}">
         <p14:creationId xmlns:p14="http://schemas.microsoft.com/office/powerpoint/2010/main" val="2176232589"/>
+      </p:ext>
+    </p:extLst>
+  </p:cSld>
+  <p:clrMapOvr>
+    <a:masterClrMapping/>
+  </p:clrMapOvr>
+</p:sld>
+</file>
+
+<file path=ppt/slides/slide4.xml><?xml version="1.0" encoding="utf-8"?>
+<p:sld xmlns:a="http://schemas.openxmlformats.org/drawingml/2006/main" xmlns:r="http://schemas.openxmlformats.org/officeDocument/2006/relationships" xmlns:p="http://schemas.openxmlformats.org/presentationml/2006/main">
+  <p:cSld>
+    <p:spTree>
+      <p:nvGrpSpPr>
+        <p:cNvPr id="1" name=""/>
+        <p:cNvGrpSpPr/>
+        <p:nvPr/>
+      </p:nvGrpSpPr>
+      <p:grpSpPr>
+        <a:xfrm>
+          <a:off x="0" y="0"/>
+          <a:ext cx="0" cy="0"/>
+          <a:chOff x="0" y="0"/>
+          <a:chExt cx="0" cy="0"/>
+        </a:xfrm>
+      </p:grpSpPr>
+      <p:sp>
+        <p:nvSpPr>
+          <p:cNvPr id="3" name="Espace réservé du contenu 2">
+            <a:extLst>
+              <a:ext uri="{FF2B5EF4-FFF2-40B4-BE49-F238E27FC236}">
+                <a16:creationId xmlns:a16="http://schemas.microsoft.com/office/drawing/2014/main" id="{FC72177F-6E5E-241E-BA74-8D91DC6E05F3}"/>
+              </a:ext>
+            </a:extLst>
+          </p:cNvPr>
+          <p:cNvSpPr>
+            <a:spLocks noGrp="1"/>
+          </p:cNvSpPr>
+          <p:nvPr>
+            <p:ph idx="1"/>
+          </p:nvPr>
+        </p:nvSpPr>
+        <p:spPr>
+          <a:xfrm>
+            <a:off x="0" y="6391656"/>
+            <a:ext cx="12192000" cy="466343"/>
+          </a:xfrm>
+        </p:spPr>
+        <p:txBody>
+          <a:bodyPr>
+            <a:normAutofit lnSpcReduction="10000"/>
+          </a:bodyPr>
+          <a:lstStyle/>
+          <a:p>
+            <a:endParaRPr lang="fr-FR" dirty="0"/>
+          </a:p>
+        </p:txBody>
+      </p:sp>
+      <p:sp>
+        <p:nvSpPr>
+          <p:cNvPr id="6" name="Rounded Rectangle 44">
+            <a:extLst>
+              <a:ext uri="{FF2B5EF4-FFF2-40B4-BE49-F238E27FC236}">
+                <a16:creationId xmlns:a16="http://schemas.microsoft.com/office/drawing/2014/main" id="{DDD08BA0-70BB-583F-312D-C1BE714A89E8}"/>
+              </a:ext>
+            </a:extLst>
+          </p:cNvPr>
+          <p:cNvSpPr/>
+          <p:nvPr/>
+        </p:nvSpPr>
+        <p:spPr>
+          <a:xfrm>
+            <a:off x="4275182" y="2785207"/>
+            <a:ext cx="2245224" cy="1125268"/>
+          </a:xfrm>
+          <a:prstGeom prst="roundRect">
+            <a:avLst/>
+          </a:prstGeom>
+          <a:solidFill>
+            <a:schemeClr val="bg2">
+              <a:lumMod val="25000"/>
+            </a:schemeClr>
+          </a:solidFill>
+          <a:ln>
+            <a:noFill/>
+          </a:ln>
+        </p:spPr>
+        <p:style>
+          <a:lnRef idx="2">
+            <a:schemeClr val="accent1">
+              <a:shade val="50000"/>
+            </a:schemeClr>
+          </a:lnRef>
+          <a:fillRef idx="1">
+            <a:schemeClr val="accent1"/>
+          </a:fillRef>
+          <a:effectRef idx="0">
+            <a:schemeClr val="accent1"/>
+          </a:effectRef>
+          <a:fontRef idx="minor">
+            <a:schemeClr val="lt1"/>
+          </a:fontRef>
+        </p:style>
+        <p:txBody>
+          <a:bodyPr rtlCol="0" anchor="ctr"/>
+          <a:lstStyle/>
+          <a:p>
+            <a:pPr algn="ctr"/>
+            <a:r>
+              <a:rPr lang="en-US" sz="2400" dirty="0">
+                <a:solidFill>
+                  <a:schemeClr val="bg1"/>
+                </a:solidFill>
+              </a:rPr>
+              <a:t>SlimFaas</a:t>
+            </a:r>
+          </a:p>
+        </p:txBody>
+      </p:sp>
+      <p:cxnSp>
+        <p:nvCxnSpPr>
+          <p:cNvPr id="7" name="Connecteur droit avec flèche 6">
+            <a:extLst>
+              <a:ext uri="{FF2B5EF4-FFF2-40B4-BE49-F238E27FC236}">
+                <a16:creationId xmlns:a16="http://schemas.microsoft.com/office/drawing/2014/main" id="{2846A4F1-5F1E-1B4A-EAEC-F51C758D93A6}"/>
+              </a:ext>
+            </a:extLst>
+          </p:cNvPr>
+          <p:cNvCxnSpPr>
+            <a:cxnSpLocks/>
+            <a:stCxn id="8" idx="3"/>
+            <a:endCxn id="6" idx="1"/>
+          </p:cNvCxnSpPr>
+          <p:nvPr/>
+        </p:nvCxnSpPr>
+        <p:spPr>
+          <a:xfrm flipV="1">
+            <a:off x="3699119" y="3347841"/>
+            <a:ext cx="576063" cy="4215"/>
+          </a:xfrm>
+          <a:prstGeom prst="straightConnector1">
+            <a:avLst/>
+          </a:prstGeom>
+          <a:ln w="127000">
+            <a:solidFill>
+              <a:schemeClr val="accent6">
+                <a:lumMod val="75000"/>
+              </a:schemeClr>
+            </a:solidFill>
+            <a:tailEnd type="triangle"/>
+          </a:ln>
+        </p:spPr>
+        <p:style>
+          <a:lnRef idx="1">
+            <a:schemeClr val="accent1"/>
+          </a:lnRef>
+          <a:fillRef idx="0">
+            <a:schemeClr val="accent1"/>
+          </a:fillRef>
+          <a:effectRef idx="0">
+            <a:schemeClr val="accent1"/>
+          </a:effectRef>
+          <a:fontRef idx="minor">
+            <a:schemeClr val="tx1"/>
+          </a:fontRef>
+        </p:style>
+      </p:cxnSp>
+      <p:sp>
+        <p:nvSpPr>
+          <p:cNvPr id="8" name="ZoneTexte 7">
+            <a:extLst>
+              <a:ext uri="{FF2B5EF4-FFF2-40B4-BE49-F238E27FC236}">
+                <a16:creationId xmlns:a16="http://schemas.microsoft.com/office/drawing/2014/main" id="{AC32730B-6D07-37BE-5E05-17826CC33CC8}"/>
+              </a:ext>
+            </a:extLst>
+          </p:cNvPr>
+          <p:cNvSpPr txBox="1"/>
+          <p:nvPr/>
+        </p:nvSpPr>
+        <p:spPr>
+          <a:xfrm>
+            <a:off x="61124" y="2936557"/>
+            <a:ext cx="3637995" cy="830997"/>
+          </a:xfrm>
+          <a:prstGeom prst="rect">
+            <a:avLst/>
+          </a:prstGeom>
+          <a:noFill/>
+        </p:spPr>
+        <p:txBody>
+          <a:bodyPr wrap="square" rtlCol="0">
+            <a:spAutoFit/>
+          </a:bodyPr>
+          <a:lstStyle/>
+          <a:p>
+            <a:r>
+              <a:rPr lang="fr-FR" sz="1600" dirty="0"/>
+              <a:t>HTTP POST</a:t>
+            </a:r>
+          </a:p>
+          <a:p>
+            <a:r>
+              <a:rPr lang="fr-FR" sz="1600" dirty="0">
+                <a:hlinkClick r:id="rId2"/>
+              </a:rPr>
+              <a:t>http://slimfaas/</a:t>
+            </a:r>
+            <a:r>
+              <a:rPr lang="fr-FR" sz="1600" dirty="0">
+                <a:highlight>
+                  <a:srgbClr val="FFFF00"/>
+                </a:highlight>
+                <a:hlinkClick r:id="rId2"/>
+              </a:rPr>
+              <a:t>async-publish</a:t>
+            </a:r>
+            <a:r>
+              <a:rPr lang="fr-FR" sz="1600" dirty="0">
+                <a:hlinkClick r:id="rId2"/>
+              </a:rPr>
+              <a:t>/fibonacci</a:t>
+            </a:r>
+            <a:endParaRPr lang="fr-FR" sz="1600" dirty="0"/>
+          </a:p>
+          <a:p>
+            <a:r>
+              <a:rPr lang="fr-FR" sz="1600" dirty="0"/>
+              <a:t>{</a:t>
+            </a:r>
+            <a:r>
+              <a:rPr lang="fr-FR" sz="1600" b="0" i="0" dirty="0">
+                <a:effectLst/>
+                <a:latin typeface="-apple-system"/>
+              </a:rPr>
+              <a:t>"</a:t>
+            </a:r>
+            <a:r>
+              <a:rPr lang="fr-FR" sz="1600" dirty="0"/>
+              <a:t>input</a:t>
+            </a:r>
+            <a:r>
+              <a:rPr lang="fr-FR" sz="1600" b="0" i="0" dirty="0">
+                <a:effectLst/>
+                <a:latin typeface="-apple-system"/>
+              </a:rPr>
+              <a:t>"</a:t>
+            </a:r>
+            <a:r>
+              <a:rPr lang="fr-FR" sz="1600" dirty="0"/>
+              <a:t>:42}</a:t>
+            </a:r>
+          </a:p>
+        </p:txBody>
+      </p:sp>
+      <p:sp>
+        <p:nvSpPr>
+          <p:cNvPr id="9" name="ZoneTexte 8">
+            <a:extLst>
+              <a:ext uri="{FF2B5EF4-FFF2-40B4-BE49-F238E27FC236}">
+                <a16:creationId xmlns:a16="http://schemas.microsoft.com/office/drawing/2014/main" id="{6611272C-28EE-7524-CD4D-AAE3B72A1A73}"/>
+              </a:ext>
+            </a:extLst>
+          </p:cNvPr>
+          <p:cNvSpPr txBox="1"/>
+          <p:nvPr/>
+        </p:nvSpPr>
+        <p:spPr>
+          <a:xfrm>
+            <a:off x="6542729" y="997387"/>
+            <a:ext cx="1659171" cy="830997"/>
+          </a:xfrm>
+          <a:prstGeom prst="rect">
+            <a:avLst/>
+          </a:prstGeom>
+          <a:noFill/>
+        </p:spPr>
+        <p:txBody>
+          <a:bodyPr wrap="square" rtlCol="0">
+            <a:spAutoFit/>
+          </a:bodyPr>
+          <a:lstStyle/>
+          <a:p>
+            <a:r>
+              <a:rPr lang="fr-FR" sz="1600" dirty="0"/>
+              <a:t>HTTP POST</a:t>
+            </a:r>
+          </a:p>
+          <a:p>
+            <a:r>
+              <a:rPr lang="fr-FR" sz="1600" dirty="0">
+                <a:hlinkClick r:id="rId3"/>
+              </a:rPr>
+              <a:t>http://fibonacci</a:t>
+            </a:r>
+            <a:r>
+              <a:rPr lang="fr-FR" sz="1600" dirty="0"/>
+              <a:t> </a:t>
+            </a:r>
+            <a:br>
+              <a:rPr lang="fr-FR" sz="1600" dirty="0"/>
+            </a:br>
+            <a:r>
+              <a:rPr lang="fr-FR" sz="1600" dirty="0"/>
+              <a:t>{</a:t>
+            </a:r>
+            <a:r>
+              <a:rPr lang="fr-FR" sz="1600" b="0" i="0" dirty="0">
+                <a:effectLst/>
+                <a:latin typeface="-apple-system"/>
+              </a:rPr>
+              <a:t>"</a:t>
+            </a:r>
+            <a:r>
+              <a:rPr lang="fr-FR" sz="1600" dirty="0"/>
+              <a:t>input</a:t>
+            </a:r>
+            <a:r>
+              <a:rPr lang="fr-FR" sz="1600" b="0" i="0" dirty="0">
+                <a:effectLst/>
+                <a:latin typeface="-apple-system"/>
+              </a:rPr>
+              <a:t>"</a:t>
+            </a:r>
+            <a:r>
+              <a:rPr lang="fr-FR" sz="1600" dirty="0"/>
+              <a:t>:42}</a:t>
+            </a:r>
+          </a:p>
+        </p:txBody>
+      </p:sp>
+      <p:sp>
+        <p:nvSpPr>
+          <p:cNvPr id="10" name="Rounded Rectangle 45">
+            <a:extLst>
+              <a:ext uri="{FF2B5EF4-FFF2-40B4-BE49-F238E27FC236}">
+                <a16:creationId xmlns:a16="http://schemas.microsoft.com/office/drawing/2014/main" id="{D79C9965-A2CD-C2C1-A01C-697EABB121C8}"/>
+              </a:ext>
+            </a:extLst>
+          </p:cNvPr>
+          <p:cNvSpPr/>
+          <p:nvPr/>
+        </p:nvSpPr>
+        <p:spPr>
+          <a:xfrm>
+            <a:off x="8812333" y="509182"/>
+            <a:ext cx="3040144" cy="1540322"/>
+          </a:xfrm>
+          <a:prstGeom prst="roundRect">
+            <a:avLst/>
+          </a:prstGeom>
+          <a:solidFill>
+            <a:schemeClr val="bg2">
+              <a:lumMod val="25000"/>
+            </a:schemeClr>
+          </a:solidFill>
+          <a:ln>
+            <a:noFill/>
+          </a:ln>
+        </p:spPr>
+        <p:style>
+          <a:lnRef idx="2">
+            <a:schemeClr val="accent1">
+              <a:shade val="50000"/>
+            </a:schemeClr>
+          </a:lnRef>
+          <a:fillRef idx="1">
+            <a:schemeClr val="accent1"/>
+          </a:fillRef>
+          <a:effectRef idx="0">
+            <a:schemeClr val="accent1"/>
+          </a:effectRef>
+          <a:fontRef idx="minor">
+            <a:schemeClr val="lt1"/>
+          </a:fontRef>
+        </p:style>
+        <p:txBody>
+          <a:bodyPr rtlCol="0" anchor="ctr"/>
+          <a:lstStyle/>
+          <a:p>
+            <a:pPr algn="ctr"/>
+            <a:r>
+              <a:rPr lang="fr-FR" sz="2400" dirty="0">
+                <a:solidFill>
+                  <a:schemeClr val="bg1"/>
+                </a:solidFill>
+              </a:rPr>
+              <a:t>function « fibonacci » instance 1</a:t>
+            </a:r>
+            <a:endParaRPr lang="en-FR" sz="2400" dirty="0">
+              <a:solidFill>
+                <a:schemeClr val="bg1"/>
+              </a:solidFill>
+            </a:endParaRPr>
+          </a:p>
+        </p:txBody>
+      </p:sp>
+      <p:pic>
+        <p:nvPicPr>
+          <p:cNvPr id="11" name="Picture 2" descr="Afficher l’image source">
+            <a:extLst>
+              <a:ext uri="{FF2B5EF4-FFF2-40B4-BE49-F238E27FC236}">
+                <a16:creationId xmlns:a16="http://schemas.microsoft.com/office/drawing/2014/main" id="{B80A9736-02F1-1190-8A3C-F71D0B8C1D08}"/>
+              </a:ext>
+            </a:extLst>
+          </p:cNvPr>
+          <p:cNvPicPr>
+            <a:picLocks noChangeAspect="1" noChangeArrowheads="1"/>
+          </p:cNvPicPr>
+          <p:nvPr/>
+        </p:nvPicPr>
+        <p:blipFill>
+          <a:blip r:embed="rId4">
+            <a:extLst>
+              <a:ext uri="{28A0092B-C50C-407E-A947-70E740481C1C}">
+                <a14:useLocalDpi xmlns:a14="http://schemas.microsoft.com/office/drawing/2010/main" val="0"/>
+              </a:ext>
+            </a:extLst>
+          </a:blip>
+          <a:srcRect/>
+          <a:stretch>
+            <a:fillRect/>
+          </a:stretch>
+        </p:blipFill>
+        <p:spPr bwMode="auto">
+          <a:xfrm>
+            <a:off x="8618142" y="206059"/>
+            <a:ext cx="588793" cy="572693"/>
+          </a:xfrm>
+          <a:prstGeom prst="rect">
+            <a:avLst/>
+          </a:prstGeom>
+          <a:noFill/>
+          <a:extLst>
+            <a:ext uri="{909E8E84-426E-40DD-AFC4-6F175D3DCCD1}">
+              <a14:hiddenFill xmlns:a14="http://schemas.microsoft.com/office/drawing/2010/main">
+                <a:solidFill>
+                  <a:srgbClr val="FFFFFF"/>
+                </a:solidFill>
+              </a14:hiddenFill>
+            </a:ext>
+          </a:extLst>
+        </p:spPr>
+      </p:pic>
+      <p:cxnSp>
+        <p:nvCxnSpPr>
+          <p:cNvPr id="12" name="Connecteur droit avec flèche 11">
+            <a:extLst>
+              <a:ext uri="{FF2B5EF4-FFF2-40B4-BE49-F238E27FC236}">
+                <a16:creationId xmlns:a16="http://schemas.microsoft.com/office/drawing/2014/main" id="{3AFE1186-6876-1E2D-BB90-BFA726C0ACA3}"/>
+              </a:ext>
+            </a:extLst>
+          </p:cNvPr>
+          <p:cNvCxnSpPr>
+            <a:cxnSpLocks/>
+            <a:stCxn id="6" idx="3"/>
+            <a:endCxn id="10" idx="1"/>
+          </p:cNvCxnSpPr>
+          <p:nvPr/>
+        </p:nvCxnSpPr>
+        <p:spPr>
+          <a:xfrm flipV="1">
+            <a:off x="6520406" y="1279343"/>
+            <a:ext cx="2291927" cy="2068498"/>
+          </a:xfrm>
+          <a:prstGeom prst="straightConnector1">
+            <a:avLst/>
+          </a:prstGeom>
+          <a:ln w="127000">
+            <a:solidFill>
+              <a:schemeClr val="accent6">
+                <a:lumMod val="75000"/>
+              </a:schemeClr>
+            </a:solidFill>
+            <a:tailEnd type="triangle"/>
+          </a:ln>
+        </p:spPr>
+        <p:style>
+          <a:lnRef idx="1">
+            <a:schemeClr val="accent1"/>
+          </a:lnRef>
+          <a:fillRef idx="0">
+            <a:schemeClr val="accent1"/>
+          </a:fillRef>
+          <a:effectRef idx="0">
+            <a:schemeClr val="accent1"/>
+          </a:effectRef>
+          <a:fontRef idx="minor">
+            <a:schemeClr val="tx1"/>
+          </a:fontRef>
+        </p:style>
+      </p:cxnSp>
+      <p:sp>
+        <p:nvSpPr>
+          <p:cNvPr id="22" name="ZoneTexte 21">
+            <a:extLst>
+              <a:ext uri="{FF2B5EF4-FFF2-40B4-BE49-F238E27FC236}">
+                <a16:creationId xmlns:a16="http://schemas.microsoft.com/office/drawing/2014/main" id="{B20F6461-EFC4-60A1-6479-F83792C4E189}"/>
+              </a:ext>
+            </a:extLst>
+          </p:cNvPr>
+          <p:cNvSpPr txBox="1"/>
+          <p:nvPr/>
+        </p:nvSpPr>
+        <p:spPr>
+          <a:xfrm>
+            <a:off x="7304194" y="3284661"/>
+            <a:ext cx="1659171" cy="830997"/>
+          </a:xfrm>
+          <a:prstGeom prst="rect">
+            <a:avLst/>
+          </a:prstGeom>
+          <a:noFill/>
+        </p:spPr>
+        <p:txBody>
+          <a:bodyPr wrap="square" rtlCol="0">
+            <a:spAutoFit/>
+          </a:bodyPr>
+          <a:lstStyle/>
+          <a:p>
+            <a:r>
+              <a:rPr lang="fr-FR" sz="1600" dirty="0"/>
+              <a:t>HTTP POST</a:t>
+            </a:r>
+          </a:p>
+          <a:p>
+            <a:r>
+              <a:rPr lang="fr-FR" sz="1600" dirty="0">
+                <a:hlinkClick r:id="rId3"/>
+              </a:rPr>
+              <a:t>http://fibonacci</a:t>
+            </a:r>
+            <a:r>
+              <a:rPr lang="fr-FR" sz="1600" dirty="0"/>
+              <a:t> </a:t>
+            </a:r>
+            <a:br>
+              <a:rPr lang="fr-FR" sz="1600" dirty="0"/>
+            </a:br>
+            <a:r>
+              <a:rPr lang="fr-FR" sz="1600" dirty="0"/>
+              <a:t>{</a:t>
+            </a:r>
+            <a:r>
+              <a:rPr lang="fr-FR" sz="1600" b="0" i="0" dirty="0">
+                <a:effectLst/>
+                <a:latin typeface="-apple-system"/>
+              </a:rPr>
+              <a:t>"</a:t>
+            </a:r>
+            <a:r>
+              <a:rPr lang="fr-FR" sz="1600" dirty="0"/>
+              <a:t>input</a:t>
+            </a:r>
+            <a:r>
+              <a:rPr lang="fr-FR" sz="1600" b="0" i="0" dirty="0">
+                <a:effectLst/>
+                <a:latin typeface="-apple-system"/>
+              </a:rPr>
+              <a:t>"</a:t>
+            </a:r>
+            <a:r>
+              <a:rPr lang="fr-FR" sz="1600" dirty="0"/>
+              <a:t>:42}</a:t>
+            </a:r>
+          </a:p>
+        </p:txBody>
+      </p:sp>
+      <p:sp>
+        <p:nvSpPr>
+          <p:cNvPr id="23" name="Rounded Rectangle 45">
+            <a:extLst>
+              <a:ext uri="{FF2B5EF4-FFF2-40B4-BE49-F238E27FC236}">
+                <a16:creationId xmlns:a16="http://schemas.microsoft.com/office/drawing/2014/main" id="{02CDF874-6617-192D-7FBF-DFCDF050DE8B}"/>
+              </a:ext>
+            </a:extLst>
+          </p:cNvPr>
+          <p:cNvSpPr/>
+          <p:nvPr/>
+        </p:nvSpPr>
+        <p:spPr>
+          <a:xfrm>
+            <a:off x="8858733" y="2401822"/>
+            <a:ext cx="3040144" cy="1540322"/>
+          </a:xfrm>
+          <a:prstGeom prst="roundRect">
+            <a:avLst/>
+          </a:prstGeom>
+          <a:solidFill>
+            <a:schemeClr val="bg2">
+              <a:lumMod val="25000"/>
+            </a:schemeClr>
+          </a:solidFill>
+          <a:ln>
+            <a:noFill/>
+          </a:ln>
+        </p:spPr>
+        <p:style>
+          <a:lnRef idx="2">
+            <a:schemeClr val="accent1">
+              <a:shade val="50000"/>
+            </a:schemeClr>
+          </a:lnRef>
+          <a:fillRef idx="1">
+            <a:schemeClr val="accent1"/>
+          </a:fillRef>
+          <a:effectRef idx="0">
+            <a:schemeClr val="accent1"/>
+          </a:effectRef>
+          <a:fontRef idx="minor">
+            <a:schemeClr val="lt1"/>
+          </a:fontRef>
+        </p:style>
+        <p:txBody>
+          <a:bodyPr rtlCol="0" anchor="ctr"/>
+          <a:lstStyle/>
+          <a:p>
+            <a:pPr algn="ctr"/>
+            <a:r>
+              <a:rPr lang="fr-FR" sz="2400" dirty="0">
+                <a:solidFill>
+                  <a:schemeClr val="bg1"/>
+                </a:solidFill>
+              </a:rPr>
+              <a:t>function « fibonacci » instance 2</a:t>
+            </a:r>
+          </a:p>
+        </p:txBody>
+      </p:sp>
+      <p:pic>
+        <p:nvPicPr>
+          <p:cNvPr id="24" name="Picture 2" descr="Afficher l’image source">
+            <a:extLst>
+              <a:ext uri="{FF2B5EF4-FFF2-40B4-BE49-F238E27FC236}">
+                <a16:creationId xmlns:a16="http://schemas.microsoft.com/office/drawing/2014/main" id="{6367FF6E-BE42-9237-982C-7249BC298201}"/>
+              </a:ext>
+            </a:extLst>
+          </p:cNvPr>
+          <p:cNvPicPr>
+            <a:picLocks noChangeAspect="1" noChangeArrowheads="1"/>
+          </p:cNvPicPr>
+          <p:nvPr/>
+        </p:nvPicPr>
+        <p:blipFill>
+          <a:blip r:embed="rId4">
+            <a:extLst>
+              <a:ext uri="{28A0092B-C50C-407E-A947-70E740481C1C}">
+                <a14:useLocalDpi xmlns:a14="http://schemas.microsoft.com/office/drawing/2010/main" val="0"/>
+              </a:ext>
+            </a:extLst>
+          </a:blip>
+          <a:srcRect/>
+          <a:stretch>
+            <a:fillRect/>
+          </a:stretch>
+        </p:blipFill>
+        <p:spPr bwMode="auto">
+          <a:xfrm>
+            <a:off x="8799603" y="2111546"/>
+            <a:ext cx="588793" cy="572693"/>
+          </a:xfrm>
+          <a:prstGeom prst="rect">
+            <a:avLst/>
+          </a:prstGeom>
+          <a:noFill/>
+          <a:extLst>
+            <a:ext uri="{909E8E84-426E-40DD-AFC4-6F175D3DCCD1}">
+              <a14:hiddenFill xmlns:a14="http://schemas.microsoft.com/office/drawing/2010/main">
+                <a:solidFill>
+                  <a:srgbClr val="FFFFFF"/>
+                </a:solidFill>
+              </a14:hiddenFill>
+            </a:ext>
+          </a:extLst>
+        </p:spPr>
+      </p:pic>
+      <p:cxnSp>
+        <p:nvCxnSpPr>
+          <p:cNvPr id="25" name="Connecteur droit avec flèche 24">
+            <a:extLst>
+              <a:ext uri="{FF2B5EF4-FFF2-40B4-BE49-F238E27FC236}">
+                <a16:creationId xmlns:a16="http://schemas.microsoft.com/office/drawing/2014/main" id="{47CCB34C-BDE9-83E6-DBE9-369CE229F27F}"/>
+              </a:ext>
+            </a:extLst>
+          </p:cNvPr>
+          <p:cNvCxnSpPr>
+            <a:cxnSpLocks/>
+            <a:stCxn id="6" idx="3"/>
+            <a:endCxn id="23" idx="1"/>
+          </p:cNvCxnSpPr>
+          <p:nvPr/>
+        </p:nvCxnSpPr>
+        <p:spPr>
+          <a:xfrm flipV="1">
+            <a:off x="6520406" y="3171983"/>
+            <a:ext cx="2338327" cy="175858"/>
+          </a:xfrm>
+          <a:prstGeom prst="straightConnector1">
+            <a:avLst/>
+          </a:prstGeom>
+          <a:ln w="127000">
+            <a:solidFill>
+              <a:schemeClr val="accent6">
+                <a:lumMod val="75000"/>
+              </a:schemeClr>
+            </a:solidFill>
+            <a:tailEnd type="triangle"/>
+          </a:ln>
+        </p:spPr>
+        <p:style>
+          <a:lnRef idx="1">
+            <a:schemeClr val="accent1"/>
+          </a:lnRef>
+          <a:fillRef idx="0">
+            <a:schemeClr val="accent1"/>
+          </a:fillRef>
+          <a:effectRef idx="0">
+            <a:schemeClr val="accent1"/>
+          </a:effectRef>
+          <a:fontRef idx="minor">
+            <a:schemeClr val="tx1"/>
+          </a:fontRef>
+        </p:style>
+      </p:cxnSp>
+      <p:sp>
+        <p:nvSpPr>
+          <p:cNvPr id="28" name="Rounded Rectangle 45">
+            <a:extLst>
+              <a:ext uri="{FF2B5EF4-FFF2-40B4-BE49-F238E27FC236}">
+                <a16:creationId xmlns:a16="http://schemas.microsoft.com/office/drawing/2014/main" id="{38FF5A4C-559C-1D52-9476-314AAD56BECB}"/>
+              </a:ext>
+            </a:extLst>
+          </p:cNvPr>
+          <p:cNvSpPr/>
+          <p:nvPr/>
+        </p:nvSpPr>
+        <p:spPr>
+          <a:xfrm>
+            <a:off x="8822212" y="4493355"/>
+            <a:ext cx="3040144" cy="1540322"/>
+          </a:xfrm>
+          <a:prstGeom prst="roundRect">
+            <a:avLst/>
+          </a:prstGeom>
+          <a:solidFill>
+            <a:schemeClr val="bg2">
+              <a:lumMod val="25000"/>
+            </a:schemeClr>
+          </a:solidFill>
+          <a:ln>
+            <a:noFill/>
+          </a:ln>
+        </p:spPr>
+        <p:style>
+          <a:lnRef idx="2">
+            <a:schemeClr val="accent1">
+              <a:shade val="50000"/>
+            </a:schemeClr>
+          </a:lnRef>
+          <a:fillRef idx="1">
+            <a:schemeClr val="accent1"/>
+          </a:fillRef>
+          <a:effectRef idx="0">
+            <a:schemeClr val="accent1"/>
+          </a:effectRef>
+          <a:fontRef idx="minor">
+            <a:schemeClr val="lt1"/>
+          </a:fontRef>
+        </p:style>
+        <p:txBody>
+          <a:bodyPr rtlCol="0" anchor="ctr"/>
+          <a:lstStyle/>
+          <a:p>
+            <a:pPr algn="ctr"/>
+            <a:r>
+              <a:rPr lang="fr-FR" sz="2400" dirty="0">
+                <a:solidFill>
+                  <a:schemeClr val="bg1"/>
+                </a:solidFill>
+              </a:rPr>
+              <a:t>function « fibonacci » instance 3</a:t>
+            </a:r>
+          </a:p>
+        </p:txBody>
+      </p:sp>
+      <p:pic>
+        <p:nvPicPr>
+          <p:cNvPr id="29" name="Picture 2" descr="Afficher l’image source">
+            <a:extLst>
+              <a:ext uri="{FF2B5EF4-FFF2-40B4-BE49-F238E27FC236}">
+                <a16:creationId xmlns:a16="http://schemas.microsoft.com/office/drawing/2014/main" id="{5C2C929B-DD3A-D402-D3D0-47B59BB4F807}"/>
+              </a:ext>
+            </a:extLst>
+          </p:cNvPr>
+          <p:cNvPicPr>
+            <a:picLocks noChangeAspect="1" noChangeArrowheads="1"/>
+          </p:cNvPicPr>
+          <p:nvPr/>
+        </p:nvPicPr>
+        <p:blipFill>
+          <a:blip r:embed="rId4">
+            <a:extLst>
+              <a:ext uri="{28A0092B-C50C-407E-A947-70E740481C1C}">
+                <a14:useLocalDpi xmlns:a14="http://schemas.microsoft.com/office/drawing/2010/main" val="0"/>
+              </a:ext>
+            </a:extLst>
+          </a:blip>
+          <a:srcRect/>
+          <a:stretch>
+            <a:fillRect/>
+          </a:stretch>
+        </p:blipFill>
+        <p:spPr bwMode="auto">
+          <a:xfrm>
+            <a:off x="8753203" y="4252319"/>
+            <a:ext cx="588793" cy="572693"/>
+          </a:xfrm>
+          <a:prstGeom prst="rect">
+            <a:avLst/>
+          </a:prstGeom>
+          <a:noFill/>
+          <a:extLst>
+            <a:ext uri="{909E8E84-426E-40DD-AFC4-6F175D3DCCD1}">
+              <a14:hiddenFill xmlns:a14="http://schemas.microsoft.com/office/drawing/2010/main">
+                <a:solidFill>
+                  <a:srgbClr val="FFFFFF"/>
+                </a:solidFill>
+              </a14:hiddenFill>
+            </a:ext>
+          </a:extLst>
+        </p:spPr>
+      </p:pic>
+      <p:cxnSp>
+        <p:nvCxnSpPr>
+          <p:cNvPr id="30" name="Connecteur droit avec flèche 29">
+            <a:extLst>
+              <a:ext uri="{FF2B5EF4-FFF2-40B4-BE49-F238E27FC236}">
+                <a16:creationId xmlns:a16="http://schemas.microsoft.com/office/drawing/2014/main" id="{3C17D7D9-AD0C-3CB9-E9C2-8FE52952EA0A}"/>
+              </a:ext>
+            </a:extLst>
+          </p:cNvPr>
+          <p:cNvCxnSpPr>
+            <a:cxnSpLocks/>
+            <a:stCxn id="6" idx="3"/>
+            <a:endCxn id="28" idx="1"/>
+          </p:cNvCxnSpPr>
+          <p:nvPr/>
+        </p:nvCxnSpPr>
+        <p:spPr>
+          <a:xfrm>
+            <a:off x="6520406" y="3347841"/>
+            <a:ext cx="2301806" cy="1915675"/>
+          </a:xfrm>
+          <a:prstGeom prst="straightConnector1">
+            <a:avLst/>
+          </a:prstGeom>
+          <a:ln w="127000">
+            <a:solidFill>
+              <a:schemeClr val="accent6">
+                <a:lumMod val="75000"/>
+              </a:schemeClr>
+            </a:solidFill>
+            <a:tailEnd type="triangle"/>
+          </a:ln>
+        </p:spPr>
+        <p:style>
+          <a:lnRef idx="1">
+            <a:schemeClr val="accent1"/>
+          </a:lnRef>
+          <a:fillRef idx="0">
+            <a:schemeClr val="accent1"/>
+          </a:fillRef>
+          <a:effectRef idx="0">
+            <a:schemeClr val="accent1"/>
+          </a:effectRef>
+          <a:fontRef idx="minor">
+            <a:schemeClr val="tx1"/>
+          </a:fontRef>
+        </p:style>
+      </p:cxnSp>
+      <p:sp>
+        <p:nvSpPr>
+          <p:cNvPr id="38" name="ZoneTexte 37">
+            <a:extLst>
+              <a:ext uri="{FF2B5EF4-FFF2-40B4-BE49-F238E27FC236}">
+                <a16:creationId xmlns:a16="http://schemas.microsoft.com/office/drawing/2014/main" id="{3E51368A-C3EC-DCF9-2D42-54C522F99A21}"/>
+              </a:ext>
+            </a:extLst>
+          </p:cNvPr>
+          <p:cNvSpPr txBox="1"/>
+          <p:nvPr/>
+        </p:nvSpPr>
+        <p:spPr>
+          <a:xfrm>
+            <a:off x="7218978" y="5412088"/>
+            <a:ext cx="1659171" cy="830997"/>
+          </a:xfrm>
+          <a:prstGeom prst="rect">
+            <a:avLst/>
+          </a:prstGeom>
+          <a:noFill/>
+        </p:spPr>
+        <p:txBody>
+          <a:bodyPr wrap="square" rtlCol="0">
+            <a:spAutoFit/>
+          </a:bodyPr>
+          <a:lstStyle/>
+          <a:p>
+            <a:r>
+              <a:rPr lang="fr-FR" sz="1600" dirty="0"/>
+              <a:t>HTTP POST</a:t>
+            </a:r>
+          </a:p>
+          <a:p>
+            <a:r>
+              <a:rPr lang="fr-FR" sz="1600" dirty="0">
+                <a:hlinkClick r:id="rId3"/>
+              </a:rPr>
+              <a:t>http://fibonacci</a:t>
+            </a:r>
+            <a:r>
+              <a:rPr lang="fr-FR" sz="1600" dirty="0"/>
+              <a:t> </a:t>
+            </a:r>
+            <a:br>
+              <a:rPr lang="fr-FR" sz="1600" dirty="0"/>
+            </a:br>
+            <a:r>
+              <a:rPr lang="fr-FR" sz="1600" dirty="0"/>
+              <a:t>{</a:t>
+            </a:r>
+            <a:r>
+              <a:rPr lang="fr-FR" sz="1600" b="0" i="0" dirty="0">
+                <a:effectLst/>
+                <a:latin typeface="-apple-system"/>
+              </a:rPr>
+              <a:t>"</a:t>
+            </a:r>
+            <a:r>
+              <a:rPr lang="fr-FR" sz="1600" dirty="0"/>
+              <a:t>input</a:t>
+            </a:r>
+            <a:r>
+              <a:rPr lang="fr-FR" sz="1600" b="0" i="0" dirty="0">
+                <a:effectLst/>
+                <a:latin typeface="-apple-system"/>
+              </a:rPr>
+              <a:t>"</a:t>
+            </a:r>
+            <a:r>
+              <a:rPr lang="fr-FR" sz="1600" dirty="0"/>
+              <a:t>:42}</a:t>
+            </a:r>
+          </a:p>
+        </p:txBody>
+      </p:sp>
+      <p:pic>
+        <p:nvPicPr>
+          <p:cNvPr id="5" name="Picture 2" descr="Afficher l’image source">
+            <a:extLst>
+              <a:ext uri="{FF2B5EF4-FFF2-40B4-BE49-F238E27FC236}">
+                <a16:creationId xmlns:a16="http://schemas.microsoft.com/office/drawing/2014/main" id="{9CF92849-9C7F-61C9-32C2-F99F37E01F43}"/>
+              </a:ext>
+            </a:extLst>
+          </p:cNvPr>
+          <p:cNvPicPr>
+            <a:picLocks noChangeAspect="1" noChangeArrowheads="1"/>
+          </p:cNvPicPr>
+          <p:nvPr/>
+        </p:nvPicPr>
+        <p:blipFill>
+          <a:blip r:embed="rId4">
+            <a:extLst>
+              <a:ext uri="{28A0092B-C50C-407E-A947-70E740481C1C}">
+                <a14:useLocalDpi xmlns:a14="http://schemas.microsoft.com/office/drawing/2010/main" val="0"/>
+              </a:ext>
+            </a:extLst>
+          </a:blip>
+          <a:srcRect/>
+          <a:stretch>
+            <a:fillRect/>
+          </a:stretch>
+        </p:blipFill>
+        <p:spPr bwMode="auto">
+          <a:xfrm>
+            <a:off x="4066798" y="2514707"/>
+            <a:ext cx="588793" cy="572693"/>
+          </a:xfrm>
+          <a:prstGeom prst="rect">
+            <a:avLst/>
+          </a:prstGeom>
+          <a:noFill/>
+          <a:extLst>
+            <a:ext uri="{909E8E84-426E-40DD-AFC4-6F175D3DCCD1}">
+              <a14:hiddenFill xmlns:a14="http://schemas.microsoft.com/office/drawing/2010/main">
+                <a:solidFill>
+                  <a:srgbClr val="FFFFFF"/>
+                </a:solidFill>
+              </a14:hiddenFill>
+            </a:ext>
+          </a:extLst>
+        </p:spPr>
+      </p:pic>
+    </p:spTree>
+    <p:extLst>
+      <p:ext uri="{BB962C8B-B14F-4D97-AF65-F5344CB8AC3E}">
+        <p14:creationId xmlns:p14="http://schemas.microsoft.com/office/powerpoint/2010/main" val="1816212992"/>
       </p:ext>
     </p:extLst>
   </p:cSld>

--- a/documentation/slimfaas.pptx
+++ b/documentation/slimfaas.pptx
@@ -238,7 +238,7 @@
           <a:p>
             <a:fld id="{F60FFC85-34C0-4167-8801-71D65E4D986C}" type="datetimeFigureOut">
               <a:rPr lang="fr-FR" smtClean="0"/>
-              <a:t>24/05/2024</a:t>
+              <a:t>26/05/2024</a:t>
             </a:fld>
             <a:endParaRPr lang="fr-FR"/>
           </a:p>
@@ -415,7 +415,7 @@
           <a:p>
             <a:fld id="{F2EE8696-3B2B-7D49-B212-A8F746F3A84B}" type="datetimeFigureOut">
               <a:rPr lang="es-ES_tradnl" smtClean="0"/>
-              <a:t>24/05/2024</a:t>
+              <a:t>26/05/2024</a:t>
             </a:fld>
             <a:endParaRPr lang="es-ES_tradnl"/>
           </a:p>
@@ -1112,7 +1112,7 @@
           <a:p>
             <a:fld id="{80160E5B-2E24-B941-8DE0-C0A90C36B7C5}" type="datetimeFigureOut">
               <a:rPr lang="en-GB" smtClean="0"/>
-              <a:t>24/05/2024</a:t>
+              <a:t>26/05/2024</a:t>
             </a:fld>
             <a:endParaRPr lang="en-GB"/>
           </a:p>
@@ -1310,7 +1310,7 @@
           <a:p>
             <a:fld id="{80160E5B-2E24-B941-8DE0-C0A90C36B7C5}" type="datetimeFigureOut">
               <a:rPr lang="en-GB" smtClean="0"/>
-              <a:t>24/05/2024</a:t>
+              <a:t>26/05/2024</a:t>
             </a:fld>
             <a:endParaRPr lang="en-GB"/>
           </a:p>
@@ -1557,7 +1557,7 @@
           <a:p>
             <a:fld id="{80160E5B-2E24-B941-8DE0-C0A90C36B7C5}" type="datetimeFigureOut">
               <a:rPr lang="en-GB" smtClean="0"/>
-              <a:t>24/05/2024</a:t>
+              <a:t>26/05/2024</a:t>
             </a:fld>
             <a:endParaRPr lang="en-GB"/>
           </a:p>
@@ -1776,7 +1776,7 @@
           <a:p>
             <a:fld id="{80160E5B-2E24-B941-8DE0-C0A90C36B7C5}" type="datetimeFigureOut">
               <a:rPr lang="en-GB" smtClean="0"/>
-              <a:t>24/05/2024</a:t>
+              <a:t>26/05/2024</a:t>
             </a:fld>
             <a:endParaRPr lang="en-GB"/>
           </a:p>
@@ -2051,7 +2051,7 @@
           <a:p>
             <a:fld id="{80160E5B-2E24-B941-8DE0-C0A90C36B7C5}" type="datetimeFigureOut">
               <a:rPr lang="en-GB" smtClean="0"/>
-              <a:t>24/05/2024</a:t>
+              <a:t>26/05/2024</a:t>
             </a:fld>
             <a:endParaRPr lang="en-GB"/>
           </a:p>
@@ -2355,7 +2355,7 @@
           <a:p>
             <a:fld id="{80160E5B-2E24-B941-8DE0-C0A90C36B7C5}" type="datetimeFigureOut">
               <a:rPr lang="en-GB" smtClean="0"/>
-              <a:t>24/05/2024</a:t>
+              <a:t>26/05/2024</a:t>
             </a:fld>
             <a:endParaRPr lang="en-GB"/>
           </a:p>
@@ -2806,7 +2806,7 @@
           <a:p>
             <a:fld id="{80160E5B-2E24-B941-8DE0-C0A90C36B7C5}" type="datetimeFigureOut">
               <a:rPr lang="en-GB" smtClean="0"/>
-              <a:t>24/05/2024</a:t>
+              <a:t>26/05/2024</a:t>
             </a:fld>
             <a:endParaRPr lang="en-GB"/>
           </a:p>
@@ -2986,7 +2986,7 @@
           <a:p>
             <a:fld id="{80160E5B-2E24-B941-8DE0-C0A90C36B7C5}" type="datetimeFigureOut">
               <a:rPr lang="en-GB" smtClean="0"/>
-              <a:t>24/05/2024</a:t>
+              <a:t>26/05/2024</a:t>
             </a:fld>
             <a:endParaRPr lang="en-GB"/>
           </a:p>
@@ -3138,7 +3138,7 @@
           <a:p>
             <a:fld id="{80160E5B-2E24-B941-8DE0-C0A90C36B7C5}" type="datetimeFigureOut">
               <a:rPr lang="en-GB" smtClean="0"/>
-              <a:t>24/05/2024</a:t>
+              <a:t>26/05/2024</a:t>
             </a:fld>
             <a:endParaRPr lang="en-GB"/>
           </a:p>
@@ -3488,7 +3488,7 @@
           <a:p>
             <a:fld id="{80160E5B-2E24-B941-8DE0-C0A90C36B7C5}" type="datetimeFigureOut">
               <a:rPr lang="en-GB" smtClean="0"/>
-              <a:t>24/05/2024</a:t>
+              <a:t>26/05/2024</a:t>
             </a:fld>
             <a:endParaRPr lang="en-GB"/>
           </a:p>
@@ -3815,7 +3815,7 @@
           <a:p>
             <a:fld id="{80160E5B-2E24-B941-8DE0-C0A90C36B7C5}" type="datetimeFigureOut">
               <a:rPr lang="en-GB" smtClean="0"/>
-              <a:t>24/05/2024</a:t>
+              <a:t>26/05/2024</a:t>
             </a:fld>
             <a:endParaRPr lang="en-GB"/>
           </a:p>
@@ -4095,7 +4095,7 @@
           <a:p>
             <a:fld id="{80160E5B-2E24-B941-8DE0-C0A90C36B7C5}" type="datetimeFigureOut">
               <a:rPr lang="en-GB" smtClean="0"/>
-              <a:t>24/05/2024</a:t>
+              <a:t>26/05/2024</a:t>
             </a:fld>
             <a:endParaRPr lang="en-GB"/>
           </a:p>
@@ -6725,7 +6725,7 @@
                   <a:schemeClr val="bg1"/>
                 </a:solidFill>
               </a:rPr>
-              <a:t>function « fibonacci » instance 1</a:t>
+              <a:t>function « fibonacci » replica 1</a:t>
             </a:r>
             <a:endParaRPr lang="en-FR" sz="2400" dirty="0">
               <a:solidFill>
@@ -6962,7 +6962,7 @@
                   <a:schemeClr val="bg1"/>
                 </a:solidFill>
               </a:rPr>
-              <a:t>function « fibonacci » instance 2</a:t>
+              <a:t>function « fibonacci » replica 2</a:t>
             </a:r>
           </a:p>
         </p:txBody>
@@ -7118,7 +7118,7 @@
                   <a:schemeClr val="bg1"/>
                 </a:solidFill>
               </a:rPr>
-              <a:t>function « fibonacci » instance 3</a:t>
+              <a:t>function « fibonacci » replica 3</a:t>
             </a:r>
           </a:p>
         </p:txBody>
@@ -9212,34 +9212,6 @@
 </file>
 
 <file path=customXml/item1.xml><?xml version="1.0" encoding="utf-8"?>
-<p:properties xmlns:p="http://schemas.microsoft.com/office/2006/metadata/properties" xmlns:xsi="http://www.w3.org/2001/XMLSchema-instance" xmlns:pc="http://schemas.microsoft.com/office/infopath/2007/PartnerControls">
-  <documentManagement>
-    <SharedWithUsers xmlns="03cb9dc2-e9ea-44ac-afed-001b6fad4f36">
-      <UserInfo>
-        <DisplayName>LEMARCHAND THOMAS</DisplayName>
-        <AccountId>16</AccountId>
-        <AccountType/>
-      </UserInfo>
-      <UserInfo>
-        <DisplayName>CHERVET Guillaume</DisplayName>
-        <AccountId>84</AccountId>
-        <AccountType/>
-      </UserInfo>
-    </SharedWithUsers>
-  </documentManagement>
-</p:properties>
-</file>
-
-<file path=customXml/item2.xml><?xml version="1.0" encoding="utf-8"?>
-<?mso-contentType ?>
-<FormTemplates xmlns="http://schemas.microsoft.com/sharepoint/v3/contenttype/forms">
-  <Display>DocumentLibraryForm</Display>
-  <Edit>DocumentLibraryForm</Edit>
-  <New>DocumentLibraryForm</New>
-</FormTemplates>
-</file>
-
-<file path=customXml/item3.xml><?xml version="1.0" encoding="utf-8"?>
 <ct:contentTypeSchema xmlns:ct="http://schemas.microsoft.com/office/2006/metadata/contentType" xmlns:ma="http://schemas.microsoft.com/office/2006/metadata/properties/metaAttributes" ct:_="" ma:_="" ma:contentTypeName="Document" ma:contentTypeID="0x0101003BE0F011240A094E827BA56BE9109944" ma:contentTypeVersion="13" ma:contentTypeDescription="Create a new document." ma:contentTypeScope="" ma:versionID="5dc1144dd420c1d8a9ebf51c7358c8f0">
   <xsd:schema xmlns:xsd="http://www.w3.org/2001/XMLSchema" xmlns:xs="http://www.w3.org/2001/XMLSchema" xmlns:p="http://schemas.microsoft.com/office/2006/metadata/properties" xmlns:ns3="03cb9dc2-e9ea-44ac-afed-001b6fad4f36" xmlns:ns4="d0879fa5-f2db-41a7-8861-4a44e7ee3b24" targetNamespace="http://schemas.microsoft.com/office/2006/metadata/properties" ma:root="true" ma:fieldsID="6dda18631f78ef64168f1da1c53d30ff" ns3:_="" ns4:_="">
     <xsd:import namespace="03cb9dc2-e9ea-44ac-afed-001b6fad4f36"/>
@@ -9462,32 +9434,35 @@
 </ct:contentTypeSchema>
 </file>
 
-<file path=customXml/itemProps1.xml><?xml version="1.0" encoding="utf-8"?>
-<ds:datastoreItem xmlns:ds="http://schemas.openxmlformats.org/officeDocument/2006/customXml" ds:itemID="{C522BBC0-3E7A-472B-9CC6-34C5EA434DEE}">
-  <ds:schemaRefs>
-    <ds:schemaRef ds:uri="http://purl.org/dc/terms/"/>
-    <ds:schemaRef ds:uri="http://schemas.openxmlformats.org/package/2006/metadata/core-properties"/>
-    <ds:schemaRef ds:uri="http://purl.org/dc/dcmitype/"/>
-    <ds:schemaRef ds:uri="http://schemas.microsoft.com/office/infopath/2007/PartnerControls"/>
-    <ds:schemaRef ds:uri="http://schemas.microsoft.com/office/2006/documentManagement/types"/>
-    <ds:schemaRef ds:uri="http://purl.org/dc/elements/1.1/"/>
-    <ds:schemaRef ds:uri="http://schemas.microsoft.com/office/2006/metadata/properties"/>
-    <ds:schemaRef ds:uri="d0879fa5-f2db-41a7-8861-4a44e7ee3b24"/>
-    <ds:schemaRef ds:uri="03cb9dc2-e9ea-44ac-afed-001b6fad4f36"/>
-    <ds:schemaRef ds:uri="http://www.w3.org/XML/1998/namespace"/>
-  </ds:schemaRefs>
-</ds:datastoreItem>
+<file path=customXml/item2.xml><?xml version="1.0" encoding="utf-8"?>
+<?mso-contentType ?>
+<FormTemplates xmlns="http://schemas.microsoft.com/sharepoint/v3/contenttype/forms">
+  <Display>DocumentLibraryForm</Display>
+  <Edit>DocumentLibraryForm</Edit>
+  <New>DocumentLibraryForm</New>
+</FormTemplates>
 </file>
 
-<file path=customXml/itemProps2.xml><?xml version="1.0" encoding="utf-8"?>
-<ds:datastoreItem xmlns:ds="http://schemas.openxmlformats.org/officeDocument/2006/customXml" ds:itemID="{05D7AB42-0DA9-4407-9B22-92C435FE7C62}">
-  <ds:schemaRefs>
-    <ds:schemaRef ds:uri="http://schemas.microsoft.com/sharepoint/v3/contenttype/forms"/>
-  </ds:schemaRefs>
-</ds:datastoreItem>
+<file path=customXml/item3.xml><?xml version="1.0" encoding="utf-8"?>
+<p:properties xmlns:p="http://schemas.microsoft.com/office/2006/metadata/properties" xmlns:xsi="http://www.w3.org/2001/XMLSchema-instance" xmlns:pc="http://schemas.microsoft.com/office/infopath/2007/PartnerControls">
+  <documentManagement>
+    <SharedWithUsers xmlns="03cb9dc2-e9ea-44ac-afed-001b6fad4f36">
+      <UserInfo>
+        <DisplayName>LEMARCHAND THOMAS</DisplayName>
+        <AccountId>16</AccountId>
+        <AccountType/>
+      </UserInfo>
+      <UserInfo>
+        <DisplayName>CHERVET Guillaume</DisplayName>
+        <AccountId>84</AccountId>
+        <AccountType/>
+      </UserInfo>
+    </SharedWithUsers>
+  </documentManagement>
+</p:properties>
 </file>
 
-<file path=customXml/itemProps3.xml><?xml version="1.0" encoding="utf-8"?>
+<file path=customXml/itemProps1.xml><?xml version="1.0" encoding="utf-8"?>
 <ds:datastoreItem xmlns:ds="http://schemas.openxmlformats.org/officeDocument/2006/customXml" ds:itemID="{C72C7657-97CD-4958-88DD-F8AC87258741}">
   <ds:schemaRefs>
     <ds:schemaRef ds:uri="http://schemas.microsoft.com/office/2006/metadata/contentType"/>
@@ -9504,4 +9479,29 @@
     <ds:schemaRef ds:uri="http://schemas.microsoft.com/internal/obd"/>
   </ds:schemaRefs>
 </ds:datastoreItem>
+</file>
+
+<file path=customXml/itemProps2.xml><?xml version="1.0" encoding="utf-8"?>
+<ds:datastoreItem xmlns:ds="http://schemas.openxmlformats.org/officeDocument/2006/customXml" ds:itemID="{05D7AB42-0DA9-4407-9B22-92C435FE7C62}">
+  <ds:schemaRefs>
+    <ds:schemaRef ds:uri="http://schemas.microsoft.com/sharepoint/v3/contenttype/forms"/>
+  </ds:schemaRefs>
+</ds:datastoreItem>
+</file>
+
+<file path=customXml/itemProps3.xml><?xml version="1.0" encoding="utf-8"?>
+<ds:datastoreItem xmlns:ds="http://schemas.openxmlformats.org/officeDocument/2006/customXml" ds:itemID="{C522BBC0-3E7A-472B-9CC6-34C5EA434DEE}">
+  <ds:schemaRefs>
+    <ds:schemaRef ds:uri="http://purl.org/dc/terms/"/>
+    <ds:schemaRef ds:uri="http://schemas.openxmlformats.org/package/2006/metadata/core-properties"/>
+    <ds:schemaRef ds:uri="http://purl.org/dc/dcmitype/"/>
+    <ds:schemaRef ds:uri="http://schemas.microsoft.com/office/infopath/2007/PartnerControls"/>
+    <ds:schemaRef ds:uri="http://schemas.microsoft.com/office/2006/documentManagement/types"/>
+    <ds:schemaRef ds:uri="http://purl.org/dc/elements/1.1/"/>
+    <ds:schemaRef ds:uri="http://schemas.microsoft.com/office/2006/metadata/properties"/>
+    <ds:schemaRef ds:uri="d0879fa5-f2db-41a7-8861-4a44e7ee3b24"/>
+    <ds:schemaRef ds:uri="03cb9dc2-e9ea-44ac-afed-001b6fad4f36"/>
+    <ds:schemaRef ds:uri="http://www.w3.org/XML/1998/namespace"/>
+  </ds:schemaRefs>
+</ds:datastoreItem>
 </file>
--- a/documentation/slimfaas.pptx
+++ b/documentation/slimfaas.pptx
@@ -6411,7 +6411,7 @@
         </p:nvSpPr>
         <p:spPr>
           <a:xfrm>
-            <a:off x="4275182" y="2785207"/>
+            <a:off x="4495103" y="2785207"/>
             <a:ext cx="2245224" cy="1125268"/>
           </a:xfrm>
           <a:prstGeom prst="roundRect">
@@ -6475,9 +6475,9 @@
           <p:nvPr/>
         </p:nvCxnSpPr>
         <p:spPr>
-          <a:xfrm flipV="1">
-            <a:off x="3322445" y="3347841"/>
-            <a:ext cx="952737" cy="1"/>
+          <a:xfrm>
+            <a:off x="3919040" y="3347841"/>
+            <a:ext cx="576063" cy="0"/>
           </a:xfrm>
           <a:prstGeom prst="straightConnector1">
             <a:avLst/>
@@ -6520,8 +6520,8 @@
         </p:nvSpPr>
         <p:spPr>
           <a:xfrm>
-            <a:off x="166495" y="2932343"/>
-            <a:ext cx="3155950" cy="830997"/>
+            <a:off x="67463" y="2932342"/>
+            <a:ext cx="3851577" cy="830997"/>
           </a:xfrm>
           <a:prstGeom prst="rect">
             <a:avLst/>
@@ -6553,7 +6553,7 @@
                 </a:highlight>
                 <a:hlinkClick r:id="rId2"/>
               </a:rPr>
-              <a:t>publish</a:t>
+              <a:t>publish-function</a:t>
             </a:r>
             <a:r>
               <a:rPr lang="fr-FR" sz="1600" dirty="0">
@@ -6800,8 +6800,8 @@
         </p:nvCxnSpPr>
         <p:spPr>
           <a:xfrm flipV="1">
-            <a:off x="6520406" y="1279343"/>
-            <a:ext cx="2291927" cy="2068498"/>
+            <a:off x="6740327" y="1279343"/>
+            <a:ext cx="2072006" cy="2068498"/>
           </a:xfrm>
           <a:prstGeom prst="straightConnector1">
             <a:avLst/>
@@ -6844,7 +6844,7 @@
         </p:nvSpPr>
         <p:spPr>
           <a:xfrm>
-            <a:off x="7304194" y="3284661"/>
+            <a:off x="7453427" y="3352032"/>
             <a:ext cx="1659171" cy="830997"/>
           </a:xfrm>
           <a:prstGeom prst="rect">
@@ -7032,8 +7032,8 @@
         </p:nvCxnSpPr>
         <p:spPr>
           <a:xfrm flipV="1">
-            <a:off x="6520406" y="3171983"/>
-            <a:ext cx="2338327" cy="175858"/>
+            <a:off x="6740327" y="3171983"/>
+            <a:ext cx="2118406" cy="175858"/>
           </a:xfrm>
           <a:prstGeom prst="straightConnector1">
             <a:avLst/>
@@ -7188,8 +7188,8 @@
         </p:nvCxnSpPr>
         <p:spPr>
           <a:xfrm>
-            <a:off x="6520406" y="3347841"/>
-            <a:ext cx="2301806" cy="1915675"/>
+            <a:off x="6740327" y="3347841"/>
+            <a:ext cx="2081885" cy="1915675"/>
           </a:xfrm>
           <a:prstGeom prst="straightConnector1">
             <a:avLst/>
@@ -7323,7 +7323,7 @@
         </p:blipFill>
         <p:spPr bwMode="auto">
           <a:xfrm>
-            <a:off x="4066798" y="2514707"/>
+            <a:off x="4286719" y="2514707"/>
             <a:ext cx="588793" cy="572693"/>
           </a:xfrm>
           <a:prstGeom prst="rect">
@@ -9212,6 +9212,34 @@
 </file>
 
 <file path=customXml/item1.xml><?xml version="1.0" encoding="utf-8"?>
+<p:properties xmlns:p="http://schemas.microsoft.com/office/2006/metadata/properties" xmlns:xsi="http://www.w3.org/2001/XMLSchema-instance" xmlns:pc="http://schemas.microsoft.com/office/infopath/2007/PartnerControls">
+  <documentManagement>
+    <SharedWithUsers xmlns="03cb9dc2-e9ea-44ac-afed-001b6fad4f36">
+      <UserInfo>
+        <DisplayName>LEMARCHAND THOMAS</DisplayName>
+        <AccountId>16</AccountId>
+        <AccountType/>
+      </UserInfo>
+      <UserInfo>
+        <DisplayName>CHERVET Guillaume</DisplayName>
+        <AccountId>84</AccountId>
+        <AccountType/>
+      </UserInfo>
+    </SharedWithUsers>
+  </documentManagement>
+</p:properties>
+</file>
+
+<file path=customXml/item2.xml><?xml version="1.0" encoding="utf-8"?>
+<?mso-contentType ?>
+<FormTemplates xmlns="http://schemas.microsoft.com/sharepoint/v3/contenttype/forms">
+  <Display>DocumentLibraryForm</Display>
+  <Edit>DocumentLibraryForm</Edit>
+  <New>DocumentLibraryForm</New>
+</FormTemplates>
+</file>
+
+<file path=customXml/item3.xml><?xml version="1.0" encoding="utf-8"?>
 <ct:contentTypeSchema xmlns:ct="http://schemas.microsoft.com/office/2006/metadata/contentType" xmlns:ma="http://schemas.microsoft.com/office/2006/metadata/properties/metaAttributes" ct:_="" ma:_="" ma:contentTypeName="Document" ma:contentTypeID="0x0101003BE0F011240A094E827BA56BE9109944" ma:contentTypeVersion="13" ma:contentTypeDescription="Create a new document." ma:contentTypeScope="" ma:versionID="5dc1144dd420c1d8a9ebf51c7358c8f0">
   <xsd:schema xmlns:xsd="http://www.w3.org/2001/XMLSchema" xmlns:xs="http://www.w3.org/2001/XMLSchema" xmlns:p="http://schemas.microsoft.com/office/2006/metadata/properties" xmlns:ns3="03cb9dc2-e9ea-44ac-afed-001b6fad4f36" xmlns:ns4="d0879fa5-f2db-41a7-8861-4a44e7ee3b24" targetNamespace="http://schemas.microsoft.com/office/2006/metadata/properties" ma:root="true" ma:fieldsID="6dda18631f78ef64168f1da1c53d30ff" ns3:_="" ns4:_="">
     <xsd:import namespace="03cb9dc2-e9ea-44ac-afed-001b6fad4f36"/>
@@ -9434,35 +9462,32 @@
 </ct:contentTypeSchema>
 </file>
 
-<file path=customXml/item2.xml><?xml version="1.0" encoding="utf-8"?>
-<?mso-contentType ?>
-<FormTemplates xmlns="http://schemas.microsoft.com/sharepoint/v3/contenttype/forms">
-  <Display>DocumentLibraryForm</Display>
-  <Edit>DocumentLibraryForm</Edit>
-  <New>DocumentLibraryForm</New>
-</FormTemplates>
+<file path=customXml/itemProps1.xml><?xml version="1.0" encoding="utf-8"?>
+<ds:datastoreItem xmlns:ds="http://schemas.openxmlformats.org/officeDocument/2006/customXml" ds:itemID="{C522BBC0-3E7A-472B-9CC6-34C5EA434DEE}">
+  <ds:schemaRefs>
+    <ds:schemaRef ds:uri="http://purl.org/dc/terms/"/>
+    <ds:schemaRef ds:uri="http://schemas.openxmlformats.org/package/2006/metadata/core-properties"/>
+    <ds:schemaRef ds:uri="http://purl.org/dc/dcmitype/"/>
+    <ds:schemaRef ds:uri="http://schemas.microsoft.com/office/infopath/2007/PartnerControls"/>
+    <ds:schemaRef ds:uri="http://schemas.microsoft.com/office/2006/documentManagement/types"/>
+    <ds:schemaRef ds:uri="http://purl.org/dc/elements/1.1/"/>
+    <ds:schemaRef ds:uri="http://schemas.microsoft.com/office/2006/metadata/properties"/>
+    <ds:schemaRef ds:uri="d0879fa5-f2db-41a7-8861-4a44e7ee3b24"/>
+    <ds:schemaRef ds:uri="03cb9dc2-e9ea-44ac-afed-001b6fad4f36"/>
+    <ds:schemaRef ds:uri="http://www.w3.org/XML/1998/namespace"/>
+  </ds:schemaRefs>
+</ds:datastoreItem>
 </file>
 
-<file path=customXml/item3.xml><?xml version="1.0" encoding="utf-8"?>
-<p:properties xmlns:p="http://schemas.microsoft.com/office/2006/metadata/properties" xmlns:xsi="http://www.w3.org/2001/XMLSchema-instance" xmlns:pc="http://schemas.microsoft.com/office/infopath/2007/PartnerControls">
-  <documentManagement>
-    <SharedWithUsers xmlns="03cb9dc2-e9ea-44ac-afed-001b6fad4f36">
-      <UserInfo>
-        <DisplayName>LEMARCHAND THOMAS</DisplayName>
-        <AccountId>16</AccountId>
-        <AccountType/>
-      </UserInfo>
-      <UserInfo>
-        <DisplayName>CHERVET Guillaume</DisplayName>
-        <AccountId>84</AccountId>
-        <AccountType/>
-      </UserInfo>
-    </SharedWithUsers>
-  </documentManagement>
-</p:properties>
+<file path=customXml/itemProps2.xml><?xml version="1.0" encoding="utf-8"?>
+<ds:datastoreItem xmlns:ds="http://schemas.openxmlformats.org/officeDocument/2006/customXml" ds:itemID="{05D7AB42-0DA9-4407-9B22-92C435FE7C62}">
+  <ds:schemaRefs>
+    <ds:schemaRef ds:uri="http://schemas.microsoft.com/sharepoint/v3/contenttype/forms"/>
+  </ds:schemaRefs>
+</ds:datastoreItem>
 </file>
 
-<file path=customXml/itemProps1.xml><?xml version="1.0" encoding="utf-8"?>
+<file path=customXml/itemProps3.xml><?xml version="1.0" encoding="utf-8"?>
 <ds:datastoreItem xmlns:ds="http://schemas.openxmlformats.org/officeDocument/2006/customXml" ds:itemID="{C72C7657-97CD-4958-88DD-F8AC87258741}">
   <ds:schemaRefs>
     <ds:schemaRef ds:uri="http://schemas.microsoft.com/office/2006/metadata/contentType"/>
@@ -9479,29 +9504,4 @@
     <ds:schemaRef ds:uri="http://schemas.microsoft.com/internal/obd"/>
   </ds:schemaRefs>
 </ds:datastoreItem>
-</file>
-
-<file path=customXml/itemProps2.xml><?xml version="1.0" encoding="utf-8"?>
-<ds:datastoreItem xmlns:ds="http://schemas.openxmlformats.org/officeDocument/2006/customXml" ds:itemID="{05D7AB42-0DA9-4407-9B22-92C435FE7C62}">
-  <ds:schemaRefs>
-    <ds:schemaRef ds:uri="http://schemas.microsoft.com/sharepoint/v3/contenttype/forms"/>
-  </ds:schemaRefs>
-</ds:datastoreItem>
-</file>
-
-<file path=customXml/itemProps3.xml><?xml version="1.0" encoding="utf-8"?>
-<ds:datastoreItem xmlns:ds="http://schemas.openxmlformats.org/officeDocument/2006/customXml" ds:itemID="{C522BBC0-3E7A-472B-9CC6-34C5EA434DEE}">
-  <ds:schemaRefs>
-    <ds:schemaRef ds:uri="http://purl.org/dc/terms/"/>
-    <ds:schemaRef ds:uri="http://schemas.openxmlformats.org/package/2006/metadata/core-properties"/>
-    <ds:schemaRef ds:uri="http://purl.org/dc/dcmitype/"/>
-    <ds:schemaRef ds:uri="http://schemas.microsoft.com/office/infopath/2007/PartnerControls"/>
-    <ds:schemaRef ds:uri="http://schemas.microsoft.com/office/2006/documentManagement/types"/>
-    <ds:schemaRef ds:uri="http://purl.org/dc/elements/1.1/"/>
-    <ds:schemaRef ds:uri="http://schemas.microsoft.com/office/2006/metadata/properties"/>
-    <ds:schemaRef ds:uri="d0879fa5-f2db-41a7-8861-4a44e7ee3b24"/>
-    <ds:schemaRef ds:uri="03cb9dc2-e9ea-44ac-afed-001b6fad4f36"/>
-    <ds:schemaRef ds:uri="http://www.w3.org/XML/1998/namespace"/>
-  </ds:schemaRefs>
-</ds:datastoreItem>
 </file>
--- a/documentation/slimfaas.pptx
+++ b/documentation/slimfaas.pptx
@@ -5,14 +5,16 @@
     <p:sldMasterId id="2147483648" r:id="rId4"/>
   </p:sldMasterIdLst>
   <p:notesMasterIdLst>
-    <p:notesMasterId r:id="rId7"/>
+    <p:notesMasterId r:id="rId9"/>
   </p:notesMasterIdLst>
   <p:handoutMasterIdLst>
-    <p:handoutMasterId r:id="rId8"/>
+    <p:handoutMasterId r:id="rId10"/>
   </p:handoutMasterIdLst>
   <p:sldIdLst>
     <p:sldId id="891" r:id="rId5"/>
     <p:sldId id="892" r:id="rId6"/>
+    <p:sldId id="893" r:id="rId7"/>
+    <p:sldId id="894" r:id="rId8"/>
   </p:sldIdLst>
   <p:sldSz cx="12192000" cy="6858000"/>
   <p:notesSz cx="6858000" cy="9144000"/>
@@ -118,6 +120,8 @@
           <p14:sldIdLst>
             <p14:sldId id="891"/>
             <p14:sldId id="892"/>
+            <p14:sldId id="893"/>
+            <p14:sldId id="894"/>
           </p14:sldIdLst>
         </p14:section>
       </p14:sectionLst>
@@ -234,7 +238,7 @@
           <a:p>
             <a:fld id="{F60FFC85-34C0-4167-8801-71D65E4D986C}" type="datetimeFigureOut">
               <a:rPr lang="fr-FR" smtClean="0"/>
-              <a:t>06/12/2023</a:t>
+              <a:t>26/05/2024</a:t>
             </a:fld>
             <a:endParaRPr lang="fr-FR"/>
           </a:p>
@@ -411,7 +415,7 @@
           <a:p>
             <a:fld id="{F2EE8696-3B2B-7D49-B212-A8F746F3A84B}" type="datetimeFigureOut">
               <a:rPr lang="es-ES_tradnl" smtClean="0"/>
-              <a:t>06/12/2023</a:t>
+              <a:t>26/05/2024</a:t>
             </a:fld>
             <a:endParaRPr lang="es-ES_tradnl"/>
           </a:p>
@@ -1108,7 +1112,7 @@
           <a:p>
             <a:fld id="{80160E5B-2E24-B941-8DE0-C0A90C36B7C5}" type="datetimeFigureOut">
               <a:rPr lang="en-GB" smtClean="0"/>
-              <a:t>06/12/2023</a:t>
+              <a:t>26/05/2024</a:t>
             </a:fld>
             <a:endParaRPr lang="en-GB"/>
           </a:p>
@@ -1306,7 +1310,7 @@
           <a:p>
             <a:fld id="{80160E5B-2E24-B941-8DE0-C0A90C36B7C5}" type="datetimeFigureOut">
               <a:rPr lang="en-GB" smtClean="0"/>
-              <a:t>06/12/2023</a:t>
+              <a:t>26/05/2024</a:t>
             </a:fld>
             <a:endParaRPr lang="en-GB"/>
           </a:p>
@@ -1553,7 +1557,7 @@
           <a:p>
             <a:fld id="{80160E5B-2E24-B941-8DE0-C0A90C36B7C5}" type="datetimeFigureOut">
               <a:rPr lang="en-GB" smtClean="0"/>
-              <a:t>06/12/2023</a:t>
+              <a:t>26/05/2024</a:t>
             </a:fld>
             <a:endParaRPr lang="en-GB"/>
           </a:p>
@@ -1772,7 +1776,7 @@
           <a:p>
             <a:fld id="{80160E5B-2E24-B941-8DE0-C0A90C36B7C5}" type="datetimeFigureOut">
               <a:rPr lang="en-GB" smtClean="0"/>
-              <a:t>06/12/2023</a:t>
+              <a:t>26/05/2024</a:t>
             </a:fld>
             <a:endParaRPr lang="en-GB"/>
           </a:p>
@@ -2047,7 +2051,7 @@
           <a:p>
             <a:fld id="{80160E5B-2E24-B941-8DE0-C0A90C36B7C5}" type="datetimeFigureOut">
               <a:rPr lang="en-GB" smtClean="0"/>
-              <a:t>06/12/2023</a:t>
+              <a:t>26/05/2024</a:t>
             </a:fld>
             <a:endParaRPr lang="en-GB"/>
           </a:p>
@@ -2351,7 +2355,7 @@
           <a:p>
             <a:fld id="{80160E5B-2E24-B941-8DE0-C0A90C36B7C5}" type="datetimeFigureOut">
               <a:rPr lang="en-GB" smtClean="0"/>
-              <a:t>06/12/2023</a:t>
+              <a:t>26/05/2024</a:t>
             </a:fld>
             <a:endParaRPr lang="en-GB"/>
           </a:p>
@@ -2802,7 +2806,7 @@
           <a:p>
             <a:fld id="{80160E5B-2E24-B941-8DE0-C0A90C36B7C5}" type="datetimeFigureOut">
               <a:rPr lang="en-GB" smtClean="0"/>
-              <a:t>06/12/2023</a:t>
+              <a:t>26/05/2024</a:t>
             </a:fld>
             <a:endParaRPr lang="en-GB"/>
           </a:p>
@@ -2982,7 +2986,7 @@
           <a:p>
             <a:fld id="{80160E5B-2E24-B941-8DE0-C0A90C36B7C5}" type="datetimeFigureOut">
               <a:rPr lang="en-GB" smtClean="0"/>
-              <a:t>06/12/2023</a:t>
+              <a:t>26/05/2024</a:t>
             </a:fld>
             <a:endParaRPr lang="en-GB"/>
           </a:p>
@@ -3134,7 +3138,7 @@
           <a:p>
             <a:fld id="{80160E5B-2E24-B941-8DE0-C0A90C36B7C5}" type="datetimeFigureOut">
               <a:rPr lang="en-GB" smtClean="0"/>
-              <a:t>06/12/2023</a:t>
+              <a:t>26/05/2024</a:t>
             </a:fld>
             <a:endParaRPr lang="en-GB"/>
           </a:p>
@@ -3484,7 +3488,7 @@
           <a:p>
             <a:fld id="{80160E5B-2E24-B941-8DE0-C0A90C36B7C5}" type="datetimeFigureOut">
               <a:rPr lang="en-GB" smtClean="0"/>
-              <a:t>06/12/2023</a:t>
+              <a:t>26/05/2024</a:t>
             </a:fld>
             <a:endParaRPr lang="en-GB"/>
           </a:p>
@@ -3811,7 +3815,7 @@
           <a:p>
             <a:fld id="{80160E5B-2E24-B941-8DE0-C0A90C36B7C5}" type="datetimeFigureOut">
               <a:rPr lang="en-GB" smtClean="0"/>
-              <a:t>06/12/2023</a:t>
+              <a:t>26/05/2024</a:t>
             </a:fld>
             <a:endParaRPr lang="en-GB"/>
           </a:p>
@@ -4091,7 +4095,7 @@
           <a:p>
             <a:fld id="{80160E5B-2E24-B941-8DE0-C0A90C36B7C5}" type="datetimeFigureOut">
               <a:rPr lang="en-GB" smtClean="0"/>
-              <a:t>06/12/2023</a:t>
+              <a:t>26/05/2024</a:t>
             </a:fld>
             <a:endParaRPr lang="en-GB"/>
           </a:p>
@@ -6335,6 +6339,2018 @@
     <p:extLst>
       <p:ext uri="{BB962C8B-B14F-4D97-AF65-F5344CB8AC3E}">
         <p14:creationId xmlns:p14="http://schemas.microsoft.com/office/powerpoint/2010/main" val="129032465"/>
+      </p:ext>
+    </p:extLst>
+  </p:cSld>
+  <p:clrMapOvr>
+    <a:masterClrMapping/>
+  </p:clrMapOvr>
+</p:sld>
+</file>
+
+<file path=ppt/slides/slide3.xml><?xml version="1.0" encoding="utf-8"?>
+<p:sld xmlns:a="http://schemas.openxmlformats.org/drawingml/2006/main" xmlns:r="http://schemas.openxmlformats.org/officeDocument/2006/relationships" xmlns:p="http://schemas.openxmlformats.org/presentationml/2006/main">
+  <p:cSld>
+    <p:spTree>
+      <p:nvGrpSpPr>
+        <p:cNvPr id="1" name=""/>
+        <p:cNvGrpSpPr/>
+        <p:nvPr/>
+      </p:nvGrpSpPr>
+      <p:grpSpPr>
+        <a:xfrm>
+          <a:off x="0" y="0"/>
+          <a:ext cx="0" cy="0"/>
+          <a:chOff x="0" y="0"/>
+          <a:chExt cx="0" cy="0"/>
+        </a:xfrm>
+      </p:grpSpPr>
+      <p:sp>
+        <p:nvSpPr>
+          <p:cNvPr id="3" name="Espace réservé du contenu 2">
+            <a:extLst>
+              <a:ext uri="{FF2B5EF4-FFF2-40B4-BE49-F238E27FC236}">
+                <a16:creationId xmlns:a16="http://schemas.microsoft.com/office/drawing/2014/main" id="{FC72177F-6E5E-241E-BA74-8D91DC6E05F3}"/>
+              </a:ext>
+            </a:extLst>
+          </p:cNvPr>
+          <p:cNvSpPr>
+            <a:spLocks noGrp="1"/>
+          </p:cNvSpPr>
+          <p:nvPr>
+            <p:ph idx="1"/>
+          </p:nvPr>
+        </p:nvSpPr>
+        <p:spPr>
+          <a:xfrm>
+            <a:off x="0" y="6481822"/>
+            <a:ext cx="12192000" cy="376177"/>
+          </a:xfrm>
+        </p:spPr>
+        <p:txBody>
+          <a:bodyPr>
+            <a:normAutofit fontScale="92500" lnSpcReduction="20000"/>
+          </a:bodyPr>
+          <a:lstStyle/>
+          <a:p>
+            <a:endParaRPr lang="fr-FR" dirty="0"/>
+          </a:p>
+        </p:txBody>
+      </p:sp>
+      <p:sp>
+        <p:nvSpPr>
+          <p:cNvPr id="6" name="Rounded Rectangle 44">
+            <a:extLst>
+              <a:ext uri="{FF2B5EF4-FFF2-40B4-BE49-F238E27FC236}">
+                <a16:creationId xmlns:a16="http://schemas.microsoft.com/office/drawing/2014/main" id="{DDD08BA0-70BB-583F-312D-C1BE714A89E8}"/>
+              </a:ext>
+            </a:extLst>
+          </p:cNvPr>
+          <p:cNvSpPr/>
+          <p:nvPr/>
+        </p:nvSpPr>
+        <p:spPr>
+          <a:xfrm>
+            <a:off x="4495103" y="2785207"/>
+            <a:ext cx="2245224" cy="1125268"/>
+          </a:xfrm>
+          <a:prstGeom prst="roundRect">
+            <a:avLst/>
+          </a:prstGeom>
+          <a:solidFill>
+            <a:schemeClr val="bg2">
+              <a:lumMod val="25000"/>
+            </a:schemeClr>
+          </a:solidFill>
+          <a:ln>
+            <a:noFill/>
+          </a:ln>
+        </p:spPr>
+        <p:style>
+          <a:lnRef idx="2">
+            <a:schemeClr val="accent1">
+              <a:shade val="50000"/>
+            </a:schemeClr>
+          </a:lnRef>
+          <a:fillRef idx="1">
+            <a:schemeClr val="accent1"/>
+          </a:fillRef>
+          <a:effectRef idx="0">
+            <a:schemeClr val="accent1"/>
+          </a:effectRef>
+          <a:fontRef idx="minor">
+            <a:schemeClr val="lt1"/>
+          </a:fontRef>
+        </p:style>
+        <p:txBody>
+          <a:bodyPr rtlCol="0" anchor="ctr"/>
+          <a:lstStyle/>
+          <a:p>
+            <a:pPr algn="ctr"/>
+            <a:r>
+              <a:rPr lang="en-US" sz="2400" dirty="0">
+                <a:solidFill>
+                  <a:schemeClr val="bg1"/>
+                </a:solidFill>
+              </a:rPr>
+              <a:t>SlimFaas</a:t>
+            </a:r>
+          </a:p>
+        </p:txBody>
+      </p:sp>
+      <p:cxnSp>
+        <p:nvCxnSpPr>
+          <p:cNvPr id="7" name="Connecteur droit avec flèche 6">
+            <a:extLst>
+              <a:ext uri="{FF2B5EF4-FFF2-40B4-BE49-F238E27FC236}">
+                <a16:creationId xmlns:a16="http://schemas.microsoft.com/office/drawing/2014/main" id="{2846A4F1-5F1E-1B4A-EAEC-F51C758D93A6}"/>
+              </a:ext>
+            </a:extLst>
+          </p:cNvPr>
+          <p:cNvCxnSpPr>
+            <a:cxnSpLocks/>
+            <a:stCxn id="8" idx="3"/>
+            <a:endCxn id="6" idx="1"/>
+          </p:cNvCxnSpPr>
+          <p:nvPr/>
+        </p:nvCxnSpPr>
+        <p:spPr>
+          <a:xfrm>
+            <a:off x="3919040" y="3347841"/>
+            <a:ext cx="576063" cy="0"/>
+          </a:xfrm>
+          <a:prstGeom prst="straightConnector1">
+            <a:avLst/>
+          </a:prstGeom>
+          <a:ln w="127000">
+            <a:solidFill>
+              <a:schemeClr val="accent6">
+                <a:lumMod val="75000"/>
+              </a:schemeClr>
+            </a:solidFill>
+            <a:tailEnd type="triangle"/>
+          </a:ln>
+        </p:spPr>
+        <p:style>
+          <a:lnRef idx="1">
+            <a:schemeClr val="accent1"/>
+          </a:lnRef>
+          <a:fillRef idx="0">
+            <a:schemeClr val="accent1"/>
+          </a:fillRef>
+          <a:effectRef idx="0">
+            <a:schemeClr val="accent1"/>
+          </a:effectRef>
+          <a:fontRef idx="minor">
+            <a:schemeClr val="tx1"/>
+          </a:fontRef>
+        </p:style>
+      </p:cxnSp>
+      <p:sp>
+        <p:nvSpPr>
+          <p:cNvPr id="8" name="ZoneTexte 7">
+            <a:extLst>
+              <a:ext uri="{FF2B5EF4-FFF2-40B4-BE49-F238E27FC236}">
+                <a16:creationId xmlns:a16="http://schemas.microsoft.com/office/drawing/2014/main" id="{AC32730B-6D07-37BE-5E05-17826CC33CC8}"/>
+              </a:ext>
+            </a:extLst>
+          </p:cNvPr>
+          <p:cNvSpPr txBox="1"/>
+          <p:nvPr/>
+        </p:nvSpPr>
+        <p:spPr>
+          <a:xfrm>
+            <a:off x="67463" y="2932342"/>
+            <a:ext cx="3851577" cy="830997"/>
+          </a:xfrm>
+          <a:prstGeom prst="rect">
+            <a:avLst/>
+          </a:prstGeom>
+          <a:noFill/>
+        </p:spPr>
+        <p:txBody>
+          <a:bodyPr wrap="square" rtlCol="0">
+            <a:spAutoFit/>
+          </a:bodyPr>
+          <a:lstStyle/>
+          <a:p>
+            <a:r>
+              <a:rPr lang="fr-FR" sz="1600" dirty="0"/>
+              <a:t>HTTP POST</a:t>
+            </a:r>
+          </a:p>
+          <a:p>
+            <a:r>
+              <a:rPr lang="fr-FR" sz="1600" dirty="0">
+                <a:hlinkClick r:id="rId2"/>
+              </a:rPr>
+              <a:t>http://slimfaas/</a:t>
+            </a:r>
+            <a:r>
+              <a:rPr lang="fr-FR" sz="1600" dirty="0">
+                <a:highlight>
+                  <a:srgbClr val="FFFF00"/>
+                </a:highlight>
+                <a:hlinkClick r:id="rId2"/>
+              </a:rPr>
+              <a:t>publish-function</a:t>
+            </a:r>
+            <a:r>
+              <a:rPr lang="fr-FR" sz="1600" dirty="0">
+                <a:hlinkClick r:id="rId2"/>
+              </a:rPr>
+              <a:t>/fibonacci</a:t>
+            </a:r>
+            <a:endParaRPr lang="fr-FR" sz="1600" dirty="0"/>
+          </a:p>
+          <a:p>
+            <a:r>
+              <a:rPr lang="fr-FR" sz="1600" dirty="0"/>
+              <a:t>{</a:t>
+            </a:r>
+            <a:r>
+              <a:rPr lang="fr-FR" sz="1600" b="0" i="0" dirty="0">
+                <a:effectLst/>
+                <a:latin typeface="-apple-system"/>
+              </a:rPr>
+              <a:t>"</a:t>
+            </a:r>
+            <a:r>
+              <a:rPr lang="fr-FR" sz="1600" dirty="0"/>
+              <a:t>input</a:t>
+            </a:r>
+            <a:r>
+              <a:rPr lang="fr-FR" sz="1600" b="0" i="0" dirty="0">
+                <a:effectLst/>
+                <a:latin typeface="-apple-system"/>
+              </a:rPr>
+              <a:t>"</a:t>
+            </a:r>
+            <a:r>
+              <a:rPr lang="fr-FR" sz="1600" dirty="0"/>
+              <a:t>:42}</a:t>
+            </a:r>
+          </a:p>
+        </p:txBody>
+      </p:sp>
+      <p:sp>
+        <p:nvSpPr>
+          <p:cNvPr id="9" name="ZoneTexte 8">
+            <a:extLst>
+              <a:ext uri="{FF2B5EF4-FFF2-40B4-BE49-F238E27FC236}">
+                <a16:creationId xmlns:a16="http://schemas.microsoft.com/office/drawing/2014/main" id="{6611272C-28EE-7524-CD4D-AAE3B72A1A73}"/>
+              </a:ext>
+            </a:extLst>
+          </p:cNvPr>
+          <p:cNvSpPr txBox="1"/>
+          <p:nvPr/>
+        </p:nvSpPr>
+        <p:spPr>
+          <a:xfrm>
+            <a:off x="6542729" y="997387"/>
+            <a:ext cx="1659171" cy="830997"/>
+          </a:xfrm>
+          <a:prstGeom prst="rect">
+            <a:avLst/>
+          </a:prstGeom>
+          <a:noFill/>
+        </p:spPr>
+        <p:txBody>
+          <a:bodyPr wrap="square" rtlCol="0">
+            <a:spAutoFit/>
+          </a:bodyPr>
+          <a:lstStyle/>
+          <a:p>
+            <a:r>
+              <a:rPr lang="fr-FR" sz="1600" dirty="0"/>
+              <a:t>HTTP POST</a:t>
+            </a:r>
+          </a:p>
+          <a:p>
+            <a:r>
+              <a:rPr lang="fr-FR" sz="1600" dirty="0">
+                <a:hlinkClick r:id="rId3"/>
+              </a:rPr>
+              <a:t>http://fibonacci</a:t>
+            </a:r>
+            <a:r>
+              <a:rPr lang="fr-FR" sz="1600" dirty="0"/>
+              <a:t> </a:t>
+            </a:r>
+            <a:br>
+              <a:rPr lang="fr-FR" sz="1600" dirty="0"/>
+            </a:br>
+            <a:r>
+              <a:rPr lang="fr-FR" sz="1600" dirty="0"/>
+              <a:t>{</a:t>
+            </a:r>
+            <a:r>
+              <a:rPr lang="fr-FR" sz="1600" b="0" i="0" dirty="0">
+                <a:effectLst/>
+                <a:latin typeface="-apple-system"/>
+              </a:rPr>
+              <a:t>"</a:t>
+            </a:r>
+            <a:r>
+              <a:rPr lang="fr-FR" sz="1600" dirty="0"/>
+              <a:t>input</a:t>
+            </a:r>
+            <a:r>
+              <a:rPr lang="fr-FR" sz="1600" b="0" i="0" dirty="0">
+                <a:effectLst/>
+                <a:latin typeface="-apple-system"/>
+              </a:rPr>
+              <a:t>"</a:t>
+            </a:r>
+            <a:r>
+              <a:rPr lang="fr-FR" sz="1600" dirty="0"/>
+              <a:t>:42}</a:t>
+            </a:r>
+          </a:p>
+        </p:txBody>
+      </p:sp>
+      <p:sp>
+        <p:nvSpPr>
+          <p:cNvPr id="10" name="Rounded Rectangle 45">
+            <a:extLst>
+              <a:ext uri="{FF2B5EF4-FFF2-40B4-BE49-F238E27FC236}">
+                <a16:creationId xmlns:a16="http://schemas.microsoft.com/office/drawing/2014/main" id="{D79C9965-A2CD-C2C1-A01C-697EABB121C8}"/>
+              </a:ext>
+            </a:extLst>
+          </p:cNvPr>
+          <p:cNvSpPr/>
+          <p:nvPr/>
+        </p:nvSpPr>
+        <p:spPr>
+          <a:xfrm>
+            <a:off x="8812333" y="509182"/>
+            <a:ext cx="3040144" cy="1540322"/>
+          </a:xfrm>
+          <a:prstGeom prst="roundRect">
+            <a:avLst/>
+          </a:prstGeom>
+          <a:solidFill>
+            <a:schemeClr val="bg2">
+              <a:lumMod val="25000"/>
+            </a:schemeClr>
+          </a:solidFill>
+          <a:ln>
+            <a:noFill/>
+          </a:ln>
+        </p:spPr>
+        <p:style>
+          <a:lnRef idx="2">
+            <a:schemeClr val="accent1">
+              <a:shade val="50000"/>
+            </a:schemeClr>
+          </a:lnRef>
+          <a:fillRef idx="1">
+            <a:schemeClr val="accent1"/>
+          </a:fillRef>
+          <a:effectRef idx="0">
+            <a:schemeClr val="accent1"/>
+          </a:effectRef>
+          <a:fontRef idx="minor">
+            <a:schemeClr val="lt1"/>
+          </a:fontRef>
+        </p:style>
+        <p:txBody>
+          <a:bodyPr rtlCol="0" anchor="ctr"/>
+          <a:lstStyle/>
+          <a:p>
+            <a:pPr algn="ctr"/>
+            <a:r>
+              <a:rPr lang="fr-FR" sz="2400" dirty="0">
+                <a:solidFill>
+                  <a:schemeClr val="bg1"/>
+                </a:solidFill>
+              </a:rPr>
+              <a:t>function « fibonacci » replica 1</a:t>
+            </a:r>
+            <a:endParaRPr lang="en-FR" sz="2400" dirty="0">
+              <a:solidFill>
+                <a:schemeClr val="bg1"/>
+              </a:solidFill>
+            </a:endParaRPr>
+          </a:p>
+        </p:txBody>
+      </p:sp>
+      <p:pic>
+        <p:nvPicPr>
+          <p:cNvPr id="11" name="Picture 2" descr="Afficher l’image source">
+            <a:extLst>
+              <a:ext uri="{FF2B5EF4-FFF2-40B4-BE49-F238E27FC236}">
+                <a16:creationId xmlns:a16="http://schemas.microsoft.com/office/drawing/2014/main" id="{B80A9736-02F1-1190-8A3C-F71D0B8C1D08}"/>
+              </a:ext>
+            </a:extLst>
+          </p:cNvPr>
+          <p:cNvPicPr>
+            <a:picLocks noChangeAspect="1" noChangeArrowheads="1"/>
+          </p:cNvPicPr>
+          <p:nvPr/>
+        </p:nvPicPr>
+        <p:blipFill>
+          <a:blip r:embed="rId4">
+            <a:extLst>
+              <a:ext uri="{28A0092B-C50C-407E-A947-70E740481C1C}">
+                <a14:useLocalDpi xmlns:a14="http://schemas.microsoft.com/office/drawing/2010/main" val="0"/>
+              </a:ext>
+            </a:extLst>
+          </a:blip>
+          <a:srcRect/>
+          <a:stretch>
+            <a:fillRect/>
+          </a:stretch>
+        </p:blipFill>
+        <p:spPr bwMode="auto">
+          <a:xfrm>
+            <a:off x="8618142" y="206059"/>
+            <a:ext cx="588793" cy="572693"/>
+          </a:xfrm>
+          <a:prstGeom prst="rect">
+            <a:avLst/>
+          </a:prstGeom>
+          <a:noFill/>
+          <a:extLst>
+            <a:ext uri="{909E8E84-426E-40DD-AFC4-6F175D3DCCD1}">
+              <a14:hiddenFill xmlns:a14="http://schemas.microsoft.com/office/drawing/2010/main">
+                <a:solidFill>
+                  <a:srgbClr val="FFFFFF"/>
+                </a:solidFill>
+              </a14:hiddenFill>
+            </a:ext>
+          </a:extLst>
+        </p:spPr>
+      </p:pic>
+      <p:cxnSp>
+        <p:nvCxnSpPr>
+          <p:cNvPr id="12" name="Connecteur droit avec flèche 11">
+            <a:extLst>
+              <a:ext uri="{FF2B5EF4-FFF2-40B4-BE49-F238E27FC236}">
+                <a16:creationId xmlns:a16="http://schemas.microsoft.com/office/drawing/2014/main" id="{3AFE1186-6876-1E2D-BB90-BFA726C0ACA3}"/>
+              </a:ext>
+            </a:extLst>
+          </p:cNvPr>
+          <p:cNvCxnSpPr>
+            <a:cxnSpLocks/>
+            <a:stCxn id="6" idx="3"/>
+            <a:endCxn id="10" idx="1"/>
+          </p:cNvCxnSpPr>
+          <p:nvPr/>
+        </p:nvCxnSpPr>
+        <p:spPr>
+          <a:xfrm flipV="1">
+            <a:off x="6740327" y="1279343"/>
+            <a:ext cx="2072006" cy="2068498"/>
+          </a:xfrm>
+          <a:prstGeom prst="straightConnector1">
+            <a:avLst/>
+          </a:prstGeom>
+          <a:ln w="127000">
+            <a:solidFill>
+              <a:schemeClr val="accent6">
+                <a:lumMod val="75000"/>
+              </a:schemeClr>
+            </a:solidFill>
+            <a:tailEnd type="triangle"/>
+          </a:ln>
+        </p:spPr>
+        <p:style>
+          <a:lnRef idx="1">
+            <a:schemeClr val="accent1"/>
+          </a:lnRef>
+          <a:fillRef idx="0">
+            <a:schemeClr val="accent1"/>
+          </a:fillRef>
+          <a:effectRef idx="0">
+            <a:schemeClr val="accent1"/>
+          </a:effectRef>
+          <a:fontRef idx="minor">
+            <a:schemeClr val="tx1"/>
+          </a:fontRef>
+        </p:style>
+      </p:cxnSp>
+      <p:sp>
+        <p:nvSpPr>
+          <p:cNvPr id="22" name="ZoneTexte 21">
+            <a:extLst>
+              <a:ext uri="{FF2B5EF4-FFF2-40B4-BE49-F238E27FC236}">
+                <a16:creationId xmlns:a16="http://schemas.microsoft.com/office/drawing/2014/main" id="{B20F6461-EFC4-60A1-6479-F83792C4E189}"/>
+              </a:ext>
+            </a:extLst>
+          </p:cNvPr>
+          <p:cNvSpPr txBox="1"/>
+          <p:nvPr/>
+        </p:nvSpPr>
+        <p:spPr>
+          <a:xfrm>
+            <a:off x="7453427" y="3352032"/>
+            <a:ext cx="1659171" cy="830997"/>
+          </a:xfrm>
+          <a:prstGeom prst="rect">
+            <a:avLst/>
+          </a:prstGeom>
+          <a:noFill/>
+        </p:spPr>
+        <p:txBody>
+          <a:bodyPr wrap="square" rtlCol="0">
+            <a:spAutoFit/>
+          </a:bodyPr>
+          <a:lstStyle/>
+          <a:p>
+            <a:r>
+              <a:rPr lang="fr-FR" sz="1600" dirty="0"/>
+              <a:t>HTTP POST</a:t>
+            </a:r>
+          </a:p>
+          <a:p>
+            <a:r>
+              <a:rPr lang="fr-FR" sz="1600" dirty="0">
+                <a:hlinkClick r:id="rId3"/>
+              </a:rPr>
+              <a:t>http://fibonacci</a:t>
+            </a:r>
+            <a:r>
+              <a:rPr lang="fr-FR" sz="1600" dirty="0"/>
+              <a:t> </a:t>
+            </a:r>
+            <a:br>
+              <a:rPr lang="fr-FR" sz="1600" dirty="0"/>
+            </a:br>
+            <a:r>
+              <a:rPr lang="fr-FR" sz="1600" dirty="0"/>
+              <a:t>{</a:t>
+            </a:r>
+            <a:r>
+              <a:rPr lang="fr-FR" sz="1600" b="0" i="0" dirty="0">
+                <a:effectLst/>
+                <a:latin typeface="-apple-system"/>
+              </a:rPr>
+              <a:t>"</a:t>
+            </a:r>
+            <a:r>
+              <a:rPr lang="fr-FR" sz="1600" dirty="0"/>
+              <a:t>input</a:t>
+            </a:r>
+            <a:r>
+              <a:rPr lang="fr-FR" sz="1600" b="0" i="0" dirty="0">
+                <a:effectLst/>
+                <a:latin typeface="-apple-system"/>
+              </a:rPr>
+              <a:t>"</a:t>
+            </a:r>
+            <a:r>
+              <a:rPr lang="fr-FR" sz="1600" dirty="0"/>
+              <a:t>:42}</a:t>
+            </a:r>
+          </a:p>
+        </p:txBody>
+      </p:sp>
+      <p:sp>
+        <p:nvSpPr>
+          <p:cNvPr id="23" name="Rounded Rectangle 45">
+            <a:extLst>
+              <a:ext uri="{FF2B5EF4-FFF2-40B4-BE49-F238E27FC236}">
+                <a16:creationId xmlns:a16="http://schemas.microsoft.com/office/drawing/2014/main" id="{02CDF874-6617-192D-7FBF-DFCDF050DE8B}"/>
+              </a:ext>
+            </a:extLst>
+          </p:cNvPr>
+          <p:cNvSpPr/>
+          <p:nvPr/>
+        </p:nvSpPr>
+        <p:spPr>
+          <a:xfrm>
+            <a:off x="8858733" y="2401822"/>
+            <a:ext cx="3040144" cy="1540322"/>
+          </a:xfrm>
+          <a:prstGeom prst="roundRect">
+            <a:avLst/>
+          </a:prstGeom>
+          <a:solidFill>
+            <a:schemeClr val="bg2">
+              <a:lumMod val="25000"/>
+            </a:schemeClr>
+          </a:solidFill>
+          <a:ln>
+            <a:noFill/>
+          </a:ln>
+        </p:spPr>
+        <p:style>
+          <a:lnRef idx="2">
+            <a:schemeClr val="accent1">
+              <a:shade val="50000"/>
+            </a:schemeClr>
+          </a:lnRef>
+          <a:fillRef idx="1">
+            <a:schemeClr val="accent1"/>
+          </a:fillRef>
+          <a:effectRef idx="0">
+            <a:schemeClr val="accent1"/>
+          </a:effectRef>
+          <a:fontRef idx="minor">
+            <a:schemeClr val="lt1"/>
+          </a:fontRef>
+        </p:style>
+        <p:txBody>
+          <a:bodyPr rtlCol="0" anchor="ctr"/>
+          <a:lstStyle/>
+          <a:p>
+            <a:pPr algn="ctr"/>
+            <a:r>
+              <a:rPr lang="fr-FR" sz="2400" dirty="0">
+                <a:solidFill>
+                  <a:schemeClr val="bg1"/>
+                </a:solidFill>
+              </a:rPr>
+              <a:t>function « fibonacci » replica 2</a:t>
+            </a:r>
+          </a:p>
+        </p:txBody>
+      </p:sp>
+      <p:pic>
+        <p:nvPicPr>
+          <p:cNvPr id="24" name="Picture 2" descr="Afficher l’image source">
+            <a:extLst>
+              <a:ext uri="{FF2B5EF4-FFF2-40B4-BE49-F238E27FC236}">
+                <a16:creationId xmlns:a16="http://schemas.microsoft.com/office/drawing/2014/main" id="{6367FF6E-BE42-9237-982C-7249BC298201}"/>
+              </a:ext>
+            </a:extLst>
+          </p:cNvPr>
+          <p:cNvPicPr>
+            <a:picLocks noChangeAspect="1" noChangeArrowheads="1"/>
+          </p:cNvPicPr>
+          <p:nvPr/>
+        </p:nvPicPr>
+        <p:blipFill>
+          <a:blip r:embed="rId4">
+            <a:extLst>
+              <a:ext uri="{28A0092B-C50C-407E-A947-70E740481C1C}">
+                <a14:useLocalDpi xmlns:a14="http://schemas.microsoft.com/office/drawing/2010/main" val="0"/>
+              </a:ext>
+            </a:extLst>
+          </a:blip>
+          <a:srcRect/>
+          <a:stretch>
+            <a:fillRect/>
+          </a:stretch>
+        </p:blipFill>
+        <p:spPr bwMode="auto">
+          <a:xfrm>
+            <a:off x="8799603" y="2111546"/>
+            <a:ext cx="588793" cy="572693"/>
+          </a:xfrm>
+          <a:prstGeom prst="rect">
+            <a:avLst/>
+          </a:prstGeom>
+          <a:noFill/>
+          <a:extLst>
+            <a:ext uri="{909E8E84-426E-40DD-AFC4-6F175D3DCCD1}">
+              <a14:hiddenFill xmlns:a14="http://schemas.microsoft.com/office/drawing/2010/main">
+                <a:solidFill>
+                  <a:srgbClr val="FFFFFF"/>
+                </a:solidFill>
+              </a14:hiddenFill>
+            </a:ext>
+          </a:extLst>
+        </p:spPr>
+      </p:pic>
+      <p:cxnSp>
+        <p:nvCxnSpPr>
+          <p:cNvPr id="25" name="Connecteur droit avec flèche 24">
+            <a:extLst>
+              <a:ext uri="{FF2B5EF4-FFF2-40B4-BE49-F238E27FC236}">
+                <a16:creationId xmlns:a16="http://schemas.microsoft.com/office/drawing/2014/main" id="{47CCB34C-BDE9-83E6-DBE9-369CE229F27F}"/>
+              </a:ext>
+            </a:extLst>
+          </p:cNvPr>
+          <p:cNvCxnSpPr>
+            <a:cxnSpLocks/>
+            <a:stCxn id="6" idx="3"/>
+            <a:endCxn id="23" idx="1"/>
+          </p:cNvCxnSpPr>
+          <p:nvPr/>
+        </p:nvCxnSpPr>
+        <p:spPr>
+          <a:xfrm flipV="1">
+            <a:off x="6740327" y="3171983"/>
+            <a:ext cx="2118406" cy="175858"/>
+          </a:xfrm>
+          <a:prstGeom prst="straightConnector1">
+            <a:avLst/>
+          </a:prstGeom>
+          <a:ln w="127000">
+            <a:solidFill>
+              <a:schemeClr val="accent6">
+                <a:lumMod val="75000"/>
+              </a:schemeClr>
+            </a:solidFill>
+            <a:tailEnd type="triangle"/>
+          </a:ln>
+        </p:spPr>
+        <p:style>
+          <a:lnRef idx="1">
+            <a:schemeClr val="accent1"/>
+          </a:lnRef>
+          <a:fillRef idx="0">
+            <a:schemeClr val="accent1"/>
+          </a:fillRef>
+          <a:effectRef idx="0">
+            <a:schemeClr val="accent1"/>
+          </a:effectRef>
+          <a:fontRef idx="minor">
+            <a:schemeClr val="tx1"/>
+          </a:fontRef>
+        </p:style>
+      </p:cxnSp>
+      <p:sp>
+        <p:nvSpPr>
+          <p:cNvPr id="28" name="Rounded Rectangle 45">
+            <a:extLst>
+              <a:ext uri="{FF2B5EF4-FFF2-40B4-BE49-F238E27FC236}">
+                <a16:creationId xmlns:a16="http://schemas.microsoft.com/office/drawing/2014/main" id="{38FF5A4C-559C-1D52-9476-314AAD56BECB}"/>
+              </a:ext>
+            </a:extLst>
+          </p:cNvPr>
+          <p:cNvSpPr/>
+          <p:nvPr/>
+        </p:nvSpPr>
+        <p:spPr>
+          <a:xfrm>
+            <a:off x="8822212" y="4493355"/>
+            <a:ext cx="3040144" cy="1540322"/>
+          </a:xfrm>
+          <a:prstGeom prst="roundRect">
+            <a:avLst/>
+          </a:prstGeom>
+          <a:solidFill>
+            <a:schemeClr val="bg2">
+              <a:lumMod val="25000"/>
+            </a:schemeClr>
+          </a:solidFill>
+          <a:ln>
+            <a:noFill/>
+          </a:ln>
+        </p:spPr>
+        <p:style>
+          <a:lnRef idx="2">
+            <a:schemeClr val="accent1">
+              <a:shade val="50000"/>
+            </a:schemeClr>
+          </a:lnRef>
+          <a:fillRef idx="1">
+            <a:schemeClr val="accent1"/>
+          </a:fillRef>
+          <a:effectRef idx="0">
+            <a:schemeClr val="accent1"/>
+          </a:effectRef>
+          <a:fontRef idx="minor">
+            <a:schemeClr val="lt1"/>
+          </a:fontRef>
+        </p:style>
+        <p:txBody>
+          <a:bodyPr rtlCol="0" anchor="ctr"/>
+          <a:lstStyle/>
+          <a:p>
+            <a:pPr algn="ctr"/>
+            <a:r>
+              <a:rPr lang="fr-FR" sz="2400" dirty="0">
+                <a:solidFill>
+                  <a:schemeClr val="bg1"/>
+                </a:solidFill>
+              </a:rPr>
+              <a:t>function « fibonacci » replica 3</a:t>
+            </a:r>
+          </a:p>
+        </p:txBody>
+      </p:sp>
+      <p:pic>
+        <p:nvPicPr>
+          <p:cNvPr id="29" name="Picture 2" descr="Afficher l’image source">
+            <a:extLst>
+              <a:ext uri="{FF2B5EF4-FFF2-40B4-BE49-F238E27FC236}">
+                <a16:creationId xmlns:a16="http://schemas.microsoft.com/office/drawing/2014/main" id="{5C2C929B-DD3A-D402-D3D0-47B59BB4F807}"/>
+              </a:ext>
+            </a:extLst>
+          </p:cNvPr>
+          <p:cNvPicPr>
+            <a:picLocks noChangeAspect="1" noChangeArrowheads="1"/>
+          </p:cNvPicPr>
+          <p:nvPr/>
+        </p:nvPicPr>
+        <p:blipFill>
+          <a:blip r:embed="rId4">
+            <a:extLst>
+              <a:ext uri="{28A0092B-C50C-407E-A947-70E740481C1C}">
+                <a14:useLocalDpi xmlns:a14="http://schemas.microsoft.com/office/drawing/2010/main" val="0"/>
+              </a:ext>
+            </a:extLst>
+          </a:blip>
+          <a:srcRect/>
+          <a:stretch>
+            <a:fillRect/>
+          </a:stretch>
+        </p:blipFill>
+        <p:spPr bwMode="auto">
+          <a:xfrm>
+            <a:off x="8753203" y="4252319"/>
+            <a:ext cx="588793" cy="572693"/>
+          </a:xfrm>
+          <a:prstGeom prst="rect">
+            <a:avLst/>
+          </a:prstGeom>
+          <a:noFill/>
+          <a:extLst>
+            <a:ext uri="{909E8E84-426E-40DD-AFC4-6F175D3DCCD1}">
+              <a14:hiddenFill xmlns:a14="http://schemas.microsoft.com/office/drawing/2010/main">
+                <a:solidFill>
+                  <a:srgbClr val="FFFFFF"/>
+                </a:solidFill>
+              </a14:hiddenFill>
+            </a:ext>
+          </a:extLst>
+        </p:spPr>
+      </p:pic>
+      <p:cxnSp>
+        <p:nvCxnSpPr>
+          <p:cNvPr id="30" name="Connecteur droit avec flèche 29">
+            <a:extLst>
+              <a:ext uri="{FF2B5EF4-FFF2-40B4-BE49-F238E27FC236}">
+                <a16:creationId xmlns:a16="http://schemas.microsoft.com/office/drawing/2014/main" id="{3C17D7D9-AD0C-3CB9-E9C2-8FE52952EA0A}"/>
+              </a:ext>
+            </a:extLst>
+          </p:cNvPr>
+          <p:cNvCxnSpPr>
+            <a:cxnSpLocks/>
+            <a:stCxn id="6" idx="3"/>
+            <a:endCxn id="28" idx="1"/>
+          </p:cNvCxnSpPr>
+          <p:nvPr/>
+        </p:nvCxnSpPr>
+        <p:spPr>
+          <a:xfrm>
+            <a:off x="6740327" y="3347841"/>
+            <a:ext cx="2081885" cy="1915675"/>
+          </a:xfrm>
+          <a:prstGeom prst="straightConnector1">
+            <a:avLst/>
+          </a:prstGeom>
+          <a:ln w="127000">
+            <a:solidFill>
+              <a:schemeClr val="accent6">
+                <a:lumMod val="75000"/>
+              </a:schemeClr>
+            </a:solidFill>
+            <a:tailEnd type="triangle"/>
+          </a:ln>
+        </p:spPr>
+        <p:style>
+          <a:lnRef idx="1">
+            <a:schemeClr val="accent1"/>
+          </a:lnRef>
+          <a:fillRef idx="0">
+            <a:schemeClr val="accent1"/>
+          </a:fillRef>
+          <a:effectRef idx="0">
+            <a:schemeClr val="accent1"/>
+          </a:effectRef>
+          <a:fontRef idx="minor">
+            <a:schemeClr val="tx1"/>
+          </a:fontRef>
+        </p:style>
+      </p:cxnSp>
+      <p:sp>
+        <p:nvSpPr>
+          <p:cNvPr id="38" name="ZoneTexte 37">
+            <a:extLst>
+              <a:ext uri="{FF2B5EF4-FFF2-40B4-BE49-F238E27FC236}">
+                <a16:creationId xmlns:a16="http://schemas.microsoft.com/office/drawing/2014/main" id="{3E51368A-C3EC-DCF9-2D42-54C522F99A21}"/>
+              </a:ext>
+            </a:extLst>
+          </p:cNvPr>
+          <p:cNvSpPr txBox="1"/>
+          <p:nvPr/>
+        </p:nvSpPr>
+        <p:spPr>
+          <a:xfrm>
+            <a:off x="7218978" y="5412088"/>
+            <a:ext cx="1659171" cy="830997"/>
+          </a:xfrm>
+          <a:prstGeom prst="rect">
+            <a:avLst/>
+          </a:prstGeom>
+          <a:noFill/>
+        </p:spPr>
+        <p:txBody>
+          <a:bodyPr wrap="square" rtlCol="0">
+            <a:spAutoFit/>
+          </a:bodyPr>
+          <a:lstStyle/>
+          <a:p>
+            <a:r>
+              <a:rPr lang="fr-FR" sz="1600" dirty="0"/>
+              <a:t>HTTP POST</a:t>
+            </a:r>
+          </a:p>
+          <a:p>
+            <a:r>
+              <a:rPr lang="fr-FR" sz="1600" dirty="0">
+                <a:hlinkClick r:id="rId3"/>
+              </a:rPr>
+              <a:t>http://fibonacci</a:t>
+            </a:r>
+            <a:r>
+              <a:rPr lang="fr-FR" sz="1600" dirty="0"/>
+              <a:t> </a:t>
+            </a:r>
+            <a:br>
+              <a:rPr lang="fr-FR" sz="1600" dirty="0"/>
+            </a:br>
+            <a:r>
+              <a:rPr lang="fr-FR" sz="1600" dirty="0"/>
+              <a:t>{</a:t>
+            </a:r>
+            <a:r>
+              <a:rPr lang="fr-FR" sz="1600" b="0" i="0" dirty="0">
+                <a:effectLst/>
+                <a:latin typeface="-apple-system"/>
+              </a:rPr>
+              <a:t>"</a:t>
+            </a:r>
+            <a:r>
+              <a:rPr lang="fr-FR" sz="1600" dirty="0"/>
+              <a:t>input</a:t>
+            </a:r>
+            <a:r>
+              <a:rPr lang="fr-FR" sz="1600" b="0" i="0" dirty="0">
+                <a:effectLst/>
+                <a:latin typeface="-apple-system"/>
+              </a:rPr>
+              <a:t>"</a:t>
+            </a:r>
+            <a:r>
+              <a:rPr lang="fr-FR" sz="1600" dirty="0"/>
+              <a:t>:42}</a:t>
+            </a:r>
+          </a:p>
+        </p:txBody>
+      </p:sp>
+      <p:pic>
+        <p:nvPicPr>
+          <p:cNvPr id="5" name="Picture 2" descr="Afficher l’image source">
+            <a:extLst>
+              <a:ext uri="{FF2B5EF4-FFF2-40B4-BE49-F238E27FC236}">
+                <a16:creationId xmlns:a16="http://schemas.microsoft.com/office/drawing/2014/main" id="{9CF92849-9C7F-61C9-32C2-F99F37E01F43}"/>
+              </a:ext>
+            </a:extLst>
+          </p:cNvPr>
+          <p:cNvPicPr>
+            <a:picLocks noChangeAspect="1" noChangeArrowheads="1"/>
+          </p:cNvPicPr>
+          <p:nvPr/>
+        </p:nvPicPr>
+        <p:blipFill>
+          <a:blip r:embed="rId4">
+            <a:extLst>
+              <a:ext uri="{28A0092B-C50C-407E-A947-70E740481C1C}">
+                <a14:useLocalDpi xmlns:a14="http://schemas.microsoft.com/office/drawing/2010/main" val="0"/>
+              </a:ext>
+            </a:extLst>
+          </a:blip>
+          <a:srcRect/>
+          <a:stretch>
+            <a:fillRect/>
+          </a:stretch>
+        </p:blipFill>
+        <p:spPr bwMode="auto">
+          <a:xfrm>
+            <a:off x="4286719" y="2514707"/>
+            <a:ext cx="588793" cy="572693"/>
+          </a:xfrm>
+          <a:prstGeom prst="rect">
+            <a:avLst/>
+          </a:prstGeom>
+          <a:noFill/>
+          <a:extLst>
+            <a:ext uri="{909E8E84-426E-40DD-AFC4-6F175D3DCCD1}">
+              <a14:hiddenFill xmlns:a14="http://schemas.microsoft.com/office/drawing/2010/main">
+                <a:solidFill>
+                  <a:srgbClr val="FFFFFF"/>
+                </a:solidFill>
+              </a14:hiddenFill>
+            </a:ext>
+          </a:extLst>
+        </p:spPr>
+      </p:pic>
+    </p:spTree>
+    <p:extLst>
+      <p:ext uri="{BB962C8B-B14F-4D97-AF65-F5344CB8AC3E}">
+        <p14:creationId xmlns:p14="http://schemas.microsoft.com/office/powerpoint/2010/main" val="2176232589"/>
+      </p:ext>
+    </p:extLst>
+  </p:cSld>
+  <p:clrMapOvr>
+    <a:masterClrMapping/>
+  </p:clrMapOvr>
+</p:sld>
+</file>
+
+<file path=ppt/slides/slide4.xml><?xml version="1.0" encoding="utf-8"?>
+<p:sld xmlns:a="http://schemas.openxmlformats.org/drawingml/2006/main" xmlns:r="http://schemas.openxmlformats.org/officeDocument/2006/relationships" xmlns:p="http://schemas.openxmlformats.org/presentationml/2006/main">
+  <p:cSld>
+    <p:spTree>
+      <p:nvGrpSpPr>
+        <p:cNvPr id="1" name=""/>
+        <p:cNvGrpSpPr/>
+        <p:nvPr/>
+      </p:nvGrpSpPr>
+      <p:grpSpPr>
+        <a:xfrm>
+          <a:off x="0" y="0"/>
+          <a:ext cx="0" cy="0"/>
+          <a:chOff x="0" y="0"/>
+          <a:chExt cx="0" cy="0"/>
+        </a:xfrm>
+      </p:grpSpPr>
+      <p:sp>
+        <p:nvSpPr>
+          <p:cNvPr id="3" name="Espace réservé du contenu 2">
+            <a:extLst>
+              <a:ext uri="{FF2B5EF4-FFF2-40B4-BE49-F238E27FC236}">
+                <a16:creationId xmlns:a16="http://schemas.microsoft.com/office/drawing/2014/main" id="{FC72177F-6E5E-241E-BA74-8D91DC6E05F3}"/>
+              </a:ext>
+            </a:extLst>
+          </p:cNvPr>
+          <p:cNvSpPr>
+            <a:spLocks noGrp="1"/>
+          </p:cNvSpPr>
+          <p:nvPr>
+            <p:ph idx="1"/>
+          </p:nvPr>
+        </p:nvSpPr>
+        <p:spPr>
+          <a:xfrm>
+            <a:off x="0" y="6391656"/>
+            <a:ext cx="12192000" cy="466343"/>
+          </a:xfrm>
+        </p:spPr>
+        <p:txBody>
+          <a:bodyPr>
+            <a:normAutofit lnSpcReduction="10000"/>
+          </a:bodyPr>
+          <a:lstStyle/>
+          <a:p>
+            <a:endParaRPr lang="fr-FR" dirty="0"/>
+          </a:p>
+        </p:txBody>
+      </p:sp>
+      <p:sp>
+        <p:nvSpPr>
+          <p:cNvPr id="6" name="Rounded Rectangle 44">
+            <a:extLst>
+              <a:ext uri="{FF2B5EF4-FFF2-40B4-BE49-F238E27FC236}">
+                <a16:creationId xmlns:a16="http://schemas.microsoft.com/office/drawing/2014/main" id="{DDD08BA0-70BB-583F-312D-C1BE714A89E8}"/>
+              </a:ext>
+            </a:extLst>
+          </p:cNvPr>
+          <p:cNvSpPr/>
+          <p:nvPr/>
+        </p:nvSpPr>
+        <p:spPr>
+          <a:xfrm>
+            <a:off x="4275182" y="2785207"/>
+            <a:ext cx="2245224" cy="1125268"/>
+          </a:xfrm>
+          <a:prstGeom prst="roundRect">
+            <a:avLst/>
+          </a:prstGeom>
+          <a:solidFill>
+            <a:schemeClr val="bg2">
+              <a:lumMod val="25000"/>
+            </a:schemeClr>
+          </a:solidFill>
+          <a:ln>
+            <a:noFill/>
+          </a:ln>
+        </p:spPr>
+        <p:style>
+          <a:lnRef idx="2">
+            <a:schemeClr val="accent1">
+              <a:shade val="50000"/>
+            </a:schemeClr>
+          </a:lnRef>
+          <a:fillRef idx="1">
+            <a:schemeClr val="accent1"/>
+          </a:fillRef>
+          <a:effectRef idx="0">
+            <a:schemeClr val="accent1"/>
+          </a:effectRef>
+          <a:fontRef idx="minor">
+            <a:schemeClr val="lt1"/>
+          </a:fontRef>
+        </p:style>
+        <p:txBody>
+          <a:bodyPr rtlCol="0" anchor="ctr"/>
+          <a:lstStyle/>
+          <a:p>
+            <a:pPr algn="ctr"/>
+            <a:r>
+              <a:rPr lang="en-US" sz="2400" dirty="0">
+                <a:solidFill>
+                  <a:schemeClr val="bg1"/>
+                </a:solidFill>
+              </a:rPr>
+              <a:t>SlimFaas</a:t>
+            </a:r>
+          </a:p>
+        </p:txBody>
+      </p:sp>
+      <p:cxnSp>
+        <p:nvCxnSpPr>
+          <p:cNvPr id="7" name="Connecteur droit avec flèche 6">
+            <a:extLst>
+              <a:ext uri="{FF2B5EF4-FFF2-40B4-BE49-F238E27FC236}">
+                <a16:creationId xmlns:a16="http://schemas.microsoft.com/office/drawing/2014/main" id="{2846A4F1-5F1E-1B4A-EAEC-F51C758D93A6}"/>
+              </a:ext>
+            </a:extLst>
+          </p:cNvPr>
+          <p:cNvCxnSpPr>
+            <a:cxnSpLocks/>
+            <a:stCxn id="8" idx="3"/>
+            <a:endCxn id="6" idx="1"/>
+          </p:cNvCxnSpPr>
+          <p:nvPr/>
+        </p:nvCxnSpPr>
+        <p:spPr>
+          <a:xfrm flipV="1">
+            <a:off x="3699119" y="3347841"/>
+            <a:ext cx="576063" cy="4215"/>
+          </a:xfrm>
+          <a:prstGeom prst="straightConnector1">
+            <a:avLst/>
+          </a:prstGeom>
+          <a:ln w="127000">
+            <a:solidFill>
+              <a:schemeClr val="accent6">
+                <a:lumMod val="75000"/>
+              </a:schemeClr>
+            </a:solidFill>
+            <a:tailEnd type="triangle"/>
+          </a:ln>
+        </p:spPr>
+        <p:style>
+          <a:lnRef idx="1">
+            <a:schemeClr val="accent1"/>
+          </a:lnRef>
+          <a:fillRef idx="0">
+            <a:schemeClr val="accent1"/>
+          </a:fillRef>
+          <a:effectRef idx="0">
+            <a:schemeClr val="accent1"/>
+          </a:effectRef>
+          <a:fontRef idx="minor">
+            <a:schemeClr val="tx1"/>
+          </a:fontRef>
+        </p:style>
+      </p:cxnSp>
+      <p:sp>
+        <p:nvSpPr>
+          <p:cNvPr id="8" name="ZoneTexte 7">
+            <a:extLst>
+              <a:ext uri="{FF2B5EF4-FFF2-40B4-BE49-F238E27FC236}">
+                <a16:creationId xmlns:a16="http://schemas.microsoft.com/office/drawing/2014/main" id="{AC32730B-6D07-37BE-5E05-17826CC33CC8}"/>
+              </a:ext>
+            </a:extLst>
+          </p:cNvPr>
+          <p:cNvSpPr txBox="1"/>
+          <p:nvPr/>
+        </p:nvSpPr>
+        <p:spPr>
+          <a:xfrm>
+            <a:off x="61124" y="2936557"/>
+            <a:ext cx="3637995" cy="830997"/>
+          </a:xfrm>
+          <a:prstGeom prst="rect">
+            <a:avLst/>
+          </a:prstGeom>
+          <a:noFill/>
+        </p:spPr>
+        <p:txBody>
+          <a:bodyPr wrap="square" rtlCol="0">
+            <a:spAutoFit/>
+          </a:bodyPr>
+          <a:lstStyle/>
+          <a:p>
+            <a:r>
+              <a:rPr lang="fr-FR" sz="1600" dirty="0"/>
+              <a:t>HTTP POST</a:t>
+            </a:r>
+          </a:p>
+          <a:p>
+            <a:r>
+              <a:rPr lang="fr-FR" sz="1600" dirty="0">
+                <a:hlinkClick r:id="rId2"/>
+              </a:rPr>
+              <a:t>http://slimfaas/</a:t>
+            </a:r>
+            <a:r>
+              <a:rPr lang="fr-FR" sz="1600" dirty="0">
+                <a:highlight>
+                  <a:srgbClr val="FFFF00"/>
+                </a:highlight>
+                <a:hlinkClick r:id="rId2"/>
+              </a:rPr>
+              <a:t>async-publish</a:t>
+            </a:r>
+            <a:r>
+              <a:rPr lang="fr-FR" sz="1600" dirty="0">
+                <a:hlinkClick r:id="rId2"/>
+              </a:rPr>
+              <a:t>/fibonacci</a:t>
+            </a:r>
+            <a:endParaRPr lang="fr-FR" sz="1600" dirty="0"/>
+          </a:p>
+          <a:p>
+            <a:r>
+              <a:rPr lang="fr-FR" sz="1600" dirty="0"/>
+              <a:t>{</a:t>
+            </a:r>
+            <a:r>
+              <a:rPr lang="fr-FR" sz="1600" b="0" i="0" dirty="0">
+                <a:effectLst/>
+                <a:latin typeface="-apple-system"/>
+              </a:rPr>
+              <a:t>"</a:t>
+            </a:r>
+            <a:r>
+              <a:rPr lang="fr-FR" sz="1600" dirty="0"/>
+              <a:t>input</a:t>
+            </a:r>
+            <a:r>
+              <a:rPr lang="fr-FR" sz="1600" b="0" i="0" dirty="0">
+                <a:effectLst/>
+                <a:latin typeface="-apple-system"/>
+              </a:rPr>
+              <a:t>"</a:t>
+            </a:r>
+            <a:r>
+              <a:rPr lang="fr-FR" sz="1600" dirty="0"/>
+              <a:t>:42}</a:t>
+            </a:r>
+          </a:p>
+        </p:txBody>
+      </p:sp>
+      <p:sp>
+        <p:nvSpPr>
+          <p:cNvPr id="9" name="ZoneTexte 8">
+            <a:extLst>
+              <a:ext uri="{FF2B5EF4-FFF2-40B4-BE49-F238E27FC236}">
+                <a16:creationId xmlns:a16="http://schemas.microsoft.com/office/drawing/2014/main" id="{6611272C-28EE-7524-CD4D-AAE3B72A1A73}"/>
+              </a:ext>
+            </a:extLst>
+          </p:cNvPr>
+          <p:cNvSpPr txBox="1"/>
+          <p:nvPr/>
+        </p:nvSpPr>
+        <p:spPr>
+          <a:xfrm>
+            <a:off x="6542729" y="997387"/>
+            <a:ext cx="1659171" cy="830997"/>
+          </a:xfrm>
+          <a:prstGeom prst="rect">
+            <a:avLst/>
+          </a:prstGeom>
+          <a:noFill/>
+        </p:spPr>
+        <p:txBody>
+          <a:bodyPr wrap="square" rtlCol="0">
+            <a:spAutoFit/>
+          </a:bodyPr>
+          <a:lstStyle/>
+          <a:p>
+            <a:r>
+              <a:rPr lang="fr-FR" sz="1600" dirty="0"/>
+              <a:t>HTTP POST</a:t>
+            </a:r>
+          </a:p>
+          <a:p>
+            <a:r>
+              <a:rPr lang="fr-FR" sz="1600" dirty="0">
+                <a:hlinkClick r:id="rId3"/>
+              </a:rPr>
+              <a:t>http://fibonacci</a:t>
+            </a:r>
+            <a:r>
+              <a:rPr lang="fr-FR" sz="1600" dirty="0"/>
+              <a:t> </a:t>
+            </a:r>
+            <a:br>
+              <a:rPr lang="fr-FR" sz="1600" dirty="0"/>
+            </a:br>
+            <a:r>
+              <a:rPr lang="fr-FR" sz="1600" dirty="0"/>
+              <a:t>{</a:t>
+            </a:r>
+            <a:r>
+              <a:rPr lang="fr-FR" sz="1600" b="0" i="0" dirty="0">
+                <a:effectLst/>
+                <a:latin typeface="-apple-system"/>
+              </a:rPr>
+              <a:t>"</a:t>
+            </a:r>
+            <a:r>
+              <a:rPr lang="fr-FR" sz="1600" dirty="0"/>
+              <a:t>input</a:t>
+            </a:r>
+            <a:r>
+              <a:rPr lang="fr-FR" sz="1600" b="0" i="0" dirty="0">
+                <a:effectLst/>
+                <a:latin typeface="-apple-system"/>
+              </a:rPr>
+              <a:t>"</a:t>
+            </a:r>
+            <a:r>
+              <a:rPr lang="fr-FR" sz="1600" dirty="0"/>
+              <a:t>:42}</a:t>
+            </a:r>
+          </a:p>
+        </p:txBody>
+      </p:sp>
+      <p:sp>
+        <p:nvSpPr>
+          <p:cNvPr id="10" name="Rounded Rectangle 45">
+            <a:extLst>
+              <a:ext uri="{FF2B5EF4-FFF2-40B4-BE49-F238E27FC236}">
+                <a16:creationId xmlns:a16="http://schemas.microsoft.com/office/drawing/2014/main" id="{D79C9965-A2CD-C2C1-A01C-697EABB121C8}"/>
+              </a:ext>
+            </a:extLst>
+          </p:cNvPr>
+          <p:cNvSpPr/>
+          <p:nvPr/>
+        </p:nvSpPr>
+        <p:spPr>
+          <a:xfrm>
+            <a:off x="8812333" y="509182"/>
+            <a:ext cx="3040144" cy="1540322"/>
+          </a:xfrm>
+          <a:prstGeom prst="roundRect">
+            <a:avLst/>
+          </a:prstGeom>
+          <a:solidFill>
+            <a:schemeClr val="bg2">
+              <a:lumMod val="25000"/>
+            </a:schemeClr>
+          </a:solidFill>
+          <a:ln>
+            <a:noFill/>
+          </a:ln>
+        </p:spPr>
+        <p:style>
+          <a:lnRef idx="2">
+            <a:schemeClr val="accent1">
+              <a:shade val="50000"/>
+            </a:schemeClr>
+          </a:lnRef>
+          <a:fillRef idx="1">
+            <a:schemeClr val="accent1"/>
+          </a:fillRef>
+          <a:effectRef idx="0">
+            <a:schemeClr val="accent1"/>
+          </a:effectRef>
+          <a:fontRef idx="minor">
+            <a:schemeClr val="lt1"/>
+          </a:fontRef>
+        </p:style>
+        <p:txBody>
+          <a:bodyPr rtlCol="0" anchor="ctr"/>
+          <a:lstStyle/>
+          <a:p>
+            <a:pPr algn="ctr"/>
+            <a:r>
+              <a:rPr lang="fr-FR" sz="2400" dirty="0">
+                <a:solidFill>
+                  <a:schemeClr val="bg1"/>
+                </a:solidFill>
+              </a:rPr>
+              <a:t>function « fibonacci » instance 1</a:t>
+            </a:r>
+            <a:endParaRPr lang="en-FR" sz="2400" dirty="0">
+              <a:solidFill>
+                <a:schemeClr val="bg1"/>
+              </a:solidFill>
+            </a:endParaRPr>
+          </a:p>
+        </p:txBody>
+      </p:sp>
+      <p:pic>
+        <p:nvPicPr>
+          <p:cNvPr id="11" name="Picture 2" descr="Afficher l’image source">
+            <a:extLst>
+              <a:ext uri="{FF2B5EF4-FFF2-40B4-BE49-F238E27FC236}">
+                <a16:creationId xmlns:a16="http://schemas.microsoft.com/office/drawing/2014/main" id="{B80A9736-02F1-1190-8A3C-F71D0B8C1D08}"/>
+              </a:ext>
+            </a:extLst>
+          </p:cNvPr>
+          <p:cNvPicPr>
+            <a:picLocks noChangeAspect="1" noChangeArrowheads="1"/>
+          </p:cNvPicPr>
+          <p:nvPr/>
+        </p:nvPicPr>
+        <p:blipFill>
+          <a:blip r:embed="rId4">
+            <a:extLst>
+              <a:ext uri="{28A0092B-C50C-407E-A947-70E740481C1C}">
+                <a14:useLocalDpi xmlns:a14="http://schemas.microsoft.com/office/drawing/2010/main" val="0"/>
+              </a:ext>
+            </a:extLst>
+          </a:blip>
+          <a:srcRect/>
+          <a:stretch>
+            <a:fillRect/>
+          </a:stretch>
+        </p:blipFill>
+        <p:spPr bwMode="auto">
+          <a:xfrm>
+            <a:off x="8618142" y="206059"/>
+            <a:ext cx="588793" cy="572693"/>
+          </a:xfrm>
+          <a:prstGeom prst="rect">
+            <a:avLst/>
+          </a:prstGeom>
+          <a:noFill/>
+          <a:extLst>
+            <a:ext uri="{909E8E84-426E-40DD-AFC4-6F175D3DCCD1}">
+              <a14:hiddenFill xmlns:a14="http://schemas.microsoft.com/office/drawing/2010/main">
+                <a:solidFill>
+                  <a:srgbClr val="FFFFFF"/>
+                </a:solidFill>
+              </a14:hiddenFill>
+            </a:ext>
+          </a:extLst>
+        </p:spPr>
+      </p:pic>
+      <p:cxnSp>
+        <p:nvCxnSpPr>
+          <p:cNvPr id="12" name="Connecteur droit avec flèche 11">
+            <a:extLst>
+              <a:ext uri="{FF2B5EF4-FFF2-40B4-BE49-F238E27FC236}">
+                <a16:creationId xmlns:a16="http://schemas.microsoft.com/office/drawing/2014/main" id="{3AFE1186-6876-1E2D-BB90-BFA726C0ACA3}"/>
+              </a:ext>
+            </a:extLst>
+          </p:cNvPr>
+          <p:cNvCxnSpPr>
+            <a:cxnSpLocks/>
+            <a:stCxn id="6" idx="3"/>
+            <a:endCxn id="10" idx="1"/>
+          </p:cNvCxnSpPr>
+          <p:nvPr/>
+        </p:nvCxnSpPr>
+        <p:spPr>
+          <a:xfrm flipV="1">
+            <a:off x="6520406" y="1279343"/>
+            <a:ext cx="2291927" cy="2068498"/>
+          </a:xfrm>
+          <a:prstGeom prst="straightConnector1">
+            <a:avLst/>
+          </a:prstGeom>
+          <a:ln w="127000">
+            <a:solidFill>
+              <a:schemeClr val="accent6">
+                <a:lumMod val="75000"/>
+              </a:schemeClr>
+            </a:solidFill>
+            <a:tailEnd type="triangle"/>
+          </a:ln>
+        </p:spPr>
+        <p:style>
+          <a:lnRef idx="1">
+            <a:schemeClr val="accent1"/>
+          </a:lnRef>
+          <a:fillRef idx="0">
+            <a:schemeClr val="accent1"/>
+          </a:fillRef>
+          <a:effectRef idx="0">
+            <a:schemeClr val="accent1"/>
+          </a:effectRef>
+          <a:fontRef idx="minor">
+            <a:schemeClr val="tx1"/>
+          </a:fontRef>
+        </p:style>
+      </p:cxnSp>
+      <p:sp>
+        <p:nvSpPr>
+          <p:cNvPr id="22" name="ZoneTexte 21">
+            <a:extLst>
+              <a:ext uri="{FF2B5EF4-FFF2-40B4-BE49-F238E27FC236}">
+                <a16:creationId xmlns:a16="http://schemas.microsoft.com/office/drawing/2014/main" id="{B20F6461-EFC4-60A1-6479-F83792C4E189}"/>
+              </a:ext>
+            </a:extLst>
+          </p:cNvPr>
+          <p:cNvSpPr txBox="1"/>
+          <p:nvPr/>
+        </p:nvSpPr>
+        <p:spPr>
+          <a:xfrm>
+            <a:off x="7304194" y="3284661"/>
+            <a:ext cx="1659171" cy="830997"/>
+          </a:xfrm>
+          <a:prstGeom prst="rect">
+            <a:avLst/>
+          </a:prstGeom>
+          <a:noFill/>
+        </p:spPr>
+        <p:txBody>
+          <a:bodyPr wrap="square" rtlCol="0">
+            <a:spAutoFit/>
+          </a:bodyPr>
+          <a:lstStyle/>
+          <a:p>
+            <a:r>
+              <a:rPr lang="fr-FR" sz="1600" dirty="0"/>
+              <a:t>HTTP POST</a:t>
+            </a:r>
+          </a:p>
+          <a:p>
+            <a:r>
+              <a:rPr lang="fr-FR" sz="1600" dirty="0">
+                <a:hlinkClick r:id="rId3"/>
+              </a:rPr>
+              <a:t>http://fibonacci</a:t>
+            </a:r>
+            <a:r>
+              <a:rPr lang="fr-FR" sz="1600" dirty="0"/>
+              <a:t> </a:t>
+            </a:r>
+            <a:br>
+              <a:rPr lang="fr-FR" sz="1600" dirty="0"/>
+            </a:br>
+            <a:r>
+              <a:rPr lang="fr-FR" sz="1600" dirty="0"/>
+              <a:t>{</a:t>
+            </a:r>
+            <a:r>
+              <a:rPr lang="fr-FR" sz="1600" b="0" i="0" dirty="0">
+                <a:effectLst/>
+                <a:latin typeface="-apple-system"/>
+              </a:rPr>
+              <a:t>"</a:t>
+            </a:r>
+            <a:r>
+              <a:rPr lang="fr-FR" sz="1600" dirty="0"/>
+              <a:t>input</a:t>
+            </a:r>
+            <a:r>
+              <a:rPr lang="fr-FR" sz="1600" b="0" i="0" dirty="0">
+                <a:effectLst/>
+                <a:latin typeface="-apple-system"/>
+              </a:rPr>
+              <a:t>"</a:t>
+            </a:r>
+            <a:r>
+              <a:rPr lang="fr-FR" sz="1600" dirty="0"/>
+              <a:t>:42}</a:t>
+            </a:r>
+          </a:p>
+        </p:txBody>
+      </p:sp>
+      <p:sp>
+        <p:nvSpPr>
+          <p:cNvPr id="23" name="Rounded Rectangle 45">
+            <a:extLst>
+              <a:ext uri="{FF2B5EF4-FFF2-40B4-BE49-F238E27FC236}">
+                <a16:creationId xmlns:a16="http://schemas.microsoft.com/office/drawing/2014/main" id="{02CDF874-6617-192D-7FBF-DFCDF050DE8B}"/>
+              </a:ext>
+            </a:extLst>
+          </p:cNvPr>
+          <p:cNvSpPr/>
+          <p:nvPr/>
+        </p:nvSpPr>
+        <p:spPr>
+          <a:xfrm>
+            <a:off x="8858733" y="2401822"/>
+            <a:ext cx="3040144" cy="1540322"/>
+          </a:xfrm>
+          <a:prstGeom prst="roundRect">
+            <a:avLst/>
+          </a:prstGeom>
+          <a:solidFill>
+            <a:schemeClr val="bg2">
+              <a:lumMod val="25000"/>
+            </a:schemeClr>
+          </a:solidFill>
+          <a:ln>
+            <a:noFill/>
+          </a:ln>
+        </p:spPr>
+        <p:style>
+          <a:lnRef idx="2">
+            <a:schemeClr val="accent1">
+              <a:shade val="50000"/>
+            </a:schemeClr>
+          </a:lnRef>
+          <a:fillRef idx="1">
+            <a:schemeClr val="accent1"/>
+          </a:fillRef>
+          <a:effectRef idx="0">
+            <a:schemeClr val="accent1"/>
+          </a:effectRef>
+          <a:fontRef idx="minor">
+            <a:schemeClr val="lt1"/>
+          </a:fontRef>
+        </p:style>
+        <p:txBody>
+          <a:bodyPr rtlCol="0" anchor="ctr"/>
+          <a:lstStyle/>
+          <a:p>
+            <a:pPr algn="ctr"/>
+            <a:r>
+              <a:rPr lang="fr-FR" sz="2400" dirty="0">
+                <a:solidFill>
+                  <a:schemeClr val="bg1"/>
+                </a:solidFill>
+              </a:rPr>
+              <a:t>function « fibonacci » instance 2</a:t>
+            </a:r>
+          </a:p>
+        </p:txBody>
+      </p:sp>
+      <p:pic>
+        <p:nvPicPr>
+          <p:cNvPr id="24" name="Picture 2" descr="Afficher l’image source">
+            <a:extLst>
+              <a:ext uri="{FF2B5EF4-FFF2-40B4-BE49-F238E27FC236}">
+                <a16:creationId xmlns:a16="http://schemas.microsoft.com/office/drawing/2014/main" id="{6367FF6E-BE42-9237-982C-7249BC298201}"/>
+              </a:ext>
+            </a:extLst>
+          </p:cNvPr>
+          <p:cNvPicPr>
+            <a:picLocks noChangeAspect="1" noChangeArrowheads="1"/>
+          </p:cNvPicPr>
+          <p:nvPr/>
+        </p:nvPicPr>
+        <p:blipFill>
+          <a:blip r:embed="rId4">
+            <a:extLst>
+              <a:ext uri="{28A0092B-C50C-407E-A947-70E740481C1C}">
+                <a14:useLocalDpi xmlns:a14="http://schemas.microsoft.com/office/drawing/2010/main" val="0"/>
+              </a:ext>
+            </a:extLst>
+          </a:blip>
+          <a:srcRect/>
+          <a:stretch>
+            <a:fillRect/>
+          </a:stretch>
+        </p:blipFill>
+        <p:spPr bwMode="auto">
+          <a:xfrm>
+            <a:off x="8799603" y="2111546"/>
+            <a:ext cx="588793" cy="572693"/>
+          </a:xfrm>
+          <a:prstGeom prst="rect">
+            <a:avLst/>
+          </a:prstGeom>
+          <a:noFill/>
+          <a:extLst>
+            <a:ext uri="{909E8E84-426E-40DD-AFC4-6F175D3DCCD1}">
+              <a14:hiddenFill xmlns:a14="http://schemas.microsoft.com/office/drawing/2010/main">
+                <a:solidFill>
+                  <a:srgbClr val="FFFFFF"/>
+                </a:solidFill>
+              </a14:hiddenFill>
+            </a:ext>
+          </a:extLst>
+        </p:spPr>
+      </p:pic>
+      <p:cxnSp>
+        <p:nvCxnSpPr>
+          <p:cNvPr id="25" name="Connecteur droit avec flèche 24">
+            <a:extLst>
+              <a:ext uri="{FF2B5EF4-FFF2-40B4-BE49-F238E27FC236}">
+                <a16:creationId xmlns:a16="http://schemas.microsoft.com/office/drawing/2014/main" id="{47CCB34C-BDE9-83E6-DBE9-369CE229F27F}"/>
+              </a:ext>
+            </a:extLst>
+          </p:cNvPr>
+          <p:cNvCxnSpPr>
+            <a:cxnSpLocks/>
+            <a:stCxn id="6" idx="3"/>
+            <a:endCxn id="23" idx="1"/>
+          </p:cNvCxnSpPr>
+          <p:nvPr/>
+        </p:nvCxnSpPr>
+        <p:spPr>
+          <a:xfrm flipV="1">
+            <a:off x="6520406" y="3171983"/>
+            <a:ext cx="2338327" cy="175858"/>
+          </a:xfrm>
+          <a:prstGeom prst="straightConnector1">
+            <a:avLst/>
+          </a:prstGeom>
+          <a:ln w="127000">
+            <a:solidFill>
+              <a:schemeClr val="accent6">
+                <a:lumMod val="75000"/>
+              </a:schemeClr>
+            </a:solidFill>
+            <a:tailEnd type="triangle"/>
+          </a:ln>
+        </p:spPr>
+        <p:style>
+          <a:lnRef idx="1">
+            <a:schemeClr val="accent1"/>
+          </a:lnRef>
+          <a:fillRef idx="0">
+            <a:schemeClr val="accent1"/>
+          </a:fillRef>
+          <a:effectRef idx="0">
+            <a:schemeClr val="accent1"/>
+          </a:effectRef>
+          <a:fontRef idx="minor">
+            <a:schemeClr val="tx1"/>
+          </a:fontRef>
+        </p:style>
+      </p:cxnSp>
+      <p:sp>
+        <p:nvSpPr>
+          <p:cNvPr id="28" name="Rounded Rectangle 45">
+            <a:extLst>
+              <a:ext uri="{FF2B5EF4-FFF2-40B4-BE49-F238E27FC236}">
+                <a16:creationId xmlns:a16="http://schemas.microsoft.com/office/drawing/2014/main" id="{38FF5A4C-559C-1D52-9476-314AAD56BECB}"/>
+              </a:ext>
+            </a:extLst>
+          </p:cNvPr>
+          <p:cNvSpPr/>
+          <p:nvPr/>
+        </p:nvSpPr>
+        <p:spPr>
+          <a:xfrm>
+            <a:off x="8822212" y="4493355"/>
+            <a:ext cx="3040144" cy="1540322"/>
+          </a:xfrm>
+          <a:prstGeom prst="roundRect">
+            <a:avLst/>
+          </a:prstGeom>
+          <a:solidFill>
+            <a:schemeClr val="bg2">
+              <a:lumMod val="25000"/>
+            </a:schemeClr>
+          </a:solidFill>
+          <a:ln>
+            <a:noFill/>
+          </a:ln>
+        </p:spPr>
+        <p:style>
+          <a:lnRef idx="2">
+            <a:schemeClr val="accent1">
+              <a:shade val="50000"/>
+            </a:schemeClr>
+          </a:lnRef>
+          <a:fillRef idx="1">
+            <a:schemeClr val="accent1"/>
+          </a:fillRef>
+          <a:effectRef idx="0">
+            <a:schemeClr val="accent1"/>
+          </a:effectRef>
+          <a:fontRef idx="minor">
+            <a:schemeClr val="lt1"/>
+          </a:fontRef>
+        </p:style>
+        <p:txBody>
+          <a:bodyPr rtlCol="0" anchor="ctr"/>
+          <a:lstStyle/>
+          <a:p>
+            <a:pPr algn="ctr"/>
+            <a:r>
+              <a:rPr lang="fr-FR" sz="2400" dirty="0">
+                <a:solidFill>
+                  <a:schemeClr val="bg1"/>
+                </a:solidFill>
+              </a:rPr>
+              <a:t>function « fibonacci » instance 3</a:t>
+            </a:r>
+          </a:p>
+        </p:txBody>
+      </p:sp>
+      <p:pic>
+        <p:nvPicPr>
+          <p:cNvPr id="29" name="Picture 2" descr="Afficher l’image source">
+            <a:extLst>
+              <a:ext uri="{FF2B5EF4-FFF2-40B4-BE49-F238E27FC236}">
+                <a16:creationId xmlns:a16="http://schemas.microsoft.com/office/drawing/2014/main" id="{5C2C929B-DD3A-D402-D3D0-47B59BB4F807}"/>
+              </a:ext>
+            </a:extLst>
+          </p:cNvPr>
+          <p:cNvPicPr>
+            <a:picLocks noChangeAspect="1" noChangeArrowheads="1"/>
+          </p:cNvPicPr>
+          <p:nvPr/>
+        </p:nvPicPr>
+        <p:blipFill>
+          <a:blip r:embed="rId4">
+            <a:extLst>
+              <a:ext uri="{28A0092B-C50C-407E-A947-70E740481C1C}">
+                <a14:useLocalDpi xmlns:a14="http://schemas.microsoft.com/office/drawing/2010/main" val="0"/>
+              </a:ext>
+            </a:extLst>
+          </a:blip>
+          <a:srcRect/>
+          <a:stretch>
+            <a:fillRect/>
+          </a:stretch>
+        </p:blipFill>
+        <p:spPr bwMode="auto">
+          <a:xfrm>
+            <a:off x="8753203" y="4252319"/>
+            <a:ext cx="588793" cy="572693"/>
+          </a:xfrm>
+          <a:prstGeom prst="rect">
+            <a:avLst/>
+          </a:prstGeom>
+          <a:noFill/>
+          <a:extLst>
+            <a:ext uri="{909E8E84-426E-40DD-AFC4-6F175D3DCCD1}">
+              <a14:hiddenFill xmlns:a14="http://schemas.microsoft.com/office/drawing/2010/main">
+                <a:solidFill>
+                  <a:srgbClr val="FFFFFF"/>
+                </a:solidFill>
+              </a14:hiddenFill>
+            </a:ext>
+          </a:extLst>
+        </p:spPr>
+      </p:pic>
+      <p:cxnSp>
+        <p:nvCxnSpPr>
+          <p:cNvPr id="30" name="Connecteur droit avec flèche 29">
+            <a:extLst>
+              <a:ext uri="{FF2B5EF4-FFF2-40B4-BE49-F238E27FC236}">
+                <a16:creationId xmlns:a16="http://schemas.microsoft.com/office/drawing/2014/main" id="{3C17D7D9-AD0C-3CB9-E9C2-8FE52952EA0A}"/>
+              </a:ext>
+            </a:extLst>
+          </p:cNvPr>
+          <p:cNvCxnSpPr>
+            <a:cxnSpLocks/>
+            <a:stCxn id="6" idx="3"/>
+            <a:endCxn id="28" idx="1"/>
+          </p:cNvCxnSpPr>
+          <p:nvPr/>
+        </p:nvCxnSpPr>
+        <p:spPr>
+          <a:xfrm>
+            <a:off x="6520406" y="3347841"/>
+            <a:ext cx="2301806" cy="1915675"/>
+          </a:xfrm>
+          <a:prstGeom prst="straightConnector1">
+            <a:avLst/>
+          </a:prstGeom>
+          <a:ln w="127000">
+            <a:solidFill>
+              <a:schemeClr val="accent6">
+                <a:lumMod val="75000"/>
+              </a:schemeClr>
+            </a:solidFill>
+            <a:tailEnd type="triangle"/>
+          </a:ln>
+        </p:spPr>
+        <p:style>
+          <a:lnRef idx="1">
+            <a:schemeClr val="accent1"/>
+          </a:lnRef>
+          <a:fillRef idx="0">
+            <a:schemeClr val="accent1"/>
+          </a:fillRef>
+          <a:effectRef idx="0">
+            <a:schemeClr val="accent1"/>
+          </a:effectRef>
+          <a:fontRef idx="minor">
+            <a:schemeClr val="tx1"/>
+          </a:fontRef>
+        </p:style>
+      </p:cxnSp>
+      <p:sp>
+        <p:nvSpPr>
+          <p:cNvPr id="38" name="ZoneTexte 37">
+            <a:extLst>
+              <a:ext uri="{FF2B5EF4-FFF2-40B4-BE49-F238E27FC236}">
+                <a16:creationId xmlns:a16="http://schemas.microsoft.com/office/drawing/2014/main" id="{3E51368A-C3EC-DCF9-2D42-54C522F99A21}"/>
+              </a:ext>
+            </a:extLst>
+          </p:cNvPr>
+          <p:cNvSpPr txBox="1"/>
+          <p:nvPr/>
+        </p:nvSpPr>
+        <p:spPr>
+          <a:xfrm>
+            <a:off x="7218978" y="5412088"/>
+            <a:ext cx="1659171" cy="830997"/>
+          </a:xfrm>
+          <a:prstGeom prst="rect">
+            <a:avLst/>
+          </a:prstGeom>
+          <a:noFill/>
+        </p:spPr>
+        <p:txBody>
+          <a:bodyPr wrap="square" rtlCol="0">
+            <a:spAutoFit/>
+          </a:bodyPr>
+          <a:lstStyle/>
+          <a:p>
+            <a:r>
+              <a:rPr lang="fr-FR" sz="1600" dirty="0"/>
+              <a:t>HTTP POST</a:t>
+            </a:r>
+          </a:p>
+          <a:p>
+            <a:r>
+              <a:rPr lang="fr-FR" sz="1600" dirty="0">
+                <a:hlinkClick r:id="rId3"/>
+              </a:rPr>
+              <a:t>http://fibonacci</a:t>
+            </a:r>
+            <a:r>
+              <a:rPr lang="fr-FR" sz="1600" dirty="0"/>
+              <a:t> </a:t>
+            </a:r>
+            <a:br>
+              <a:rPr lang="fr-FR" sz="1600" dirty="0"/>
+            </a:br>
+            <a:r>
+              <a:rPr lang="fr-FR" sz="1600" dirty="0"/>
+              <a:t>{</a:t>
+            </a:r>
+            <a:r>
+              <a:rPr lang="fr-FR" sz="1600" b="0" i="0" dirty="0">
+                <a:effectLst/>
+                <a:latin typeface="-apple-system"/>
+              </a:rPr>
+              <a:t>"</a:t>
+            </a:r>
+            <a:r>
+              <a:rPr lang="fr-FR" sz="1600" dirty="0"/>
+              <a:t>input</a:t>
+            </a:r>
+            <a:r>
+              <a:rPr lang="fr-FR" sz="1600" b="0" i="0" dirty="0">
+                <a:effectLst/>
+                <a:latin typeface="-apple-system"/>
+              </a:rPr>
+              <a:t>"</a:t>
+            </a:r>
+            <a:r>
+              <a:rPr lang="fr-FR" sz="1600" dirty="0"/>
+              <a:t>:42}</a:t>
+            </a:r>
+          </a:p>
+        </p:txBody>
+      </p:sp>
+      <p:pic>
+        <p:nvPicPr>
+          <p:cNvPr id="5" name="Picture 2" descr="Afficher l’image source">
+            <a:extLst>
+              <a:ext uri="{FF2B5EF4-FFF2-40B4-BE49-F238E27FC236}">
+                <a16:creationId xmlns:a16="http://schemas.microsoft.com/office/drawing/2014/main" id="{9CF92849-9C7F-61C9-32C2-F99F37E01F43}"/>
+              </a:ext>
+            </a:extLst>
+          </p:cNvPr>
+          <p:cNvPicPr>
+            <a:picLocks noChangeAspect="1" noChangeArrowheads="1"/>
+          </p:cNvPicPr>
+          <p:nvPr/>
+        </p:nvPicPr>
+        <p:blipFill>
+          <a:blip r:embed="rId4">
+            <a:extLst>
+              <a:ext uri="{28A0092B-C50C-407E-A947-70E740481C1C}">
+                <a14:useLocalDpi xmlns:a14="http://schemas.microsoft.com/office/drawing/2010/main" val="0"/>
+              </a:ext>
+            </a:extLst>
+          </a:blip>
+          <a:srcRect/>
+          <a:stretch>
+            <a:fillRect/>
+          </a:stretch>
+        </p:blipFill>
+        <p:spPr bwMode="auto">
+          <a:xfrm>
+            <a:off x="4066798" y="2514707"/>
+            <a:ext cx="588793" cy="572693"/>
+          </a:xfrm>
+          <a:prstGeom prst="rect">
+            <a:avLst/>
+          </a:prstGeom>
+          <a:noFill/>
+          <a:extLst>
+            <a:ext uri="{909E8E84-426E-40DD-AFC4-6F175D3DCCD1}">
+              <a14:hiddenFill xmlns:a14="http://schemas.microsoft.com/office/drawing/2010/main">
+                <a:solidFill>
+                  <a:srgbClr val="FFFFFF"/>
+                </a:solidFill>
+              </a14:hiddenFill>
+            </a:ext>
+          </a:extLst>
+        </p:spPr>
+      </p:pic>
+    </p:spTree>
+    <p:extLst>
+      <p:ext uri="{BB962C8B-B14F-4D97-AF65-F5344CB8AC3E}">
+        <p14:creationId xmlns:p14="http://schemas.microsoft.com/office/powerpoint/2010/main" val="1816212992"/>
       </p:ext>
     </p:extLst>
   </p:cSld>
@@ -7196,6 +9212,34 @@
 </file>
 
 <file path=customXml/item1.xml><?xml version="1.0" encoding="utf-8"?>
+<p:properties xmlns:p="http://schemas.microsoft.com/office/2006/metadata/properties" xmlns:xsi="http://www.w3.org/2001/XMLSchema-instance" xmlns:pc="http://schemas.microsoft.com/office/infopath/2007/PartnerControls">
+  <documentManagement>
+    <SharedWithUsers xmlns="03cb9dc2-e9ea-44ac-afed-001b6fad4f36">
+      <UserInfo>
+        <DisplayName>LEMARCHAND THOMAS</DisplayName>
+        <AccountId>16</AccountId>
+        <AccountType/>
+      </UserInfo>
+      <UserInfo>
+        <DisplayName>CHERVET Guillaume</DisplayName>
+        <AccountId>84</AccountId>
+        <AccountType/>
+      </UserInfo>
+    </SharedWithUsers>
+  </documentManagement>
+</p:properties>
+</file>
+
+<file path=customXml/item2.xml><?xml version="1.0" encoding="utf-8"?>
+<?mso-contentType ?>
+<FormTemplates xmlns="http://schemas.microsoft.com/sharepoint/v3/contenttype/forms">
+  <Display>DocumentLibraryForm</Display>
+  <Edit>DocumentLibraryForm</Edit>
+  <New>DocumentLibraryForm</New>
+</FormTemplates>
+</file>
+
+<file path=customXml/item3.xml><?xml version="1.0" encoding="utf-8"?>
 <ct:contentTypeSchema xmlns:ct="http://schemas.microsoft.com/office/2006/metadata/contentType" xmlns:ma="http://schemas.microsoft.com/office/2006/metadata/properties/metaAttributes" ct:_="" ma:_="" ma:contentTypeName="Document" ma:contentTypeID="0x0101003BE0F011240A094E827BA56BE9109944" ma:contentTypeVersion="13" ma:contentTypeDescription="Create a new document." ma:contentTypeScope="" ma:versionID="5dc1144dd420c1d8a9ebf51c7358c8f0">
   <xsd:schema xmlns:xsd="http://www.w3.org/2001/XMLSchema" xmlns:xs="http://www.w3.org/2001/XMLSchema" xmlns:p="http://schemas.microsoft.com/office/2006/metadata/properties" xmlns:ns3="03cb9dc2-e9ea-44ac-afed-001b6fad4f36" xmlns:ns4="d0879fa5-f2db-41a7-8861-4a44e7ee3b24" targetNamespace="http://schemas.microsoft.com/office/2006/metadata/properties" ma:root="true" ma:fieldsID="6dda18631f78ef64168f1da1c53d30ff" ns3:_="" ns4:_="">
     <xsd:import namespace="03cb9dc2-e9ea-44ac-afed-001b6fad4f36"/>
@@ -7418,35 +9462,32 @@
 </ct:contentTypeSchema>
 </file>
 
-<file path=customXml/item2.xml><?xml version="1.0" encoding="utf-8"?>
-<?mso-contentType ?>
-<FormTemplates xmlns="http://schemas.microsoft.com/sharepoint/v3/contenttype/forms">
-  <Display>DocumentLibraryForm</Display>
-  <Edit>DocumentLibraryForm</Edit>
-  <New>DocumentLibraryForm</New>
-</FormTemplates>
+<file path=customXml/itemProps1.xml><?xml version="1.0" encoding="utf-8"?>
+<ds:datastoreItem xmlns:ds="http://schemas.openxmlformats.org/officeDocument/2006/customXml" ds:itemID="{C522BBC0-3E7A-472B-9CC6-34C5EA434DEE}">
+  <ds:schemaRefs>
+    <ds:schemaRef ds:uri="http://purl.org/dc/terms/"/>
+    <ds:schemaRef ds:uri="http://schemas.openxmlformats.org/package/2006/metadata/core-properties"/>
+    <ds:schemaRef ds:uri="http://purl.org/dc/dcmitype/"/>
+    <ds:schemaRef ds:uri="http://schemas.microsoft.com/office/infopath/2007/PartnerControls"/>
+    <ds:schemaRef ds:uri="http://schemas.microsoft.com/office/2006/documentManagement/types"/>
+    <ds:schemaRef ds:uri="http://purl.org/dc/elements/1.1/"/>
+    <ds:schemaRef ds:uri="http://schemas.microsoft.com/office/2006/metadata/properties"/>
+    <ds:schemaRef ds:uri="d0879fa5-f2db-41a7-8861-4a44e7ee3b24"/>
+    <ds:schemaRef ds:uri="03cb9dc2-e9ea-44ac-afed-001b6fad4f36"/>
+    <ds:schemaRef ds:uri="http://www.w3.org/XML/1998/namespace"/>
+  </ds:schemaRefs>
+</ds:datastoreItem>
 </file>
 
-<file path=customXml/item3.xml><?xml version="1.0" encoding="utf-8"?>
-<p:properties xmlns:p="http://schemas.microsoft.com/office/2006/metadata/properties" xmlns:xsi="http://www.w3.org/2001/XMLSchema-instance" xmlns:pc="http://schemas.microsoft.com/office/infopath/2007/PartnerControls">
-  <documentManagement>
-    <SharedWithUsers xmlns="03cb9dc2-e9ea-44ac-afed-001b6fad4f36">
-      <UserInfo>
-        <DisplayName>LEMARCHAND THOMAS</DisplayName>
-        <AccountId>16</AccountId>
-        <AccountType/>
-      </UserInfo>
-      <UserInfo>
-        <DisplayName>CHERVET Guillaume</DisplayName>
-        <AccountId>84</AccountId>
-        <AccountType/>
-      </UserInfo>
-    </SharedWithUsers>
-  </documentManagement>
-</p:properties>
+<file path=customXml/itemProps2.xml><?xml version="1.0" encoding="utf-8"?>
+<ds:datastoreItem xmlns:ds="http://schemas.openxmlformats.org/officeDocument/2006/customXml" ds:itemID="{05D7AB42-0DA9-4407-9B22-92C435FE7C62}">
+  <ds:schemaRefs>
+    <ds:schemaRef ds:uri="http://schemas.microsoft.com/sharepoint/v3/contenttype/forms"/>
+  </ds:schemaRefs>
+</ds:datastoreItem>
 </file>
 
-<file path=customXml/itemProps1.xml><?xml version="1.0" encoding="utf-8"?>
+<file path=customXml/itemProps3.xml><?xml version="1.0" encoding="utf-8"?>
 <ds:datastoreItem xmlns:ds="http://schemas.openxmlformats.org/officeDocument/2006/customXml" ds:itemID="{C72C7657-97CD-4958-88DD-F8AC87258741}">
   <ds:schemaRefs>
     <ds:schemaRef ds:uri="http://schemas.microsoft.com/office/2006/metadata/contentType"/>
@@ -7463,29 +9504,4 @@
     <ds:schemaRef ds:uri="http://schemas.microsoft.com/internal/obd"/>
   </ds:schemaRefs>
 </ds:datastoreItem>
-</file>
-
-<file path=customXml/itemProps2.xml><?xml version="1.0" encoding="utf-8"?>
-<ds:datastoreItem xmlns:ds="http://schemas.openxmlformats.org/officeDocument/2006/customXml" ds:itemID="{05D7AB42-0DA9-4407-9B22-92C435FE7C62}">
-  <ds:schemaRefs>
-    <ds:schemaRef ds:uri="http://schemas.microsoft.com/sharepoint/v3/contenttype/forms"/>
-  </ds:schemaRefs>
-</ds:datastoreItem>
-</file>
-
-<file path=customXml/itemProps3.xml><?xml version="1.0" encoding="utf-8"?>
-<ds:datastoreItem xmlns:ds="http://schemas.openxmlformats.org/officeDocument/2006/customXml" ds:itemID="{C522BBC0-3E7A-472B-9CC6-34C5EA434DEE}">
-  <ds:schemaRefs>
-    <ds:schemaRef ds:uri="http://purl.org/dc/terms/"/>
-    <ds:schemaRef ds:uri="http://schemas.openxmlformats.org/package/2006/metadata/core-properties"/>
-    <ds:schemaRef ds:uri="http://purl.org/dc/dcmitype/"/>
-    <ds:schemaRef ds:uri="http://schemas.microsoft.com/office/infopath/2007/PartnerControls"/>
-    <ds:schemaRef ds:uri="http://schemas.microsoft.com/office/2006/documentManagement/types"/>
-    <ds:schemaRef ds:uri="http://purl.org/dc/elements/1.1/"/>
-    <ds:schemaRef ds:uri="http://schemas.microsoft.com/office/2006/metadata/properties"/>
-    <ds:schemaRef ds:uri="d0879fa5-f2db-41a7-8861-4a44e7ee3b24"/>
-    <ds:schemaRef ds:uri="03cb9dc2-e9ea-44ac-afed-001b6fad4f36"/>
-    <ds:schemaRef ds:uri="http://www.w3.org/XML/1998/namespace"/>
-  </ds:schemaRefs>
-</ds:datastoreItem>
 </file>
--- a/documentation/slimfaas.pptx
+++ b/documentation/slimfaas.pptx
@@ -238,7 +238,7 @@
           <a:p>
             <a:fld id="{F60FFC85-34C0-4167-8801-71D65E4D986C}" type="datetimeFigureOut">
               <a:rPr lang="fr-FR" smtClean="0"/>
-              <a:t>26/05/2024</a:t>
+              <a:t>31/05/2024</a:t>
             </a:fld>
             <a:endParaRPr lang="fr-FR"/>
           </a:p>
@@ -415,7 +415,7 @@
           <a:p>
             <a:fld id="{F2EE8696-3B2B-7D49-B212-A8F746F3A84B}" type="datetimeFigureOut">
               <a:rPr lang="es-ES_tradnl" smtClean="0"/>
-              <a:t>26/05/2024</a:t>
+              <a:t>31/05/2024</a:t>
             </a:fld>
             <a:endParaRPr lang="es-ES_tradnl"/>
           </a:p>
@@ -1112,7 +1112,7 @@
           <a:p>
             <a:fld id="{80160E5B-2E24-B941-8DE0-C0A90C36B7C5}" type="datetimeFigureOut">
               <a:rPr lang="en-GB" smtClean="0"/>
-              <a:t>26/05/2024</a:t>
+              <a:t>31/05/2024</a:t>
             </a:fld>
             <a:endParaRPr lang="en-GB"/>
           </a:p>
@@ -1310,7 +1310,7 @@
           <a:p>
             <a:fld id="{80160E5B-2E24-B941-8DE0-C0A90C36B7C5}" type="datetimeFigureOut">
               <a:rPr lang="en-GB" smtClean="0"/>
-              <a:t>26/05/2024</a:t>
+              <a:t>31/05/2024</a:t>
             </a:fld>
             <a:endParaRPr lang="en-GB"/>
           </a:p>
@@ -1557,7 +1557,7 @@
           <a:p>
             <a:fld id="{80160E5B-2E24-B941-8DE0-C0A90C36B7C5}" type="datetimeFigureOut">
               <a:rPr lang="en-GB" smtClean="0"/>
-              <a:t>26/05/2024</a:t>
+              <a:t>31/05/2024</a:t>
             </a:fld>
             <a:endParaRPr lang="en-GB"/>
           </a:p>
@@ -1776,7 +1776,7 @@
           <a:p>
             <a:fld id="{80160E5B-2E24-B941-8DE0-C0A90C36B7C5}" type="datetimeFigureOut">
               <a:rPr lang="en-GB" smtClean="0"/>
-              <a:t>26/05/2024</a:t>
+              <a:t>31/05/2024</a:t>
             </a:fld>
             <a:endParaRPr lang="en-GB"/>
           </a:p>
@@ -2051,7 +2051,7 @@
           <a:p>
             <a:fld id="{80160E5B-2E24-B941-8DE0-C0A90C36B7C5}" type="datetimeFigureOut">
               <a:rPr lang="en-GB" smtClean="0"/>
-              <a:t>26/05/2024</a:t>
+              <a:t>31/05/2024</a:t>
             </a:fld>
             <a:endParaRPr lang="en-GB"/>
           </a:p>
@@ -2355,7 +2355,7 @@
           <a:p>
             <a:fld id="{80160E5B-2E24-B941-8DE0-C0A90C36B7C5}" type="datetimeFigureOut">
               <a:rPr lang="en-GB" smtClean="0"/>
-              <a:t>26/05/2024</a:t>
+              <a:t>31/05/2024</a:t>
             </a:fld>
             <a:endParaRPr lang="en-GB"/>
           </a:p>
@@ -2806,7 +2806,7 @@
           <a:p>
             <a:fld id="{80160E5B-2E24-B941-8DE0-C0A90C36B7C5}" type="datetimeFigureOut">
               <a:rPr lang="en-GB" smtClean="0"/>
-              <a:t>26/05/2024</a:t>
+              <a:t>31/05/2024</a:t>
             </a:fld>
             <a:endParaRPr lang="en-GB"/>
           </a:p>
@@ -2986,7 +2986,7 @@
           <a:p>
             <a:fld id="{80160E5B-2E24-B941-8DE0-C0A90C36B7C5}" type="datetimeFigureOut">
               <a:rPr lang="en-GB" smtClean="0"/>
-              <a:t>26/05/2024</a:t>
+              <a:t>31/05/2024</a:t>
             </a:fld>
             <a:endParaRPr lang="en-GB"/>
           </a:p>
@@ -3138,7 +3138,7 @@
           <a:p>
             <a:fld id="{80160E5B-2E24-B941-8DE0-C0A90C36B7C5}" type="datetimeFigureOut">
               <a:rPr lang="en-GB" smtClean="0"/>
-              <a:t>26/05/2024</a:t>
+              <a:t>31/05/2024</a:t>
             </a:fld>
             <a:endParaRPr lang="en-GB"/>
           </a:p>
@@ -3488,7 +3488,7 @@
           <a:p>
             <a:fld id="{80160E5B-2E24-B941-8DE0-C0A90C36B7C5}" type="datetimeFigureOut">
               <a:rPr lang="en-GB" smtClean="0"/>
-              <a:t>26/05/2024</a:t>
+              <a:t>31/05/2024</a:t>
             </a:fld>
             <a:endParaRPr lang="en-GB"/>
           </a:p>
@@ -3815,7 +3815,7 @@
           <a:p>
             <a:fld id="{80160E5B-2E24-B941-8DE0-C0A90C36B7C5}" type="datetimeFigureOut">
               <a:rPr lang="en-GB" smtClean="0"/>
-              <a:t>26/05/2024</a:t>
+              <a:t>31/05/2024</a:t>
             </a:fld>
             <a:endParaRPr lang="en-GB"/>
           </a:p>
@@ -4095,7 +4095,7 @@
           <a:p>
             <a:fld id="{80160E5B-2E24-B941-8DE0-C0A90C36B7C5}" type="datetimeFigureOut">
               <a:rPr lang="en-GB" smtClean="0"/>
-              <a:t>26/05/2024</a:t>
+              <a:t>31/05/2024</a:t>
             </a:fld>
             <a:endParaRPr lang="en-GB"/>
           </a:p>
@@ -6383,13 +6383,13 @@
         </p:nvSpPr>
         <p:spPr>
           <a:xfrm>
-            <a:off x="0" y="6481822"/>
-            <a:ext cx="12192000" cy="376177"/>
+            <a:off x="-1695" y="6578508"/>
+            <a:ext cx="12192000" cy="279492"/>
           </a:xfrm>
         </p:spPr>
         <p:txBody>
           <a:bodyPr>
-            <a:normAutofit fontScale="92500" lnSpcReduction="20000"/>
+            <a:normAutofit fontScale="55000" lnSpcReduction="20000"/>
           </a:bodyPr>
           <a:lstStyle/>
           <a:p>
@@ -6411,8 +6411,8 @@
         </p:nvSpPr>
         <p:spPr>
           <a:xfrm>
-            <a:off x="4495103" y="2785207"/>
-            <a:ext cx="2245224" cy="1125268"/>
+            <a:off x="4179398" y="4170279"/>
+            <a:ext cx="1659171" cy="543302"/>
           </a:xfrm>
           <a:prstGeom prst="roundRect">
             <a:avLst/>
@@ -6475,9 +6475,9 @@
           <p:nvPr/>
         </p:nvCxnSpPr>
         <p:spPr>
-          <a:xfrm>
-            <a:off x="3919040" y="3347841"/>
-            <a:ext cx="576063" cy="0"/>
+          <a:xfrm flipV="1">
+            <a:off x="3046235" y="4441930"/>
+            <a:ext cx="1133163" cy="3902"/>
           </a:xfrm>
           <a:prstGeom prst="straightConnector1">
             <a:avLst/>
@@ -6520,8 +6520,8 @@
         </p:nvSpPr>
         <p:spPr>
           <a:xfrm>
-            <a:off x="67463" y="2932342"/>
-            <a:ext cx="3851577" cy="830997"/>
+            <a:off x="140221" y="4122666"/>
+            <a:ext cx="2906014" cy="646331"/>
           </a:xfrm>
           <a:prstGeom prst="rect">
             <a:avLst/>
@@ -6535,35 +6535,124 @@
           <a:lstStyle/>
           <a:p>
             <a:r>
-              <a:rPr lang="fr-FR" sz="1600" dirty="0"/>
+              <a:rPr lang="fr-FR" sz="1200" dirty="0"/>
               <a:t>HTTP POST</a:t>
             </a:r>
           </a:p>
           <a:p>
             <a:r>
-              <a:rPr lang="fr-FR" sz="1600" dirty="0">
+              <a:rPr lang="fr-FR" sz="1200" dirty="0">
                 <a:hlinkClick r:id="rId2"/>
               </a:rPr>
               <a:t>http://slimfaas/</a:t>
             </a:r>
             <a:r>
-              <a:rPr lang="fr-FR" sz="1600" dirty="0">
+              <a:rPr lang="fr-FR" sz="1200" dirty="0">
                 <a:highlight>
                   <a:srgbClr val="FFFF00"/>
                 </a:highlight>
                 <a:hlinkClick r:id="rId2"/>
               </a:rPr>
-              <a:t>publish-function</a:t>
-            </a:r>
-            <a:r>
-              <a:rPr lang="fr-FR" sz="1600" dirty="0">
+              <a:t>publish-event</a:t>
+            </a:r>
+            <a:r>
+              <a:rPr lang="fr-FR" sz="1200" dirty="0">
                 <a:hlinkClick r:id="rId2"/>
               </a:rPr>
-              <a:t>/fibonacci</a:t>
-            </a:r>
-            <a:endParaRPr lang="fr-FR" sz="1600" dirty="0"/>
-          </a:p>
-          <a:p>
+              <a:t>/</a:t>
+            </a:r>
+            <a:r>
+              <a:rPr lang="fr-FR" sz="1200" dirty="0">
+                <a:highlight>
+                  <a:srgbClr val="7EBEFF"/>
+                </a:highlight>
+                <a:hlinkClick r:id="rId2"/>
+              </a:rPr>
+              <a:t>fib-event</a:t>
+            </a:r>
+            <a:endParaRPr lang="fr-FR" sz="1200" dirty="0">
+              <a:highlight>
+                <a:srgbClr val="7EBEFF"/>
+              </a:highlight>
+            </a:endParaRPr>
+          </a:p>
+          <a:p>
+            <a:r>
+              <a:rPr lang="fr-FR" sz="1200" dirty="0"/>
+              <a:t>{</a:t>
+            </a:r>
+            <a:r>
+              <a:rPr lang="fr-FR" sz="1200" b="0" i="0" dirty="0">
+                <a:effectLst/>
+                <a:latin typeface="-apple-system"/>
+              </a:rPr>
+              <a:t>"</a:t>
+            </a:r>
+            <a:r>
+              <a:rPr lang="fr-FR" sz="1200" dirty="0"/>
+              <a:t>input</a:t>
+            </a:r>
+            <a:r>
+              <a:rPr lang="fr-FR" sz="1200" b="0" i="0" dirty="0">
+                <a:effectLst/>
+                <a:latin typeface="-apple-system"/>
+              </a:rPr>
+              <a:t>"</a:t>
+            </a:r>
+            <a:r>
+              <a:rPr lang="fr-FR" sz="1200" dirty="0"/>
+              <a:t>:42}</a:t>
+            </a:r>
+          </a:p>
+        </p:txBody>
+      </p:sp>
+      <p:sp>
+        <p:nvSpPr>
+          <p:cNvPr id="9" name="ZoneTexte 8">
+            <a:extLst>
+              <a:ext uri="{FF2B5EF4-FFF2-40B4-BE49-F238E27FC236}">
+                <a16:creationId xmlns:a16="http://schemas.microsoft.com/office/drawing/2014/main" id="{6611272C-28EE-7524-CD4D-AAE3B72A1A73}"/>
+              </a:ext>
+            </a:extLst>
+          </p:cNvPr>
+          <p:cNvSpPr txBox="1"/>
+          <p:nvPr/>
+        </p:nvSpPr>
+        <p:spPr>
+          <a:xfrm>
+            <a:off x="7057603" y="3587533"/>
+            <a:ext cx="1659171" cy="830997"/>
+          </a:xfrm>
+          <a:prstGeom prst="rect">
+            <a:avLst/>
+          </a:prstGeom>
+          <a:noFill/>
+        </p:spPr>
+        <p:txBody>
+          <a:bodyPr wrap="square" rtlCol="0">
+            <a:spAutoFit/>
+          </a:bodyPr>
+          <a:lstStyle/>
+          <a:p>
+            <a:r>
+              <a:rPr lang="fr-FR" sz="1600" dirty="0"/>
+              <a:t>HTTP POST</a:t>
+            </a:r>
+          </a:p>
+          <a:p>
+            <a:r>
+              <a:rPr lang="fr-FR" sz="1600" dirty="0">
+                <a:hlinkClick r:id="rId3"/>
+              </a:rPr>
+              <a:t>http://fibonacci</a:t>
+            </a:r>
+            <a:r>
+              <a:rPr lang="fr-FR" sz="1600" dirty="0"/>
+              <a:t> </a:t>
+            </a:r>
+            <a:br>
+              <a:rPr lang="fr-FR" sz="1600" dirty="0"/>
+            </a:br>
             <a:r>
               <a:rPr lang="fr-FR" sz="1600" dirty="0"/>
               <a:t>{</a:t>
@@ -6595,82 +6684,6 @@
       </p:sp>
       <p:sp>
         <p:nvSpPr>
-          <p:cNvPr id="9" name="ZoneTexte 8">
-            <a:extLst>
-              <a:ext uri="{FF2B5EF4-FFF2-40B4-BE49-F238E27FC236}">
-                <a16:creationId xmlns:a16="http://schemas.microsoft.com/office/drawing/2014/main" id="{6611272C-28EE-7524-CD4D-AAE3B72A1A73}"/>
-              </a:ext>
-            </a:extLst>
-          </p:cNvPr>
-          <p:cNvSpPr txBox="1"/>
-          <p:nvPr/>
-        </p:nvSpPr>
-        <p:spPr>
-          <a:xfrm>
-            <a:off x="6542729" y="997387"/>
-            <a:ext cx="1659171" cy="830997"/>
-          </a:xfrm>
-          <a:prstGeom prst="rect">
-            <a:avLst/>
-          </a:prstGeom>
-          <a:noFill/>
-        </p:spPr>
-        <p:txBody>
-          <a:bodyPr wrap="square" rtlCol="0">
-            <a:spAutoFit/>
-          </a:bodyPr>
-          <a:lstStyle/>
-          <a:p>
-            <a:r>
-              <a:rPr lang="fr-FR" sz="1600" dirty="0"/>
-              <a:t>HTTP POST</a:t>
-            </a:r>
-          </a:p>
-          <a:p>
-            <a:r>
-              <a:rPr lang="fr-FR" sz="1600" dirty="0">
-                <a:hlinkClick r:id="rId3"/>
-              </a:rPr>
-              <a:t>http://fibonacci</a:t>
-            </a:r>
-            <a:r>
-              <a:rPr lang="fr-FR" sz="1600" dirty="0"/>
-              <a:t> </a:t>
-            </a:r>
-            <a:br>
-              <a:rPr lang="fr-FR" sz="1600" dirty="0"/>
-            </a:br>
-            <a:r>
-              <a:rPr lang="fr-FR" sz="1600" dirty="0"/>
-              <a:t>{</a:t>
-            </a:r>
-            <a:r>
-              <a:rPr lang="fr-FR" sz="1600" b="0" i="0" dirty="0">
-                <a:effectLst/>
-                <a:latin typeface="-apple-system"/>
-              </a:rPr>
-              <a:t>"</a:t>
-            </a:r>
-            <a:r>
-              <a:rPr lang="fr-FR" sz="1600" dirty="0"/>
-              <a:t>input</a:t>
-            </a:r>
-            <a:r>
-              <a:rPr lang="fr-FR" sz="1600" b="0" i="0" dirty="0">
-                <a:effectLst/>
-                <a:latin typeface="-apple-system"/>
-              </a:rPr>
-              <a:t>"</a:t>
-            </a:r>
-            <a:r>
-              <a:rPr lang="fr-FR" sz="1600" dirty="0"/>
-              <a:t>:42}</a:t>
-            </a:r>
-          </a:p>
-        </p:txBody>
-      </p:sp>
-      <p:sp>
-        <p:nvSpPr>
           <p:cNvPr id="10" name="Rounded Rectangle 45">
             <a:extLst>
               <a:ext uri="{FF2B5EF4-FFF2-40B4-BE49-F238E27FC236}">
@@ -6683,8 +6696,8 @@
         </p:nvSpPr>
         <p:spPr>
           <a:xfrm>
-            <a:off x="8812333" y="509182"/>
-            <a:ext cx="3040144" cy="1540322"/>
+            <a:off x="8812333" y="509183"/>
+            <a:ext cx="2484558" cy="856646"/>
           </a:xfrm>
           <a:prstGeom prst="roundRect">
             <a:avLst/>
@@ -6725,7 +6738,7 @@
                   <a:schemeClr val="bg1"/>
                 </a:solidFill>
               </a:rPr>
-              <a:t>function « fibonacci » replica 1</a:t>
+              <a:t> « fibonacci » replica 1</a:t>
             </a:r>
             <a:endParaRPr lang="en-FR" sz="2400" dirty="0">
               <a:solidFill>
@@ -6784,10 +6797,10 @@
       </p:pic>
       <p:cxnSp>
         <p:nvCxnSpPr>
-          <p:cNvPr id="12" name="Connecteur droit avec flèche 11">
-            <a:extLst>
-              <a:ext uri="{FF2B5EF4-FFF2-40B4-BE49-F238E27FC236}">
-                <a16:creationId xmlns:a16="http://schemas.microsoft.com/office/drawing/2014/main" id="{3AFE1186-6876-1E2D-BB90-BFA726C0ACA3}"/>
+          <p:cNvPr id="25" name="Connecteur droit avec flèche 24">
+            <a:extLst>
+              <a:ext uri="{FF2B5EF4-FFF2-40B4-BE49-F238E27FC236}">
+                <a16:creationId xmlns:a16="http://schemas.microsoft.com/office/drawing/2014/main" id="{47CCB34C-BDE9-83E6-DBE9-369CE229F27F}"/>
               </a:ext>
             </a:extLst>
           </p:cNvPr>
@@ -6800,8 +6813,8 @@
         </p:nvCxnSpPr>
         <p:spPr>
           <a:xfrm flipV="1">
-            <a:off x="6740327" y="1279343"/>
-            <a:ext cx="2072006" cy="2068498"/>
+            <a:off x="5838569" y="937506"/>
+            <a:ext cx="2973764" cy="3504424"/>
           </a:xfrm>
           <a:prstGeom prst="straightConnector1">
             <a:avLst/>
@@ -6830,88 +6843,60 @@
           </a:fontRef>
         </p:style>
       </p:cxnSp>
-      <p:sp>
-        <p:nvSpPr>
-          <p:cNvPr id="22" name="ZoneTexte 21">
-            <a:extLst>
-              <a:ext uri="{FF2B5EF4-FFF2-40B4-BE49-F238E27FC236}">
-                <a16:creationId xmlns:a16="http://schemas.microsoft.com/office/drawing/2014/main" id="{B20F6461-EFC4-60A1-6479-F83792C4E189}"/>
-              </a:ext>
-            </a:extLst>
-          </p:cNvPr>
-          <p:cNvSpPr txBox="1"/>
+      <p:cxnSp>
+        <p:nvCxnSpPr>
+          <p:cNvPr id="30" name="Connecteur droit avec flèche 29">
+            <a:extLst>
+              <a:ext uri="{FF2B5EF4-FFF2-40B4-BE49-F238E27FC236}">
+                <a16:creationId xmlns:a16="http://schemas.microsoft.com/office/drawing/2014/main" id="{3C17D7D9-AD0C-3CB9-E9C2-8FE52952EA0A}"/>
+              </a:ext>
+            </a:extLst>
+          </p:cNvPr>
+          <p:cNvCxnSpPr>
+            <a:cxnSpLocks/>
+            <a:stCxn id="6" idx="3"/>
+            <a:endCxn id="58" idx="1"/>
+          </p:cNvCxnSpPr>
           <p:nvPr/>
-        </p:nvSpPr>
-        <p:spPr>
-          <a:xfrm>
-            <a:off x="7453427" y="3352032"/>
-            <a:ext cx="1659171" cy="830997"/>
-          </a:xfrm>
-          <a:prstGeom prst="rect">
+        </p:nvCxnSpPr>
+        <p:spPr>
+          <a:xfrm flipV="1">
+            <a:off x="5838569" y="2360768"/>
+            <a:ext cx="2973764" cy="2081162"/>
+          </a:xfrm>
+          <a:prstGeom prst="straightConnector1">
             <a:avLst/>
           </a:prstGeom>
-          <a:noFill/>
-        </p:spPr>
-        <p:txBody>
-          <a:bodyPr wrap="square" rtlCol="0">
-            <a:spAutoFit/>
-          </a:bodyPr>
-          <a:lstStyle/>
-          <a:p>
-            <a:r>
-              <a:rPr lang="fr-FR" sz="1600" dirty="0"/>
-              <a:t>HTTP POST</a:t>
-            </a:r>
-          </a:p>
-          <a:p>
-            <a:r>
-              <a:rPr lang="fr-FR" sz="1600" dirty="0">
-                <a:hlinkClick r:id="rId3"/>
-              </a:rPr>
-              <a:t>http://fibonacci</a:t>
-            </a:r>
-            <a:r>
-              <a:rPr lang="fr-FR" sz="1600" dirty="0"/>
-              <a:t> </a:t>
-            </a:r>
-            <a:br>
-              <a:rPr lang="fr-FR" sz="1600" dirty="0"/>
-            </a:br>
-            <a:r>
-              <a:rPr lang="fr-FR" sz="1600" dirty="0"/>
-              <a:t>{</a:t>
-            </a:r>
-            <a:r>
-              <a:rPr lang="fr-FR" sz="1600" b="0" i="0" dirty="0">
-                <a:effectLst/>
-                <a:latin typeface="-apple-system"/>
-              </a:rPr>
-              <a:t>"</a:t>
-            </a:r>
-            <a:r>
-              <a:rPr lang="fr-FR" sz="1600" dirty="0"/>
-              <a:t>input</a:t>
-            </a:r>
-            <a:r>
-              <a:rPr lang="fr-FR" sz="1600" b="0" i="0" dirty="0">
-                <a:effectLst/>
-                <a:latin typeface="-apple-system"/>
-              </a:rPr>
-              <a:t>"</a:t>
-            </a:r>
-            <a:r>
-              <a:rPr lang="fr-FR" sz="1600" dirty="0"/>
-              <a:t>:42}</a:t>
-            </a:r>
-          </a:p>
-        </p:txBody>
-      </p:sp>
-      <p:sp>
-        <p:nvSpPr>
-          <p:cNvPr id="23" name="Rounded Rectangle 45">
-            <a:extLst>
-              <a:ext uri="{FF2B5EF4-FFF2-40B4-BE49-F238E27FC236}">
-                <a16:creationId xmlns:a16="http://schemas.microsoft.com/office/drawing/2014/main" id="{02CDF874-6617-192D-7FBF-DFCDF050DE8B}"/>
+          <a:ln w="127000">
+            <a:solidFill>
+              <a:schemeClr val="accent6">
+                <a:lumMod val="75000"/>
+              </a:schemeClr>
+            </a:solidFill>
+            <a:tailEnd type="triangle"/>
+          </a:ln>
+        </p:spPr>
+        <p:style>
+          <a:lnRef idx="1">
+            <a:schemeClr val="accent1"/>
+          </a:lnRef>
+          <a:fillRef idx="0">
+            <a:schemeClr val="accent1"/>
+          </a:fillRef>
+          <a:effectRef idx="0">
+            <a:schemeClr val="accent1"/>
+          </a:effectRef>
+          <a:fontRef idx="minor">
+            <a:schemeClr val="tx1"/>
+          </a:fontRef>
+        </p:style>
+      </p:cxnSp>
+      <p:sp>
+        <p:nvSpPr>
+          <p:cNvPr id="44" name="Rounded Rectangle 44">
+            <a:extLst>
+              <a:ext uri="{FF2B5EF4-FFF2-40B4-BE49-F238E27FC236}">
+                <a16:creationId xmlns:a16="http://schemas.microsoft.com/office/drawing/2014/main" id="{EC278673-044B-4B67-CC8B-460677466C2D}"/>
               </a:ext>
             </a:extLst>
           </p:cNvPr>
@@ -6920,16 +6905,14 @@
         </p:nvSpPr>
         <p:spPr>
           <a:xfrm>
-            <a:off x="8858733" y="2401822"/>
-            <a:ext cx="3040144" cy="1540322"/>
+            <a:off x="819054" y="522900"/>
+            <a:ext cx="4922420" cy="1227315"/>
           </a:xfrm>
           <a:prstGeom prst="roundRect">
             <a:avLst/>
           </a:prstGeom>
           <a:solidFill>
-            <a:schemeClr val="bg2">
-              <a:lumMod val="25000"/>
-            </a:schemeClr>
+            <a:srgbClr val="7030A0"/>
           </a:solidFill>
           <a:ln>
             <a:noFill/>
@@ -6957,117 +6940,63 @@
           <a:p>
             <a:pPr algn="ctr"/>
             <a:r>
-              <a:rPr lang="fr-FR" sz="2400" dirty="0">
+              <a:rPr lang="en-US" sz="2400" dirty="0">
                 <a:solidFill>
                   <a:schemeClr val="bg1"/>
                 </a:solidFill>
               </a:rPr>
-              <a:t>function « fibonacci » replica 2</a:t>
-            </a:r>
-          </a:p>
-        </p:txBody>
-      </p:sp>
-      <p:pic>
-        <p:nvPicPr>
-          <p:cNvPr id="24" name="Picture 2" descr="Afficher l’image source">
-            <a:extLst>
-              <a:ext uri="{FF2B5EF4-FFF2-40B4-BE49-F238E27FC236}">
-                <a16:creationId xmlns:a16="http://schemas.microsoft.com/office/drawing/2014/main" id="{6367FF6E-BE42-9237-982C-7249BC298201}"/>
-              </a:ext>
-            </a:extLst>
-          </p:cNvPr>
-          <p:cNvPicPr>
-            <a:picLocks noChangeAspect="1" noChangeArrowheads="1"/>
-          </p:cNvPicPr>
-          <p:nvPr/>
-        </p:nvPicPr>
-        <p:blipFill>
-          <a:blip r:embed="rId4">
-            <a:extLst>
-              <a:ext uri="{28A0092B-C50C-407E-A947-70E740481C1C}">
-                <a14:useLocalDpi xmlns:a14="http://schemas.microsoft.com/office/drawing/2010/main" val="0"/>
-              </a:ext>
-            </a:extLst>
-          </a:blip>
-          <a:srcRect/>
-          <a:stretch>
-            <a:fillRect/>
-          </a:stretch>
-        </p:blipFill>
-        <p:spPr bwMode="auto">
-          <a:xfrm>
-            <a:off x="8799603" y="2111546"/>
-            <a:ext cx="588793" cy="572693"/>
-          </a:xfrm>
-          <a:prstGeom prst="rect">
-            <a:avLst/>
-          </a:prstGeom>
-          <a:noFill/>
-          <a:extLst>
-            <a:ext uri="{909E8E84-426E-40DD-AFC4-6F175D3DCCD1}">
-              <a14:hiddenFill xmlns:a14="http://schemas.microsoft.com/office/drawing/2010/main">
+              <a:t>Deployment</a:t>
+            </a:r>
+          </a:p>
+          <a:p>
+            <a:pPr algn="ctr"/>
+            <a:r>
+              <a:rPr lang="en-US" sz="2400" dirty="0">
                 <a:solidFill>
-                  <a:srgbClr val="FFFFFF"/>
+                  <a:schemeClr val="bg1"/>
                 </a:solidFill>
-              </a14:hiddenFill>
-            </a:ext>
-          </a:extLst>
-        </p:spPr>
-      </p:pic>
-      <p:cxnSp>
-        <p:nvCxnSpPr>
-          <p:cNvPr id="25" name="Connecteur droit avec flèche 24">
-            <a:extLst>
-              <a:ext uri="{FF2B5EF4-FFF2-40B4-BE49-F238E27FC236}">
-                <a16:creationId xmlns:a16="http://schemas.microsoft.com/office/drawing/2014/main" id="{47CCB34C-BDE9-83E6-DBE9-369CE229F27F}"/>
-              </a:ext>
-            </a:extLst>
-          </p:cNvPr>
-          <p:cNvCxnSpPr>
-            <a:cxnSpLocks/>
-            <a:stCxn id="6" idx="3"/>
-            <a:endCxn id="23" idx="1"/>
-          </p:cNvCxnSpPr>
-          <p:nvPr/>
-        </p:nvCxnSpPr>
-        <p:spPr>
-          <a:xfrm flipV="1">
-            <a:off x="6740327" y="3171983"/>
-            <a:ext cx="2118406" cy="175858"/>
-          </a:xfrm>
-          <a:prstGeom prst="straightConnector1">
-            <a:avLst/>
-          </a:prstGeom>
-          <a:ln w="127000">
-            <a:solidFill>
-              <a:schemeClr val="accent6">
-                <a:lumMod val="75000"/>
-              </a:schemeClr>
-            </a:solidFill>
-            <a:tailEnd type="triangle"/>
-          </a:ln>
-        </p:spPr>
-        <p:style>
-          <a:lnRef idx="1">
-            <a:schemeClr val="accent1"/>
-          </a:lnRef>
-          <a:fillRef idx="0">
-            <a:schemeClr val="accent1"/>
-          </a:fillRef>
-          <a:effectRef idx="0">
-            <a:schemeClr val="accent1"/>
-          </a:effectRef>
-          <a:fontRef idx="minor">
-            <a:schemeClr val="tx1"/>
-          </a:fontRef>
-        </p:style>
-      </p:cxnSp>
-      <p:sp>
-        <p:nvSpPr>
-          <p:cNvPr id="28" name="Rounded Rectangle 45">
-            <a:extLst>
-              <a:ext uri="{FF2B5EF4-FFF2-40B4-BE49-F238E27FC236}">
-                <a16:creationId xmlns:a16="http://schemas.microsoft.com/office/drawing/2014/main" id="{38FF5A4C-559C-1D52-9476-314AAD56BECB}"/>
+              </a:rPr>
+              <a:t>other</a:t>
+            </a:r>
+          </a:p>
+          <a:p>
+            <a:pPr algn="ctr"/>
+            <a:r>
+              <a:rPr lang="en-US" sz="1600" dirty="0">
+                <a:solidFill>
+                  <a:schemeClr val="bg1"/>
+                </a:solidFill>
+              </a:rPr>
+              <a:t>SlimFaas/SubscribeEvents:"</a:t>
+            </a:r>
+            <a:r>
+              <a:rPr lang="en-US" sz="1600" dirty="0">
+                <a:solidFill>
+                  <a:schemeClr val="bg1"/>
+                </a:solidFill>
+                <a:highlight>
+                  <a:srgbClr val="7EBEFF"/>
+                </a:highlight>
+              </a:rPr>
+              <a:t>fib-event</a:t>
+            </a:r>
+            <a:r>
+              <a:rPr lang="en-US" sz="1600" dirty="0">
+                <a:solidFill>
+                  <a:schemeClr val="bg1"/>
+                </a:solidFill>
+              </a:rPr>
+              <a:t>"</a:t>
+            </a:r>
+          </a:p>
+        </p:txBody>
+      </p:sp>
+      <p:sp>
+        <p:nvSpPr>
+          <p:cNvPr id="58" name="Rounded Rectangle 45">
+            <a:extLst>
+              <a:ext uri="{FF2B5EF4-FFF2-40B4-BE49-F238E27FC236}">
+                <a16:creationId xmlns:a16="http://schemas.microsoft.com/office/drawing/2014/main" id="{B3D6B054-351A-AB9F-D7F3-32674286B965}"/>
               </a:ext>
             </a:extLst>
           </p:cNvPr>
@@ -7076,8 +7005,8 @@
         </p:nvSpPr>
         <p:spPr>
           <a:xfrm>
-            <a:off x="8822212" y="4493355"/>
-            <a:ext cx="3040144" cy="1540322"/>
+            <a:off x="8812333" y="1932445"/>
+            <a:ext cx="2484558" cy="856646"/>
           </a:xfrm>
           <a:prstGeom prst="roundRect">
             <a:avLst/>
@@ -7118,17 +7047,22 @@
                   <a:schemeClr val="bg1"/>
                 </a:solidFill>
               </a:rPr>
-              <a:t>function « fibonacci » replica 3</a:t>
-            </a:r>
+              <a:t> « fibonacci » replica 2</a:t>
+            </a:r>
+            <a:endParaRPr lang="en-FR" sz="2400" dirty="0">
+              <a:solidFill>
+                <a:schemeClr val="bg1"/>
+              </a:solidFill>
+            </a:endParaRPr>
           </a:p>
         </p:txBody>
       </p:sp>
       <p:pic>
         <p:nvPicPr>
-          <p:cNvPr id="29" name="Picture 2" descr="Afficher l’image source">
-            <a:extLst>
-              <a:ext uri="{FF2B5EF4-FFF2-40B4-BE49-F238E27FC236}">
-                <a16:creationId xmlns:a16="http://schemas.microsoft.com/office/drawing/2014/main" id="{5C2C929B-DD3A-D402-D3D0-47B59BB4F807}"/>
+          <p:cNvPr id="59" name="Picture 2" descr="Afficher l’image source">
+            <a:extLst>
+              <a:ext uri="{FF2B5EF4-FFF2-40B4-BE49-F238E27FC236}">
+                <a16:creationId xmlns:a16="http://schemas.microsoft.com/office/drawing/2014/main" id="{47F04D32-578D-6B6C-2A28-059763E81EF0}"/>
               </a:ext>
             </a:extLst>
           </p:cNvPr>
@@ -7152,7 +7086,7 @@
         </p:blipFill>
         <p:spPr bwMode="auto">
           <a:xfrm>
-            <a:off x="8753203" y="4252319"/>
+            <a:off x="8618142" y="1629321"/>
             <a:ext cx="588793" cy="572693"/>
           </a:xfrm>
           <a:prstGeom prst="rect">
@@ -7170,26 +7104,282 @@
           </a:extLst>
         </p:spPr>
       </p:pic>
+      <p:sp>
+        <p:nvSpPr>
+          <p:cNvPr id="60" name="Rounded Rectangle 45">
+            <a:extLst>
+              <a:ext uri="{FF2B5EF4-FFF2-40B4-BE49-F238E27FC236}">
+                <a16:creationId xmlns:a16="http://schemas.microsoft.com/office/drawing/2014/main" id="{16DB633F-AB44-B4DC-3548-26B85071E24C}"/>
+              </a:ext>
+            </a:extLst>
+          </p:cNvPr>
+          <p:cNvSpPr/>
+          <p:nvPr/>
+        </p:nvSpPr>
+        <p:spPr>
+          <a:xfrm>
+            <a:off x="8812333" y="4173601"/>
+            <a:ext cx="2484558" cy="856646"/>
+          </a:xfrm>
+          <a:prstGeom prst="roundRect">
+            <a:avLst/>
+          </a:prstGeom>
+          <a:solidFill>
+            <a:schemeClr val="bg2">
+              <a:lumMod val="25000"/>
+            </a:schemeClr>
+          </a:solidFill>
+          <a:ln>
+            <a:noFill/>
+          </a:ln>
+        </p:spPr>
+        <p:style>
+          <a:lnRef idx="2">
+            <a:schemeClr val="accent1">
+              <a:shade val="50000"/>
+            </a:schemeClr>
+          </a:lnRef>
+          <a:fillRef idx="1">
+            <a:schemeClr val="accent1"/>
+          </a:fillRef>
+          <a:effectRef idx="0">
+            <a:schemeClr val="accent1"/>
+          </a:effectRef>
+          <a:fontRef idx="minor">
+            <a:schemeClr val="lt1"/>
+          </a:fontRef>
+        </p:style>
+        <p:txBody>
+          <a:bodyPr rtlCol="0" anchor="ctr"/>
+          <a:lstStyle/>
+          <a:p>
+            <a:pPr algn="ctr"/>
+            <a:r>
+              <a:rPr lang="fr-FR" sz="2400" dirty="0">
+                <a:solidFill>
+                  <a:schemeClr val="bg1"/>
+                </a:solidFill>
+              </a:rPr>
+              <a:t> « other » </a:t>
+            </a:r>
+            <a:br>
+              <a:rPr lang="fr-FR" sz="2400" dirty="0">
+                <a:solidFill>
+                  <a:schemeClr val="bg1"/>
+                </a:solidFill>
+              </a:rPr>
+            </a:br>
+            <a:r>
+              <a:rPr lang="fr-FR" sz="2400" dirty="0">
+                <a:solidFill>
+                  <a:schemeClr val="bg1"/>
+                </a:solidFill>
+              </a:rPr>
+              <a:t>replica 1</a:t>
+            </a:r>
+            <a:endParaRPr lang="en-FR" sz="2400" dirty="0">
+              <a:solidFill>
+                <a:schemeClr val="bg1"/>
+              </a:solidFill>
+            </a:endParaRPr>
+          </a:p>
+        </p:txBody>
+      </p:sp>
+      <p:pic>
+        <p:nvPicPr>
+          <p:cNvPr id="61" name="Picture 2" descr="Afficher l’image source">
+            <a:extLst>
+              <a:ext uri="{FF2B5EF4-FFF2-40B4-BE49-F238E27FC236}">
+                <a16:creationId xmlns:a16="http://schemas.microsoft.com/office/drawing/2014/main" id="{B596EC77-9AE7-9E46-04A6-90E9C956D010}"/>
+              </a:ext>
+            </a:extLst>
+          </p:cNvPr>
+          <p:cNvPicPr>
+            <a:picLocks noChangeAspect="1" noChangeArrowheads="1"/>
+          </p:cNvPicPr>
+          <p:nvPr/>
+        </p:nvPicPr>
+        <p:blipFill>
+          <a:blip r:embed="rId4">
+            <a:extLst>
+              <a:ext uri="{28A0092B-C50C-407E-A947-70E740481C1C}">
+                <a14:useLocalDpi xmlns:a14="http://schemas.microsoft.com/office/drawing/2010/main" val="0"/>
+              </a:ext>
+            </a:extLst>
+          </a:blip>
+          <a:srcRect/>
+          <a:stretch>
+            <a:fillRect/>
+          </a:stretch>
+        </p:blipFill>
+        <p:spPr bwMode="auto">
+          <a:xfrm>
+            <a:off x="8618142" y="3870477"/>
+            <a:ext cx="588793" cy="572693"/>
+          </a:xfrm>
+          <a:prstGeom prst="rect">
+            <a:avLst/>
+          </a:prstGeom>
+          <a:noFill/>
+          <a:extLst>
+            <a:ext uri="{909E8E84-426E-40DD-AFC4-6F175D3DCCD1}">
+              <a14:hiddenFill xmlns:a14="http://schemas.microsoft.com/office/drawing/2010/main">
+                <a:solidFill>
+                  <a:srgbClr val="FFFFFF"/>
+                </a:solidFill>
+              </a14:hiddenFill>
+            </a:ext>
+          </a:extLst>
+        </p:spPr>
+      </p:pic>
+      <p:sp>
+        <p:nvSpPr>
+          <p:cNvPr id="62" name="Rounded Rectangle 45">
+            <a:extLst>
+              <a:ext uri="{FF2B5EF4-FFF2-40B4-BE49-F238E27FC236}">
+                <a16:creationId xmlns:a16="http://schemas.microsoft.com/office/drawing/2014/main" id="{41E26270-5F17-40B5-E026-D7BB7ED7B4A6}"/>
+              </a:ext>
+            </a:extLst>
+          </p:cNvPr>
+          <p:cNvSpPr/>
+          <p:nvPr/>
+        </p:nvSpPr>
+        <p:spPr>
+          <a:xfrm>
+            <a:off x="8812333" y="5601700"/>
+            <a:ext cx="2484558" cy="856646"/>
+          </a:xfrm>
+          <a:prstGeom prst="roundRect">
+            <a:avLst/>
+          </a:prstGeom>
+          <a:solidFill>
+            <a:schemeClr val="bg2">
+              <a:lumMod val="25000"/>
+            </a:schemeClr>
+          </a:solidFill>
+          <a:ln>
+            <a:noFill/>
+          </a:ln>
+        </p:spPr>
+        <p:style>
+          <a:lnRef idx="2">
+            <a:schemeClr val="accent1">
+              <a:shade val="50000"/>
+            </a:schemeClr>
+          </a:lnRef>
+          <a:fillRef idx="1">
+            <a:schemeClr val="accent1"/>
+          </a:fillRef>
+          <a:effectRef idx="0">
+            <a:schemeClr val="accent1"/>
+          </a:effectRef>
+          <a:fontRef idx="minor">
+            <a:schemeClr val="lt1"/>
+          </a:fontRef>
+        </p:style>
+        <p:txBody>
+          <a:bodyPr rtlCol="0" anchor="ctr"/>
+          <a:lstStyle/>
+          <a:p>
+            <a:pPr algn="ctr"/>
+            <a:r>
+              <a:rPr lang="fr-FR" sz="2400" dirty="0">
+                <a:solidFill>
+                  <a:schemeClr val="bg1"/>
+                </a:solidFill>
+              </a:rPr>
+              <a:t> «  other » </a:t>
+            </a:r>
+            <a:br>
+              <a:rPr lang="fr-FR" sz="2400" dirty="0">
+                <a:solidFill>
+                  <a:schemeClr val="bg1"/>
+                </a:solidFill>
+              </a:rPr>
+            </a:br>
+            <a:r>
+              <a:rPr lang="fr-FR" sz="2400" dirty="0">
+                <a:solidFill>
+                  <a:schemeClr val="bg1"/>
+                </a:solidFill>
+              </a:rPr>
+              <a:t>replica 2</a:t>
+            </a:r>
+            <a:endParaRPr lang="en-FR" sz="2400" dirty="0">
+              <a:solidFill>
+                <a:schemeClr val="bg1"/>
+              </a:solidFill>
+            </a:endParaRPr>
+          </a:p>
+        </p:txBody>
+      </p:sp>
+      <p:pic>
+        <p:nvPicPr>
+          <p:cNvPr id="63" name="Picture 2" descr="Afficher l’image source">
+            <a:extLst>
+              <a:ext uri="{FF2B5EF4-FFF2-40B4-BE49-F238E27FC236}">
+                <a16:creationId xmlns:a16="http://schemas.microsoft.com/office/drawing/2014/main" id="{F2DEFC11-D557-79E0-2E61-06A08755FEED}"/>
+              </a:ext>
+            </a:extLst>
+          </p:cNvPr>
+          <p:cNvPicPr>
+            <a:picLocks noChangeAspect="1" noChangeArrowheads="1"/>
+          </p:cNvPicPr>
+          <p:nvPr/>
+        </p:nvPicPr>
+        <p:blipFill>
+          <a:blip r:embed="rId4">
+            <a:extLst>
+              <a:ext uri="{28A0092B-C50C-407E-A947-70E740481C1C}">
+                <a14:useLocalDpi xmlns:a14="http://schemas.microsoft.com/office/drawing/2010/main" val="0"/>
+              </a:ext>
+            </a:extLst>
+          </a:blip>
+          <a:srcRect/>
+          <a:stretch>
+            <a:fillRect/>
+          </a:stretch>
+        </p:blipFill>
+        <p:spPr bwMode="auto">
+          <a:xfrm>
+            <a:off x="8618142" y="5298576"/>
+            <a:ext cx="588793" cy="572693"/>
+          </a:xfrm>
+          <a:prstGeom prst="rect">
+            <a:avLst/>
+          </a:prstGeom>
+          <a:noFill/>
+          <a:extLst>
+            <a:ext uri="{909E8E84-426E-40DD-AFC4-6F175D3DCCD1}">
+              <a14:hiddenFill xmlns:a14="http://schemas.microsoft.com/office/drawing/2010/main">
+                <a:solidFill>
+                  <a:srgbClr val="FFFFFF"/>
+                </a:solidFill>
+              </a14:hiddenFill>
+            </a:ext>
+          </a:extLst>
+        </p:spPr>
+      </p:pic>
       <p:cxnSp>
         <p:nvCxnSpPr>
-          <p:cNvPr id="30" name="Connecteur droit avec flèche 29">
-            <a:extLst>
-              <a:ext uri="{FF2B5EF4-FFF2-40B4-BE49-F238E27FC236}">
-                <a16:creationId xmlns:a16="http://schemas.microsoft.com/office/drawing/2014/main" id="{3C17D7D9-AD0C-3CB9-E9C2-8FE52952EA0A}"/>
+          <p:cNvPr id="71" name="Connecteur droit avec flèche 70">
+            <a:extLst>
+              <a:ext uri="{FF2B5EF4-FFF2-40B4-BE49-F238E27FC236}">
+                <a16:creationId xmlns:a16="http://schemas.microsoft.com/office/drawing/2014/main" id="{221856EB-F24D-AE01-6253-E5B3BEF1DDDD}"/>
               </a:ext>
             </a:extLst>
           </p:cNvPr>
           <p:cNvCxnSpPr>
             <a:cxnSpLocks/>
             <a:stCxn id="6" idx="3"/>
-            <a:endCxn id="28" idx="1"/>
+            <a:endCxn id="60" idx="1"/>
           </p:cNvCxnSpPr>
           <p:nvPr/>
         </p:nvCxnSpPr>
         <p:spPr>
           <a:xfrm>
-            <a:off x="6740327" y="3347841"/>
-            <a:ext cx="2081885" cy="1915675"/>
+            <a:off x="5838569" y="4441930"/>
+            <a:ext cx="2973764" cy="159994"/>
           </a:xfrm>
           <a:prstGeom prst="straightConnector1">
             <a:avLst/>
@@ -7218,129 +7408,154 @@
           </a:fontRef>
         </p:style>
       </p:cxnSp>
-      <p:sp>
-        <p:nvSpPr>
-          <p:cNvPr id="38" name="ZoneTexte 37">
-            <a:extLst>
-              <a:ext uri="{FF2B5EF4-FFF2-40B4-BE49-F238E27FC236}">
-                <a16:creationId xmlns:a16="http://schemas.microsoft.com/office/drawing/2014/main" id="{3E51368A-C3EC-DCF9-2D42-54C522F99A21}"/>
-              </a:ext>
-            </a:extLst>
-          </p:cNvPr>
-          <p:cNvSpPr txBox="1"/>
+      <p:cxnSp>
+        <p:nvCxnSpPr>
+          <p:cNvPr id="74" name="Connecteur droit avec flèche 73">
+            <a:extLst>
+              <a:ext uri="{FF2B5EF4-FFF2-40B4-BE49-F238E27FC236}">
+                <a16:creationId xmlns:a16="http://schemas.microsoft.com/office/drawing/2014/main" id="{F5E291B3-5B31-6DB2-EF1C-980547F78F0B}"/>
+              </a:ext>
+            </a:extLst>
+          </p:cNvPr>
+          <p:cNvCxnSpPr>
+            <a:cxnSpLocks/>
+            <a:stCxn id="6" idx="3"/>
+            <a:endCxn id="62" idx="1"/>
+          </p:cNvCxnSpPr>
           <p:nvPr/>
-        </p:nvSpPr>
-        <p:spPr>
-          <a:xfrm>
-            <a:off x="7218978" y="5412088"/>
-            <a:ext cx="1659171" cy="830997"/>
-          </a:xfrm>
-          <a:prstGeom prst="rect">
+        </p:nvCxnSpPr>
+        <p:spPr>
+          <a:xfrm>
+            <a:off x="5838569" y="4441930"/>
+            <a:ext cx="2973764" cy="1588093"/>
+          </a:xfrm>
+          <a:prstGeom prst="straightConnector1">
             <a:avLst/>
           </a:prstGeom>
-          <a:noFill/>
-        </p:spPr>
-        <p:txBody>
-          <a:bodyPr wrap="square" rtlCol="0">
-            <a:spAutoFit/>
-          </a:bodyPr>
+          <a:ln w="127000">
+            <a:solidFill>
+              <a:schemeClr val="accent6">
+                <a:lumMod val="75000"/>
+              </a:schemeClr>
+            </a:solidFill>
+            <a:tailEnd type="triangle"/>
+          </a:ln>
+        </p:spPr>
+        <p:style>
+          <a:lnRef idx="1">
+            <a:schemeClr val="accent1"/>
+          </a:lnRef>
+          <a:fillRef idx="0">
+            <a:schemeClr val="accent1"/>
+          </a:fillRef>
+          <a:effectRef idx="0">
+            <a:schemeClr val="accent1"/>
+          </a:effectRef>
+          <a:fontRef idx="minor">
+            <a:schemeClr val="tx1"/>
+          </a:fontRef>
+        </p:style>
+      </p:cxnSp>
+      <p:sp>
+        <p:nvSpPr>
+          <p:cNvPr id="109" name="Rounded Rectangle 44">
+            <a:extLst>
+              <a:ext uri="{FF2B5EF4-FFF2-40B4-BE49-F238E27FC236}">
+                <a16:creationId xmlns:a16="http://schemas.microsoft.com/office/drawing/2014/main" id="{EE55AAF1-171C-F780-90D3-7A2304D74CF3}"/>
+              </a:ext>
+            </a:extLst>
+          </p:cNvPr>
+          <p:cNvSpPr/>
+          <p:nvPr/>
+        </p:nvSpPr>
+        <p:spPr>
+          <a:xfrm>
+            <a:off x="819054" y="1999049"/>
+            <a:ext cx="4922420" cy="1227314"/>
+          </a:xfrm>
+          <a:prstGeom prst="roundRect">
+            <a:avLst/>
+          </a:prstGeom>
+          <a:solidFill>
+            <a:srgbClr val="7030A0"/>
+          </a:solidFill>
+          <a:ln>
+            <a:noFill/>
+          </a:ln>
+        </p:spPr>
+        <p:style>
+          <a:lnRef idx="2">
+            <a:schemeClr val="accent1">
+              <a:shade val="50000"/>
+            </a:schemeClr>
+          </a:lnRef>
+          <a:fillRef idx="1">
+            <a:schemeClr val="accent1"/>
+          </a:fillRef>
+          <a:effectRef idx="0">
+            <a:schemeClr val="accent1"/>
+          </a:effectRef>
+          <a:fontRef idx="minor">
+            <a:schemeClr val="lt1"/>
+          </a:fontRef>
+        </p:style>
+        <p:txBody>
+          <a:bodyPr rtlCol="0" anchor="ctr"/>
           <a:lstStyle/>
           <a:p>
-            <a:r>
-              <a:rPr lang="fr-FR" sz="1600" dirty="0"/>
-              <a:t>HTTP POST</a:t>
-            </a:r>
-          </a:p>
-          <a:p>
-            <a:r>
-              <a:rPr lang="fr-FR" sz="1600" dirty="0">
-                <a:hlinkClick r:id="rId3"/>
+            <a:pPr algn="ctr"/>
+            <a:r>
+              <a:rPr lang="en-US" sz="2400" dirty="0">
+                <a:solidFill>
+                  <a:schemeClr val="bg1"/>
+                </a:solidFill>
               </a:rPr>
-              <a:t>http://fibonacci</a:t>
-            </a:r>
-            <a:r>
-              <a:rPr lang="fr-FR" sz="1600" dirty="0"/>
-              <a:t> </a:t>
-            </a:r>
-            <a:br>
-              <a:rPr lang="fr-FR" sz="1600" dirty="0"/>
-            </a:br>
-            <a:r>
-              <a:rPr lang="fr-FR" sz="1600" dirty="0"/>
-              <a:t>{</a:t>
-            </a:r>
-            <a:r>
-              <a:rPr lang="fr-FR" sz="1600" b="0" i="0" dirty="0">
-                <a:effectLst/>
-                <a:latin typeface="-apple-system"/>
+              <a:t>Deployment</a:t>
+            </a:r>
+          </a:p>
+          <a:p>
+            <a:pPr algn="ctr"/>
+            <a:r>
+              <a:rPr lang="en-US" sz="2400" dirty="0">
+                <a:solidFill>
+                  <a:schemeClr val="bg1"/>
+                </a:solidFill>
+              </a:rPr>
+              <a:t>other</a:t>
+            </a:r>
+          </a:p>
+          <a:p>
+            <a:pPr algn="ctr"/>
+            <a:r>
+              <a:rPr lang="en-US" sz="1600" dirty="0">
+                <a:solidFill>
+                  <a:schemeClr val="bg1"/>
+                </a:solidFill>
+              </a:rPr>
+              <a:t>SlimFaas/SubscribeEvents:"</a:t>
+            </a:r>
+            <a:r>
+              <a:rPr lang="en-US" sz="1600" dirty="0">
+                <a:solidFill>
+                  <a:schemeClr val="bg1"/>
+                </a:solidFill>
+                <a:highlight>
+                  <a:srgbClr val="7EBEFF"/>
+                </a:highlight>
+              </a:rPr>
+              <a:t>fib-event</a:t>
+            </a:r>
+            <a:r>
+              <a:rPr lang="en-US" sz="1600" dirty="0">
+                <a:solidFill>
+                  <a:schemeClr val="bg1"/>
+                </a:solidFill>
               </a:rPr>
               <a:t>"</a:t>
             </a:r>
-            <a:r>
-              <a:rPr lang="fr-FR" sz="1600" dirty="0"/>
-              <a:t>input</a:t>
-            </a:r>
-            <a:r>
-              <a:rPr lang="fr-FR" sz="1600" b="0" i="0" dirty="0">
-                <a:effectLst/>
-                <a:latin typeface="-apple-system"/>
-              </a:rPr>
-              <a:t>"</a:t>
-            </a:r>
-            <a:r>
-              <a:rPr lang="fr-FR" sz="1600" dirty="0"/>
-              <a:t>:42}</a:t>
-            </a:r>
-          </a:p>
-        </p:txBody>
-      </p:sp>
-      <p:pic>
-        <p:nvPicPr>
-          <p:cNvPr id="5" name="Picture 2" descr="Afficher l’image source">
-            <a:extLst>
-              <a:ext uri="{FF2B5EF4-FFF2-40B4-BE49-F238E27FC236}">
-                <a16:creationId xmlns:a16="http://schemas.microsoft.com/office/drawing/2014/main" id="{9CF92849-9C7F-61C9-32C2-F99F37E01F43}"/>
-              </a:ext>
-            </a:extLst>
-          </p:cNvPr>
-          <p:cNvPicPr>
-            <a:picLocks noChangeAspect="1" noChangeArrowheads="1"/>
-          </p:cNvPicPr>
-          <p:nvPr/>
-        </p:nvPicPr>
-        <p:blipFill>
-          <a:blip r:embed="rId4">
-            <a:extLst>
-              <a:ext uri="{28A0092B-C50C-407E-A947-70E740481C1C}">
-                <a14:useLocalDpi xmlns:a14="http://schemas.microsoft.com/office/drawing/2010/main" val="0"/>
-              </a:ext>
-            </a:extLst>
-          </a:blip>
-          <a:srcRect/>
-          <a:stretch>
-            <a:fillRect/>
-          </a:stretch>
-        </p:blipFill>
-        <p:spPr bwMode="auto">
-          <a:xfrm>
-            <a:off x="4286719" y="2514707"/>
-            <a:ext cx="588793" cy="572693"/>
-          </a:xfrm>
-          <a:prstGeom prst="rect">
-            <a:avLst/>
-          </a:prstGeom>
-          <a:noFill/>
-          <a:extLst>
-            <a:ext uri="{909E8E84-426E-40DD-AFC4-6F175D3DCCD1}">
-              <a14:hiddenFill xmlns:a14="http://schemas.microsoft.com/office/drawing/2010/main">
-                <a:solidFill>
-                  <a:srgbClr val="FFFFFF"/>
-                </a:solidFill>
-              </a14:hiddenFill>
-            </a:ext>
-          </a:extLst>
-        </p:spPr>
-      </p:pic>
+          </a:p>
+        </p:txBody>
+      </p:sp>
     </p:spTree>
     <p:extLst>
       <p:ext uri="{BB962C8B-B14F-4D97-AF65-F5344CB8AC3E}">
@@ -9212,34 +9427,6 @@
 </file>
 
 <file path=customXml/item1.xml><?xml version="1.0" encoding="utf-8"?>
-<p:properties xmlns:p="http://schemas.microsoft.com/office/2006/metadata/properties" xmlns:xsi="http://www.w3.org/2001/XMLSchema-instance" xmlns:pc="http://schemas.microsoft.com/office/infopath/2007/PartnerControls">
-  <documentManagement>
-    <SharedWithUsers xmlns="03cb9dc2-e9ea-44ac-afed-001b6fad4f36">
-      <UserInfo>
-        <DisplayName>LEMARCHAND THOMAS</DisplayName>
-        <AccountId>16</AccountId>
-        <AccountType/>
-      </UserInfo>
-      <UserInfo>
-        <DisplayName>CHERVET Guillaume</DisplayName>
-        <AccountId>84</AccountId>
-        <AccountType/>
-      </UserInfo>
-    </SharedWithUsers>
-  </documentManagement>
-</p:properties>
-</file>
-
-<file path=customXml/item2.xml><?xml version="1.0" encoding="utf-8"?>
-<?mso-contentType ?>
-<FormTemplates xmlns="http://schemas.microsoft.com/sharepoint/v3/contenttype/forms">
-  <Display>DocumentLibraryForm</Display>
-  <Edit>DocumentLibraryForm</Edit>
-  <New>DocumentLibraryForm</New>
-</FormTemplates>
-</file>
-
-<file path=customXml/item3.xml><?xml version="1.0" encoding="utf-8"?>
 <ct:contentTypeSchema xmlns:ct="http://schemas.microsoft.com/office/2006/metadata/contentType" xmlns:ma="http://schemas.microsoft.com/office/2006/metadata/properties/metaAttributes" ct:_="" ma:_="" ma:contentTypeName="Document" ma:contentTypeID="0x0101003BE0F011240A094E827BA56BE9109944" ma:contentTypeVersion="13" ma:contentTypeDescription="Create a new document." ma:contentTypeScope="" ma:versionID="5dc1144dd420c1d8a9ebf51c7358c8f0">
   <xsd:schema xmlns:xsd="http://www.w3.org/2001/XMLSchema" xmlns:xs="http://www.w3.org/2001/XMLSchema" xmlns:p="http://schemas.microsoft.com/office/2006/metadata/properties" xmlns:ns3="03cb9dc2-e9ea-44ac-afed-001b6fad4f36" xmlns:ns4="d0879fa5-f2db-41a7-8861-4a44e7ee3b24" targetNamespace="http://schemas.microsoft.com/office/2006/metadata/properties" ma:root="true" ma:fieldsID="6dda18631f78ef64168f1da1c53d30ff" ns3:_="" ns4:_="">
     <xsd:import namespace="03cb9dc2-e9ea-44ac-afed-001b6fad4f36"/>
@@ -9462,32 +9649,35 @@
 </ct:contentTypeSchema>
 </file>
 
-<file path=customXml/itemProps1.xml><?xml version="1.0" encoding="utf-8"?>
-<ds:datastoreItem xmlns:ds="http://schemas.openxmlformats.org/officeDocument/2006/customXml" ds:itemID="{C522BBC0-3E7A-472B-9CC6-34C5EA434DEE}">
-  <ds:schemaRefs>
-    <ds:schemaRef ds:uri="http://purl.org/dc/terms/"/>
-    <ds:schemaRef ds:uri="http://schemas.openxmlformats.org/package/2006/metadata/core-properties"/>
-    <ds:schemaRef ds:uri="http://purl.org/dc/dcmitype/"/>
-    <ds:schemaRef ds:uri="http://schemas.microsoft.com/office/infopath/2007/PartnerControls"/>
-    <ds:schemaRef ds:uri="http://schemas.microsoft.com/office/2006/documentManagement/types"/>
-    <ds:schemaRef ds:uri="http://purl.org/dc/elements/1.1/"/>
-    <ds:schemaRef ds:uri="http://schemas.microsoft.com/office/2006/metadata/properties"/>
-    <ds:schemaRef ds:uri="d0879fa5-f2db-41a7-8861-4a44e7ee3b24"/>
-    <ds:schemaRef ds:uri="03cb9dc2-e9ea-44ac-afed-001b6fad4f36"/>
-    <ds:schemaRef ds:uri="http://www.w3.org/XML/1998/namespace"/>
-  </ds:schemaRefs>
-</ds:datastoreItem>
+<file path=customXml/item2.xml><?xml version="1.0" encoding="utf-8"?>
+<?mso-contentType ?>
+<FormTemplates xmlns="http://schemas.microsoft.com/sharepoint/v3/contenttype/forms">
+  <Display>DocumentLibraryForm</Display>
+  <Edit>DocumentLibraryForm</Edit>
+  <New>DocumentLibraryForm</New>
+</FormTemplates>
 </file>
 
-<file path=customXml/itemProps2.xml><?xml version="1.0" encoding="utf-8"?>
-<ds:datastoreItem xmlns:ds="http://schemas.openxmlformats.org/officeDocument/2006/customXml" ds:itemID="{05D7AB42-0DA9-4407-9B22-92C435FE7C62}">
-  <ds:schemaRefs>
-    <ds:schemaRef ds:uri="http://schemas.microsoft.com/sharepoint/v3/contenttype/forms"/>
-  </ds:schemaRefs>
-</ds:datastoreItem>
+<file path=customXml/item3.xml><?xml version="1.0" encoding="utf-8"?>
+<p:properties xmlns:p="http://schemas.microsoft.com/office/2006/metadata/properties" xmlns:xsi="http://www.w3.org/2001/XMLSchema-instance" xmlns:pc="http://schemas.microsoft.com/office/infopath/2007/PartnerControls">
+  <documentManagement>
+    <SharedWithUsers xmlns="03cb9dc2-e9ea-44ac-afed-001b6fad4f36">
+      <UserInfo>
+        <DisplayName>LEMARCHAND THOMAS</DisplayName>
+        <AccountId>16</AccountId>
+        <AccountType/>
+      </UserInfo>
+      <UserInfo>
+        <DisplayName>CHERVET Guillaume</DisplayName>
+        <AccountId>84</AccountId>
+        <AccountType/>
+      </UserInfo>
+    </SharedWithUsers>
+  </documentManagement>
+</p:properties>
 </file>
 
-<file path=customXml/itemProps3.xml><?xml version="1.0" encoding="utf-8"?>
+<file path=customXml/itemProps1.xml><?xml version="1.0" encoding="utf-8"?>
 <ds:datastoreItem xmlns:ds="http://schemas.openxmlformats.org/officeDocument/2006/customXml" ds:itemID="{C72C7657-97CD-4958-88DD-F8AC87258741}">
   <ds:schemaRefs>
     <ds:schemaRef ds:uri="http://schemas.microsoft.com/office/2006/metadata/contentType"/>
@@ -9504,4 +9694,29 @@
     <ds:schemaRef ds:uri="http://schemas.microsoft.com/internal/obd"/>
   </ds:schemaRefs>
 </ds:datastoreItem>
+</file>
+
+<file path=customXml/itemProps2.xml><?xml version="1.0" encoding="utf-8"?>
+<ds:datastoreItem xmlns:ds="http://schemas.openxmlformats.org/officeDocument/2006/customXml" ds:itemID="{05D7AB42-0DA9-4407-9B22-92C435FE7C62}">
+  <ds:schemaRefs>
+    <ds:schemaRef ds:uri="http://schemas.microsoft.com/sharepoint/v3/contenttype/forms"/>
+  </ds:schemaRefs>
+</ds:datastoreItem>
+</file>
+
+<file path=customXml/itemProps3.xml><?xml version="1.0" encoding="utf-8"?>
+<ds:datastoreItem xmlns:ds="http://schemas.openxmlformats.org/officeDocument/2006/customXml" ds:itemID="{C522BBC0-3E7A-472B-9CC6-34C5EA434DEE}">
+  <ds:schemaRefs>
+    <ds:schemaRef ds:uri="http://purl.org/dc/terms/"/>
+    <ds:schemaRef ds:uri="http://schemas.openxmlformats.org/package/2006/metadata/core-properties"/>
+    <ds:schemaRef ds:uri="http://purl.org/dc/dcmitype/"/>
+    <ds:schemaRef ds:uri="http://schemas.microsoft.com/office/infopath/2007/PartnerControls"/>
+    <ds:schemaRef ds:uri="http://schemas.microsoft.com/office/2006/documentManagement/types"/>
+    <ds:schemaRef ds:uri="http://purl.org/dc/elements/1.1/"/>
+    <ds:schemaRef ds:uri="http://schemas.microsoft.com/office/2006/metadata/properties"/>
+    <ds:schemaRef ds:uri="d0879fa5-f2db-41a7-8861-4a44e7ee3b24"/>
+    <ds:schemaRef ds:uri="03cb9dc2-e9ea-44ac-afed-001b6fad4f36"/>
+    <ds:schemaRef ds:uri="http://www.w3.org/XML/1998/namespace"/>
+  </ds:schemaRefs>
+</ds:datastoreItem>
 </file>
--- a/documentation/slimfaas.pptx
+++ b/documentation/slimfaas.pptx
@@ -238,7 +238,7 @@
           <a:p>
             <a:fld id="{F60FFC85-34C0-4167-8801-71D65E4D986C}" type="datetimeFigureOut">
               <a:rPr lang="fr-FR" smtClean="0"/>
-              <a:t>31/05/2024</a:t>
+              <a:t>11/06/2024</a:t>
             </a:fld>
             <a:endParaRPr lang="fr-FR"/>
           </a:p>
@@ -415,7 +415,7 @@
           <a:p>
             <a:fld id="{F2EE8696-3B2B-7D49-B212-A8F746F3A84B}" type="datetimeFigureOut">
               <a:rPr lang="es-ES_tradnl" smtClean="0"/>
-              <a:t>31/05/2024</a:t>
+              <a:t>11/06/2024</a:t>
             </a:fld>
             <a:endParaRPr lang="es-ES_tradnl"/>
           </a:p>
@@ -1112,7 +1112,7 @@
           <a:p>
             <a:fld id="{80160E5B-2E24-B941-8DE0-C0A90C36B7C5}" type="datetimeFigureOut">
               <a:rPr lang="en-GB" smtClean="0"/>
-              <a:t>31/05/2024</a:t>
+              <a:t>11/06/2024</a:t>
             </a:fld>
             <a:endParaRPr lang="en-GB"/>
           </a:p>
@@ -1310,7 +1310,7 @@
           <a:p>
             <a:fld id="{80160E5B-2E24-B941-8DE0-C0A90C36B7C5}" type="datetimeFigureOut">
               <a:rPr lang="en-GB" smtClean="0"/>
-              <a:t>31/05/2024</a:t>
+              <a:t>11/06/2024</a:t>
             </a:fld>
             <a:endParaRPr lang="en-GB"/>
           </a:p>
@@ -1557,7 +1557,7 @@
           <a:p>
             <a:fld id="{80160E5B-2E24-B941-8DE0-C0A90C36B7C5}" type="datetimeFigureOut">
               <a:rPr lang="en-GB" smtClean="0"/>
-              <a:t>31/05/2024</a:t>
+              <a:t>11/06/2024</a:t>
             </a:fld>
             <a:endParaRPr lang="en-GB"/>
           </a:p>
@@ -1776,7 +1776,7 @@
           <a:p>
             <a:fld id="{80160E5B-2E24-B941-8DE0-C0A90C36B7C5}" type="datetimeFigureOut">
               <a:rPr lang="en-GB" smtClean="0"/>
-              <a:t>31/05/2024</a:t>
+              <a:t>11/06/2024</a:t>
             </a:fld>
             <a:endParaRPr lang="en-GB"/>
           </a:p>
@@ -2051,7 +2051,7 @@
           <a:p>
             <a:fld id="{80160E5B-2E24-B941-8DE0-C0A90C36B7C5}" type="datetimeFigureOut">
               <a:rPr lang="en-GB" smtClean="0"/>
-              <a:t>31/05/2024</a:t>
+              <a:t>11/06/2024</a:t>
             </a:fld>
             <a:endParaRPr lang="en-GB"/>
           </a:p>
@@ -2355,7 +2355,7 @@
           <a:p>
             <a:fld id="{80160E5B-2E24-B941-8DE0-C0A90C36B7C5}" type="datetimeFigureOut">
               <a:rPr lang="en-GB" smtClean="0"/>
-              <a:t>31/05/2024</a:t>
+              <a:t>11/06/2024</a:t>
             </a:fld>
             <a:endParaRPr lang="en-GB"/>
           </a:p>
@@ -2806,7 +2806,7 @@
           <a:p>
             <a:fld id="{80160E5B-2E24-B941-8DE0-C0A90C36B7C5}" type="datetimeFigureOut">
               <a:rPr lang="en-GB" smtClean="0"/>
-              <a:t>31/05/2024</a:t>
+              <a:t>11/06/2024</a:t>
             </a:fld>
             <a:endParaRPr lang="en-GB"/>
           </a:p>
@@ -2986,7 +2986,7 @@
           <a:p>
             <a:fld id="{80160E5B-2E24-B941-8DE0-C0A90C36B7C5}" type="datetimeFigureOut">
               <a:rPr lang="en-GB" smtClean="0"/>
-              <a:t>31/05/2024</a:t>
+              <a:t>11/06/2024</a:t>
             </a:fld>
             <a:endParaRPr lang="en-GB"/>
           </a:p>
@@ -3138,7 +3138,7 @@
           <a:p>
             <a:fld id="{80160E5B-2E24-B941-8DE0-C0A90C36B7C5}" type="datetimeFigureOut">
               <a:rPr lang="en-GB" smtClean="0"/>
-              <a:t>31/05/2024</a:t>
+              <a:t>11/06/2024</a:t>
             </a:fld>
             <a:endParaRPr lang="en-GB"/>
           </a:p>
@@ -3488,7 +3488,7 @@
           <a:p>
             <a:fld id="{80160E5B-2E24-B941-8DE0-C0A90C36B7C5}" type="datetimeFigureOut">
               <a:rPr lang="en-GB" smtClean="0"/>
-              <a:t>31/05/2024</a:t>
+              <a:t>11/06/2024</a:t>
             </a:fld>
             <a:endParaRPr lang="en-GB"/>
           </a:p>
@@ -3815,7 +3815,7 @@
           <a:p>
             <a:fld id="{80160E5B-2E24-B941-8DE0-C0A90C36B7C5}" type="datetimeFigureOut">
               <a:rPr lang="en-GB" smtClean="0"/>
-              <a:t>31/05/2024</a:t>
+              <a:t>11/06/2024</a:t>
             </a:fld>
             <a:endParaRPr lang="en-GB"/>
           </a:p>
@@ -4095,7 +4095,7 @@
           <a:p>
             <a:fld id="{80160E5B-2E24-B941-8DE0-C0A90C36B7C5}" type="datetimeFigureOut">
               <a:rPr lang="en-GB" smtClean="0"/>
-              <a:t>31/05/2024</a:t>
+              <a:t>11/06/2024</a:t>
             </a:fld>
             <a:endParaRPr lang="en-GB"/>
           </a:p>
@@ -6564,7 +6564,7 @@
             <a:r>
               <a:rPr lang="fr-FR" sz="1200" dirty="0">
                 <a:highlight>
-                  <a:srgbClr val="7EBEFF"/>
+                  <a:srgbClr val="00FF00"/>
                 </a:highlight>
                 <a:hlinkClick r:id="rId2"/>
               </a:rPr>
@@ -6572,7 +6572,7 @@
             </a:r>
             <a:endParaRPr lang="fr-FR" sz="1200" dirty="0">
               <a:highlight>
-                <a:srgbClr val="7EBEFF"/>
+                <a:srgbClr val="00FF00"/>
               </a:highlight>
             </a:endParaRPr>
           </a:p>
@@ -6620,8 +6620,8 @@
         </p:nvSpPr>
         <p:spPr>
           <a:xfrm>
-            <a:off x="7057603" y="3587533"/>
-            <a:ext cx="1659171" cy="830997"/>
+            <a:off x="8812332" y="2979399"/>
+            <a:ext cx="3144316" cy="830997"/>
           </a:xfrm>
           <a:prstGeom prst="rect">
             <a:avLst/>
@@ -6644,7 +6644,16 @@
               <a:rPr lang="fr-FR" sz="1600" dirty="0">
                 <a:hlinkClick r:id="rId3"/>
               </a:rPr>
-              <a:t>http://fibonacci</a:t>
+              <a:t>http://fibonacci/</a:t>
+            </a:r>
+            <a:r>
+              <a:rPr lang="fr-FR" sz="1600" dirty="0">
+                <a:highlight>
+                  <a:srgbClr val="00FF00"/>
+                </a:highlight>
+                <a:hlinkClick r:id="rId3"/>
+              </a:rPr>
+              <a:t>fib-event</a:t>
             </a:r>
             <a:r>
               <a:rPr lang="fr-FR" sz="1600" dirty="0"/>
@@ -6975,7 +6984,7 @@
                   <a:schemeClr val="bg1"/>
                 </a:solidFill>
                 <a:highlight>
-                  <a:srgbClr val="7EBEFF"/>
+                  <a:srgbClr val="00FF00"/>
                 </a:highlight>
               </a:rPr>
               <a:t>fib-event</a:t>
@@ -7540,7 +7549,7 @@
                   <a:schemeClr val="bg1"/>
                 </a:solidFill>
                 <a:highlight>
-                  <a:srgbClr val="7EBEFF"/>
+                  <a:srgbClr val="00FF00"/>
                 </a:highlight>
               </a:rPr>
               <a:t>fib-event</a:t>
@@ -9427,6 +9436,34 @@
 </file>
 
 <file path=customXml/item1.xml><?xml version="1.0" encoding="utf-8"?>
+<p:properties xmlns:p="http://schemas.microsoft.com/office/2006/metadata/properties" xmlns:xsi="http://www.w3.org/2001/XMLSchema-instance" xmlns:pc="http://schemas.microsoft.com/office/infopath/2007/PartnerControls">
+  <documentManagement>
+    <SharedWithUsers xmlns="03cb9dc2-e9ea-44ac-afed-001b6fad4f36">
+      <UserInfo>
+        <DisplayName>LEMARCHAND THOMAS</DisplayName>
+        <AccountId>16</AccountId>
+        <AccountType/>
+      </UserInfo>
+      <UserInfo>
+        <DisplayName>CHERVET Guillaume</DisplayName>
+        <AccountId>84</AccountId>
+        <AccountType/>
+      </UserInfo>
+    </SharedWithUsers>
+  </documentManagement>
+</p:properties>
+</file>
+
+<file path=customXml/item2.xml><?xml version="1.0" encoding="utf-8"?>
+<?mso-contentType ?>
+<FormTemplates xmlns="http://schemas.microsoft.com/sharepoint/v3/contenttype/forms">
+  <Display>DocumentLibraryForm</Display>
+  <Edit>DocumentLibraryForm</Edit>
+  <New>DocumentLibraryForm</New>
+</FormTemplates>
+</file>
+
+<file path=customXml/item3.xml><?xml version="1.0" encoding="utf-8"?>
 <ct:contentTypeSchema xmlns:ct="http://schemas.microsoft.com/office/2006/metadata/contentType" xmlns:ma="http://schemas.microsoft.com/office/2006/metadata/properties/metaAttributes" ct:_="" ma:_="" ma:contentTypeName="Document" ma:contentTypeID="0x0101003BE0F011240A094E827BA56BE9109944" ma:contentTypeVersion="13" ma:contentTypeDescription="Create a new document." ma:contentTypeScope="" ma:versionID="5dc1144dd420c1d8a9ebf51c7358c8f0">
   <xsd:schema xmlns:xsd="http://www.w3.org/2001/XMLSchema" xmlns:xs="http://www.w3.org/2001/XMLSchema" xmlns:p="http://schemas.microsoft.com/office/2006/metadata/properties" xmlns:ns3="03cb9dc2-e9ea-44ac-afed-001b6fad4f36" xmlns:ns4="d0879fa5-f2db-41a7-8861-4a44e7ee3b24" targetNamespace="http://schemas.microsoft.com/office/2006/metadata/properties" ma:root="true" ma:fieldsID="6dda18631f78ef64168f1da1c53d30ff" ns3:_="" ns4:_="">
     <xsd:import namespace="03cb9dc2-e9ea-44ac-afed-001b6fad4f36"/>
@@ -9649,35 +9686,32 @@
 </ct:contentTypeSchema>
 </file>
 
-<file path=customXml/item2.xml><?xml version="1.0" encoding="utf-8"?>
-<?mso-contentType ?>
-<FormTemplates xmlns="http://schemas.microsoft.com/sharepoint/v3/contenttype/forms">
-  <Display>DocumentLibraryForm</Display>
-  <Edit>DocumentLibraryForm</Edit>
-  <New>DocumentLibraryForm</New>
-</FormTemplates>
+<file path=customXml/itemProps1.xml><?xml version="1.0" encoding="utf-8"?>
+<ds:datastoreItem xmlns:ds="http://schemas.openxmlformats.org/officeDocument/2006/customXml" ds:itemID="{C522BBC0-3E7A-472B-9CC6-34C5EA434DEE}">
+  <ds:schemaRefs>
+    <ds:schemaRef ds:uri="http://purl.org/dc/terms/"/>
+    <ds:schemaRef ds:uri="http://schemas.openxmlformats.org/package/2006/metadata/core-properties"/>
+    <ds:schemaRef ds:uri="http://purl.org/dc/dcmitype/"/>
+    <ds:schemaRef ds:uri="http://schemas.microsoft.com/office/infopath/2007/PartnerControls"/>
+    <ds:schemaRef ds:uri="http://schemas.microsoft.com/office/2006/documentManagement/types"/>
+    <ds:schemaRef ds:uri="http://purl.org/dc/elements/1.1/"/>
+    <ds:schemaRef ds:uri="http://schemas.microsoft.com/office/2006/metadata/properties"/>
+    <ds:schemaRef ds:uri="d0879fa5-f2db-41a7-8861-4a44e7ee3b24"/>
+    <ds:schemaRef ds:uri="03cb9dc2-e9ea-44ac-afed-001b6fad4f36"/>
+    <ds:schemaRef ds:uri="http://www.w3.org/XML/1998/namespace"/>
+  </ds:schemaRefs>
+</ds:datastoreItem>
 </file>
 
-<file path=customXml/item3.xml><?xml version="1.0" encoding="utf-8"?>
-<p:properties xmlns:p="http://schemas.microsoft.com/office/2006/metadata/properties" xmlns:xsi="http://www.w3.org/2001/XMLSchema-instance" xmlns:pc="http://schemas.microsoft.com/office/infopath/2007/PartnerControls">
-  <documentManagement>
-    <SharedWithUsers xmlns="03cb9dc2-e9ea-44ac-afed-001b6fad4f36">
-      <UserInfo>
-        <DisplayName>LEMARCHAND THOMAS</DisplayName>
-        <AccountId>16</AccountId>
-        <AccountType/>
-      </UserInfo>
-      <UserInfo>
-        <DisplayName>CHERVET Guillaume</DisplayName>
-        <AccountId>84</AccountId>
-        <AccountType/>
-      </UserInfo>
-    </SharedWithUsers>
-  </documentManagement>
-</p:properties>
+<file path=customXml/itemProps2.xml><?xml version="1.0" encoding="utf-8"?>
+<ds:datastoreItem xmlns:ds="http://schemas.openxmlformats.org/officeDocument/2006/customXml" ds:itemID="{05D7AB42-0DA9-4407-9B22-92C435FE7C62}">
+  <ds:schemaRefs>
+    <ds:schemaRef ds:uri="http://schemas.microsoft.com/sharepoint/v3/contenttype/forms"/>
+  </ds:schemaRefs>
+</ds:datastoreItem>
 </file>
 
-<file path=customXml/itemProps1.xml><?xml version="1.0" encoding="utf-8"?>
+<file path=customXml/itemProps3.xml><?xml version="1.0" encoding="utf-8"?>
 <ds:datastoreItem xmlns:ds="http://schemas.openxmlformats.org/officeDocument/2006/customXml" ds:itemID="{C72C7657-97CD-4958-88DD-F8AC87258741}">
   <ds:schemaRefs>
     <ds:schemaRef ds:uri="http://schemas.microsoft.com/office/2006/metadata/contentType"/>
@@ -9694,29 +9728,4 @@
     <ds:schemaRef ds:uri="http://schemas.microsoft.com/internal/obd"/>
   </ds:schemaRefs>
 </ds:datastoreItem>
-</file>
-
-<file path=customXml/itemProps2.xml><?xml version="1.0" encoding="utf-8"?>
-<ds:datastoreItem xmlns:ds="http://schemas.openxmlformats.org/officeDocument/2006/customXml" ds:itemID="{05D7AB42-0DA9-4407-9B22-92C435FE7C62}">
-  <ds:schemaRefs>
-    <ds:schemaRef ds:uri="http://schemas.microsoft.com/sharepoint/v3/contenttype/forms"/>
-  </ds:schemaRefs>
-</ds:datastoreItem>
-</file>
-
-<file path=customXml/itemProps3.xml><?xml version="1.0" encoding="utf-8"?>
-<ds:datastoreItem xmlns:ds="http://schemas.openxmlformats.org/officeDocument/2006/customXml" ds:itemID="{C522BBC0-3E7A-472B-9CC6-34C5EA434DEE}">
-  <ds:schemaRefs>
-    <ds:schemaRef ds:uri="http://purl.org/dc/terms/"/>
-    <ds:schemaRef ds:uri="http://schemas.openxmlformats.org/package/2006/metadata/core-properties"/>
-    <ds:schemaRef ds:uri="http://purl.org/dc/dcmitype/"/>
-    <ds:schemaRef ds:uri="http://schemas.microsoft.com/office/infopath/2007/PartnerControls"/>
-    <ds:schemaRef ds:uri="http://schemas.microsoft.com/office/2006/documentManagement/types"/>
-    <ds:schemaRef ds:uri="http://purl.org/dc/elements/1.1/"/>
-    <ds:schemaRef ds:uri="http://schemas.microsoft.com/office/2006/metadata/properties"/>
-    <ds:schemaRef ds:uri="d0879fa5-f2db-41a7-8861-4a44e7ee3b24"/>
-    <ds:schemaRef ds:uri="03cb9dc2-e9ea-44ac-afed-001b6fad4f36"/>
-    <ds:schemaRef ds:uri="http://www.w3.org/XML/1998/namespace"/>
-  </ds:schemaRefs>
-</ds:datastoreItem>
 </file>
--- a/documentation/slimfaas.pptx
+++ b/documentation/slimfaas.pptx
@@ -6476,8 +6476,8 @@
         </p:nvCxnSpPr>
         <p:spPr>
           <a:xfrm flipV="1">
-            <a:off x="3046235" y="4441930"/>
-            <a:ext cx="1133163" cy="3902"/>
+            <a:off x="3219449" y="4441930"/>
+            <a:ext cx="959949" cy="3902"/>
           </a:xfrm>
           <a:prstGeom prst="straightConnector1">
             <a:avLst/>
@@ -6520,8 +6520,8 @@
         </p:nvSpPr>
         <p:spPr>
           <a:xfrm>
-            <a:off x="140221" y="4122666"/>
-            <a:ext cx="2906014" cy="646331"/>
+            <a:off x="72470" y="4122666"/>
+            <a:ext cx="3146979" cy="646331"/>
           </a:xfrm>
           <a:prstGeom prst="rect">
             <a:avLst/>
@@ -6570,11 +6570,18 @@
               </a:rPr>
               <a:t>fib-event</a:t>
             </a:r>
-            <a:endParaRPr lang="fr-FR" sz="1200" dirty="0">
-              <a:highlight>
-                <a:srgbClr val="00FF00"/>
-              </a:highlight>
-            </a:endParaRPr>
+            <a:r>
+              <a:rPr lang="fr-FR" sz="1200" dirty="0"/>
+              <a:t>/</a:t>
+            </a:r>
+            <a:r>
+              <a:rPr lang="fr-FR" sz="1200" dirty="0">
+                <a:highlight>
+                  <a:srgbClr val="FF6C45"/>
+                </a:highlight>
+              </a:rPr>
+              <a:t>path</a:t>
+            </a:r>
           </a:p>
           <a:p>
             <a:r>
@@ -6649,15 +6656,11 @@
             <a:r>
               <a:rPr lang="fr-FR" sz="1600" dirty="0">
                 <a:highlight>
-                  <a:srgbClr val="00FF00"/>
+                  <a:srgbClr val="FF6C45"/>
                 </a:highlight>
                 <a:hlinkClick r:id="rId3"/>
               </a:rPr>
-              <a:t>fib-event</a:t>
-            </a:r>
-            <a:r>
-              <a:rPr lang="fr-FR" sz="1600" dirty="0"/>
-              <a:t> </a:t>
+              <a:t>path</a:t>
             </a:r>
             <a:br>
               <a:rPr lang="fr-FR" sz="1600" dirty="0"/>
@@ -9436,34 +9439,6 @@
 </file>
 
 <file path=customXml/item1.xml><?xml version="1.0" encoding="utf-8"?>
-<p:properties xmlns:p="http://schemas.microsoft.com/office/2006/metadata/properties" xmlns:xsi="http://www.w3.org/2001/XMLSchema-instance" xmlns:pc="http://schemas.microsoft.com/office/infopath/2007/PartnerControls">
-  <documentManagement>
-    <SharedWithUsers xmlns="03cb9dc2-e9ea-44ac-afed-001b6fad4f36">
-      <UserInfo>
-        <DisplayName>LEMARCHAND THOMAS</DisplayName>
-        <AccountId>16</AccountId>
-        <AccountType/>
-      </UserInfo>
-      <UserInfo>
-        <DisplayName>CHERVET Guillaume</DisplayName>
-        <AccountId>84</AccountId>
-        <AccountType/>
-      </UserInfo>
-    </SharedWithUsers>
-  </documentManagement>
-</p:properties>
-</file>
-
-<file path=customXml/item2.xml><?xml version="1.0" encoding="utf-8"?>
-<?mso-contentType ?>
-<FormTemplates xmlns="http://schemas.microsoft.com/sharepoint/v3/contenttype/forms">
-  <Display>DocumentLibraryForm</Display>
-  <Edit>DocumentLibraryForm</Edit>
-  <New>DocumentLibraryForm</New>
-</FormTemplates>
-</file>
-
-<file path=customXml/item3.xml><?xml version="1.0" encoding="utf-8"?>
 <ct:contentTypeSchema xmlns:ct="http://schemas.microsoft.com/office/2006/metadata/contentType" xmlns:ma="http://schemas.microsoft.com/office/2006/metadata/properties/metaAttributes" ct:_="" ma:_="" ma:contentTypeName="Document" ma:contentTypeID="0x0101003BE0F011240A094E827BA56BE9109944" ma:contentTypeVersion="13" ma:contentTypeDescription="Create a new document." ma:contentTypeScope="" ma:versionID="5dc1144dd420c1d8a9ebf51c7358c8f0">
   <xsd:schema xmlns:xsd="http://www.w3.org/2001/XMLSchema" xmlns:xs="http://www.w3.org/2001/XMLSchema" xmlns:p="http://schemas.microsoft.com/office/2006/metadata/properties" xmlns:ns3="03cb9dc2-e9ea-44ac-afed-001b6fad4f36" xmlns:ns4="d0879fa5-f2db-41a7-8861-4a44e7ee3b24" targetNamespace="http://schemas.microsoft.com/office/2006/metadata/properties" ma:root="true" ma:fieldsID="6dda18631f78ef64168f1da1c53d30ff" ns3:_="" ns4:_="">
     <xsd:import namespace="03cb9dc2-e9ea-44ac-afed-001b6fad4f36"/>
@@ -9686,32 +9661,35 @@
 </ct:contentTypeSchema>
 </file>
 
-<file path=customXml/itemProps1.xml><?xml version="1.0" encoding="utf-8"?>
-<ds:datastoreItem xmlns:ds="http://schemas.openxmlformats.org/officeDocument/2006/customXml" ds:itemID="{C522BBC0-3E7A-472B-9CC6-34C5EA434DEE}">
-  <ds:schemaRefs>
-    <ds:schemaRef ds:uri="http://purl.org/dc/terms/"/>
-    <ds:schemaRef ds:uri="http://schemas.openxmlformats.org/package/2006/metadata/core-properties"/>
-    <ds:schemaRef ds:uri="http://purl.org/dc/dcmitype/"/>
-    <ds:schemaRef ds:uri="http://schemas.microsoft.com/office/infopath/2007/PartnerControls"/>
-    <ds:schemaRef ds:uri="http://schemas.microsoft.com/office/2006/documentManagement/types"/>
-    <ds:schemaRef ds:uri="http://purl.org/dc/elements/1.1/"/>
-    <ds:schemaRef ds:uri="http://schemas.microsoft.com/office/2006/metadata/properties"/>
-    <ds:schemaRef ds:uri="d0879fa5-f2db-41a7-8861-4a44e7ee3b24"/>
-    <ds:schemaRef ds:uri="03cb9dc2-e9ea-44ac-afed-001b6fad4f36"/>
-    <ds:schemaRef ds:uri="http://www.w3.org/XML/1998/namespace"/>
-  </ds:schemaRefs>
-</ds:datastoreItem>
+<file path=customXml/item2.xml><?xml version="1.0" encoding="utf-8"?>
+<?mso-contentType ?>
+<FormTemplates xmlns="http://schemas.microsoft.com/sharepoint/v3/contenttype/forms">
+  <Display>DocumentLibraryForm</Display>
+  <Edit>DocumentLibraryForm</Edit>
+  <New>DocumentLibraryForm</New>
+</FormTemplates>
 </file>
 
-<file path=customXml/itemProps2.xml><?xml version="1.0" encoding="utf-8"?>
-<ds:datastoreItem xmlns:ds="http://schemas.openxmlformats.org/officeDocument/2006/customXml" ds:itemID="{05D7AB42-0DA9-4407-9B22-92C435FE7C62}">
-  <ds:schemaRefs>
-    <ds:schemaRef ds:uri="http://schemas.microsoft.com/sharepoint/v3/contenttype/forms"/>
-  </ds:schemaRefs>
-</ds:datastoreItem>
+<file path=customXml/item3.xml><?xml version="1.0" encoding="utf-8"?>
+<p:properties xmlns:p="http://schemas.microsoft.com/office/2006/metadata/properties" xmlns:xsi="http://www.w3.org/2001/XMLSchema-instance" xmlns:pc="http://schemas.microsoft.com/office/infopath/2007/PartnerControls">
+  <documentManagement>
+    <SharedWithUsers xmlns="03cb9dc2-e9ea-44ac-afed-001b6fad4f36">
+      <UserInfo>
+        <DisplayName>LEMARCHAND THOMAS</DisplayName>
+        <AccountId>16</AccountId>
+        <AccountType/>
+      </UserInfo>
+      <UserInfo>
+        <DisplayName>CHERVET Guillaume</DisplayName>
+        <AccountId>84</AccountId>
+        <AccountType/>
+      </UserInfo>
+    </SharedWithUsers>
+  </documentManagement>
+</p:properties>
 </file>
 
-<file path=customXml/itemProps3.xml><?xml version="1.0" encoding="utf-8"?>
+<file path=customXml/itemProps1.xml><?xml version="1.0" encoding="utf-8"?>
 <ds:datastoreItem xmlns:ds="http://schemas.openxmlformats.org/officeDocument/2006/customXml" ds:itemID="{C72C7657-97CD-4958-88DD-F8AC87258741}">
   <ds:schemaRefs>
     <ds:schemaRef ds:uri="http://schemas.microsoft.com/office/2006/metadata/contentType"/>
@@ -9728,4 +9706,29 @@
     <ds:schemaRef ds:uri="http://schemas.microsoft.com/internal/obd"/>
   </ds:schemaRefs>
 </ds:datastoreItem>
+</file>
+
+<file path=customXml/itemProps2.xml><?xml version="1.0" encoding="utf-8"?>
+<ds:datastoreItem xmlns:ds="http://schemas.openxmlformats.org/officeDocument/2006/customXml" ds:itemID="{05D7AB42-0DA9-4407-9B22-92C435FE7C62}">
+  <ds:schemaRefs>
+    <ds:schemaRef ds:uri="http://schemas.microsoft.com/sharepoint/v3/contenttype/forms"/>
+  </ds:schemaRefs>
+</ds:datastoreItem>
+</file>
+
+<file path=customXml/itemProps3.xml><?xml version="1.0" encoding="utf-8"?>
+<ds:datastoreItem xmlns:ds="http://schemas.openxmlformats.org/officeDocument/2006/customXml" ds:itemID="{C522BBC0-3E7A-472B-9CC6-34C5EA434DEE}">
+  <ds:schemaRefs>
+    <ds:schemaRef ds:uri="http://purl.org/dc/terms/"/>
+    <ds:schemaRef ds:uri="http://schemas.openxmlformats.org/package/2006/metadata/core-properties"/>
+    <ds:schemaRef ds:uri="http://purl.org/dc/dcmitype/"/>
+    <ds:schemaRef ds:uri="http://schemas.microsoft.com/office/infopath/2007/PartnerControls"/>
+    <ds:schemaRef ds:uri="http://schemas.microsoft.com/office/2006/documentManagement/types"/>
+    <ds:schemaRef ds:uri="http://purl.org/dc/elements/1.1/"/>
+    <ds:schemaRef ds:uri="http://schemas.microsoft.com/office/2006/metadata/properties"/>
+    <ds:schemaRef ds:uri="d0879fa5-f2db-41a7-8861-4a44e7ee3b24"/>
+    <ds:schemaRef ds:uri="03cb9dc2-e9ea-44ac-afed-001b6fad4f36"/>
+    <ds:schemaRef ds:uri="http://www.w3.org/XML/1998/namespace"/>
+  </ds:schemaRefs>
+</ds:datastoreItem>
 </file>
--- a/documentation/slimfaas.pptx
+++ b/documentation/slimfaas.pptx
@@ -5,16 +5,18 @@
     <p:sldMasterId id="2147483648" r:id="rId4"/>
   </p:sldMasterIdLst>
   <p:notesMasterIdLst>
-    <p:notesMasterId r:id="rId9"/>
+    <p:notesMasterId r:id="rId11"/>
   </p:notesMasterIdLst>
   <p:handoutMasterIdLst>
-    <p:handoutMasterId r:id="rId10"/>
+    <p:handoutMasterId r:id="rId12"/>
   </p:handoutMasterIdLst>
   <p:sldIdLst>
-    <p:sldId id="891" r:id="rId5"/>
-    <p:sldId id="892" r:id="rId6"/>
-    <p:sldId id="893" r:id="rId7"/>
-    <p:sldId id="894" r:id="rId8"/>
+    <p:sldId id="681" r:id="rId5"/>
+    <p:sldId id="895" r:id="rId6"/>
+    <p:sldId id="892" r:id="rId7"/>
+    <p:sldId id="891" r:id="rId8"/>
+    <p:sldId id="893" r:id="rId9"/>
+    <p:sldId id="894" r:id="rId10"/>
   </p:sldIdLst>
   <p:sldSz cx="12192000" cy="6858000"/>
   <p:notesSz cx="6858000" cy="9144000"/>
@@ -118,8 +120,10 @@
       <p14:sectionLst xmlns:p14="http://schemas.microsoft.com/office/powerpoint/2010/main">
         <p14:section name="V1" id="{10A21BAB-C4AD-1B4A-8931-DCECE890AF5A}">
           <p14:sldIdLst>
+            <p14:sldId id="681"/>
+            <p14:sldId id="895"/>
+            <p14:sldId id="892"/>
             <p14:sldId id="891"/>
-            <p14:sldId id="892"/>
             <p14:sldId id="893"/>
             <p14:sldId id="894"/>
           </p14:sldIdLst>
@@ -238,7 +242,7 @@
           <a:p>
             <a:fld id="{F60FFC85-34C0-4167-8801-71D65E4D986C}" type="datetimeFigureOut">
               <a:rPr lang="fr-FR" smtClean="0"/>
-              <a:t>11/06/2024</a:t>
+              <a:t>21/06/2024</a:t>
             </a:fld>
             <a:endParaRPr lang="fr-FR"/>
           </a:p>
@@ -415,7 +419,7 @@
           <a:p>
             <a:fld id="{F2EE8696-3B2B-7D49-B212-A8F746F3A84B}" type="datetimeFigureOut">
               <a:rPr lang="es-ES_tradnl" smtClean="0"/>
-              <a:t>11/06/2024</a:t>
+              <a:t>21/06/2024</a:t>
             </a:fld>
             <a:endParaRPr lang="es-ES_tradnl"/>
           </a:p>
@@ -742,7 +746,25 @@
                 <a:ea typeface="Times New Roman" panose="02020603050405020304" pitchFamily="18" charset="0"/>
                 <a:cs typeface="Times New Roman" panose="02020603050405020304" pitchFamily="18" charset="0"/>
               </a:rPr>
-              <a:t>How does it technically work? We use functions. Each algorithm is hosted on a function. This function listens to a Queue as input and as soon as it has free time, it will be able to pop the messages that come from the Queue and to process them.</a:t>
+              <a:t>What is </a:t>
+            </a:r>
+            <a:r>
+              <a:rPr lang="en-US" sz="1800" dirty="0" err="1">
+                <a:effectLst/>
+                <a:latin typeface="Calibri" panose="020F0502020204030204" pitchFamily="34" charset="0"/>
+                <a:ea typeface="Times New Roman" panose="02020603050405020304" pitchFamily="18" charset="0"/>
+                <a:cs typeface="Times New Roman" panose="02020603050405020304" pitchFamily="18" charset="0"/>
+              </a:rPr>
+              <a:t>MLOps</a:t>
+            </a:r>
+            <a:r>
+              <a:rPr lang="en-US" sz="1800" dirty="0">
+                <a:effectLst/>
+                <a:latin typeface="Calibri" panose="020F0502020204030204" pitchFamily="34" charset="0"/>
+                <a:ea typeface="Times New Roman" panose="02020603050405020304" pitchFamily="18" charset="0"/>
+                <a:cs typeface="Times New Roman" panose="02020603050405020304" pitchFamily="18" charset="0"/>
+              </a:rPr>
+              <a:t>? This is all things that will help and support the fact of bringing artificial intelligence algorithms into production, it is not about tools or technologies; it is mainly a question of culture and good practice.</a:t>
             </a:r>
             <a:endParaRPr lang="fr-FR" sz="1800" dirty="0">
               <a:effectLst/>
@@ -767,7 +789,7 @@
                 <a:ea typeface="Times New Roman" panose="02020603050405020304" pitchFamily="18" charset="0"/>
                 <a:cs typeface="Times New Roman" panose="02020603050405020304" pitchFamily="18" charset="0"/>
               </a:rPr>
-              <a:t>For example, let’s take the SPLITTER which extracts each page of a PDF an image, the function will retrieve a message with a file identifier from the Queue, the files are stored in REDIS. With the identifier, we will fetch the document from REDIS to run our algorithms and for example if we have a PDF with 2 pages, we will extract 2 images then generate 2 identifiers; push the images into REDIS with them. We finally add 2 messages in the downstream QUEUE to be able to call the following service, in this case the Zoning of the French driver license.</a:t>
+              <a:t>Hi, my name is Guillaume Chervet, I'm an ML engineer at AXA France. Basically, I define my role as helping data scientists to bring AI algorithms into production.</a:t>
             </a:r>
             <a:endParaRPr lang="fr-FR" sz="1800" dirty="0">
               <a:effectLst/>
@@ -777,14 +799,57 @@
             </a:endParaRPr>
           </a:p>
           <a:p>
-            <a:r>
-              <a:rPr lang="fr-FR" dirty="0" err="1"/>
-              <a:t>Éé</a:t>
-            </a:r>
-            <a:r>
-              <a:rPr lang="fr-FR" dirty="0"/>
-              <a:t> »3</a:t>
-            </a:r>
+            <a:pPr>
+              <a:lnSpc>
+                <a:spcPct val="107000"/>
+              </a:lnSpc>
+              <a:spcAft>
+                <a:spcPts val="800"/>
+              </a:spcAft>
+            </a:pPr>
+            <a:r>
+              <a:rPr lang="en-US" sz="1800" dirty="0">
+                <a:effectLst/>
+                <a:latin typeface="Calibri" panose="020F0502020204030204" pitchFamily="34" charset="0"/>
+                <a:ea typeface="Times New Roman" panose="02020603050405020304" pitchFamily="18" charset="0"/>
+                <a:cs typeface="Times New Roman" panose="02020603050405020304" pitchFamily="18" charset="0"/>
+              </a:rPr>
+              <a:t>I‘m part of a team that works on real-time automatic document understanding projects. Generally, this kind of projects implements one or more Deep Learning algorithms.</a:t>
+            </a:r>
+            <a:endParaRPr lang="fr-FR" sz="1800" dirty="0">
+              <a:effectLst/>
+              <a:latin typeface="Calibri" panose="020F0502020204030204" pitchFamily="34" charset="0"/>
+              <a:ea typeface="Times New Roman" panose="02020603050405020304" pitchFamily="18" charset="0"/>
+              <a:cs typeface="Times New Roman" panose="02020603050405020304" pitchFamily="18" charset="0"/>
+            </a:endParaRPr>
+          </a:p>
+          <a:p>
+            <a:pPr>
+              <a:lnSpc>
+                <a:spcPct val="107000"/>
+              </a:lnSpc>
+              <a:spcAft>
+                <a:spcPts val="800"/>
+              </a:spcAft>
+            </a:pPr>
+            <a:r>
+              <a:rPr lang="en-US" sz="1800" dirty="0">
+                <a:effectLst/>
+                <a:latin typeface="Calibri" panose="020F0502020204030204" pitchFamily="34" charset="0"/>
+                <a:ea typeface="Times New Roman" panose="02020603050405020304" pitchFamily="18" charset="0"/>
+                <a:cs typeface="Times New Roman" panose="02020603050405020304" pitchFamily="18" charset="0"/>
+              </a:rPr>
+              <a:t>Today, almost 80% of projects fail at the production stage. This does not surprise me because, this kind of projects are on the top complexities in all areas, all factors are met to make them fail.</a:t>
+            </a:r>
+            <a:endParaRPr lang="fr-FR" sz="1800" dirty="0">
+              <a:effectLst/>
+              <a:latin typeface="Calibri" panose="020F0502020204030204" pitchFamily="34" charset="0"/>
+              <a:ea typeface="Times New Roman" panose="02020603050405020304" pitchFamily="18" charset="0"/>
+              <a:cs typeface="Times New Roman" panose="02020603050405020304" pitchFamily="18" charset="0"/>
+            </a:endParaRPr>
+          </a:p>
+          <a:p>
+            <a:endParaRPr lang="fr-FR" dirty="0"/>
           </a:p>
         </p:txBody>
       </p:sp>
@@ -803,18 +868,18 @@
           <a:bodyPr/>
           <a:lstStyle/>
           <a:p>
-            <a:fld id="{3252C3A3-8174-F141-B491-7F0E98D116D0}" type="slidenum">
-              <a:rPr lang="es-ES_tradnl" smtClean="0"/>
+            <a:fld id="{41D9B09E-5FFF-4CF4-B58E-AF0ABC0A1F2F}" type="slidenum">
+              <a:rPr lang="fr-FR" smtClean="0"/>
               <a:t>1</a:t>
             </a:fld>
-            <a:endParaRPr lang="es-ES_tradnl"/>
+            <a:endParaRPr lang="fr-FR"/>
           </a:p>
         </p:txBody>
       </p:sp>
     </p:spTree>
     <p:extLst>
       <p:ext uri="{BB962C8B-B14F-4D97-AF65-F5344CB8AC3E}">
-        <p14:creationId xmlns:p14="http://schemas.microsoft.com/office/powerpoint/2010/main" val="802769483"/>
+        <p14:creationId xmlns:p14="http://schemas.microsoft.com/office/powerpoint/2010/main" val="2405781670"/>
       </p:ext>
     </p:extLst>
   </p:cSld>
@@ -946,7 +1011,7 @@
           <a:p>
             <a:fld id="{3252C3A3-8174-F141-B491-7F0E98D116D0}" type="slidenum">
               <a:rPr lang="es-ES_tradnl" smtClean="0"/>
-              <a:t>2</a:t>
+              <a:t>3</a:t>
             </a:fld>
             <a:endParaRPr lang="es-ES_tradnl"/>
           </a:p>
@@ -956,6 +1021,147 @@
     <p:extLst>
       <p:ext uri="{BB962C8B-B14F-4D97-AF65-F5344CB8AC3E}">
         <p14:creationId xmlns:p14="http://schemas.microsoft.com/office/powerpoint/2010/main" val="2599060178"/>
+      </p:ext>
+    </p:extLst>
+  </p:cSld>
+  <p:clrMapOvr>
+    <a:masterClrMapping/>
+  </p:clrMapOvr>
+</p:notes>
+</file>
+
+<file path=ppt/notesSlides/notesSlide3.xml><?xml version="1.0" encoding="utf-8"?>
+<p:notes xmlns:a="http://schemas.openxmlformats.org/drawingml/2006/main" xmlns:r="http://schemas.openxmlformats.org/officeDocument/2006/relationships" xmlns:p="http://schemas.openxmlformats.org/presentationml/2006/main">
+  <p:cSld>
+    <p:spTree>
+      <p:nvGrpSpPr>
+        <p:cNvPr id="1" name=""/>
+        <p:cNvGrpSpPr/>
+        <p:nvPr/>
+      </p:nvGrpSpPr>
+      <p:grpSpPr>
+        <a:xfrm>
+          <a:off x="0" y="0"/>
+          <a:ext cx="0" cy="0"/>
+          <a:chOff x="0" y="0"/>
+          <a:chExt cx="0" cy="0"/>
+        </a:xfrm>
+      </p:grpSpPr>
+      <p:sp>
+        <p:nvSpPr>
+          <p:cNvPr id="2" name="Espace réservé de l'image des diapositives 1"/>
+          <p:cNvSpPr>
+            <a:spLocks noGrp="1" noRot="1" noChangeAspect="1"/>
+          </p:cNvSpPr>
+          <p:nvPr>
+            <p:ph type="sldImg"/>
+          </p:nvPr>
+        </p:nvSpPr>
+        <p:spPr/>
+      </p:sp>
+      <p:sp>
+        <p:nvSpPr>
+          <p:cNvPr id="3" name="Espace réservé des notes 2"/>
+          <p:cNvSpPr>
+            <a:spLocks noGrp="1"/>
+          </p:cNvSpPr>
+          <p:nvPr>
+            <p:ph type="body" idx="1"/>
+          </p:nvPr>
+        </p:nvSpPr>
+        <p:spPr/>
+        <p:txBody>
+          <a:bodyPr/>
+          <a:lstStyle/>
+          <a:p>
+            <a:pPr>
+              <a:lnSpc>
+                <a:spcPct val="107000"/>
+              </a:lnSpc>
+              <a:spcAft>
+                <a:spcPts val="800"/>
+              </a:spcAft>
+            </a:pPr>
+            <a:r>
+              <a:rPr lang="en-US" sz="1800" dirty="0">
+                <a:effectLst/>
+                <a:latin typeface="Calibri" panose="020F0502020204030204" pitchFamily="34" charset="0"/>
+                <a:ea typeface="Times New Roman" panose="02020603050405020304" pitchFamily="18" charset="0"/>
+                <a:cs typeface="Times New Roman" panose="02020603050405020304" pitchFamily="18" charset="0"/>
+              </a:rPr>
+              <a:t>How does it technically work? We use functions. Each algorithm is hosted on a function. This function listens to a Queue as input and as soon as it has free time, it will be able to pop the messages that come from the Queue and to process them.</a:t>
+            </a:r>
+            <a:endParaRPr lang="fr-FR" sz="1800" dirty="0">
+              <a:effectLst/>
+              <a:latin typeface="Calibri" panose="020F0502020204030204" pitchFamily="34" charset="0"/>
+              <a:ea typeface="Times New Roman" panose="02020603050405020304" pitchFamily="18" charset="0"/>
+              <a:cs typeface="Times New Roman" panose="02020603050405020304" pitchFamily="18" charset="0"/>
+            </a:endParaRPr>
+          </a:p>
+          <a:p>
+            <a:pPr>
+              <a:lnSpc>
+                <a:spcPct val="107000"/>
+              </a:lnSpc>
+              <a:spcAft>
+                <a:spcPts val="800"/>
+              </a:spcAft>
+            </a:pPr>
+            <a:r>
+              <a:rPr lang="en-US" sz="1800" dirty="0">
+                <a:effectLst/>
+                <a:latin typeface="Calibri" panose="020F0502020204030204" pitchFamily="34" charset="0"/>
+                <a:ea typeface="Times New Roman" panose="02020603050405020304" pitchFamily="18" charset="0"/>
+                <a:cs typeface="Times New Roman" panose="02020603050405020304" pitchFamily="18" charset="0"/>
+              </a:rPr>
+              <a:t>For example, let’s take the SPLITTER which extracts each page of a PDF an image, the function will retrieve a message with a file identifier from the Queue, the files are stored in REDIS. With the identifier, we will fetch the document from REDIS to run our algorithms and for example if we have a PDF with 2 pages, we will extract 2 images then generate 2 identifiers; push the images into REDIS with them. We finally add 2 messages in the downstream QUEUE to be able to call the following service, in this case the Zoning of the French driver license.</a:t>
+            </a:r>
+            <a:endParaRPr lang="fr-FR" sz="1800" dirty="0">
+              <a:effectLst/>
+              <a:latin typeface="Calibri" panose="020F0502020204030204" pitchFamily="34" charset="0"/>
+              <a:ea typeface="Times New Roman" panose="02020603050405020304" pitchFamily="18" charset="0"/>
+              <a:cs typeface="Times New Roman" panose="02020603050405020304" pitchFamily="18" charset="0"/>
+            </a:endParaRPr>
+          </a:p>
+          <a:p>
+            <a:r>
+              <a:rPr lang="fr-FR" dirty="0" err="1"/>
+              <a:t>Éé</a:t>
+            </a:r>
+            <a:r>
+              <a:rPr lang="fr-FR" dirty="0"/>
+              <a:t> »3</a:t>
+            </a:r>
+          </a:p>
+        </p:txBody>
+      </p:sp>
+      <p:sp>
+        <p:nvSpPr>
+          <p:cNvPr id="4" name="Espace réservé du numéro de diapositive 3"/>
+          <p:cNvSpPr>
+            <a:spLocks noGrp="1"/>
+          </p:cNvSpPr>
+          <p:nvPr>
+            <p:ph type="sldNum" sz="quarter" idx="5"/>
+          </p:nvPr>
+        </p:nvSpPr>
+        <p:spPr/>
+        <p:txBody>
+          <a:bodyPr/>
+          <a:lstStyle/>
+          <a:p>
+            <a:fld id="{3252C3A3-8174-F141-B491-7F0E98D116D0}" type="slidenum">
+              <a:rPr lang="es-ES_tradnl" smtClean="0"/>
+              <a:t>4</a:t>
+            </a:fld>
+            <a:endParaRPr lang="es-ES_tradnl"/>
+          </a:p>
+        </p:txBody>
+      </p:sp>
+    </p:spTree>
+    <p:extLst>
+      <p:ext uri="{BB962C8B-B14F-4D97-AF65-F5344CB8AC3E}">
+        <p14:creationId xmlns:p14="http://schemas.microsoft.com/office/powerpoint/2010/main" val="802769483"/>
       </p:ext>
     </p:extLst>
   </p:cSld>
@@ -1112,7 +1318,7 @@
           <a:p>
             <a:fld id="{80160E5B-2E24-B941-8DE0-C0A90C36B7C5}" type="datetimeFigureOut">
               <a:rPr lang="en-GB" smtClean="0"/>
-              <a:t>11/06/2024</a:t>
+              <a:t>21/06/2024</a:t>
             </a:fld>
             <a:endParaRPr lang="en-GB"/>
           </a:p>
@@ -1310,7 +1516,7 @@
           <a:p>
             <a:fld id="{80160E5B-2E24-B941-8DE0-C0A90C36B7C5}" type="datetimeFigureOut">
               <a:rPr lang="en-GB" smtClean="0"/>
-              <a:t>11/06/2024</a:t>
+              <a:t>21/06/2024</a:t>
             </a:fld>
             <a:endParaRPr lang="en-GB"/>
           </a:p>
@@ -1557,7 +1763,7 @@
           <a:p>
             <a:fld id="{80160E5B-2E24-B941-8DE0-C0A90C36B7C5}" type="datetimeFigureOut">
               <a:rPr lang="en-GB" smtClean="0"/>
-              <a:t>11/06/2024</a:t>
+              <a:t>21/06/2024</a:t>
             </a:fld>
             <a:endParaRPr lang="en-GB"/>
           </a:p>
@@ -1776,7 +1982,7 @@
           <a:p>
             <a:fld id="{80160E5B-2E24-B941-8DE0-C0A90C36B7C5}" type="datetimeFigureOut">
               <a:rPr lang="en-GB" smtClean="0"/>
-              <a:t>11/06/2024</a:t>
+              <a:t>21/06/2024</a:t>
             </a:fld>
             <a:endParaRPr lang="en-GB"/>
           </a:p>
@@ -2051,7 +2257,7 @@
           <a:p>
             <a:fld id="{80160E5B-2E24-B941-8DE0-C0A90C36B7C5}" type="datetimeFigureOut">
               <a:rPr lang="en-GB" smtClean="0"/>
-              <a:t>11/06/2024</a:t>
+              <a:t>21/06/2024</a:t>
             </a:fld>
             <a:endParaRPr lang="en-GB"/>
           </a:p>
@@ -2355,7 +2561,7 @@
           <a:p>
             <a:fld id="{80160E5B-2E24-B941-8DE0-C0A90C36B7C5}" type="datetimeFigureOut">
               <a:rPr lang="en-GB" smtClean="0"/>
-              <a:t>11/06/2024</a:t>
+              <a:t>21/06/2024</a:t>
             </a:fld>
             <a:endParaRPr lang="en-GB"/>
           </a:p>
@@ -2806,7 +3012,7 @@
           <a:p>
             <a:fld id="{80160E5B-2E24-B941-8DE0-C0A90C36B7C5}" type="datetimeFigureOut">
               <a:rPr lang="en-GB" smtClean="0"/>
-              <a:t>11/06/2024</a:t>
+              <a:t>21/06/2024</a:t>
             </a:fld>
             <a:endParaRPr lang="en-GB"/>
           </a:p>
@@ -2986,7 +3192,7 @@
           <a:p>
             <a:fld id="{80160E5B-2E24-B941-8DE0-C0A90C36B7C5}" type="datetimeFigureOut">
               <a:rPr lang="en-GB" smtClean="0"/>
-              <a:t>11/06/2024</a:t>
+              <a:t>21/06/2024</a:t>
             </a:fld>
             <a:endParaRPr lang="en-GB"/>
           </a:p>
@@ -3138,7 +3344,7 @@
           <a:p>
             <a:fld id="{80160E5B-2E24-B941-8DE0-C0A90C36B7C5}" type="datetimeFigureOut">
               <a:rPr lang="en-GB" smtClean="0"/>
-              <a:t>11/06/2024</a:t>
+              <a:t>21/06/2024</a:t>
             </a:fld>
             <a:endParaRPr lang="en-GB"/>
           </a:p>
@@ -3488,7 +3694,7 @@
           <a:p>
             <a:fld id="{80160E5B-2E24-B941-8DE0-C0A90C36B7C5}" type="datetimeFigureOut">
               <a:rPr lang="en-GB" smtClean="0"/>
-              <a:t>11/06/2024</a:t>
+              <a:t>21/06/2024</a:t>
             </a:fld>
             <a:endParaRPr lang="en-GB"/>
           </a:p>
@@ -3815,7 +4021,7 @@
           <a:p>
             <a:fld id="{80160E5B-2E24-B941-8DE0-C0A90C36B7C5}" type="datetimeFigureOut">
               <a:rPr lang="en-GB" smtClean="0"/>
-              <a:t>11/06/2024</a:t>
+              <a:t>21/06/2024</a:t>
             </a:fld>
             <a:endParaRPr lang="en-GB"/>
           </a:p>
@@ -4095,7 +4301,7 @@
           <a:p>
             <a:fld id="{80160E5B-2E24-B941-8DE0-C0A90C36B7C5}" type="datetimeFigureOut">
               <a:rPr lang="en-GB" smtClean="0"/>
-              <a:t>11/06/2024</a:t>
+              <a:t>21/06/2024</a:t>
             </a:fld>
             <a:endParaRPr lang="en-GB"/>
           </a:p>
@@ -4610,10 +4816,10 @@
       </p:grpSpPr>
       <p:sp>
         <p:nvSpPr>
-          <p:cNvPr id="17" name="Rectangle 16">
-            <a:extLst>
-              <a:ext uri="{FF2B5EF4-FFF2-40B4-BE49-F238E27FC236}">
-                <a16:creationId xmlns:a16="http://schemas.microsoft.com/office/drawing/2014/main" id="{83C60C87-609E-41AB-8E66-C44853DB93B6}"/>
+          <p:cNvPr id="15" name="Bande diagonale 14">
+            <a:extLst>
+              <a:ext uri="{FF2B5EF4-FFF2-40B4-BE49-F238E27FC236}">
+                <a16:creationId xmlns:a16="http://schemas.microsoft.com/office/drawing/2014/main" id="{3ABE3782-318A-3449-ADA0-25CC72099B70}"/>
               </a:ext>
             </a:extLst>
           </p:cNvPr>
@@ -4622,14 +4828,135 @@
         </p:nvSpPr>
         <p:spPr>
           <a:xfrm>
-            <a:off x="95250" y="6604378"/>
-            <a:ext cx="6305550" cy="253622"/>
-          </a:xfrm>
-          <a:prstGeom prst="rect">
+            <a:off x="0" y="0"/>
+            <a:ext cx="3175000" cy="3175000"/>
+          </a:xfrm>
+          <a:custGeom>
             <a:avLst/>
-          </a:prstGeom>
+            <a:gdLst>
+              <a:gd name="connsiteX0" fmla="*/ 0 w 3175000"/>
+              <a:gd name="connsiteY0" fmla="*/ 1587500 h 3175000"/>
+              <a:gd name="connsiteX1" fmla="*/ 1587500 w 3175000"/>
+              <a:gd name="connsiteY1" fmla="*/ 0 h 3175000"/>
+              <a:gd name="connsiteX2" fmla="*/ 3175000 w 3175000"/>
+              <a:gd name="connsiteY2" fmla="*/ 0 h 3175000"/>
+              <a:gd name="connsiteX3" fmla="*/ 0 w 3175000"/>
+              <a:gd name="connsiteY3" fmla="*/ 3175000 h 3175000"/>
+              <a:gd name="connsiteX4" fmla="*/ 0 w 3175000"/>
+              <a:gd name="connsiteY4" fmla="*/ 1587500 h 3175000"/>
+              <a:gd name="connsiteX0" fmla="*/ 0 w 3175000"/>
+              <a:gd name="connsiteY0" fmla="*/ 2374900 h 3175000"/>
+              <a:gd name="connsiteX1" fmla="*/ 1587500 w 3175000"/>
+              <a:gd name="connsiteY1" fmla="*/ 0 h 3175000"/>
+              <a:gd name="connsiteX2" fmla="*/ 3175000 w 3175000"/>
+              <a:gd name="connsiteY2" fmla="*/ 0 h 3175000"/>
+              <a:gd name="connsiteX3" fmla="*/ 0 w 3175000"/>
+              <a:gd name="connsiteY3" fmla="*/ 3175000 h 3175000"/>
+              <a:gd name="connsiteX4" fmla="*/ 0 w 3175000"/>
+              <a:gd name="connsiteY4" fmla="*/ 2374900 h 3175000"/>
+              <a:gd name="connsiteX0" fmla="*/ 0 w 3175000"/>
+              <a:gd name="connsiteY0" fmla="*/ 2374900 h 3175000"/>
+              <a:gd name="connsiteX1" fmla="*/ 2400300 w 3175000"/>
+              <a:gd name="connsiteY1" fmla="*/ 0 h 3175000"/>
+              <a:gd name="connsiteX2" fmla="*/ 3175000 w 3175000"/>
+              <a:gd name="connsiteY2" fmla="*/ 0 h 3175000"/>
+              <a:gd name="connsiteX3" fmla="*/ 0 w 3175000"/>
+              <a:gd name="connsiteY3" fmla="*/ 3175000 h 3175000"/>
+              <a:gd name="connsiteX4" fmla="*/ 0 w 3175000"/>
+              <a:gd name="connsiteY4" fmla="*/ 2374900 h 3175000"/>
+              <a:gd name="connsiteX0" fmla="*/ 0 w 3175000"/>
+              <a:gd name="connsiteY0" fmla="*/ 2374900 h 3175000"/>
+              <a:gd name="connsiteX1" fmla="*/ 2336800 w 3175000"/>
+              <a:gd name="connsiteY1" fmla="*/ 12700 h 3175000"/>
+              <a:gd name="connsiteX2" fmla="*/ 3175000 w 3175000"/>
+              <a:gd name="connsiteY2" fmla="*/ 0 h 3175000"/>
+              <a:gd name="connsiteX3" fmla="*/ 0 w 3175000"/>
+              <a:gd name="connsiteY3" fmla="*/ 3175000 h 3175000"/>
+              <a:gd name="connsiteX4" fmla="*/ 0 w 3175000"/>
+              <a:gd name="connsiteY4" fmla="*/ 2374900 h 3175000"/>
+              <a:gd name="connsiteX0" fmla="*/ 0 w 3175000"/>
+              <a:gd name="connsiteY0" fmla="*/ 2400300 h 3200400"/>
+              <a:gd name="connsiteX1" fmla="*/ 2374900 w 3175000"/>
+              <a:gd name="connsiteY1" fmla="*/ 0 h 3200400"/>
+              <a:gd name="connsiteX2" fmla="*/ 3175000 w 3175000"/>
+              <a:gd name="connsiteY2" fmla="*/ 25400 h 3200400"/>
+              <a:gd name="connsiteX3" fmla="*/ 0 w 3175000"/>
+              <a:gd name="connsiteY3" fmla="*/ 3200400 h 3200400"/>
+              <a:gd name="connsiteX4" fmla="*/ 0 w 3175000"/>
+              <a:gd name="connsiteY4" fmla="*/ 2400300 h 3200400"/>
+              <a:gd name="connsiteX0" fmla="*/ 0 w 3175000"/>
+              <a:gd name="connsiteY0" fmla="*/ 2374900 h 3175000"/>
+              <a:gd name="connsiteX1" fmla="*/ 2349500 w 3175000"/>
+              <a:gd name="connsiteY1" fmla="*/ 25400 h 3175000"/>
+              <a:gd name="connsiteX2" fmla="*/ 3175000 w 3175000"/>
+              <a:gd name="connsiteY2" fmla="*/ 0 h 3175000"/>
+              <a:gd name="connsiteX3" fmla="*/ 0 w 3175000"/>
+              <a:gd name="connsiteY3" fmla="*/ 3175000 h 3175000"/>
+              <a:gd name="connsiteX4" fmla="*/ 0 w 3175000"/>
+              <a:gd name="connsiteY4" fmla="*/ 2374900 h 3175000"/>
+              <a:gd name="connsiteX0" fmla="*/ 0 w 3175000"/>
+              <a:gd name="connsiteY0" fmla="*/ 2374900 h 3175000"/>
+              <a:gd name="connsiteX1" fmla="*/ 2425700 w 3175000"/>
+              <a:gd name="connsiteY1" fmla="*/ 0 h 3175000"/>
+              <a:gd name="connsiteX2" fmla="*/ 3175000 w 3175000"/>
+              <a:gd name="connsiteY2" fmla="*/ 0 h 3175000"/>
+              <a:gd name="connsiteX3" fmla="*/ 0 w 3175000"/>
+              <a:gd name="connsiteY3" fmla="*/ 3175000 h 3175000"/>
+              <a:gd name="connsiteX4" fmla="*/ 0 w 3175000"/>
+              <a:gd name="connsiteY4" fmla="*/ 2374900 h 3175000"/>
+              <a:gd name="connsiteX0" fmla="*/ 0 w 3175000"/>
+              <a:gd name="connsiteY0" fmla="*/ 2374900 h 3175000"/>
+              <a:gd name="connsiteX1" fmla="*/ 2362200 w 3175000"/>
+              <a:gd name="connsiteY1" fmla="*/ 12700 h 3175000"/>
+              <a:gd name="connsiteX2" fmla="*/ 3175000 w 3175000"/>
+              <a:gd name="connsiteY2" fmla="*/ 0 h 3175000"/>
+              <a:gd name="connsiteX3" fmla="*/ 0 w 3175000"/>
+              <a:gd name="connsiteY3" fmla="*/ 3175000 h 3175000"/>
+              <a:gd name="connsiteX4" fmla="*/ 0 w 3175000"/>
+              <a:gd name="connsiteY4" fmla="*/ 2374900 h 3175000"/>
+            </a:gdLst>
+            <a:ahLst/>
+            <a:cxnLst>
+              <a:cxn ang="0">
+                <a:pos x="connsiteX0" y="connsiteY0"/>
+              </a:cxn>
+              <a:cxn ang="0">
+                <a:pos x="connsiteX1" y="connsiteY1"/>
+              </a:cxn>
+              <a:cxn ang="0">
+                <a:pos x="connsiteX2" y="connsiteY2"/>
+              </a:cxn>
+              <a:cxn ang="0">
+                <a:pos x="connsiteX3" y="connsiteY3"/>
+              </a:cxn>
+              <a:cxn ang="0">
+                <a:pos x="connsiteX4" y="connsiteY4"/>
+              </a:cxn>
+            </a:cxnLst>
+            <a:rect l="l" t="t" r="r" b="b"/>
+            <a:pathLst>
+              <a:path w="3175000" h="3175000">
+                <a:moveTo>
+                  <a:pt x="0" y="2374900"/>
+                </a:moveTo>
+                <a:lnTo>
+                  <a:pt x="2362200" y="12700"/>
+                </a:lnTo>
+                <a:lnTo>
+                  <a:pt x="3175000" y="0"/>
+                </a:lnTo>
+                <a:lnTo>
+                  <a:pt x="0" y="3175000"/>
+                </a:lnTo>
+                <a:lnTo>
+                  <a:pt x="0" y="2374900"/>
+                </a:lnTo>
+                <a:close/>
+              </a:path>
+            </a:pathLst>
+          </a:custGeom>
           <a:solidFill>
-            <a:schemeClr val="bg1"/>
+            <a:srgbClr val="FF0000"/>
           </a:solidFill>
           <a:ln>
             <a:noFill/>
@@ -4656,16 +4983,59 @@
           <a:lstStyle/>
           <a:p>
             <a:pPr algn="ctr"/>
-            <a:endParaRPr lang="fr-FR"/>
-          </a:p>
-        </p:txBody>
-      </p:sp>
-      <p:sp>
-        <p:nvSpPr>
-          <p:cNvPr id="15" name="Rectangle : coins arrondis 14">
-            <a:extLst>
-              <a:ext uri="{FF2B5EF4-FFF2-40B4-BE49-F238E27FC236}">
-                <a16:creationId xmlns:a16="http://schemas.microsoft.com/office/drawing/2014/main" id="{A6226B3F-3380-E0AA-AF16-830B21A49428}"/>
+            <a:endParaRPr lang="en-US" dirty="0">
+              <a:solidFill>
+                <a:schemeClr val="tx1"/>
+              </a:solidFill>
+            </a:endParaRPr>
+          </a:p>
+        </p:txBody>
+      </p:sp>
+      <p:pic>
+        <p:nvPicPr>
+          <p:cNvPr id="28" name="Graphique 27">
+            <a:extLst>
+              <a:ext uri="{FF2B5EF4-FFF2-40B4-BE49-F238E27FC236}">
+                <a16:creationId xmlns:a16="http://schemas.microsoft.com/office/drawing/2014/main" id="{F944C26F-4E09-1C4E-97BC-B9649F101946}"/>
+              </a:ext>
+            </a:extLst>
+          </p:cNvPr>
+          <p:cNvPicPr>
+            <a:picLocks noChangeAspect="1"/>
+          </p:cNvPicPr>
+          <p:nvPr/>
+        </p:nvPicPr>
+        <p:blipFill>
+          <a:blip r:embed="rId3">
+            <a:extLst>
+              <a:ext uri="{28A0092B-C50C-407E-A947-70E740481C1C}">
+                <a14:useLocalDpi xmlns:a14="http://schemas.microsoft.com/office/drawing/2010/main" val="0"/>
+              </a:ext>
+              <a:ext uri="{96DAC541-7B7A-43D3-8B79-37D633B846F1}">
+                <asvg:svgBlip xmlns:asvg="http://schemas.microsoft.com/office/drawing/2016/SVG/main" r:embed="rId4"/>
+              </a:ext>
+            </a:extLst>
+          </a:blip>
+          <a:stretch>
+            <a:fillRect/>
+          </a:stretch>
+        </p:blipFill>
+        <p:spPr>
+          <a:xfrm>
+            <a:off x="196850" y="6088895"/>
+            <a:ext cx="520700" cy="520700"/>
+          </a:xfrm>
+          <a:prstGeom prst="rect">
+            <a:avLst/>
+          </a:prstGeom>
+        </p:spPr>
+      </p:pic>
+      <p:sp>
+        <p:nvSpPr>
+          <p:cNvPr id="10" name="Rectangle 9">
+            <a:extLst>
+              <a:ext uri="{FF2B5EF4-FFF2-40B4-BE49-F238E27FC236}">
+                <a16:creationId xmlns:a16="http://schemas.microsoft.com/office/drawing/2014/main" id="{C23CE6D7-5DA9-45E3-9E09-970E33FD8F6C}"/>
               </a:ext>
             </a:extLst>
           </p:cNvPr>
@@ -4674,16 +5044,14 @@
         </p:nvSpPr>
         <p:spPr>
           <a:xfrm>
-            <a:off x="270274" y="3860695"/>
-            <a:ext cx="5854700" cy="2824928"/>
-          </a:xfrm>
-          <a:prstGeom prst="roundRect">
+            <a:off x="196850" y="6609595"/>
+            <a:ext cx="6305550" cy="248405"/>
+          </a:xfrm>
+          <a:prstGeom prst="rect">
             <a:avLst/>
           </a:prstGeom>
           <a:solidFill>
-            <a:schemeClr val="bg2">
-              <a:lumMod val="25000"/>
-            </a:schemeClr>
+            <a:schemeClr val="bg1"/>
           </a:solidFill>
           <a:ln>
             <a:noFill/>
@@ -4710,39 +5078,90 @@
           <a:lstStyle/>
           <a:p>
             <a:pPr algn="ctr"/>
-            <a:endParaRPr lang="fr-FR" sz="4000">
-              <a:solidFill>
-                <a:schemeClr val="bg1"/>
-              </a:solidFill>
-            </a:endParaRPr>
-          </a:p>
-        </p:txBody>
-      </p:sp>
-      <p:sp>
-        <p:nvSpPr>
-          <p:cNvPr id="11" name="Rectangle : coins arrondis 10">
-            <a:extLst>
-              <a:ext uri="{FF2B5EF4-FFF2-40B4-BE49-F238E27FC236}">
-                <a16:creationId xmlns:a16="http://schemas.microsoft.com/office/drawing/2014/main" id="{4E0312E4-E02C-5132-9EC7-E21ECBAD0DFB}"/>
-              </a:ext>
-            </a:extLst>
-          </p:cNvPr>
-          <p:cNvSpPr/>
+            <a:endParaRPr lang="en-US" dirty="0"/>
+          </a:p>
+        </p:txBody>
+      </p:sp>
+      <p:sp>
+        <p:nvSpPr>
+          <p:cNvPr id="17" name="ZoneTexte 16">
+            <a:extLst>
+              <a:ext uri="{FF2B5EF4-FFF2-40B4-BE49-F238E27FC236}">
+                <a16:creationId xmlns:a16="http://schemas.microsoft.com/office/drawing/2014/main" id="{6DAE9DAD-D16D-48D3-BF2B-F99CA2E4B284}"/>
+              </a:ext>
+            </a:extLst>
+          </p:cNvPr>
+          <p:cNvSpPr txBox="1"/>
           <p:nvPr/>
         </p:nvSpPr>
         <p:spPr>
           <a:xfrm>
-            <a:off x="4816216" y="445875"/>
-            <a:ext cx="6118483" cy="2953155"/>
-          </a:xfrm>
-          <a:prstGeom prst="roundRect">
+            <a:off x="1488299" y="4557496"/>
+            <a:ext cx="4925795" cy="584775"/>
+          </a:xfrm>
+          <a:prstGeom prst="rect">
             <a:avLst/>
           </a:prstGeom>
-          <a:solidFill>
-            <a:schemeClr val="bg2">
-              <a:lumMod val="25000"/>
-            </a:schemeClr>
-          </a:solidFill>
+          <a:noFill/>
+        </p:spPr>
+        <p:txBody>
+          <a:bodyPr wrap="square" rtlCol="0">
+            <a:spAutoFit/>
+          </a:bodyPr>
+          <a:lstStyle/>
+          <a:p>
+            <a:r>
+              <a:rPr lang="en-US" sz="3200" spc="-150" dirty="0">
+                <a:latin typeface="Century Gothic" panose="020B0502020202020204" pitchFamily="34" charset="0"/>
+              </a:rPr>
+              <a:t>Guillaume</a:t>
+            </a:r>
+            <a:r>
+              <a:rPr lang="en-US" sz="3200" b="1" spc="-150" dirty="0">
+                <a:latin typeface="Century Gothic" panose="020B0502020202020204" pitchFamily="34" charset="0"/>
+              </a:rPr>
+              <a:t> </a:t>
+            </a:r>
+            <a:r>
+              <a:rPr lang="en-US" sz="3200" b="1" spc="-150" dirty="0" err="1">
+                <a:latin typeface="Century Gothic" panose="020B0502020202020204" pitchFamily="34" charset="0"/>
+              </a:rPr>
+              <a:t>Chervet</a:t>
+            </a:r>
+            <a:endParaRPr lang="en-US" sz="3200" b="1" spc="-150" dirty="0">
+              <a:latin typeface="Century Gothic" panose="020B0502020202020204" pitchFamily="34" charset="0"/>
+            </a:endParaRPr>
+          </a:p>
+        </p:txBody>
+      </p:sp>
+      <p:sp>
+        <p:nvSpPr>
+          <p:cNvPr id="18" name="Ellipse 17">
+            <a:extLst>
+              <a:ext uri="{FF2B5EF4-FFF2-40B4-BE49-F238E27FC236}">
+                <a16:creationId xmlns:a16="http://schemas.microsoft.com/office/drawing/2014/main" id="{90CFA5B6-1A9E-40F7-BAC2-1D7AC046AAAA}"/>
+              </a:ext>
+            </a:extLst>
+          </p:cNvPr>
+          <p:cNvSpPr>
+            <a:spLocks noChangeAspect="1"/>
+          </p:cNvSpPr>
+          <p:nvPr/>
+        </p:nvSpPr>
+        <p:spPr>
+          <a:xfrm>
+            <a:off x="1534246" y="1998070"/>
+            <a:ext cx="2520318" cy="2531342"/>
+          </a:xfrm>
+          <a:prstGeom prst="ellipse">
+            <a:avLst/>
+          </a:prstGeom>
+          <a:blipFill>
+            <a:blip r:embed="rId5"/>
+            <a:stretch>
+              <a:fillRect/>
+            </a:stretch>
+          </a:blipFill>
           <a:ln>
             <a:noFill/>
           </a:ln>
@@ -4768,68 +5187,364 @@
           <a:lstStyle/>
           <a:p>
             <a:pPr algn="ctr"/>
-            <a:endParaRPr lang="fr-FR" sz="4000">
-              <a:solidFill>
-                <a:schemeClr val="bg1"/>
-              </a:solidFill>
-            </a:endParaRPr>
-          </a:p>
-        </p:txBody>
-      </p:sp>
-      <p:cxnSp>
-        <p:nvCxnSpPr>
-          <p:cNvPr id="25" name="Connecteur droit avec flèche 24">
-            <a:extLst>
-              <a:ext uri="{FF2B5EF4-FFF2-40B4-BE49-F238E27FC236}">
-                <a16:creationId xmlns:a16="http://schemas.microsoft.com/office/drawing/2014/main" id="{EF74DD91-1B16-470B-A20B-035F88F385D6}"/>
-              </a:ext>
-            </a:extLst>
-          </p:cNvPr>
-          <p:cNvCxnSpPr>
-            <a:cxnSpLocks/>
-            <a:stCxn id="2" idx="3"/>
-            <a:endCxn id="13" idx="1"/>
-          </p:cNvCxnSpPr>
+            <a:endParaRPr lang="en-US" dirty="0"/>
+          </a:p>
+        </p:txBody>
+      </p:sp>
+      <p:sp>
+        <p:nvSpPr>
+          <p:cNvPr id="19" name="TextBox 35">
+            <a:extLst>
+              <a:ext uri="{FF2B5EF4-FFF2-40B4-BE49-F238E27FC236}">
+                <a16:creationId xmlns:a16="http://schemas.microsoft.com/office/drawing/2014/main" id="{F4F68D29-F545-488F-89E9-0E44D06FE839}"/>
+              </a:ext>
+            </a:extLst>
+          </p:cNvPr>
+          <p:cNvSpPr txBox="1"/>
           <p:nvPr/>
-        </p:nvCxnSpPr>
+        </p:nvSpPr>
         <p:spPr>
-          <a:xfrm flipV="1">
-            <a:off x="5945039" y="5223738"/>
-            <a:ext cx="2412084" cy="4209"/>
-          </a:xfrm>
-          <a:prstGeom prst="straightConnector1">
+          <a:xfrm>
+            <a:off x="1488299" y="5128244"/>
+            <a:ext cx="5835341" cy="861774"/>
+          </a:xfrm>
+          <a:prstGeom prst="rect">
             <a:avLst/>
           </a:prstGeom>
-          <a:ln w="127000">
-            <a:solidFill>
-              <a:schemeClr val="accent6">
-                <a:lumMod val="75000"/>
-              </a:schemeClr>
-            </a:solidFill>
-            <a:tailEnd type="triangle"/>
-          </a:ln>
-        </p:spPr>
-        <p:style>
-          <a:lnRef idx="1">
-            <a:schemeClr val="accent1"/>
-          </a:lnRef>
-          <a:fillRef idx="0">
-            <a:schemeClr val="accent1"/>
-          </a:fillRef>
-          <a:effectRef idx="0">
-            <a:schemeClr val="accent1"/>
-          </a:effectRef>
-          <a:fontRef idx="minor">
-            <a:schemeClr val="tx1"/>
-          </a:fontRef>
-        </p:style>
-      </p:cxnSp>
-      <p:sp>
-        <p:nvSpPr>
-          <p:cNvPr id="13" name="Rounded Rectangle 45">
-            <a:extLst>
-              <a:ext uri="{FF2B5EF4-FFF2-40B4-BE49-F238E27FC236}">
-                <a16:creationId xmlns:a16="http://schemas.microsoft.com/office/drawing/2014/main" id="{010C1183-1FCB-4B5B-84DC-B7D70796FA94}"/>
+          <a:noFill/>
+        </p:spPr>
+        <p:txBody>
+          <a:bodyPr wrap="square" rtlCol="0">
+            <a:spAutoFit/>
+          </a:bodyPr>
+          <a:lstStyle/>
+          <a:p>
+            <a:pPr lvl="0">
+              <a:defRPr/>
+            </a:pPr>
+            <a:r>
+              <a:rPr lang="en-US" sz="1600" dirty="0"/>
+              <a:t>TechLead – ML Engineer</a:t>
+            </a:r>
+          </a:p>
+          <a:p>
+            <a:pPr lvl="0">
+              <a:defRPr/>
+            </a:pPr>
+            <a:r>
+              <a:rPr lang="en-US" sz="1600" dirty="0"/>
+              <a:t>Direction </a:t>
+            </a:r>
+            <a:r>
+              <a:rPr lang="en-US" sz="1600" dirty="0" err="1"/>
+              <a:t>Transfo</a:t>
+            </a:r>
+            <a:r>
+              <a:rPr lang="en-US" sz="1600" dirty="0"/>
+              <a:t> et Tech - AXA France </a:t>
+            </a:r>
+          </a:p>
+          <a:p>
+            <a:pPr lvl="0">
+              <a:defRPr/>
+            </a:pPr>
+            <a:r>
+              <a:rPr lang="en-US" sz="1600" dirty="0"/>
+              <a:t>@guiChervet</a:t>
+            </a:r>
+          </a:p>
+        </p:txBody>
+      </p:sp>
+      <p:pic>
+        <p:nvPicPr>
+          <p:cNvPr id="20" name="Image 19">
+            <a:extLst>
+              <a:ext uri="{FF2B5EF4-FFF2-40B4-BE49-F238E27FC236}">
+                <a16:creationId xmlns:a16="http://schemas.microsoft.com/office/drawing/2014/main" id="{5B85F743-CDC1-4ACE-8746-D25C0D73A08E}"/>
+              </a:ext>
+            </a:extLst>
+          </p:cNvPr>
+          <p:cNvPicPr>
+            <a:picLocks noChangeAspect="1"/>
+          </p:cNvPicPr>
+          <p:nvPr/>
+        </p:nvPicPr>
+        <p:blipFill>
+          <a:blip r:embed="rId6"/>
+          <a:stretch>
+            <a:fillRect/>
+          </a:stretch>
+        </p:blipFill>
+        <p:spPr>
+          <a:xfrm>
+            <a:off x="2703762" y="5673042"/>
+            <a:ext cx="370591" cy="276721"/>
+          </a:xfrm>
+          <a:prstGeom prst="rect">
+            <a:avLst/>
+          </a:prstGeom>
+        </p:spPr>
+      </p:pic>
+      <p:pic>
+        <p:nvPicPr>
+          <p:cNvPr id="21" name="Picture 4" descr="Afficher l’image source">
+            <a:extLst>
+              <a:ext uri="{FF2B5EF4-FFF2-40B4-BE49-F238E27FC236}">
+                <a16:creationId xmlns:a16="http://schemas.microsoft.com/office/drawing/2014/main" id="{7039AC54-DB8E-4FE9-B705-E9D370BC5083}"/>
+              </a:ext>
+            </a:extLst>
+          </p:cNvPr>
+          <p:cNvPicPr>
+            <a:picLocks noChangeAspect="1" noChangeArrowheads="1"/>
+          </p:cNvPicPr>
+          <p:nvPr/>
+        </p:nvPicPr>
+        <p:blipFill>
+          <a:blip r:embed="rId7">
+            <a:extLst>
+              <a:ext uri="{28A0092B-C50C-407E-A947-70E740481C1C}">
+                <a14:useLocalDpi xmlns:a14="http://schemas.microsoft.com/office/drawing/2010/main" val="0"/>
+              </a:ext>
+            </a:extLst>
+          </a:blip>
+          <a:srcRect/>
+          <a:stretch>
+            <a:fillRect/>
+          </a:stretch>
+        </p:blipFill>
+        <p:spPr bwMode="auto">
+          <a:xfrm>
+            <a:off x="1534246" y="5996736"/>
+            <a:ext cx="1540107" cy="622203"/>
+          </a:xfrm>
+          <a:prstGeom prst="rect">
+            <a:avLst/>
+          </a:prstGeom>
+          <a:noFill/>
+          <a:extLst>
+            <a:ext uri="{909E8E84-426E-40DD-AFC4-6F175D3DCCD1}">
+              <a14:hiddenFill xmlns:a14="http://schemas.microsoft.com/office/drawing/2010/main">
+                <a:solidFill>
+                  <a:srgbClr val="FFFFFF"/>
+                </a:solidFill>
+              </a14:hiddenFill>
+            </a:ext>
+          </a:extLst>
+        </p:spPr>
+      </p:pic>
+      <p:sp>
+        <p:nvSpPr>
+          <p:cNvPr id="22" name="TextBox 35">
+            <a:extLst>
+              <a:ext uri="{FF2B5EF4-FFF2-40B4-BE49-F238E27FC236}">
+                <a16:creationId xmlns:a16="http://schemas.microsoft.com/office/drawing/2014/main" id="{39C9B144-FEA9-4594-80D4-1E15D5769FEF}"/>
+              </a:ext>
+            </a:extLst>
+          </p:cNvPr>
+          <p:cNvSpPr txBox="1"/>
+          <p:nvPr/>
+        </p:nvSpPr>
+        <p:spPr>
+          <a:xfrm>
+            <a:off x="7647564" y="6274514"/>
+            <a:ext cx="4425963" cy="523220"/>
+          </a:xfrm>
+          <a:prstGeom prst="rect">
+            <a:avLst/>
+          </a:prstGeom>
+          <a:noFill/>
+        </p:spPr>
+        <p:txBody>
+          <a:bodyPr wrap="square" rtlCol="0">
+            <a:spAutoFit/>
+          </a:bodyPr>
+          <a:lstStyle/>
+          <a:p>
+            <a:pPr lvl="0" algn="r">
+              <a:defRPr/>
+            </a:pPr>
+            <a:r>
+              <a:rPr lang="en-US" sz="2800" dirty="0">
+                <a:solidFill>
+                  <a:schemeClr val="bg1">
+                    <a:lumMod val="65000"/>
+                  </a:schemeClr>
+                </a:solidFill>
+              </a:rPr>
+              <a:t>2024</a:t>
+            </a:r>
+          </a:p>
+        </p:txBody>
+      </p:sp>
+      <p:pic>
+        <p:nvPicPr>
+          <p:cNvPr id="1026" name="Picture 2">
+            <a:extLst>
+              <a:ext uri="{FF2B5EF4-FFF2-40B4-BE49-F238E27FC236}">
+                <a16:creationId xmlns:a16="http://schemas.microsoft.com/office/drawing/2014/main" id="{5CF30A8E-9612-6FF2-C126-849DD9DDD560}"/>
+              </a:ext>
+            </a:extLst>
+          </p:cNvPr>
+          <p:cNvPicPr>
+            <a:picLocks noChangeAspect="1" noChangeArrowheads="1"/>
+          </p:cNvPicPr>
+          <p:nvPr/>
+        </p:nvPicPr>
+        <p:blipFill rotWithShape="1">
+          <a:blip r:embed="rId8">
+            <a:extLst>
+              <a:ext uri="{28A0092B-C50C-407E-A947-70E740481C1C}">
+                <a14:useLocalDpi xmlns:a14="http://schemas.microsoft.com/office/drawing/2010/main" val="0"/>
+              </a:ext>
+            </a:extLst>
+          </a:blip>
+          <a:srcRect l="15446" r="16874"/>
+          <a:stretch/>
+        </p:blipFill>
+        <p:spPr bwMode="auto">
+          <a:xfrm>
+            <a:off x="5588810" y="-113647"/>
+            <a:ext cx="6676305" cy="5639204"/>
+          </a:xfrm>
+          <a:prstGeom prst="rect">
+            <a:avLst/>
+          </a:prstGeom>
+          <a:noFill/>
+          <a:extLst>
+            <a:ext uri="{909E8E84-426E-40DD-AFC4-6F175D3DCCD1}">
+              <a14:hiddenFill xmlns:a14="http://schemas.microsoft.com/office/drawing/2010/main">
+                <a:solidFill>
+                  <a:srgbClr val="FFFFFF"/>
+                </a:solidFill>
+              </a14:hiddenFill>
+            </a:ext>
+          </a:extLst>
+        </p:spPr>
+      </p:pic>
+    </p:spTree>
+    <p:extLst>
+      <p:ext uri="{BB962C8B-B14F-4D97-AF65-F5344CB8AC3E}">
+        <p14:creationId xmlns:p14="http://schemas.microsoft.com/office/powerpoint/2010/main" val="1738415885"/>
+      </p:ext>
+    </p:extLst>
+  </p:cSld>
+  <p:clrMapOvr>
+    <a:masterClrMapping/>
+  </p:clrMapOvr>
+  <mc:AlternateContent xmlns:mc="http://schemas.openxmlformats.org/markup-compatibility/2006" xmlns:p14="http://schemas.microsoft.com/office/powerpoint/2010/main">
+    <mc:Choice Requires="p14">
+      <p:transition spd="slow" p14:dur="2000" advTm="8410"/>
+    </mc:Choice>
+    <mc:Fallback xmlns="">
+      <p:transition spd="slow" advTm="8410"/>
+    </mc:Fallback>
+  </mc:AlternateContent>
+</p:sld>
+</file>
+
+<file path=ppt/slides/slide2.xml><?xml version="1.0" encoding="utf-8"?>
+<p:sld xmlns:a="http://schemas.openxmlformats.org/drawingml/2006/main" xmlns:r="http://schemas.openxmlformats.org/officeDocument/2006/relationships" xmlns:p="http://schemas.openxmlformats.org/presentationml/2006/main">
+  <p:cSld>
+    <p:spTree>
+      <p:nvGrpSpPr>
+        <p:cNvPr id="1" name=""/>
+        <p:cNvGrpSpPr/>
+        <p:nvPr/>
+      </p:nvGrpSpPr>
+      <p:grpSpPr>
+        <a:xfrm>
+          <a:off x="0" y="0"/>
+          <a:ext cx="0" cy="0"/>
+          <a:chOff x="0" y="0"/>
+          <a:chExt cx="0" cy="0"/>
+        </a:xfrm>
+      </p:grpSpPr>
+      <p:sp>
+        <p:nvSpPr>
+          <p:cNvPr id="2" name="Titre 1">
+            <a:extLst>
+              <a:ext uri="{FF2B5EF4-FFF2-40B4-BE49-F238E27FC236}">
+                <a16:creationId xmlns:a16="http://schemas.microsoft.com/office/drawing/2014/main" id="{618F1DBD-1173-B257-55AB-0F07AFADBAFE}"/>
+              </a:ext>
+            </a:extLst>
+          </p:cNvPr>
+          <p:cNvSpPr>
+            <a:spLocks noGrp="1"/>
+          </p:cNvSpPr>
+          <p:nvPr>
+            <p:ph type="ctrTitle"/>
+          </p:nvPr>
+        </p:nvSpPr>
+        <p:spPr/>
+        <p:txBody>
+          <a:bodyPr/>
+          <a:lstStyle/>
+          <a:p>
+            <a:endParaRPr lang="fr-FR" dirty="0"/>
+          </a:p>
+        </p:txBody>
+      </p:sp>
+      <p:sp>
+        <p:nvSpPr>
+          <p:cNvPr id="3" name="Sous-titre 2">
+            <a:extLst>
+              <a:ext uri="{FF2B5EF4-FFF2-40B4-BE49-F238E27FC236}">
+                <a16:creationId xmlns:a16="http://schemas.microsoft.com/office/drawing/2014/main" id="{9BCB40CA-C3F6-CBD6-37EF-7E8B66F07F77}"/>
+              </a:ext>
+            </a:extLst>
+          </p:cNvPr>
+          <p:cNvSpPr>
+            <a:spLocks noGrp="1"/>
+          </p:cNvSpPr>
+          <p:nvPr>
+            <p:ph type="subTitle" idx="1"/>
+          </p:nvPr>
+        </p:nvSpPr>
+        <p:spPr/>
+        <p:txBody>
+          <a:bodyPr/>
+          <a:lstStyle/>
+          <a:p>
+            <a:endParaRPr lang="fr-FR"/>
+          </a:p>
+        </p:txBody>
+      </p:sp>
+    </p:spTree>
+    <p:extLst>
+      <p:ext uri="{BB962C8B-B14F-4D97-AF65-F5344CB8AC3E}">
+        <p14:creationId xmlns:p14="http://schemas.microsoft.com/office/powerpoint/2010/main" val="4212300351"/>
+      </p:ext>
+    </p:extLst>
+  </p:cSld>
+  <p:clrMapOvr>
+    <a:masterClrMapping/>
+  </p:clrMapOvr>
+</p:sld>
+</file>
+
+<file path=ppt/slides/slide3.xml><?xml version="1.0" encoding="utf-8"?>
+<p:sld xmlns:a="http://schemas.openxmlformats.org/drawingml/2006/main" xmlns:r="http://schemas.openxmlformats.org/officeDocument/2006/relationships" xmlns:p="http://schemas.openxmlformats.org/presentationml/2006/main">
+  <p:cSld>
+    <p:spTree>
+      <p:nvGrpSpPr>
+        <p:cNvPr id="1" name=""/>
+        <p:cNvGrpSpPr/>
+        <p:nvPr/>
+      </p:nvGrpSpPr>
+      <p:grpSpPr>
+        <a:xfrm>
+          <a:off x="0" y="0"/>
+          <a:ext cx="0" cy="0"/>
+          <a:chOff x="0" y="0"/>
+          <a:chExt cx="0" cy="0"/>
+        </a:xfrm>
+      </p:grpSpPr>
+      <p:sp>
+        <p:nvSpPr>
+          <p:cNvPr id="21" name="Rectangle : coins arrondis 20">
+            <a:extLst>
+              <a:ext uri="{FF2B5EF4-FFF2-40B4-BE49-F238E27FC236}">
+                <a16:creationId xmlns:a16="http://schemas.microsoft.com/office/drawing/2014/main" id="{10281813-D3E5-87C3-B19F-4CEC0004BAF6}"/>
               </a:ext>
             </a:extLst>
           </p:cNvPr>
@@ -4838,8 +5553,8 @@
         </p:nvSpPr>
         <p:spPr>
           <a:xfrm>
-            <a:off x="8357123" y="4174427"/>
-            <a:ext cx="3145551" cy="2098622"/>
+            <a:off x="3926528" y="2223970"/>
+            <a:ext cx="3341145" cy="3514653"/>
           </a:xfrm>
           <a:prstGeom prst="roundRect">
             <a:avLst/>
@@ -4874,15 +5589,7 @@
           <a:lstStyle/>
           <a:p>
             <a:pPr algn="ctr"/>
-            <a:r>
-              <a:rPr lang="fr-FR" sz="4000" dirty="0">
-                <a:solidFill>
-                  <a:schemeClr val="bg1"/>
-                </a:solidFill>
-              </a:rPr>
-              <a:t>function « fibonacci »</a:t>
-            </a:r>
-            <a:endParaRPr lang="en-FR" sz="4000" dirty="0">
+            <a:endParaRPr lang="fr-FR" sz="4000">
               <a:solidFill>
                 <a:schemeClr val="bg1"/>
               </a:solidFill>
@@ -4892,10 +5599,10 @@
       </p:sp>
       <p:pic>
         <p:nvPicPr>
-          <p:cNvPr id="1026" name="Picture 2" descr="Afficher l’image source">
-            <a:extLst>
-              <a:ext uri="{FF2B5EF4-FFF2-40B4-BE49-F238E27FC236}">
-                <a16:creationId xmlns:a16="http://schemas.microsoft.com/office/drawing/2014/main" id="{F291C231-1626-4F0E-B26C-1EFF6A7E0B9C}"/>
+          <p:cNvPr id="22" name="Picture 2" descr="Afficher l’image source">
+            <a:extLst>
+              <a:ext uri="{FF2B5EF4-FFF2-40B4-BE49-F238E27FC236}">
+                <a16:creationId xmlns:a16="http://schemas.microsoft.com/office/drawing/2014/main" id="{4C3C7A7E-0F7E-D5AB-7CB7-FE79F49436F5}"/>
               </a:ext>
             </a:extLst>
           </p:cNvPr>
@@ -4919,7 +5626,7 @@
         </p:blipFill>
         <p:spPr bwMode="auto">
           <a:xfrm>
-            <a:off x="8259048" y="3953020"/>
+            <a:off x="6738009" y="1908836"/>
             <a:ext cx="588793" cy="572693"/>
           </a:xfrm>
           <a:prstGeom prst="rect">
@@ -4939,10 +5646,10 @@
       </p:pic>
       <p:sp>
         <p:nvSpPr>
-          <p:cNvPr id="2" name="Rounded Rectangle 44">
-            <a:extLst>
-              <a:ext uri="{FF2B5EF4-FFF2-40B4-BE49-F238E27FC236}">
-                <a16:creationId xmlns:a16="http://schemas.microsoft.com/office/drawing/2014/main" id="{ECE643B4-61AF-3733-8039-0237A0938B0F}"/>
+          <p:cNvPr id="17" name="Rectangle 16">
+            <a:extLst>
+              <a:ext uri="{FF2B5EF4-FFF2-40B4-BE49-F238E27FC236}">
+                <a16:creationId xmlns:a16="http://schemas.microsoft.com/office/drawing/2014/main" id="{83C60C87-609E-41AB-8E66-C44853DB93B6}"/>
               </a:ext>
             </a:extLst>
           </p:cNvPr>
@@ -4951,14 +5658,14 @@
         </p:nvSpPr>
         <p:spPr>
           <a:xfrm>
-            <a:off x="4021081" y="4700432"/>
-            <a:ext cx="1923958" cy="1055029"/>
-          </a:xfrm>
-          <a:prstGeom prst="roundRect">
+            <a:off x="95250" y="6604378"/>
+            <a:ext cx="6305550" cy="253622"/>
+          </a:xfrm>
+          <a:prstGeom prst="rect">
             <a:avLst/>
           </a:prstGeom>
           <a:solidFill>
-            <a:srgbClr val="7030A0"/>
+            <a:schemeClr val="bg1"/>
           </a:solidFill>
           <a:ln>
             <a:noFill/>
@@ -4985,14 +5692,7 @@
           <a:lstStyle/>
           <a:p>
             <a:pPr algn="ctr"/>
-            <a:r>
-              <a:rPr lang="en-US" sz="2800" dirty="0">
-                <a:solidFill>
-                  <a:schemeClr val="bg1"/>
-                </a:solidFill>
-              </a:rPr>
-              <a:t>SlimFaas</a:t>
-            </a:r>
+            <a:endParaRPr lang="fr-FR"/>
           </a:p>
         </p:txBody>
       </p:sp>
@@ -5010,8 +5710,8 @@
         </p:nvSpPr>
         <p:spPr>
           <a:xfrm>
-            <a:off x="5058673" y="1397217"/>
-            <a:ext cx="2135174" cy="923330"/>
+            <a:off x="4679484" y="2886177"/>
+            <a:ext cx="1858037" cy="923330"/>
           </a:xfrm>
           <a:prstGeom prst="roundRect">
             <a:avLst/>
@@ -5066,15 +5766,15 @@
           </p:cNvPr>
           <p:cNvCxnSpPr>
             <a:cxnSpLocks/>
-            <a:stCxn id="1035" idx="3"/>
+            <a:stCxn id="2" idx="2"/>
             <a:endCxn id="5" idx="1"/>
           </p:cNvCxnSpPr>
           <p:nvPr/>
         </p:nvCxnSpPr>
         <p:spPr>
-          <a:xfrm flipV="1">
-            <a:off x="4184018" y="1858882"/>
-            <a:ext cx="874655" cy="17029"/>
+          <a:xfrm>
+            <a:off x="3635557" y="1606148"/>
+            <a:ext cx="1043927" cy="1741694"/>
           </a:xfrm>
           <a:prstGeom prst="straightConnector1">
             <a:avLst/>
@@ -5105,314 +5805,32 @@
       </p:cxnSp>
       <p:sp>
         <p:nvSpPr>
-          <p:cNvPr id="1035" name="ZoneTexte 1034">
-            <a:extLst>
-              <a:ext uri="{FF2B5EF4-FFF2-40B4-BE49-F238E27FC236}">
-                <a16:creationId xmlns:a16="http://schemas.microsoft.com/office/drawing/2014/main" id="{D180C645-D94F-EC3F-08F1-4AB872A877B7}"/>
-              </a:ext>
-            </a:extLst>
-          </p:cNvPr>
-          <p:cNvSpPr txBox="1"/>
+          <p:cNvPr id="14" name="Rounded Rectangle 45">
+            <a:extLst>
+              <a:ext uri="{FF2B5EF4-FFF2-40B4-BE49-F238E27FC236}">
+                <a16:creationId xmlns:a16="http://schemas.microsoft.com/office/drawing/2014/main" id="{86948BFE-3A92-09B5-773B-172DD8AA2DEA}"/>
+              </a:ext>
+            </a:extLst>
+          </p:cNvPr>
+          <p:cNvSpPr/>
           <p:nvPr/>
         </p:nvSpPr>
         <p:spPr>
           <a:xfrm>
-            <a:off x="377495" y="1460412"/>
-            <a:ext cx="3806523" cy="830997"/>
-          </a:xfrm>
-          <a:prstGeom prst="rect">
+            <a:off x="8653554" y="3756681"/>
+            <a:ext cx="3145551" cy="2247742"/>
+          </a:xfrm>
+          <a:prstGeom prst="roundRect">
             <a:avLst/>
           </a:prstGeom>
-          <a:noFill/>
-        </p:spPr>
-        <p:txBody>
-          <a:bodyPr wrap="square" rtlCol="0">
-            <a:spAutoFit/>
-          </a:bodyPr>
-          <a:lstStyle/>
-          <a:p>
-            <a:r>
-              <a:rPr lang="fr-FR" sz="1600" dirty="0"/>
-              <a:t>HTTP POST</a:t>
-            </a:r>
-          </a:p>
-          <a:p>
-            <a:r>
-              <a:rPr lang="fr-FR" sz="1600" dirty="0">
-                <a:hlinkClick r:id="rId4"/>
-              </a:rPr>
-              <a:t>http://slimfaas/async-function/fibonacci</a:t>
-            </a:r>
-            <a:endParaRPr lang="fr-FR" sz="1600" dirty="0"/>
-          </a:p>
-          <a:p>
-            <a:r>
-              <a:rPr lang="fr-FR" sz="1600" dirty="0"/>
-              <a:t>{</a:t>
-            </a:r>
-            <a:r>
-              <a:rPr lang="fr-FR" sz="1600" b="0" i="0" dirty="0">
-                <a:effectLst/>
-                <a:latin typeface="-apple-system"/>
-              </a:rPr>
-              <a:t>"</a:t>
-            </a:r>
-            <a:r>
-              <a:rPr lang="fr-FR" sz="1600" dirty="0"/>
-              <a:t>input</a:t>
-            </a:r>
-            <a:r>
-              <a:rPr lang="fr-FR" sz="1600" b="0" i="0" dirty="0">
-                <a:effectLst/>
-                <a:latin typeface="-apple-system"/>
-              </a:rPr>
-              <a:t>"</a:t>
-            </a:r>
-            <a:r>
-              <a:rPr lang="fr-FR" sz="1600" dirty="0"/>
-              <a:t>:42}</a:t>
-            </a:r>
-          </a:p>
-        </p:txBody>
-      </p:sp>
-      <p:sp>
-        <p:nvSpPr>
-          <p:cNvPr id="1069" name="ZoneTexte 1068">
-            <a:extLst>
-              <a:ext uri="{FF2B5EF4-FFF2-40B4-BE49-F238E27FC236}">
-                <a16:creationId xmlns:a16="http://schemas.microsoft.com/office/drawing/2014/main" id="{090E0DC5-DC00-5D4D-282B-8F120B96B110}"/>
-              </a:ext>
-            </a:extLst>
-          </p:cNvPr>
-          <p:cNvSpPr txBox="1"/>
-          <p:nvPr/>
-        </p:nvSpPr>
-        <p:spPr>
-          <a:xfrm>
-            <a:off x="6450048" y="4110214"/>
-            <a:ext cx="1858037" cy="830997"/>
-          </a:xfrm>
-          <a:prstGeom prst="rect">
-            <a:avLst/>
-          </a:prstGeom>
-          <a:noFill/>
-        </p:spPr>
-        <p:txBody>
-          <a:bodyPr wrap="square" rtlCol="0">
-            <a:spAutoFit/>
-          </a:bodyPr>
-          <a:lstStyle/>
-          <a:p>
-            <a:r>
-              <a:rPr lang="fr-FR" sz="1600" dirty="0"/>
-              <a:t>HTTP POST</a:t>
-            </a:r>
-          </a:p>
-          <a:p>
-            <a:r>
-              <a:rPr lang="fr-FR" sz="1600" dirty="0">
-                <a:hlinkClick r:id="rId5"/>
-              </a:rPr>
-              <a:t>http://fibonacci</a:t>
-            </a:r>
-            <a:r>
-              <a:rPr lang="fr-FR" sz="1600" dirty="0"/>
-              <a:t> </a:t>
-            </a:r>
-            <a:br>
-              <a:rPr lang="fr-FR" sz="1600" dirty="0"/>
-            </a:br>
-            <a:r>
-              <a:rPr lang="fr-FR" sz="1600" dirty="0"/>
-              <a:t>{</a:t>
-            </a:r>
-            <a:r>
-              <a:rPr lang="fr-FR" sz="1600" b="0" i="0" dirty="0">
-                <a:effectLst/>
-                <a:latin typeface="-apple-system"/>
-              </a:rPr>
-              <a:t>"</a:t>
-            </a:r>
-            <a:r>
-              <a:rPr lang="fr-FR" sz="1600" dirty="0"/>
-              <a:t>input</a:t>
-            </a:r>
-            <a:r>
-              <a:rPr lang="fr-FR" sz="1600" b="0" i="0" dirty="0">
-                <a:effectLst/>
-                <a:latin typeface="-apple-system"/>
-              </a:rPr>
-              <a:t>"</a:t>
-            </a:r>
-            <a:r>
-              <a:rPr lang="fr-FR" sz="1600" dirty="0"/>
-              <a:t>:42}</a:t>
-            </a:r>
-          </a:p>
-        </p:txBody>
-      </p:sp>
-      <p:pic>
-        <p:nvPicPr>
-          <p:cNvPr id="3" name="Picture 2" descr="Afficher l’image source">
-            <a:extLst>
-              <a:ext uri="{FF2B5EF4-FFF2-40B4-BE49-F238E27FC236}">
-                <a16:creationId xmlns:a16="http://schemas.microsoft.com/office/drawing/2014/main" id="{6DDAFA19-505A-5974-5381-D1AA62FE6CDB}"/>
-              </a:ext>
-            </a:extLst>
-          </p:cNvPr>
-          <p:cNvPicPr>
-            <a:picLocks noChangeAspect="1" noChangeArrowheads="1"/>
-          </p:cNvPicPr>
-          <p:nvPr/>
-        </p:nvPicPr>
-        <p:blipFill>
-          <a:blip r:embed="rId3">
-            <a:extLst>
-              <a:ext uri="{28A0092B-C50C-407E-A947-70E740481C1C}">
-                <a14:useLocalDpi xmlns:a14="http://schemas.microsoft.com/office/drawing/2010/main" val="0"/>
-              </a:ext>
-            </a:extLst>
-          </a:blip>
-          <a:srcRect/>
-          <a:stretch>
-            <a:fillRect/>
-          </a:stretch>
-        </p:blipFill>
-        <p:spPr bwMode="auto">
-          <a:xfrm>
-            <a:off x="0" y="3664234"/>
-            <a:ext cx="588793" cy="572693"/>
-          </a:xfrm>
-          <a:prstGeom prst="rect">
-            <a:avLst/>
-          </a:prstGeom>
-          <a:noFill/>
-          <a:extLst>
-            <a:ext uri="{909E8E84-426E-40DD-AFC4-6F175D3DCCD1}">
-              <a14:hiddenFill xmlns:a14="http://schemas.microsoft.com/office/drawing/2010/main">
-                <a:solidFill>
-                  <a:srgbClr val="FFFFFF"/>
-                </a:solidFill>
-              </a14:hiddenFill>
-            </a:ext>
-          </a:extLst>
-        </p:spPr>
-      </p:pic>
-      <p:pic>
-        <p:nvPicPr>
-          <p:cNvPr id="6" name="Picture 2" descr="Afficher l’image source">
-            <a:extLst>
-              <a:ext uri="{FF2B5EF4-FFF2-40B4-BE49-F238E27FC236}">
-                <a16:creationId xmlns:a16="http://schemas.microsoft.com/office/drawing/2014/main" id="{BCBC1B21-323D-218D-4E88-A0D74047C9FD}"/>
-              </a:ext>
-            </a:extLst>
-          </p:cNvPr>
-          <p:cNvPicPr>
-            <a:picLocks noChangeAspect="1" noChangeArrowheads="1"/>
-          </p:cNvPicPr>
-          <p:nvPr/>
-        </p:nvPicPr>
-        <p:blipFill>
-          <a:blip r:embed="rId3">
-            <a:extLst>
-              <a:ext uri="{28A0092B-C50C-407E-A947-70E740481C1C}">
-                <a14:useLocalDpi xmlns:a14="http://schemas.microsoft.com/office/drawing/2010/main" val="0"/>
-              </a:ext>
-            </a:extLst>
-          </a:blip>
-          <a:srcRect/>
-          <a:stretch>
-            <a:fillRect/>
-          </a:stretch>
-        </p:blipFill>
-        <p:spPr bwMode="auto">
-          <a:xfrm>
-            <a:off x="4679017" y="192047"/>
-            <a:ext cx="588793" cy="572693"/>
-          </a:xfrm>
-          <a:prstGeom prst="rect">
-            <a:avLst/>
-          </a:prstGeom>
-          <a:noFill/>
-          <a:extLst>
-            <a:ext uri="{909E8E84-426E-40DD-AFC4-6F175D3DCCD1}">
-              <a14:hiddenFill xmlns:a14="http://schemas.microsoft.com/office/drawing/2010/main">
-                <a:solidFill>
-                  <a:srgbClr val="FFFFFF"/>
-                </a:solidFill>
-              </a14:hiddenFill>
-            </a:ext>
-          </a:extLst>
-        </p:spPr>
-      </p:pic>
-      <p:sp>
-        <p:nvSpPr>
-          <p:cNvPr id="1028" name="Cylindre 1027">
-            <a:extLst>
-              <a:ext uri="{FF2B5EF4-FFF2-40B4-BE49-F238E27FC236}">
-                <a16:creationId xmlns:a16="http://schemas.microsoft.com/office/drawing/2014/main" id="{B2C2AFFD-8B14-9C7B-077E-D589D392B66C}"/>
-              </a:ext>
-            </a:extLst>
-          </p:cNvPr>
-          <p:cNvSpPr/>
-          <p:nvPr/>
-        </p:nvSpPr>
-        <p:spPr>
-          <a:xfrm>
-            <a:off x="7797140" y="584200"/>
-            <a:ext cx="2977880" cy="2552700"/>
-          </a:xfrm>
-          <a:prstGeom prst="can">
-            <a:avLst/>
-          </a:prstGeom>
-        </p:spPr>
-        <p:style>
-          <a:lnRef idx="0">
-            <a:schemeClr val="accent5"/>
-          </a:lnRef>
-          <a:fillRef idx="3">
-            <a:schemeClr val="accent5"/>
-          </a:fillRef>
-          <a:effectRef idx="3">
-            <a:schemeClr val="accent5"/>
-          </a:effectRef>
-          <a:fontRef idx="minor">
-            <a:schemeClr val="lt1"/>
-          </a:fontRef>
-        </p:style>
-        <p:txBody>
-          <a:bodyPr rtlCol="0" anchor="b"/>
-          <a:lstStyle/>
-          <a:p>
-            <a:pPr algn="ctr"/>
-            <a:r>
-              <a:rPr lang="fr-FR" sz="2000" dirty="0"/>
-              <a:t>SlimData</a:t>
-            </a:r>
-            <a:endParaRPr lang="fr-FR" sz="1400" dirty="0"/>
-          </a:p>
-        </p:txBody>
-      </p:sp>
-      <p:sp>
-        <p:nvSpPr>
-          <p:cNvPr id="22" name="Cylindre 21">
-            <a:extLst>
-              <a:ext uri="{FF2B5EF4-FFF2-40B4-BE49-F238E27FC236}">
-                <a16:creationId xmlns:a16="http://schemas.microsoft.com/office/drawing/2014/main" id="{DD2C0339-DDF8-EC26-D9E3-90D001F95C2A}"/>
-              </a:ext>
-            </a:extLst>
-          </p:cNvPr>
-          <p:cNvSpPr/>
-          <p:nvPr/>
-        </p:nvSpPr>
-        <p:spPr>
-          <a:xfrm rot="16200000">
-            <a:off x="8953364" y="631988"/>
-            <a:ext cx="751315" cy="2408164"/>
-          </a:xfrm>
-          <a:prstGeom prst="can">
-            <a:avLst/>
-          </a:prstGeom>
+          <a:solidFill>
+            <a:schemeClr val="bg2">
+              <a:lumMod val="25000"/>
+            </a:schemeClr>
+          </a:solidFill>
+          <a:ln>
+            <a:noFill/>
+          </a:ln>
         </p:spPr>
         <p:style>
           <a:lnRef idx="2">
@@ -5431,6 +5849,1342 @@
           </a:fontRef>
         </p:style>
         <p:txBody>
+          <a:bodyPr rtlCol="0" anchor="ctr"/>
+          <a:lstStyle/>
+          <a:p>
+            <a:pPr algn="ctr"/>
+            <a:r>
+              <a:rPr lang="fr-FR" sz="4000" dirty="0">
+                <a:solidFill>
+                  <a:schemeClr val="bg1"/>
+                </a:solidFill>
+              </a:rPr>
+              <a:t>function « fibonacci »</a:t>
+            </a:r>
+            <a:endParaRPr lang="en-FR" sz="4000" dirty="0">
+              <a:solidFill>
+                <a:schemeClr val="bg1"/>
+              </a:solidFill>
+            </a:endParaRPr>
+          </a:p>
+        </p:txBody>
+      </p:sp>
+      <p:pic>
+        <p:nvPicPr>
+          <p:cNvPr id="15" name="Picture 2" descr="Afficher l’image source">
+            <a:extLst>
+              <a:ext uri="{FF2B5EF4-FFF2-40B4-BE49-F238E27FC236}">
+                <a16:creationId xmlns:a16="http://schemas.microsoft.com/office/drawing/2014/main" id="{35712BBA-EBEC-F7AF-781C-F0A47F710A3D}"/>
+              </a:ext>
+            </a:extLst>
+          </p:cNvPr>
+          <p:cNvPicPr>
+            <a:picLocks noChangeAspect="1" noChangeArrowheads="1"/>
+          </p:cNvPicPr>
+          <p:nvPr/>
+        </p:nvPicPr>
+        <p:blipFill>
+          <a:blip r:embed="rId3">
+            <a:extLst>
+              <a:ext uri="{28A0092B-C50C-407E-A947-70E740481C1C}">
+                <a14:useLocalDpi xmlns:a14="http://schemas.microsoft.com/office/drawing/2010/main" val="0"/>
+              </a:ext>
+            </a:extLst>
+          </a:blip>
+          <a:srcRect/>
+          <a:stretch>
+            <a:fillRect/>
+          </a:stretch>
+        </p:blipFill>
+        <p:spPr bwMode="auto">
+          <a:xfrm>
+            <a:off x="11210312" y="3441547"/>
+            <a:ext cx="588793" cy="572693"/>
+          </a:xfrm>
+          <a:prstGeom prst="rect">
+            <a:avLst/>
+          </a:prstGeom>
+          <a:noFill/>
+          <a:extLst>
+            <a:ext uri="{909E8E84-426E-40DD-AFC4-6F175D3DCCD1}">
+              <a14:hiddenFill xmlns:a14="http://schemas.microsoft.com/office/drawing/2010/main">
+                <a:solidFill>
+                  <a:srgbClr val="FFFFFF"/>
+                </a:solidFill>
+              </a14:hiddenFill>
+            </a:ext>
+          </a:extLst>
+        </p:spPr>
+      </p:pic>
+      <p:cxnSp>
+        <p:nvCxnSpPr>
+          <p:cNvPr id="16" name="Connecteur droit avec flèche 15">
+            <a:extLst>
+              <a:ext uri="{FF2B5EF4-FFF2-40B4-BE49-F238E27FC236}">
+                <a16:creationId xmlns:a16="http://schemas.microsoft.com/office/drawing/2014/main" id="{E672AC01-B7E2-9CC9-7A1C-110F38B184E7}"/>
+              </a:ext>
+            </a:extLst>
+          </p:cNvPr>
+          <p:cNvCxnSpPr>
+            <a:cxnSpLocks/>
+            <a:stCxn id="5" idx="3"/>
+            <a:endCxn id="14" idx="1"/>
+          </p:cNvCxnSpPr>
+          <p:nvPr/>
+        </p:nvCxnSpPr>
+        <p:spPr>
+          <a:xfrm>
+            <a:off x="6537521" y="3347842"/>
+            <a:ext cx="2116033" cy="1532710"/>
+          </a:xfrm>
+          <a:prstGeom prst="straightConnector1">
+            <a:avLst/>
+          </a:prstGeom>
+          <a:ln w="127000">
+            <a:solidFill>
+              <a:schemeClr val="accent6">
+                <a:lumMod val="75000"/>
+              </a:schemeClr>
+            </a:solidFill>
+            <a:tailEnd type="triangle"/>
+          </a:ln>
+        </p:spPr>
+        <p:style>
+          <a:lnRef idx="1">
+            <a:schemeClr val="accent1"/>
+          </a:lnRef>
+          <a:fillRef idx="0">
+            <a:schemeClr val="accent1"/>
+          </a:fillRef>
+          <a:effectRef idx="0">
+            <a:schemeClr val="accent1"/>
+          </a:effectRef>
+          <a:fontRef idx="minor">
+            <a:schemeClr val="tx1"/>
+          </a:fontRef>
+        </p:style>
+      </p:cxnSp>
+      <p:sp>
+        <p:nvSpPr>
+          <p:cNvPr id="20" name="Cylindre 19">
+            <a:extLst>
+              <a:ext uri="{FF2B5EF4-FFF2-40B4-BE49-F238E27FC236}">
+                <a16:creationId xmlns:a16="http://schemas.microsoft.com/office/drawing/2014/main" id="{ADE31F5A-3083-C305-22A8-E05EB3D3CEAE}"/>
+              </a:ext>
+            </a:extLst>
+          </p:cNvPr>
+          <p:cNvSpPr/>
+          <p:nvPr/>
+        </p:nvSpPr>
+        <p:spPr>
+          <a:xfrm>
+            <a:off x="5004417" y="4325969"/>
+            <a:ext cx="1208169" cy="1258899"/>
+          </a:xfrm>
+          <a:prstGeom prst="can">
+            <a:avLst/>
+          </a:prstGeom>
+        </p:spPr>
+        <p:style>
+          <a:lnRef idx="0">
+            <a:schemeClr val="accent5"/>
+          </a:lnRef>
+          <a:fillRef idx="3">
+            <a:schemeClr val="accent5"/>
+          </a:fillRef>
+          <a:effectRef idx="3">
+            <a:schemeClr val="accent5"/>
+          </a:effectRef>
+          <a:fontRef idx="minor">
+            <a:schemeClr val="lt1"/>
+          </a:fontRef>
+        </p:style>
+        <p:txBody>
+          <a:bodyPr rtlCol="0" anchor="ctr"/>
+          <a:lstStyle/>
+          <a:p>
+            <a:pPr algn="ctr"/>
+            <a:r>
+              <a:rPr lang="fr-FR" sz="2000" dirty="0"/>
+              <a:t>SlimData</a:t>
+            </a:r>
+            <a:endParaRPr lang="fr-FR" sz="1400" dirty="0"/>
+          </a:p>
+        </p:txBody>
+      </p:sp>
+      <p:cxnSp>
+        <p:nvCxnSpPr>
+          <p:cNvPr id="1034" name="Connecteur droit avec flèche 1033">
+            <a:extLst>
+              <a:ext uri="{FF2B5EF4-FFF2-40B4-BE49-F238E27FC236}">
+                <a16:creationId xmlns:a16="http://schemas.microsoft.com/office/drawing/2014/main" id="{C97FA525-2FE2-BE58-B3CE-7494FA2825DA}"/>
+              </a:ext>
+            </a:extLst>
+          </p:cNvPr>
+          <p:cNvCxnSpPr>
+            <a:cxnSpLocks/>
+            <a:stCxn id="5" idx="2"/>
+            <a:endCxn id="20" idx="1"/>
+          </p:cNvCxnSpPr>
+          <p:nvPr/>
+        </p:nvCxnSpPr>
+        <p:spPr>
+          <a:xfrm flipH="1">
+            <a:off x="5608502" y="3809507"/>
+            <a:ext cx="1" cy="516462"/>
+          </a:xfrm>
+          <a:prstGeom prst="straightConnector1">
+            <a:avLst/>
+          </a:prstGeom>
+          <a:ln w="127000">
+            <a:solidFill>
+              <a:srgbClr val="0070C0"/>
+            </a:solidFill>
+            <a:tailEnd type="triangle"/>
+          </a:ln>
+        </p:spPr>
+        <p:style>
+          <a:lnRef idx="1">
+            <a:schemeClr val="accent1"/>
+          </a:lnRef>
+          <a:fillRef idx="0">
+            <a:schemeClr val="accent1"/>
+          </a:fillRef>
+          <a:effectRef idx="0">
+            <a:schemeClr val="accent1"/>
+          </a:effectRef>
+          <a:fontRef idx="minor">
+            <a:schemeClr val="tx1"/>
+          </a:fontRef>
+        </p:style>
+      </p:cxnSp>
+      <p:sp>
+        <p:nvSpPr>
+          <p:cNvPr id="2" name="ZoneTexte 1">
+            <a:extLst>
+              <a:ext uri="{FF2B5EF4-FFF2-40B4-BE49-F238E27FC236}">
+                <a16:creationId xmlns:a16="http://schemas.microsoft.com/office/drawing/2014/main" id="{3D360B9F-683E-C474-0972-4C7E01410CD7}"/>
+              </a:ext>
+            </a:extLst>
+          </p:cNvPr>
+          <p:cNvSpPr txBox="1"/>
+          <p:nvPr/>
+        </p:nvSpPr>
+        <p:spPr>
+          <a:xfrm>
+            <a:off x="95250" y="405819"/>
+            <a:ext cx="7080613" cy="1200329"/>
+          </a:xfrm>
+          <a:prstGeom prst="rect">
+            <a:avLst/>
+          </a:prstGeom>
+          <a:noFill/>
+        </p:spPr>
+        <p:txBody>
+          <a:bodyPr wrap="square" rtlCol="0">
+            <a:spAutoFit/>
+          </a:bodyPr>
+          <a:lstStyle/>
+          <a:p>
+            <a:r>
+              <a:rPr lang="fr-FR" sz="2400" dirty="0"/>
+              <a:t>HTTP POST</a:t>
+            </a:r>
+          </a:p>
+          <a:p>
+            <a:r>
+              <a:rPr lang="fr-FR" sz="2400" dirty="0">
+                <a:hlinkClick r:id="rId4"/>
+              </a:rPr>
+              <a:t>http://slimfaas/</a:t>
+            </a:r>
+            <a:r>
+              <a:rPr lang="fr-FR" sz="2400" dirty="0">
+                <a:highlight>
+                  <a:srgbClr val="FFFF00"/>
+                </a:highlight>
+                <a:hlinkClick r:id="rId4"/>
+              </a:rPr>
+              <a:t>function</a:t>
+            </a:r>
+            <a:r>
+              <a:rPr lang="fr-FR" sz="2400" dirty="0">
+                <a:hlinkClick r:id="rId4"/>
+              </a:rPr>
+              <a:t>/</a:t>
+            </a:r>
+            <a:r>
+              <a:rPr lang="fr-FR" sz="2400" dirty="0">
+                <a:highlight>
+                  <a:srgbClr val="00FF00"/>
+                </a:highlight>
+                <a:hlinkClick r:id="rId4"/>
+              </a:rPr>
+              <a:t>fibonacci</a:t>
+            </a:r>
+            <a:r>
+              <a:rPr lang="fr-FR" sz="2400" dirty="0">
+                <a:hlinkClick r:id="rId4"/>
+              </a:rPr>
+              <a:t>/</a:t>
+            </a:r>
+            <a:r>
+              <a:rPr lang="fr-FR" sz="2400" dirty="0">
+                <a:highlight>
+                  <a:srgbClr val="FF6C45"/>
+                </a:highlight>
+                <a:hlinkClick r:id="rId4"/>
+              </a:rPr>
+              <a:t>hello/guillaume</a:t>
+            </a:r>
+            <a:endParaRPr lang="fr-FR" sz="2400" dirty="0">
+              <a:highlight>
+                <a:srgbClr val="FF6C45"/>
+              </a:highlight>
+            </a:endParaRPr>
+          </a:p>
+          <a:p>
+            <a:r>
+              <a:rPr lang="fr-FR" sz="2400" dirty="0"/>
+              <a:t>{</a:t>
+            </a:r>
+            <a:r>
+              <a:rPr lang="fr-FR" sz="2400" b="0" i="0" dirty="0">
+                <a:effectLst/>
+                <a:latin typeface="-apple-system"/>
+              </a:rPr>
+              <a:t>"</a:t>
+            </a:r>
+            <a:r>
+              <a:rPr lang="fr-FR" sz="2400" dirty="0"/>
+              <a:t>input</a:t>
+            </a:r>
+            <a:r>
+              <a:rPr lang="fr-FR" sz="2400" b="0" i="0" dirty="0">
+                <a:effectLst/>
+                <a:latin typeface="-apple-system"/>
+              </a:rPr>
+              <a:t>"</a:t>
+            </a:r>
+            <a:r>
+              <a:rPr lang="fr-FR" sz="2400" dirty="0"/>
+              <a:t>:42}</a:t>
+            </a:r>
+          </a:p>
+        </p:txBody>
+      </p:sp>
+      <p:sp>
+        <p:nvSpPr>
+          <p:cNvPr id="6" name="ZoneTexte 5">
+            <a:extLst>
+              <a:ext uri="{FF2B5EF4-FFF2-40B4-BE49-F238E27FC236}">
+                <a16:creationId xmlns:a16="http://schemas.microsoft.com/office/drawing/2014/main" id="{43E3B7B0-10A9-2A13-B906-B992930A68C1}"/>
+              </a:ext>
+            </a:extLst>
+          </p:cNvPr>
+          <p:cNvSpPr txBox="1"/>
+          <p:nvPr/>
+        </p:nvSpPr>
+        <p:spPr>
+          <a:xfrm>
+            <a:off x="7558644" y="2137261"/>
+            <a:ext cx="4438754" cy="1200329"/>
+          </a:xfrm>
+          <a:prstGeom prst="rect">
+            <a:avLst/>
+          </a:prstGeom>
+          <a:noFill/>
+        </p:spPr>
+        <p:txBody>
+          <a:bodyPr wrap="square" rtlCol="0">
+            <a:spAutoFit/>
+          </a:bodyPr>
+          <a:lstStyle/>
+          <a:p>
+            <a:r>
+              <a:rPr lang="fr-FR" sz="2400" dirty="0"/>
+              <a:t>HTTP POST</a:t>
+            </a:r>
+          </a:p>
+          <a:p>
+            <a:r>
+              <a:rPr lang="fr-FR" sz="2400" dirty="0">
+                <a:hlinkClick r:id="rId5"/>
+              </a:rPr>
+              <a:t>http://</a:t>
+            </a:r>
+            <a:r>
+              <a:rPr lang="fr-FR" sz="2400" dirty="0">
+                <a:highlight>
+                  <a:srgbClr val="00FF00"/>
+                </a:highlight>
+                <a:hlinkClick r:id="rId5"/>
+              </a:rPr>
+              <a:t>fibonacci</a:t>
+            </a:r>
+            <a:r>
+              <a:rPr lang="fr-FR" sz="2400" dirty="0">
+                <a:hlinkClick r:id="rId5"/>
+              </a:rPr>
+              <a:t>/</a:t>
+            </a:r>
+            <a:r>
+              <a:rPr lang="fr-FR" sz="2400" dirty="0">
+                <a:highlight>
+                  <a:srgbClr val="FF6C45"/>
+                </a:highlight>
+                <a:hlinkClick r:id="rId5"/>
+              </a:rPr>
+              <a:t>hello/guillaume</a:t>
+            </a:r>
+            <a:br>
+              <a:rPr lang="fr-FR" sz="2400" dirty="0"/>
+            </a:br>
+            <a:r>
+              <a:rPr lang="fr-FR" sz="2400" dirty="0"/>
+              <a:t>{</a:t>
+            </a:r>
+            <a:r>
+              <a:rPr lang="fr-FR" sz="2400" b="0" i="0" dirty="0">
+                <a:effectLst/>
+                <a:latin typeface="-apple-system"/>
+              </a:rPr>
+              <a:t>"</a:t>
+            </a:r>
+            <a:r>
+              <a:rPr lang="fr-FR" sz="2400" dirty="0"/>
+              <a:t>input</a:t>
+            </a:r>
+            <a:r>
+              <a:rPr lang="fr-FR" sz="2400" b="0" i="0" dirty="0">
+                <a:effectLst/>
+                <a:latin typeface="-apple-system"/>
+              </a:rPr>
+              <a:t>"</a:t>
+            </a:r>
+            <a:r>
+              <a:rPr lang="fr-FR" sz="2400" dirty="0"/>
+              <a:t>:42}</a:t>
+            </a:r>
+          </a:p>
+        </p:txBody>
+      </p:sp>
+    </p:spTree>
+    <p:extLst>
+      <p:ext uri="{BB962C8B-B14F-4D97-AF65-F5344CB8AC3E}">
+        <p14:creationId xmlns:p14="http://schemas.microsoft.com/office/powerpoint/2010/main" val="129032465"/>
+      </p:ext>
+    </p:extLst>
+  </p:cSld>
+  <p:clrMapOvr>
+    <a:masterClrMapping/>
+  </p:clrMapOvr>
+</p:sld>
+</file>
+
+<file path=ppt/slides/slide4.xml><?xml version="1.0" encoding="utf-8"?>
+<p:sld xmlns:a="http://schemas.openxmlformats.org/drawingml/2006/main" xmlns:r="http://schemas.openxmlformats.org/officeDocument/2006/relationships" xmlns:p="http://schemas.openxmlformats.org/presentationml/2006/main">
+  <p:cSld>
+    <p:spTree>
+      <p:nvGrpSpPr>
+        <p:cNvPr id="1" name=""/>
+        <p:cNvGrpSpPr/>
+        <p:nvPr/>
+      </p:nvGrpSpPr>
+      <p:grpSpPr>
+        <a:xfrm>
+          <a:off x="0" y="0"/>
+          <a:ext cx="0" cy="0"/>
+          <a:chOff x="0" y="0"/>
+          <a:chExt cx="0" cy="0"/>
+        </a:xfrm>
+      </p:grpSpPr>
+      <p:sp>
+        <p:nvSpPr>
+          <p:cNvPr id="17" name="Rectangle 16">
+            <a:extLst>
+              <a:ext uri="{FF2B5EF4-FFF2-40B4-BE49-F238E27FC236}">
+                <a16:creationId xmlns:a16="http://schemas.microsoft.com/office/drawing/2014/main" id="{83C60C87-609E-41AB-8E66-C44853DB93B6}"/>
+              </a:ext>
+            </a:extLst>
+          </p:cNvPr>
+          <p:cNvSpPr/>
+          <p:nvPr/>
+        </p:nvSpPr>
+        <p:spPr>
+          <a:xfrm>
+            <a:off x="95250" y="6604378"/>
+            <a:ext cx="6305550" cy="253622"/>
+          </a:xfrm>
+          <a:prstGeom prst="rect">
+            <a:avLst/>
+          </a:prstGeom>
+          <a:solidFill>
+            <a:schemeClr val="bg1"/>
+          </a:solidFill>
+          <a:ln>
+            <a:noFill/>
+          </a:ln>
+        </p:spPr>
+        <p:style>
+          <a:lnRef idx="2">
+            <a:schemeClr val="accent1">
+              <a:shade val="50000"/>
+            </a:schemeClr>
+          </a:lnRef>
+          <a:fillRef idx="1">
+            <a:schemeClr val="accent1"/>
+          </a:fillRef>
+          <a:effectRef idx="0">
+            <a:schemeClr val="accent1"/>
+          </a:effectRef>
+          <a:fontRef idx="minor">
+            <a:schemeClr val="lt1"/>
+          </a:fontRef>
+        </p:style>
+        <p:txBody>
+          <a:bodyPr rtlCol="0" anchor="ctr"/>
+          <a:lstStyle/>
+          <a:p>
+            <a:pPr algn="ctr"/>
+            <a:endParaRPr lang="fr-FR"/>
+          </a:p>
+        </p:txBody>
+      </p:sp>
+      <p:sp>
+        <p:nvSpPr>
+          <p:cNvPr id="15" name="Rectangle : coins arrondis 14">
+            <a:extLst>
+              <a:ext uri="{FF2B5EF4-FFF2-40B4-BE49-F238E27FC236}">
+                <a16:creationId xmlns:a16="http://schemas.microsoft.com/office/drawing/2014/main" id="{A6226B3F-3380-E0AA-AF16-830B21A49428}"/>
+              </a:ext>
+            </a:extLst>
+          </p:cNvPr>
+          <p:cNvSpPr/>
+          <p:nvPr/>
+        </p:nvSpPr>
+        <p:spPr>
+          <a:xfrm>
+            <a:off x="270274" y="3860695"/>
+            <a:ext cx="5854700" cy="2824928"/>
+          </a:xfrm>
+          <a:prstGeom prst="roundRect">
+            <a:avLst/>
+          </a:prstGeom>
+          <a:solidFill>
+            <a:schemeClr val="bg2">
+              <a:lumMod val="25000"/>
+            </a:schemeClr>
+          </a:solidFill>
+          <a:ln>
+            <a:noFill/>
+          </a:ln>
+        </p:spPr>
+        <p:style>
+          <a:lnRef idx="2">
+            <a:schemeClr val="accent1">
+              <a:shade val="50000"/>
+            </a:schemeClr>
+          </a:lnRef>
+          <a:fillRef idx="1">
+            <a:schemeClr val="accent1"/>
+          </a:fillRef>
+          <a:effectRef idx="0">
+            <a:schemeClr val="accent1"/>
+          </a:effectRef>
+          <a:fontRef idx="minor">
+            <a:schemeClr val="lt1"/>
+          </a:fontRef>
+        </p:style>
+        <p:txBody>
+          <a:bodyPr rtlCol="0" anchor="ctr"/>
+          <a:lstStyle/>
+          <a:p>
+            <a:pPr algn="ctr"/>
+            <a:endParaRPr lang="fr-FR" sz="4000">
+              <a:solidFill>
+                <a:schemeClr val="bg1"/>
+              </a:solidFill>
+            </a:endParaRPr>
+          </a:p>
+        </p:txBody>
+      </p:sp>
+      <p:sp>
+        <p:nvSpPr>
+          <p:cNvPr id="11" name="Rectangle : coins arrondis 10">
+            <a:extLst>
+              <a:ext uri="{FF2B5EF4-FFF2-40B4-BE49-F238E27FC236}">
+                <a16:creationId xmlns:a16="http://schemas.microsoft.com/office/drawing/2014/main" id="{4E0312E4-E02C-5132-9EC7-E21ECBAD0DFB}"/>
+              </a:ext>
+            </a:extLst>
+          </p:cNvPr>
+          <p:cNvSpPr/>
+          <p:nvPr/>
+        </p:nvSpPr>
+        <p:spPr>
+          <a:xfrm>
+            <a:off x="5788599" y="248280"/>
+            <a:ext cx="6118483" cy="2953155"/>
+          </a:xfrm>
+          <a:prstGeom prst="roundRect">
+            <a:avLst/>
+          </a:prstGeom>
+          <a:solidFill>
+            <a:schemeClr val="bg2">
+              <a:lumMod val="25000"/>
+            </a:schemeClr>
+          </a:solidFill>
+          <a:ln>
+            <a:noFill/>
+          </a:ln>
+        </p:spPr>
+        <p:style>
+          <a:lnRef idx="2">
+            <a:schemeClr val="accent1">
+              <a:shade val="50000"/>
+            </a:schemeClr>
+          </a:lnRef>
+          <a:fillRef idx="1">
+            <a:schemeClr val="accent1"/>
+          </a:fillRef>
+          <a:effectRef idx="0">
+            <a:schemeClr val="accent1"/>
+          </a:effectRef>
+          <a:fontRef idx="minor">
+            <a:schemeClr val="lt1"/>
+          </a:fontRef>
+        </p:style>
+        <p:txBody>
+          <a:bodyPr rtlCol="0" anchor="ctr"/>
+          <a:lstStyle/>
+          <a:p>
+            <a:pPr algn="ctr"/>
+            <a:endParaRPr lang="fr-FR" sz="4000">
+              <a:solidFill>
+                <a:schemeClr val="bg1"/>
+              </a:solidFill>
+            </a:endParaRPr>
+          </a:p>
+        </p:txBody>
+      </p:sp>
+      <p:cxnSp>
+        <p:nvCxnSpPr>
+          <p:cNvPr id="25" name="Connecteur droit avec flèche 24">
+            <a:extLst>
+              <a:ext uri="{FF2B5EF4-FFF2-40B4-BE49-F238E27FC236}">
+                <a16:creationId xmlns:a16="http://schemas.microsoft.com/office/drawing/2014/main" id="{EF74DD91-1B16-470B-A20B-035F88F385D6}"/>
+              </a:ext>
+            </a:extLst>
+          </p:cNvPr>
+          <p:cNvCxnSpPr>
+            <a:cxnSpLocks/>
+            <a:stCxn id="2" idx="3"/>
+            <a:endCxn id="13" idx="1"/>
+          </p:cNvCxnSpPr>
+          <p:nvPr/>
+        </p:nvCxnSpPr>
+        <p:spPr>
+          <a:xfrm flipV="1">
+            <a:off x="5945039" y="5223738"/>
+            <a:ext cx="2412084" cy="4209"/>
+          </a:xfrm>
+          <a:prstGeom prst="straightConnector1">
+            <a:avLst/>
+          </a:prstGeom>
+          <a:ln w="127000">
+            <a:solidFill>
+              <a:schemeClr val="accent6">
+                <a:lumMod val="75000"/>
+              </a:schemeClr>
+            </a:solidFill>
+            <a:tailEnd type="triangle"/>
+          </a:ln>
+        </p:spPr>
+        <p:style>
+          <a:lnRef idx="1">
+            <a:schemeClr val="accent1"/>
+          </a:lnRef>
+          <a:fillRef idx="0">
+            <a:schemeClr val="accent1"/>
+          </a:fillRef>
+          <a:effectRef idx="0">
+            <a:schemeClr val="accent1"/>
+          </a:effectRef>
+          <a:fontRef idx="minor">
+            <a:schemeClr val="tx1"/>
+          </a:fontRef>
+        </p:style>
+      </p:cxnSp>
+      <p:sp>
+        <p:nvSpPr>
+          <p:cNvPr id="13" name="Rounded Rectangle 45">
+            <a:extLst>
+              <a:ext uri="{FF2B5EF4-FFF2-40B4-BE49-F238E27FC236}">
+                <a16:creationId xmlns:a16="http://schemas.microsoft.com/office/drawing/2014/main" id="{010C1183-1FCB-4B5B-84DC-B7D70796FA94}"/>
+              </a:ext>
+            </a:extLst>
+          </p:cNvPr>
+          <p:cNvSpPr/>
+          <p:nvPr/>
+        </p:nvSpPr>
+        <p:spPr>
+          <a:xfrm>
+            <a:off x="8357123" y="4174427"/>
+            <a:ext cx="3145551" cy="2098622"/>
+          </a:xfrm>
+          <a:prstGeom prst="roundRect">
+            <a:avLst/>
+          </a:prstGeom>
+          <a:solidFill>
+            <a:schemeClr val="bg2">
+              <a:lumMod val="25000"/>
+            </a:schemeClr>
+          </a:solidFill>
+          <a:ln>
+            <a:noFill/>
+          </a:ln>
+        </p:spPr>
+        <p:style>
+          <a:lnRef idx="2">
+            <a:schemeClr val="accent1">
+              <a:shade val="50000"/>
+            </a:schemeClr>
+          </a:lnRef>
+          <a:fillRef idx="1">
+            <a:schemeClr val="accent1"/>
+          </a:fillRef>
+          <a:effectRef idx="0">
+            <a:schemeClr val="accent1"/>
+          </a:effectRef>
+          <a:fontRef idx="minor">
+            <a:schemeClr val="lt1"/>
+          </a:fontRef>
+        </p:style>
+        <p:txBody>
+          <a:bodyPr rtlCol="0" anchor="ctr"/>
+          <a:lstStyle/>
+          <a:p>
+            <a:pPr algn="ctr"/>
+            <a:r>
+              <a:rPr lang="fr-FR" sz="4000" dirty="0">
+                <a:solidFill>
+                  <a:schemeClr val="bg1"/>
+                </a:solidFill>
+              </a:rPr>
+              <a:t>function « fibonacci »</a:t>
+            </a:r>
+            <a:endParaRPr lang="en-FR" sz="4000" dirty="0">
+              <a:solidFill>
+                <a:schemeClr val="bg1"/>
+              </a:solidFill>
+            </a:endParaRPr>
+          </a:p>
+        </p:txBody>
+      </p:sp>
+      <p:pic>
+        <p:nvPicPr>
+          <p:cNvPr id="1026" name="Picture 2" descr="Afficher l’image source">
+            <a:extLst>
+              <a:ext uri="{FF2B5EF4-FFF2-40B4-BE49-F238E27FC236}">
+                <a16:creationId xmlns:a16="http://schemas.microsoft.com/office/drawing/2014/main" id="{F291C231-1626-4F0E-B26C-1EFF6A7E0B9C}"/>
+              </a:ext>
+            </a:extLst>
+          </p:cNvPr>
+          <p:cNvPicPr>
+            <a:picLocks noChangeAspect="1" noChangeArrowheads="1"/>
+          </p:cNvPicPr>
+          <p:nvPr/>
+        </p:nvPicPr>
+        <p:blipFill>
+          <a:blip r:embed="rId3">
+            <a:extLst>
+              <a:ext uri="{28A0092B-C50C-407E-A947-70E740481C1C}">
+                <a14:useLocalDpi xmlns:a14="http://schemas.microsoft.com/office/drawing/2010/main" val="0"/>
+              </a:ext>
+            </a:extLst>
+          </a:blip>
+          <a:srcRect/>
+          <a:stretch>
+            <a:fillRect/>
+          </a:stretch>
+        </p:blipFill>
+        <p:spPr bwMode="auto">
+          <a:xfrm>
+            <a:off x="11029347" y="4031598"/>
+            <a:ext cx="588793" cy="572693"/>
+          </a:xfrm>
+          <a:prstGeom prst="rect">
+            <a:avLst/>
+          </a:prstGeom>
+          <a:noFill/>
+          <a:extLst>
+            <a:ext uri="{909E8E84-426E-40DD-AFC4-6F175D3DCCD1}">
+              <a14:hiddenFill xmlns:a14="http://schemas.microsoft.com/office/drawing/2010/main">
+                <a:solidFill>
+                  <a:srgbClr val="FFFFFF"/>
+                </a:solidFill>
+              </a14:hiddenFill>
+            </a:ext>
+          </a:extLst>
+        </p:spPr>
+      </p:pic>
+      <p:sp>
+        <p:nvSpPr>
+          <p:cNvPr id="2" name="Rounded Rectangle 44">
+            <a:extLst>
+              <a:ext uri="{FF2B5EF4-FFF2-40B4-BE49-F238E27FC236}">
+                <a16:creationId xmlns:a16="http://schemas.microsoft.com/office/drawing/2014/main" id="{ECE643B4-61AF-3733-8039-0237A0938B0F}"/>
+              </a:ext>
+            </a:extLst>
+          </p:cNvPr>
+          <p:cNvSpPr/>
+          <p:nvPr/>
+        </p:nvSpPr>
+        <p:spPr>
+          <a:xfrm>
+            <a:off x="4021081" y="4700432"/>
+            <a:ext cx="1923958" cy="1055029"/>
+          </a:xfrm>
+          <a:prstGeom prst="roundRect">
+            <a:avLst/>
+          </a:prstGeom>
+          <a:solidFill>
+            <a:srgbClr val="7030A0"/>
+          </a:solidFill>
+          <a:ln>
+            <a:noFill/>
+          </a:ln>
+        </p:spPr>
+        <p:style>
+          <a:lnRef idx="2">
+            <a:schemeClr val="accent1">
+              <a:shade val="50000"/>
+            </a:schemeClr>
+          </a:lnRef>
+          <a:fillRef idx="1">
+            <a:schemeClr val="accent1"/>
+          </a:fillRef>
+          <a:effectRef idx="0">
+            <a:schemeClr val="accent1"/>
+          </a:effectRef>
+          <a:fontRef idx="minor">
+            <a:schemeClr val="lt1"/>
+          </a:fontRef>
+        </p:style>
+        <p:txBody>
+          <a:bodyPr rtlCol="0" anchor="ctr"/>
+          <a:lstStyle/>
+          <a:p>
+            <a:pPr algn="ctr"/>
+            <a:r>
+              <a:rPr lang="en-US" sz="2800" dirty="0">
+                <a:solidFill>
+                  <a:schemeClr val="bg1"/>
+                </a:solidFill>
+              </a:rPr>
+              <a:t>SlimFaas</a:t>
+            </a:r>
+          </a:p>
+        </p:txBody>
+      </p:sp>
+      <p:sp>
+        <p:nvSpPr>
+          <p:cNvPr id="5" name="Rounded Rectangle 44">
+            <a:extLst>
+              <a:ext uri="{FF2B5EF4-FFF2-40B4-BE49-F238E27FC236}">
+                <a16:creationId xmlns:a16="http://schemas.microsoft.com/office/drawing/2014/main" id="{8B31C066-D6ED-6B00-6DFD-759464A699DC}"/>
+              </a:ext>
+            </a:extLst>
+          </p:cNvPr>
+          <p:cNvSpPr/>
+          <p:nvPr/>
+        </p:nvSpPr>
+        <p:spPr>
+          <a:xfrm>
+            <a:off x="6031056" y="1199622"/>
+            <a:ext cx="2135174" cy="923330"/>
+          </a:xfrm>
+          <a:prstGeom prst="roundRect">
+            <a:avLst/>
+          </a:prstGeom>
+          <a:solidFill>
+            <a:srgbClr val="7030A0"/>
+          </a:solidFill>
+          <a:ln>
+            <a:noFill/>
+          </a:ln>
+        </p:spPr>
+        <p:style>
+          <a:lnRef idx="2">
+            <a:schemeClr val="accent1">
+              <a:shade val="50000"/>
+            </a:schemeClr>
+          </a:lnRef>
+          <a:fillRef idx="1">
+            <a:schemeClr val="accent1"/>
+          </a:fillRef>
+          <a:effectRef idx="0">
+            <a:schemeClr val="accent1"/>
+          </a:effectRef>
+          <a:fontRef idx="minor">
+            <a:schemeClr val="lt1"/>
+          </a:fontRef>
+        </p:style>
+        <p:txBody>
+          <a:bodyPr rtlCol="0" anchor="ctr"/>
+          <a:lstStyle/>
+          <a:p>
+            <a:pPr algn="ctr"/>
+            <a:r>
+              <a:rPr lang="en-US" sz="2800" dirty="0">
+                <a:solidFill>
+                  <a:schemeClr val="bg1"/>
+                </a:solidFill>
+              </a:rPr>
+              <a:t>SlimFaas</a:t>
+            </a:r>
+          </a:p>
+        </p:txBody>
+      </p:sp>
+      <p:cxnSp>
+        <p:nvCxnSpPr>
+          <p:cNvPr id="1030" name="Connecteur droit avec flèche 1029">
+            <a:extLst>
+              <a:ext uri="{FF2B5EF4-FFF2-40B4-BE49-F238E27FC236}">
+                <a16:creationId xmlns:a16="http://schemas.microsoft.com/office/drawing/2014/main" id="{52B98CF1-23C8-73AE-54DD-8F17F00A8728}"/>
+              </a:ext>
+            </a:extLst>
+          </p:cNvPr>
+          <p:cNvCxnSpPr>
+            <a:cxnSpLocks/>
+            <a:stCxn id="1035" idx="3"/>
+            <a:endCxn id="5" idx="1"/>
+          </p:cNvCxnSpPr>
+          <p:nvPr/>
+        </p:nvCxnSpPr>
+        <p:spPr>
+          <a:xfrm>
+            <a:off x="4995157" y="1657406"/>
+            <a:ext cx="1035899" cy="3881"/>
+          </a:xfrm>
+          <a:prstGeom prst="straightConnector1">
+            <a:avLst/>
+          </a:prstGeom>
+          <a:ln w="127000">
+            <a:solidFill>
+              <a:schemeClr val="accent6">
+                <a:lumMod val="75000"/>
+              </a:schemeClr>
+            </a:solidFill>
+            <a:tailEnd type="triangle"/>
+          </a:ln>
+        </p:spPr>
+        <p:style>
+          <a:lnRef idx="1">
+            <a:schemeClr val="accent1"/>
+          </a:lnRef>
+          <a:fillRef idx="0">
+            <a:schemeClr val="accent1"/>
+          </a:fillRef>
+          <a:effectRef idx="0">
+            <a:schemeClr val="accent1"/>
+          </a:effectRef>
+          <a:fontRef idx="minor">
+            <a:schemeClr val="tx1"/>
+          </a:fontRef>
+        </p:style>
+      </p:cxnSp>
+      <p:sp>
+        <p:nvSpPr>
+          <p:cNvPr id="1035" name="ZoneTexte 1034">
+            <a:extLst>
+              <a:ext uri="{FF2B5EF4-FFF2-40B4-BE49-F238E27FC236}">
+                <a16:creationId xmlns:a16="http://schemas.microsoft.com/office/drawing/2014/main" id="{D180C645-D94F-EC3F-08F1-4AB872A877B7}"/>
+              </a:ext>
+            </a:extLst>
+          </p:cNvPr>
+          <p:cNvSpPr txBox="1"/>
+          <p:nvPr/>
+        </p:nvSpPr>
+        <p:spPr>
+          <a:xfrm>
+            <a:off x="48143" y="1288074"/>
+            <a:ext cx="4947014" cy="738664"/>
+          </a:xfrm>
+          <a:prstGeom prst="rect">
+            <a:avLst/>
+          </a:prstGeom>
+          <a:noFill/>
+        </p:spPr>
+        <p:txBody>
+          <a:bodyPr wrap="square" rtlCol="0">
+            <a:spAutoFit/>
+          </a:bodyPr>
+          <a:lstStyle/>
+          <a:p>
+            <a:r>
+              <a:rPr lang="fr-FR" sz="1400" dirty="0"/>
+              <a:t>HTTP POST</a:t>
+            </a:r>
+          </a:p>
+          <a:p>
+            <a:r>
+              <a:rPr lang="fr-FR" sz="1400" dirty="0">
+                <a:hlinkClick r:id="rId4"/>
+              </a:rPr>
+              <a:t>http://slimfaas/</a:t>
+            </a:r>
+            <a:r>
+              <a:rPr lang="fr-FR" sz="1400" dirty="0">
+                <a:highlight>
+                  <a:srgbClr val="FFFF00"/>
+                </a:highlight>
+                <a:hlinkClick r:id="rId4"/>
+              </a:rPr>
+              <a:t>async-function</a:t>
+            </a:r>
+            <a:r>
+              <a:rPr lang="fr-FR" sz="1400" dirty="0">
+                <a:hlinkClick r:id="rId4"/>
+              </a:rPr>
+              <a:t>/</a:t>
+            </a:r>
+            <a:r>
+              <a:rPr lang="fr-FR" sz="1400" dirty="0">
+                <a:highlight>
+                  <a:srgbClr val="00FF00"/>
+                </a:highlight>
+                <a:hlinkClick r:id="rId4"/>
+              </a:rPr>
+              <a:t>fibonacci</a:t>
+            </a:r>
+            <a:r>
+              <a:rPr lang="fr-FR" sz="1400" dirty="0">
+                <a:hlinkClick r:id="rId4"/>
+              </a:rPr>
+              <a:t>/</a:t>
+            </a:r>
+            <a:r>
+              <a:rPr lang="fr-FR" sz="1400" dirty="0">
+                <a:highlight>
+                  <a:srgbClr val="FF6C45"/>
+                </a:highlight>
+                <a:hlinkClick r:id="rId4"/>
+              </a:rPr>
+              <a:t>hello/guillaume</a:t>
+            </a:r>
+            <a:endParaRPr lang="fr-FR" sz="1400" dirty="0">
+              <a:highlight>
+                <a:srgbClr val="FF6C45"/>
+              </a:highlight>
+            </a:endParaRPr>
+          </a:p>
+          <a:p>
+            <a:r>
+              <a:rPr lang="fr-FR" sz="1400" dirty="0"/>
+              <a:t>{</a:t>
+            </a:r>
+            <a:r>
+              <a:rPr lang="fr-FR" sz="1400" b="0" i="0" dirty="0">
+                <a:effectLst/>
+                <a:latin typeface="-apple-system"/>
+              </a:rPr>
+              <a:t>"</a:t>
+            </a:r>
+            <a:r>
+              <a:rPr lang="fr-FR" sz="1400" dirty="0"/>
+              <a:t>input</a:t>
+            </a:r>
+            <a:r>
+              <a:rPr lang="fr-FR" sz="1400" b="0" i="0" dirty="0">
+                <a:effectLst/>
+                <a:latin typeface="-apple-system"/>
+              </a:rPr>
+              <a:t>"</a:t>
+            </a:r>
+            <a:r>
+              <a:rPr lang="fr-FR" sz="1400" dirty="0"/>
+              <a:t>:42}</a:t>
+            </a:r>
+          </a:p>
+        </p:txBody>
+      </p:sp>
+      <p:sp>
+        <p:nvSpPr>
+          <p:cNvPr id="1069" name="ZoneTexte 1068">
+            <a:extLst>
+              <a:ext uri="{FF2B5EF4-FFF2-40B4-BE49-F238E27FC236}">
+                <a16:creationId xmlns:a16="http://schemas.microsoft.com/office/drawing/2014/main" id="{090E0DC5-DC00-5D4D-282B-8F120B96B110}"/>
+              </a:ext>
+            </a:extLst>
+          </p:cNvPr>
+          <p:cNvSpPr txBox="1"/>
+          <p:nvPr/>
+        </p:nvSpPr>
+        <p:spPr>
+          <a:xfrm>
+            <a:off x="6096000" y="3302938"/>
+            <a:ext cx="4920343" cy="1200329"/>
+          </a:xfrm>
+          <a:prstGeom prst="rect">
+            <a:avLst/>
+          </a:prstGeom>
+          <a:noFill/>
+        </p:spPr>
+        <p:txBody>
+          <a:bodyPr wrap="square" rtlCol="0">
+            <a:spAutoFit/>
+          </a:bodyPr>
+          <a:lstStyle/>
+          <a:p>
+            <a:r>
+              <a:rPr lang="fr-FR" sz="2400" dirty="0"/>
+              <a:t>HTTP POST</a:t>
+            </a:r>
+          </a:p>
+          <a:p>
+            <a:r>
+              <a:rPr lang="fr-FR" sz="2400" dirty="0">
+                <a:hlinkClick r:id="rId5"/>
+              </a:rPr>
+              <a:t>http://</a:t>
+            </a:r>
+            <a:r>
+              <a:rPr lang="fr-FR" sz="2400" dirty="0">
+                <a:highlight>
+                  <a:srgbClr val="00FF00"/>
+                </a:highlight>
+                <a:hlinkClick r:id="rId5"/>
+              </a:rPr>
+              <a:t>fibonacci</a:t>
+            </a:r>
+            <a:r>
+              <a:rPr lang="fr-FR" sz="2400" dirty="0">
+                <a:hlinkClick r:id="rId5"/>
+              </a:rPr>
+              <a:t>/</a:t>
+            </a:r>
+            <a:r>
+              <a:rPr lang="fr-FR" sz="2400" dirty="0">
+                <a:highlight>
+                  <a:srgbClr val="FF6C45"/>
+                </a:highlight>
+                <a:hlinkClick r:id="rId5"/>
+              </a:rPr>
+              <a:t>hello/guillaume</a:t>
+            </a:r>
+            <a:br>
+              <a:rPr lang="fr-FR" sz="2400" dirty="0"/>
+            </a:br>
+            <a:r>
+              <a:rPr lang="fr-FR" sz="2400" dirty="0"/>
+              <a:t>{</a:t>
+            </a:r>
+            <a:r>
+              <a:rPr lang="fr-FR" sz="2400" b="0" i="0" dirty="0">
+                <a:effectLst/>
+                <a:latin typeface="-apple-system"/>
+              </a:rPr>
+              <a:t>"</a:t>
+            </a:r>
+            <a:r>
+              <a:rPr lang="fr-FR" sz="2400" dirty="0"/>
+              <a:t>input</a:t>
+            </a:r>
+            <a:r>
+              <a:rPr lang="fr-FR" sz="2400" b="0" i="0" dirty="0">
+                <a:effectLst/>
+                <a:latin typeface="-apple-system"/>
+              </a:rPr>
+              <a:t>"</a:t>
+            </a:r>
+            <a:r>
+              <a:rPr lang="fr-FR" sz="2400" dirty="0"/>
+              <a:t>:42}</a:t>
+            </a:r>
+          </a:p>
+        </p:txBody>
+      </p:sp>
+      <p:pic>
+        <p:nvPicPr>
+          <p:cNvPr id="3" name="Picture 2" descr="Afficher l’image source">
+            <a:extLst>
+              <a:ext uri="{FF2B5EF4-FFF2-40B4-BE49-F238E27FC236}">
+                <a16:creationId xmlns:a16="http://schemas.microsoft.com/office/drawing/2014/main" id="{6DDAFA19-505A-5974-5381-D1AA62FE6CDB}"/>
+              </a:ext>
+            </a:extLst>
+          </p:cNvPr>
+          <p:cNvPicPr>
+            <a:picLocks noChangeAspect="1" noChangeArrowheads="1"/>
+          </p:cNvPicPr>
+          <p:nvPr/>
+        </p:nvPicPr>
+        <p:blipFill>
+          <a:blip r:embed="rId3">
+            <a:extLst>
+              <a:ext uri="{28A0092B-C50C-407E-A947-70E740481C1C}">
+                <a14:useLocalDpi xmlns:a14="http://schemas.microsoft.com/office/drawing/2010/main" val="0"/>
+              </a:ext>
+            </a:extLst>
+          </a:blip>
+          <a:srcRect/>
+          <a:stretch>
+            <a:fillRect/>
+          </a:stretch>
+        </p:blipFill>
+        <p:spPr bwMode="auto">
+          <a:xfrm>
+            <a:off x="0" y="3664234"/>
+            <a:ext cx="588793" cy="572693"/>
+          </a:xfrm>
+          <a:prstGeom prst="rect">
+            <a:avLst/>
+          </a:prstGeom>
+          <a:noFill/>
+          <a:extLst>
+            <a:ext uri="{909E8E84-426E-40DD-AFC4-6F175D3DCCD1}">
+              <a14:hiddenFill xmlns:a14="http://schemas.microsoft.com/office/drawing/2010/main">
+                <a:solidFill>
+                  <a:srgbClr val="FFFFFF"/>
+                </a:solidFill>
+              </a14:hiddenFill>
+            </a:ext>
+          </a:extLst>
+        </p:spPr>
+      </p:pic>
+      <p:pic>
+        <p:nvPicPr>
+          <p:cNvPr id="6" name="Picture 2" descr="Afficher l’image source">
+            <a:extLst>
+              <a:ext uri="{FF2B5EF4-FFF2-40B4-BE49-F238E27FC236}">
+                <a16:creationId xmlns:a16="http://schemas.microsoft.com/office/drawing/2014/main" id="{BCBC1B21-323D-218D-4E88-A0D74047C9FD}"/>
+              </a:ext>
+            </a:extLst>
+          </p:cNvPr>
+          <p:cNvPicPr>
+            <a:picLocks noChangeAspect="1" noChangeArrowheads="1"/>
+          </p:cNvPicPr>
+          <p:nvPr/>
+        </p:nvPicPr>
+        <p:blipFill>
+          <a:blip r:embed="rId3">
+            <a:extLst>
+              <a:ext uri="{28A0092B-C50C-407E-A947-70E740481C1C}">
+                <a14:useLocalDpi xmlns:a14="http://schemas.microsoft.com/office/drawing/2010/main" val="0"/>
+              </a:ext>
+            </a:extLst>
+          </a:blip>
+          <a:srcRect/>
+          <a:stretch>
+            <a:fillRect/>
+          </a:stretch>
+        </p:blipFill>
+        <p:spPr bwMode="auto">
+          <a:xfrm>
+            <a:off x="11453006" y="54884"/>
+            <a:ext cx="588793" cy="572693"/>
+          </a:xfrm>
+          <a:prstGeom prst="rect">
+            <a:avLst/>
+          </a:prstGeom>
+          <a:noFill/>
+          <a:extLst>
+            <a:ext uri="{909E8E84-426E-40DD-AFC4-6F175D3DCCD1}">
+              <a14:hiddenFill xmlns:a14="http://schemas.microsoft.com/office/drawing/2010/main">
+                <a:solidFill>
+                  <a:srgbClr val="FFFFFF"/>
+                </a:solidFill>
+              </a14:hiddenFill>
+            </a:ext>
+          </a:extLst>
+        </p:spPr>
+      </p:pic>
+      <p:sp>
+        <p:nvSpPr>
+          <p:cNvPr id="1028" name="Cylindre 1027">
+            <a:extLst>
+              <a:ext uri="{FF2B5EF4-FFF2-40B4-BE49-F238E27FC236}">
+                <a16:creationId xmlns:a16="http://schemas.microsoft.com/office/drawing/2014/main" id="{B2C2AFFD-8B14-9C7B-077E-D589D392B66C}"/>
+              </a:ext>
+            </a:extLst>
+          </p:cNvPr>
+          <p:cNvSpPr/>
+          <p:nvPr/>
+        </p:nvSpPr>
+        <p:spPr>
+          <a:xfrm>
+            <a:off x="8769523" y="386605"/>
+            <a:ext cx="2977880" cy="2552700"/>
+          </a:xfrm>
+          <a:prstGeom prst="can">
+            <a:avLst/>
+          </a:prstGeom>
+        </p:spPr>
+        <p:style>
+          <a:lnRef idx="0">
+            <a:schemeClr val="accent5"/>
+          </a:lnRef>
+          <a:fillRef idx="3">
+            <a:schemeClr val="accent5"/>
+          </a:fillRef>
+          <a:effectRef idx="3">
+            <a:schemeClr val="accent5"/>
+          </a:effectRef>
+          <a:fontRef idx="minor">
+            <a:schemeClr val="lt1"/>
+          </a:fontRef>
+        </p:style>
+        <p:txBody>
+          <a:bodyPr rtlCol="0" anchor="b"/>
+          <a:lstStyle/>
+          <a:p>
+            <a:pPr algn="ctr"/>
+            <a:r>
+              <a:rPr lang="fr-FR" sz="2000" dirty="0"/>
+              <a:t>SlimData</a:t>
+            </a:r>
+            <a:endParaRPr lang="fr-FR" sz="1400" dirty="0"/>
+          </a:p>
+        </p:txBody>
+      </p:sp>
+      <p:sp>
+        <p:nvSpPr>
+          <p:cNvPr id="22" name="Cylindre 21">
+            <a:extLst>
+              <a:ext uri="{FF2B5EF4-FFF2-40B4-BE49-F238E27FC236}">
+                <a16:creationId xmlns:a16="http://schemas.microsoft.com/office/drawing/2014/main" id="{DD2C0339-DDF8-EC26-D9E3-90D001F95C2A}"/>
+              </a:ext>
+            </a:extLst>
+          </p:cNvPr>
+          <p:cNvSpPr/>
+          <p:nvPr/>
+        </p:nvSpPr>
+        <p:spPr>
+          <a:xfrm rot="16200000">
+            <a:off x="9925747" y="434393"/>
+            <a:ext cx="751315" cy="2408164"/>
+          </a:xfrm>
+          <a:prstGeom prst="can">
+            <a:avLst/>
+          </a:prstGeom>
+        </p:spPr>
+        <p:style>
+          <a:lnRef idx="2">
+            <a:schemeClr val="accent1">
+              <a:shade val="50000"/>
+            </a:schemeClr>
+          </a:lnRef>
+          <a:fillRef idx="1">
+            <a:schemeClr val="accent1"/>
+          </a:fillRef>
+          <a:effectRef idx="0">
+            <a:schemeClr val="accent1"/>
+          </a:effectRef>
+          <a:fontRef idx="minor">
+            <a:schemeClr val="lt1"/>
+          </a:fontRef>
+        </p:style>
+        <p:txBody>
           <a:bodyPr vert="vert" rtlCol="0" anchor="ctr"/>
           <a:lstStyle/>
           <a:p>
@@ -5460,7 +7214,7 @@
         </p:nvCxnSpPr>
         <p:spPr>
           <a:xfrm>
-            <a:off x="7193847" y="1858882"/>
+            <a:off x="8166230" y="1661287"/>
             <a:ext cx="603293" cy="1668"/>
           </a:xfrm>
           <a:prstGeom prst="straightConnector1">
@@ -5651,704 +7405,7 @@
 </p:sld>
 </file>
 
-<file path=ppt/slides/slide2.xml><?xml version="1.0" encoding="utf-8"?>
-<p:sld xmlns:a="http://schemas.openxmlformats.org/drawingml/2006/main" xmlns:r="http://schemas.openxmlformats.org/officeDocument/2006/relationships" xmlns:p="http://schemas.openxmlformats.org/presentationml/2006/main">
-  <p:cSld>
-    <p:spTree>
-      <p:nvGrpSpPr>
-        <p:cNvPr id="1" name=""/>
-        <p:cNvGrpSpPr/>
-        <p:nvPr/>
-      </p:nvGrpSpPr>
-      <p:grpSpPr>
-        <a:xfrm>
-          <a:off x="0" y="0"/>
-          <a:ext cx="0" cy="0"/>
-          <a:chOff x="0" y="0"/>
-          <a:chExt cx="0" cy="0"/>
-        </a:xfrm>
-      </p:grpSpPr>
-      <p:sp>
-        <p:nvSpPr>
-          <p:cNvPr id="21" name="Rectangle : coins arrondis 20">
-            <a:extLst>
-              <a:ext uri="{FF2B5EF4-FFF2-40B4-BE49-F238E27FC236}">
-                <a16:creationId xmlns:a16="http://schemas.microsoft.com/office/drawing/2014/main" id="{10281813-D3E5-87C3-B19F-4CEC0004BAF6}"/>
-              </a:ext>
-            </a:extLst>
-          </p:cNvPr>
-          <p:cNvSpPr/>
-          <p:nvPr/>
-        </p:nvSpPr>
-        <p:spPr>
-          <a:xfrm>
-            <a:off x="3926528" y="2223970"/>
-            <a:ext cx="3341145" cy="3514653"/>
-          </a:xfrm>
-          <a:prstGeom prst="roundRect">
-            <a:avLst/>
-          </a:prstGeom>
-          <a:solidFill>
-            <a:schemeClr val="bg2">
-              <a:lumMod val="25000"/>
-            </a:schemeClr>
-          </a:solidFill>
-          <a:ln>
-            <a:noFill/>
-          </a:ln>
-        </p:spPr>
-        <p:style>
-          <a:lnRef idx="2">
-            <a:schemeClr val="accent1">
-              <a:shade val="50000"/>
-            </a:schemeClr>
-          </a:lnRef>
-          <a:fillRef idx="1">
-            <a:schemeClr val="accent1"/>
-          </a:fillRef>
-          <a:effectRef idx="0">
-            <a:schemeClr val="accent1"/>
-          </a:effectRef>
-          <a:fontRef idx="minor">
-            <a:schemeClr val="lt1"/>
-          </a:fontRef>
-        </p:style>
-        <p:txBody>
-          <a:bodyPr rtlCol="0" anchor="ctr"/>
-          <a:lstStyle/>
-          <a:p>
-            <a:pPr algn="ctr"/>
-            <a:endParaRPr lang="fr-FR" sz="4000">
-              <a:solidFill>
-                <a:schemeClr val="bg1"/>
-              </a:solidFill>
-            </a:endParaRPr>
-          </a:p>
-        </p:txBody>
-      </p:sp>
-      <p:pic>
-        <p:nvPicPr>
-          <p:cNvPr id="22" name="Picture 2" descr="Afficher l’image source">
-            <a:extLst>
-              <a:ext uri="{FF2B5EF4-FFF2-40B4-BE49-F238E27FC236}">
-                <a16:creationId xmlns:a16="http://schemas.microsoft.com/office/drawing/2014/main" id="{4C3C7A7E-0F7E-D5AB-7CB7-FE79F49436F5}"/>
-              </a:ext>
-            </a:extLst>
-          </p:cNvPr>
-          <p:cNvPicPr>
-            <a:picLocks noChangeAspect="1" noChangeArrowheads="1"/>
-          </p:cNvPicPr>
-          <p:nvPr/>
-        </p:nvPicPr>
-        <p:blipFill>
-          <a:blip r:embed="rId3">
-            <a:extLst>
-              <a:ext uri="{28A0092B-C50C-407E-A947-70E740481C1C}">
-                <a14:useLocalDpi xmlns:a14="http://schemas.microsoft.com/office/drawing/2010/main" val="0"/>
-              </a:ext>
-            </a:extLst>
-          </a:blip>
-          <a:srcRect/>
-          <a:stretch>
-            <a:fillRect/>
-          </a:stretch>
-        </p:blipFill>
-        <p:spPr bwMode="auto">
-          <a:xfrm>
-            <a:off x="3755743" y="1933694"/>
-            <a:ext cx="588793" cy="572693"/>
-          </a:xfrm>
-          <a:prstGeom prst="rect">
-            <a:avLst/>
-          </a:prstGeom>
-          <a:noFill/>
-          <a:extLst>
-            <a:ext uri="{909E8E84-426E-40DD-AFC4-6F175D3DCCD1}">
-              <a14:hiddenFill xmlns:a14="http://schemas.microsoft.com/office/drawing/2010/main">
-                <a:solidFill>
-                  <a:srgbClr val="FFFFFF"/>
-                </a:solidFill>
-              </a14:hiddenFill>
-            </a:ext>
-          </a:extLst>
-        </p:spPr>
-      </p:pic>
-      <p:sp>
-        <p:nvSpPr>
-          <p:cNvPr id="17" name="Rectangle 16">
-            <a:extLst>
-              <a:ext uri="{FF2B5EF4-FFF2-40B4-BE49-F238E27FC236}">
-                <a16:creationId xmlns:a16="http://schemas.microsoft.com/office/drawing/2014/main" id="{83C60C87-609E-41AB-8E66-C44853DB93B6}"/>
-              </a:ext>
-            </a:extLst>
-          </p:cNvPr>
-          <p:cNvSpPr/>
-          <p:nvPr/>
-        </p:nvSpPr>
-        <p:spPr>
-          <a:xfrm>
-            <a:off x="95250" y="6604378"/>
-            <a:ext cx="6305550" cy="253622"/>
-          </a:xfrm>
-          <a:prstGeom prst="rect">
-            <a:avLst/>
-          </a:prstGeom>
-          <a:solidFill>
-            <a:schemeClr val="bg1"/>
-          </a:solidFill>
-          <a:ln>
-            <a:noFill/>
-          </a:ln>
-        </p:spPr>
-        <p:style>
-          <a:lnRef idx="2">
-            <a:schemeClr val="accent1">
-              <a:shade val="50000"/>
-            </a:schemeClr>
-          </a:lnRef>
-          <a:fillRef idx="1">
-            <a:schemeClr val="accent1"/>
-          </a:fillRef>
-          <a:effectRef idx="0">
-            <a:schemeClr val="accent1"/>
-          </a:effectRef>
-          <a:fontRef idx="minor">
-            <a:schemeClr val="lt1"/>
-          </a:fontRef>
-        </p:style>
-        <p:txBody>
-          <a:bodyPr rtlCol="0" anchor="ctr"/>
-          <a:lstStyle/>
-          <a:p>
-            <a:pPr algn="ctr"/>
-            <a:endParaRPr lang="fr-FR"/>
-          </a:p>
-        </p:txBody>
-      </p:sp>
-      <p:sp>
-        <p:nvSpPr>
-          <p:cNvPr id="5" name="Rounded Rectangle 44">
-            <a:extLst>
-              <a:ext uri="{FF2B5EF4-FFF2-40B4-BE49-F238E27FC236}">
-                <a16:creationId xmlns:a16="http://schemas.microsoft.com/office/drawing/2014/main" id="{8B31C066-D6ED-6B00-6DFD-759464A699DC}"/>
-              </a:ext>
-            </a:extLst>
-          </p:cNvPr>
-          <p:cNvSpPr/>
-          <p:nvPr/>
-        </p:nvSpPr>
-        <p:spPr>
-          <a:xfrm>
-            <a:off x="4679484" y="2886177"/>
-            <a:ext cx="1858037" cy="923330"/>
-          </a:xfrm>
-          <a:prstGeom prst="roundRect">
-            <a:avLst/>
-          </a:prstGeom>
-          <a:solidFill>
-            <a:srgbClr val="7030A0"/>
-          </a:solidFill>
-          <a:ln>
-            <a:noFill/>
-          </a:ln>
-        </p:spPr>
-        <p:style>
-          <a:lnRef idx="2">
-            <a:schemeClr val="accent1">
-              <a:shade val="50000"/>
-            </a:schemeClr>
-          </a:lnRef>
-          <a:fillRef idx="1">
-            <a:schemeClr val="accent1"/>
-          </a:fillRef>
-          <a:effectRef idx="0">
-            <a:schemeClr val="accent1"/>
-          </a:effectRef>
-          <a:fontRef idx="minor">
-            <a:schemeClr val="lt1"/>
-          </a:fontRef>
-        </p:style>
-        <p:txBody>
-          <a:bodyPr rtlCol="0" anchor="ctr"/>
-          <a:lstStyle/>
-          <a:p>
-            <a:pPr algn="ctr"/>
-            <a:r>
-              <a:rPr lang="en-US" sz="2800" dirty="0">
-                <a:solidFill>
-                  <a:schemeClr val="bg1"/>
-                </a:solidFill>
-              </a:rPr>
-              <a:t>SlimFaas</a:t>
-            </a:r>
-          </a:p>
-        </p:txBody>
-      </p:sp>
-      <p:cxnSp>
-        <p:nvCxnSpPr>
-          <p:cNvPr id="1030" name="Connecteur droit avec flèche 1029">
-            <a:extLst>
-              <a:ext uri="{FF2B5EF4-FFF2-40B4-BE49-F238E27FC236}">
-                <a16:creationId xmlns:a16="http://schemas.microsoft.com/office/drawing/2014/main" id="{52B98CF1-23C8-73AE-54DD-8F17F00A8728}"/>
-              </a:ext>
-            </a:extLst>
-          </p:cNvPr>
-          <p:cNvCxnSpPr>
-            <a:cxnSpLocks/>
-            <a:stCxn id="1035" idx="3"/>
-            <a:endCxn id="5" idx="1"/>
-          </p:cNvCxnSpPr>
-          <p:nvPr/>
-        </p:nvCxnSpPr>
-        <p:spPr>
-          <a:xfrm>
-            <a:off x="3322445" y="3347842"/>
-            <a:ext cx="1357039" cy="0"/>
-          </a:xfrm>
-          <a:prstGeom prst="straightConnector1">
-            <a:avLst/>
-          </a:prstGeom>
-          <a:ln w="127000">
-            <a:solidFill>
-              <a:schemeClr val="accent6">
-                <a:lumMod val="75000"/>
-              </a:schemeClr>
-            </a:solidFill>
-            <a:tailEnd type="triangle"/>
-          </a:ln>
-        </p:spPr>
-        <p:style>
-          <a:lnRef idx="1">
-            <a:schemeClr val="accent1"/>
-          </a:lnRef>
-          <a:fillRef idx="0">
-            <a:schemeClr val="accent1"/>
-          </a:fillRef>
-          <a:effectRef idx="0">
-            <a:schemeClr val="accent1"/>
-          </a:effectRef>
-          <a:fontRef idx="minor">
-            <a:schemeClr val="tx1"/>
-          </a:fontRef>
-        </p:style>
-      </p:cxnSp>
-      <p:sp>
-        <p:nvSpPr>
-          <p:cNvPr id="1035" name="ZoneTexte 1034">
-            <a:extLst>
-              <a:ext uri="{FF2B5EF4-FFF2-40B4-BE49-F238E27FC236}">
-                <a16:creationId xmlns:a16="http://schemas.microsoft.com/office/drawing/2014/main" id="{D180C645-D94F-EC3F-08F1-4AB872A877B7}"/>
-              </a:ext>
-            </a:extLst>
-          </p:cNvPr>
-          <p:cNvSpPr txBox="1"/>
-          <p:nvPr/>
-        </p:nvSpPr>
-        <p:spPr>
-          <a:xfrm>
-            <a:off x="166495" y="2932343"/>
-            <a:ext cx="3155950" cy="830997"/>
-          </a:xfrm>
-          <a:prstGeom prst="rect">
-            <a:avLst/>
-          </a:prstGeom>
-          <a:noFill/>
-        </p:spPr>
-        <p:txBody>
-          <a:bodyPr wrap="square" rtlCol="0">
-            <a:spAutoFit/>
-          </a:bodyPr>
-          <a:lstStyle/>
-          <a:p>
-            <a:r>
-              <a:rPr lang="fr-FR" sz="1600" dirty="0"/>
-              <a:t>HTTP POST</a:t>
-            </a:r>
-          </a:p>
-          <a:p>
-            <a:r>
-              <a:rPr lang="fr-FR" sz="1600" dirty="0">
-                <a:hlinkClick r:id="rId4"/>
-              </a:rPr>
-              <a:t>http://slimfaas/function/fibonacci</a:t>
-            </a:r>
-            <a:endParaRPr lang="fr-FR" sz="1600" dirty="0"/>
-          </a:p>
-          <a:p>
-            <a:r>
-              <a:rPr lang="fr-FR" sz="1600" dirty="0"/>
-              <a:t>{</a:t>
-            </a:r>
-            <a:r>
-              <a:rPr lang="fr-FR" sz="1600" b="0" i="0" dirty="0">
-                <a:effectLst/>
-                <a:latin typeface="-apple-system"/>
-              </a:rPr>
-              <a:t>"</a:t>
-            </a:r>
-            <a:r>
-              <a:rPr lang="fr-FR" sz="1600" dirty="0"/>
-              <a:t>input</a:t>
-            </a:r>
-            <a:r>
-              <a:rPr lang="fr-FR" sz="1600" b="0" i="0" dirty="0">
-                <a:effectLst/>
-                <a:latin typeface="-apple-system"/>
-              </a:rPr>
-              <a:t>"</a:t>
-            </a:r>
-            <a:r>
-              <a:rPr lang="fr-FR" sz="1600" dirty="0"/>
-              <a:t>:42}</a:t>
-            </a:r>
-          </a:p>
-        </p:txBody>
-      </p:sp>
-      <p:sp>
-        <p:nvSpPr>
-          <p:cNvPr id="12" name="ZoneTexte 11">
-            <a:extLst>
-              <a:ext uri="{FF2B5EF4-FFF2-40B4-BE49-F238E27FC236}">
-                <a16:creationId xmlns:a16="http://schemas.microsoft.com/office/drawing/2014/main" id="{F13DD677-D1D6-F5D4-49E9-45EA78EE7994}"/>
-              </a:ext>
-            </a:extLst>
-          </p:cNvPr>
-          <p:cNvSpPr txBox="1"/>
-          <p:nvPr/>
-        </p:nvSpPr>
-        <p:spPr>
-          <a:xfrm>
-            <a:off x="7389910" y="2286012"/>
-            <a:ext cx="1659171" cy="830997"/>
-          </a:xfrm>
-          <a:prstGeom prst="rect">
-            <a:avLst/>
-          </a:prstGeom>
-          <a:noFill/>
-        </p:spPr>
-        <p:txBody>
-          <a:bodyPr wrap="square" rtlCol="0">
-            <a:spAutoFit/>
-          </a:bodyPr>
-          <a:lstStyle/>
-          <a:p>
-            <a:r>
-              <a:rPr lang="fr-FR" sz="1600" dirty="0"/>
-              <a:t>HTTP POST</a:t>
-            </a:r>
-          </a:p>
-          <a:p>
-            <a:r>
-              <a:rPr lang="fr-FR" sz="1600" dirty="0">
-                <a:hlinkClick r:id="rId5"/>
-              </a:rPr>
-              <a:t>http://fibonacci</a:t>
-            </a:r>
-            <a:r>
-              <a:rPr lang="fr-FR" sz="1600" dirty="0"/>
-              <a:t> </a:t>
-            </a:r>
-            <a:br>
-              <a:rPr lang="fr-FR" sz="1600" dirty="0"/>
-            </a:br>
-            <a:r>
-              <a:rPr lang="fr-FR" sz="1600" dirty="0"/>
-              <a:t>{</a:t>
-            </a:r>
-            <a:r>
-              <a:rPr lang="fr-FR" sz="1600" b="0" i="0" dirty="0">
-                <a:effectLst/>
-                <a:latin typeface="-apple-system"/>
-              </a:rPr>
-              <a:t>"</a:t>
-            </a:r>
-            <a:r>
-              <a:rPr lang="fr-FR" sz="1600" dirty="0"/>
-              <a:t>input</a:t>
-            </a:r>
-            <a:r>
-              <a:rPr lang="fr-FR" sz="1600" b="0" i="0" dirty="0">
-                <a:effectLst/>
-                <a:latin typeface="-apple-system"/>
-              </a:rPr>
-              <a:t>"</a:t>
-            </a:r>
-            <a:r>
-              <a:rPr lang="fr-FR" sz="1600" dirty="0"/>
-              <a:t>:42}</a:t>
-            </a:r>
-          </a:p>
-        </p:txBody>
-      </p:sp>
-      <p:sp>
-        <p:nvSpPr>
-          <p:cNvPr id="14" name="Rounded Rectangle 45">
-            <a:extLst>
-              <a:ext uri="{FF2B5EF4-FFF2-40B4-BE49-F238E27FC236}">
-                <a16:creationId xmlns:a16="http://schemas.microsoft.com/office/drawing/2014/main" id="{86948BFE-3A92-09B5-773B-172DD8AA2DEA}"/>
-              </a:ext>
-            </a:extLst>
-          </p:cNvPr>
-          <p:cNvSpPr/>
-          <p:nvPr/>
-        </p:nvSpPr>
-        <p:spPr>
-          <a:xfrm>
-            <a:off x="8949648" y="2223970"/>
-            <a:ext cx="3145551" cy="2247742"/>
-          </a:xfrm>
-          <a:prstGeom prst="roundRect">
-            <a:avLst/>
-          </a:prstGeom>
-          <a:solidFill>
-            <a:schemeClr val="bg2">
-              <a:lumMod val="25000"/>
-            </a:schemeClr>
-          </a:solidFill>
-          <a:ln>
-            <a:noFill/>
-          </a:ln>
-        </p:spPr>
-        <p:style>
-          <a:lnRef idx="2">
-            <a:schemeClr val="accent1">
-              <a:shade val="50000"/>
-            </a:schemeClr>
-          </a:lnRef>
-          <a:fillRef idx="1">
-            <a:schemeClr val="accent1"/>
-          </a:fillRef>
-          <a:effectRef idx="0">
-            <a:schemeClr val="accent1"/>
-          </a:effectRef>
-          <a:fontRef idx="minor">
-            <a:schemeClr val="lt1"/>
-          </a:fontRef>
-        </p:style>
-        <p:txBody>
-          <a:bodyPr rtlCol="0" anchor="ctr"/>
-          <a:lstStyle/>
-          <a:p>
-            <a:pPr algn="ctr"/>
-            <a:r>
-              <a:rPr lang="fr-FR" sz="4000" dirty="0">
-                <a:solidFill>
-                  <a:schemeClr val="bg1"/>
-                </a:solidFill>
-              </a:rPr>
-              <a:t>function « fibonacci »</a:t>
-            </a:r>
-            <a:endParaRPr lang="en-FR" sz="4000" dirty="0">
-              <a:solidFill>
-                <a:schemeClr val="bg1"/>
-              </a:solidFill>
-            </a:endParaRPr>
-          </a:p>
-        </p:txBody>
-      </p:sp>
-      <p:pic>
-        <p:nvPicPr>
-          <p:cNvPr id="15" name="Picture 2" descr="Afficher l’image source">
-            <a:extLst>
-              <a:ext uri="{FF2B5EF4-FFF2-40B4-BE49-F238E27FC236}">
-                <a16:creationId xmlns:a16="http://schemas.microsoft.com/office/drawing/2014/main" id="{35712BBA-EBEC-F7AF-781C-F0A47F710A3D}"/>
-              </a:ext>
-            </a:extLst>
-          </p:cNvPr>
-          <p:cNvPicPr>
-            <a:picLocks noChangeAspect="1" noChangeArrowheads="1"/>
-          </p:cNvPicPr>
-          <p:nvPr/>
-        </p:nvPicPr>
-        <p:blipFill>
-          <a:blip r:embed="rId3">
-            <a:extLst>
-              <a:ext uri="{28A0092B-C50C-407E-A947-70E740481C1C}">
-                <a14:useLocalDpi xmlns:a14="http://schemas.microsoft.com/office/drawing/2010/main" val="0"/>
-              </a:ext>
-            </a:extLst>
-          </a:blip>
-          <a:srcRect/>
-          <a:stretch>
-            <a:fillRect/>
-          </a:stretch>
-        </p:blipFill>
-        <p:spPr bwMode="auto">
-          <a:xfrm>
-            <a:off x="8890519" y="1933694"/>
-            <a:ext cx="588793" cy="572693"/>
-          </a:xfrm>
-          <a:prstGeom prst="rect">
-            <a:avLst/>
-          </a:prstGeom>
-          <a:noFill/>
-          <a:extLst>
-            <a:ext uri="{909E8E84-426E-40DD-AFC4-6F175D3DCCD1}">
-              <a14:hiddenFill xmlns:a14="http://schemas.microsoft.com/office/drawing/2010/main">
-                <a:solidFill>
-                  <a:srgbClr val="FFFFFF"/>
-                </a:solidFill>
-              </a14:hiddenFill>
-            </a:ext>
-          </a:extLst>
-        </p:spPr>
-      </p:pic>
-      <p:cxnSp>
-        <p:nvCxnSpPr>
-          <p:cNvPr id="16" name="Connecteur droit avec flèche 15">
-            <a:extLst>
-              <a:ext uri="{FF2B5EF4-FFF2-40B4-BE49-F238E27FC236}">
-                <a16:creationId xmlns:a16="http://schemas.microsoft.com/office/drawing/2014/main" id="{E672AC01-B7E2-9CC9-7A1C-110F38B184E7}"/>
-              </a:ext>
-            </a:extLst>
-          </p:cNvPr>
-          <p:cNvCxnSpPr>
-            <a:cxnSpLocks/>
-            <a:stCxn id="5" idx="3"/>
-            <a:endCxn id="14" idx="1"/>
-          </p:cNvCxnSpPr>
-          <p:nvPr/>
-        </p:nvCxnSpPr>
-        <p:spPr>
-          <a:xfrm flipV="1">
-            <a:off x="6537521" y="3347841"/>
-            <a:ext cx="2412127" cy="1"/>
-          </a:xfrm>
-          <a:prstGeom prst="straightConnector1">
-            <a:avLst/>
-          </a:prstGeom>
-          <a:ln w="127000">
-            <a:solidFill>
-              <a:schemeClr val="accent6">
-                <a:lumMod val="75000"/>
-              </a:schemeClr>
-            </a:solidFill>
-            <a:tailEnd type="triangle"/>
-          </a:ln>
-        </p:spPr>
-        <p:style>
-          <a:lnRef idx="1">
-            <a:schemeClr val="accent1"/>
-          </a:lnRef>
-          <a:fillRef idx="0">
-            <a:schemeClr val="accent1"/>
-          </a:fillRef>
-          <a:effectRef idx="0">
-            <a:schemeClr val="accent1"/>
-          </a:effectRef>
-          <a:fontRef idx="minor">
-            <a:schemeClr val="tx1"/>
-          </a:fontRef>
-        </p:style>
-      </p:cxnSp>
-      <p:sp>
-        <p:nvSpPr>
-          <p:cNvPr id="20" name="Cylindre 19">
-            <a:extLst>
-              <a:ext uri="{FF2B5EF4-FFF2-40B4-BE49-F238E27FC236}">
-                <a16:creationId xmlns:a16="http://schemas.microsoft.com/office/drawing/2014/main" id="{ADE31F5A-3083-C305-22A8-E05EB3D3CEAE}"/>
-              </a:ext>
-            </a:extLst>
-          </p:cNvPr>
-          <p:cNvSpPr/>
-          <p:nvPr/>
-        </p:nvSpPr>
-        <p:spPr>
-          <a:xfrm>
-            <a:off x="5004417" y="4325969"/>
-            <a:ext cx="1208169" cy="1258899"/>
-          </a:xfrm>
-          <a:prstGeom prst="can">
-            <a:avLst/>
-          </a:prstGeom>
-        </p:spPr>
-        <p:style>
-          <a:lnRef idx="0">
-            <a:schemeClr val="accent5"/>
-          </a:lnRef>
-          <a:fillRef idx="3">
-            <a:schemeClr val="accent5"/>
-          </a:fillRef>
-          <a:effectRef idx="3">
-            <a:schemeClr val="accent5"/>
-          </a:effectRef>
-          <a:fontRef idx="minor">
-            <a:schemeClr val="lt1"/>
-          </a:fontRef>
-        </p:style>
-        <p:txBody>
-          <a:bodyPr rtlCol="0" anchor="ctr"/>
-          <a:lstStyle/>
-          <a:p>
-            <a:pPr algn="ctr"/>
-            <a:r>
-              <a:rPr lang="fr-FR" sz="2000" dirty="0"/>
-              <a:t>SlimData</a:t>
-            </a:r>
-            <a:endParaRPr lang="fr-FR" sz="1400" dirty="0"/>
-          </a:p>
-        </p:txBody>
-      </p:sp>
-      <p:cxnSp>
-        <p:nvCxnSpPr>
-          <p:cNvPr id="1034" name="Connecteur droit avec flèche 1033">
-            <a:extLst>
-              <a:ext uri="{FF2B5EF4-FFF2-40B4-BE49-F238E27FC236}">
-                <a16:creationId xmlns:a16="http://schemas.microsoft.com/office/drawing/2014/main" id="{C97FA525-2FE2-BE58-B3CE-7494FA2825DA}"/>
-              </a:ext>
-            </a:extLst>
-          </p:cNvPr>
-          <p:cNvCxnSpPr>
-            <a:cxnSpLocks/>
-            <a:stCxn id="5" idx="2"/>
-            <a:endCxn id="20" idx="1"/>
-          </p:cNvCxnSpPr>
-          <p:nvPr/>
-        </p:nvCxnSpPr>
-        <p:spPr>
-          <a:xfrm flipH="1">
-            <a:off x="5608502" y="3809507"/>
-            <a:ext cx="1" cy="516462"/>
-          </a:xfrm>
-          <a:prstGeom prst="straightConnector1">
-            <a:avLst/>
-          </a:prstGeom>
-          <a:ln w="127000">
-            <a:solidFill>
-              <a:srgbClr val="0070C0"/>
-            </a:solidFill>
-            <a:tailEnd type="triangle"/>
-          </a:ln>
-        </p:spPr>
-        <p:style>
-          <a:lnRef idx="1">
-            <a:schemeClr val="accent1"/>
-          </a:lnRef>
-          <a:fillRef idx="0">
-            <a:schemeClr val="accent1"/>
-          </a:fillRef>
-          <a:effectRef idx="0">
-            <a:schemeClr val="accent1"/>
-          </a:effectRef>
-          <a:fontRef idx="minor">
-            <a:schemeClr val="tx1"/>
-          </a:fontRef>
-        </p:style>
-      </p:cxnSp>
-    </p:spTree>
-    <p:extLst>
-      <p:ext uri="{BB962C8B-B14F-4D97-AF65-F5344CB8AC3E}">
-        <p14:creationId xmlns:p14="http://schemas.microsoft.com/office/powerpoint/2010/main" val="129032465"/>
-      </p:ext>
-    </p:extLst>
-  </p:cSld>
-  <p:clrMapOvr>
-    <a:masterClrMapping/>
-  </p:clrMapOvr>
-</p:sld>
-</file>
-
-<file path=ppt/slides/slide3.xml><?xml version="1.0" encoding="utf-8"?>
+<file path=ppt/slides/slide5.xml><?xml version="1.0" encoding="utf-8"?>
 <p:sld xmlns:a="http://schemas.openxmlformats.org/drawingml/2006/main" xmlns:r="http://schemas.openxmlformats.org/officeDocument/2006/relationships" xmlns:p="http://schemas.openxmlformats.org/presentationml/2006/main">
   <p:cSld>
     <p:spTree>
@@ -7581,7 +8638,7 @@
 </p:sld>
 </file>
 
-<file path=ppt/slides/slide4.xml><?xml version="1.0" encoding="utf-8"?>
+<file path=ppt/slides/slide6.xml><?xml version="1.0" encoding="utf-8"?>
 <p:sld xmlns:a="http://schemas.openxmlformats.org/drawingml/2006/main" xmlns:r="http://schemas.openxmlformats.org/officeDocument/2006/relationships" xmlns:p="http://schemas.openxmlformats.org/presentationml/2006/main">
   <p:cSld>
     <p:spTree>
@@ -9439,6 +10496,34 @@
 </file>
 
 <file path=customXml/item1.xml><?xml version="1.0" encoding="utf-8"?>
+<p:properties xmlns:p="http://schemas.microsoft.com/office/2006/metadata/properties" xmlns:xsi="http://www.w3.org/2001/XMLSchema-instance" xmlns:pc="http://schemas.microsoft.com/office/infopath/2007/PartnerControls">
+  <documentManagement>
+    <SharedWithUsers xmlns="03cb9dc2-e9ea-44ac-afed-001b6fad4f36">
+      <UserInfo>
+        <DisplayName>LEMARCHAND THOMAS</DisplayName>
+        <AccountId>16</AccountId>
+        <AccountType/>
+      </UserInfo>
+      <UserInfo>
+        <DisplayName>CHERVET Guillaume</DisplayName>
+        <AccountId>84</AccountId>
+        <AccountType/>
+      </UserInfo>
+    </SharedWithUsers>
+  </documentManagement>
+</p:properties>
+</file>
+
+<file path=customXml/item2.xml><?xml version="1.0" encoding="utf-8"?>
+<?mso-contentType ?>
+<FormTemplates xmlns="http://schemas.microsoft.com/sharepoint/v3/contenttype/forms">
+  <Display>DocumentLibraryForm</Display>
+  <Edit>DocumentLibraryForm</Edit>
+  <New>DocumentLibraryForm</New>
+</FormTemplates>
+</file>
+
+<file path=customXml/item3.xml><?xml version="1.0" encoding="utf-8"?>
 <ct:contentTypeSchema xmlns:ct="http://schemas.microsoft.com/office/2006/metadata/contentType" xmlns:ma="http://schemas.microsoft.com/office/2006/metadata/properties/metaAttributes" ct:_="" ma:_="" ma:contentTypeName="Document" ma:contentTypeID="0x0101003BE0F011240A094E827BA56BE9109944" ma:contentTypeVersion="13" ma:contentTypeDescription="Create a new document." ma:contentTypeScope="" ma:versionID="5dc1144dd420c1d8a9ebf51c7358c8f0">
   <xsd:schema xmlns:xsd="http://www.w3.org/2001/XMLSchema" xmlns:xs="http://www.w3.org/2001/XMLSchema" xmlns:p="http://schemas.microsoft.com/office/2006/metadata/properties" xmlns:ns3="03cb9dc2-e9ea-44ac-afed-001b6fad4f36" xmlns:ns4="d0879fa5-f2db-41a7-8861-4a44e7ee3b24" targetNamespace="http://schemas.microsoft.com/office/2006/metadata/properties" ma:root="true" ma:fieldsID="6dda18631f78ef64168f1da1c53d30ff" ns3:_="" ns4:_="">
     <xsd:import namespace="03cb9dc2-e9ea-44ac-afed-001b6fad4f36"/>
@@ -9661,35 +10746,32 @@
 </ct:contentTypeSchema>
 </file>
 
-<file path=customXml/item2.xml><?xml version="1.0" encoding="utf-8"?>
-<?mso-contentType ?>
-<FormTemplates xmlns="http://schemas.microsoft.com/sharepoint/v3/contenttype/forms">
-  <Display>DocumentLibraryForm</Display>
-  <Edit>DocumentLibraryForm</Edit>
-  <New>DocumentLibraryForm</New>
-</FormTemplates>
+<file path=customXml/itemProps1.xml><?xml version="1.0" encoding="utf-8"?>
+<ds:datastoreItem xmlns:ds="http://schemas.openxmlformats.org/officeDocument/2006/customXml" ds:itemID="{C522BBC0-3E7A-472B-9CC6-34C5EA434DEE}">
+  <ds:schemaRefs>
+    <ds:schemaRef ds:uri="http://purl.org/dc/terms/"/>
+    <ds:schemaRef ds:uri="http://schemas.openxmlformats.org/package/2006/metadata/core-properties"/>
+    <ds:schemaRef ds:uri="http://purl.org/dc/dcmitype/"/>
+    <ds:schemaRef ds:uri="http://schemas.microsoft.com/office/infopath/2007/PartnerControls"/>
+    <ds:schemaRef ds:uri="http://schemas.microsoft.com/office/2006/documentManagement/types"/>
+    <ds:schemaRef ds:uri="http://purl.org/dc/elements/1.1/"/>
+    <ds:schemaRef ds:uri="http://schemas.microsoft.com/office/2006/metadata/properties"/>
+    <ds:schemaRef ds:uri="d0879fa5-f2db-41a7-8861-4a44e7ee3b24"/>
+    <ds:schemaRef ds:uri="03cb9dc2-e9ea-44ac-afed-001b6fad4f36"/>
+    <ds:schemaRef ds:uri="http://www.w3.org/XML/1998/namespace"/>
+  </ds:schemaRefs>
+</ds:datastoreItem>
 </file>
 
-<file path=customXml/item3.xml><?xml version="1.0" encoding="utf-8"?>
-<p:properties xmlns:p="http://schemas.microsoft.com/office/2006/metadata/properties" xmlns:xsi="http://www.w3.org/2001/XMLSchema-instance" xmlns:pc="http://schemas.microsoft.com/office/infopath/2007/PartnerControls">
-  <documentManagement>
-    <SharedWithUsers xmlns="03cb9dc2-e9ea-44ac-afed-001b6fad4f36">
-      <UserInfo>
-        <DisplayName>LEMARCHAND THOMAS</DisplayName>
-        <AccountId>16</AccountId>
-        <AccountType/>
-      </UserInfo>
-      <UserInfo>
-        <DisplayName>CHERVET Guillaume</DisplayName>
-        <AccountId>84</AccountId>
-        <AccountType/>
-      </UserInfo>
-    </SharedWithUsers>
-  </documentManagement>
-</p:properties>
+<file path=customXml/itemProps2.xml><?xml version="1.0" encoding="utf-8"?>
+<ds:datastoreItem xmlns:ds="http://schemas.openxmlformats.org/officeDocument/2006/customXml" ds:itemID="{05D7AB42-0DA9-4407-9B22-92C435FE7C62}">
+  <ds:schemaRefs>
+    <ds:schemaRef ds:uri="http://schemas.microsoft.com/sharepoint/v3/contenttype/forms"/>
+  </ds:schemaRefs>
+</ds:datastoreItem>
 </file>
 
-<file path=customXml/itemProps1.xml><?xml version="1.0" encoding="utf-8"?>
+<file path=customXml/itemProps3.xml><?xml version="1.0" encoding="utf-8"?>
 <ds:datastoreItem xmlns:ds="http://schemas.openxmlformats.org/officeDocument/2006/customXml" ds:itemID="{C72C7657-97CD-4958-88DD-F8AC87258741}">
   <ds:schemaRefs>
     <ds:schemaRef ds:uri="http://schemas.microsoft.com/office/2006/metadata/contentType"/>
@@ -9706,29 +10788,4 @@
     <ds:schemaRef ds:uri="http://schemas.microsoft.com/internal/obd"/>
   </ds:schemaRefs>
 </ds:datastoreItem>
-</file>
-
-<file path=customXml/itemProps2.xml><?xml version="1.0" encoding="utf-8"?>
-<ds:datastoreItem xmlns:ds="http://schemas.openxmlformats.org/officeDocument/2006/customXml" ds:itemID="{05D7AB42-0DA9-4407-9B22-92C435FE7C62}">
-  <ds:schemaRefs>
-    <ds:schemaRef ds:uri="http://schemas.microsoft.com/sharepoint/v3/contenttype/forms"/>
-  </ds:schemaRefs>
-</ds:datastoreItem>
-</file>
-
-<file path=customXml/itemProps3.xml><?xml version="1.0" encoding="utf-8"?>
-<ds:datastoreItem xmlns:ds="http://schemas.openxmlformats.org/officeDocument/2006/customXml" ds:itemID="{C522BBC0-3E7A-472B-9CC6-34C5EA434DEE}">
-  <ds:schemaRefs>
-    <ds:schemaRef ds:uri="http://purl.org/dc/terms/"/>
-    <ds:schemaRef ds:uri="http://schemas.openxmlformats.org/package/2006/metadata/core-properties"/>
-    <ds:schemaRef ds:uri="http://purl.org/dc/dcmitype/"/>
-    <ds:schemaRef ds:uri="http://schemas.microsoft.com/office/infopath/2007/PartnerControls"/>
-    <ds:schemaRef ds:uri="http://schemas.microsoft.com/office/2006/documentManagement/types"/>
-    <ds:schemaRef ds:uri="http://purl.org/dc/elements/1.1/"/>
-    <ds:schemaRef ds:uri="http://schemas.microsoft.com/office/2006/metadata/properties"/>
-    <ds:schemaRef ds:uri="d0879fa5-f2db-41a7-8861-4a44e7ee3b24"/>
-    <ds:schemaRef ds:uri="03cb9dc2-e9ea-44ac-afed-001b6fad4f36"/>
-    <ds:schemaRef ds:uri="http://www.w3.org/XML/1998/namespace"/>
-  </ds:schemaRefs>
-</ds:datastoreItem>
 </file>
--- a/documentation/slimfaas.pptx
+++ b/documentation/slimfaas.pptx
@@ -5,18 +5,17 @@
     <p:sldMasterId id="2147483648" r:id="rId4"/>
   </p:sldMasterIdLst>
   <p:notesMasterIdLst>
-    <p:notesMasterId r:id="rId11"/>
+    <p:notesMasterId r:id="rId10"/>
   </p:notesMasterIdLst>
   <p:handoutMasterIdLst>
-    <p:handoutMasterId r:id="rId12"/>
+    <p:handoutMasterId r:id="rId11"/>
   </p:handoutMasterIdLst>
   <p:sldIdLst>
-    <p:sldId id="681" r:id="rId5"/>
-    <p:sldId id="895" r:id="rId6"/>
-    <p:sldId id="892" r:id="rId7"/>
-    <p:sldId id="891" r:id="rId8"/>
-    <p:sldId id="893" r:id="rId9"/>
-    <p:sldId id="894" r:id="rId10"/>
+    <p:sldId id="892" r:id="rId5"/>
+    <p:sldId id="891" r:id="rId6"/>
+    <p:sldId id="893" r:id="rId7"/>
+    <p:sldId id="894" r:id="rId8"/>
+    <p:sldId id="898" r:id="rId9"/>
   </p:sldIdLst>
   <p:sldSz cx="12192000" cy="6858000"/>
   <p:notesSz cx="6858000" cy="9144000"/>
@@ -120,12 +119,11 @@
       <p14:sectionLst xmlns:p14="http://schemas.microsoft.com/office/powerpoint/2010/main">
         <p14:section name="V1" id="{10A21BAB-C4AD-1B4A-8931-DCECE890AF5A}">
           <p14:sldIdLst>
-            <p14:sldId id="681"/>
-            <p14:sldId id="895"/>
             <p14:sldId id="892"/>
             <p14:sldId id="891"/>
             <p14:sldId id="893"/>
             <p14:sldId id="894"/>
+            <p14:sldId id="898"/>
           </p14:sldIdLst>
         </p14:section>
       </p14:sectionLst>
@@ -242,7 +240,7 @@
           <a:p>
             <a:fld id="{F60FFC85-34C0-4167-8801-71D65E4D986C}" type="datetimeFigureOut">
               <a:rPr lang="fr-FR" smtClean="0"/>
-              <a:t>21/06/2024</a:t>
+              <a:t>24/06/2024</a:t>
             </a:fld>
             <a:endParaRPr lang="fr-FR"/>
           </a:p>
@@ -419,7 +417,7 @@
           <a:p>
             <a:fld id="{F2EE8696-3B2B-7D49-B212-A8F746F3A84B}" type="datetimeFigureOut">
               <a:rPr lang="es-ES_tradnl" smtClean="0"/>
-              <a:t>21/06/2024</a:t>
+              <a:t>24/06/2024</a:t>
             </a:fld>
             <a:endParaRPr lang="es-ES_tradnl"/>
           </a:p>
@@ -746,25 +744,7 @@
                 <a:ea typeface="Times New Roman" panose="02020603050405020304" pitchFamily="18" charset="0"/>
                 <a:cs typeface="Times New Roman" panose="02020603050405020304" pitchFamily="18" charset="0"/>
               </a:rPr>
-              <a:t>What is </a:t>
-            </a:r>
-            <a:r>
-              <a:rPr lang="en-US" sz="1800" dirty="0" err="1">
-                <a:effectLst/>
-                <a:latin typeface="Calibri" panose="020F0502020204030204" pitchFamily="34" charset="0"/>
-                <a:ea typeface="Times New Roman" panose="02020603050405020304" pitchFamily="18" charset="0"/>
-                <a:cs typeface="Times New Roman" panose="02020603050405020304" pitchFamily="18" charset="0"/>
-              </a:rPr>
-              <a:t>MLOps</a:t>
-            </a:r>
-            <a:r>
-              <a:rPr lang="en-US" sz="1800" dirty="0">
-                <a:effectLst/>
-                <a:latin typeface="Calibri" panose="020F0502020204030204" pitchFamily="34" charset="0"/>
-                <a:ea typeface="Times New Roman" panose="02020603050405020304" pitchFamily="18" charset="0"/>
-                <a:cs typeface="Times New Roman" panose="02020603050405020304" pitchFamily="18" charset="0"/>
-              </a:rPr>
-              <a:t>? This is all things that will help and support the fact of bringing artificial intelligence algorithms into production, it is not about tools or technologies; it is mainly a question of culture and good practice.</a:t>
+              <a:t>How does it technically work? We use functions. Each algorithm is hosted on a function. This function listens to a Queue as input and as soon as it has free time, it will be able to pop the messages that come from the Queue and to process them.</a:t>
             </a:r>
             <a:endParaRPr lang="fr-FR" sz="1800" dirty="0">
               <a:effectLst/>
@@ -789,7 +769,7 @@
                 <a:ea typeface="Times New Roman" panose="02020603050405020304" pitchFamily="18" charset="0"/>
                 <a:cs typeface="Times New Roman" panose="02020603050405020304" pitchFamily="18" charset="0"/>
               </a:rPr>
-              <a:t>Hi, my name is Guillaume Chervet, I'm an ML engineer at AXA France. Basically, I define my role as helping data scientists to bring AI algorithms into production.</a:t>
+              <a:t>For example, let’s take the SPLITTER which extracts each page of a PDF an image, the function will retrieve a message with a file identifier from the Queue, the files are stored in REDIS. With the identifier, we will fetch the document from REDIS to run our algorithms and for example if we have a PDF with 2 pages, we will extract 2 images then generate 2 identifiers; push the images into REDIS with them. We finally add 2 messages in the downstream QUEUE to be able to call the following service, in this case the Zoning of the French driver license.</a:t>
             </a:r>
             <a:endParaRPr lang="fr-FR" sz="1800" dirty="0">
               <a:effectLst/>
@@ -799,57 +779,14 @@
             </a:endParaRPr>
           </a:p>
           <a:p>
-            <a:pPr>
-              <a:lnSpc>
-                <a:spcPct val="107000"/>
-              </a:lnSpc>
-              <a:spcAft>
-                <a:spcPts val="800"/>
-              </a:spcAft>
-            </a:pPr>
-            <a:r>
-              <a:rPr lang="en-US" sz="1800" dirty="0">
-                <a:effectLst/>
-                <a:latin typeface="Calibri" panose="020F0502020204030204" pitchFamily="34" charset="0"/>
-                <a:ea typeface="Times New Roman" panose="02020603050405020304" pitchFamily="18" charset="0"/>
-                <a:cs typeface="Times New Roman" panose="02020603050405020304" pitchFamily="18" charset="0"/>
-              </a:rPr>
-              <a:t>I‘m part of a team that works on real-time automatic document understanding projects. Generally, this kind of projects implements one or more Deep Learning algorithms.</a:t>
-            </a:r>
-            <a:endParaRPr lang="fr-FR" sz="1800" dirty="0">
-              <a:effectLst/>
-              <a:latin typeface="Calibri" panose="020F0502020204030204" pitchFamily="34" charset="0"/>
-              <a:ea typeface="Times New Roman" panose="02020603050405020304" pitchFamily="18" charset="0"/>
-              <a:cs typeface="Times New Roman" panose="02020603050405020304" pitchFamily="18" charset="0"/>
-            </a:endParaRPr>
-          </a:p>
-          <a:p>
-            <a:pPr>
-              <a:lnSpc>
-                <a:spcPct val="107000"/>
-              </a:lnSpc>
-              <a:spcAft>
-                <a:spcPts val="800"/>
-              </a:spcAft>
-            </a:pPr>
-            <a:r>
-              <a:rPr lang="en-US" sz="1800" dirty="0">
-                <a:effectLst/>
-                <a:latin typeface="Calibri" panose="020F0502020204030204" pitchFamily="34" charset="0"/>
-                <a:ea typeface="Times New Roman" panose="02020603050405020304" pitchFamily="18" charset="0"/>
-                <a:cs typeface="Times New Roman" panose="02020603050405020304" pitchFamily="18" charset="0"/>
-              </a:rPr>
-              <a:t>Today, almost 80% of projects fail at the production stage. This does not surprise me because, this kind of projects are on the top complexities in all areas, all factors are met to make them fail.</a:t>
-            </a:r>
-            <a:endParaRPr lang="fr-FR" sz="1800" dirty="0">
-              <a:effectLst/>
-              <a:latin typeface="Calibri" panose="020F0502020204030204" pitchFamily="34" charset="0"/>
-              <a:ea typeface="Times New Roman" panose="02020603050405020304" pitchFamily="18" charset="0"/>
-              <a:cs typeface="Times New Roman" panose="02020603050405020304" pitchFamily="18" charset="0"/>
-            </a:endParaRPr>
-          </a:p>
-          <a:p>
-            <a:endParaRPr lang="fr-FR" dirty="0"/>
+            <a:r>
+              <a:rPr lang="fr-FR" dirty="0" err="1"/>
+              <a:t>Éé</a:t>
+            </a:r>
+            <a:r>
+              <a:rPr lang="fr-FR" dirty="0"/>
+              <a:t> »3</a:t>
+            </a:r>
           </a:p>
         </p:txBody>
       </p:sp>
@@ -868,18 +805,18 @@
           <a:bodyPr/>
           <a:lstStyle/>
           <a:p>
-            <a:fld id="{41D9B09E-5FFF-4CF4-B58E-AF0ABC0A1F2F}" type="slidenum">
-              <a:rPr lang="fr-FR" smtClean="0"/>
+            <a:fld id="{3252C3A3-8174-F141-B491-7F0E98D116D0}" type="slidenum">
+              <a:rPr lang="es-ES_tradnl" smtClean="0"/>
               <a:t>1</a:t>
             </a:fld>
-            <a:endParaRPr lang="fr-FR"/>
+            <a:endParaRPr lang="es-ES_tradnl"/>
           </a:p>
         </p:txBody>
       </p:sp>
     </p:spTree>
     <p:extLst>
       <p:ext uri="{BB962C8B-B14F-4D97-AF65-F5344CB8AC3E}">
-        <p14:creationId xmlns:p14="http://schemas.microsoft.com/office/powerpoint/2010/main" val="2405781670"/>
+        <p14:creationId xmlns:p14="http://schemas.microsoft.com/office/powerpoint/2010/main" val="2599060178"/>
       </p:ext>
     </p:extLst>
   </p:cSld>
@@ -1011,148 +948,7 @@
           <a:p>
             <a:fld id="{3252C3A3-8174-F141-B491-7F0E98D116D0}" type="slidenum">
               <a:rPr lang="es-ES_tradnl" smtClean="0"/>
-              <a:t>3</a:t>
-            </a:fld>
-            <a:endParaRPr lang="es-ES_tradnl"/>
-          </a:p>
-        </p:txBody>
-      </p:sp>
-    </p:spTree>
-    <p:extLst>
-      <p:ext uri="{BB962C8B-B14F-4D97-AF65-F5344CB8AC3E}">
-        <p14:creationId xmlns:p14="http://schemas.microsoft.com/office/powerpoint/2010/main" val="2599060178"/>
-      </p:ext>
-    </p:extLst>
-  </p:cSld>
-  <p:clrMapOvr>
-    <a:masterClrMapping/>
-  </p:clrMapOvr>
-</p:notes>
-</file>
-
-<file path=ppt/notesSlides/notesSlide3.xml><?xml version="1.0" encoding="utf-8"?>
-<p:notes xmlns:a="http://schemas.openxmlformats.org/drawingml/2006/main" xmlns:r="http://schemas.openxmlformats.org/officeDocument/2006/relationships" xmlns:p="http://schemas.openxmlformats.org/presentationml/2006/main">
-  <p:cSld>
-    <p:spTree>
-      <p:nvGrpSpPr>
-        <p:cNvPr id="1" name=""/>
-        <p:cNvGrpSpPr/>
-        <p:nvPr/>
-      </p:nvGrpSpPr>
-      <p:grpSpPr>
-        <a:xfrm>
-          <a:off x="0" y="0"/>
-          <a:ext cx="0" cy="0"/>
-          <a:chOff x="0" y="0"/>
-          <a:chExt cx="0" cy="0"/>
-        </a:xfrm>
-      </p:grpSpPr>
-      <p:sp>
-        <p:nvSpPr>
-          <p:cNvPr id="2" name="Espace réservé de l'image des diapositives 1"/>
-          <p:cNvSpPr>
-            <a:spLocks noGrp="1" noRot="1" noChangeAspect="1"/>
-          </p:cNvSpPr>
-          <p:nvPr>
-            <p:ph type="sldImg"/>
-          </p:nvPr>
-        </p:nvSpPr>
-        <p:spPr/>
-      </p:sp>
-      <p:sp>
-        <p:nvSpPr>
-          <p:cNvPr id="3" name="Espace réservé des notes 2"/>
-          <p:cNvSpPr>
-            <a:spLocks noGrp="1"/>
-          </p:cNvSpPr>
-          <p:nvPr>
-            <p:ph type="body" idx="1"/>
-          </p:nvPr>
-        </p:nvSpPr>
-        <p:spPr/>
-        <p:txBody>
-          <a:bodyPr/>
-          <a:lstStyle/>
-          <a:p>
-            <a:pPr>
-              <a:lnSpc>
-                <a:spcPct val="107000"/>
-              </a:lnSpc>
-              <a:spcAft>
-                <a:spcPts val="800"/>
-              </a:spcAft>
-            </a:pPr>
-            <a:r>
-              <a:rPr lang="en-US" sz="1800" dirty="0">
-                <a:effectLst/>
-                <a:latin typeface="Calibri" panose="020F0502020204030204" pitchFamily="34" charset="0"/>
-                <a:ea typeface="Times New Roman" panose="02020603050405020304" pitchFamily="18" charset="0"/>
-                <a:cs typeface="Times New Roman" panose="02020603050405020304" pitchFamily="18" charset="0"/>
-              </a:rPr>
-              <a:t>How does it technically work? We use functions. Each algorithm is hosted on a function. This function listens to a Queue as input and as soon as it has free time, it will be able to pop the messages that come from the Queue and to process them.</a:t>
-            </a:r>
-            <a:endParaRPr lang="fr-FR" sz="1800" dirty="0">
-              <a:effectLst/>
-              <a:latin typeface="Calibri" panose="020F0502020204030204" pitchFamily="34" charset="0"/>
-              <a:ea typeface="Times New Roman" panose="02020603050405020304" pitchFamily="18" charset="0"/>
-              <a:cs typeface="Times New Roman" panose="02020603050405020304" pitchFamily="18" charset="0"/>
-            </a:endParaRPr>
-          </a:p>
-          <a:p>
-            <a:pPr>
-              <a:lnSpc>
-                <a:spcPct val="107000"/>
-              </a:lnSpc>
-              <a:spcAft>
-                <a:spcPts val="800"/>
-              </a:spcAft>
-            </a:pPr>
-            <a:r>
-              <a:rPr lang="en-US" sz="1800" dirty="0">
-                <a:effectLst/>
-                <a:latin typeface="Calibri" panose="020F0502020204030204" pitchFamily="34" charset="0"/>
-                <a:ea typeface="Times New Roman" panose="02020603050405020304" pitchFamily="18" charset="0"/>
-                <a:cs typeface="Times New Roman" panose="02020603050405020304" pitchFamily="18" charset="0"/>
-              </a:rPr>
-              <a:t>For example, let’s take the SPLITTER which extracts each page of a PDF an image, the function will retrieve a message with a file identifier from the Queue, the files are stored in REDIS. With the identifier, we will fetch the document from REDIS to run our algorithms and for example if we have a PDF with 2 pages, we will extract 2 images then generate 2 identifiers; push the images into REDIS with them. We finally add 2 messages in the downstream QUEUE to be able to call the following service, in this case the Zoning of the French driver license.</a:t>
-            </a:r>
-            <a:endParaRPr lang="fr-FR" sz="1800" dirty="0">
-              <a:effectLst/>
-              <a:latin typeface="Calibri" panose="020F0502020204030204" pitchFamily="34" charset="0"/>
-              <a:ea typeface="Times New Roman" panose="02020603050405020304" pitchFamily="18" charset="0"/>
-              <a:cs typeface="Times New Roman" panose="02020603050405020304" pitchFamily="18" charset="0"/>
-            </a:endParaRPr>
-          </a:p>
-          <a:p>
-            <a:r>
-              <a:rPr lang="fr-FR" dirty="0" err="1"/>
-              <a:t>Éé</a:t>
-            </a:r>
-            <a:r>
-              <a:rPr lang="fr-FR" dirty="0"/>
-              <a:t> »3</a:t>
-            </a:r>
-          </a:p>
-        </p:txBody>
-      </p:sp>
-      <p:sp>
-        <p:nvSpPr>
-          <p:cNvPr id="4" name="Espace réservé du numéro de diapositive 3"/>
-          <p:cNvSpPr>
-            <a:spLocks noGrp="1"/>
-          </p:cNvSpPr>
-          <p:nvPr>
-            <p:ph type="sldNum" sz="quarter" idx="5"/>
-          </p:nvPr>
-        </p:nvSpPr>
-        <p:spPr/>
-        <p:txBody>
-          <a:bodyPr/>
-          <a:lstStyle/>
-          <a:p>
-            <a:fld id="{3252C3A3-8174-F141-B491-7F0E98D116D0}" type="slidenum">
-              <a:rPr lang="es-ES_tradnl" smtClean="0"/>
-              <a:t>4</a:t>
+              <a:t>2</a:t>
             </a:fld>
             <a:endParaRPr lang="es-ES_tradnl"/>
           </a:p>
@@ -1318,7 +1114,7 @@
           <a:p>
             <a:fld id="{80160E5B-2E24-B941-8DE0-C0A90C36B7C5}" type="datetimeFigureOut">
               <a:rPr lang="en-GB" smtClean="0"/>
-              <a:t>21/06/2024</a:t>
+              <a:t>24/06/2024</a:t>
             </a:fld>
             <a:endParaRPr lang="en-GB"/>
           </a:p>
@@ -1516,7 +1312,7 @@
           <a:p>
             <a:fld id="{80160E5B-2E24-B941-8DE0-C0A90C36B7C5}" type="datetimeFigureOut">
               <a:rPr lang="en-GB" smtClean="0"/>
-              <a:t>21/06/2024</a:t>
+              <a:t>24/06/2024</a:t>
             </a:fld>
             <a:endParaRPr lang="en-GB"/>
           </a:p>
@@ -1763,7 +1559,7 @@
           <a:p>
             <a:fld id="{80160E5B-2E24-B941-8DE0-C0A90C36B7C5}" type="datetimeFigureOut">
               <a:rPr lang="en-GB" smtClean="0"/>
-              <a:t>21/06/2024</a:t>
+              <a:t>24/06/2024</a:t>
             </a:fld>
             <a:endParaRPr lang="en-GB"/>
           </a:p>
@@ -1982,7 +1778,7 @@
           <a:p>
             <a:fld id="{80160E5B-2E24-B941-8DE0-C0A90C36B7C5}" type="datetimeFigureOut">
               <a:rPr lang="en-GB" smtClean="0"/>
-              <a:t>21/06/2024</a:t>
+              <a:t>24/06/2024</a:t>
             </a:fld>
             <a:endParaRPr lang="en-GB"/>
           </a:p>
@@ -2257,7 +2053,7 @@
           <a:p>
             <a:fld id="{80160E5B-2E24-B941-8DE0-C0A90C36B7C5}" type="datetimeFigureOut">
               <a:rPr lang="en-GB" smtClean="0"/>
-              <a:t>21/06/2024</a:t>
+              <a:t>24/06/2024</a:t>
             </a:fld>
             <a:endParaRPr lang="en-GB"/>
           </a:p>
@@ -2561,7 +2357,7 @@
           <a:p>
             <a:fld id="{80160E5B-2E24-B941-8DE0-C0A90C36B7C5}" type="datetimeFigureOut">
               <a:rPr lang="en-GB" smtClean="0"/>
-              <a:t>21/06/2024</a:t>
+              <a:t>24/06/2024</a:t>
             </a:fld>
             <a:endParaRPr lang="en-GB"/>
           </a:p>
@@ -3012,7 +2808,7 @@
           <a:p>
             <a:fld id="{80160E5B-2E24-B941-8DE0-C0A90C36B7C5}" type="datetimeFigureOut">
               <a:rPr lang="en-GB" smtClean="0"/>
-              <a:t>21/06/2024</a:t>
+              <a:t>24/06/2024</a:t>
             </a:fld>
             <a:endParaRPr lang="en-GB"/>
           </a:p>
@@ -3192,7 +2988,7 @@
           <a:p>
             <a:fld id="{80160E5B-2E24-B941-8DE0-C0A90C36B7C5}" type="datetimeFigureOut">
               <a:rPr lang="en-GB" smtClean="0"/>
-              <a:t>21/06/2024</a:t>
+              <a:t>24/06/2024</a:t>
             </a:fld>
             <a:endParaRPr lang="en-GB"/>
           </a:p>
@@ -3344,7 +3140,7 @@
           <a:p>
             <a:fld id="{80160E5B-2E24-B941-8DE0-C0A90C36B7C5}" type="datetimeFigureOut">
               <a:rPr lang="en-GB" smtClean="0"/>
-              <a:t>21/06/2024</a:t>
+              <a:t>24/06/2024</a:t>
             </a:fld>
             <a:endParaRPr lang="en-GB"/>
           </a:p>
@@ -3694,7 +3490,7 @@
           <a:p>
             <a:fld id="{80160E5B-2E24-B941-8DE0-C0A90C36B7C5}" type="datetimeFigureOut">
               <a:rPr lang="en-GB" smtClean="0"/>
-              <a:t>21/06/2024</a:t>
+              <a:t>24/06/2024</a:t>
             </a:fld>
             <a:endParaRPr lang="en-GB"/>
           </a:p>
@@ -4021,7 +3817,7 @@
           <a:p>
             <a:fld id="{80160E5B-2E24-B941-8DE0-C0A90C36B7C5}" type="datetimeFigureOut">
               <a:rPr lang="en-GB" smtClean="0"/>
-              <a:t>21/06/2024</a:t>
+              <a:t>24/06/2024</a:t>
             </a:fld>
             <a:endParaRPr lang="en-GB"/>
           </a:p>
@@ -4301,7 +4097,7 @@
           <a:p>
             <a:fld id="{80160E5B-2E24-B941-8DE0-C0A90C36B7C5}" type="datetimeFigureOut">
               <a:rPr lang="en-GB" smtClean="0"/>
-              <a:t>21/06/2024</a:t>
+              <a:t>24/06/2024</a:t>
             </a:fld>
             <a:endParaRPr lang="en-GB"/>
           </a:p>
@@ -4816,10 +4612,10 @@
       </p:grpSpPr>
       <p:sp>
         <p:nvSpPr>
-          <p:cNvPr id="15" name="Bande diagonale 14">
-            <a:extLst>
-              <a:ext uri="{FF2B5EF4-FFF2-40B4-BE49-F238E27FC236}">
-                <a16:creationId xmlns:a16="http://schemas.microsoft.com/office/drawing/2014/main" id="{3ABE3782-318A-3449-ADA0-25CC72099B70}"/>
+          <p:cNvPr id="21" name="Rectangle : coins arrondis 20">
+            <a:extLst>
+              <a:ext uri="{FF2B5EF4-FFF2-40B4-BE49-F238E27FC236}">
+                <a16:creationId xmlns:a16="http://schemas.microsoft.com/office/drawing/2014/main" id="{10281813-D3E5-87C3-B19F-4CEC0004BAF6}"/>
               </a:ext>
             </a:extLst>
           </p:cNvPr>
@@ -4828,135 +4624,16 @@
         </p:nvSpPr>
         <p:spPr>
           <a:xfrm>
-            <a:off x="0" y="0"/>
-            <a:ext cx="3175000" cy="3175000"/>
-          </a:xfrm>
-          <a:custGeom>
+            <a:off x="3926528" y="2223970"/>
+            <a:ext cx="3341145" cy="3514653"/>
+          </a:xfrm>
+          <a:prstGeom prst="roundRect">
             <a:avLst/>
-            <a:gdLst>
-              <a:gd name="connsiteX0" fmla="*/ 0 w 3175000"/>
-              <a:gd name="connsiteY0" fmla="*/ 1587500 h 3175000"/>
-              <a:gd name="connsiteX1" fmla="*/ 1587500 w 3175000"/>
-              <a:gd name="connsiteY1" fmla="*/ 0 h 3175000"/>
-              <a:gd name="connsiteX2" fmla="*/ 3175000 w 3175000"/>
-              <a:gd name="connsiteY2" fmla="*/ 0 h 3175000"/>
-              <a:gd name="connsiteX3" fmla="*/ 0 w 3175000"/>
-              <a:gd name="connsiteY3" fmla="*/ 3175000 h 3175000"/>
-              <a:gd name="connsiteX4" fmla="*/ 0 w 3175000"/>
-              <a:gd name="connsiteY4" fmla="*/ 1587500 h 3175000"/>
-              <a:gd name="connsiteX0" fmla="*/ 0 w 3175000"/>
-              <a:gd name="connsiteY0" fmla="*/ 2374900 h 3175000"/>
-              <a:gd name="connsiteX1" fmla="*/ 1587500 w 3175000"/>
-              <a:gd name="connsiteY1" fmla="*/ 0 h 3175000"/>
-              <a:gd name="connsiteX2" fmla="*/ 3175000 w 3175000"/>
-              <a:gd name="connsiteY2" fmla="*/ 0 h 3175000"/>
-              <a:gd name="connsiteX3" fmla="*/ 0 w 3175000"/>
-              <a:gd name="connsiteY3" fmla="*/ 3175000 h 3175000"/>
-              <a:gd name="connsiteX4" fmla="*/ 0 w 3175000"/>
-              <a:gd name="connsiteY4" fmla="*/ 2374900 h 3175000"/>
-              <a:gd name="connsiteX0" fmla="*/ 0 w 3175000"/>
-              <a:gd name="connsiteY0" fmla="*/ 2374900 h 3175000"/>
-              <a:gd name="connsiteX1" fmla="*/ 2400300 w 3175000"/>
-              <a:gd name="connsiteY1" fmla="*/ 0 h 3175000"/>
-              <a:gd name="connsiteX2" fmla="*/ 3175000 w 3175000"/>
-              <a:gd name="connsiteY2" fmla="*/ 0 h 3175000"/>
-              <a:gd name="connsiteX3" fmla="*/ 0 w 3175000"/>
-              <a:gd name="connsiteY3" fmla="*/ 3175000 h 3175000"/>
-              <a:gd name="connsiteX4" fmla="*/ 0 w 3175000"/>
-              <a:gd name="connsiteY4" fmla="*/ 2374900 h 3175000"/>
-              <a:gd name="connsiteX0" fmla="*/ 0 w 3175000"/>
-              <a:gd name="connsiteY0" fmla="*/ 2374900 h 3175000"/>
-              <a:gd name="connsiteX1" fmla="*/ 2336800 w 3175000"/>
-              <a:gd name="connsiteY1" fmla="*/ 12700 h 3175000"/>
-              <a:gd name="connsiteX2" fmla="*/ 3175000 w 3175000"/>
-              <a:gd name="connsiteY2" fmla="*/ 0 h 3175000"/>
-              <a:gd name="connsiteX3" fmla="*/ 0 w 3175000"/>
-              <a:gd name="connsiteY3" fmla="*/ 3175000 h 3175000"/>
-              <a:gd name="connsiteX4" fmla="*/ 0 w 3175000"/>
-              <a:gd name="connsiteY4" fmla="*/ 2374900 h 3175000"/>
-              <a:gd name="connsiteX0" fmla="*/ 0 w 3175000"/>
-              <a:gd name="connsiteY0" fmla="*/ 2400300 h 3200400"/>
-              <a:gd name="connsiteX1" fmla="*/ 2374900 w 3175000"/>
-              <a:gd name="connsiteY1" fmla="*/ 0 h 3200400"/>
-              <a:gd name="connsiteX2" fmla="*/ 3175000 w 3175000"/>
-              <a:gd name="connsiteY2" fmla="*/ 25400 h 3200400"/>
-              <a:gd name="connsiteX3" fmla="*/ 0 w 3175000"/>
-              <a:gd name="connsiteY3" fmla="*/ 3200400 h 3200400"/>
-              <a:gd name="connsiteX4" fmla="*/ 0 w 3175000"/>
-              <a:gd name="connsiteY4" fmla="*/ 2400300 h 3200400"/>
-              <a:gd name="connsiteX0" fmla="*/ 0 w 3175000"/>
-              <a:gd name="connsiteY0" fmla="*/ 2374900 h 3175000"/>
-              <a:gd name="connsiteX1" fmla="*/ 2349500 w 3175000"/>
-              <a:gd name="connsiteY1" fmla="*/ 25400 h 3175000"/>
-              <a:gd name="connsiteX2" fmla="*/ 3175000 w 3175000"/>
-              <a:gd name="connsiteY2" fmla="*/ 0 h 3175000"/>
-              <a:gd name="connsiteX3" fmla="*/ 0 w 3175000"/>
-              <a:gd name="connsiteY3" fmla="*/ 3175000 h 3175000"/>
-              <a:gd name="connsiteX4" fmla="*/ 0 w 3175000"/>
-              <a:gd name="connsiteY4" fmla="*/ 2374900 h 3175000"/>
-              <a:gd name="connsiteX0" fmla="*/ 0 w 3175000"/>
-              <a:gd name="connsiteY0" fmla="*/ 2374900 h 3175000"/>
-              <a:gd name="connsiteX1" fmla="*/ 2425700 w 3175000"/>
-              <a:gd name="connsiteY1" fmla="*/ 0 h 3175000"/>
-              <a:gd name="connsiteX2" fmla="*/ 3175000 w 3175000"/>
-              <a:gd name="connsiteY2" fmla="*/ 0 h 3175000"/>
-              <a:gd name="connsiteX3" fmla="*/ 0 w 3175000"/>
-              <a:gd name="connsiteY3" fmla="*/ 3175000 h 3175000"/>
-              <a:gd name="connsiteX4" fmla="*/ 0 w 3175000"/>
-              <a:gd name="connsiteY4" fmla="*/ 2374900 h 3175000"/>
-              <a:gd name="connsiteX0" fmla="*/ 0 w 3175000"/>
-              <a:gd name="connsiteY0" fmla="*/ 2374900 h 3175000"/>
-              <a:gd name="connsiteX1" fmla="*/ 2362200 w 3175000"/>
-              <a:gd name="connsiteY1" fmla="*/ 12700 h 3175000"/>
-              <a:gd name="connsiteX2" fmla="*/ 3175000 w 3175000"/>
-              <a:gd name="connsiteY2" fmla="*/ 0 h 3175000"/>
-              <a:gd name="connsiteX3" fmla="*/ 0 w 3175000"/>
-              <a:gd name="connsiteY3" fmla="*/ 3175000 h 3175000"/>
-              <a:gd name="connsiteX4" fmla="*/ 0 w 3175000"/>
-              <a:gd name="connsiteY4" fmla="*/ 2374900 h 3175000"/>
-            </a:gdLst>
-            <a:ahLst/>
-            <a:cxnLst>
-              <a:cxn ang="0">
-                <a:pos x="connsiteX0" y="connsiteY0"/>
-              </a:cxn>
-              <a:cxn ang="0">
-                <a:pos x="connsiteX1" y="connsiteY1"/>
-              </a:cxn>
-              <a:cxn ang="0">
-                <a:pos x="connsiteX2" y="connsiteY2"/>
-              </a:cxn>
-              <a:cxn ang="0">
-                <a:pos x="connsiteX3" y="connsiteY3"/>
-              </a:cxn>
-              <a:cxn ang="0">
-                <a:pos x="connsiteX4" y="connsiteY4"/>
-              </a:cxn>
-            </a:cxnLst>
-            <a:rect l="l" t="t" r="r" b="b"/>
-            <a:pathLst>
-              <a:path w="3175000" h="3175000">
-                <a:moveTo>
-                  <a:pt x="0" y="2374900"/>
-                </a:moveTo>
-                <a:lnTo>
-                  <a:pt x="2362200" y="12700"/>
-                </a:lnTo>
-                <a:lnTo>
-                  <a:pt x="3175000" y="0"/>
-                </a:lnTo>
-                <a:lnTo>
-                  <a:pt x="0" y="3175000"/>
-                </a:lnTo>
-                <a:lnTo>
-                  <a:pt x="0" y="2374900"/>
-                </a:lnTo>
-                <a:close/>
-              </a:path>
-            </a:pathLst>
-          </a:custGeom>
+          </a:prstGeom>
           <a:solidFill>
-            <a:srgbClr val="FF0000"/>
+            <a:schemeClr val="bg2">
+              <a:lumMod val="25000"/>
+            </a:schemeClr>
           </a:solidFill>
           <a:ln>
             <a:noFill/>
@@ -4983,9 +4660,9 @@
           <a:lstStyle/>
           <a:p>
             <a:pPr algn="ctr"/>
-            <a:endParaRPr lang="en-US" dirty="0">
+            <a:endParaRPr lang="fr-FR" sz="4000">
               <a:solidFill>
-                <a:schemeClr val="tx1"/>
+                <a:schemeClr val="bg1"/>
               </a:solidFill>
             </a:endParaRPr>
           </a:p>
@@ -4993,304 +4670,10 @@
       </p:sp>
       <p:pic>
         <p:nvPicPr>
-          <p:cNvPr id="28" name="Graphique 27">
-            <a:extLst>
-              <a:ext uri="{FF2B5EF4-FFF2-40B4-BE49-F238E27FC236}">
-                <a16:creationId xmlns:a16="http://schemas.microsoft.com/office/drawing/2014/main" id="{F944C26F-4E09-1C4E-97BC-B9649F101946}"/>
-              </a:ext>
-            </a:extLst>
-          </p:cNvPr>
-          <p:cNvPicPr>
-            <a:picLocks noChangeAspect="1"/>
-          </p:cNvPicPr>
-          <p:nvPr/>
-        </p:nvPicPr>
-        <p:blipFill>
-          <a:blip r:embed="rId3">
-            <a:extLst>
-              <a:ext uri="{28A0092B-C50C-407E-A947-70E740481C1C}">
-                <a14:useLocalDpi xmlns:a14="http://schemas.microsoft.com/office/drawing/2010/main" val="0"/>
-              </a:ext>
-              <a:ext uri="{96DAC541-7B7A-43D3-8B79-37D633B846F1}">
-                <asvg:svgBlip xmlns:asvg="http://schemas.microsoft.com/office/drawing/2016/SVG/main" r:embed="rId4"/>
-              </a:ext>
-            </a:extLst>
-          </a:blip>
-          <a:stretch>
-            <a:fillRect/>
-          </a:stretch>
-        </p:blipFill>
-        <p:spPr>
-          <a:xfrm>
-            <a:off x="196850" y="6088895"/>
-            <a:ext cx="520700" cy="520700"/>
-          </a:xfrm>
-          <a:prstGeom prst="rect">
-            <a:avLst/>
-          </a:prstGeom>
-        </p:spPr>
-      </p:pic>
-      <p:sp>
-        <p:nvSpPr>
-          <p:cNvPr id="10" name="Rectangle 9">
-            <a:extLst>
-              <a:ext uri="{FF2B5EF4-FFF2-40B4-BE49-F238E27FC236}">
-                <a16:creationId xmlns:a16="http://schemas.microsoft.com/office/drawing/2014/main" id="{C23CE6D7-5DA9-45E3-9E09-970E33FD8F6C}"/>
-              </a:ext>
-            </a:extLst>
-          </p:cNvPr>
-          <p:cNvSpPr/>
-          <p:nvPr/>
-        </p:nvSpPr>
-        <p:spPr>
-          <a:xfrm>
-            <a:off x="196850" y="6609595"/>
-            <a:ext cx="6305550" cy="248405"/>
-          </a:xfrm>
-          <a:prstGeom prst="rect">
-            <a:avLst/>
-          </a:prstGeom>
-          <a:solidFill>
-            <a:schemeClr val="bg1"/>
-          </a:solidFill>
-          <a:ln>
-            <a:noFill/>
-          </a:ln>
-        </p:spPr>
-        <p:style>
-          <a:lnRef idx="2">
-            <a:schemeClr val="accent1">
-              <a:shade val="50000"/>
-            </a:schemeClr>
-          </a:lnRef>
-          <a:fillRef idx="1">
-            <a:schemeClr val="accent1"/>
-          </a:fillRef>
-          <a:effectRef idx="0">
-            <a:schemeClr val="accent1"/>
-          </a:effectRef>
-          <a:fontRef idx="minor">
-            <a:schemeClr val="lt1"/>
-          </a:fontRef>
-        </p:style>
-        <p:txBody>
-          <a:bodyPr rtlCol="0" anchor="ctr"/>
-          <a:lstStyle/>
-          <a:p>
-            <a:pPr algn="ctr"/>
-            <a:endParaRPr lang="en-US" dirty="0"/>
-          </a:p>
-        </p:txBody>
-      </p:sp>
-      <p:sp>
-        <p:nvSpPr>
-          <p:cNvPr id="17" name="ZoneTexte 16">
-            <a:extLst>
-              <a:ext uri="{FF2B5EF4-FFF2-40B4-BE49-F238E27FC236}">
-                <a16:creationId xmlns:a16="http://schemas.microsoft.com/office/drawing/2014/main" id="{6DAE9DAD-D16D-48D3-BF2B-F99CA2E4B284}"/>
-              </a:ext>
-            </a:extLst>
-          </p:cNvPr>
-          <p:cNvSpPr txBox="1"/>
-          <p:nvPr/>
-        </p:nvSpPr>
-        <p:spPr>
-          <a:xfrm>
-            <a:off x="1488299" y="4557496"/>
-            <a:ext cx="4925795" cy="584775"/>
-          </a:xfrm>
-          <a:prstGeom prst="rect">
-            <a:avLst/>
-          </a:prstGeom>
-          <a:noFill/>
-        </p:spPr>
-        <p:txBody>
-          <a:bodyPr wrap="square" rtlCol="0">
-            <a:spAutoFit/>
-          </a:bodyPr>
-          <a:lstStyle/>
-          <a:p>
-            <a:r>
-              <a:rPr lang="en-US" sz="3200" spc="-150" dirty="0">
-                <a:latin typeface="Century Gothic" panose="020B0502020202020204" pitchFamily="34" charset="0"/>
-              </a:rPr>
-              <a:t>Guillaume</a:t>
-            </a:r>
-            <a:r>
-              <a:rPr lang="en-US" sz="3200" b="1" spc="-150" dirty="0">
-                <a:latin typeface="Century Gothic" panose="020B0502020202020204" pitchFamily="34" charset="0"/>
-              </a:rPr>
-              <a:t> </a:t>
-            </a:r>
-            <a:r>
-              <a:rPr lang="en-US" sz="3200" b="1" spc="-150" dirty="0" err="1">
-                <a:latin typeface="Century Gothic" panose="020B0502020202020204" pitchFamily="34" charset="0"/>
-              </a:rPr>
-              <a:t>Chervet</a:t>
-            </a:r>
-            <a:endParaRPr lang="en-US" sz="3200" b="1" spc="-150" dirty="0">
-              <a:latin typeface="Century Gothic" panose="020B0502020202020204" pitchFamily="34" charset="0"/>
-            </a:endParaRPr>
-          </a:p>
-        </p:txBody>
-      </p:sp>
-      <p:sp>
-        <p:nvSpPr>
-          <p:cNvPr id="18" name="Ellipse 17">
-            <a:extLst>
-              <a:ext uri="{FF2B5EF4-FFF2-40B4-BE49-F238E27FC236}">
-                <a16:creationId xmlns:a16="http://schemas.microsoft.com/office/drawing/2014/main" id="{90CFA5B6-1A9E-40F7-BAC2-1D7AC046AAAA}"/>
-              </a:ext>
-            </a:extLst>
-          </p:cNvPr>
-          <p:cNvSpPr>
-            <a:spLocks noChangeAspect="1"/>
-          </p:cNvSpPr>
-          <p:nvPr/>
-        </p:nvSpPr>
-        <p:spPr>
-          <a:xfrm>
-            <a:off x="1534246" y="1998070"/>
-            <a:ext cx="2520318" cy="2531342"/>
-          </a:xfrm>
-          <a:prstGeom prst="ellipse">
-            <a:avLst/>
-          </a:prstGeom>
-          <a:blipFill>
-            <a:blip r:embed="rId5"/>
-            <a:stretch>
-              <a:fillRect/>
-            </a:stretch>
-          </a:blipFill>
-          <a:ln>
-            <a:noFill/>
-          </a:ln>
-        </p:spPr>
-        <p:style>
-          <a:lnRef idx="2">
-            <a:schemeClr val="accent1">
-              <a:shade val="50000"/>
-            </a:schemeClr>
-          </a:lnRef>
-          <a:fillRef idx="1">
-            <a:schemeClr val="accent1"/>
-          </a:fillRef>
-          <a:effectRef idx="0">
-            <a:schemeClr val="accent1"/>
-          </a:effectRef>
-          <a:fontRef idx="minor">
-            <a:schemeClr val="lt1"/>
-          </a:fontRef>
-        </p:style>
-        <p:txBody>
-          <a:bodyPr rtlCol="0" anchor="ctr"/>
-          <a:lstStyle/>
-          <a:p>
-            <a:pPr algn="ctr"/>
-            <a:endParaRPr lang="en-US" dirty="0"/>
-          </a:p>
-        </p:txBody>
-      </p:sp>
-      <p:sp>
-        <p:nvSpPr>
-          <p:cNvPr id="19" name="TextBox 35">
-            <a:extLst>
-              <a:ext uri="{FF2B5EF4-FFF2-40B4-BE49-F238E27FC236}">
-                <a16:creationId xmlns:a16="http://schemas.microsoft.com/office/drawing/2014/main" id="{F4F68D29-F545-488F-89E9-0E44D06FE839}"/>
-              </a:ext>
-            </a:extLst>
-          </p:cNvPr>
-          <p:cNvSpPr txBox="1"/>
-          <p:nvPr/>
-        </p:nvSpPr>
-        <p:spPr>
-          <a:xfrm>
-            <a:off x="1488299" y="5128244"/>
-            <a:ext cx="5835341" cy="861774"/>
-          </a:xfrm>
-          <a:prstGeom prst="rect">
-            <a:avLst/>
-          </a:prstGeom>
-          <a:noFill/>
-        </p:spPr>
-        <p:txBody>
-          <a:bodyPr wrap="square" rtlCol="0">
-            <a:spAutoFit/>
-          </a:bodyPr>
-          <a:lstStyle/>
-          <a:p>
-            <a:pPr lvl="0">
-              <a:defRPr/>
-            </a:pPr>
-            <a:r>
-              <a:rPr lang="en-US" sz="1600" dirty="0"/>
-              <a:t>TechLead – ML Engineer</a:t>
-            </a:r>
-          </a:p>
-          <a:p>
-            <a:pPr lvl="0">
-              <a:defRPr/>
-            </a:pPr>
-            <a:r>
-              <a:rPr lang="en-US" sz="1600" dirty="0"/>
-              <a:t>Direction </a:t>
-            </a:r>
-            <a:r>
-              <a:rPr lang="en-US" sz="1600" dirty="0" err="1"/>
-              <a:t>Transfo</a:t>
-            </a:r>
-            <a:r>
-              <a:rPr lang="en-US" sz="1600" dirty="0"/>
-              <a:t> et Tech - AXA France </a:t>
-            </a:r>
-          </a:p>
-          <a:p>
-            <a:pPr lvl="0">
-              <a:defRPr/>
-            </a:pPr>
-            <a:r>
-              <a:rPr lang="en-US" sz="1600" dirty="0"/>
-              <a:t>@guiChervet</a:t>
-            </a:r>
-          </a:p>
-        </p:txBody>
-      </p:sp>
-      <p:pic>
-        <p:nvPicPr>
-          <p:cNvPr id="20" name="Image 19">
-            <a:extLst>
-              <a:ext uri="{FF2B5EF4-FFF2-40B4-BE49-F238E27FC236}">
-                <a16:creationId xmlns:a16="http://schemas.microsoft.com/office/drawing/2014/main" id="{5B85F743-CDC1-4ACE-8746-D25C0D73A08E}"/>
-              </a:ext>
-            </a:extLst>
-          </p:cNvPr>
-          <p:cNvPicPr>
-            <a:picLocks noChangeAspect="1"/>
-          </p:cNvPicPr>
-          <p:nvPr/>
-        </p:nvPicPr>
-        <p:blipFill>
-          <a:blip r:embed="rId6"/>
-          <a:stretch>
-            <a:fillRect/>
-          </a:stretch>
-        </p:blipFill>
-        <p:spPr>
-          <a:xfrm>
-            <a:off x="2703762" y="5673042"/>
-            <a:ext cx="370591" cy="276721"/>
-          </a:xfrm>
-          <a:prstGeom prst="rect">
-            <a:avLst/>
-          </a:prstGeom>
-        </p:spPr>
-      </p:pic>
-      <p:pic>
-        <p:nvPicPr>
-          <p:cNvPr id="21" name="Picture 4" descr="Afficher l’image source">
-            <a:extLst>
-              <a:ext uri="{FF2B5EF4-FFF2-40B4-BE49-F238E27FC236}">
-                <a16:creationId xmlns:a16="http://schemas.microsoft.com/office/drawing/2014/main" id="{7039AC54-DB8E-4FE9-B705-E9D370BC5083}"/>
+          <p:cNvPr id="22" name="Picture 2" descr="Afficher l’image source">
+            <a:extLst>
+              <a:ext uri="{FF2B5EF4-FFF2-40B4-BE49-F238E27FC236}">
+                <a16:creationId xmlns:a16="http://schemas.microsoft.com/office/drawing/2014/main" id="{4C3C7A7E-0F7E-D5AB-7CB7-FE79F49436F5}"/>
               </a:ext>
             </a:extLst>
           </p:cNvPr>
@@ -5300,7 +4683,7 @@
           <p:nvPr/>
         </p:nvPicPr>
         <p:blipFill>
-          <a:blip r:embed="rId7">
+          <a:blip r:embed="rId3">
             <a:extLst>
               <a:ext uri="{28A0092B-C50C-407E-A947-70E740481C1C}">
                 <a14:useLocalDpi xmlns:a14="http://schemas.microsoft.com/office/drawing/2010/main" val="0"/>
@@ -5314,8 +4697,8 @@
         </p:blipFill>
         <p:spPr bwMode="auto">
           <a:xfrm>
-            <a:off x="1534246" y="5996736"/>
-            <a:ext cx="1540107" cy="622203"/>
+            <a:off x="6738009" y="1908836"/>
+            <a:ext cx="588793" cy="572693"/>
           </a:xfrm>
           <a:prstGeom prst="rect">
             <a:avLst/>
@@ -5334,54 +4717,235 @@
       </p:pic>
       <p:sp>
         <p:nvSpPr>
-          <p:cNvPr id="22" name="TextBox 35">
-            <a:extLst>
-              <a:ext uri="{FF2B5EF4-FFF2-40B4-BE49-F238E27FC236}">
-                <a16:creationId xmlns:a16="http://schemas.microsoft.com/office/drawing/2014/main" id="{39C9B144-FEA9-4594-80D4-1E15D5769FEF}"/>
-              </a:ext>
-            </a:extLst>
-          </p:cNvPr>
-          <p:cNvSpPr txBox="1"/>
+          <p:cNvPr id="17" name="Rectangle 16">
+            <a:extLst>
+              <a:ext uri="{FF2B5EF4-FFF2-40B4-BE49-F238E27FC236}">
+                <a16:creationId xmlns:a16="http://schemas.microsoft.com/office/drawing/2014/main" id="{83C60C87-609E-41AB-8E66-C44853DB93B6}"/>
+              </a:ext>
+            </a:extLst>
+          </p:cNvPr>
+          <p:cNvSpPr/>
           <p:nvPr/>
         </p:nvSpPr>
         <p:spPr>
           <a:xfrm>
-            <a:off x="7647564" y="6274514"/>
-            <a:ext cx="4425963" cy="523220"/>
+            <a:off x="95250" y="6604378"/>
+            <a:ext cx="6305550" cy="253622"/>
           </a:xfrm>
           <a:prstGeom prst="rect">
             <a:avLst/>
           </a:prstGeom>
-          <a:noFill/>
-        </p:spPr>
-        <p:txBody>
-          <a:bodyPr wrap="square" rtlCol="0">
-            <a:spAutoFit/>
-          </a:bodyPr>
+          <a:solidFill>
+            <a:schemeClr val="bg1"/>
+          </a:solidFill>
+          <a:ln>
+            <a:noFill/>
+          </a:ln>
+        </p:spPr>
+        <p:style>
+          <a:lnRef idx="2">
+            <a:schemeClr val="accent1">
+              <a:shade val="50000"/>
+            </a:schemeClr>
+          </a:lnRef>
+          <a:fillRef idx="1">
+            <a:schemeClr val="accent1"/>
+          </a:fillRef>
+          <a:effectRef idx="0">
+            <a:schemeClr val="accent1"/>
+          </a:effectRef>
+          <a:fontRef idx="minor">
+            <a:schemeClr val="lt1"/>
+          </a:fontRef>
+        </p:style>
+        <p:txBody>
+          <a:bodyPr rtlCol="0" anchor="ctr"/>
           <a:lstStyle/>
           <a:p>
-            <a:pPr lvl="0" algn="r">
-              <a:defRPr/>
-            </a:pPr>
+            <a:pPr algn="ctr"/>
+            <a:endParaRPr lang="fr-FR"/>
+          </a:p>
+        </p:txBody>
+      </p:sp>
+      <p:sp>
+        <p:nvSpPr>
+          <p:cNvPr id="5" name="Rounded Rectangle 44">
+            <a:extLst>
+              <a:ext uri="{FF2B5EF4-FFF2-40B4-BE49-F238E27FC236}">
+                <a16:creationId xmlns:a16="http://schemas.microsoft.com/office/drawing/2014/main" id="{8B31C066-D6ED-6B00-6DFD-759464A699DC}"/>
+              </a:ext>
+            </a:extLst>
+          </p:cNvPr>
+          <p:cNvSpPr/>
+          <p:nvPr/>
+        </p:nvSpPr>
+        <p:spPr>
+          <a:xfrm>
+            <a:off x="4679484" y="2886177"/>
+            <a:ext cx="1858037" cy="923330"/>
+          </a:xfrm>
+          <a:prstGeom prst="roundRect">
+            <a:avLst/>
+          </a:prstGeom>
+          <a:solidFill>
+            <a:srgbClr val="7030A0"/>
+          </a:solidFill>
+          <a:ln>
+            <a:noFill/>
+          </a:ln>
+        </p:spPr>
+        <p:style>
+          <a:lnRef idx="2">
+            <a:schemeClr val="accent1">
+              <a:shade val="50000"/>
+            </a:schemeClr>
+          </a:lnRef>
+          <a:fillRef idx="1">
+            <a:schemeClr val="accent1"/>
+          </a:fillRef>
+          <a:effectRef idx="0">
+            <a:schemeClr val="accent1"/>
+          </a:effectRef>
+          <a:fontRef idx="minor">
+            <a:schemeClr val="lt1"/>
+          </a:fontRef>
+        </p:style>
+        <p:txBody>
+          <a:bodyPr rtlCol="0" anchor="ctr"/>
+          <a:lstStyle/>
+          <a:p>
+            <a:pPr algn="ctr"/>
             <a:r>
               <a:rPr lang="en-US" sz="2800" dirty="0">
                 <a:solidFill>
-                  <a:schemeClr val="bg1">
-                    <a:lumMod val="65000"/>
-                  </a:schemeClr>
+                  <a:schemeClr val="bg1"/>
                 </a:solidFill>
               </a:rPr>
-              <a:t>2024</a:t>
-            </a:r>
+              <a:t>SlimFaas</a:t>
+            </a:r>
+          </a:p>
+        </p:txBody>
+      </p:sp>
+      <p:cxnSp>
+        <p:nvCxnSpPr>
+          <p:cNvPr id="1030" name="Connecteur droit avec flèche 1029">
+            <a:extLst>
+              <a:ext uri="{FF2B5EF4-FFF2-40B4-BE49-F238E27FC236}">
+                <a16:creationId xmlns:a16="http://schemas.microsoft.com/office/drawing/2014/main" id="{52B98CF1-23C8-73AE-54DD-8F17F00A8728}"/>
+              </a:ext>
+            </a:extLst>
+          </p:cNvPr>
+          <p:cNvCxnSpPr>
+            <a:cxnSpLocks/>
+            <a:stCxn id="2" idx="2"/>
+            <a:endCxn id="5" idx="1"/>
+          </p:cNvCxnSpPr>
+          <p:nvPr/>
+        </p:nvCxnSpPr>
+        <p:spPr>
+          <a:xfrm>
+            <a:off x="3635557" y="1606148"/>
+            <a:ext cx="1043927" cy="1741694"/>
+          </a:xfrm>
+          <a:prstGeom prst="straightConnector1">
+            <a:avLst/>
+          </a:prstGeom>
+          <a:ln w="127000">
+            <a:solidFill>
+              <a:schemeClr val="accent6">
+                <a:lumMod val="75000"/>
+              </a:schemeClr>
+            </a:solidFill>
+            <a:tailEnd type="triangle"/>
+          </a:ln>
+        </p:spPr>
+        <p:style>
+          <a:lnRef idx="1">
+            <a:schemeClr val="accent1"/>
+          </a:lnRef>
+          <a:fillRef idx="0">
+            <a:schemeClr val="accent1"/>
+          </a:fillRef>
+          <a:effectRef idx="0">
+            <a:schemeClr val="accent1"/>
+          </a:effectRef>
+          <a:fontRef idx="minor">
+            <a:schemeClr val="tx1"/>
+          </a:fontRef>
+        </p:style>
+      </p:cxnSp>
+      <p:sp>
+        <p:nvSpPr>
+          <p:cNvPr id="14" name="Rounded Rectangle 45">
+            <a:extLst>
+              <a:ext uri="{FF2B5EF4-FFF2-40B4-BE49-F238E27FC236}">
+                <a16:creationId xmlns:a16="http://schemas.microsoft.com/office/drawing/2014/main" id="{86948BFE-3A92-09B5-773B-172DD8AA2DEA}"/>
+              </a:ext>
+            </a:extLst>
+          </p:cNvPr>
+          <p:cNvSpPr/>
+          <p:nvPr/>
+        </p:nvSpPr>
+        <p:spPr>
+          <a:xfrm>
+            <a:off x="8653554" y="3756681"/>
+            <a:ext cx="3145551" cy="2247742"/>
+          </a:xfrm>
+          <a:prstGeom prst="roundRect">
+            <a:avLst/>
+          </a:prstGeom>
+          <a:solidFill>
+            <a:schemeClr val="bg2">
+              <a:lumMod val="25000"/>
+            </a:schemeClr>
+          </a:solidFill>
+          <a:ln>
+            <a:noFill/>
+          </a:ln>
+        </p:spPr>
+        <p:style>
+          <a:lnRef idx="2">
+            <a:schemeClr val="accent1">
+              <a:shade val="50000"/>
+            </a:schemeClr>
+          </a:lnRef>
+          <a:fillRef idx="1">
+            <a:schemeClr val="accent1"/>
+          </a:fillRef>
+          <a:effectRef idx="0">
+            <a:schemeClr val="accent1"/>
+          </a:effectRef>
+          <a:fontRef idx="minor">
+            <a:schemeClr val="lt1"/>
+          </a:fontRef>
+        </p:style>
+        <p:txBody>
+          <a:bodyPr rtlCol="0" anchor="ctr"/>
+          <a:lstStyle/>
+          <a:p>
+            <a:pPr algn="ctr"/>
+            <a:r>
+              <a:rPr lang="fr-FR" sz="4000" dirty="0">
+                <a:solidFill>
+                  <a:schemeClr val="bg1"/>
+                </a:solidFill>
+              </a:rPr>
+              <a:t>function « fibonacci »</a:t>
+            </a:r>
+            <a:endParaRPr lang="en-FR" sz="4000" dirty="0">
+              <a:solidFill>
+                <a:schemeClr val="bg1"/>
+              </a:solidFill>
+            </a:endParaRPr>
           </a:p>
         </p:txBody>
       </p:sp>
       <p:pic>
         <p:nvPicPr>
-          <p:cNvPr id="1026" name="Picture 2">
-            <a:extLst>
-              <a:ext uri="{FF2B5EF4-FFF2-40B4-BE49-F238E27FC236}">
-                <a16:creationId xmlns:a16="http://schemas.microsoft.com/office/drawing/2014/main" id="{5CF30A8E-9612-6FF2-C126-849DD9DDD560}"/>
+          <p:cNvPr id="15" name="Picture 2" descr="Afficher l’image source">
+            <a:extLst>
+              <a:ext uri="{FF2B5EF4-FFF2-40B4-BE49-F238E27FC236}">
+                <a16:creationId xmlns:a16="http://schemas.microsoft.com/office/drawing/2014/main" id="{35712BBA-EBEC-F7AF-781C-F0A47F710A3D}"/>
               </a:ext>
             </a:extLst>
           </p:cNvPr>
@@ -5390,21 +4954,23 @@
           </p:cNvPicPr>
           <p:nvPr/>
         </p:nvPicPr>
-        <p:blipFill rotWithShape="1">
-          <a:blip r:embed="rId8">
+        <p:blipFill>
+          <a:blip r:embed="rId3">
             <a:extLst>
               <a:ext uri="{28A0092B-C50C-407E-A947-70E740481C1C}">
                 <a14:useLocalDpi xmlns:a14="http://schemas.microsoft.com/office/drawing/2010/main" val="0"/>
               </a:ext>
             </a:extLst>
           </a:blip>
-          <a:srcRect l="15446" r="16874"/>
-          <a:stretch/>
+          <a:srcRect/>
+          <a:stretch>
+            <a:fillRect/>
+          </a:stretch>
         </p:blipFill>
         <p:spPr bwMode="auto">
           <a:xfrm>
-            <a:off x="5588810" y="-113647"/>
-            <a:ext cx="6676305" cy="5639204"/>
+            <a:off x="11210312" y="3441547"/>
+            <a:ext cx="588793" cy="572693"/>
           </a:xfrm>
           <a:prstGeom prst="rect">
             <a:avLst/>
@@ -5421,24 +4987,369 @@
           </a:extLst>
         </p:spPr>
       </p:pic>
+      <p:cxnSp>
+        <p:nvCxnSpPr>
+          <p:cNvPr id="16" name="Connecteur droit avec flèche 15">
+            <a:extLst>
+              <a:ext uri="{FF2B5EF4-FFF2-40B4-BE49-F238E27FC236}">
+                <a16:creationId xmlns:a16="http://schemas.microsoft.com/office/drawing/2014/main" id="{E672AC01-B7E2-9CC9-7A1C-110F38B184E7}"/>
+              </a:ext>
+            </a:extLst>
+          </p:cNvPr>
+          <p:cNvCxnSpPr>
+            <a:cxnSpLocks/>
+            <a:stCxn id="5" idx="3"/>
+            <a:endCxn id="14" idx="1"/>
+          </p:cNvCxnSpPr>
+          <p:nvPr/>
+        </p:nvCxnSpPr>
+        <p:spPr>
+          <a:xfrm>
+            <a:off x="6537521" y="3347842"/>
+            <a:ext cx="2116033" cy="1532710"/>
+          </a:xfrm>
+          <a:prstGeom prst="straightConnector1">
+            <a:avLst/>
+          </a:prstGeom>
+          <a:ln w="127000">
+            <a:solidFill>
+              <a:schemeClr val="accent6">
+                <a:lumMod val="75000"/>
+              </a:schemeClr>
+            </a:solidFill>
+            <a:tailEnd type="triangle"/>
+          </a:ln>
+        </p:spPr>
+        <p:style>
+          <a:lnRef idx="1">
+            <a:schemeClr val="accent1"/>
+          </a:lnRef>
+          <a:fillRef idx="0">
+            <a:schemeClr val="accent1"/>
+          </a:fillRef>
+          <a:effectRef idx="0">
+            <a:schemeClr val="accent1"/>
+          </a:effectRef>
+          <a:fontRef idx="minor">
+            <a:schemeClr val="tx1"/>
+          </a:fontRef>
+        </p:style>
+      </p:cxnSp>
+      <p:sp>
+        <p:nvSpPr>
+          <p:cNvPr id="20" name="Cylindre 19">
+            <a:extLst>
+              <a:ext uri="{FF2B5EF4-FFF2-40B4-BE49-F238E27FC236}">
+                <a16:creationId xmlns:a16="http://schemas.microsoft.com/office/drawing/2014/main" id="{ADE31F5A-3083-C305-22A8-E05EB3D3CEAE}"/>
+              </a:ext>
+            </a:extLst>
+          </p:cNvPr>
+          <p:cNvSpPr/>
+          <p:nvPr/>
+        </p:nvSpPr>
+        <p:spPr>
+          <a:xfrm>
+            <a:off x="5004417" y="4325969"/>
+            <a:ext cx="1208169" cy="1258899"/>
+          </a:xfrm>
+          <a:prstGeom prst="can">
+            <a:avLst/>
+          </a:prstGeom>
+        </p:spPr>
+        <p:style>
+          <a:lnRef idx="0">
+            <a:schemeClr val="accent5"/>
+          </a:lnRef>
+          <a:fillRef idx="3">
+            <a:schemeClr val="accent5"/>
+          </a:fillRef>
+          <a:effectRef idx="3">
+            <a:schemeClr val="accent5"/>
+          </a:effectRef>
+          <a:fontRef idx="minor">
+            <a:schemeClr val="lt1"/>
+          </a:fontRef>
+        </p:style>
+        <p:txBody>
+          <a:bodyPr rtlCol="0" anchor="ctr"/>
+          <a:lstStyle/>
+          <a:p>
+            <a:pPr algn="ctr"/>
+            <a:r>
+              <a:rPr lang="fr-FR" sz="2000" dirty="0"/>
+              <a:t>SlimData</a:t>
+            </a:r>
+            <a:endParaRPr lang="fr-FR" sz="1400" dirty="0"/>
+          </a:p>
+        </p:txBody>
+      </p:sp>
+      <p:cxnSp>
+        <p:nvCxnSpPr>
+          <p:cNvPr id="1034" name="Connecteur droit avec flèche 1033">
+            <a:extLst>
+              <a:ext uri="{FF2B5EF4-FFF2-40B4-BE49-F238E27FC236}">
+                <a16:creationId xmlns:a16="http://schemas.microsoft.com/office/drawing/2014/main" id="{C97FA525-2FE2-BE58-B3CE-7494FA2825DA}"/>
+              </a:ext>
+            </a:extLst>
+          </p:cNvPr>
+          <p:cNvCxnSpPr>
+            <a:cxnSpLocks/>
+            <a:stCxn id="5" idx="2"/>
+            <a:endCxn id="20" idx="1"/>
+          </p:cNvCxnSpPr>
+          <p:nvPr/>
+        </p:nvCxnSpPr>
+        <p:spPr>
+          <a:xfrm flipH="1">
+            <a:off x="5608502" y="3809507"/>
+            <a:ext cx="1" cy="516462"/>
+          </a:xfrm>
+          <a:prstGeom prst="straightConnector1">
+            <a:avLst/>
+          </a:prstGeom>
+          <a:ln w="127000">
+            <a:solidFill>
+              <a:srgbClr val="0070C0"/>
+            </a:solidFill>
+            <a:tailEnd type="triangle"/>
+          </a:ln>
+        </p:spPr>
+        <p:style>
+          <a:lnRef idx="1">
+            <a:schemeClr val="accent1"/>
+          </a:lnRef>
+          <a:fillRef idx="0">
+            <a:schemeClr val="accent1"/>
+          </a:fillRef>
+          <a:effectRef idx="0">
+            <a:schemeClr val="accent1"/>
+          </a:effectRef>
+          <a:fontRef idx="minor">
+            <a:schemeClr val="tx1"/>
+          </a:fontRef>
+        </p:style>
+      </p:cxnSp>
+      <p:sp>
+        <p:nvSpPr>
+          <p:cNvPr id="2" name="ZoneTexte 1">
+            <a:extLst>
+              <a:ext uri="{FF2B5EF4-FFF2-40B4-BE49-F238E27FC236}">
+                <a16:creationId xmlns:a16="http://schemas.microsoft.com/office/drawing/2014/main" id="{3D360B9F-683E-C474-0972-4C7E01410CD7}"/>
+              </a:ext>
+            </a:extLst>
+          </p:cNvPr>
+          <p:cNvSpPr txBox="1"/>
+          <p:nvPr/>
+        </p:nvSpPr>
+        <p:spPr>
+          <a:xfrm>
+            <a:off x="95250" y="405819"/>
+            <a:ext cx="7080613" cy="1200329"/>
+          </a:xfrm>
+          <a:prstGeom prst="rect">
+            <a:avLst/>
+          </a:prstGeom>
+          <a:noFill/>
+        </p:spPr>
+        <p:txBody>
+          <a:bodyPr wrap="square" rtlCol="0">
+            <a:spAutoFit/>
+          </a:bodyPr>
+          <a:lstStyle/>
+          <a:p>
+            <a:r>
+              <a:rPr lang="fr-FR" sz="2400" dirty="0"/>
+              <a:t>HTTP POST</a:t>
+            </a:r>
+          </a:p>
+          <a:p>
+            <a:r>
+              <a:rPr lang="fr-FR" sz="2400" dirty="0">
+                <a:hlinkClick r:id="rId4"/>
+              </a:rPr>
+              <a:t>http://slimfaas/</a:t>
+            </a:r>
+            <a:r>
+              <a:rPr lang="fr-FR" sz="2400" dirty="0">
+                <a:highlight>
+                  <a:srgbClr val="FFFF00"/>
+                </a:highlight>
+                <a:hlinkClick r:id="rId4"/>
+              </a:rPr>
+              <a:t>function</a:t>
+            </a:r>
+            <a:r>
+              <a:rPr lang="fr-FR" sz="2400" dirty="0">
+                <a:hlinkClick r:id="rId4"/>
+              </a:rPr>
+              <a:t>/</a:t>
+            </a:r>
+            <a:r>
+              <a:rPr lang="fr-FR" sz="2400" dirty="0">
+                <a:highlight>
+                  <a:srgbClr val="00FF00"/>
+                </a:highlight>
+                <a:hlinkClick r:id="rId4"/>
+              </a:rPr>
+              <a:t>fibonacci</a:t>
+            </a:r>
+            <a:r>
+              <a:rPr lang="fr-FR" sz="2400" dirty="0">
+                <a:hlinkClick r:id="rId4"/>
+              </a:rPr>
+              <a:t>/</a:t>
+            </a:r>
+            <a:r>
+              <a:rPr lang="fr-FR" sz="2400" dirty="0">
+                <a:highlight>
+                  <a:srgbClr val="FF6C45"/>
+                </a:highlight>
+                <a:hlinkClick r:id="rId4"/>
+              </a:rPr>
+              <a:t>hello/guillaume</a:t>
+            </a:r>
+            <a:endParaRPr lang="fr-FR" sz="2400" dirty="0">
+              <a:highlight>
+                <a:srgbClr val="FF6C45"/>
+              </a:highlight>
+            </a:endParaRPr>
+          </a:p>
+          <a:p>
+            <a:r>
+              <a:rPr lang="fr-FR" sz="2400" dirty="0"/>
+              <a:t>{</a:t>
+            </a:r>
+            <a:r>
+              <a:rPr lang="fr-FR" sz="2400" b="0" i="0" dirty="0">
+                <a:effectLst/>
+                <a:latin typeface="-apple-system"/>
+              </a:rPr>
+              <a:t>"</a:t>
+            </a:r>
+            <a:r>
+              <a:rPr lang="fr-FR" sz="2400" dirty="0"/>
+              <a:t>input</a:t>
+            </a:r>
+            <a:r>
+              <a:rPr lang="fr-FR" sz="2400" b="0" i="0" dirty="0">
+                <a:effectLst/>
+                <a:latin typeface="-apple-system"/>
+              </a:rPr>
+              <a:t>"</a:t>
+            </a:r>
+            <a:r>
+              <a:rPr lang="fr-FR" sz="2400" dirty="0"/>
+              <a:t>:42}</a:t>
+            </a:r>
+          </a:p>
+        </p:txBody>
+      </p:sp>
+      <p:sp>
+        <p:nvSpPr>
+          <p:cNvPr id="6" name="ZoneTexte 5">
+            <a:extLst>
+              <a:ext uri="{FF2B5EF4-FFF2-40B4-BE49-F238E27FC236}">
+                <a16:creationId xmlns:a16="http://schemas.microsoft.com/office/drawing/2014/main" id="{43E3B7B0-10A9-2A13-B906-B992930A68C1}"/>
+              </a:ext>
+            </a:extLst>
+          </p:cNvPr>
+          <p:cNvSpPr txBox="1"/>
+          <p:nvPr/>
+        </p:nvSpPr>
+        <p:spPr>
+          <a:xfrm>
+            <a:off x="7558644" y="2137261"/>
+            <a:ext cx="4438754" cy="1200329"/>
+          </a:xfrm>
+          <a:prstGeom prst="rect">
+            <a:avLst/>
+          </a:prstGeom>
+          <a:noFill/>
+        </p:spPr>
+        <p:txBody>
+          <a:bodyPr wrap="square" rtlCol="0">
+            <a:spAutoFit/>
+          </a:bodyPr>
+          <a:lstStyle/>
+          <a:p>
+            <a:r>
+              <a:rPr lang="fr-FR" sz="2400" dirty="0"/>
+              <a:t>HTTP POST</a:t>
+            </a:r>
+          </a:p>
+          <a:p>
+            <a:r>
+              <a:rPr lang="fr-FR" sz="2400" dirty="0">
+                <a:hlinkClick r:id="rId5"/>
+              </a:rPr>
+              <a:t>http://</a:t>
+            </a:r>
+            <a:r>
+              <a:rPr lang="fr-FR" sz="2400" dirty="0">
+                <a:highlight>
+                  <a:srgbClr val="00FF00"/>
+                </a:highlight>
+                <a:hlinkClick r:id="rId5"/>
+              </a:rPr>
+              <a:t>fibonacci</a:t>
+            </a:r>
+            <a:r>
+              <a:rPr lang="fr-FR" sz="2400" dirty="0">
+                <a:hlinkClick r:id="rId5"/>
+              </a:rPr>
+              <a:t>/</a:t>
+            </a:r>
+            <a:r>
+              <a:rPr lang="fr-FR" sz="2400" dirty="0">
+                <a:highlight>
+                  <a:srgbClr val="FF6C45"/>
+                </a:highlight>
+                <a:hlinkClick r:id="rId5"/>
+              </a:rPr>
+              <a:t>hello/guillaume</a:t>
+            </a:r>
+            <a:br>
+              <a:rPr lang="fr-FR" sz="2400" dirty="0"/>
+            </a:br>
+            <a:r>
+              <a:rPr lang="fr-FR" sz="2400" dirty="0"/>
+              <a:t>{</a:t>
+            </a:r>
+            <a:r>
+              <a:rPr lang="fr-FR" sz="2400" b="0" i="0" dirty="0">
+                <a:effectLst/>
+                <a:latin typeface="-apple-system"/>
+              </a:rPr>
+              <a:t>"</a:t>
+            </a:r>
+            <a:r>
+              <a:rPr lang="fr-FR" sz="2400" dirty="0"/>
+              <a:t>input</a:t>
+            </a:r>
+            <a:r>
+              <a:rPr lang="fr-FR" sz="2400" b="0" i="0" dirty="0">
+                <a:effectLst/>
+                <a:latin typeface="-apple-system"/>
+              </a:rPr>
+              <a:t>"</a:t>
+            </a:r>
+            <a:r>
+              <a:rPr lang="fr-FR" sz="2400" dirty="0"/>
+              <a:t>:42}</a:t>
+            </a:r>
+          </a:p>
+        </p:txBody>
+      </p:sp>
     </p:spTree>
     <p:extLst>
       <p:ext uri="{BB962C8B-B14F-4D97-AF65-F5344CB8AC3E}">
-        <p14:creationId xmlns:p14="http://schemas.microsoft.com/office/powerpoint/2010/main" val="1738415885"/>
+        <p14:creationId xmlns:p14="http://schemas.microsoft.com/office/powerpoint/2010/main" val="129032465"/>
       </p:ext>
     </p:extLst>
   </p:cSld>
   <p:clrMapOvr>
     <a:masterClrMapping/>
   </p:clrMapOvr>
-  <mc:AlternateContent xmlns:mc="http://schemas.openxmlformats.org/markup-compatibility/2006" xmlns:p14="http://schemas.microsoft.com/office/powerpoint/2010/main">
-    <mc:Choice Requires="p14">
-      <p:transition spd="slow" p14:dur="2000" advTm="8410"/>
-    </mc:Choice>
-    <mc:Fallback xmlns="">
-      <p:transition spd="slow" advTm="8410"/>
-    </mc:Fallback>
-  </mc:AlternateContent>
 </p:sld>
 </file>
 
@@ -5461,58 +5372,1101 @@
       </p:grpSpPr>
       <p:sp>
         <p:nvSpPr>
-          <p:cNvPr id="2" name="Titre 1">
-            <a:extLst>
-              <a:ext uri="{FF2B5EF4-FFF2-40B4-BE49-F238E27FC236}">
-                <a16:creationId xmlns:a16="http://schemas.microsoft.com/office/drawing/2014/main" id="{618F1DBD-1173-B257-55AB-0F07AFADBAFE}"/>
-              </a:ext>
-            </a:extLst>
-          </p:cNvPr>
-          <p:cNvSpPr>
-            <a:spLocks noGrp="1"/>
-          </p:cNvSpPr>
-          <p:nvPr>
-            <p:ph type="ctrTitle"/>
-          </p:nvPr>
-        </p:nvSpPr>
-        <p:spPr/>
-        <p:txBody>
-          <a:bodyPr/>
+          <p:cNvPr id="17" name="Rectangle 16">
+            <a:extLst>
+              <a:ext uri="{FF2B5EF4-FFF2-40B4-BE49-F238E27FC236}">
+                <a16:creationId xmlns:a16="http://schemas.microsoft.com/office/drawing/2014/main" id="{83C60C87-609E-41AB-8E66-C44853DB93B6}"/>
+              </a:ext>
+            </a:extLst>
+          </p:cNvPr>
+          <p:cNvSpPr/>
+          <p:nvPr/>
+        </p:nvSpPr>
+        <p:spPr>
+          <a:xfrm>
+            <a:off x="95250" y="6604378"/>
+            <a:ext cx="6305550" cy="253622"/>
+          </a:xfrm>
+          <a:prstGeom prst="rect">
+            <a:avLst/>
+          </a:prstGeom>
+          <a:solidFill>
+            <a:schemeClr val="bg1"/>
+          </a:solidFill>
+          <a:ln>
+            <a:noFill/>
+          </a:ln>
+        </p:spPr>
+        <p:style>
+          <a:lnRef idx="2">
+            <a:schemeClr val="accent1">
+              <a:shade val="50000"/>
+            </a:schemeClr>
+          </a:lnRef>
+          <a:fillRef idx="1">
+            <a:schemeClr val="accent1"/>
+          </a:fillRef>
+          <a:effectRef idx="0">
+            <a:schemeClr val="accent1"/>
+          </a:effectRef>
+          <a:fontRef idx="minor">
+            <a:schemeClr val="lt1"/>
+          </a:fontRef>
+        </p:style>
+        <p:txBody>
+          <a:bodyPr rtlCol="0" anchor="ctr"/>
           <a:lstStyle/>
           <a:p>
-            <a:endParaRPr lang="fr-FR" dirty="0"/>
-          </a:p>
-        </p:txBody>
-      </p:sp>
-      <p:sp>
-        <p:nvSpPr>
-          <p:cNvPr id="3" name="Sous-titre 2">
-            <a:extLst>
-              <a:ext uri="{FF2B5EF4-FFF2-40B4-BE49-F238E27FC236}">
-                <a16:creationId xmlns:a16="http://schemas.microsoft.com/office/drawing/2014/main" id="{9BCB40CA-C3F6-CBD6-37EF-7E8B66F07F77}"/>
-              </a:ext>
-            </a:extLst>
-          </p:cNvPr>
-          <p:cNvSpPr>
-            <a:spLocks noGrp="1"/>
-          </p:cNvSpPr>
-          <p:nvPr>
-            <p:ph type="subTitle" idx="1"/>
-          </p:nvPr>
-        </p:nvSpPr>
-        <p:spPr/>
-        <p:txBody>
-          <a:bodyPr/>
+            <a:pPr algn="ctr"/>
+            <a:endParaRPr lang="fr-FR"/>
+          </a:p>
+        </p:txBody>
+      </p:sp>
+      <p:sp>
+        <p:nvSpPr>
+          <p:cNvPr id="15" name="Rectangle : coins arrondis 14">
+            <a:extLst>
+              <a:ext uri="{FF2B5EF4-FFF2-40B4-BE49-F238E27FC236}">
+                <a16:creationId xmlns:a16="http://schemas.microsoft.com/office/drawing/2014/main" id="{A6226B3F-3380-E0AA-AF16-830B21A49428}"/>
+              </a:ext>
+            </a:extLst>
+          </p:cNvPr>
+          <p:cNvSpPr/>
+          <p:nvPr/>
+        </p:nvSpPr>
+        <p:spPr>
+          <a:xfrm>
+            <a:off x="270274" y="3860695"/>
+            <a:ext cx="5854700" cy="2824928"/>
+          </a:xfrm>
+          <a:prstGeom prst="roundRect">
+            <a:avLst/>
+          </a:prstGeom>
+          <a:solidFill>
+            <a:schemeClr val="bg2">
+              <a:lumMod val="25000"/>
+            </a:schemeClr>
+          </a:solidFill>
+          <a:ln>
+            <a:noFill/>
+          </a:ln>
+        </p:spPr>
+        <p:style>
+          <a:lnRef idx="2">
+            <a:schemeClr val="accent1">
+              <a:shade val="50000"/>
+            </a:schemeClr>
+          </a:lnRef>
+          <a:fillRef idx="1">
+            <a:schemeClr val="accent1"/>
+          </a:fillRef>
+          <a:effectRef idx="0">
+            <a:schemeClr val="accent1"/>
+          </a:effectRef>
+          <a:fontRef idx="minor">
+            <a:schemeClr val="lt1"/>
+          </a:fontRef>
+        </p:style>
+        <p:txBody>
+          <a:bodyPr rtlCol="0" anchor="ctr"/>
           <a:lstStyle/>
           <a:p>
-            <a:endParaRPr lang="fr-FR"/>
-          </a:p>
-        </p:txBody>
-      </p:sp>
+            <a:pPr algn="ctr"/>
+            <a:endParaRPr lang="fr-FR" sz="4000">
+              <a:solidFill>
+                <a:schemeClr val="bg1"/>
+              </a:solidFill>
+            </a:endParaRPr>
+          </a:p>
+        </p:txBody>
+      </p:sp>
+      <p:sp>
+        <p:nvSpPr>
+          <p:cNvPr id="11" name="Rectangle : coins arrondis 10">
+            <a:extLst>
+              <a:ext uri="{FF2B5EF4-FFF2-40B4-BE49-F238E27FC236}">
+                <a16:creationId xmlns:a16="http://schemas.microsoft.com/office/drawing/2014/main" id="{4E0312E4-E02C-5132-9EC7-E21ECBAD0DFB}"/>
+              </a:ext>
+            </a:extLst>
+          </p:cNvPr>
+          <p:cNvSpPr/>
+          <p:nvPr/>
+        </p:nvSpPr>
+        <p:spPr>
+          <a:xfrm>
+            <a:off x="5788599" y="248280"/>
+            <a:ext cx="6118483" cy="2953155"/>
+          </a:xfrm>
+          <a:prstGeom prst="roundRect">
+            <a:avLst/>
+          </a:prstGeom>
+          <a:solidFill>
+            <a:schemeClr val="bg2">
+              <a:lumMod val="25000"/>
+            </a:schemeClr>
+          </a:solidFill>
+          <a:ln>
+            <a:noFill/>
+          </a:ln>
+        </p:spPr>
+        <p:style>
+          <a:lnRef idx="2">
+            <a:schemeClr val="accent1">
+              <a:shade val="50000"/>
+            </a:schemeClr>
+          </a:lnRef>
+          <a:fillRef idx="1">
+            <a:schemeClr val="accent1"/>
+          </a:fillRef>
+          <a:effectRef idx="0">
+            <a:schemeClr val="accent1"/>
+          </a:effectRef>
+          <a:fontRef idx="minor">
+            <a:schemeClr val="lt1"/>
+          </a:fontRef>
+        </p:style>
+        <p:txBody>
+          <a:bodyPr rtlCol="0" anchor="ctr"/>
+          <a:lstStyle/>
+          <a:p>
+            <a:pPr algn="ctr"/>
+            <a:endParaRPr lang="fr-FR" sz="4000">
+              <a:solidFill>
+                <a:schemeClr val="bg1"/>
+              </a:solidFill>
+            </a:endParaRPr>
+          </a:p>
+        </p:txBody>
+      </p:sp>
+      <p:cxnSp>
+        <p:nvCxnSpPr>
+          <p:cNvPr id="25" name="Connecteur droit avec flèche 24">
+            <a:extLst>
+              <a:ext uri="{FF2B5EF4-FFF2-40B4-BE49-F238E27FC236}">
+                <a16:creationId xmlns:a16="http://schemas.microsoft.com/office/drawing/2014/main" id="{EF74DD91-1B16-470B-A20B-035F88F385D6}"/>
+              </a:ext>
+            </a:extLst>
+          </p:cNvPr>
+          <p:cNvCxnSpPr>
+            <a:cxnSpLocks/>
+            <a:stCxn id="2" idx="3"/>
+            <a:endCxn id="13" idx="1"/>
+          </p:cNvCxnSpPr>
+          <p:nvPr/>
+        </p:nvCxnSpPr>
+        <p:spPr>
+          <a:xfrm flipV="1">
+            <a:off x="5945039" y="5223738"/>
+            <a:ext cx="2412084" cy="4209"/>
+          </a:xfrm>
+          <a:prstGeom prst="straightConnector1">
+            <a:avLst/>
+          </a:prstGeom>
+          <a:ln w="127000">
+            <a:solidFill>
+              <a:schemeClr val="accent6">
+                <a:lumMod val="75000"/>
+              </a:schemeClr>
+            </a:solidFill>
+            <a:tailEnd type="triangle"/>
+          </a:ln>
+        </p:spPr>
+        <p:style>
+          <a:lnRef idx="1">
+            <a:schemeClr val="accent1"/>
+          </a:lnRef>
+          <a:fillRef idx="0">
+            <a:schemeClr val="accent1"/>
+          </a:fillRef>
+          <a:effectRef idx="0">
+            <a:schemeClr val="accent1"/>
+          </a:effectRef>
+          <a:fontRef idx="minor">
+            <a:schemeClr val="tx1"/>
+          </a:fontRef>
+        </p:style>
+      </p:cxnSp>
+      <p:sp>
+        <p:nvSpPr>
+          <p:cNvPr id="13" name="Rounded Rectangle 45">
+            <a:extLst>
+              <a:ext uri="{FF2B5EF4-FFF2-40B4-BE49-F238E27FC236}">
+                <a16:creationId xmlns:a16="http://schemas.microsoft.com/office/drawing/2014/main" id="{010C1183-1FCB-4B5B-84DC-B7D70796FA94}"/>
+              </a:ext>
+            </a:extLst>
+          </p:cNvPr>
+          <p:cNvSpPr/>
+          <p:nvPr/>
+        </p:nvSpPr>
+        <p:spPr>
+          <a:xfrm>
+            <a:off x="8357123" y="4174427"/>
+            <a:ext cx="3145551" cy="2098622"/>
+          </a:xfrm>
+          <a:prstGeom prst="roundRect">
+            <a:avLst/>
+          </a:prstGeom>
+          <a:solidFill>
+            <a:schemeClr val="bg2">
+              <a:lumMod val="25000"/>
+            </a:schemeClr>
+          </a:solidFill>
+          <a:ln>
+            <a:noFill/>
+          </a:ln>
+        </p:spPr>
+        <p:style>
+          <a:lnRef idx="2">
+            <a:schemeClr val="accent1">
+              <a:shade val="50000"/>
+            </a:schemeClr>
+          </a:lnRef>
+          <a:fillRef idx="1">
+            <a:schemeClr val="accent1"/>
+          </a:fillRef>
+          <a:effectRef idx="0">
+            <a:schemeClr val="accent1"/>
+          </a:effectRef>
+          <a:fontRef idx="minor">
+            <a:schemeClr val="lt1"/>
+          </a:fontRef>
+        </p:style>
+        <p:txBody>
+          <a:bodyPr rtlCol="0" anchor="ctr"/>
+          <a:lstStyle/>
+          <a:p>
+            <a:pPr algn="ctr"/>
+            <a:r>
+              <a:rPr lang="fr-FR" sz="4000" dirty="0">
+                <a:solidFill>
+                  <a:schemeClr val="bg1"/>
+                </a:solidFill>
+              </a:rPr>
+              <a:t>function « fibonacci »</a:t>
+            </a:r>
+            <a:endParaRPr lang="en-FR" sz="4000" dirty="0">
+              <a:solidFill>
+                <a:schemeClr val="bg1"/>
+              </a:solidFill>
+            </a:endParaRPr>
+          </a:p>
+        </p:txBody>
+      </p:sp>
+      <p:pic>
+        <p:nvPicPr>
+          <p:cNvPr id="1026" name="Picture 2" descr="Afficher l’image source">
+            <a:extLst>
+              <a:ext uri="{FF2B5EF4-FFF2-40B4-BE49-F238E27FC236}">
+                <a16:creationId xmlns:a16="http://schemas.microsoft.com/office/drawing/2014/main" id="{F291C231-1626-4F0E-B26C-1EFF6A7E0B9C}"/>
+              </a:ext>
+            </a:extLst>
+          </p:cNvPr>
+          <p:cNvPicPr>
+            <a:picLocks noChangeAspect="1" noChangeArrowheads="1"/>
+          </p:cNvPicPr>
+          <p:nvPr/>
+        </p:nvPicPr>
+        <p:blipFill>
+          <a:blip r:embed="rId3">
+            <a:extLst>
+              <a:ext uri="{28A0092B-C50C-407E-A947-70E740481C1C}">
+                <a14:useLocalDpi xmlns:a14="http://schemas.microsoft.com/office/drawing/2010/main" val="0"/>
+              </a:ext>
+            </a:extLst>
+          </a:blip>
+          <a:srcRect/>
+          <a:stretch>
+            <a:fillRect/>
+          </a:stretch>
+        </p:blipFill>
+        <p:spPr bwMode="auto">
+          <a:xfrm>
+            <a:off x="11029347" y="4031598"/>
+            <a:ext cx="588793" cy="572693"/>
+          </a:xfrm>
+          <a:prstGeom prst="rect">
+            <a:avLst/>
+          </a:prstGeom>
+          <a:noFill/>
+          <a:extLst>
+            <a:ext uri="{909E8E84-426E-40DD-AFC4-6F175D3DCCD1}">
+              <a14:hiddenFill xmlns:a14="http://schemas.microsoft.com/office/drawing/2010/main">
+                <a:solidFill>
+                  <a:srgbClr val="FFFFFF"/>
+                </a:solidFill>
+              </a14:hiddenFill>
+            </a:ext>
+          </a:extLst>
+        </p:spPr>
+      </p:pic>
+      <p:sp>
+        <p:nvSpPr>
+          <p:cNvPr id="2" name="Rounded Rectangle 44">
+            <a:extLst>
+              <a:ext uri="{FF2B5EF4-FFF2-40B4-BE49-F238E27FC236}">
+                <a16:creationId xmlns:a16="http://schemas.microsoft.com/office/drawing/2014/main" id="{ECE643B4-61AF-3733-8039-0237A0938B0F}"/>
+              </a:ext>
+            </a:extLst>
+          </p:cNvPr>
+          <p:cNvSpPr/>
+          <p:nvPr/>
+        </p:nvSpPr>
+        <p:spPr>
+          <a:xfrm>
+            <a:off x="4021081" y="4700432"/>
+            <a:ext cx="1923958" cy="1055029"/>
+          </a:xfrm>
+          <a:prstGeom prst="roundRect">
+            <a:avLst/>
+          </a:prstGeom>
+          <a:solidFill>
+            <a:srgbClr val="7030A0"/>
+          </a:solidFill>
+          <a:ln>
+            <a:noFill/>
+          </a:ln>
+        </p:spPr>
+        <p:style>
+          <a:lnRef idx="2">
+            <a:schemeClr val="accent1">
+              <a:shade val="50000"/>
+            </a:schemeClr>
+          </a:lnRef>
+          <a:fillRef idx="1">
+            <a:schemeClr val="accent1"/>
+          </a:fillRef>
+          <a:effectRef idx="0">
+            <a:schemeClr val="accent1"/>
+          </a:effectRef>
+          <a:fontRef idx="minor">
+            <a:schemeClr val="lt1"/>
+          </a:fontRef>
+        </p:style>
+        <p:txBody>
+          <a:bodyPr rtlCol="0" anchor="ctr"/>
+          <a:lstStyle/>
+          <a:p>
+            <a:pPr algn="ctr"/>
+            <a:r>
+              <a:rPr lang="en-US" sz="2800" dirty="0">
+                <a:solidFill>
+                  <a:schemeClr val="bg1"/>
+                </a:solidFill>
+              </a:rPr>
+              <a:t>SlimFaas</a:t>
+            </a:r>
+          </a:p>
+        </p:txBody>
+      </p:sp>
+      <p:sp>
+        <p:nvSpPr>
+          <p:cNvPr id="5" name="Rounded Rectangle 44">
+            <a:extLst>
+              <a:ext uri="{FF2B5EF4-FFF2-40B4-BE49-F238E27FC236}">
+                <a16:creationId xmlns:a16="http://schemas.microsoft.com/office/drawing/2014/main" id="{8B31C066-D6ED-6B00-6DFD-759464A699DC}"/>
+              </a:ext>
+            </a:extLst>
+          </p:cNvPr>
+          <p:cNvSpPr/>
+          <p:nvPr/>
+        </p:nvSpPr>
+        <p:spPr>
+          <a:xfrm>
+            <a:off x="6031056" y="1199622"/>
+            <a:ext cx="2135174" cy="923330"/>
+          </a:xfrm>
+          <a:prstGeom prst="roundRect">
+            <a:avLst/>
+          </a:prstGeom>
+          <a:solidFill>
+            <a:srgbClr val="7030A0"/>
+          </a:solidFill>
+          <a:ln>
+            <a:noFill/>
+          </a:ln>
+        </p:spPr>
+        <p:style>
+          <a:lnRef idx="2">
+            <a:schemeClr val="accent1">
+              <a:shade val="50000"/>
+            </a:schemeClr>
+          </a:lnRef>
+          <a:fillRef idx="1">
+            <a:schemeClr val="accent1"/>
+          </a:fillRef>
+          <a:effectRef idx="0">
+            <a:schemeClr val="accent1"/>
+          </a:effectRef>
+          <a:fontRef idx="minor">
+            <a:schemeClr val="lt1"/>
+          </a:fontRef>
+        </p:style>
+        <p:txBody>
+          <a:bodyPr rtlCol="0" anchor="ctr"/>
+          <a:lstStyle/>
+          <a:p>
+            <a:pPr algn="ctr"/>
+            <a:r>
+              <a:rPr lang="en-US" sz="2800" dirty="0">
+                <a:solidFill>
+                  <a:schemeClr val="bg1"/>
+                </a:solidFill>
+              </a:rPr>
+              <a:t>SlimFaas</a:t>
+            </a:r>
+          </a:p>
+        </p:txBody>
+      </p:sp>
+      <p:cxnSp>
+        <p:nvCxnSpPr>
+          <p:cNvPr id="1030" name="Connecteur droit avec flèche 1029">
+            <a:extLst>
+              <a:ext uri="{FF2B5EF4-FFF2-40B4-BE49-F238E27FC236}">
+                <a16:creationId xmlns:a16="http://schemas.microsoft.com/office/drawing/2014/main" id="{52B98CF1-23C8-73AE-54DD-8F17F00A8728}"/>
+              </a:ext>
+            </a:extLst>
+          </p:cNvPr>
+          <p:cNvCxnSpPr>
+            <a:cxnSpLocks/>
+            <a:stCxn id="1035" idx="3"/>
+            <a:endCxn id="5" idx="1"/>
+          </p:cNvCxnSpPr>
+          <p:nvPr/>
+        </p:nvCxnSpPr>
+        <p:spPr>
+          <a:xfrm>
+            <a:off x="4995157" y="1657406"/>
+            <a:ext cx="1035899" cy="3881"/>
+          </a:xfrm>
+          <a:prstGeom prst="straightConnector1">
+            <a:avLst/>
+          </a:prstGeom>
+          <a:ln w="127000">
+            <a:solidFill>
+              <a:schemeClr val="accent6">
+                <a:lumMod val="75000"/>
+              </a:schemeClr>
+            </a:solidFill>
+            <a:tailEnd type="triangle"/>
+          </a:ln>
+        </p:spPr>
+        <p:style>
+          <a:lnRef idx="1">
+            <a:schemeClr val="accent1"/>
+          </a:lnRef>
+          <a:fillRef idx="0">
+            <a:schemeClr val="accent1"/>
+          </a:fillRef>
+          <a:effectRef idx="0">
+            <a:schemeClr val="accent1"/>
+          </a:effectRef>
+          <a:fontRef idx="minor">
+            <a:schemeClr val="tx1"/>
+          </a:fontRef>
+        </p:style>
+      </p:cxnSp>
+      <p:sp>
+        <p:nvSpPr>
+          <p:cNvPr id="1035" name="ZoneTexte 1034">
+            <a:extLst>
+              <a:ext uri="{FF2B5EF4-FFF2-40B4-BE49-F238E27FC236}">
+                <a16:creationId xmlns:a16="http://schemas.microsoft.com/office/drawing/2014/main" id="{D180C645-D94F-EC3F-08F1-4AB872A877B7}"/>
+              </a:ext>
+            </a:extLst>
+          </p:cNvPr>
+          <p:cNvSpPr txBox="1"/>
+          <p:nvPr/>
+        </p:nvSpPr>
+        <p:spPr>
+          <a:xfrm>
+            <a:off x="48143" y="1288074"/>
+            <a:ext cx="4947014" cy="738664"/>
+          </a:xfrm>
+          <a:prstGeom prst="rect">
+            <a:avLst/>
+          </a:prstGeom>
+          <a:noFill/>
+        </p:spPr>
+        <p:txBody>
+          <a:bodyPr wrap="square" rtlCol="0">
+            <a:spAutoFit/>
+          </a:bodyPr>
+          <a:lstStyle/>
+          <a:p>
+            <a:r>
+              <a:rPr lang="fr-FR" sz="1400" dirty="0"/>
+              <a:t>HTTP POST</a:t>
+            </a:r>
+          </a:p>
+          <a:p>
+            <a:r>
+              <a:rPr lang="fr-FR" sz="1400" dirty="0">
+                <a:hlinkClick r:id="rId4"/>
+              </a:rPr>
+              <a:t>http://slimfaas/</a:t>
+            </a:r>
+            <a:r>
+              <a:rPr lang="fr-FR" sz="1400" dirty="0">
+                <a:highlight>
+                  <a:srgbClr val="FFFF00"/>
+                </a:highlight>
+                <a:hlinkClick r:id="rId4"/>
+              </a:rPr>
+              <a:t>async-function</a:t>
+            </a:r>
+            <a:r>
+              <a:rPr lang="fr-FR" sz="1400" dirty="0">
+                <a:hlinkClick r:id="rId4"/>
+              </a:rPr>
+              <a:t>/</a:t>
+            </a:r>
+            <a:r>
+              <a:rPr lang="fr-FR" sz="1400" dirty="0">
+                <a:highlight>
+                  <a:srgbClr val="00FF00"/>
+                </a:highlight>
+                <a:hlinkClick r:id="rId4"/>
+              </a:rPr>
+              <a:t>fibonacci</a:t>
+            </a:r>
+            <a:r>
+              <a:rPr lang="fr-FR" sz="1400" dirty="0">
+                <a:hlinkClick r:id="rId4"/>
+              </a:rPr>
+              <a:t>/</a:t>
+            </a:r>
+            <a:r>
+              <a:rPr lang="fr-FR" sz="1400" dirty="0">
+                <a:highlight>
+                  <a:srgbClr val="FF6C45"/>
+                </a:highlight>
+                <a:hlinkClick r:id="rId4"/>
+              </a:rPr>
+              <a:t>hello/guillaume</a:t>
+            </a:r>
+            <a:endParaRPr lang="fr-FR" sz="1400" dirty="0">
+              <a:highlight>
+                <a:srgbClr val="FF6C45"/>
+              </a:highlight>
+            </a:endParaRPr>
+          </a:p>
+          <a:p>
+            <a:r>
+              <a:rPr lang="fr-FR" sz="1400" dirty="0"/>
+              <a:t>{</a:t>
+            </a:r>
+            <a:r>
+              <a:rPr lang="fr-FR" sz="1400" b="0" i="0" dirty="0">
+                <a:effectLst/>
+                <a:latin typeface="-apple-system"/>
+              </a:rPr>
+              <a:t>"</a:t>
+            </a:r>
+            <a:r>
+              <a:rPr lang="fr-FR" sz="1400" dirty="0"/>
+              <a:t>input</a:t>
+            </a:r>
+            <a:r>
+              <a:rPr lang="fr-FR" sz="1400" b="0" i="0" dirty="0">
+                <a:effectLst/>
+                <a:latin typeface="-apple-system"/>
+              </a:rPr>
+              <a:t>"</a:t>
+            </a:r>
+            <a:r>
+              <a:rPr lang="fr-FR" sz="1400" dirty="0"/>
+              <a:t>:42}</a:t>
+            </a:r>
+          </a:p>
+        </p:txBody>
+      </p:sp>
+      <p:sp>
+        <p:nvSpPr>
+          <p:cNvPr id="1069" name="ZoneTexte 1068">
+            <a:extLst>
+              <a:ext uri="{FF2B5EF4-FFF2-40B4-BE49-F238E27FC236}">
+                <a16:creationId xmlns:a16="http://schemas.microsoft.com/office/drawing/2014/main" id="{090E0DC5-DC00-5D4D-282B-8F120B96B110}"/>
+              </a:ext>
+            </a:extLst>
+          </p:cNvPr>
+          <p:cNvSpPr txBox="1"/>
+          <p:nvPr/>
+        </p:nvSpPr>
+        <p:spPr>
+          <a:xfrm>
+            <a:off x="6096000" y="3302938"/>
+            <a:ext cx="4920343" cy="1200329"/>
+          </a:xfrm>
+          <a:prstGeom prst="rect">
+            <a:avLst/>
+          </a:prstGeom>
+          <a:noFill/>
+        </p:spPr>
+        <p:txBody>
+          <a:bodyPr wrap="square" rtlCol="0">
+            <a:spAutoFit/>
+          </a:bodyPr>
+          <a:lstStyle/>
+          <a:p>
+            <a:r>
+              <a:rPr lang="fr-FR" sz="2400" dirty="0"/>
+              <a:t>HTTP POST</a:t>
+            </a:r>
+          </a:p>
+          <a:p>
+            <a:r>
+              <a:rPr lang="fr-FR" sz="2400" dirty="0">
+                <a:hlinkClick r:id="rId5"/>
+              </a:rPr>
+              <a:t>http://</a:t>
+            </a:r>
+            <a:r>
+              <a:rPr lang="fr-FR" sz="2400" dirty="0">
+                <a:highlight>
+                  <a:srgbClr val="00FF00"/>
+                </a:highlight>
+                <a:hlinkClick r:id="rId5"/>
+              </a:rPr>
+              <a:t>fibonacci</a:t>
+            </a:r>
+            <a:r>
+              <a:rPr lang="fr-FR" sz="2400" dirty="0">
+                <a:hlinkClick r:id="rId5"/>
+              </a:rPr>
+              <a:t>/</a:t>
+            </a:r>
+            <a:r>
+              <a:rPr lang="fr-FR" sz="2400" dirty="0">
+                <a:highlight>
+                  <a:srgbClr val="FF6C45"/>
+                </a:highlight>
+                <a:hlinkClick r:id="rId5"/>
+              </a:rPr>
+              <a:t>hello/guillaume</a:t>
+            </a:r>
+            <a:br>
+              <a:rPr lang="fr-FR" sz="2400" dirty="0"/>
+            </a:br>
+            <a:r>
+              <a:rPr lang="fr-FR" sz="2400" dirty="0"/>
+              <a:t>{</a:t>
+            </a:r>
+            <a:r>
+              <a:rPr lang="fr-FR" sz="2400" b="0" i="0" dirty="0">
+                <a:effectLst/>
+                <a:latin typeface="-apple-system"/>
+              </a:rPr>
+              <a:t>"</a:t>
+            </a:r>
+            <a:r>
+              <a:rPr lang="fr-FR" sz="2400" dirty="0"/>
+              <a:t>input</a:t>
+            </a:r>
+            <a:r>
+              <a:rPr lang="fr-FR" sz="2400" b="0" i="0" dirty="0">
+                <a:effectLst/>
+                <a:latin typeface="-apple-system"/>
+              </a:rPr>
+              <a:t>"</a:t>
+            </a:r>
+            <a:r>
+              <a:rPr lang="fr-FR" sz="2400" dirty="0"/>
+              <a:t>:42}</a:t>
+            </a:r>
+          </a:p>
+        </p:txBody>
+      </p:sp>
+      <p:pic>
+        <p:nvPicPr>
+          <p:cNvPr id="3" name="Picture 2" descr="Afficher l’image source">
+            <a:extLst>
+              <a:ext uri="{FF2B5EF4-FFF2-40B4-BE49-F238E27FC236}">
+                <a16:creationId xmlns:a16="http://schemas.microsoft.com/office/drawing/2014/main" id="{6DDAFA19-505A-5974-5381-D1AA62FE6CDB}"/>
+              </a:ext>
+            </a:extLst>
+          </p:cNvPr>
+          <p:cNvPicPr>
+            <a:picLocks noChangeAspect="1" noChangeArrowheads="1"/>
+          </p:cNvPicPr>
+          <p:nvPr/>
+        </p:nvPicPr>
+        <p:blipFill>
+          <a:blip r:embed="rId3">
+            <a:extLst>
+              <a:ext uri="{28A0092B-C50C-407E-A947-70E740481C1C}">
+                <a14:useLocalDpi xmlns:a14="http://schemas.microsoft.com/office/drawing/2010/main" val="0"/>
+              </a:ext>
+            </a:extLst>
+          </a:blip>
+          <a:srcRect/>
+          <a:stretch>
+            <a:fillRect/>
+          </a:stretch>
+        </p:blipFill>
+        <p:spPr bwMode="auto">
+          <a:xfrm>
+            <a:off x="0" y="3664234"/>
+            <a:ext cx="588793" cy="572693"/>
+          </a:xfrm>
+          <a:prstGeom prst="rect">
+            <a:avLst/>
+          </a:prstGeom>
+          <a:noFill/>
+          <a:extLst>
+            <a:ext uri="{909E8E84-426E-40DD-AFC4-6F175D3DCCD1}">
+              <a14:hiddenFill xmlns:a14="http://schemas.microsoft.com/office/drawing/2010/main">
+                <a:solidFill>
+                  <a:srgbClr val="FFFFFF"/>
+                </a:solidFill>
+              </a14:hiddenFill>
+            </a:ext>
+          </a:extLst>
+        </p:spPr>
+      </p:pic>
+      <p:pic>
+        <p:nvPicPr>
+          <p:cNvPr id="6" name="Picture 2" descr="Afficher l’image source">
+            <a:extLst>
+              <a:ext uri="{FF2B5EF4-FFF2-40B4-BE49-F238E27FC236}">
+                <a16:creationId xmlns:a16="http://schemas.microsoft.com/office/drawing/2014/main" id="{BCBC1B21-323D-218D-4E88-A0D74047C9FD}"/>
+              </a:ext>
+            </a:extLst>
+          </p:cNvPr>
+          <p:cNvPicPr>
+            <a:picLocks noChangeAspect="1" noChangeArrowheads="1"/>
+          </p:cNvPicPr>
+          <p:nvPr/>
+        </p:nvPicPr>
+        <p:blipFill>
+          <a:blip r:embed="rId3">
+            <a:extLst>
+              <a:ext uri="{28A0092B-C50C-407E-A947-70E740481C1C}">
+                <a14:useLocalDpi xmlns:a14="http://schemas.microsoft.com/office/drawing/2010/main" val="0"/>
+              </a:ext>
+            </a:extLst>
+          </a:blip>
+          <a:srcRect/>
+          <a:stretch>
+            <a:fillRect/>
+          </a:stretch>
+        </p:blipFill>
+        <p:spPr bwMode="auto">
+          <a:xfrm>
+            <a:off x="11453006" y="54884"/>
+            <a:ext cx="588793" cy="572693"/>
+          </a:xfrm>
+          <a:prstGeom prst="rect">
+            <a:avLst/>
+          </a:prstGeom>
+          <a:noFill/>
+          <a:extLst>
+            <a:ext uri="{909E8E84-426E-40DD-AFC4-6F175D3DCCD1}">
+              <a14:hiddenFill xmlns:a14="http://schemas.microsoft.com/office/drawing/2010/main">
+                <a:solidFill>
+                  <a:srgbClr val="FFFFFF"/>
+                </a:solidFill>
+              </a14:hiddenFill>
+            </a:ext>
+          </a:extLst>
+        </p:spPr>
+      </p:pic>
+      <p:sp>
+        <p:nvSpPr>
+          <p:cNvPr id="1028" name="Cylindre 1027">
+            <a:extLst>
+              <a:ext uri="{FF2B5EF4-FFF2-40B4-BE49-F238E27FC236}">
+                <a16:creationId xmlns:a16="http://schemas.microsoft.com/office/drawing/2014/main" id="{B2C2AFFD-8B14-9C7B-077E-D589D392B66C}"/>
+              </a:ext>
+            </a:extLst>
+          </p:cNvPr>
+          <p:cNvSpPr/>
+          <p:nvPr/>
+        </p:nvSpPr>
+        <p:spPr>
+          <a:xfrm>
+            <a:off x="8769523" y="386605"/>
+            <a:ext cx="2977880" cy="2552700"/>
+          </a:xfrm>
+          <a:prstGeom prst="can">
+            <a:avLst/>
+          </a:prstGeom>
+        </p:spPr>
+        <p:style>
+          <a:lnRef idx="0">
+            <a:schemeClr val="accent5"/>
+          </a:lnRef>
+          <a:fillRef idx="3">
+            <a:schemeClr val="accent5"/>
+          </a:fillRef>
+          <a:effectRef idx="3">
+            <a:schemeClr val="accent5"/>
+          </a:effectRef>
+          <a:fontRef idx="minor">
+            <a:schemeClr val="lt1"/>
+          </a:fontRef>
+        </p:style>
+        <p:txBody>
+          <a:bodyPr rtlCol="0" anchor="b"/>
+          <a:lstStyle/>
+          <a:p>
+            <a:pPr algn="ctr"/>
+            <a:r>
+              <a:rPr lang="fr-FR" sz="2000" dirty="0"/>
+              <a:t>SlimData</a:t>
+            </a:r>
+            <a:endParaRPr lang="fr-FR" sz="1400" dirty="0"/>
+          </a:p>
+        </p:txBody>
+      </p:sp>
+      <p:sp>
+        <p:nvSpPr>
+          <p:cNvPr id="22" name="Cylindre 21">
+            <a:extLst>
+              <a:ext uri="{FF2B5EF4-FFF2-40B4-BE49-F238E27FC236}">
+                <a16:creationId xmlns:a16="http://schemas.microsoft.com/office/drawing/2014/main" id="{DD2C0339-DDF8-EC26-D9E3-90D001F95C2A}"/>
+              </a:ext>
+            </a:extLst>
+          </p:cNvPr>
+          <p:cNvSpPr/>
+          <p:nvPr/>
+        </p:nvSpPr>
+        <p:spPr>
+          <a:xfrm rot="16200000">
+            <a:off x="9925747" y="434393"/>
+            <a:ext cx="751315" cy="2408164"/>
+          </a:xfrm>
+          <a:prstGeom prst="can">
+            <a:avLst/>
+          </a:prstGeom>
+        </p:spPr>
+        <p:style>
+          <a:lnRef idx="2">
+            <a:schemeClr val="accent1">
+              <a:shade val="50000"/>
+            </a:schemeClr>
+          </a:lnRef>
+          <a:fillRef idx="1">
+            <a:schemeClr val="accent1"/>
+          </a:fillRef>
+          <a:effectRef idx="0">
+            <a:schemeClr val="accent1"/>
+          </a:effectRef>
+          <a:fontRef idx="minor">
+            <a:schemeClr val="lt1"/>
+          </a:fontRef>
+        </p:style>
+        <p:txBody>
+          <a:bodyPr vert="vert" rtlCol="0" anchor="ctr"/>
+          <a:lstStyle/>
+          <a:p>
+            <a:pPr algn="ctr"/>
+            <a:r>
+              <a:rPr lang="fr-FR" sz="2400" dirty="0"/>
+              <a:t>Queue « fibonacci »</a:t>
+            </a:r>
+          </a:p>
+        </p:txBody>
+      </p:sp>
+      <p:cxnSp>
+        <p:nvCxnSpPr>
+          <p:cNvPr id="7" name="Connecteur droit avec flèche 6">
+            <a:extLst>
+              <a:ext uri="{FF2B5EF4-FFF2-40B4-BE49-F238E27FC236}">
+                <a16:creationId xmlns:a16="http://schemas.microsoft.com/office/drawing/2014/main" id="{C972C828-7F9D-394D-A68C-FE40C3507285}"/>
+              </a:ext>
+            </a:extLst>
+          </p:cNvPr>
+          <p:cNvCxnSpPr>
+            <a:cxnSpLocks/>
+            <a:stCxn id="5" idx="3"/>
+            <a:endCxn id="1028" idx="2"/>
+          </p:cNvCxnSpPr>
+          <p:nvPr/>
+        </p:nvCxnSpPr>
+        <p:spPr>
+          <a:xfrm>
+            <a:off x="8166230" y="1661287"/>
+            <a:ext cx="603293" cy="1668"/>
+          </a:xfrm>
+          <a:prstGeom prst="straightConnector1">
+            <a:avLst/>
+          </a:prstGeom>
+          <a:ln w="127000">
+            <a:solidFill>
+              <a:srgbClr val="0070C0"/>
+            </a:solidFill>
+            <a:tailEnd type="triangle"/>
+          </a:ln>
+        </p:spPr>
+        <p:style>
+          <a:lnRef idx="1">
+            <a:schemeClr val="accent1"/>
+          </a:lnRef>
+          <a:fillRef idx="0">
+            <a:schemeClr val="accent1"/>
+          </a:fillRef>
+          <a:effectRef idx="0">
+            <a:schemeClr val="accent1"/>
+          </a:effectRef>
+          <a:fontRef idx="minor">
+            <a:schemeClr val="tx1"/>
+          </a:fontRef>
+        </p:style>
+      </p:cxnSp>
+      <p:sp>
+        <p:nvSpPr>
+          <p:cNvPr id="1029" name="Cylindre 1028">
+            <a:extLst>
+              <a:ext uri="{FF2B5EF4-FFF2-40B4-BE49-F238E27FC236}">
+                <a16:creationId xmlns:a16="http://schemas.microsoft.com/office/drawing/2014/main" id="{6E9828DD-5050-2C93-4833-E135683F4973}"/>
+              </a:ext>
+            </a:extLst>
+          </p:cNvPr>
+          <p:cNvSpPr/>
+          <p:nvPr/>
+        </p:nvSpPr>
+        <p:spPr>
+          <a:xfrm>
+            <a:off x="490214" y="3953020"/>
+            <a:ext cx="2813045" cy="2549855"/>
+          </a:xfrm>
+          <a:prstGeom prst="can">
+            <a:avLst/>
+          </a:prstGeom>
+        </p:spPr>
+        <p:style>
+          <a:lnRef idx="0">
+            <a:schemeClr val="accent5"/>
+          </a:lnRef>
+          <a:fillRef idx="3">
+            <a:schemeClr val="accent5"/>
+          </a:fillRef>
+          <a:effectRef idx="3">
+            <a:schemeClr val="accent5"/>
+          </a:effectRef>
+          <a:fontRef idx="minor">
+            <a:schemeClr val="lt1"/>
+          </a:fontRef>
+        </p:style>
+        <p:txBody>
+          <a:bodyPr rtlCol="0" anchor="b"/>
+          <a:lstStyle/>
+          <a:p>
+            <a:pPr algn="ctr"/>
+            <a:r>
+              <a:rPr lang="fr-FR" sz="2000" dirty="0"/>
+              <a:t>SlimData</a:t>
+            </a:r>
+            <a:endParaRPr lang="fr-FR" sz="1400" dirty="0"/>
+          </a:p>
+        </p:txBody>
+      </p:sp>
+      <p:sp>
+        <p:nvSpPr>
+          <p:cNvPr id="27" name="Cylindre 26">
+            <a:extLst>
+              <a:ext uri="{FF2B5EF4-FFF2-40B4-BE49-F238E27FC236}">
+                <a16:creationId xmlns:a16="http://schemas.microsoft.com/office/drawing/2014/main" id="{146FCB4D-473D-B689-1A53-2B815AC45570}"/>
+              </a:ext>
+            </a:extLst>
+          </p:cNvPr>
+          <p:cNvSpPr/>
+          <p:nvPr/>
+        </p:nvSpPr>
+        <p:spPr>
+          <a:xfrm rot="16200000">
+            <a:off x="1568764" y="3997138"/>
+            <a:ext cx="751315" cy="2408164"/>
+          </a:xfrm>
+          <a:prstGeom prst="can">
+            <a:avLst/>
+          </a:prstGeom>
+        </p:spPr>
+        <p:style>
+          <a:lnRef idx="2">
+            <a:schemeClr val="accent1">
+              <a:shade val="50000"/>
+            </a:schemeClr>
+          </a:lnRef>
+          <a:fillRef idx="1">
+            <a:schemeClr val="accent1"/>
+          </a:fillRef>
+          <a:effectRef idx="0">
+            <a:schemeClr val="accent1"/>
+          </a:effectRef>
+          <a:fontRef idx="minor">
+            <a:schemeClr val="lt1"/>
+          </a:fontRef>
+        </p:style>
+        <p:txBody>
+          <a:bodyPr vert="vert" rtlCol="0" anchor="ctr"/>
+          <a:lstStyle/>
+          <a:p>
+            <a:pPr algn="ctr"/>
+            <a:r>
+              <a:rPr lang="fr-FR" sz="2400" dirty="0"/>
+              <a:t>Queue </a:t>
+            </a:r>
+          </a:p>
+          <a:p>
+            <a:pPr algn="ctr"/>
+            <a:r>
+              <a:rPr lang="fr-FR" sz="2400" dirty="0"/>
+              <a:t>« fibonacci »</a:t>
+            </a:r>
+          </a:p>
+        </p:txBody>
+      </p:sp>
+      <p:cxnSp>
+        <p:nvCxnSpPr>
+          <p:cNvPr id="1049" name="Connecteur droit avec flèche 1048">
+            <a:extLst>
+              <a:ext uri="{FF2B5EF4-FFF2-40B4-BE49-F238E27FC236}">
+                <a16:creationId xmlns:a16="http://schemas.microsoft.com/office/drawing/2014/main" id="{AF84025A-C525-17D2-CABA-45F015AF903D}"/>
+              </a:ext>
+            </a:extLst>
+          </p:cNvPr>
+          <p:cNvCxnSpPr>
+            <a:cxnSpLocks/>
+            <a:stCxn id="2" idx="1"/>
+            <a:endCxn id="1029" idx="4"/>
+          </p:cNvCxnSpPr>
+          <p:nvPr/>
+        </p:nvCxnSpPr>
+        <p:spPr>
+          <a:xfrm flipH="1">
+            <a:off x="3303259" y="5227947"/>
+            <a:ext cx="717822" cy="1"/>
+          </a:xfrm>
+          <a:prstGeom prst="straightConnector1">
+            <a:avLst/>
+          </a:prstGeom>
+          <a:ln w="127000">
+            <a:solidFill>
+              <a:srgbClr val="0070C0"/>
+            </a:solidFill>
+            <a:tailEnd type="triangle"/>
+          </a:ln>
+        </p:spPr>
+        <p:style>
+          <a:lnRef idx="1">
+            <a:schemeClr val="accent1"/>
+          </a:lnRef>
+          <a:fillRef idx="0">
+            <a:schemeClr val="accent1"/>
+          </a:fillRef>
+          <a:effectRef idx="0">
+            <a:schemeClr val="accent1"/>
+          </a:effectRef>
+          <a:fontRef idx="minor">
+            <a:schemeClr val="tx1"/>
+          </a:fontRef>
+        </p:style>
+      </p:cxnSp>
     </p:spTree>
     <p:extLst>
       <p:ext uri="{BB962C8B-B14F-4D97-AF65-F5344CB8AC3E}">
-        <p14:creationId xmlns:p14="http://schemas.microsoft.com/office/powerpoint/2010/main" val="4212300351"/>
+        <p14:creationId xmlns:p14="http://schemas.microsoft.com/office/powerpoint/2010/main" val="2307360419"/>
       </p:ext>
     </p:extLst>
   </p:cSld>
@@ -5541,10 +6495,42 @@
       </p:grpSpPr>
       <p:sp>
         <p:nvSpPr>
-          <p:cNvPr id="21" name="Rectangle : coins arrondis 20">
-            <a:extLst>
-              <a:ext uri="{FF2B5EF4-FFF2-40B4-BE49-F238E27FC236}">
-                <a16:creationId xmlns:a16="http://schemas.microsoft.com/office/drawing/2014/main" id="{10281813-D3E5-87C3-B19F-4CEC0004BAF6}"/>
+          <p:cNvPr id="3" name="Espace réservé du contenu 2">
+            <a:extLst>
+              <a:ext uri="{FF2B5EF4-FFF2-40B4-BE49-F238E27FC236}">
+                <a16:creationId xmlns:a16="http://schemas.microsoft.com/office/drawing/2014/main" id="{FC72177F-6E5E-241E-BA74-8D91DC6E05F3}"/>
+              </a:ext>
+            </a:extLst>
+          </p:cNvPr>
+          <p:cNvSpPr>
+            <a:spLocks noGrp="1"/>
+          </p:cNvSpPr>
+          <p:nvPr>
+            <p:ph idx="1"/>
+          </p:nvPr>
+        </p:nvSpPr>
+        <p:spPr>
+          <a:xfrm>
+            <a:off x="-1695" y="6578508"/>
+            <a:ext cx="12192000" cy="279492"/>
+          </a:xfrm>
+        </p:spPr>
+        <p:txBody>
+          <a:bodyPr>
+            <a:normAutofit fontScale="55000" lnSpcReduction="20000"/>
+          </a:bodyPr>
+          <a:lstStyle/>
+          <a:p>
+            <a:endParaRPr lang="fr-FR" dirty="0"/>
+          </a:p>
+        </p:txBody>
+      </p:sp>
+      <p:sp>
+        <p:nvSpPr>
+          <p:cNvPr id="6" name="Rounded Rectangle 44">
+            <a:extLst>
+              <a:ext uri="{FF2B5EF4-FFF2-40B4-BE49-F238E27FC236}">
+                <a16:creationId xmlns:a16="http://schemas.microsoft.com/office/drawing/2014/main" id="{DDD08BA0-70BB-583F-312D-C1BE714A89E8}"/>
               </a:ext>
             </a:extLst>
           </p:cNvPr>
@@ -5553,8 +6539,8 @@
         </p:nvSpPr>
         <p:spPr>
           <a:xfrm>
-            <a:off x="3926528" y="2223970"/>
-            <a:ext cx="3341145" cy="3514653"/>
+            <a:off x="4179398" y="4170279"/>
+            <a:ext cx="1659171" cy="543302"/>
           </a:xfrm>
           <a:prstGeom prst="roundRect">
             <a:avLst/>
@@ -5589,7 +6575,312 @@
           <a:lstStyle/>
           <a:p>
             <a:pPr algn="ctr"/>
-            <a:endParaRPr lang="fr-FR" sz="4000">
+            <a:r>
+              <a:rPr lang="en-US" sz="2400" dirty="0">
+                <a:solidFill>
+                  <a:schemeClr val="bg1"/>
+                </a:solidFill>
+              </a:rPr>
+              <a:t>SlimFaas</a:t>
+            </a:r>
+          </a:p>
+        </p:txBody>
+      </p:sp>
+      <p:cxnSp>
+        <p:nvCxnSpPr>
+          <p:cNvPr id="7" name="Connecteur droit avec flèche 6">
+            <a:extLst>
+              <a:ext uri="{FF2B5EF4-FFF2-40B4-BE49-F238E27FC236}">
+                <a16:creationId xmlns:a16="http://schemas.microsoft.com/office/drawing/2014/main" id="{2846A4F1-5F1E-1B4A-EAEC-F51C758D93A6}"/>
+              </a:ext>
+            </a:extLst>
+          </p:cNvPr>
+          <p:cNvCxnSpPr>
+            <a:cxnSpLocks/>
+            <a:stCxn id="8" idx="3"/>
+            <a:endCxn id="6" idx="1"/>
+          </p:cNvCxnSpPr>
+          <p:nvPr/>
+        </p:nvCxnSpPr>
+        <p:spPr>
+          <a:xfrm flipV="1">
+            <a:off x="3219449" y="4441930"/>
+            <a:ext cx="959949" cy="3902"/>
+          </a:xfrm>
+          <a:prstGeom prst="straightConnector1">
+            <a:avLst/>
+          </a:prstGeom>
+          <a:ln w="127000">
+            <a:solidFill>
+              <a:schemeClr val="accent6">
+                <a:lumMod val="75000"/>
+              </a:schemeClr>
+            </a:solidFill>
+            <a:tailEnd type="triangle"/>
+          </a:ln>
+        </p:spPr>
+        <p:style>
+          <a:lnRef idx="1">
+            <a:schemeClr val="accent1"/>
+          </a:lnRef>
+          <a:fillRef idx="0">
+            <a:schemeClr val="accent1"/>
+          </a:fillRef>
+          <a:effectRef idx="0">
+            <a:schemeClr val="accent1"/>
+          </a:effectRef>
+          <a:fontRef idx="minor">
+            <a:schemeClr val="tx1"/>
+          </a:fontRef>
+        </p:style>
+      </p:cxnSp>
+      <p:sp>
+        <p:nvSpPr>
+          <p:cNvPr id="8" name="ZoneTexte 7">
+            <a:extLst>
+              <a:ext uri="{FF2B5EF4-FFF2-40B4-BE49-F238E27FC236}">
+                <a16:creationId xmlns:a16="http://schemas.microsoft.com/office/drawing/2014/main" id="{AC32730B-6D07-37BE-5E05-17826CC33CC8}"/>
+              </a:ext>
+            </a:extLst>
+          </p:cNvPr>
+          <p:cNvSpPr txBox="1"/>
+          <p:nvPr/>
+        </p:nvSpPr>
+        <p:spPr>
+          <a:xfrm>
+            <a:off x="72470" y="4122666"/>
+            <a:ext cx="3146979" cy="646331"/>
+          </a:xfrm>
+          <a:prstGeom prst="rect">
+            <a:avLst/>
+          </a:prstGeom>
+          <a:noFill/>
+        </p:spPr>
+        <p:txBody>
+          <a:bodyPr wrap="square" rtlCol="0">
+            <a:spAutoFit/>
+          </a:bodyPr>
+          <a:lstStyle/>
+          <a:p>
+            <a:r>
+              <a:rPr lang="fr-FR" sz="1200" dirty="0"/>
+              <a:t>HTTP POST</a:t>
+            </a:r>
+          </a:p>
+          <a:p>
+            <a:r>
+              <a:rPr lang="fr-FR" sz="1200" dirty="0">
+                <a:hlinkClick r:id="rId2"/>
+              </a:rPr>
+              <a:t>http://slimfaas/</a:t>
+            </a:r>
+            <a:r>
+              <a:rPr lang="fr-FR" sz="1200" dirty="0">
+                <a:highlight>
+                  <a:srgbClr val="FFFF00"/>
+                </a:highlight>
+                <a:hlinkClick r:id="rId2"/>
+              </a:rPr>
+              <a:t>publish-event</a:t>
+            </a:r>
+            <a:r>
+              <a:rPr lang="fr-FR" sz="1200" dirty="0">
+                <a:hlinkClick r:id="rId2"/>
+              </a:rPr>
+              <a:t>/</a:t>
+            </a:r>
+            <a:r>
+              <a:rPr lang="fr-FR" sz="1200" dirty="0">
+                <a:highlight>
+                  <a:srgbClr val="00FF00"/>
+                </a:highlight>
+                <a:hlinkClick r:id="rId2"/>
+              </a:rPr>
+              <a:t>fib-event</a:t>
+            </a:r>
+            <a:r>
+              <a:rPr lang="fr-FR" sz="1200" dirty="0"/>
+              <a:t>/</a:t>
+            </a:r>
+            <a:r>
+              <a:rPr lang="fr-FR" sz="1200" dirty="0">
+                <a:highlight>
+                  <a:srgbClr val="FF6C45"/>
+                </a:highlight>
+              </a:rPr>
+              <a:t>path</a:t>
+            </a:r>
+          </a:p>
+          <a:p>
+            <a:r>
+              <a:rPr lang="fr-FR" sz="1200" dirty="0"/>
+              <a:t>{</a:t>
+            </a:r>
+            <a:r>
+              <a:rPr lang="fr-FR" sz="1200" b="0" i="0" dirty="0">
+                <a:effectLst/>
+                <a:latin typeface="-apple-system"/>
+              </a:rPr>
+              <a:t>"</a:t>
+            </a:r>
+            <a:r>
+              <a:rPr lang="fr-FR" sz="1200" dirty="0"/>
+              <a:t>input</a:t>
+            </a:r>
+            <a:r>
+              <a:rPr lang="fr-FR" sz="1200" b="0" i="0" dirty="0">
+                <a:effectLst/>
+                <a:latin typeface="-apple-system"/>
+              </a:rPr>
+              <a:t>"</a:t>
+            </a:r>
+            <a:r>
+              <a:rPr lang="fr-FR" sz="1200" dirty="0"/>
+              <a:t>:42}</a:t>
+            </a:r>
+          </a:p>
+        </p:txBody>
+      </p:sp>
+      <p:sp>
+        <p:nvSpPr>
+          <p:cNvPr id="9" name="ZoneTexte 8">
+            <a:extLst>
+              <a:ext uri="{FF2B5EF4-FFF2-40B4-BE49-F238E27FC236}">
+                <a16:creationId xmlns:a16="http://schemas.microsoft.com/office/drawing/2014/main" id="{6611272C-28EE-7524-CD4D-AAE3B72A1A73}"/>
+              </a:ext>
+            </a:extLst>
+          </p:cNvPr>
+          <p:cNvSpPr txBox="1"/>
+          <p:nvPr/>
+        </p:nvSpPr>
+        <p:spPr>
+          <a:xfrm>
+            <a:off x="8812332" y="2979399"/>
+            <a:ext cx="3144316" cy="830997"/>
+          </a:xfrm>
+          <a:prstGeom prst="rect">
+            <a:avLst/>
+          </a:prstGeom>
+          <a:noFill/>
+        </p:spPr>
+        <p:txBody>
+          <a:bodyPr wrap="square" rtlCol="0">
+            <a:spAutoFit/>
+          </a:bodyPr>
+          <a:lstStyle/>
+          <a:p>
+            <a:r>
+              <a:rPr lang="fr-FR" sz="1600" dirty="0"/>
+              <a:t>HTTP POST</a:t>
+            </a:r>
+          </a:p>
+          <a:p>
+            <a:r>
+              <a:rPr lang="fr-FR" sz="1600" dirty="0">
+                <a:hlinkClick r:id="rId3"/>
+              </a:rPr>
+              <a:t>http://fibonacci/</a:t>
+            </a:r>
+            <a:r>
+              <a:rPr lang="fr-FR" sz="1600" dirty="0">
+                <a:highlight>
+                  <a:srgbClr val="FF6C45"/>
+                </a:highlight>
+                <a:hlinkClick r:id="rId3"/>
+              </a:rPr>
+              <a:t>path</a:t>
+            </a:r>
+            <a:br>
+              <a:rPr lang="fr-FR" sz="1600" dirty="0"/>
+            </a:br>
+            <a:r>
+              <a:rPr lang="fr-FR" sz="1600" dirty="0"/>
+              <a:t>{</a:t>
+            </a:r>
+            <a:r>
+              <a:rPr lang="fr-FR" sz="1600" b="0" i="0" dirty="0">
+                <a:effectLst/>
+                <a:latin typeface="-apple-system"/>
+              </a:rPr>
+              <a:t>"</a:t>
+            </a:r>
+            <a:r>
+              <a:rPr lang="fr-FR" sz="1600" dirty="0"/>
+              <a:t>input</a:t>
+            </a:r>
+            <a:r>
+              <a:rPr lang="fr-FR" sz="1600" b="0" i="0" dirty="0">
+                <a:effectLst/>
+                <a:latin typeface="-apple-system"/>
+              </a:rPr>
+              <a:t>"</a:t>
+            </a:r>
+            <a:r>
+              <a:rPr lang="fr-FR" sz="1600" dirty="0"/>
+              <a:t>:42}</a:t>
+            </a:r>
+          </a:p>
+        </p:txBody>
+      </p:sp>
+      <p:sp>
+        <p:nvSpPr>
+          <p:cNvPr id="10" name="Rounded Rectangle 45">
+            <a:extLst>
+              <a:ext uri="{FF2B5EF4-FFF2-40B4-BE49-F238E27FC236}">
+                <a16:creationId xmlns:a16="http://schemas.microsoft.com/office/drawing/2014/main" id="{D79C9965-A2CD-C2C1-A01C-697EABB121C8}"/>
+              </a:ext>
+            </a:extLst>
+          </p:cNvPr>
+          <p:cNvSpPr/>
+          <p:nvPr/>
+        </p:nvSpPr>
+        <p:spPr>
+          <a:xfrm>
+            <a:off x="8812333" y="509183"/>
+            <a:ext cx="2484558" cy="856646"/>
+          </a:xfrm>
+          <a:prstGeom prst="roundRect">
+            <a:avLst/>
+          </a:prstGeom>
+          <a:solidFill>
+            <a:schemeClr val="bg2">
+              <a:lumMod val="25000"/>
+            </a:schemeClr>
+          </a:solidFill>
+          <a:ln>
+            <a:noFill/>
+          </a:ln>
+        </p:spPr>
+        <p:style>
+          <a:lnRef idx="2">
+            <a:schemeClr val="accent1">
+              <a:shade val="50000"/>
+            </a:schemeClr>
+          </a:lnRef>
+          <a:fillRef idx="1">
+            <a:schemeClr val="accent1"/>
+          </a:fillRef>
+          <a:effectRef idx="0">
+            <a:schemeClr val="accent1"/>
+          </a:effectRef>
+          <a:fontRef idx="minor">
+            <a:schemeClr val="lt1"/>
+          </a:fontRef>
+        </p:style>
+        <p:txBody>
+          <a:bodyPr rtlCol="0" anchor="ctr"/>
+          <a:lstStyle/>
+          <a:p>
+            <a:pPr algn="ctr"/>
+            <a:r>
+              <a:rPr lang="fr-FR" sz="2400" dirty="0">
+                <a:solidFill>
+                  <a:schemeClr val="bg1"/>
+                </a:solidFill>
+              </a:rPr>
+              <a:t> « fibonacci » replica 1</a:t>
+            </a:r>
+            <a:endParaRPr lang="en-FR" sz="2400" dirty="0">
               <a:solidFill>
                 <a:schemeClr val="bg1"/>
               </a:solidFill>
@@ -5599,10 +6890,10 @@
       </p:sp>
       <p:pic>
         <p:nvPicPr>
-          <p:cNvPr id="22" name="Picture 2" descr="Afficher l’image source">
-            <a:extLst>
-              <a:ext uri="{FF2B5EF4-FFF2-40B4-BE49-F238E27FC236}">
-                <a16:creationId xmlns:a16="http://schemas.microsoft.com/office/drawing/2014/main" id="{4C3C7A7E-0F7E-D5AB-7CB7-FE79F49436F5}"/>
+          <p:cNvPr id="11" name="Picture 2" descr="Afficher l’image source">
+            <a:extLst>
+              <a:ext uri="{FF2B5EF4-FFF2-40B4-BE49-F238E27FC236}">
+                <a16:creationId xmlns:a16="http://schemas.microsoft.com/office/drawing/2014/main" id="{B80A9736-02F1-1190-8A3C-F71D0B8C1D08}"/>
               </a:ext>
             </a:extLst>
           </p:cNvPr>
@@ -5612,7 +6903,7 @@
           <p:nvPr/>
         </p:nvPicPr>
         <p:blipFill>
-          <a:blip r:embed="rId3">
+          <a:blip r:embed="rId4">
             <a:extLst>
               <a:ext uri="{28A0092B-C50C-407E-A947-70E740481C1C}">
                 <a14:useLocalDpi xmlns:a14="http://schemas.microsoft.com/office/drawing/2010/main" val="0"/>
@@ -5626,7 +6917,7 @@
         </p:blipFill>
         <p:spPr bwMode="auto">
           <a:xfrm>
-            <a:off x="6738009" y="1908836"/>
+            <a:off x="8618142" y="206059"/>
             <a:ext cx="588793" cy="572693"/>
           </a:xfrm>
           <a:prstGeom prst="rect">
@@ -5644,137 +6935,26 @@
           </a:extLst>
         </p:spPr>
       </p:pic>
-      <p:sp>
-        <p:nvSpPr>
-          <p:cNvPr id="17" name="Rectangle 16">
-            <a:extLst>
-              <a:ext uri="{FF2B5EF4-FFF2-40B4-BE49-F238E27FC236}">
-                <a16:creationId xmlns:a16="http://schemas.microsoft.com/office/drawing/2014/main" id="{83C60C87-609E-41AB-8E66-C44853DB93B6}"/>
-              </a:ext>
-            </a:extLst>
-          </p:cNvPr>
-          <p:cNvSpPr/>
-          <p:nvPr/>
-        </p:nvSpPr>
-        <p:spPr>
-          <a:xfrm>
-            <a:off x="95250" y="6604378"/>
-            <a:ext cx="6305550" cy="253622"/>
-          </a:xfrm>
-          <a:prstGeom prst="rect">
-            <a:avLst/>
-          </a:prstGeom>
-          <a:solidFill>
-            <a:schemeClr val="bg1"/>
-          </a:solidFill>
-          <a:ln>
-            <a:noFill/>
-          </a:ln>
-        </p:spPr>
-        <p:style>
-          <a:lnRef idx="2">
-            <a:schemeClr val="accent1">
-              <a:shade val="50000"/>
-            </a:schemeClr>
-          </a:lnRef>
-          <a:fillRef idx="1">
-            <a:schemeClr val="accent1"/>
-          </a:fillRef>
-          <a:effectRef idx="0">
-            <a:schemeClr val="accent1"/>
-          </a:effectRef>
-          <a:fontRef idx="minor">
-            <a:schemeClr val="lt1"/>
-          </a:fontRef>
-        </p:style>
-        <p:txBody>
-          <a:bodyPr rtlCol="0" anchor="ctr"/>
-          <a:lstStyle/>
-          <a:p>
-            <a:pPr algn="ctr"/>
-            <a:endParaRPr lang="fr-FR"/>
-          </a:p>
-        </p:txBody>
-      </p:sp>
-      <p:sp>
-        <p:nvSpPr>
-          <p:cNvPr id="5" name="Rounded Rectangle 44">
-            <a:extLst>
-              <a:ext uri="{FF2B5EF4-FFF2-40B4-BE49-F238E27FC236}">
-                <a16:creationId xmlns:a16="http://schemas.microsoft.com/office/drawing/2014/main" id="{8B31C066-D6ED-6B00-6DFD-759464A699DC}"/>
-              </a:ext>
-            </a:extLst>
-          </p:cNvPr>
-          <p:cNvSpPr/>
-          <p:nvPr/>
-        </p:nvSpPr>
-        <p:spPr>
-          <a:xfrm>
-            <a:off x="4679484" y="2886177"/>
-            <a:ext cx="1858037" cy="923330"/>
-          </a:xfrm>
-          <a:prstGeom prst="roundRect">
-            <a:avLst/>
-          </a:prstGeom>
-          <a:solidFill>
-            <a:srgbClr val="7030A0"/>
-          </a:solidFill>
-          <a:ln>
-            <a:noFill/>
-          </a:ln>
-        </p:spPr>
-        <p:style>
-          <a:lnRef idx="2">
-            <a:schemeClr val="accent1">
-              <a:shade val="50000"/>
-            </a:schemeClr>
-          </a:lnRef>
-          <a:fillRef idx="1">
-            <a:schemeClr val="accent1"/>
-          </a:fillRef>
-          <a:effectRef idx="0">
-            <a:schemeClr val="accent1"/>
-          </a:effectRef>
-          <a:fontRef idx="minor">
-            <a:schemeClr val="lt1"/>
-          </a:fontRef>
-        </p:style>
-        <p:txBody>
-          <a:bodyPr rtlCol="0" anchor="ctr"/>
-          <a:lstStyle/>
-          <a:p>
-            <a:pPr algn="ctr"/>
-            <a:r>
-              <a:rPr lang="en-US" sz="2800" dirty="0">
-                <a:solidFill>
-                  <a:schemeClr val="bg1"/>
-                </a:solidFill>
-              </a:rPr>
-              <a:t>SlimFaas</a:t>
-            </a:r>
-          </a:p>
-        </p:txBody>
-      </p:sp>
       <p:cxnSp>
         <p:nvCxnSpPr>
-          <p:cNvPr id="1030" name="Connecteur droit avec flèche 1029">
-            <a:extLst>
-              <a:ext uri="{FF2B5EF4-FFF2-40B4-BE49-F238E27FC236}">
-                <a16:creationId xmlns:a16="http://schemas.microsoft.com/office/drawing/2014/main" id="{52B98CF1-23C8-73AE-54DD-8F17F00A8728}"/>
+          <p:cNvPr id="25" name="Connecteur droit avec flèche 24">
+            <a:extLst>
+              <a:ext uri="{FF2B5EF4-FFF2-40B4-BE49-F238E27FC236}">
+                <a16:creationId xmlns:a16="http://schemas.microsoft.com/office/drawing/2014/main" id="{47CCB34C-BDE9-83E6-DBE9-369CE229F27F}"/>
               </a:ext>
             </a:extLst>
           </p:cNvPr>
           <p:cNvCxnSpPr>
             <a:cxnSpLocks/>
-            <a:stCxn id="2" idx="2"/>
-            <a:endCxn id="5" idx="1"/>
+            <a:stCxn id="6" idx="3"/>
+            <a:endCxn id="10" idx="1"/>
           </p:cNvCxnSpPr>
           <p:nvPr/>
         </p:nvCxnSpPr>
         <p:spPr>
-          <a:xfrm>
-            <a:off x="3635557" y="1606148"/>
-            <a:ext cx="1043927" cy="1741694"/>
+          <a:xfrm flipV="1">
+            <a:off x="5838569" y="937506"/>
+            <a:ext cx="2973764" cy="3504424"/>
           </a:xfrm>
           <a:prstGeom prst="straightConnector1">
             <a:avLst/>
@@ -5803,12 +6983,60 @@
           </a:fontRef>
         </p:style>
       </p:cxnSp>
-      <p:sp>
-        <p:nvSpPr>
-          <p:cNvPr id="14" name="Rounded Rectangle 45">
-            <a:extLst>
-              <a:ext uri="{FF2B5EF4-FFF2-40B4-BE49-F238E27FC236}">
-                <a16:creationId xmlns:a16="http://schemas.microsoft.com/office/drawing/2014/main" id="{86948BFE-3A92-09B5-773B-172DD8AA2DEA}"/>
+      <p:cxnSp>
+        <p:nvCxnSpPr>
+          <p:cNvPr id="30" name="Connecteur droit avec flèche 29">
+            <a:extLst>
+              <a:ext uri="{FF2B5EF4-FFF2-40B4-BE49-F238E27FC236}">
+                <a16:creationId xmlns:a16="http://schemas.microsoft.com/office/drawing/2014/main" id="{3C17D7D9-AD0C-3CB9-E9C2-8FE52952EA0A}"/>
+              </a:ext>
+            </a:extLst>
+          </p:cNvPr>
+          <p:cNvCxnSpPr>
+            <a:cxnSpLocks/>
+            <a:stCxn id="6" idx="3"/>
+            <a:endCxn id="58" idx="1"/>
+          </p:cNvCxnSpPr>
+          <p:nvPr/>
+        </p:nvCxnSpPr>
+        <p:spPr>
+          <a:xfrm flipV="1">
+            <a:off x="5838569" y="2360768"/>
+            <a:ext cx="2973764" cy="2081162"/>
+          </a:xfrm>
+          <a:prstGeom prst="straightConnector1">
+            <a:avLst/>
+          </a:prstGeom>
+          <a:ln w="127000">
+            <a:solidFill>
+              <a:schemeClr val="accent6">
+                <a:lumMod val="75000"/>
+              </a:schemeClr>
+            </a:solidFill>
+            <a:tailEnd type="triangle"/>
+          </a:ln>
+        </p:spPr>
+        <p:style>
+          <a:lnRef idx="1">
+            <a:schemeClr val="accent1"/>
+          </a:lnRef>
+          <a:fillRef idx="0">
+            <a:schemeClr val="accent1"/>
+          </a:fillRef>
+          <a:effectRef idx="0">
+            <a:schemeClr val="accent1"/>
+          </a:effectRef>
+          <a:fontRef idx="minor">
+            <a:schemeClr val="tx1"/>
+          </a:fontRef>
+        </p:style>
+      </p:cxnSp>
+      <p:sp>
+        <p:nvSpPr>
+          <p:cNvPr id="44" name="Rounded Rectangle 44">
+            <a:extLst>
+              <a:ext uri="{FF2B5EF4-FFF2-40B4-BE49-F238E27FC236}">
+                <a16:creationId xmlns:a16="http://schemas.microsoft.com/office/drawing/2014/main" id="{EC278673-044B-4B67-CC8B-460677466C2D}"/>
               </a:ext>
             </a:extLst>
           </p:cNvPr>
@@ -5817,8 +7045,108 @@
         </p:nvSpPr>
         <p:spPr>
           <a:xfrm>
-            <a:off x="8653554" y="3756681"/>
-            <a:ext cx="3145551" cy="2247742"/>
+            <a:off x="819054" y="522900"/>
+            <a:ext cx="4922420" cy="1227315"/>
+          </a:xfrm>
+          <a:prstGeom prst="roundRect">
+            <a:avLst/>
+          </a:prstGeom>
+          <a:solidFill>
+            <a:srgbClr val="7030A0"/>
+          </a:solidFill>
+          <a:ln>
+            <a:noFill/>
+          </a:ln>
+        </p:spPr>
+        <p:style>
+          <a:lnRef idx="2">
+            <a:schemeClr val="accent1">
+              <a:shade val="50000"/>
+            </a:schemeClr>
+          </a:lnRef>
+          <a:fillRef idx="1">
+            <a:schemeClr val="accent1"/>
+          </a:fillRef>
+          <a:effectRef idx="0">
+            <a:schemeClr val="accent1"/>
+          </a:effectRef>
+          <a:fontRef idx="minor">
+            <a:schemeClr val="lt1"/>
+          </a:fontRef>
+        </p:style>
+        <p:txBody>
+          <a:bodyPr rtlCol="0" anchor="ctr"/>
+          <a:lstStyle/>
+          <a:p>
+            <a:pPr algn="ctr"/>
+            <a:r>
+              <a:rPr lang="en-US" sz="2400" dirty="0">
+                <a:solidFill>
+                  <a:schemeClr val="bg1"/>
+                </a:solidFill>
+              </a:rPr>
+              <a:t>Deployment</a:t>
+            </a:r>
+          </a:p>
+          <a:p>
+            <a:pPr algn="ctr"/>
+            <a:r>
+              <a:rPr lang="en-US" sz="2400" dirty="0">
+                <a:solidFill>
+                  <a:schemeClr val="bg1"/>
+                </a:solidFill>
+              </a:rPr>
+              <a:t>other</a:t>
+            </a:r>
+          </a:p>
+          <a:p>
+            <a:pPr algn="ctr"/>
+            <a:r>
+              <a:rPr lang="en-US" sz="1600" dirty="0">
+                <a:solidFill>
+                  <a:schemeClr val="bg1"/>
+                </a:solidFill>
+              </a:rPr>
+              <a:t>SlimFaas/SubscribeEvents:"</a:t>
+            </a:r>
+            <a:r>
+              <a:rPr lang="en-US" sz="1600" dirty="0">
+                <a:solidFill>
+                  <a:schemeClr val="bg1"/>
+                </a:solidFill>
+                <a:highlight>
+                  <a:srgbClr val="00FF00"/>
+                </a:highlight>
+              </a:rPr>
+              <a:t>fib-event</a:t>
+            </a:r>
+            <a:r>
+              <a:rPr lang="en-US" sz="1600" dirty="0">
+                <a:solidFill>
+                  <a:schemeClr val="bg1"/>
+                </a:solidFill>
+              </a:rPr>
+              <a:t>"</a:t>
+            </a:r>
+          </a:p>
+        </p:txBody>
+      </p:sp>
+      <p:sp>
+        <p:nvSpPr>
+          <p:cNvPr id="58" name="Rounded Rectangle 45">
+            <a:extLst>
+              <a:ext uri="{FF2B5EF4-FFF2-40B4-BE49-F238E27FC236}">
+                <a16:creationId xmlns:a16="http://schemas.microsoft.com/office/drawing/2014/main" id="{B3D6B054-351A-AB9F-D7F3-32674286B965}"/>
+              </a:ext>
+            </a:extLst>
+          </p:cNvPr>
+          <p:cNvSpPr/>
+          <p:nvPr/>
+        </p:nvSpPr>
+        <p:spPr>
+          <a:xfrm>
+            <a:off x="8812333" y="1932445"/>
+            <a:ext cx="2484558" cy="856646"/>
           </a:xfrm>
           <a:prstGeom prst="roundRect">
             <a:avLst/>
@@ -5854,14 +7182,14 @@
           <a:p>
             <a:pPr algn="ctr"/>
             <a:r>
-              <a:rPr lang="fr-FR" sz="4000" dirty="0">
+              <a:rPr lang="fr-FR" sz="2400" dirty="0">
                 <a:solidFill>
                   <a:schemeClr val="bg1"/>
                 </a:solidFill>
               </a:rPr>
-              <a:t>function « fibonacci »</a:t>
-            </a:r>
-            <a:endParaRPr lang="en-FR" sz="4000" dirty="0">
+              <a:t> « fibonacci » replica 2</a:t>
+            </a:r>
+            <a:endParaRPr lang="en-FR" sz="2400" dirty="0">
               <a:solidFill>
                 <a:schemeClr val="bg1"/>
               </a:solidFill>
@@ -5871,10 +7199,10 @@
       </p:sp>
       <p:pic>
         <p:nvPicPr>
-          <p:cNvPr id="15" name="Picture 2" descr="Afficher l’image source">
-            <a:extLst>
-              <a:ext uri="{FF2B5EF4-FFF2-40B4-BE49-F238E27FC236}">
-                <a16:creationId xmlns:a16="http://schemas.microsoft.com/office/drawing/2014/main" id="{35712BBA-EBEC-F7AF-781C-F0A47F710A3D}"/>
+          <p:cNvPr id="59" name="Picture 2" descr="Afficher l’image source">
+            <a:extLst>
+              <a:ext uri="{FF2B5EF4-FFF2-40B4-BE49-F238E27FC236}">
+                <a16:creationId xmlns:a16="http://schemas.microsoft.com/office/drawing/2014/main" id="{47F04D32-578D-6B6C-2A28-059763E81EF0}"/>
               </a:ext>
             </a:extLst>
           </p:cNvPr>
@@ -5884,7 +7212,7 @@
           <p:nvPr/>
         </p:nvPicPr>
         <p:blipFill>
-          <a:blip r:embed="rId3">
+          <a:blip r:embed="rId4">
             <a:extLst>
               <a:ext uri="{28A0092B-C50C-407E-A947-70E740481C1C}">
                 <a14:useLocalDpi xmlns:a14="http://schemas.microsoft.com/office/drawing/2010/main" val="0"/>
@@ -5898,7 +7226,7 @@
         </p:blipFill>
         <p:spPr bwMode="auto">
           <a:xfrm>
-            <a:off x="11210312" y="3441547"/>
+            <a:off x="8618142" y="1629321"/>
             <a:ext cx="588793" cy="572693"/>
           </a:xfrm>
           <a:prstGeom prst="rect">
@@ -5916,26 +7244,282 @@
           </a:extLst>
         </p:spPr>
       </p:pic>
+      <p:sp>
+        <p:nvSpPr>
+          <p:cNvPr id="60" name="Rounded Rectangle 45">
+            <a:extLst>
+              <a:ext uri="{FF2B5EF4-FFF2-40B4-BE49-F238E27FC236}">
+                <a16:creationId xmlns:a16="http://schemas.microsoft.com/office/drawing/2014/main" id="{16DB633F-AB44-B4DC-3548-26B85071E24C}"/>
+              </a:ext>
+            </a:extLst>
+          </p:cNvPr>
+          <p:cNvSpPr/>
+          <p:nvPr/>
+        </p:nvSpPr>
+        <p:spPr>
+          <a:xfrm>
+            <a:off x="8812333" y="4173601"/>
+            <a:ext cx="2484558" cy="856646"/>
+          </a:xfrm>
+          <a:prstGeom prst="roundRect">
+            <a:avLst/>
+          </a:prstGeom>
+          <a:solidFill>
+            <a:schemeClr val="bg2">
+              <a:lumMod val="25000"/>
+            </a:schemeClr>
+          </a:solidFill>
+          <a:ln>
+            <a:noFill/>
+          </a:ln>
+        </p:spPr>
+        <p:style>
+          <a:lnRef idx="2">
+            <a:schemeClr val="accent1">
+              <a:shade val="50000"/>
+            </a:schemeClr>
+          </a:lnRef>
+          <a:fillRef idx="1">
+            <a:schemeClr val="accent1"/>
+          </a:fillRef>
+          <a:effectRef idx="0">
+            <a:schemeClr val="accent1"/>
+          </a:effectRef>
+          <a:fontRef idx="minor">
+            <a:schemeClr val="lt1"/>
+          </a:fontRef>
+        </p:style>
+        <p:txBody>
+          <a:bodyPr rtlCol="0" anchor="ctr"/>
+          <a:lstStyle/>
+          <a:p>
+            <a:pPr algn="ctr"/>
+            <a:r>
+              <a:rPr lang="fr-FR" sz="2400" dirty="0">
+                <a:solidFill>
+                  <a:schemeClr val="bg1"/>
+                </a:solidFill>
+              </a:rPr>
+              <a:t> « other » </a:t>
+            </a:r>
+            <a:br>
+              <a:rPr lang="fr-FR" sz="2400" dirty="0">
+                <a:solidFill>
+                  <a:schemeClr val="bg1"/>
+                </a:solidFill>
+              </a:rPr>
+            </a:br>
+            <a:r>
+              <a:rPr lang="fr-FR" sz="2400" dirty="0">
+                <a:solidFill>
+                  <a:schemeClr val="bg1"/>
+                </a:solidFill>
+              </a:rPr>
+              <a:t>replica 1</a:t>
+            </a:r>
+            <a:endParaRPr lang="en-FR" sz="2400" dirty="0">
+              <a:solidFill>
+                <a:schemeClr val="bg1"/>
+              </a:solidFill>
+            </a:endParaRPr>
+          </a:p>
+        </p:txBody>
+      </p:sp>
+      <p:pic>
+        <p:nvPicPr>
+          <p:cNvPr id="61" name="Picture 2" descr="Afficher l’image source">
+            <a:extLst>
+              <a:ext uri="{FF2B5EF4-FFF2-40B4-BE49-F238E27FC236}">
+                <a16:creationId xmlns:a16="http://schemas.microsoft.com/office/drawing/2014/main" id="{B596EC77-9AE7-9E46-04A6-90E9C956D010}"/>
+              </a:ext>
+            </a:extLst>
+          </p:cNvPr>
+          <p:cNvPicPr>
+            <a:picLocks noChangeAspect="1" noChangeArrowheads="1"/>
+          </p:cNvPicPr>
+          <p:nvPr/>
+        </p:nvPicPr>
+        <p:blipFill>
+          <a:blip r:embed="rId4">
+            <a:extLst>
+              <a:ext uri="{28A0092B-C50C-407E-A947-70E740481C1C}">
+                <a14:useLocalDpi xmlns:a14="http://schemas.microsoft.com/office/drawing/2010/main" val="0"/>
+              </a:ext>
+            </a:extLst>
+          </a:blip>
+          <a:srcRect/>
+          <a:stretch>
+            <a:fillRect/>
+          </a:stretch>
+        </p:blipFill>
+        <p:spPr bwMode="auto">
+          <a:xfrm>
+            <a:off x="8618142" y="3870477"/>
+            <a:ext cx="588793" cy="572693"/>
+          </a:xfrm>
+          <a:prstGeom prst="rect">
+            <a:avLst/>
+          </a:prstGeom>
+          <a:noFill/>
+          <a:extLst>
+            <a:ext uri="{909E8E84-426E-40DD-AFC4-6F175D3DCCD1}">
+              <a14:hiddenFill xmlns:a14="http://schemas.microsoft.com/office/drawing/2010/main">
+                <a:solidFill>
+                  <a:srgbClr val="FFFFFF"/>
+                </a:solidFill>
+              </a14:hiddenFill>
+            </a:ext>
+          </a:extLst>
+        </p:spPr>
+      </p:pic>
+      <p:sp>
+        <p:nvSpPr>
+          <p:cNvPr id="62" name="Rounded Rectangle 45">
+            <a:extLst>
+              <a:ext uri="{FF2B5EF4-FFF2-40B4-BE49-F238E27FC236}">
+                <a16:creationId xmlns:a16="http://schemas.microsoft.com/office/drawing/2014/main" id="{41E26270-5F17-40B5-E026-D7BB7ED7B4A6}"/>
+              </a:ext>
+            </a:extLst>
+          </p:cNvPr>
+          <p:cNvSpPr/>
+          <p:nvPr/>
+        </p:nvSpPr>
+        <p:spPr>
+          <a:xfrm>
+            <a:off x="8812333" y="5601700"/>
+            <a:ext cx="2484558" cy="856646"/>
+          </a:xfrm>
+          <a:prstGeom prst="roundRect">
+            <a:avLst/>
+          </a:prstGeom>
+          <a:solidFill>
+            <a:schemeClr val="bg2">
+              <a:lumMod val="25000"/>
+            </a:schemeClr>
+          </a:solidFill>
+          <a:ln>
+            <a:noFill/>
+          </a:ln>
+        </p:spPr>
+        <p:style>
+          <a:lnRef idx="2">
+            <a:schemeClr val="accent1">
+              <a:shade val="50000"/>
+            </a:schemeClr>
+          </a:lnRef>
+          <a:fillRef idx="1">
+            <a:schemeClr val="accent1"/>
+          </a:fillRef>
+          <a:effectRef idx="0">
+            <a:schemeClr val="accent1"/>
+          </a:effectRef>
+          <a:fontRef idx="minor">
+            <a:schemeClr val="lt1"/>
+          </a:fontRef>
+        </p:style>
+        <p:txBody>
+          <a:bodyPr rtlCol="0" anchor="ctr"/>
+          <a:lstStyle/>
+          <a:p>
+            <a:pPr algn="ctr"/>
+            <a:r>
+              <a:rPr lang="fr-FR" sz="2400" dirty="0">
+                <a:solidFill>
+                  <a:schemeClr val="bg1"/>
+                </a:solidFill>
+              </a:rPr>
+              <a:t> «  other » </a:t>
+            </a:r>
+            <a:br>
+              <a:rPr lang="fr-FR" sz="2400" dirty="0">
+                <a:solidFill>
+                  <a:schemeClr val="bg1"/>
+                </a:solidFill>
+              </a:rPr>
+            </a:br>
+            <a:r>
+              <a:rPr lang="fr-FR" sz="2400" dirty="0">
+                <a:solidFill>
+                  <a:schemeClr val="bg1"/>
+                </a:solidFill>
+              </a:rPr>
+              <a:t>replica 2</a:t>
+            </a:r>
+            <a:endParaRPr lang="en-FR" sz="2400" dirty="0">
+              <a:solidFill>
+                <a:schemeClr val="bg1"/>
+              </a:solidFill>
+            </a:endParaRPr>
+          </a:p>
+        </p:txBody>
+      </p:sp>
+      <p:pic>
+        <p:nvPicPr>
+          <p:cNvPr id="63" name="Picture 2" descr="Afficher l’image source">
+            <a:extLst>
+              <a:ext uri="{FF2B5EF4-FFF2-40B4-BE49-F238E27FC236}">
+                <a16:creationId xmlns:a16="http://schemas.microsoft.com/office/drawing/2014/main" id="{F2DEFC11-D557-79E0-2E61-06A08755FEED}"/>
+              </a:ext>
+            </a:extLst>
+          </p:cNvPr>
+          <p:cNvPicPr>
+            <a:picLocks noChangeAspect="1" noChangeArrowheads="1"/>
+          </p:cNvPicPr>
+          <p:nvPr/>
+        </p:nvPicPr>
+        <p:blipFill>
+          <a:blip r:embed="rId4">
+            <a:extLst>
+              <a:ext uri="{28A0092B-C50C-407E-A947-70E740481C1C}">
+                <a14:useLocalDpi xmlns:a14="http://schemas.microsoft.com/office/drawing/2010/main" val="0"/>
+              </a:ext>
+            </a:extLst>
+          </a:blip>
+          <a:srcRect/>
+          <a:stretch>
+            <a:fillRect/>
+          </a:stretch>
+        </p:blipFill>
+        <p:spPr bwMode="auto">
+          <a:xfrm>
+            <a:off x="8618142" y="5298576"/>
+            <a:ext cx="588793" cy="572693"/>
+          </a:xfrm>
+          <a:prstGeom prst="rect">
+            <a:avLst/>
+          </a:prstGeom>
+          <a:noFill/>
+          <a:extLst>
+            <a:ext uri="{909E8E84-426E-40DD-AFC4-6F175D3DCCD1}">
+              <a14:hiddenFill xmlns:a14="http://schemas.microsoft.com/office/drawing/2010/main">
+                <a:solidFill>
+                  <a:srgbClr val="FFFFFF"/>
+                </a:solidFill>
+              </a14:hiddenFill>
+            </a:ext>
+          </a:extLst>
+        </p:spPr>
+      </p:pic>
       <p:cxnSp>
         <p:nvCxnSpPr>
-          <p:cNvPr id="16" name="Connecteur droit avec flèche 15">
-            <a:extLst>
-              <a:ext uri="{FF2B5EF4-FFF2-40B4-BE49-F238E27FC236}">
-                <a16:creationId xmlns:a16="http://schemas.microsoft.com/office/drawing/2014/main" id="{E672AC01-B7E2-9CC9-7A1C-110F38B184E7}"/>
+          <p:cNvPr id="71" name="Connecteur droit avec flèche 70">
+            <a:extLst>
+              <a:ext uri="{FF2B5EF4-FFF2-40B4-BE49-F238E27FC236}">
+                <a16:creationId xmlns:a16="http://schemas.microsoft.com/office/drawing/2014/main" id="{221856EB-F24D-AE01-6253-E5B3BEF1DDDD}"/>
               </a:ext>
             </a:extLst>
           </p:cNvPr>
           <p:cNvCxnSpPr>
             <a:cxnSpLocks/>
-            <a:stCxn id="5" idx="3"/>
-            <a:endCxn id="14" idx="1"/>
+            <a:stCxn id="6" idx="3"/>
+            <a:endCxn id="60" idx="1"/>
           </p:cNvCxnSpPr>
           <p:nvPr/>
         </p:nvCxnSpPr>
         <p:spPr>
           <a:xfrm>
-            <a:off x="6537521" y="3347842"/>
-            <a:ext cx="2116033" cy="1532710"/>
+            <a:off x="5838569" y="4441930"/>
+            <a:ext cx="2973764" cy="159994"/>
           </a:xfrm>
           <a:prstGeom prst="straightConnector1">
             <a:avLst/>
@@ -5964,81 +7548,35 @@
           </a:fontRef>
         </p:style>
       </p:cxnSp>
-      <p:sp>
-        <p:nvSpPr>
-          <p:cNvPr id="20" name="Cylindre 19">
-            <a:extLst>
-              <a:ext uri="{FF2B5EF4-FFF2-40B4-BE49-F238E27FC236}">
-                <a16:creationId xmlns:a16="http://schemas.microsoft.com/office/drawing/2014/main" id="{ADE31F5A-3083-C305-22A8-E05EB3D3CEAE}"/>
-              </a:ext>
-            </a:extLst>
-          </p:cNvPr>
-          <p:cNvSpPr/>
-          <p:nvPr/>
-        </p:nvSpPr>
-        <p:spPr>
-          <a:xfrm>
-            <a:off x="5004417" y="4325969"/>
-            <a:ext cx="1208169" cy="1258899"/>
-          </a:xfrm>
-          <a:prstGeom prst="can">
-            <a:avLst/>
-          </a:prstGeom>
-        </p:spPr>
-        <p:style>
-          <a:lnRef idx="0">
-            <a:schemeClr val="accent5"/>
-          </a:lnRef>
-          <a:fillRef idx="3">
-            <a:schemeClr val="accent5"/>
-          </a:fillRef>
-          <a:effectRef idx="3">
-            <a:schemeClr val="accent5"/>
-          </a:effectRef>
-          <a:fontRef idx="minor">
-            <a:schemeClr val="lt1"/>
-          </a:fontRef>
-        </p:style>
-        <p:txBody>
-          <a:bodyPr rtlCol="0" anchor="ctr"/>
-          <a:lstStyle/>
-          <a:p>
-            <a:pPr algn="ctr"/>
-            <a:r>
-              <a:rPr lang="fr-FR" sz="2000" dirty="0"/>
-              <a:t>SlimData</a:t>
-            </a:r>
-            <a:endParaRPr lang="fr-FR" sz="1400" dirty="0"/>
-          </a:p>
-        </p:txBody>
-      </p:sp>
       <p:cxnSp>
         <p:nvCxnSpPr>
-          <p:cNvPr id="1034" name="Connecteur droit avec flèche 1033">
-            <a:extLst>
-              <a:ext uri="{FF2B5EF4-FFF2-40B4-BE49-F238E27FC236}">
-                <a16:creationId xmlns:a16="http://schemas.microsoft.com/office/drawing/2014/main" id="{C97FA525-2FE2-BE58-B3CE-7494FA2825DA}"/>
+          <p:cNvPr id="74" name="Connecteur droit avec flèche 73">
+            <a:extLst>
+              <a:ext uri="{FF2B5EF4-FFF2-40B4-BE49-F238E27FC236}">
+                <a16:creationId xmlns:a16="http://schemas.microsoft.com/office/drawing/2014/main" id="{F5E291B3-5B31-6DB2-EF1C-980547F78F0B}"/>
               </a:ext>
             </a:extLst>
           </p:cNvPr>
           <p:cNvCxnSpPr>
             <a:cxnSpLocks/>
-            <a:stCxn id="5" idx="2"/>
-            <a:endCxn id="20" idx="1"/>
+            <a:stCxn id="6" idx="3"/>
+            <a:endCxn id="62" idx="1"/>
           </p:cNvCxnSpPr>
           <p:nvPr/>
         </p:nvCxnSpPr>
         <p:spPr>
-          <a:xfrm flipH="1">
-            <a:off x="5608502" y="3809507"/>
-            <a:ext cx="1" cy="516462"/>
+          <a:xfrm>
+            <a:off x="5838569" y="4441930"/>
+            <a:ext cx="2973764" cy="1588093"/>
           </a:xfrm>
           <a:prstGeom prst="straightConnector1">
             <a:avLst/>
           </a:prstGeom>
           <a:ln w="127000">
             <a:solidFill>
-              <a:srgbClr val="0070C0"/>
+              <a:schemeClr val="accent6">
+                <a:lumMod val="75000"/>
+              </a:schemeClr>
             </a:solidFill>
             <a:tailEnd type="triangle"/>
           </a:ln>
@@ -6060,211 +7598,100 @@
       </p:cxnSp>
       <p:sp>
         <p:nvSpPr>
-          <p:cNvPr id="2" name="ZoneTexte 1">
-            <a:extLst>
-              <a:ext uri="{FF2B5EF4-FFF2-40B4-BE49-F238E27FC236}">
-                <a16:creationId xmlns:a16="http://schemas.microsoft.com/office/drawing/2014/main" id="{3D360B9F-683E-C474-0972-4C7E01410CD7}"/>
-              </a:ext>
-            </a:extLst>
-          </p:cNvPr>
-          <p:cNvSpPr txBox="1"/>
+          <p:cNvPr id="109" name="Rounded Rectangle 44">
+            <a:extLst>
+              <a:ext uri="{FF2B5EF4-FFF2-40B4-BE49-F238E27FC236}">
+                <a16:creationId xmlns:a16="http://schemas.microsoft.com/office/drawing/2014/main" id="{EE55AAF1-171C-F780-90D3-7A2304D74CF3}"/>
+              </a:ext>
+            </a:extLst>
+          </p:cNvPr>
+          <p:cNvSpPr/>
           <p:nvPr/>
         </p:nvSpPr>
         <p:spPr>
           <a:xfrm>
-            <a:off x="95250" y="405819"/>
-            <a:ext cx="7080613" cy="1200329"/>
-          </a:xfrm>
-          <a:prstGeom prst="rect">
+            <a:off x="819054" y="1999049"/>
+            <a:ext cx="4922420" cy="1227314"/>
+          </a:xfrm>
+          <a:prstGeom prst="roundRect">
             <a:avLst/>
           </a:prstGeom>
-          <a:noFill/>
-        </p:spPr>
-        <p:txBody>
-          <a:bodyPr wrap="square" rtlCol="0">
-            <a:spAutoFit/>
-          </a:bodyPr>
+          <a:solidFill>
+            <a:srgbClr val="7030A0"/>
+          </a:solidFill>
+          <a:ln>
+            <a:noFill/>
+          </a:ln>
+        </p:spPr>
+        <p:style>
+          <a:lnRef idx="2">
+            <a:schemeClr val="accent1">
+              <a:shade val="50000"/>
+            </a:schemeClr>
+          </a:lnRef>
+          <a:fillRef idx="1">
+            <a:schemeClr val="accent1"/>
+          </a:fillRef>
+          <a:effectRef idx="0">
+            <a:schemeClr val="accent1"/>
+          </a:effectRef>
+          <a:fontRef idx="minor">
+            <a:schemeClr val="lt1"/>
+          </a:fontRef>
+        </p:style>
+        <p:txBody>
+          <a:bodyPr rtlCol="0" anchor="ctr"/>
           <a:lstStyle/>
           <a:p>
-            <a:r>
-              <a:rPr lang="fr-FR" sz="2400" dirty="0"/>
-              <a:t>HTTP POST</a:t>
-            </a:r>
-          </a:p>
-          <a:p>
-            <a:r>
-              <a:rPr lang="fr-FR" sz="2400" dirty="0">
-                <a:hlinkClick r:id="rId4"/>
+            <a:pPr algn="ctr"/>
+            <a:r>
+              <a:rPr lang="en-US" sz="2400" dirty="0">
+                <a:solidFill>
+                  <a:schemeClr val="bg1"/>
+                </a:solidFill>
               </a:rPr>
-              <a:t>http://slimfaas/</a:t>
-            </a:r>
-            <a:r>
-              <a:rPr lang="fr-FR" sz="2400" dirty="0">
-                <a:highlight>
-                  <a:srgbClr val="FFFF00"/>
-                </a:highlight>
-                <a:hlinkClick r:id="rId4"/>
+              <a:t>Deployment</a:t>
+            </a:r>
+          </a:p>
+          <a:p>
+            <a:pPr algn="ctr"/>
+            <a:r>
+              <a:rPr lang="en-US" sz="2400" dirty="0">
+                <a:solidFill>
+                  <a:schemeClr val="bg1"/>
+                </a:solidFill>
               </a:rPr>
-              <a:t>function</a:t>
-            </a:r>
-            <a:r>
-              <a:rPr lang="fr-FR" sz="2400" dirty="0">
-                <a:hlinkClick r:id="rId4"/>
+              <a:t>other</a:t>
+            </a:r>
+          </a:p>
+          <a:p>
+            <a:pPr algn="ctr"/>
+            <a:r>
+              <a:rPr lang="en-US" sz="1600" dirty="0">
+                <a:solidFill>
+                  <a:schemeClr val="bg1"/>
+                </a:solidFill>
               </a:rPr>
-              <a:t>/</a:t>
-            </a:r>
-            <a:r>
-              <a:rPr lang="fr-FR" sz="2400" dirty="0">
+              <a:t>SlimFaas/SubscribeEvents:"</a:t>
+            </a:r>
+            <a:r>
+              <a:rPr lang="en-US" sz="1600" dirty="0">
+                <a:solidFill>
+                  <a:schemeClr val="bg1"/>
+                </a:solidFill>
                 <a:highlight>
                   <a:srgbClr val="00FF00"/>
                 </a:highlight>
-                <a:hlinkClick r:id="rId4"/>
               </a:rPr>
-              <a:t>fibonacci</a:t>
-            </a:r>
-            <a:r>
-              <a:rPr lang="fr-FR" sz="2400" dirty="0">
-                <a:hlinkClick r:id="rId4"/>
-              </a:rPr>
-              <a:t>/</a:t>
-            </a:r>
-            <a:r>
-              <a:rPr lang="fr-FR" sz="2400" dirty="0">
-                <a:highlight>
-                  <a:srgbClr val="FF6C45"/>
-                </a:highlight>
-                <a:hlinkClick r:id="rId4"/>
-              </a:rPr>
-              <a:t>hello/guillaume</a:t>
-            </a:r>
-            <a:endParaRPr lang="fr-FR" sz="2400" dirty="0">
-              <a:highlight>
-                <a:srgbClr val="FF6C45"/>
-              </a:highlight>
-            </a:endParaRPr>
-          </a:p>
-          <a:p>
-            <a:r>
-              <a:rPr lang="fr-FR" sz="2400" dirty="0"/>
-              <a:t>{</a:t>
-            </a:r>
-            <a:r>
-              <a:rPr lang="fr-FR" sz="2400" b="0" i="0" dirty="0">
-                <a:effectLst/>
-                <a:latin typeface="-apple-system"/>
+              <a:t>fib-event</a:t>
+            </a:r>
+            <a:r>
+              <a:rPr lang="en-US" sz="1600" dirty="0">
+                <a:solidFill>
+                  <a:schemeClr val="bg1"/>
+                </a:solidFill>
               </a:rPr>
               <a:t>"</a:t>
-            </a:r>
-            <a:r>
-              <a:rPr lang="fr-FR" sz="2400" dirty="0"/>
-              <a:t>input</a:t>
-            </a:r>
-            <a:r>
-              <a:rPr lang="fr-FR" sz="2400" b="0" i="0" dirty="0">
-                <a:effectLst/>
-                <a:latin typeface="-apple-system"/>
-              </a:rPr>
-              <a:t>"</a:t>
-            </a:r>
-            <a:r>
-              <a:rPr lang="fr-FR" sz="2400" dirty="0"/>
-              <a:t>:42}</a:t>
-            </a:r>
-          </a:p>
-        </p:txBody>
-      </p:sp>
-      <p:sp>
-        <p:nvSpPr>
-          <p:cNvPr id="6" name="ZoneTexte 5">
-            <a:extLst>
-              <a:ext uri="{FF2B5EF4-FFF2-40B4-BE49-F238E27FC236}">
-                <a16:creationId xmlns:a16="http://schemas.microsoft.com/office/drawing/2014/main" id="{43E3B7B0-10A9-2A13-B906-B992930A68C1}"/>
-              </a:ext>
-            </a:extLst>
-          </p:cNvPr>
-          <p:cNvSpPr txBox="1"/>
-          <p:nvPr/>
-        </p:nvSpPr>
-        <p:spPr>
-          <a:xfrm>
-            <a:off x="7558644" y="2137261"/>
-            <a:ext cx="4438754" cy="1200329"/>
-          </a:xfrm>
-          <a:prstGeom prst="rect">
-            <a:avLst/>
-          </a:prstGeom>
-          <a:noFill/>
-        </p:spPr>
-        <p:txBody>
-          <a:bodyPr wrap="square" rtlCol="0">
-            <a:spAutoFit/>
-          </a:bodyPr>
-          <a:lstStyle/>
-          <a:p>
-            <a:r>
-              <a:rPr lang="fr-FR" sz="2400" dirty="0"/>
-              <a:t>HTTP POST</a:t>
-            </a:r>
-          </a:p>
-          <a:p>
-            <a:r>
-              <a:rPr lang="fr-FR" sz="2400" dirty="0">
-                <a:hlinkClick r:id="rId5"/>
-              </a:rPr>
-              <a:t>http://</a:t>
-            </a:r>
-            <a:r>
-              <a:rPr lang="fr-FR" sz="2400" dirty="0">
-                <a:highlight>
-                  <a:srgbClr val="00FF00"/>
-                </a:highlight>
-                <a:hlinkClick r:id="rId5"/>
-              </a:rPr>
-              <a:t>fibonacci</a:t>
-            </a:r>
-            <a:r>
-              <a:rPr lang="fr-FR" sz="2400" dirty="0">
-                <a:hlinkClick r:id="rId5"/>
-              </a:rPr>
-              <a:t>/</a:t>
-            </a:r>
-            <a:r>
-              <a:rPr lang="fr-FR" sz="2400" dirty="0">
-                <a:highlight>
-                  <a:srgbClr val="FF6C45"/>
-                </a:highlight>
-                <a:hlinkClick r:id="rId5"/>
-              </a:rPr>
-              <a:t>hello/guillaume</a:t>
-            </a:r>
-            <a:br>
-              <a:rPr lang="fr-FR" sz="2400" dirty="0"/>
-            </a:br>
-            <a:r>
-              <a:rPr lang="fr-FR" sz="2400" dirty="0"/>
-              <a:t>{</a:t>
-            </a:r>
-            <a:r>
-              <a:rPr lang="fr-FR" sz="2400" b="0" i="0" dirty="0">
-                <a:effectLst/>
-                <a:latin typeface="-apple-system"/>
-              </a:rPr>
-              <a:t>"</a:t>
-            </a:r>
-            <a:r>
-              <a:rPr lang="fr-FR" sz="2400" dirty="0"/>
-              <a:t>input</a:t>
-            </a:r>
-            <a:r>
-              <a:rPr lang="fr-FR" sz="2400" b="0" i="0" dirty="0">
-                <a:effectLst/>
-                <a:latin typeface="-apple-system"/>
-              </a:rPr>
-              <a:t>"</a:t>
-            </a:r>
-            <a:r>
-              <a:rPr lang="fr-FR" sz="2400" dirty="0"/>
-              <a:t>:42}</a:t>
             </a:r>
           </a:p>
         </p:txBody>
@@ -6272,7 +7699,7 @@
     </p:spTree>
     <p:extLst>
       <p:ext uri="{BB962C8B-B14F-4D97-AF65-F5344CB8AC3E}">
-        <p14:creationId xmlns:p14="http://schemas.microsoft.com/office/powerpoint/2010/main" val="129032465"/>
+        <p14:creationId xmlns:p14="http://schemas.microsoft.com/office/powerpoint/2010/main" val="2176232589"/>
       </p:ext>
     </p:extLst>
   </p:cSld>
@@ -6301,10 +7728,42 @@
       </p:grpSpPr>
       <p:sp>
         <p:nvSpPr>
-          <p:cNvPr id="17" name="Rectangle 16">
-            <a:extLst>
-              <a:ext uri="{FF2B5EF4-FFF2-40B4-BE49-F238E27FC236}">
-                <a16:creationId xmlns:a16="http://schemas.microsoft.com/office/drawing/2014/main" id="{83C60C87-609E-41AB-8E66-C44853DB93B6}"/>
+          <p:cNvPr id="3" name="Espace réservé du contenu 2">
+            <a:extLst>
+              <a:ext uri="{FF2B5EF4-FFF2-40B4-BE49-F238E27FC236}">
+                <a16:creationId xmlns:a16="http://schemas.microsoft.com/office/drawing/2014/main" id="{FC72177F-6E5E-241E-BA74-8D91DC6E05F3}"/>
+              </a:ext>
+            </a:extLst>
+          </p:cNvPr>
+          <p:cNvSpPr>
+            <a:spLocks noGrp="1"/>
+          </p:cNvSpPr>
+          <p:nvPr>
+            <p:ph idx="1"/>
+          </p:nvPr>
+        </p:nvSpPr>
+        <p:spPr>
+          <a:xfrm>
+            <a:off x="0" y="6391656"/>
+            <a:ext cx="12192000" cy="466343"/>
+          </a:xfrm>
+        </p:spPr>
+        <p:txBody>
+          <a:bodyPr>
+            <a:normAutofit lnSpcReduction="10000"/>
+          </a:bodyPr>
+          <a:lstStyle/>
+          <a:p>
+            <a:endParaRPr lang="fr-FR" dirty="0"/>
+          </a:p>
+        </p:txBody>
+      </p:sp>
+      <p:sp>
+        <p:nvSpPr>
+          <p:cNvPr id="6" name="Rounded Rectangle 44">
+            <a:extLst>
+              <a:ext uri="{FF2B5EF4-FFF2-40B4-BE49-F238E27FC236}">
+                <a16:creationId xmlns:a16="http://schemas.microsoft.com/office/drawing/2014/main" id="{DDD08BA0-70BB-583F-312D-C1BE714A89E8}"/>
               </a:ext>
             </a:extLst>
           </p:cNvPr>
@@ -6313,60 +7772,8 @@
         </p:nvSpPr>
         <p:spPr>
           <a:xfrm>
-            <a:off x="95250" y="6604378"/>
-            <a:ext cx="6305550" cy="253622"/>
-          </a:xfrm>
-          <a:prstGeom prst="rect">
-            <a:avLst/>
-          </a:prstGeom>
-          <a:solidFill>
-            <a:schemeClr val="bg1"/>
-          </a:solidFill>
-          <a:ln>
-            <a:noFill/>
-          </a:ln>
-        </p:spPr>
-        <p:style>
-          <a:lnRef idx="2">
-            <a:schemeClr val="accent1">
-              <a:shade val="50000"/>
-            </a:schemeClr>
-          </a:lnRef>
-          <a:fillRef idx="1">
-            <a:schemeClr val="accent1"/>
-          </a:fillRef>
-          <a:effectRef idx="0">
-            <a:schemeClr val="accent1"/>
-          </a:effectRef>
-          <a:fontRef idx="minor">
-            <a:schemeClr val="lt1"/>
-          </a:fontRef>
-        </p:style>
-        <p:txBody>
-          <a:bodyPr rtlCol="0" anchor="ctr"/>
-          <a:lstStyle/>
-          <a:p>
-            <a:pPr algn="ctr"/>
-            <a:endParaRPr lang="fr-FR"/>
-          </a:p>
-        </p:txBody>
-      </p:sp>
-      <p:sp>
-        <p:nvSpPr>
-          <p:cNvPr id="15" name="Rectangle : coins arrondis 14">
-            <a:extLst>
-              <a:ext uri="{FF2B5EF4-FFF2-40B4-BE49-F238E27FC236}">
-                <a16:creationId xmlns:a16="http://schemas.microsoft.com/office/drawing/2014/main" id="{A6226B3F-3380-E0AA-AF16-830B21A49428}"/>
-              </a:ext>
-            </a:extLst>
-          </p:cNvPr>
-          <p:cNvSpPr/>
-          <p:nvPr/>
-        </p:nvSpPr>
-        <p:spPr>
-          <a:xfrm>
-            <a:off x="270274" y="3860695"/>
-            <a:ext cx="5854700" cy="2824928"/>
+            <a:off x="4275182" y="2785207"/>
+            <a:ext cx="2245224" cy="1125268"/>
           </a:xfrm>
           <a:prstGeom prst="roundRect">
             <a:avLst/>
@@ -6401,20 +7808,234 @@
           <a:lstStyle/>
           <a:p>
             <a:pPr algn="ctr"/>
-            <a:endParaRPr lang="fr-FR" sz="4000">
-              <a:solidFill>
-                <a:schemeClr val="bg1"/>
-              </a:solidFill>
-            </a:endParaRPr>
-          </a:p>
-        </p:txBody>
-      </p:sp>
-      <p:sp>
-        <p:nvSpPr>
-          <p:cNvPr id="11" name="Rectangle : coins arrondis 10">
-            <a:extLst>
-              <a:ext uri="{FF2B5EF4-FFF2-40B4-BE49-F238E27FC236}">
-                <a16:creationId xmlns:a16="http://schemas.microsoft.com/office/drawing/2014/main" id="{4E0312E4-E02C-5132-9EC7-E21ECBAD0DFB}"/>
+            <a:r>
+              <a:rPr lang="en-US" sz="2400" dirty="0">
+                <a:solidFill>
+                  <a:schemeClr val="bg1"/>
+                </a:solidFill>
+              </a:rPr>
+              <a:t>SlimFaas</a:t>
+            </a:r>
+          </a:p>
+        </p:txBody>
+      </p:sp>
+      <p:cxnSp>
+        <p:nvCxnSpPr>
+          <p:cNvPr id="7" name="Connecteur droit avec flèche 6">
+            <a:extLst>
+              <a:ext uri="{FF2B5EF4-FFF2-40B4-BE49-F238E27FC236}">
+                <a16:creationId xmlns:a16="http://schemas.microsoft.com/office/drawing/2014/main" id="{2846A4F1-5F1E-1B4A-EAEC-F51C758D93A6}"/>
+              </a:ext>
+            </a:extLst>
+          </p:cNvPr>
+          <p:cNvCxnSpPr>
+            <a:cxnSpLocks/>
+            <a:stCxn id="8" idx="3"/>
+            <a:endCxn id="6" idx="1"/>
+          </p:cNvCxnSpPr>
+          <p:nvPr/>
+        </p:nvCxnSpPr>
+        <p:spPr>
+          <a:xfrm flipV="1">
+            <a:off x="3699119" y="3347841"/>
+            <a:ext cx="576063" cy="4215"/>
+          </a:xfrm>
+          <a:prstGeom prst="straightConnector1">
+            <a:avLst/>
+          </a:prstGeom>
+          <a:ln w="127000">
+            <a:solidFill>
+              <a:schemeClr val="accent6">
+                <a:lumMod val="75000"/>
+              </a:schemeClr>
+            </a:solidFill>
+            <a:tailEnd type="triangle"/>
+          </a:ln>
+        </p:spPr>
+        <p:style>
+          <a:lnRef idx="1">
+            <a:schemeClr val="accent1"/>
+          </a:lnRef>
+          <a:fillRef idx="0">
+            <a:schemeClr val="accent1"/>
+          </a:fillRef>
+          <a:effectRef idx="0">
+            <a:schemeClr val="accent1"/>
+          </a:effectRef>
+          <a:fontRef idx="minor">
+            <a:schemeClr val="tx1"/>
+          </a:fontRef>
+        </p:style>
+      </p:cxnSp>
+      <p:sp>
+        <p:nvSpPr>
+          <p:cNvPr id="8" name="ZoneTexte 7">
+            <a:extLst>
+              <a:ext uri="{FF2B5EF4-FFF2-40B4-BE49-F238E27FC236}">
+                <a16:creationId xmlns:a16="http://schemas.microsoft.com/office/drawing/2014/main" id="{AC32730B-6D07-37BE-5E05-17826CC33CC8}"/>
+              </a:ext>
+            </a:extLst>
+          </p:cNvPr>
+          <p:cNvSpPr txBox="1"/>
+          <p:nvPr/>
+        </p:nvSpPr>
+        <p:spPr>
+          <a:xfrm>
+            <a:off x="61124" y="2936557"/>
+            <a:ext cx="3637995" cy="830997"/>
+          </a:xfrm>
+          <a:prstGeom prst="rect">
+            <a:avLst/>
+          </a:prstGeom>
+          <a:noFill/>
+        </p:spPr>
+        <p:txBody>
+          <a:bodyPr wrap="square" rtlCol="0">
+            <a:spAutoFit/>
+          </a:bodyPr>
+          <a:lstStyle/>
+          <a:p>
+            <a:r>
+              <a:rPr lang="fr-FR" sz="1600" dirty="0"/>
+              <a:t>HTTP POST</a:t>
+            </a:r>
+          </a:p>
+          <a:p>
+            <a:r>
+              <a:rPr lang="fr-FR" sz="1600" dirty="0">
+                <a:hlinkClick r:id="rId2"/>
+              </a:rPr>
+              <a:t>http://slimfaas/</a:t>
+            </a:r>
+            <a:r>
+              <a:rPr lang="fr-FR" sz="1600" dirty="0">
+                <a:highlight>
+                  <a:srgbClr val="FFFF00"/>
+                </a:highlight>
+                <a:hlinkClick r:id="rId2"/>
+              </a:rPr>
+              <a:t>async-publish</a:t>
+            </a:r>
+            <a:r>
+              <a:rPr lang="fr-FR" sz="1600" dirty="0">
+                <a:hlinkClick r:id="rId2"/>
+              </a:rPr>
+              <a:t>/fibonacci</a:t>
+            </a:r>
+            <a:endParaRPr lang="fr-FR" sz="1600" dirty="0"/>
+          </a:p>
+          <a:p>
+            <a:r>
+              <a:rPr lang="fr-FR" sz="1600" dirty="0"/>
+              <a:t>{</a:t>
+            </a:r>
+            <a:r>
+              <a:rPr lang="fr-FR" sz="1600" b="0" i="0" dirty="0">
+                <a:effectLst/>
+                <a:latin typeface="-apple-system"/>
+              </a:rPr>
+              <a:t>"</a:t>
+            </a:r>
+            <a:r>
+              <a:rPr lang="fr-FR" sz="1600" dirty="0"/>
+              <a:t>input</a:t>
+            </a:r>
+            <a:r>
+              <a:rPr lang="fr-FR" sz="1600" b="0" i="0" dirty="0">
+                <a:effectLst/>
+                <a:latin typeface="-apple-system"/>
+              </a:rPr>
+              <a:t>"</a:t>
+            </a:r>
+            <a:r>
+              <a:rPr lang="fr-FR" sz="1600" dirty="0"/>
+              <a:t>:42}</a:t>
+            </a:r>
+          </a:p>
+        </p:txBody>
+      </p:sp>
+      <p:sp>
+        <p:nvSpPr>
+          <p:cNvPr id="9" name="ZoneTexte 8">
+            <a:extLst>
+              <a:ext uri="{FF2B5EF4-FFF2-40B4-BE49-F238E27FC236}">
+                <a16:creationId xmlns:a16="http://schemas.microsoft.com/office/drawing/2014/main" id="{6611272C-28EE-7524-CD4D-AAE3B72A1A73}"/>
+              </a:ext>
+            </a:extLst>
+          </p:cNvPr>
+          <p:cNvSpPr txBox="1"/>
+          <p:nvPr/>
+        </p:nvSpPr>
+        <p:spPr>
+          <a:xfrm>
+            <a:off x="6542729" y="997387"/>
+            <a:ext cx="1659171" cy="830997"/>
+          </a:xfrm>
+          <a:prstGeom prst="rect">
+            <a:avLst/>
+          </a:prstGeom>
+          <a:noFill/>
+        </p:spPr>
+        <p:txBody>
+          <a:bodyPr wrap="square" rtlCol="0">
+            <a:spAutoFit/>
+          </a:bodyPr>
+          <a:lstStyle/>
+          <a:p>
+            <a:r>
+              <a:rPr lang="fr-FR" sz="1600" dirty="0"/>
+              <a:t>HTTP POST</a:t>
+            </a:r>
+          </a:p>
+          <a:p>
+            <a:r>
+              <a:rPr lang="fr-FR" sz="1600" dirty="0">
+                <a:hlinkClick r:id="rId3"/>
+              </a:rPr>
+              <a:t>http://fibonacci</a:t>
+            </a:r>
+            <a:r>
+              <a:rPr lang="fr-FR" sz="1600" dirty="0"/>
+              <a:t> </a:t>
+            </a:r>
+            <a:br>
+              <a:rPr lang="fr-FR" sz="1600" dirty="0"/>
+            </a:br>
+            <a:r>
+              <a:rPr lang="fr-FR" sz="1600" dirty="0"/>
+              <a:t>{</a:t>
+            </a:r>
+            <a:r>
+              <a:rPr lang="fr-FR" sz="1600" b="0" i="0" dirty="0">
+                <a:effectLst/>
+                <a:latin typeface="-apple-system"/>
+              </a:rPr>
+              <a:t>"</a:t>
+            </a:r>
+            <a:r>
+              <a:rPr lang="fr-FR" sz="1600" dirty="0"/>
+              <a:t>input</a:t>
+            </a:r>
+            <a:r>
+              <a:rPr lang="fr-FR" sz="1600" b="0" i="0" dirty="0">
+                <a:effectLst/>
+                <a:latin typeface="-apple-system"/>
+              </a:rPr>
+              <a:t>"</a:t>
+            </a:r>
+            <a:r>
+              <a:rPr lang="fr-FR" sz="1600" dirty="0"/>
+              <a:t>:42}</a:t>
+            </a:r>
+          </a:p>
+        </p:txBody>
+      </p:sp>
+      <p:sp>
+        <p:nvSpPr>
+          <p:cNvPr id="10" name="Rounded Rectangle 45">
+            <a:extLst>
+              <a:ext uri="{FF2B5EF4-FFF2-40B4-BE49-F238E27FC236}">
+                <a16:creationId xmlns:a16="http://schemas.microsoft.com/office/drawing/2014/main" id="{D79C9965-A2CD-C2C1-A01C-697EABB121C8}"/>
               </a:ext>
             </a:extLst>
           </p:cNvPr>
@@ -6423,8 +8044,8 @@
         </p:nvSpPr>
         <p:spPr>
           <a:xfrm>
-            <a:off x="5788599" y="248280"/>
-            <a:ext cx="6118483" cy="2953155"/>
+            <a:off x="8812333" y="509182"/>
+            <a:ext cx="3040144" cy="1540322"/>
           </a:xfrm>
           <a:prstGeom prst="roundRect">
             <a:avLst/>
@@ -6459,7 +8080,15 @@
           <a:lstStyle/>
           <a:p>
             <a:pPr algn="ctr"/>
-            <a:endParaRPr lang="fr-FR" sz="4000">
+            <a:r>
+              <a:rPr lang="fr-FR" sz="2400" dirty="0">
+                <a:solidFill>
+                  <a:schemeClr val="bg1"/>
+                </a:solidFill>
+              </a:rPr>
+              <a:t>function « fibonacci » instance 1</a:t>
+            </a:r>
+            <a:endParaRPr lang="en-FR" sz="2400" dirty="0">
               <a:solidFill>
                 <a:schemeClr val="bg1"/>
               </a:solidFill>
@@ -6467,126 +8096,12 @@
           </a:p>
         </p:txBody>
       </p:sp>
-      <p:cxnSp>
-        <p:nvCxnSpPr>
-          <p:cNvPr id="25" name="Connecteur droit avec flèche 24">
-            <a:extLst>
-              <a:ext uri="{FF2B5EF4-FFF2-40B4-BE49-F238E27FC236}">
-                <a16:creationId xmlns:a16="http://schemas.microsoft.com/office/drawing/2014/main" id="{EF74DD91-1B16-470B-A20B-035F88F385D6}"/>
-              </a:ext>
-            </a:extLst>
-          </p:cNvPr>
-          <p:cNvCxnSpPr>
-            <a:cxnSpLocks/>
-            <a:stCxn id="2" idx="3"/>
-            <a:endCxn id="13" idx="1"/>
-          </p:cNvCxnSpPr>
-          <p:nvPr/>
-        </p:nvCxnSpPr>
-        <p:spPr>
-          <a:xfrm flipV="1">
-            <a:off x="5945039" y="5223738"/>
-            <a:ext cx="2412084" cy="4209"/>
-          </a:xfrm>
-          <a:prstGeom prst="straightConnector1">
-            <a:avLst/>
-          </a:prstGeom>
-          <a:ln w="127000">
-            <a:solidFill>
-              <a:schemeClr val="accent6">
-                <a:lumMod val="75000"/>
-              </a:schemeClr>
-            </a:solidFill>
-            <a:tailEnd type="triangle"/>
-          </a:ln>
-        </p:spPr>
-        <p:style>
-          <a:lnRef idx="1">
-            <a:schemeClr val="accent1"/>
-          </a:lnRef>
-          <a:fillRef idx="0">
-            <a:schemeClr val="accent1"/>
-          </a:fillRef>
-          <a:effectRef idx="0">
-            <a:schemeClr val="accent1"/>
-          </a:effectRef>
-          <a:fontRef idx="minor">
-            <a:schemeClr val="tx1"/>
-          </a:fontRef>
-        </p:style>
-      </p:cxnSp>
-      <p:sp>
-        <p:nvSpPr>
-          <p:cNvPr id="13" name="Rounded Rectangle 45">
-            <a:extLst>
-              <a:ext uri="{FF2B5EF4-FFF2-40B4-BE49-F238E27FC236}">
-                <a16:creationId xmlns:a16="http://schemas.microsoft.com/office/drawing/2014/main" id="{010C1183-1FCB-4B5B-84DC-B7D70796FA94}"/>
-              </a:ext>
-            </a:extLst>
-          </p:cNvPr>
-          <p:cNvSpPr/>
-          <p:nvPr/>
-        </p:nvSpPr>
-        <p:spPr>
-          <a:xfrm>
-            <a:off x="8357123" y="4174427"/>
-            <a:ext cx="3145551" cy="2098622"/>
-          </a:xfrm>
-          <a:prstGeom prst="roundRect">
-            <a:avLst/>
-          </a:prstGeom>
-          <a:solidFill>
-            <a:schemeClr val="bg2">
-              <a:lumMod val="25000"/>
-            </a:schemeClr>
-          </a:solidFill>
-          <a:ln>
-            <a:noFill/>
-          </a:ln>
-        </p:spPr>
-        <p:style>
-          <a:lnRef idx="2">
-            <a:schemeClr val="accent1">
-              <a:shade val="50000"/>
-            </a:schemeClr>
-          </a:lnRef>
-          <a:fillRef idx="1">
-            <a:schemeClr val="accent1"/>
-          </a:fillRef>
-          <a:effectRef idx="0">
-            <a:schemeClr val="accent1"/>
-          </a:effectRef>
-          <a:fontRef idx="minor">
-            <a:schemeClr val="lt1"/>
-          </a:fontRef>
-        </p:style>
-        <p:txBody>
-          <a:bodyPr rtlCol="0" anchor="ctr"/>
-          <a:lstStyle/>
-          <a:p>
-            <a:pPr algn="ctr"/>
-            <a:r>
-              <a:rPr lang="fr-FR" sz="4000" dirty="0">
-                <a:solidFill>
-                  <a:schemeClr val="bg1"/>
-                </a:solidFill>
-              </a:rPr>
-              <a:t>function « fibonacci »</a:t>
-            </a:r>
-            <a:endParaRPr lang="en-FR" sz="4000" dirty="0">
-              <a:solidFill>
-                <a:schemeClr val="bg1"/>
-              </a:solidFill>
-            </a:endParaRPr>
-          </a:p>
-        </p:txBody>
-      </p:sp>
       <p:pic>
         <p:nvPicPr>
-          <p:cNvPr id="1026" name="Picture 2" descr="Afficher l’image source">
-            <a:extLst>
-              <a:ext uri="{FF2B5EF4-FFF2-40B4-BE49-F238E27FC236}">
-                <a16:creationId xmlns:a16="http://schemas.microsoft.com/office/drawing/2014/main" id="{F291C231-1626-4F0E-B26C-1EFF6A7E0B9C}"/>
+          <p:cNvPr id="11" name="Picture 2" descr="Afficher l’image source">
+            <a:extLst>
+              <a:ext uri="{FF2B5EF4-FFF2-40B4-BE49-F238E27FC236}">
+                <a16:creationId xmlns:a16="http://schemas.microsoft.com/office/drawing/2014/main" id="{B80A9736-02F1-1190-8A3C-F71D0B8C1D08}"/>
               </a:ext>
             </a:extLst>
           </p:cNvPr>
@@ -6596,7 +8111,7 @@
           <p:nvPr/>
         </p:nvPicPr>
         <p:blipFill>
-          <a:blip r:embed="rId3">
+          <a:blip r:embed="rId4">
             <a:extLst>
               <a:ext uri="{28A0092B-C50C-407E-A947-70E740481C1C}">
                 <a14:useLocalDpi xmlns:a14="http://schemas.microsoft.com/office/drawing/2010/main" val="0"/>
@@ -6610,7 +8125,7 @@
         </p:blipFill>
         <p:spPr bwMode="auto">
           <a:xfrm>
-            <a:off x="11029347" y="4031598"/>
+            <a:off x="8618142" y="206059"/>
             <a:ext cx="588793" cy="572693"/>
           </a:xfrm>
           <a:prstGeom prst="rect">
@@ -6628,144 +8143,26 @@
           </a:extLst>
         </p:spPr>
       </p:pic>
-      <p:sp>
-        <p:nvSpPr>
-          <p:cNvPr id="2" name="Rounded Rectangle 44">
-            <a:extLst>
-              <a:ext uri="{FF2B5EF4-FFF2-40B4-BE49-F238E27FC236}">
-                <a16:creationId xmlns:a16="http://schemas.microsoft.com/office/drawing/2014/main" id="{ECE643B4-61AF-3733-8039-0237A0938B0F}"/>
-              </a:ext>
-            </a:extLst>
-          </p:cNvPr>
-          <p:cNvSpPr/>
-          <p:nvPr/>
-        </p:nvSpPr>
-        <p:spPr>
-          <a:xfrm>
-            <a:off x="4021081" y="4700432"/>
-            <a:ext cx="1923958" cy="1055029"/>
-          </a:xfrm>
-          <a:prstGeom prst="roundRect">
-            <a:avLst/>
-          </a:prstGeom>
-          <a:solidFill>
-            <a:srgbClr val="7030A0"/>
-          </a:solidFill>
-          <a:ln>
-            <a:noFill/>
-          </a:ln>
-        </p:spPr>
-        <p:style>
-          <a:lnRef idx="2">
-            <a:schemeClr val="accent1">
-              <a:shade val="50000"/>
-            </a:schemeClr>
-          </a:lnRef>
-          <a:fillRef idx="1">
-            <a:schemeClr val="accent1"/>
-          </a:fillRef>
-          <a:effectRef idx="0">
-            <a:schemeClr val="accent1"/>
-          </a:effectRef>
-          <a:fontRef idx="minor">
-            <a:schemeClr val="lt1"/>
-          </a:fontRef>
-        </p:style>
-        <p:txBody>
-          <a:bodyPr rtlCol="0" anchor="ctr"/>
-          <a:lstStyle/>
-          <a:p>
-            <a:pPr algn="ctr"/>
-            <a:r>
-              <a:rPr lang="en-US" sz="2800" dirty="0">
-                <a:solidFill>
-                  <a:schemeClr val="bg1"/>
-                </a:solidFill>
-              </a:rPr>
-              <a:t>SlimFaas</a:t>
-            </a:r>
-          </a:p>
-        </p:txBody>
-      </p:sp>
-      <p:sp>
-        <p:nvSpPr>
-          <p:cNvPr id="5" name="Rounded Rectangle 44">
-            <a:extLst>
-              <a:ext uri="{FF2B5EF4-FFF2-40B4-BE49-F238E27FC236}">
-                <a16:creationId xmlns:a16="http://schemas.microsoft.com/office/drawing/2014/main" id="{8B31C066-D6ED-6B00-6DFD-759464A699DC}"/>
-              </a:ext>
-            </a:extLst>
-          </p:cNvPr>
-          <p:cNvSpPr/>
-          <p:nvPr/>
-        </p:nvSpPr>
-        <p:spPr>
-          <a:xfrm>
-            <a:off x="6031056" y="1199622"/>
-            <a:ext cx="2135174" cy="923330"/>
-          </a:xfrm>
-          <a:prstGeom prst="roundRect">
-            <a:avLst/>
-          </a:prstGeom>
-          <a:solidFill>
-            <a:srgbClr val="7030A0"/>
-          </a:solidFill>
-          <a:ln>
-            <a:noFill/>
-          </a:ln>
-        </p:spPr>
-        <p:style>
-          <a:lnRef idx="2">
-            <a:schemeClr val="accent1">
-              <a:shade val="50000"/>
-            </a:schemeClr>
-          </a:lnRef>
-          <a:fillRef idx="1">
-            <a:schemeClr val="accent1"/>
-          </a:fillRef>
-          <a:effectRef idx="0">
-            <a:schemeClr val="accent1"/>
-          </a:effectRef>
-          <a:fontRef idx="minor">
-            <a:schemeClr val="lt1"/>
-          </a:fontRef>
-        </p:style>
-        <p:txBody>
-          <a:bodyPr rtlCol="0" anchor="ctr"/>
-          <a:lstStyle/>
-          <a:p>
-            <a:pPr algn="ctr"/>
-            <a:r>
-              <a:rPr lang="en-US" sz="2800" dirty="0">
-                <a:solidFill>
-                  <a:schemeClr val="bg1"/>
-                </a:solidFill>
-              </a:rPr>
-              <a:t>SlimFaas</a:t>
-            </a:r>
-          </a:p>
-        </p:txBody>
-      </p:sp>
       <p:cxnSp>
         <p:nvCxnSpPr>
-          <p:cNvPr id="1030" name="Connecteur droit avec flèche 1029">
-            <a:extLst>
-              <a:ext uri="{FF2B5EF4-FFF2-40B4-BE49-F238E27FC236}">
-                <a16:creationId xmlns:a16="http://schemas.microsoft.com/office/drawing/2014/main" id="{52B98CF1-23C8-73AE-54DD-8F17F00A8728}"/>
+          <p:cNvPr id="12" name="Connecteur droit avec flèche 11">
+            <a:extLst>
+              <a:ext uri="{FF2B5EF4-FFF2-40B4-BE49-F238E27FC236}">
+                <a16:creationId xmlns:a16="http://schemas.microsoft.com/office/drawing/2014/main" id="{3AFE1186-6876-1E2D-BB90-BFA726C0ACA3}"/>
               </a:ext>
             </a:extLst>
           </p:cNvPr>
           <p:cNvCxnSpPr>
             <a:cxnSpLocks/>
-            <a:stCxn id="1035" idx="3"/>
-            <a:endCxn id="5" idx="1"/>
+            <a:stCxn id="6" idx="3"/>
+            <a:endCxn id="10" idx="1"/>
           </p:cNvCxnSpPr>
           <p:nvPr/>
         </p:nvCxnSpPr>
         <p:spPr>
-          <a:xfrm>
-            <a:off x="4995157" y="1657406"/>
-            <a:ext cx="1035899" cy="3881"/>
+          <a:xfrm flipV="1">
+            <a:off x="6520406" y="1279343"/>
+            <a:ext cx="2291927" cy="2068498"/>
           </a:xfrm>
           <a:prstGeom prst="straightConnector1">
             <a:avLst/>
@@ -6796,10 +8193,10 @@
       </p:cxnSp>
       <p:sp>
         <p:nvSpPr>
-          <p:cNvPr id="1035" name="ZoneTexte 1034">
-            <a:extLst>
-              <a:ext uri="{FF2B5EF4-FFF2-40B4-BE49-F238E27FC236}">
-                <a16:creationId xmlns:a16="http://schemas.microsoft.com/office/drawing/2014/main" id="{D180C645-D94F-EC3F-08F1-4AB872A877B7}"/>
+          <p:cNvPr id="22" name="ZoneTexte 21">
+            <a:extLst>
+              <a:ext uri="{FF2B5EF4-FFF2-40B4-BE49-F238E27FC236}">
+                <a16:creationId xmlns:a16="http://schemas.microsoft.com/office/drawing/2014/main" id="{B20F6461-EFC4-60A1-6479-F83792C4E189}"/>
               </a:ext>
             </a:extLst>
           </p:cNvPr>
@@ -6808,8 +8205,8 @@
         </p:nvSpPr>
         <p:spPr>
           <a:xfrm>
-            <a:off x="48143" y="1288074"/>
-            <a:ext cx="4947014" cy="738664"/>
+            <a:off x="7304194" y="3284661"/>
+            <a:ext cx="1659171" cy="830997"/>
           </a:xfrm>
           <a:prstGeom prst="rect">
             <a:avLst/>
@@ -6823,87 +8220,48 @@
           <a:lstStyle/>
           <a:p>
             <a:r>
-              <a:rPr lang="fr-FR" sz="1400" dirty="0"/>
+              <a:rPr lang="fr-FR" sz="1600" dirty="0"/>
               <a:t>HTTP POST</a:t>
             </a:r>
           </a:p>
           <a:p>
             <a:r>
-              <a:rPr lang="fr-FR" sz="1400" dirty="0">
-                <a:hlinkClick r:id="rId4"/>
+              <a:rPr lang="fr-FR" sz="1600" dirty="0">
+                <a:hlinkClick r:id="rId3"/>
               </a:rPr>
-              <a:t>http://slimfaas/</a:t>
-            </a:r>
-            <a:r>
-              <a:rPr lang="fr-FR" sz="1400" dirty="0">
-                <a:highlight>
-                  <a:srgbClr val="FFFF00"/>
-                </a:highlight>
-                <a:hlinkClick r:id="rId4"/>
-              </a:rPr>
-              <a:t>async-function</a:t>
-            </a:r>
-            <a:r>
-              <a:rPr lang="fr-FR" sz="1400" dirty="0">
-                <a:hlinkClick r:id="rId4"/>
-              </a:rPr>
-              <a:t>/</a:t>
-            </a:r>
-            <a:r>
-              <a:rPr lang="fr-FR" sz="1400" dirty="0">
-                <a:highlight>
-                  <a:srgbClr val="00FF00"/>
-                </a:highlight>
-                <a:hlinkClick r:id="rId4"/>
-              </a:rPr>
-              <a:t>fibonacci</a:t>
-            </a:r>
-            <a:r>
-              <a:rPr lang="fr-FR" sz="1400" dirty="0">
-                <a:hlinkClick r:id="rId4"/>
-              </a:rPr>
-              <a:t>/</a:t>
-            </a:r>
-            <a:r>
-              <a:rPr lang="fr-FR" sz="1400" dirty="0">
-                <a:highlight>
-                  <a:srgbClr val="FF6C45"/>
-                </a:highlight>
-                <a:hlinkClick r:id="rId4"/>
-              </a:rPr>
-              <a:t>hello/guillaume</a:t>
-            </a:r>
-            <a:endParaRPr lang="fr-FR" sz="1400" dirty="0">
-              <a:highlight>
-                <a:srgbClr val="FF6C45"/>
-              </a:highlight>
-            </a:endParaRPr>
-          </a:p>
-          <a:p>
-            <a:r>
-              <a:rPr lang="fr-FR" sz="1400" dirty="0"/>
+              <a:t>http://fibonacci</a:t>
+            </a:r>
+            <a:r>
+              <a:rPr lang="fr-FR" sz="1600" dirty="0"/>
+              <a:t> </a:t>
+            </a:r>
+            <a:br>
+              <a:rPr lang="fr-FR" sz="1600" dirty="0"/>
+            </a:br>
+            <a:r>
+              <a:rPr lang="fr-FR" sz="1600" dirty="0"/>
               <a:t>{</a:t>
             </a:r>
             <a:r>
-              <a:rPr lang="fr-FR" sz="1400" b="0" i="0" dirty="0">
+              <a:rPr lang="fr-FR" sz="1600" b="0" i="0" dirty="0">
                 <a:effectLst/>
                 <a:latin typeface="-apple-system"/>
               </a:rPr>
               <a:t>"</a:t>
             </a:r>
             <a:r>
-              <a:rPr lang="fr-FR" sz="1400" dirty="0"/>
+              <a:rPr lang="fr-FR" sz="1600" dirty="0"/>
               <a:t>input</a:t>
             </a:r>
             <a:r>
-              <a:rPr lang="fr-FR" sz="1400" b="0" i="0" dirty="0">
+              <a:rPr lang="fr-FR" sz="1600" b="0" i="0" dirty="0">
                 <a:effectLst/>
                 <a:latin typeface="-apple-system"/>
               </a:rPr>
               <a:t>"</a:t>
             </a:r>
             <a:r>
-              <a:rPr lang="fr-FR" sz="1400" dirty="0"/>
+              <a:rPr lang="fr-FR" sz="1600" dirty="0"/>
               <a:t>:42}</a:t>
             </a:r>
           </a:p>
@@ -6911,106 +8269,71 @@
       </p:sp>
       <p:sp>
         <p:nvSpPr>
-          <p:cNvPr id="1069" name="ZoneTexte 1068">
-            <a:extLst>
-              <a:ext uri="{FF2B5EF4-FFF2-40B4-BE49-F238E27FC236}">
-                <a16:creationId xmlns:a16="http://schemas.microsoft.com/office/drawing/2014/main" id="{090E0DC5-DC00-5D4D-282B-8F120B96B110}"/>
-              </a:ext>
-            </a:extLst>
-          </p:cNvPr>
-          <p:cNvSpPr txBox="1"/>
+          <p:cNvPr id="23" name="Rounded Rectangle 45">
+            <a:extLst>
+              <a:ext uri="{FF2B5EF4-FFF2-40B4-BE49-F238E27FC236}">
+                <a16:creationId xmlns:a16="http://schemas.microsoft.com/office/drawing/2014/main" id="{02CDF874-6617-192D-7FBF-DFCDF050DE8B}"/>
+              </a:ext>
+            </a:extLst>
+          </p:cNvPr>
+          <p:cNvSpPr/>
           <p:nvPr/>
         </p:nvSpPr>
         <p:spPr>
           <a:xfrm>
-            <a:off x="6096000" y="3302938"/>
-            <a:ext cx="4920343" cy="1200329"/>
-          </a:xfrm>
-          <a:prstGeom prst="rect">
+            <a:off x="8858733" y="2401822"/>
+            <a:ext cx="3040144" cy="1540322"/>
+          </a:xfrm>
+          <a:prstGeom prst="roundRect">
             <a:avLst/>
           </a:prstGeom>
-          <a:noFill/>
-        </p:spPr>
-        <p:txBody>
-          <a:bodyPr wrap="square" rtlCol="0">
-            <a:spAutoFit/>
-          </a:bodyPr>
+          <a:solidFill>
+            <a:schemeClr val="bg2">
+              <a:lumMod val="25000"/>
+            </a:schemeClr>
+          </a:solidFill>
+          <a:ln>
+            <a:noFill/>
+          </a:ln>
+        </p:spPr>
+        <p:style>
+          <a:lnRef idx="2">
+            <a:schemeClr val="accent1">
+              <a:shade val="50000"/>
+            </a:schemeClr>
+          </a:lnRef>
+          <a:fillRef idx="1">
+            <a:schemeClr val="accent1"/>
+          </a:fillRef>
+          <a:effectRef idx="0">
+            <a:schemeClr val="accent1"/>
+          </a:effectRef>
+          <a:fontRef idx="minor">
+            <a:schemeClr val="lt1"/>
+          </a:fontRef>
+        </p:style>
+        <p:txBody>
+          <a:bodyPr rtlCol="0" anchor="ctr"/>
           <a:lstStyle/>
           <a:p>
-            <a:r>
-              <a:rPr lang="fr-FR" sz="2400" dirty="0"/>
-              <a:t>HTTP POST</a:t>
-            </a:r>
-          </a:p>
-          <a:p>
+            <a:pPr algn="ctr"/>
             <a:r>
               <a:rPr lang="fr-FR" sz="2400" dirty="0">
-                <a:hlinkClick r:id="rId5"/>
+                <a:solidFill>
+                  <a:schemeClr val="bg1"/>
+                </a:solidFill>
               </a:rPr>
-              <a:t>http://</a:t>
-            </a:r>
-            <a:r>
-              <a:rPr lang="fr-FR" sz="2400" dirty="0">
-                <a:highlight>
-                  <a:srgbClr val="00FF00"/>
-                </a:highlight>
-                <a:hlinkClick r:id="rId5"/>
-              </a:rPr>
-              <a:t>fibonacci</a:t>
-            </a:r>
-            <a:r>
-              <a:rPr lang="fr-FR" sz="2400" dirty="0">
-                <a:hlinkClick r:id="rId5"/>
-              </a:rPr>
-              <a:t>/</a:t>
-            </a:r>
-            <a:r>
-              <a:rPr lang="fr-FR" sz="2400" dirty="0">
-                <a:highlight>
-                  <a:srgbClr val="FF6C45"/>
-                </a:highlight>
-                <a:hlinkClick r:id="rId5"/>
-              </a:rPr>
-              <a:t>hello/guillaume</a:t>
-            </a:r>
-            <a:br>
-              <a:rPr lang="fr-FR" sz="2400" dirty="0"/>
-            </a:br>
-            <a:r>
-              <a:rPr lang="fr-FR" sz="2400" dirty="0"/>
-              <a:t>{</a:t>
-            </a:r>
-            <a:r>
-              <a:rPr lang="fr-FR" sz="2400" b="0" i="0" dirty="0">
-                <a:effectLst/>
-                <a:latin typeface="-apple-system"/>
-              </a:rPr>
-              <a:t>"</a:t>
-            </a:r>
-            <a:r>
-              <a:rPr lang="fr-FR" sz="2400" dirty="0"/>
-              <a:t>input</a:t>
-            </a:r>
-            <a:r>
-              <a:rPr lang="fr-FR" sz="2400" b="0" i="0" dirty="0">
-                <a:effectLst/>
-                <a:latin typeface="-apple-system"/>
-              </a:rPr>
-              <a:t>"</a:t>
-            </a:r>
-            <a:r>
-              <a:rPr lang="fr-FR" sz="2400" dirty="0"/>
-              <a:t>:42}</a:t>
+              <a:t>function « fibonacci » instance 2</a:t>
             </a:r>
           </a:p>
         </p:txBody>
       </p:sp>
       <p:pic>
         <p:nvPicPr>
-          <p:cNvPr id="3" name="Picture 2" descr="Afficher l’image source">
-            <a:extLst>
-              <a:ext uri="{FF2B5EF4-FFF2-40B4-BE49-F238E27FC236}">
-                <a16:creationId xmlns:a16="http://schemas.microsoft.com/office/drawing/2014/main" id="{6DDAFA19-505A-5974-5381-D1AA62FE6CDB}"/>
+          <p:cNvPr id="24" name="Picture 2" descr="Afficher l’image source">
+            <a:extLst>
+              <a:ext uri="{FF2B5EF4-FFF2-40B4-BE49-F238E27FC236}">
+                <a16:creationId xmlns:a16="http://schemas.microsoft.com/office/drawing/2014/main" id="{6367FF6E-BE42-9237-982C-7249BC298201}"/>
               </a:ext>
             </a:extLst>
           </p:cNvPr>
@@ -7020,7 +8343,7 @@
           <p:nvPr/>
         </p:nvPicPr>
         <p:blipFill>
-          <a:blip r:embed="rId3">
+          <a:blip r:embed="rId4">
             <a:extLst>
               <a:ext uri="{28A0092B-C50C-407E-A947-70E740481C1C}">
                 <a14:useLocalDpi xmlns:a14="http://schemas.microsoft.com/office/drawing/2010/main" val="0"/>
@@ -7034,7 +8357,7 @@
         </p:blipFill>
         <p:spPr bwMode="auto">
           <a:xfrm>
-            <a:off x="0" y="3664234"/>
+            <a:off x="8799603" y="2111546"/>
             <a:ext cx="588793" cy="572693"/>
           </a:xfrm>
           <a:prstGeom prst="rect">
@@ -7052,12 +8375,121 @@
           </a:extLst>
         </p:spPr>
       </p:pic>
+      <p:cxnSp>
+        <p:nvCxnSpPr>
+          <p:cNvPr id="25" name="Connecteur droit avec flèche 24">
+            <a:extLst>
+              <a:ext uri="{FF2B5EF4-FFF2-40B4-BE49-F238E27FC236}">
+                <a16:creationId xmlns:a16="http://schemas.microsoft.com/office/drawing/2014/main" id="{47CCB34C-BDE9-83E6-DBE9-369CE229F27F}"/>
+              </a:ext>
+            </a:extLst>
+          </p:cNvPr>
+          <p:cNvCxnSpPr>
+            <a:cxnSpLocks/>
+            <a:stCxn id="6" idx="3"/>
+            <a:endCxn id="23" idx="1"/>
+          </p:cNvCxnSpPr>
+          <p:nvPr/>
+        </p:nvCxnSpPr>
+        <p:spPr>
+          <a:xfrm flipV="1">
+            <a:off x="6520406" y="3171983"/>
+            <a:ext cx="2338327" cy="175858"/>
+          </a:xfrm>
+          <a:prstGeom prst="straightConnector1">
+            <a:avLst/>
+          </a:prstGeom>
+          <a:ln w="127000">
+            <a:solidFill>
+              <a:schemeClr val="accent6">
+                <a:lumMod val="75000"/>
+              </a:schemeClr>
+            </a:solidFill>
+            <a:tailEnd type="triangle"/>
+          </a:ln>
+        </p:spPr>
+        <p:style>
+          <a:lnRef idx="1">
+            <a:schemeClr val="accent1"/>
+          </a:lnRef>
+          <a:fillRef idx="0">
+            <a:schemeClr val="accent1"/>
+          </a:fillRef>
+          <a:effectRef idx="0">
+            <a:schemeClr val="accent1"/>
+          </a:effectRef>
+          <a:fontRef idx="minor">
+            <a:schemeClr val="tx1"/>
+          </a:fontRef>
+        </p:style>
+      </p:cxnSp>
+      <p:sp>
+        <p:nvSpPr>
+          <p:cNvPr id="28" name="Rounded Rectangle 45">
+            <a:extLst>
+              <a:ext uri="{FF2B5EF4-FFF2-40B4-BE49-F238E27FC236}">
+                <a16:creationId xmlns:a16="http://schemas.microsoft.com/office/drawing/2014/main" id="{38FF5A4C-559C-1D52-9476-314AAD56BECB}"/>
+              </a:ext>
+            </a:extLst>
+          </p:cNvPr>
+          <p:cNvSpPr/>
+          <p:nvPr/>
+        </p:nvSpPr>
+        <p:spPr>
+          <a:xfrm>
+            <a:off x="8822212" y="4493355"/>
+            <a:ext cx="3040144" cy="1540322"/>
+          </a:xfrm>
+          <a:prstGeom prst="roundRect">
+            <a:avLst/>
+          </a:prstGeom>
+          <a:solidFill>
+            <a:schemeClr val="bg2">
+              <a:lumMod val="25000"/>
+            </a:schemeClr>
+          </a:solidFill>
+          <a:ln>
+            <a:noFill/>
+          </a:ln>
+        </p:spPr>
+        <p:style>
+          <a:lnRef idx="2">
+            <a:schemeClr val="accent1">
+              <a:shade val="50000"/>
+            </a:schemeClr>
+          </a:lnRef>
+          <a:fillRef idx="1">
+            <a:schemeClr val="accent1"/>
+          </a:fillRef>
+          <a:effectRef idx="0">
+            <a:schemeClr val="accent1"/>
+          </a:effectRef>
+          <a:fontRef idx="minor">
+            <a:schemeClr val="lt1"/>
+          </a:fontRef>
+        </p:style>
+        <p:txBody>
+          <a:bodyPr rtlCol="0" anchor="ctr"/>
+          <a:lstStyle/>
+          <a:p>
+            <a:pPr algn="ctr"/>
+            <a:r>
+              <a:rPr lang="fr-FR" sz="2400" dirty="0">
+                <a:solidFill>
+                  <a:schemeClr val="bg1"/>
+                </a:solidFill>
+              </a:rPr>
+              <a:t>function « fibonacci » instance 3</a:t>
+            </a:r>
+          </a:p>
+        </p:txBody>
+      </p:sp>
       <p:pic>
         <p:nvPicPr>
-          <p:cNvPr id="6" name="Picture 2" descr="Afficher l’image source">
-            <a:extLst>
-              <a:ext uri="{FF2B5EF4-FFF2-40B4-BE49-F238E27FC236}">
-                <a16:creationId xmlns:a16="http://schemas.microsoft.com/office/drawing/2014/main" id="{BCBC1B21-323D-218D-4E88-A0D74047C9FD}"/>
+          <p:cNvPr id="29" name="Picture 2" descr="Afficher l’image source">
+            <a:extLst>
+              <a:ext uri="{FF2B5EF4-FFF2-40B4-BE49-F238E27FC236}">
+                <a16:creationId xmlns:a16="http://schemas.microsoft.com/office/drawing/2014/main" id="{5C2C929B-DD3A-D402-D3D0-47B59BB4F807}"/>
               </a:ext>
             </a:extLst>
           </p:cNvPr>
@@ -7067,7 +8499,7 @@
           <p:nvPr/>
         </p:nvPicPr>
         <p:blipFill>
-          <a:blip r:embed="rId3">
+          <a:blip r:embed="rId4">
             <a:extLst>
               <a:ext uri="{28A0092B-C50C-407E-A947-70E740481C1C}">
                 <a14:useLocalDpi xmlns:a14="http://schemas.microsoft.com/office/drawing/2010/main" val="0"/>
@@ -7081,7 +8513,7 @@
         </p:blipFill>
         <p:spPr bwMode="auto">
           <a:xfrm>
-            <a:off x="11453006" y="54884"/>
+            <a:off x="8753203" y="4252319"/>
             <a:ext cx="588793" cy="572693"/>
           </a:xfrm>
           <a:prstGeom prst="rect">
@@ -7099,130 +8531,35 @@
           </a:extLst>
         </p:spPr>
       </p:pic>
-      <p:sp>
-        <p:nvSpPr>
-          <p:cNvPr id="1028" name="Cylindre 1027">
-            <a:extLst>
-              <a:ext uri="{FF2B5EF4-FFF2-40B4-BE49-F238E27FC236}">
-                <a16:creationId xmlns:a16="http://schemas.microsoft.com/office/drawing/2014/main" id="{B2C2AFFD-8B14-9C7B-077E-D589D392B66C}"/>
-              </a:ext>
-            </a:extLst>
-          </p:cNvPr>
-          <p:cNvSpPr/>
-          <p:nvPr/>
-        </p:nvSpPr>
-        <p:spPr>
-          <a:xfrm>
-            <a:off x="8769523" y="386605"/>
-            <a:ext cx="2977880" cy="2552700"/>
-          </a:xfrm>
-          <a:prstGeom prst="can">
-            <a:avLst/>
-          </a:prstGeom>
-        </p:spPr>
-        <p:style>
-          <a:lnRef idx="0">
-            <a:schemeClr val="accent5"/>
-          </a:lnRef>
-          <a:fillRef idx="3">
-            <a:schemeClr val="accent5"/>
-          </a:fillRef>
-          <a:effectRef idx="3">
-            <a:schemeClr val="accent5"/>
-          </a:effectRef>
-          <a:fontRef idx="minor">
-            <a:schemeClr val="lt1"/>
-          </a:fontRef>
-        </p:style>
-        <p:txBody>
-          <a:bodyPr rtlCol="0" anchor="b"/>
-          <a:lstStyle/>
-          <a:p>
-            <a:pPr algn="ctr"/>
-            <a:r>
-              <a:rPr lang="fr-FR" sz="2000" dirty="0"/>
-              <a:t>SlimData</a:t>
-            </a:r>
-            <a:endParaRPr lang="fr-FR" sz="1400" dirty="0"/>
-          </a:p>
-        </p:txBody>
-      </p:sp>
-      <p:sp>
-        <p:nvSpPr>
-          <p:cNvPr id="22" name="Cylindre 21">
-            <a:extLst>
-              <a:ext uri="{FF2B5EF4-FFF2-40B4-BE49-F238E27FC236}">
-                <a16:creationId xmlns:a16="http://schemas.microsoft.com/office/drawing/2014/main" id="{DD2C0339-DDF8-EC26-D9E3-90D001F95C2A}"/>
-              </a:ext>
-            </a:extLst>
-          </p:cNvPr>
-          <p:cNvSpPr/>
-          <p:nvPr/>
-        </p:nvSpPr>
-        <p:spPr>
-          <a:xfrm rot="16200000">
-            <a:off x="9925747" y="434393"/>
-            <a:ext cx="751315" cy="2408164"/>
-          </a:xfrm>
-          <a:prstGeom prst="can">
-            <a:avLst/>
-          </a:prstGeom>
-        </p:spPr>
-        <p:style>
-          <a:lnRef idx="2">
-            <a:schemeClr val="accent1">
-              <a:shade val="50000"/>
-            </a:schemeClr>
-          </a:lnRef>
-          <a:fillRef idx="1">
-            <a:schemeClr val="accent1"/>
-          </a:fillRef>
-          <a:effectRef idx="0">
-            <a:schemeClr val="accent1"/>
-          </a:effectRef>
-          <a:fontRef idx="minor">
-            <a:schemeClr val="lt1"/>
-          </a:fontRef>
-        </p:style>
-        <p:txBody>
-          <a:bodyPr vert="vert" rtlCol="0" anchor="ctr"/>
-          <a:lstStyle/>
-          <a:p>
-            <a:pPr algn="ctr"/>
-            <a:r>
-              <a:rPr lang="fr-FR" sz="2400" dirty="0"/>
-              <a:t>Queue « fibonacci »</a:t>
-            </a:r>
-          </a:p>
-        </p:txBody>
-      </p:sp>
       <p:cxnSp>
         <p:nvCxnSpPr>
-          <p:cNvPr id="7" name="Connecteur droit avec flèche 6">
-            <a:extLst>
-              <a:ext uri="{FF2B5EF4-FFF2-40B4-BE49-F238E27FC236}">
-                <a16:creationId xmlns:a16="http://schemas.microsoft.com/office/drawing/2014/main" id="{C972C828-7F9D-394D-A68C-FE40C3507285}"/>
+          <p:cNvPr id="30" name="Connecteur droit avec flèche 29">
+            <a:extLst>
+              <a:ext uri="{FF2B5EF4-FFF2-40B4-BE49-F238E27FC236}">
+                <a16:creationId xmlns:a16="http://schemas.microsoft.com/office/drawing/2014/main" id="{3C17D7D9-AD0C-3CB9-E9C2-8FE52952EA0A}"/>
               </a:ext>
             </a:extLst>
           </p:cNvPr>
           <p:cNvCxnSpPr>
             <a:cxnSpLocks/>
-            <a:stCxn id="5" idx="3"/>
-            <a:endCxn id="1028" idx="2"/>
+            <a:stCxn id="6" idx="3"/>
+            <a:endCxn id="28" idx="1"/>
           </p:cNvCxnSpPr>
           <p:nvPr/>
         </p:nvCxnSpPr>
         <p:spPr>
           <a:xfrm>
-            <a:off x="8166230" y="1661287"/>
-            <a:ext cx="603293" cy="1668"/>
+            <a:off x="6520406" y="3347841"/>
+            <a:ext cx="2301806" cy="1915675"/>
           </a:xfrm>
           <a:prstGeom prst="straightConnector1">
             <a:avLst/>
           </a:prstGeom>
           <a:ln w="127000">
             <a:solidFill>
-              <a:srgbClr val="0070C0"/>
+              <a:schemeClr val="accent6">
+                <a:lumMod val="75000"/>
+              </a:schemeClr>
             </a:solidFill>
             <a:tailEnd type="triangle"/>
           </a:ln>
@@ -7244,158 +8581,131 @@
       </p:cxnSp>
       <p:sp>
         <p:nvSpPr>
-          <p:cNvPr id="1029" name="Cylindre 1028">
-            <a:extLst>
-              <a:ext uri="{FF2B5EF4-FFF2-40B4-BE49-F238E27FC236}">
-                <a16:creationId xmlns:a16="http://schemas.microsoft.com/office/drawing/2014/main" id="{6E9828DD-5050-2C93-4833-E135683F4973}"/>
-              </a:ext>
-            </a:extLst>
-          </p:cNvPr>
-          <p:cNvSpPr/>
+          <p:cNvPr id="38" name="ZoneTexte 37">
+            <a:extLst>
+              <a:ext uri="{FF2B5EF4-FFF2-40B4-BE49-F238E27FC236}">
+                <a16:creationId xmlns:a16="http://schemas.microsoft.com/office/drawing/2014/main" id="{3E51368A-C3EC-DCF9-2D42-54C522F99A21}"/>
+              </a:ext>
+            </a:extLst>
+          </p:cNvPr>
+          <p:cNvSpPr txBox="1"/>
           <p:nvPr/>
         </p:nvSpPr>
         <p:spPr>
           <a:xfrm>
-            <a:off x="490214" y="3953020"/>
-            <a:ext cx="2813045" cy="2549855"/>
-          </a:xfrm>
-          <a:prstGeom prst="can">
+            <a:off x="7218978" y="5412088"/>
+            <a:ext cx="1659171" cy="830997"/>
+          </a:xfrm>
+          <a:prstGeom prst="rect">
             <a:avLst/>
           </a:prstGeom>
-        </p:spPr>
-        <p:style>
-          <a:lnRef idx="0">
-            <a:schemeClr val="accent5"/>
-          </a:lnRef>
-          <a:fillRef idx="3">
-            <a:schemeClr val="accent5"/>
-          </a:fillRef>
-          <a:effectRef idx="3">
-            <a:schemeClr val="accent5"/>
-          </a:effectRef>
-          <a:fontRef idx="minor">
-            <a:schemeClr val="lt1"/>
-          </a:fontRef>
-        </p:style>
-        <p:txBody>
-          <a:bodyPr rtlCol="0" anchor="b"/>
+          <a:noFill/>
+        </p:spPr>
+        <p:txBody>
+          <a:bodyPr wrap="square" rtlCol="0">
+            <a:spAutoFit/>
+          </a:bodyPr>
           <a:lstStyle/>
           <a:p>
-            <a:pPr algn="ctr"/>
-            <a:r>
-              <a:rPr lang="fr-FR" sz="2000" dirty="0"/>
-              <a:t>SlimData</a:t>
-            </a:r>
-            <a:endParaRPr lang="fr-FR" sz="1400" dirty="0"/>
-          </a:p>
-        </p:txBody>
-      </p:sp>
-      <p:sp>
-        <p:nvSpPr>
-          <p:cNvPr id="27" name="Cylindre 26">
-            <a:extLst>
-              <a:ext uri="{FF2B5EF4-FFF2-40B4-BE49-F238E27FC236}">
-                <a16:creationId xmlns:a16="http://schemas.microsoft.com/office/drawing/2014/main" id="{146FCB4D-473D-B689-1A53-2B815AC45570}"/>
-              </a:ext>
-            </a:extLst>
-          </p:cNvPr>
-          <p:cNvSpPr/>
+            <a:r>
+              <a:rPr lang="fr-FR" sz="1600" dirty="0"/>
+              <a:t>HTTP POST</a:t>
+            </a:r>
+          </a:p>
+          <a:p>
+            <a:r>
+              <a:rPr lang="fr-FR" sz="1600" dirty="0">
+                <a:hlinkClick r:id="rId3"/>
+              </a:rPr>
+              <a:t>http://fibonacci</a:t>
+            </a:r>
+            <a:r>
+              <a:rPr lang="fr-FR" sz="1600" dirty="0"/>
+              <a:t> </a:t>
+            </a:r>
+            <a:br>
+              <a:rPr lang="fr-FR" sz="1600" dirty="0"/>
+            </a:br>
+            <a:r>
+              <a:rPr lang="fr-FR" sz="1600" dirty="0"/>
+              <a:t>{</a:t>
+            </a:r>
+            <a:r>
+              <a:rPr lang="fr-FR" sz="1600" b="0" i="0" dirty="0">
+                <a:effectLst/>
+                <a:latin typeface="-apple-system"/>
+              </a:rPr>
+              <a:t>"</a:t>
+            </a:r>
+            <a:r>
+              <a:rPr lang="fr-FR" sz="1600" dirty="0"/>
+              <a:t>input</a:t>
+            </a:r>
+            <a:r>
+              <a:rPr lang="fr-FR" sz="1600" b="0" i="0" dirty="0">
+                <a:effectLst/>
+                <a:latin typeface="-apple-system"/>
+              </a:rPr>
+              <a:t>"</a:t>
+            </a:r>
+            <a:r>
+              <a:rPr lang="fr-FR" sz="1600" dirty="0"/>
+              <a:t>:42}</a:t>
+            </a:r>
+          </a:p>
+        </p:txBody>
+      </p:sp>
+      <p:pic>
+        <p:nvPicPr>
+          <p:cNvPr id="5" name="Picture 2" descr="Afficher l’image source">
+            <a:extLst>
+              <a:ext uri="{FF2B5EF4-FFF2-40B4-BE49-F238E27FC236}">
+                <a16:creationId xmlns:a16="http://schemas.microsoft.com/office/drawing/2014/main" id="{9CF92849-9C7F-61C9-32C2-F99F37E01F43}"/>
+              </a:ext>
+            </a:extLst>
+          </p:cNvPr>
+          <p:cNvPicPr>
+            <a:picLocks noChangeAspect="1" noChangeArrowheads="1"/>
+          </p:cNvPicPr>
           <p:nvPr/>
-        </p:nvSpPr>
-        <p:spPr>
-          <a:xfrm rot="16200000">
-            <a:off x="1568764" y="3997138"/>
-            <a:ext cx="751315" cy="2408164"/>
-          </a:xfrm>
-          <a:prstGeom prst="can">
+        </p:nvPicPr>
+        <p:blipFill>
+          <a:blip r:embed="rId4">
+            <a:extLst>
+              <a:ext uri="{28A0092B-C50C-407E-A947-70E740481C1C}">
+                <a14:useLocalDpi xmlns:a14="http://schemas.microsoft.com/office/drawing/2010/main" val="0"/>
+              </a:ext>
+            </a:extLst>
+          </a:blip>
+          <a:srcRect/>
+          <a:stretch>
+            <a:fillRect/>
+          </a:stretch>
+        </p:blipFill>
+        <p:spPr bwMode="auto">
+          <a:xfrm>
+            <a:off x="4066798" y="2514707"/>
+            <a:ext cx="588793" cy="572693"/>
+          </a:xfrm>
+          <a:prstGeom prst="rect">
             <a:avLst/>
           </a:prstGeom>
-        </p:spPr>
-        <p:style>
-          <a:lnRef idx="2">
-            <a:schemeClr val="accent1">
-              <a:shade val="50000"/>
-            </a:schemeClr>
-          </a:lnRef>
-          <a:fillRef idx="1">
-            <a:schemeClr val="accent1"/>
-          </a:fillRef>
-          <a:effectRef idx="0">
-            <a:schemeClr val="accent1"/>
-          </a:effectRef>
-          <a:fontRef idx="minor">
-            <a:schemeClr val="lt1"/>
-          </a:fontRef>
-        </p:style>
-        <p:txBody>
-          <a:bodyPr vert="vert" rtlCol="0" anchor="ctr"/>
-          <a:lstStyle/>
-          <a:p>
-            <a:pPr algn="ctr"/>
-            <a:r>
-              <a:rPr lang="fr-FR" sz="2400" dirty="0"/>
-              <a:t>Queue </a:t>
-            </a:r>
-          </a:p>
-          <a:p>
-            <a:pPr algn="ctr"/>
-            <a:r>
-              <a:rPr lang="fr-FR" sz="2400" dirty="0"/>
-              <a:t>« fibonacci »</a:t>
-            </a:r>
-          </a:p>
-        </p:txBody>
-      </p:sp>
-      <p:cxnSp>
-        <p:nvCxnSpPr>
-          <p:cNvPr id="1049" name="Connecteur droit avec flèche 1048">
-            <a:extLst>
-              <a:ext uri="{FF2B5EF4-FFF2-40B4-BE49-F238E27FC236}">
-                <a16:creationId xmlns:a16="http://schemas.microsoft.com/office/drawing/2014/main" id="{AF84025A-C525-17D2-CABA-45F015AF903D}"/>
-              </a:ext>
-            </a:extLst>
-          </p:cNvPr>
-          <p:cNvCxnSpPr>
-            <a:cxnSpLocks/>
-            <a:stCxn id="2" idx="1"/>
-            <a:endCxn id="1029" idx="4"/>
-          </p:cNvCxnSpPr>
-          <p:nvPr/>
-        </p:nvCxnSpPr>
-        <p:spPr>
-          <a:xfrm flipH="1">
-            <a:off x="3303259" y="5227947"/>
-            <a:ext cx="717822" cy="1"/>
-          </a:xfrm>
-          <a:prstGeom prst="straightConnector1">
-            <a:avLst/>
-          </a:prstGeom>
-          <a:ln w="127000">
-            <a:solidFill>
-              <a:srgbClr val="0070C0"/>
-            </a:solidFill>
-            <a:tailEnd type="triangle"/>
-          </a:ln>
-        </p:spPr>
-        <p:style>
-          <a:lnRef idx="1">
-            <a:schemeClr val="accent1"/>
-          </a:lnRef>
-          <a:fillRef idx="0">
-            <a:schemeClr val="accent1"/>
-          </a:fillRef>
-          <a:effectRef idx="0">
-            <a:schemeClr val="accent1"/>
-          </a:effectRef>
-          <a:fontRef idx="minor">
-            <a:schemeClr val="tx1"/>
-          </a:fontRef>
-        </p:style>
-      </p:cxnSp>
+          <a:noFill/>
+          <a:extLst>
+            <a:ext uri="{909E8E84-426E-40DD-AFC4-6F175D3DCCD1}">
+              <a14:hiddenFill xmlns:a14="http://schemas.microsoft.com/office/drawing/2010/main">
+                <a:solidFill>
+                  <a:srgbClr val="FFFFFF"/>
+                </a:solidFill>
+              </a14:hiddenFill>
+            </a:ext>
+          </a:extLst>
+        </p:spPr>
+      </p:pic>
     </p:spTree>
     <p:extLst>
       <p:ext uri="{BB962C8B-B14F-4D97-AF65-F5344CB8AC3E}">
-        <p14:creationId xmlns:p14="http://schemas.microsoft.com/office/powerpoint/2010/main" val="2307360419"/>
+        <p14:creationId xmlns:p14="http://schemas.microsoft.com/office/powerpoint/2010/main" val="1816212992"/>
       </p:ext>
     </p:extLst>
   </p:cSld>
@@ -7427,7 +8737,7 @@
           <p:cNvPr id="3" name="Espace réservé du contenu 2">
             <a:extLst>
               <a:ext uri="{FF2B5EF4-FFF2-40B4-BE49-F238E27FC236}">
-                <a16:creationId xmlns:a16="http://schemas.microsoft.com/office/drawing/2014/main" id="{FC72177F-6E5E-241E-BA74-8D91DC6E05F3}"/>
+                <a16:creationId xmlns:a16="http://schemas.microsoft.com/office/drawing/2014/main" id="{F808C092-CC0D-57C7-0901-F8EB72559CF1}"/>
               </a:ext>
             </a:extLst>
           </p:cNvPr>
@@ -7440,26 +8750,24 @@
         </p:nvSpPr>
         <p:spPr>
           <a:xfrm>
-            <a:off x="-1695" y="6578508"/>
-            <a:ext cx="12192000" cy="279492"/>
-          </a:xfrm>
-        </p:spPr>
-        <p:txBody>
-          <a:bodyPr>
-            <a:normAutofit fontScale="55000" lnSpcReduction="20000"/>
-          </a:bodyPr>
+            <a:off x="0" y="6301962"/>
+            <a:ext cx="12192000" cy="556038"/>
+          </a:xfrm>
+        </p:spPr>
+        <p:txBody>
+          <a:bodyPr/>
           <a:lstStyle/>
           <a:p>
-            <a:endParaRPr lang="fr-FR" dirty="0"/>
-          </a:p>
-        </p:txBody>
-      </p:sp>
-      <p:sp>
-        <p:nvSpPr>
-          <p:cNvPr id="6" name="Rounded Rectangle 44">
-            <a:extLst>
-              <a:ext uri="{FF2B5EF4-FFF2-40B4-BE49-F238E27FC236}">
-                <a16:creationId xmlns:a16="http://schemas.microsoft.com/office/drawing/2014/main" id="{DDD08BA0-70BB-583F-312D-C1BE714A89E8}"/>
+            <a:endParaRPr lang="fr-FR"/>
+          </a:p>
+        </p:txBody>
+      </p:sp>
+      <p:sp>
+        <p:nvSpPr>
+          <p:cNvPr id="4" name="Rectangle : coins arrondis 3">
+            <a:extLst>
+              <a:ext uri="{FF2B5EF4-FFF2-40B4-BE49-F238E27FC236}">
+                <a16:creationId xmlns:a16="http://schemas.microsoft.com/office/drawing/2014/main" id="{F9FDB491-B3FC-051D-11E0-E5F1546F9A17}"/>
               </a:ext>
             </a:extLst>
           </p:cNvPr>
@@ -7468,8 +8776,8 @@
         </p:nvSpPr>
         <p:spPr>
           <a:xfrm>
-            <a:off x="4179398" y="4170279"/>
-            <a:ext cx="1659171" cy="543302"/>
+            <a:off x="6487884" y="4781006"/>
+            <a:ext cx="2621281" cy="1137502"/>
           </a:xfrm>
           <a:prstGeom prst="roundRect">
             <a:avLst/>
@@ -7504,259 +8812,20 @@
           <a:lstStyle/>
           <a:p>
             <a:pPr algn="ctr"/>
-            <a:r>
-              <a:rPr lang="en-US" sz="2400" dirty="0">
-                <a:solidFill>
-                  <a:schemeClr val="bg1"/>
-                </a:solidFill>
-              </a:rPr>
-              <a:t>SlimFaas</a:t>
-            </a:r>
-          </a:p>
-        </p:txBody>
-      </p:sp>
-      <p:cxnSp>
-        <p:nvCxnSpPr>
-          <p:cNvPr id="7" name="Connecteur droit avec flèche 6">
-            <a:extLst>
-              <a:ext uri="{FF2B5EF4-FFF2-40B4-BE49-F238E27FC236}">
-                <a16:creationId xmlns:a16="http://schemas.microsoft.com/office/drawing/2014/main" id="{2846A4F1-5F1E-1B4A-EAEC-F51C758D93A6}"/>
-              </a:ext>
-            </a:extLst>
-          </p:cNvPr>
-          <p:cNvCxnSpPr>
-            <a:cxnSpLocks/>
-            <a:stCxn id="8" idx="3"/>
-            <a:endCxn id="6" idx="1"/>
-          </p:cNvCxnSpPr>
-          <p:nvPr/>
-        </p:nvCxnSpPr>
-        <p:spPr>
-          <a:xfrm flipV="1">
-            <a:off x="3219449" y="4441930"/>
-            <a:ext cx="959949" cy="3902"/>
-          </a:xfrm>
-          <a:prstGeom prst="straightConnector1">
-            <a:avLst/>
-          </a:prstGeom>
-          <a:ln w="127000">
-            <a:solidFill>
-              <a:schemeClr val="accent6">
-                <a:lumMod val="75000"/>
-              </a:schemeClr>
-            </a:solidFill>
-            <a:tailEnd type="triangle"/>
-          </a:ln>
-        </p:spPr>
-        <p:style>
-          <a:lnRef idx="1">
-            <a:schemeClr val="accent1"/>
-          </a:lnRef>
-          <a:fillRef idx="0">
-            <a:schemeClr val="accent1"/>
-          </a:fillRef>
-          <a:effectRef idx="0">
-            <a:schemeClr val="accent1"/>
-          </a:effectRef>
-          <a:fontRef idx="minor">
-            <a:schemeClr val="tx1"/>
-          </a:fontRef>
-        </p:style>
-      </p:cxnSp>
-      <p:sp>
-        <p:nvSpPr>
-          <p:cNvPr id="8" name="ZoneTexte 7">
-            <a:extLst>
-              <a:ext uri="{FF2B5EF4-FFF2-40B4-BE49-F238E27FC236}">
-                <a16:creationId xmlns:a16="http://schemas.microsoft.com/office/drawing/2014/main" id="{AC32730B-6D07-37BE-5E05-17826CC33CC8}"/>
-              </a:ext>
-            </a:extLst>
-          </p:cNvPr>
-          <p:cNvSpPr txBox="1"/>
-          <p:nvPr/>
-        </p:nvSpPr>
-        <p:spPr>
-          <a:xfrm>
-            <a:off x="72470" y="4122666"/>
-            <a:ext cx="3146979" cy="646331"/>
-          </a:xfrm>
-          <a:prstGeom prst="rect">
-            <a:avLst/>
-          </a:prstGeom>
-          <a:noFill/>
-        </p:spPr>
-        <p:txBody>
-          <a:bodyPr wrap="square" rtlCol="0">
-            <a:spAutoFit/>
-          </a:bodyPr>
-          <a:lstStyle/>
-          <a:p>
-            <a:r>
-              <a:rPr lang="fr-FR" sz="1200" dirty="0"/>
-              <a:t>HTTP POST</a:t>
-            </a:r>
-          </a:p>
-          <a:p>
-            <a:r>
-              <a:rPr lang="fr-FR" sz="1200" dirty="0">
-                <a:hlinkClick r:id="rId2"/>
-              </a:rPr>
-              <a:t>http://slimfaas/</a:t>
-            </a:r>
-            <a:r>
-              <a:rPr lang="fr-FR" sz="1200" dirty="0">
-                <a:highlight>
-                  <a:srgbClr val="FFFF00"/>
-                </a:highlight>
-                <a:hlinkClick r:id="rId2"/>
-              </a:rPr>
-              <a:t>publish-event</a:t>
-            </a:r>
-            <a:r>
-              <a:rPr lang="fr-FR" sz="1200" dirty="0">
-                <a:hlinkClick r:id="rId2"/>
-              </a:rPr>
-              <a:t>/</a:t>
-            </a:r>
-            <a:r>
-              <a:rPr lang="fr-FR" sz="1200" dirty="0">
-                <a:highlight>
-                  <a:srgbClr val="00FF00"/>
-                </a:highlight>
-                <a:hlinkClick r:id="rId2"/>
-              </a:rPr>
-              <a:t>fib-event</a:t>
-            </a:r>
-            <a:r>
-              <a:rPr lang="fr-FR" sz="1200" dirty="0"/>
-              <a:t>/</a:t>
-            </a:r>
-            <a:r>
-              <a:rPr lang="fr-FR" sz="1200" dirty="0">
-                <a:highlight>
-                  <a:srgbClr val="FF6C45"/>
-                </a:highlight>
-              </a:rPr>
-              <a:t>path</a:t>
-            </a:r>
-          </a:p>
-          <a:p>
-            <a:r>
-              <a:rPr lang="fr-FR" sz="1200" dirty="0"/>
-              <a:t>{</a:t>
-            </a:r>
-            <a:r>
-              <a:rPr lang="fr-FR" sz="1200" b="0" i="0" dirty="0">
-                <a:effectLst/>
-                <a:latin typeface="-apple-system"/>
-              </a:rPr>
-              <a:t>"</a:t>
-            </a:r>
-            <a:r>
-              <a:rPr lang="fr-FR" sz="1200" dirty="0"/>
-              <a:t>input</a:t>
-            </a:r>
-            <a:r>
-              <a:rPr lang="fr-FR" sz="1200" b="0" i="0" dirty="0">
-                <a:effectLst/>
-                <a:latin typeface="-apple-system"/>
-              </a:rPr>
-              <a:t>"</a:t>
-            </a:r>
-            <a:r>
-              <a:rPr lang="fr-FR" sz="1200" dirty="0"/>
-              <a:t>:42}</a:t>
-            </a:r>
-          </a:p>
-        </p:txBody>
-      </p:sp>
-      <p:sp>
-        <p:nvSpPr>
-          <p:cNvPr id="9" name="ZoneTexte 8">
-            <a:extLst>
-              <a:ext uri="{FF2B5EF4-FFF2-40B4-BE49-F238E27FC236}">
-                <a16:creationId xmlns:a16="http://schemas.microsoft.com/office/drawing/2014/main" id="{6611272C-28EE-7524-CD4D-AAE3B72A1A73}"/>
-              </a:ext>
-            </a:extLst>
-          </p:cNvPr>
-          <p:cNvSpPr txBox="1"/>
-          <p:nvPr/>
-        </p:nvSpPr>
-        <p:spPr>
-          <a:xfrm>
-            <a:off x="8812332" y="2979399"/>
-            <a:ext cx="3144316" cy="830997"/>
-          </a:xfrm>
-          <a:prstGeom prst="rect">
-            <a:avLst/>
-          </a:prstGeom>
-          <a:noFill/>
-        </p:spPr>
-        <p:txBody>
-          <a:bodyPr wrap="square" rtlCol="0">
-            <a:spAutoFit/>
-          </a:bodyPr>
-          <a:lstStyle/>
-          <a:p>
-            <a:r>
-              <a:rPr lang="fr-FR" sz="1600" dirty="0"/>
-              <a:t>HTTP POST</a:t>
-            </a:r>
-          </a:p>
-          <a:p>
-            <a:r>
-              <a:rPr lang="fr-FR" sz="1600" dirty="0">
-                <a:hlinkClick r:id="rId3"/>
-              </a:rPr>
-              <a:t>http://fibonacci/</a:t>
-            </a:r>
-            <a:r>
-              <a:rPr lang="fr-FR" sz="1600" dirty="0">
-                <a:highlight>
-                  <a:srgbClr val="FF6C45"/>
-                </a:highlight>
-                <a:hlinkClick r:id="rId3"/>
-              </a:rPr>
-              <a:t>path</a:t>
-            </a:r>
-            <a:br>
-              <a:rPr lang="fr-FR" sz="1600" dirty="0"/>
-            </a:br>
-            <a:r>
-              <a:rPr lang="fr-FR" sz="1600" dirty="0"/>
-              <a:t>{</a:t>
-            </a:r>
-            <a:r>
-              <a:rPr lang="fr-FR" sz="1600" b="0" i="0" dirty="0">
-                <a:effectLst/>
-                <a:latin typeface="-apple-system"/>
-              </a:rPr>
-              <a:t>"</a:t>
-            </a:r>
-            <a:r>
-              <a:rPr lang="fr-FR" sz="1600" dirty="0"/>
-              <a:t>input</a:t>
-            </a:r>
-            <a:r>
-              <a:rPr lang="fr-FR" sz="1600" b="0" i="0" dirty="0">
-                <a:effectLst/>
-                <a:latin typeface="-apple-system"/>
-              </a:rPr>
-              <a:t>"</a:t>
-            </a:r>
-            <a:r>
-              <a:rPr lang="fr-FR" sz="1600" dirty="0"/>
-              <a:t>:42}</a:t>
-            </a:r>
-          </a:p>
-        </p:txBody>
-      </p:sp>
-      <p:sp>
-        <p:nvSpPr>
-          <p:cNvPr id="10" name="Rounded Rectangle 45">
-            <a:extLst>
-              <a:ext uri="{FF2B5EF4-FFF2-40B4-BE49-F238E27FC236}">
-                <a16:creationId xmlns:a16="http://schemas.microsoft.com/office/drawing/2014/main" id="{D79C9965-A2CD-C2C1-A01C-697EABB121C8}"/>
+            <a:endParaRPr lang="fr-FR" sz="4000">
+              <a:solidFill>
+                <a:schemeClr val="bg1"/>
+              </a:solidFill>
+            </a:endParaRPr>
+          </a:p>
+        </p:txBody>
+      </p:sp>
+      <p:sp>
+        <p:nvSpPr>
+          <p:cNvPr id="5" name="Rounded Rectangle 44">
+            <a:extLst>
+              <a:ext uri="{FF2B5EF4-FFF2-40B4-BE49-F238E27FC236}">
+                <a16:creationId xmlns:a16="http://schemas.microsoft.com/office/drawing/2014/main" id="{1CA3DB76-45FF-F2C4-05A6-2001F38BCAFA}"/>
               </a:ext>
             </a:extLst>
           </p:cNvPr>
@@ -7765,16 +8834,14 @@
         </p:nvSpPr>
         <p:spPr>
           <a:xfrm>
-            <a:off x="8812333" y="509183"/>
-            <a:ext cx="2484558" cy="856646"/>
+            <a:off x="6751655" y="5250742"/>
+            <a:ext cx="1103476" cy="344358"/>
           </a:xfrm>
           <a:prstGeom prst="roundRect">
             <a:avLst/>
           </a:prstGeom>
           <a:solidFill>
-            <a:schemeClr val="bg2">
-              <a:lumMod val="25000"/>
-            </a:schemeClr>
+            <a:srgbClr val="7030A0"/>
           </a:solidFill>
           <a:ln>
             <a:noFill/>
@@ -7802,27 +8869,22 @@
           <a:p>
             <a:pPr algn="ctr"/>
             <a:r>
-              <a:rPr lang="fr-FR" sz="2400" dirty="0">
+              <a:rPr lang="en-US" sz="1400" dirty="0">
                 <a:solidFill>
                   <a:schemeClr val="bg1"/>
                 </a:solidFill>
               </a:rPr>
-              <a:t> « fibonacci » replica 1</a:t>
-            </a:r>
-            <a:endParaRPr lang="en-FR" sz="2400" dirty="0">
-              <a:solidFill>
-                <a:schemeClr val="bg1"/>
-              </a:solidFill>
-            </a:endParaRPr>
+              <a:t>SlimFaas</a:t>
+            </a:r>
           </a:p>
         </p:txBody>
       </p:sp>
       <p:pic>
         <p:nvPicPr>
-          <p:cNvPr id="11" name="Picture 2" descr="Afficher l’image source">
-            <a:extLst>
-              <a:ext uri="{FF2B5EF4-FFF2-40B4-BE49-F238E27FC236}">
-                <a16:creationId xmlns:a16="http://schemas.microsoft.com/office/drawing/2014/main" id="{B80A9736-02F1-1190-8A3C-F71D0B8C1D08}"/>
+          <p:cNvPr id="6" name="Picture 2" descr="Afficher l’image source">
+            <a:extLst>
+              <a:ext uri="{FF2B5EF4-FFF2-40B4-BE49-F238E27FC236}">
+                <a16:creationId xmlns:a16="http://schemas.microsoft.com/office/drawing/2014/main" id="{86FC0B2B-0EA9-9828-9A73-E62E8C8C11FB}"/>
               </a:ext>
             </a:extLst>
           </p:cNvPr>
@@ -7832,7 +8894,7 @@
           <p:nvPr/>
         </p:nvPicPr>
         <p:blipFill>
-          <a:blip r:embed="rId4">
+          <a:blip r:embed="rId2">
             <a:extLst>
               <a:ext uri="{28A0092B-C50C-407E-A947-70E740481C1C}">
                 <a14:useLocalDpi xmlns:a14="http://schemas.microsoft.com/office/drawing/2010/main" val="0"/>
@@ -7846,8 +8908,8 @@
         </p:blipFill>
         <p:spPr bwMode="auto">
           <a:xfrm>
-            <a:off x="8618142" y="206059"/>
-            <a:ext cx="588793" cy="572693"/>
+            <a:off x="8837789" y="4620991"/>
+            <a:ext cx="421692" cy="410161"/>
           </a:xfrm>
           <a:prstGeom prst="rect">
             <a:avLst/>
@@ -7864,208 +8926,60 @@
           </a:extLst>
         </p:spPr>
       </p:pic>
-      <p:cxnSp>
-        <p:nvCxnSpPr>
-          <p:cNvPr id="25" name="Connecteur droit avec flèche 24">
-            <a:extLst>
-              <a:ext uri="{FF2B5EF4-FFF2-40B4-BE49-F238E27FC236}">
-                <a16:creationId xmlns:a16="http://schemas.microsoft.com/office/drawing/2014/main" id="{47CCB34C-BDE9-83E6-DBE9-369CE229F27F}"/>
-              </a:ext>
-            </a:extLst>
-          </p:cNvPr>
-          <p:cNvCxnSpPr>
-            <a:cxnSpLocks/>
-            <a:stCxn id="6" idx="3"/>
-            <a:endCxn id="10" idx="1"/>
-          </p:cNvCxnSpPr>
+      <p:sp>
+        <p:nvSpPr>
+          <p:cNvPr id="7" name="Cylindre 6">
+            <a:extLst>
+              <a:ext uri="{FF2B5EF4-FFF2-40B4-BE49-F238E27FC236}">
+                <a16:creationId xmlns:a16="http://schemas.microsoft.com/office/drawing/2014/main" id="{9734965A-C108-A6DD-1AA6-E711131D6227}"/>
+              </a:ext>
+            </a:extLst>
+          </p:cNvPr>
+          <p:cNvSpPr/>
           <p:nvPr/>
-        </p:nvCxnSpPr>
-        <p:spPr>
-          <a:xfrm flipV="1">
-            <a:off x="5838569" y="937506"/>
-            <a:ext cx="2973764" cy="3504424"/>
-          </a:xfrm>
-          <a:prstGeom prst="straightConnector1">
+        </p:nvSpPr>
+        <p:spPr>
+          <a:xfrm>
+            <a:off x="7953437" y="5111992"/>
+            <a:ext cx="884352" cy="621858"/>
+          </a:xfrm>
+          <a:prstGeom prst="can">
             <a:avLst/>
           </a:prstGeom>
-          <a:ln w="127000">
-            <a:solidFill>
-              <a:schemeClr val="accent6">
-                <a:lumMod val="75000"/>
-              </a:schemeClr>
-            </a:solidFill>
-            <a:tailEnd type="triangle"/>
-          </a:ln>
         </p:spPr>
         <p:style>
-          <a:lnRef idx="1">
-            <a:schemeClr val="accent1"/>
+          <a:lnRef idx="0">
+            <a:schemeClr val="accent5"/>
           </a:lnRef>
-          <a:fillRef idx="0">
-            <a:schemeClr val="accent1"/>
+          <a:fillRef idx="3">
+            <a:schemeClr val="accent5"/>
           </a:fillRef>
-          <a:effectRef idx="0">
-            <a:schemeClr val="accent1"/>
-          </a:effectRef>
-          <a:fontRef idx="minor">
-            <a:schemeClr val="tx1"/>
-          </a:fontRef>
-        </p:style>
-      </p:cxnSp>
-      <p:cxnSp>
-        <p:nvCxnSpPr>
-          <p:cNvPr id="30" name="Connecteur droit avec flèche 29">
-            <a:extLst>
-              <a:ext uri="{FF2B5EF4-FFF2-40B4-BE49-F238E27FC236}">
-                <a16:creationId xmlns:a16="http://schemas.microsoft.com/office/drawing/2014/main" id="{3C17D7D9-AD0C-3CB9-E9C2-8FE52952EA0A}"/>
-              </a:ext>
-            </a:extLst>
-          </p:cNvPr>
-          <p:cNvCxnSpPr>
-            <a:cxnSpLocks/>
-            <a:stCxn id="6" idx="3"/>
-            <a:endCxn id="58" idx="1"/>
-          </p:cNvCxnSpPr>
-          <p:nvPr/>
-        </p:nvCxnSpPr>
-        <p:spPr>
-          <a:xfrm flipV="1">
-            <a:off x="5838569" y="2360768"/>
-            <a:ext cx="2973764" cy="2081162"/>
-          </a:xfrm>
-          <a:prstGeom prst="straightConnector1">
-            <a:avLst/>
-          </a:prstGeom>
-          <a:ln w="127000">
-            <a:solidFill>
-              <a:schemeClr val="accent6">
-                <a:lumMod val="75000"/>
-              </a:schemeClr>
-            </a:solidFill>
-            <a:tailEnd type="triangle"/>
-          </a:ln>
-        </p:spPr>
-        <p:style>
-          <a:lnRef idx="1">
-            <a:schemeClr val="accent1"/>
-          </a:lnRef>
-          <a:fillRef idx="0">
-            <a:schemeClr val="accent1"/>
-          </a:fillRef>
-          <a:effectRef idx="0">
-            <a:schemeClr val="accent1"/>
-          </a:effectRef>
-          <a:fontRef idx="minor">
-            <a:schemeClr val="tx1"/>
-          </a:fontRef>
-        </p:style>
-      </p:cxnSp>
-      <p:sp>
-        <p:nvSpPr>
-          <p:cNvPr id="44" name="Rounded Rectangle 44">
-            <a:extLst>
-              <a:ext uri="{FF2B5EF4-FFF2-40B4-BE49-F238E27FC236}">
-                <a16:creationId xmlns:a16="http://schemas.microsoft.com/office/drawing/2014/main" id="{EC278673-044B-4B67-CC8B-460677466C2D}"/>
-              </a:ext>
-            </a:extLst>
-          </p:cNvPr>
-          <p:cNvSpPr/>
-          <p:nvPr/>
-        </p:nvSpPr>
-        <p:spPr>
-          <a:xfrm>
-            <a:off x="819054" y="522900"/>
-            <a:ext cx="4922420" cy="1227315"/>
-          </a:xfrm>
-          <a:prstGeom prst="roundRect">
-            <a:avLst/>
-          </a:prstGeom>
-          <a:solidFill>
-            <a:srgbClr val="7030A0"/>
-          </a:solidFill>
-          <a:ln>
-            <a:noFill/>
-          </a:ln>
-        </p:spPr>
-        <p:style>
-          <a:lnRef idx="2">
-            <a:schemeClr val="accent1">
-              <a:shade val="50000"/>
-            </a:schemeClr>
-          </a:lnRef>
-          <a:fillRef idx="1">
-            <a:schemeClr val="accent1"/>
-          </a:fillRef>
-          <a:effectRef idx="0">
-            <a:schemeClr val="accent1"/>
+          <a:effectRef idx="3">
+            <a:schemeClr val="accent5"/>
           </a:effectRef>
           <a:fontRef idx="minor">
             <a:schemeClr val="lt1"/>
           </a:fontRef>
         </p:style>
         <p:txBody>
-          <a:bodyPr rtlCol="0" anchor="ctr"/>
+          <a:bodyPr rtlCol="0" anchor="b"/>
           <a:lstStyle/>
           <a:p>
             <a:pPr algn="ctr"/>
             <a:r>
-              <a:rPr lang="en-US" sz="2400" dirty="0">
-                <a:solidFill>
-                  <a:schemeClr val="bg1"/>
-                </a:solidFill>
-              </a:rPr>
-              <a:t>Deployment</a:t>
-            </a:r>
-          </a:p>
-          <a:p>
-            <a:pPr algn="ctr"/>
-            <a:r>
-              <a:rPr lang="en-US" sz="2400" dirty="0">
-                <a:solidFill>
-                  <a:schemeClr val="bg1"/>
-                </a:solidFill>
-              </a:rPr>
-              <a:t>other</a:t>
-            </a:r>
-          </a:p>
-          <a:p>
-            <a:pPr algn="ctr"/>
-            <a:r>
-              <a:rPr lang="en-US" sz="1600" dirty="0">
-                <a:solidFill>
-                  <a:schemeClr val="bg1"/>
-                </a:solidFill>
-              </a:rPr>
-              <a:t>SlimFaas/SubscribeEvents:"</a:t>
-            </a:r>
-            <a:r>
-              <a:rPr lang="en-US" sz="1600" dirty="0">
-                <a:solidFill>
-                  <a:schemeClr val="bg1"/>
-                </a:solidFill>
-                <a:highlight>
-                  <a:srgbClr val="00FF00"/>
-                </a:highlight>
-              </a:rPr>
-              <a:t>fib-event</a:t>
-            </a:r>
-            <a:r>
-              <a:rPr lang="en-US" sz="1600" dirty="0">
-                <a:solidFill>
-                  <a:schemeClr val="bg1"/>
-                </a:solidFill>
-              </a:rPr>
-              <a:t>"</a:t>
-            </a:r>
-          </a:p>
-        </p:txBody>
-      </p:sp>
-      <p:sp>
-        <p:nvSpPr>
-          <p:cNvPr id="58" name="Rounded Rectangle 45">
-            <a:extLst>
-              <a:ext uri="{FF2B5EF4-FFF2-40B4-BE49-F238E27FC236}">
-                <a16:creationId xmlns:a16="http://schemas.microsoft.com/office/drawing/2014/main" id="{B3D6B054-351A-AB9F-D7F3-32674286B965}"/>
+              <a:rPr lang="fr-FR" sz="1400" dirty="0"/>
+              <a:t>SlimData</a:t>
+            </a:r>
+            <a:endParaRPr lang="fr-FR" sz="1050" dirty="0"/>
+          </a:p>
+        </p:txBody>
+      </p:sp>
+      <p:sp>
+        <p:nvSpPr>
+          <p:cNvPr id="13" name="Rectangle : coins arrondis 12">
+            <a:extLst>
+              <a:ext uri="{FF2B5EF4-FFF2-40B4-BE49-F238E27FC236}">
+                <a16:creationId xmlns:a16="http://schemas.microsoft.com/office/drawing/2014/main" id="{286E557E-9D2D-E39E-7BAA-470B8AA24E84}"/>
               </a:ext>
             </a:extLst>
           </p:cNvPr>
@@ -8074,8 +8988,8 @@
         </p:nvSpPr>
         <p:spPr>
           <a:xfrm>
-            <a:off x="8812333" y="1932445"/>
-            <a:ext cx="2484558" cy="856646"/>
+            <a:off x="9030787" y="2914738"/>
+            <a:ext cx="2621281" cy="1137502"/>
           </a:xfrm>
           <a:prstGeom prst="roundRect">
             <a:avLst/>
@@ -8110,28 +9024,79 @@
           <a:lstStyle/>
           <a:p>
             <a:pPr algn="ctr"/>
-            <a:r>
-              <a:rPr lang="fr-FR" sz="2400" dirty="0">
+            <a:endParaRPr lang="fr-FR" sz="4000">
+              <a:solidFill>
+                <a:schemeClr val="bg1"/>
+              </a:solidFill>
+            </a:endParaRPr>
+          </a:p>
+        </p:txBody>
+      </p:sp>
+      <p:sp>
+        <p:nvSpPr>
+          <p:cNvPr id="14" name="Rounded Rectangle 44">
+            <a:extLst>
+              <a:ext uri="{FF2B5EF4-FFF2-40B4-BE49-F238E27FC236}">
+                <a16:creationId xmlns:a16="http://schemas.microsoft.com/office/drawing/2014/main" id="{6E477DDA-1E6D-9A03-7191-54FABBE60642}"/>
+              </a:ext>
+            </a:extLst>
+          </p:cNvPr>
+          <p:cNvSpPr/>
+          <p:nvPr/>
+        </p:nvSpPr>
+        <p:spPr>
+          <a:xfrm>
+            <a:off x="9294558" y="3384474"/>
+            <a:ext cx="1103476" cy="344358"/>
+          </a:xfrm>
+          <a:prstGeom prst="roundRect">
+            <a:avLst/>
+          </a:prstGeom>
+          <a:solidFill>
+            <a:srgbClr val="7030A0"/>
+          </a:solidFill>
+          <a:ln>
+            <a:noFill/>
+          </a:ln>
+        </p:spPr>
+        <p:style>
+          <a:lnRef idx="2">
+            <a:schemeClr val="accent1">
+              <a:shade val="50000"/>
+            </a:schemeClr>
+          </a:lnRef>
+          <a:fillRef idx="1">
+            <a:schemeClr val="accent1"/>
+          </a:fillRef>
+          <a:effectRef idx="0">
+            <a:schemeClr val="accent1"/>
+          </a:effectRef>
+          <a:fontRef idx="minor">
+            <a:schemeClr val="lt1"/>
+          </a:fontRef>
+        </p:style>
+        <p:txBody>
+          <a:bodyPr rtlCol="0" anchor="ctr"/>
+          <a:lstStyle/>
+          <a:p>
+            <a:pPr algn="ctr"/>
+            <a:r>
+              <a:rPr lang="en-US" sz="1400" dirty="0">
                 <a:solidFill>
                   <a:schemeClr val="bg1"/>
                 </a:solidFill>
               </a:rPr>
-              <a:t> « fibonacci » replica 2</a:t>
-            </a:r>
-            <a:endParaRPr lang="en-FR" sz="2400" dirty="0">
-              <a:solidFill>
-                <a:schemeClr val="bg1"/>
-              </a:solidFill>
-            </a:endParaRPr>
+              <a:t>SlimFaas</a:t>
+            </a:r>
           </a:p>
         </p:txBody>
       </p:sp>
       <p:pic>
         <p:nvPicPr>
-          <p:cNvPr id="59" name="Picture 2" descr="Afficher l’image source">
-            <a:extLst>
-              <a:ext uri="{FF2B5EF4-FFF2-40B4-BE49-F238E27FC236}">
-                <a16:creationId xmlns:a16="http://schemas.microsoft.com/office/drawing/2014/main" id="{47F04D32-578D-6B6C-2A28-059763E81EF0}"/>
+          <p:cNvPr id="15" name="Picture 2" descr="Afficher l’image source">
+            <a:extLst>
+              <a:ext uri="{FF2B5EF4-FFF2-40B4-BE49-F238E27FC236}">
+                <a16:creationId xmlns:a16="http://schemas.microsoft.com/office/drawing/2014/main" id="{88ED471D-D11B-63C5-CD2D-4DECE1E35849}"/>
               </a:ext>
             </a:extLst>
           </p:cNvPr>
@@ -8141,7 +9106,7 @@
           <p:nvPr/>
         </p:nvPicPr>
         <p:blipFill>
-          <a:blip r:embed="rId4">
+          <a:blip r:embed="rId2">
             <a:extLst>
               <a:ext uri="{28A0092B-C50C-407E-A947-70E740481C1C}">
                 <a14:useLocalDpi xmlns:a14="http://schemas.microsoft.com/office/drawing/2010/main" val="0"/>
@@ -8155,8 +9120,8 @@
         </p:blipFill>
         <p:spPr bwMode="auto">
           <a:xfrm>
-            <a:off x="8618142" y="1629321"/>
-            <a:ext cx="588793" cy="572693"/>
+            <a:off x="11380692" y="2754723"/>
+            <a:ext cx="421692" cy="410161"/>
           </a:xfrm>
           <a:prstGeom prst="rect">
             <a:avLst/>
@@ -8175,10 +9140,10 @@
       </p:pic>
       <p:sp>
         <p:nvSpPr>
-          <p:cNvPr id="60" name="Rounded Rectangle 45">
-            <a:extLst>
-              <a:ext uri="{FF2B5EF4-FFF2-40B4-BE49-F238E27FC236}">
-                <a16:creationId xmlns:a16="http://schemas.microsoft.com/office/drawing/2014/main" id="{16DB633F-AB44-B4DC-3548-26B85071E24C}"/>
+          <p:cNvPr id="16" name="Cylindre 15">
+            <a:extLst>
+              <a:ext uri="{FF2B5EF4-FFF2-40B4-BE49-F238E27FC236}">
+                <a16:creationId xmlns:a16="http://schemas.microsoft.com/office/drawing/2014/main" id="{36C1722F-F481-386A-71BC-DA17893D6A1E}"/>
               </a:ext>
             </a:extLst>
           </p:cNvPr>
@@ -8187,8 +9152,56 @@
         </p:nvSpPr>
         <p:spPr>
           <a:xfrm>
-            <a:off x="8812333" y="4173601"/>
-            <a:ext cx="2484558" cy="856646"/>
+            <a:off x="10496340" y="3245724"/>
+            <a:ext cx="884352" cy="621858"/>
+          </a:xfrm>
+          <a:prstGeom prst="can">
+            <a:avLst/>
+          </a:prstGeom>
+        </p:spPr>
+        <p:style>
+          <a:lnRef idx="0">
+            <a:schemeClr val="accent5"/>
+          </a:lnRef>
+          <a:fillRef idx="3">
+            <a:schemeClr val="accent5"/>
+          </a:fillRef>
+          <a:effectRef idx="3">
+            <a:schemeClr val="accent5"/>
+          </a:effectRef>
+          <a:fontRef idx="minor">
+            <a:schemeClr val="lt1"/>
+          </a:fontRef>
+        </p:style>
+        <p:txBody>
+          <a:bodyPr rtlCol="0" anchor="b"/>
+          <a:lstStyle/>
+          <a:p>
+            <a:pPr algn="ctr"/>
+            <a:r>
+              <a:rPr lang="fr-FR" sz="1400" dirty="0"/>
+              <a:t>SlimData</a:t>
+            </a:r>
+            <a:endParaRPr lang="fr-FR" sz="1050" dirty="0"/>
+          </a:p>
+        </p:txBody>
+      </p:sp>
+      <p:sp>
+        <p:nvSpPr>
+          <p:cNvPr id="17" name="Rectangle : coins arrondis 16">
+            <a:extLst>
+              <a:ext uri="{FF2B5EF4-FFF2-40B4-BE49-F238E27FC236}">
+                <a16:creationId xmlns:a16="http://schemas.microsoft.com/office/drawing/2014/main" id="{FA892C96-9746-CAD2-5A8F-2877A3233167}"/>
+              </a:ext>
+            </a:extLst>
+          </p:cNvPr>
+          <p:cNvSpPr/>
+          <p:nvPr/>
+        </p:nvSpPr>
+        <p:spPr>
+          <a:xfrm>
+            <a:off x="6337568" y="1231306"/>
+            <a:ext cx="2621281" cy="1137502"/>
           </a:xfrm>
           <a:prstGeom prst="roundRect">
             <a:avLst/>
@@ -8223,43 +9236,79 @@
           <a:lstStyle/>
           <a:p>
             <a:pPr algn="ctr"/>
-            <a:r>
-              <a:rPr lang="fr-FR" sz="2400" dirty="0">
+            <a:endParaRPr lang="fr-FR" sz="4000">
+              <a:solidFill>
+                <a:schemeClr val="bg1"/>
+              </a:solidFill>
+            </a:endParaRPr>
+          </a:p>
+        </p:txBody>
+      </p:sp>
+      <p:sp>
+        <p:nvSpPr>
+          <p:cNvPr id="18" name="Rounded Rectangle 44">
+            <a:extLst>
+              <a:ext uri="{FF2B5EF4-FFF2-40B4-BE49-F238E27FC236}">
+                <a16:creationId xmlns:a16="http://schemas.microsoft.com/office/drawing/2014/main" id="{2AD36C36-BFA5-B972-A126-EDA1BAD396E0}"/>
+              </a:ext>
+            </a:extLst>
+          </p:cNvPr>
+          <p:cNvSpPr/>
+          <p:nvPr/>
+        </p:nvSpPr>
+        <p:spPr>
+          <a:xfrm>
+            <a:off x="6601339" y="1701042"/>
+            <a:ext cx="1103476" cy="344358"/>
+          </a:xfrm>
+          <a:prstGeom prst="roundRect">
+            <a:avLst/>
+          </a:prstGeom>
+          <a:solidFill>
+            <a:srgbClr val="7030A0"/>
+          </a:solidFill>
+          <a:ln>
+            <a:noFill/>
+          </a:ln>
+        </p:spPr>
+        <p:style>
+          <a:lnRef idx="2">
+            <a:schemeClr val="accent1">
+              <a:shade val="50000"/>
+            </a:schemeClr>
+          </a:lnRef>
+          <a:fillRef idx="1">
+            <a:schemeClr val="accent1"/>
+          </a:fillRef>
+          <a:effectRef idx="0">
+            <a:schemeClr val="accent1"/>
+          </a:effectRef>
+          <a:fontRef idx="minor">
+            <a:schemeClr val="lt1"/>
+          </a:fontRef>
+        </p:style>
+        <p:txBody>
+          <a:bodyPr rtlCol="0" anchor="ctr"/>
+          <a:lstStyle/>
+          <a:p>
+            <a:pPr algn="ctr"/>
+            <a:r>
+              <a:rPr lang="en-US" sz="1400" dirty="0">
                 <a:solidFill>
                   <a:schemeClr val="bg1"/>
                 </a:solidFill>
               </a:rPr>
-              <a:t> « other » </a:t>
-            </a:r>
-            <a:br>
-              <a:rPr lang="fr-FR" sz="2400" dirty="0">
-                <a:solidFill>
-                  <a:schemeClr val="bg1"/>
-                </a:solidFill>
-              </a:rPr>
-            </a:br>
-            <a:r>
-              <a:rPr lang="fr-FR" sz="2400" dirty="0">
-                <a:solidFill>
-                  <a:schemeClr val="bg1"/>
-                </a:solidFill>
-              </a:rPr>
-              <a:t>replica 1</a:t>
-            </a:r>
-            <a:endParaRPr lang="en-FR" sz="2400" dirty="0">
-              <a:solidFill>
-                <a:schemeClr val="bg1"/>
-              </a:solidFill>
-            </a:endParaRPr>
+              <a:t>SlimFaas</a:t>
+            </a:r>
           </a:p>
         </p:txBody>
       </p:sp>
       <p:pic>
         <p:nvPicPr>
-          <p:cNvPr id="61" name="Picture 2" descr="Afficher l’image source">
-            <a:extLst>
-              <a:ext uri="{FF2B5EF4-FFF2-40B4-BE49-F238E27FC236}">
-                <a16:creationId xmlns:a16="http://schemas.microsoft.com/office/drawing/2014/main" id="{B596EC77-9AE7-9E46-04A6-90E9C956D010}"/>
+          <p:cNvPr id="19" name="Picture 2" descr="Afficher l’image source">
+            <a:extLst>
+              <a:ext uri="{FF2B5EF4-FFF2-40B4-BE49-F238E27FC236}">
+                <a16:creationId xmlns:a16="http://schemas.microsoft.com/office/drawing/2014/main" id="{A69EEC02-815C-3D73-8D5E-E235B608C8FA}"/>
               </a:ext>
             </a:extLst>
           </p:cNvPr>
@@ -8269,7 +9318,7 @@
           <p:nvPr/>
         </p:nvPicPr>
         <p:blipFill>
-          <a:blip r:embed="rId4">
+          <a:blip r:embed="rId2">
             <a:extLst>
               <a:ext uri="{28A0092B-C50C-407E-A947-70E740481C1C}">
                 <a14:useLocalDpi xmlns:a14="http://schemas.microsoft.com/office/drawing/2010/main" val="0"/>
@@ -8283,8 +9332,8 @@
         </p:blipFill>
         <p:spPr bwMode="auto">
           <a:xfrm>
-            <a:off x="8618142" y="3870477"/>
-            <a:ext cx="588793" cy="572693"/>
+            <a:off x="8687473" y="1071291"/>
+            <a:ext cx="421692" cy="410161"/>
           </a:xfrm>
           <a:prstGeom prst="rect">
             <a:avLst/>
@@ -8303,10 +9352,10 @@
       </p:pic>
       <p:sp>
         <p:nvSpPr>
-          <p:cNvPr id="62" name="Rounded Rectangle 45">
-            <a:extLst>
-              <a:ext uri="{FF2B5EF4-FFF2-40B4-BE49-F238E27FC236}">
-                <a16:creationId xmlns:a16="http://schemas.microsoft.com/office/drawing/2014/main" id="{41E26270-5F17-40B5-E026-D7BB7ED7B4A6}"/>
+          <p:cNvPr id="20" name="Cylindre 19">
+            <a:extLst>
+              <a:ext uri="{FF2B5EF4-FFF2-40B4-BE49-F238E27FC236}">
+                <a16:creationId xmlns:a16="http://schemas.microsoft.com/office/drawing/2014/main" id="{9AA8AB1F-9667-FC25-A1EA-CE17557BDC77}"/>
               </a:ext>
             </a:extLst>
           </p:cNvPr>
@@ -8315,150 +9364,351 @@
         </p:nvSpPr>
         <p:spPr>
           <a:xfrm>
-            <a:off x="8812333" y="5601700"/>
-            <a:ext cx="2484558" cy="856646"/>
-          </a:xfrm>
-          <a:prstGeom prst="roundRect">
+            <a:off x="7803121" y="1562292"/>
+            <a:ext cx="884352" cy="621858"/>
+          </a:xfrm>
+          <a:prstGeom prst="can">
             <a:avLst/>
           </a:prstGeom>
-          <a:solidFill>
-            <a:schemeClr val="bg2">
-              <a:lumMod val="25000"/>
-            </a:schemeClr>
-          </a:solidFill>
-          <a:ln>
-            <a:noFill/>
-          </a:ln>
         </p:spPr>
         <p:style>
-          <a:lnRef idx="2">
-            <a:schemeClr val="accent1">
-              <a:shade val="50000"/>
-            </a:schemeClr>
+          <a:lnRef idx="0">
+            <a:schemeClr val="accent5"/>
           </a:lnRef>
-          <a:fillRef idx="1">
-            <a:schemeClr val="accent1"/>
+          <a:fillRef idx="3">
+            <a:schemeClr val="accent5"/>
           </a:fillRef>
-          <a:effectRef idx="0">
-            <a:schemeClr val="accent1"/>
+          <a:effectRef idx="3">
+            <a:schemeClr val="accent5"/>
           </a:effectRef>
           <a:fontRef idx="minor">
             <a:schemeClr val="lt1"/>
           </a:fontRef>
         </p:style>
         <p:txBody>
+          <a:bodyPr rtlCol="0" anchor="b"/>
+          <a:lstStyle/>
+          <a:p>
+            <a:pPr algn="ctr"/>
+            <a:r>
+              <a:rPr lang="fr-FR" sz="1400" dirty="0"/>
+              <a:t>SlimData</a:t>
+            </a:r>
+            <a:endParaRPr lang="fr-FR" sz="1050" dirty="0"/>
+          </a:p>
+        </p:txBody>
+      </p:sp>
+      <p:sp>
+        <p:nvSpPr>
+          <p:cNvPr id="21" name="Ellipse 20">
+            <a:extLst>
+              <a:ext uri="{FF2B5EF4-FFF2-40B4-BE49-F238E27FC236}">
+                <a16:creationId xmlns:a16="http://schemas.microsoft.com/office/drawing/2014/main" id="{6B8CA824-F2D6-C941-56C6-57EFEC5F0498}"/>
+              </a:ext>
+            </a:extLst>
+          </p:cNvPr>
+          <p:cNvSpPr/>
+          <p:nvPr/>
+        </p:nvSpPr>
+        <p:spPr>
+          <a:xfrm>
+            <a:off x="7497892" y="2277056"/>
+            <a:ext cx="150316" cy="162476"/>
+          </a:xfrm>
+          <a:prstGeom prst="ellipse">
+            <a:avLst/>
+          </a:prstGeom>
+          <a:ln>
+            <a:solidFill>
+              <a:schemeClr val="accent1"/>
+            </a:solidFill>
+          </a:ln>
+        </p:spPr>
+        <p:style>
+          <a:lnRef idx="2">
+            <a:schemeClr val="accent1">
+              <a:shade val="15000"/>
+            </a:schemeClr>
+          </a:lnRef>
+          <a:fillRef idx="1">
+            <a:schemeClr val="accent1"/>
+          </a:fillRef>
+          <a:effectRef idx="0">
+            <a:schemeClr val="accent1"/>
+          </a:effectRef>
+          <a:fontRef idx="minor">
+            <a:schemeClr val="lt1"/>
+          </a:fontRef>
+        </p:style>
+        <p:txBody>
           <a:bodyPr rtlCol="0" anchor="ctr"/>
           <a:lstStyle/>
           <a:p>
             <a:pPr algn="ctr"/>
-            <a:r>
-              <a:rPr lang="fr-FR" sz="2400" dirty="0">
-                <a:solidFill>
-                  <a:schemeClr val="bg1"/>
-                </a:solidFill>
-              </a:rPr>
-              <a:t> «  other » </a:t>
-            </a:r>
-            <a:br>
-              <a:rPr lang="fr-FR" sz="2400" dirty="0">
-                <a:solidFill>
-                  <a:schemeClr val="bg1"/>
-                </a:solidFill>
-              </a:rPr>
-            </a:br>
-            <a:r>
-              <a:rPr lang="fr-FR" sz="2400" dirty="0">
-                <a:solidFill>
-                  <a:schemeClr val="bg1"/>
-                </a:solidFill>
-              </a:rPr>
-              <a:t>replica 2</a:t>
-            </a:r>
-            <a:endParaRPr lang="en-FR" sz="2400" dirty="0">
-              <a:solidFill>
-                <a:schemeClr val="bg1"/>
-              </a:solidFill>
-            </a:endParaRPr>
-          </a:p>
-        </p:txBody>
-      </p:sp>
-      <p:pic>
-        <p:nvPicPr>
-          <p:cNvPr id="63" name="Picture 2" descr="Afficher l’image source">
-            <a:extLst>
-              <a:ext uri="{FF2B5EF4-FFF2-40B4-BE49-F238E27FC236}">
-                <a16:creationId xmlns:a16="http://schemas.microsoft.com/office/drawing/2014/main" id="{F2DEFC11-D557-79E0-2E61-06A08755FEED}"/>
-              </a:ext>
-            </a:extLst>
-          </p:cNvPr>
-          <p:cNvPicPr>
-            <a:picLocks noChangeAspect="1" noChangeArrowheads="1"/>
-          </p:cNvPicPr>
+            <a:endParaRPr lang="fr-FR"/>
+          </a:p>
+        </p:txBody>
+      </p:sp>
+      <p:sp>
+        <p:nvSpPr>
+          <p:cNvPr id="22" name="Ellipse 21">
+            <a:extLst>
+              <a:ext uri="{FF2B5EF4-FFF2-40B4-BE49-F238E27FC236}">
+                <a16:creationId xmlns:a16="http://schemas.microsoft.com/office/drawing/2014/main" id="{F0452D9E-ED2D-134D-ABD3-73C73C90D978}"/>
+              </a:ext>
+            </a:extLst>
+          </p:cNvPr>
+          <p:cNvSpPr/>
           <p:nvPr/>
-        </p:nvPicPr>
-        <p:blipFill>
-          <a:blip r:embed="rId4">
-            <a:extLst>
-              <a:ext uri="{28A0092B-C50C-407E-A947-70E740481C1C}">
-                <a14:useLocalDpi xmlns:a14="http://schemas.microsoft.com/office/drawing/2010/main" val="0"/>
-              </a:ext>
-            </a:extLst>
-          </a:blip>
-          <a:srcRect/>
-          <a:stretch>
-            <a:fillRect/>
-          </a:stretch>
-        </p:blipFill>
+        </p:nvSpPr>
+        <p:spPr>
+          <a:xfrm>
+            <a:off x="8937527" y="3673488"/>
+            <a:ext cx="150316" cy="162476"/>
+          </a:xfrm>
+          <a:prstGeom prst="ellipse">
+            <a:avLst/>
+          </a:prstGeom>
+          <a:ln>
+            <a:solidFill>
+              <a:schemeClr val="accent1"/>
+            </a:solidFill>
+          </a:ln>
+        </p:spPr>
+        <p:style>
+          <a:lnRef idx="2">
+            <a:schemeClr val="accent1">
+              <a:shade val="15000"/>
+            </a:schemeClr>
+          </a:lnRef>
+          <a:fillRef idx="1">
+            <a:schemeClr val="accent1"/>
+          </a:fillRef>
+          <a:effectRef idx="0">
+            <a:schemeClr val="accent1"/>
+          </a:effectRef>
+          <a:fontRef idx="minor">
+            <a:schemeClr val="lt1"/>
+          </a:fontRef>
+        </p:style>
+        <p:txBody>
+          <a:bodyPr rtlCol="0" anchor="ctr"/>
+          <a:lstStyle/>
+          <a:p>
+            <a:pPr algn="ctr"/>
+            <a:endParaRPr lang="fr-FR"/>
+          </a:p>
+        </p:txBody>
+      </p:sp>
+      <p:sp>
+        <p:nvSpPr>
+          <p:cNvPr id="23" name="Ellipse 22">
+            <a:extLst>
+              <a:ext uri="{FF2B5EF4-FFF2-40B4-BE49-F238E27FC236}">
+                <a16:creationId xmlns:a16="http://schemas.microsoft.com/office/drawing/2014/main" id="{0D957D03-E9F0-CC29-FF3E-98F0C04AC7E4}"/>
+              </a:ext>
+            </a:extLst>
+          </p:cNvPr>
+          <p:cNvSpPr/>
+          <p:nvPr/>
+        </p:nvSpPr>
+        <p:spPr>
+          <a:xfrm>
+            <a:off x="7554497" y="4689254"/>
+            <a:ext cx="150316" cy="162476"/>
+          </a:xfrm>
+          <a:prstGeom prst="ellipse">
+            <a:avLst/>
+          </a:prstGeom>
+          <a:ln>
+            <a:solidFill>
+              <a:schemeClr val="accent1"/>
+            </a:solidFill>
+          </a:ln>
+        </p:spPr>
+        <p:style>
+          <a:lnRef idx="2">
+            <a:schemeClr val="accent1">
+              <a:shade val="15000"/>
+            </a:schemeClr>
+          </a:lnRef>
+          <a:fillRef idx="1">
+            <a:schemeClr val="accent1"/>
+          </a:fillRef>
+          <a:effectRef idx="0">
+            <a:schemeClr val="accent1"/>
+          </a:effectRef>
+          <a:fontRef idx="minor">
+            <a:schemeClr val="lt1"/>
+          </a:fontRef>
+        </p:style>
+        <p:txBody>
+          <a:bodyPr rtlCol="0" anchor="ctr"/>
+          <a:lstStyle/>
+          <a:p>
+            <a:pPr algn="ctr"/>
+            <a:endParaRPr lang="fr-FR"/>
+          </a:p>
+        </p:txBody>
+      </p:sp>
+      <p:sp>
+        <p:nvSpPr>
+          <p:cNvPr id="24" name="Rectangle 1">
+            <a:extLst>
+              <a:ext uri="{FF2B5EF4-FFF2-40B4-BE49-F238E27FC236}">
+                <a16:creationId xmlns:a16="http://schemas.microsoft.com/office/drawing/2014/main" id="{B3FD976E-91E9-0851-5AA0-07B3FA0FA124}"/>
+              </a:ext>
+            </a:extLst>
+          </p:cNvPr>
+          <p:cNvSpPr>
+            <a:spLocks noChangeArrowheads="1"/>
+          </p:cNvSpPr>
+          <p:nvPr/>
+        </p:nvSpPr>
         <p:spPr bwMode="auto">
           <a:xfrm>
-            <a:off x="8618142" y="5298576"/>
-            <a:ext cx="588793" cy="572693"/>
+            <a:off x="8050138" y="2485340"/>
+            <a:ext cx="2488839" cy="246221"/>
           </a:xfrm>
           <a:prstGeom prst="rect">
             <a:avLst/>
           </a:prstGeom>
-          <a:noFill/>
-          <a:extLst>
-            <a:ext uri="{909E8E84-426E-40DD-AFC4-6F175D3DCCD1}">
-              <a14:hiddenFill xmlns:a14="http://schemas.microsoft.com/office/drawing/2010/main">
+          <a:solidFill>
+            <a:schemeClr val="bg1"/>
+          </a:solidFill>
+          <a:ln>
+            <a:noFill/>
+          </a:ln>
+          <a:effectLst/>
+        </p:spPr>
+        <p:txBody>
+          <a:bodyPr vert="horz" wrap="square" lIns="91440" tIns="0" rIns="91440" bIns="0" numCol="1" anchor="ctr" anchorCtr="0" compatLnSpc="1">
+            <a:prstTxWarp prst="textNoShape">
+              <a:avLst/>
+            </a:prstTxWarp>
+            <a:spAutoFit/>
+          </a:bodyPr>
+          <a:lstStyle/>
+          <a:p>
+            <a:pPr marL="0" marR="0" lvl="0" indent="0" algn="l" defTabSz="914400" rtl="0" eaLnBrk="0" fontAlgn="base" latinLnBrk="0" hangingPunct="0">
+              <a:lnSpc>
+                <a:spcPct val="100000"/>
+              </a:lnSpc>
+              <a:spcBef>
+                <a:spcPct val="0"/>
+              </a:spcBef>
+              <a:spcAft>
+                <a:spcPct val="0"/>
+              </a:spcAft>
+              <a:buClrTx/>
+              <a:buSzTx/>
+              <a:buFontTx/>
+              <a:buNone/>
+              <a:tabLst/>
+            </a:pPr>
+            <a:r>
+              <a:rPr kumimoji="0" lang="fr-FR" altLang="fr-FR" sz="1600" b="0" i="0" u="none" strike="noStrike" cap="none" normalizeH="0" baseline="0" dirty="0" err="1">
+                <a:ln>
+                  <a:noFill/>
+                </a:ln>
                 <a:solidFill>
-                  <a:srgbClr val="FFFFFF"/>
+                  <a:srgbClr val="FF6C45"/>
                 </a:solidFill>
-              </a14:hiddenFill>
-            </a:ext>
-          </a:extLst>
-        </p:spPr>
-      </p:pic>
+                <a:effectLst/>
+                <a:latin typeface="var(--fontStack-monospace, ui-monospace, SFMono-Regular, SF Mono, Menlo, Consolas, Liberation Mono, monospace)"/>
+              </a:rPr>
+              <a:t>Internal</a:t>
+            </a:r>
+            <a:r>
+              <a:rPr kumimoji="0" lang="fr-FR" altLang="fr-FR" sz="1600" b="0" i="0" u="none" strike="noStrike" cap="none" normalizeH="0" baseline="0" dirty="0">
+                <a:ln>
+                  <a:noFill/>
+                </a:ln>
+                <a:solidFill>
+                  <a:srgbClr val="FF6C45"/>
+                </a:solidFill>
+                <a:effectLst/>
+                <a:latin typeface="var(--fontStack-monospace, ui-monospace, SFMono-Regular, SF Mono, Menlo, Consolas, Liberation Mono, monospace)"/>
+              </a:rPr>
+              <a:t> </a:t>
+            </a:r>
+            <a:r>
+              <a:rPr kumimoji="0" lang="fr-FR" altLang="fr-FR" sz="1600" b="0" i="0" u="none" strike="noStrike" cap="none" normalizeH="0" baseline="0" dirty="0" err="1">
+                <a:ln>
+                  <a:noFill/>
+                </a:ln>
+                <a:solidFill>
+                  <a:srgbClr val="FF6C45"/>
+                </a:solidFill>
+                <a:effectLst/>
+                <a:latin typeface="var(--fontStack-monospace, ui-monospace, SFMono-Regular, SF Mono, Menlo, Consolas, Liberation Mono, monospace)"/>
+              </a:rPr>
+              <a:t>SimData</a:t>
+            </a:r>
+            <a:r>
+              <a:rPr kumimoji="0" lang="fr-FR" altLang="fr-FR" sz="1600" b="0" i="0" u="none" strike="noStrike" cap="none" normalizeH="0" baseline="0" dirty="0">
+                <a:ln>
+                  <a:noFill/>
+                </a:ln>
+                <a:solidFill>
+                  <a:srgbClr val="FF6C45"/>
+                </a:solidFill>
+                <a:effectLst/>
+                <a:latin typeface="var(--fontStack-monospace, ui-monospace, SFMono-Regular, SF Mono, Menlo, Consolas, Liberation Mono, monospace)"/>
+              </a:rPr>
+              <a:t> Port: 3262</a:t>
+            </a:r>
+            <a:r>
+              <a:rPr kumimoji="0" lang="fr-FR" altLang="fr-FR" sz="1400" b="0" i="0" u="none" strike="noStrike" cap="none" normalizeH="0" baseline="0" dirty="0">
+                <a:ln>
+                  <a:noFill/>
+                </a:ln>
+                <a:solidFill>
+                  <a:srgbClr val="FF6C45"/>
+                </a:solidFill>
+                <a:effectLst/>
+              </a:rPr>
+              <a:t> </a:t>
+            </a:r>
+            <a:endParaRPr kumimoji="0" lang="fr-FR" altLang="fr-FR" sz="4000" b="0" i="0" u="none" strike="noStrike" cap="none" normalizeH="0" baseline="0" dirty="0">
+              <a:ln>
+                <a:noFill/>
+              </a:ln>
+              <a:solidFill>
+                <a:srgbClr val="FF6C45"/>
+              </a:solidFill>
+              <a:effectLst/>
+              <a:latin typeface="Arial" panose="020B0604020202020204" pitchFamily="34" charset="0"/>
+            </a:endParaRPr>
+          </a:p>
+        </p:txBody>
+      </p:sp>
       <p:cxnSp>
         <p:nvCxnSpPr>
-          <p:cNvPr id="71" name="Connecteur droit avec flèche 70">
-            <a:extLst>
-              <a:ext uri="{FF2B5EF4-FFF2-40B4-BE49-F238E27FC236}">
-                <a16:creationId xmlns:a16="http://schemas.microsoft.com/office/drawing/2014/main" id="{221856EB-F24D-AE01-6253-E5B3BEF1DDDD}"/>
+          <p:cNvPr id="26" name="Connecteur droit avec flèche 25">
+            <a:extLst>
+              <a:ext uri="{FF2B5EF4-FFF2-40B4-BE49-F238E27FC236}">
+                <a16:creationId xmlns:a16="http://schemas.microsoft.com/office/drawing/2014/main" id="{D204E2D4-980D-D09E-2A14-1E01520550A3}"/>
               </a:ext>
             </a:extLst>
           </p:cNvPr>
           <p:cNvCxnSpPr>
             <a:cxnSpLocks/>
-            <a:stCxn id="6" idx="3"/>
-            <a:endCxn id="60" idx="1"/>
+            <a:stCxn id="21" idx="5"/>
+            <a:endCxn id="22" idx="1"/>
           </p:cNvCxnSpPr>
           <p:nvPr/>
         </p:nvCxnSpPr>
         <p:spPr>
           <a:xfrm>
-            <a:off x="5838569" y="4441930"/>
-            <a:ext cx="2973764" cy="159994"/>
+            <a:off x="7626195" y="2415738"/>
+            <a:ext cx="1333345" cy="1281544"/>
           </a:xfrm>
           <a:prstGeom prst="straightConnector1">
             <a:avLst/>
           </a:prstGeom>
-          <a:ln w="127000">
-            <a:solidFill>
-              <a:schemeClr val="accent6">
-                <a:lumMod val="75000"/>
-              </a:schemeClr>
-            </a:solidFill>
+          <a:ln w="41275">
+            <a:headEnd type="triangle"/>
             <a:tailEnd type="triangle"/>
           </a:ln>
         </p:spPr>
@@ -8479,29 +9729,189 @@
       </p:cxnSp>
       <p:cxnSp>
         <p:nvCxnSpPr>
-          <p:cNvPr id="74" name="Connecteur droit avec flèche 73">
-            <a:extLst>
-              <a:ext uri="{FF2B5EF4-FFF2-40B4-BE49-F238E27FC236}">
-                <a16:creationId xmlns:a16="http://schemas.microsoft.com/office/drawing/2014/main" id="{F5E291B3-5B31-6DB2-EF1C-980547F78F0B}"/>
+          <p:cNvPr id="31" name="Connecteur droit avec flèche 30">
+            <a:extLst>
+              <a:ext uri="{FF2B5EF4-FFF2-40B4-BE49-F238E27FC236}">
+                <a16:creationId xmlns:a16="http://schemas.microsoft.com/office/drawing/2014/main" id="{F34D6D17-6ED9-0C70-9D7E-AE21F121E093}"/>
               </a:ext>
             </a:extLst>
           </p:cNvPr>
           <p:cNvCxnSpPr>
             <a:cxnSpLocks/>
-            <a:stCxn id="6" idx="3"/>
-            <a:endCxn id="62" idx="1"/>
+            <a:stCxn id="23" idx="6"/>
+            <a:endCxn id="22" idx="3"/>
           </p:cNvCxnSpPr>
           <p:nvPr/>
         </p:nvCxnSpPr>
         <p:spPr>
-          <a:xfrm>
-            <a:off x="5838569" y="4441930"/>
-            <a:ext cx="2973764" cy="1588093"/>
+          <a:xfrm flipV="1">
+            <a:off x="7704813" y="3812170"/>
+            <a:ext cx="1254727" cy="958322"/>
           </a:xfrm>
           <a:prstGeom prst="straightConnector1">
             <a:avLst/>
           </a:prstGeom>
-          <a:ln w="127000">
+          <a:ln w="41275">
+            <a:headEnd type="triangle"/>
+            <a:tailEnd type="triangle"/>
+          </a:ln>
+        </p:spPr>
+        <p:style>
+          <a:lnRef idx="1">
+            <a:schemeClr val="accent1"/>
+          </a:lnRef>
+          <a:fillRef idx="0">
+            <a:schemeClr val="accent1"/>
+          </a:fillRef>
+          <a:effectRef idx="0">
+            <a:schemeClr val="accent1"/>
+          </a:effectRef>
+          <a:fontRef idx="minor">
+            <a:schemeClr val="tx1"/>
+          </a:fontRef>
+        </p:style>
+      </p:cxnSp>
+      <p:cxnSp>
+        <p:nvCxnSpPr>
+          <p:cNvPr id="34" name="Connecteur droit avec flèche 33">
+            <a:extLst>
+              <a:ext uri="{FF2B5EF4-FFF2-40B4-BE49-F238E27FC236}">
+                <a16:creationId xmlns:a16="http://schemas.microsoft.com/office/drawing/2014/main" id="{52449EB5-6793-E334-6CB9-CFB0DB03EC77}"/>
+              </a:ext>
+            </a:extLst>
+          </p:cNvPr>
+          <p:cNvCxnSpPr>
+            <a:cxnSpLocks/>
+            <a:stCxn id="23" idx="0"/>
+            <a:endCxn id="21" idx="4"/>
+          </p:cNvCxnSpPr>
+          <p:nvPr/>
+        </p:nvCxnSpPr>
+        <p:spPr>
+          <a:xfrm flipH="1" flipV="1">
+            <a:off x="7573050" y="2439532"/>
+            <a:ext cx="56605" cy="2249722"/>
+          </a:xfrm>
+          <a:prstGeom prst="straightConnector1">
+            <a:avLst/>
+          </a:prstGeom>
+          <a:ln w="41275">
+            <a:headEnd type="triangle"/>
+            <a:tailEnd type="triangle"/>
+          </a:ln>
+        </p:spPr>
+        <p:style>
+          <a:lnRef idx="1">
+            <a:schemeClr val="accent1"/>
+          </a:lnRef>
+          <a:fillRef idx="0">
+            <a:schemeClr val="accent1"/>
+          </a:fillRef>
+          <a:effectRef idx="0">
+            <a:schemeClr val="accent1"/>
+          </a:effectRef>
+          <a:fontRef idx="minor">
+            <a:schemeClr val="tx1"/>
+          </a:fontRef>
+        </p:style>
+      </p:cxnSp>
+      <p:sp>
+        <p:nvSpPr>
+          <p:cNvPr id="43" name="ZoneTexte 42">
+            <a:extLst>
+              <a:ext uri="{FF2B5EF4-FFF2-40B4-BE49-F238E27FC236}">
+                <a16:creationId xmlns:a16="http://schemas.microsoft.com/office/drawing/2014/main" id="{51123BC5-7864-73B9-596B-21DE65460DE3}"/>
+              </a:ext>
+            </a:extLst>
+          </p:cNvPr>
+          <p:cNvSpPr txBox="1"/>
+          <p:nvPr/>
+        </p:nvSpPr>
+        <p:spPr>
+          <a:xfrm>
+            <a:off x="165248" y="3204084"/>
+            <a:ext cx="4782639" cy="738664"/>
+          </a:xfrm>
+          <a:prstGeom prst="rect">
+            <a:avLst/>
+          </a:prstGeom>
+          <a:noFill/>
+        </p:spPr>
+        <p:txBody>
+          <a:bodyPr wrap="square" rtlCol="0">
+            <a:spAutoFit/>
+          </a:bodyPr>
+          <a:lstStyle/>
+          <a:p>
+            <a:r>
+              <a:rPr lang="fr-FR" sz="1400" dirty="0"/>
+              <a:t>HTTP POST</a:t>
+            </a:r>
+          </a:p>
+          <a:p>
+            <a:r>
+              <a:rPr lang="fr-FR" sz="1400" dirty="0">
+                <a:hlinkClick r:id="rId3"/>
+              </a:rPr>
+              <a:t>http://slimfaas/async-function/fibonacci/hello/guillaume</a:t>
+            </a:r>
+            <a:endParaRPr lang="fr-FR" sz="1400" dirty="0"/>
+          </a:p>
+          <a:p>
+            <a:r>
+              <a:rPr lang="fr-FR" sz="1400" dirty="0"/>
+              <a:t>{</a:t>
+            </a:r>
+            <a:r>
+              <a:rPr lang="fr-FR" sz="1400" b="0" i="0" dirty="0">
+                <a:effectLst/>
+                <a:latin typeface="-apple-system"/>
+              </a:rPr>
+              <a:t>"</a:t>
+            </a:r>
+            <a:r>
+              <a:rPr lang="fr-FR" sz="1400" dirty="0"/>
+              <a:t>input</a:t>
+            </a:r>
+            <a:r>
+              <a:rPr lang="fr-FR" sz="1400" b="0" i="0" dirty="0">
+                <a:effectLst/>
+                <a:latin typeface="-apple-system"/>
+              </a:rPr>
+              <a:t>"</a:t>
+            </a:r>
+            <a:r>
+              <a:rPr lang="fr-FR" sz="1400" dirty="0"/>
+              <a:t>:42}</a:t>
+            </a:r>
+          </a:p>
+        </p:txBody>
+      </p:sp>
+      <p:cxnSp>
+        <p:nvCxnSpPr>
+          <p:cNvPr id="44" name="Connecteur droit avec flèche 43">
+            <a:extLst>
+              <a:ext uri="{FF2B5EF4-FFF2-40B4-BE49-F238E27FC236}">
+                <a16:creationId xmlns:a16="http://schemas.microsoft.com/office/drawing/2014/main" id="{9FE5D1DE-F1C1-2170-ADB1-5E2ECFF39882}"/>
+              </a:ext>
+            </a:extLst>
+          </p:cNvPr>
+          <p:cNvCxnSpPr>
+            <a:cxnSpLocks/>
+            <a:stCxn id="43" idx="3"/>
+            <a:endCxn id="50" idx="2"/>
+          </p:cNvCxnSpPr>
+          <p:nvPr/>
+        </p:nvCxnSpPr>
+        <p:spPr>
+          <a:xfrm>
+            <a:off x="4947887" y="3573416"/>
+            <a:ext cx="1784118" cy="1171417"/>
+          </a:xfrm>
+          <a:prstGeom prst="straightConnector1">
+            <a:avLst/>
+          </a:prstGeom>
+          <a:ln w="41275">
             <a:solidFill>
               <a:schemeClr val="accent6">
                 <a:lumMod val="75000"/>
@@ -8527,10 +9937,10 @@
       </p:cxnSp>
       <p:sp>
         <p:nvSpPr>
-          <p:cNvPr id="109" name="Rounded Rectangle 44">
-            <a:extLst>
-              <a:ext uri="{FF2B5EF4-FFF2-40B4-BE49-F238E27FC236}">
-                <a16:creationId xmlns:a16="http://schemas.microsoft.com/office/drawing/2014/main" id="{EE55AAF1-171C-F780-90D3-7A2304D74CF3}"/>
+          <p:cNvPr id="50" name="Ellipse 49">
+            <a:extLst>
+              <a:ext uri="{FF2B5EF4-FFF2-40B4-BE49-F238E27FC236}">
+                <a16:creationId xmlns:a16="http://schemas.microsoft.com/office/drawing/2014/main" id="{AB7340EF-BFC8-1492-ACB3-2B0D636ACBE5}"/>
               </a:ext>
             </a:extLst>
           </p:cNvPr>
@@ -8539,23 +9949,29 @@
         </p:nvSpPr>
         <p:spPr>
           <a:xfrm>
-            <a:off x="819054" y="1999049"/>
-            <a:ext cx="4922420" cy="1227314"/>
-          </a:xfrm>
-          <a:prstGeom prst="roundRect">
+            <a:off x="6732005" y="4663595"/>
+            <a:ext cx="150316" cy="162476"/>
+          </a:xfrm>
+          <a:prstGeom prst="ellipse">
             <a:avLst/>
           </a:prstGeom>
           <a:solidFill>
-            <a:srgbClr val="7030A0"/>
+            <a:schemeClr val="accent6">
+              <a:lumMod val="75000"/>
+            </a:schemeClr>
           </a:solidFill>
           <a:ln>
-            <a:noFill/>
+            <a:solidFill>
+              <a:schemeClr val="accent6">
+                <a:lumMod val="75000"/>
+              </a:schemeClr>
+            </a:solidFill>
           </a:ln>
         </p:spPr>
         <p:style>
           <a:lnRef idx="2">
             <a:schemeClr val="accent1">
-              <a:shade val="50000"/>
+              <a:shade val="15000"/>
             </a:schemeClr>
           </a:lnRef>
           <a:fillRef idx="1">
@@ -8573,126 +9989,16 @@
           <a:lstStyle/>
           <a:p>
             <a:pPr algn="ctr"/>
-            <a:r>
-              <a:rPr lang="en-US" sz="2400" dirty="0">
-                <a:solidFill>
-                  <a:schemeClr val="bg1"/>
-                </a:solidFill>
-              </a:rPr>
-              <a:t>Deployment</a:t>
-            </a:r>
-          </a:p>
-          <a:p>
-            <a:pPr algn="ctr"/>
-            <a:r>
-              <a:rPr lang="en-US" sz="2400" dirty="0">
-                <a:solidFill>
-                  <a:schemeClr val="bg1"/>
-                </a:solidFill>
-              </a:rPr>
-              <a:t>other</a:t>
-            </a:r>
-          </a:p>
-          <a:p>
-            <a:pPr algn="ctr"/>
-            <a:r>
-              <a:rPr lang="en-US" sz="1600" dirty="0">
-                <a:solidFill>
-                  <a:schemeClr val="bg1"/>
-                </a:solidFill>
-              </a:rPr>
-              <a:t>SlimFaas/SubscribeEvents:"</a:t>
-            </a:r>
-            <a:r>
-              <a:rPr lang="en-US" sz="1600" dirty="0">
-                <a:solidFill>
-                  <a:schemeClr val="bg1"/>
-                </a:solidFill>
-                <a:highlight>
-                  <a:srgbClr val="00FF00"/>
-                </a:highlight>
-              </a:rPr>
-              <a:t>fib-event</a:t>
-            </a:r>
-            <a:r>
-              <a:rPr lang="en-US" sz="1600" dirty="0">
-                <a:solidFill>
-                  <a:schemeClr val="bg1"/>
-                </a:solidFill>
-              </a:rPr>
-              <a:t>"</a:t>
-            </a:r>
-          </a:p>
-        </p:txBody>
-      </p:sp>
-    </p:spTree>
-    <p:extLst>
-      <p:ext uri="{BB962C8B-B14F-4D97-AF65-F5344CB8AC3E}">
-        <p14:creationId xmlns:p14="http://schemas.microsoft.com/office/powerpoint/2010/main" val="2176232589"/>
-      </p:ext>
-    </p:extLst>
-  </p:cSld>
-  <p:clrMapOvr>
-    <a:masterClrMapping/>
-  </p:clrMapOvr>
-</p:sld>
-</file>
-
-<file path=ppt/slides/slide6.xml><?xml version="1.0" encoding="utf-8"?>
-<p:sld xmlns:a="http://schemas.openxmlformats.org/drawingml/2006/main" xmlns:r="http://schemas.openxmlformats.org/officeDocument/2006/relationships" xmlns:p="http://schemas.openxmlformats.org/presentationml/2006/main">
-  <p:cSld>
-    <p:spTree>
-      <p:nvGrpSpPr>
-        <p:cNvPr id="1" name=""/>
-        <p:cNvGrpSpPr/>
-        <p:nvPr/>
-      </p:nvGrpSpPr>
-      <p:grpSpPr>
-        <a:xfrm>
-          <a:off x="0" y="0"/>
-          <a:ext cx="0" cy="0"/>
-          <a:chOff x="0" y="0"/>
-          <a:chExt cx="0" cy="0"/>
-        </a:xfrm>
-      </p:grpSpPr>
-      <p:sp>
-        <p:nvSpPr>
-          <p:cNvPr id="3" name="Espace réservé du contenu 2">
-            <a:extLst>
-              <a:ext uri="{FF2B5EF4-FFF2-40B4-BE49-F238E27FC236}">
-                <a16:creationId xmlns:a16="http://schemas.microsoft.com/office/drawing/2014/main" id="{FC72177F-6E5E-241E-BA74-8D91DC6E05F3}"/>
-              </a:ext>
-            </a:extLst>
-          </p:cNvPr>
-          <p:cNvSpPr>
-            <a:spLocks noGrp="1"/>
-          </p:cNvSpPr>
-          <p:nvPr>
-            <p:ph idx="1"/>
-          </p:nvPr>
-        </p:nvSpPr>
-        <p:spPr>
-          <a:xfrm>
-            <a:off x="0" y="6391656"/>
-            <a:ext cx="12192000" cy="466343"/>
-          </a:xfrm>
-        </p:spPr>
-        <p:txBody>
-          <a:bodyPr>
-            <a:normAutofit lnSpcReduction="10000"/>
-          </a:bodyPr>
-          <a:lstStyle/>
-          <a:p>
-            <a:endParaRPr lang="fr-FR" dirty="0"/>
-          </a:p>
-        </p:txBody>
-      </p:sp>
-      <p:sp>
-        <p:nvSpPr>
-          <p:cNvPr id="6" name="Rounded Rectangle 44">
-            <a:extLst>
-              <a:ext uri="{FF2B5EF4-FFF2-40B4-BE49-F238E27FC236}">
-                <a16:creationId xmlns:a16="http://schemas.microsoft.com/office/drawing/2014/main" id="{DDD08BA0-70BB-583F-312D-C1BE714A89E8}"/>
+            <a:endParaRPr lang="fr-FR"/>
+          </a:p>
+        </p:txBody>
+      </p:sp>
+      <p:sp>
+        <p:nvSpPr>
+          <p:cNvPr id="52" name="Ellipse 51">
+            <a:extLst>
+              <a:ext uri="{FF2B5EF4-FFF2-40B4-BE49-F238E27FC236}">
+                <a16:creationId xmlns:a16="http://schemas.microsoft.com/office/drawing/2014/main" id="{3F6D3BC2-8D90-0C98-D000-85E9E1C9A537}"/>
               </a:ext>
             </a:extLst>
           </p:cNvPr>
@@ -8701,25 +10007,29 @@
         </p:nvSpPr>
         <p:spPr>
           <a:xfrm>
-            <a:off x="4275182" y="2785207"/>
-            <a:ext cx="2245224" cy="1125268"/>
-          </a:xfrm>
-          <a:prstGeom prst="roundRect">
+            <a:off x="6673963" y="2307595"/>
+            <a:ext cx="150316" cy="162476"/>
+          </a:xfrm>
+          <a:prstGeom prst="ellipse">
             <a:avLst/>
           </a:prstGeom>
           <a:solidFill>
-            <a:schemeClr val="bg2">
-              <a:lumMod val="25000"/>
+            <a:schemeClr val="accent6">
+              <a:lumMod val="75000"/>
             </a:schemeClr>
           </a:solidFill>
           <a:ln>
-            <a:noFill/>
+            <a:solidFill>
+              <a:schemeClr val="accent6">
+                <a:lumMod val="75000"/>
+              </a:schemeClr>
+            </a:solidFill>
           </a:ln>
         </p:spPr>
         <p:style>
           <a:lnRef idx="2">
             <a:schemeClr val="accent1">
-              <a:shade val="50000"/>
+              <a:shade val="15000"/>
             </a:schemeClr>
           </a:lnRef>
           <a:fillRef idx="1">
@@ -8737,261 +10047,47 @@
           <a:lstStyle/>
           <a:p>
             <a:pPr algn="ctr"/>
-            <a:r>
-              <a:rPr lang="en-US" sz="2400" dirty="0">
-                <a:solidFill>
-                  <a:schemeClr val="bg1"/>
-                </a:solidFill>
-              </a:rPr>
-              <a:t>SlimFaas</a:t>
-            </a:r>
-          </a:p>
-        </p:txBody>
-      </p:sp>
-      <p:cxnSp>
-        <p:nvCxnSpPr>
-          <p:cNvPr id="7" name="Connecteur droit avec flèche 6">
-            <a:extLst>
-              <a:ext uri="{FF2B5EF4-FFF2-40B4-BE49-F238E27FC236}">
-                <a16:creationId xmlns:a16="http://schemas.microsoft.com/office/drawing/2014/main" id="{2846A4F1-5F1E-1B4A-EAEC-F51C758D93A6}"/>
-              </a:ext>
-            </a:extLst>
-          </p:cNvPr>
-          <p:cNvCxnSpPr>
-            <a:cxnSpLocks/>
-            <a:stCxn id="8" idx="3"/>
-            <a:endCxn id="6" idx="1"/>
-          </p:cNvCxnSpPr>
+            <a:endParaRPr lang="fr-FR"/>
+          </a:p>
+        </p:txBody>
+      </p:sp>
+      <p:sp>
+        <p:nvSpPr>
+          <p:cNvPr id="53" name="Ellipse 52">
+            <a:extLst>
+              <a:ext uri="{FF2B5EF4-FFF2-40B4-BE49-F238E27FC236}">
+                <a16:creationId xmlns:a16="http://schemas.microsoft.com/office/drawing/2014/main" id="{A5592046-EFC4-3631-5FF1-CDA00F19082F}"/>
+              </a:ext>
+            </a:extLst>
+          </p:cNvPr>
+          <p:cNvSpPr/>
           <p:nvPr/>
-        </p:nvCxnSpPr>
-        <p:spPr>
-          <a:xfrm flipV="1">
-            <a:off x="3699119" y="3347841"/>
-            <a:ext cx="576063" cy="4215"/>
-          </a:xfrm>
-          <a:prstGeom prst="straightConnector1">
+        </p:nvSpPr>
+        <p:spPr>
+          <a:xfrm>
+            <a:off x="8937527" y="3338623"/>
+            <a:ext cx="150316" cy="162476"/>
+          </a:xfrm>
+          <a:prstGeom prst="ellipse">
             <a:avLst/>
           </a:prstGeom>
-          <a:ln w="127000">
+          <a:solidFill>
+            <a:schemeClr val="accent6">
+              <a:lumMod val="75000"/>
+            </a:schemeClr>
+          </a:solidFill>
+          <a:ln>
             <a:solidFill>
               <a:schemeClr val="accent6">
                 <a:lumMod val="75000"/>
               </a:schemeClr>
             </a:solidFill>
-            <a:tailEnd type="triangle"/>
-          </a:ln>
-        </p:spPr>
-        <p:style>
-          <a:lnRef idx="1">
-            <a:schemeClr val="accent1"/>
-          </a:lnRef>
-          <a:fillRef idx="0">
-            <a:schemeClr val="accent1"/>
-          </a:fillRef>
-          <a:effectRef idx="0">
-            <a:schemeClr val="accent1"/>
-          </a:effectRef>
-          <a:fontRef idx="minor">
-            <a:schemeClr val="tx1"/>
-          </a:fontRef>
-        </p:style>
-      </p:cxnSp>
-      <p:sp>
-        <p:nvSpPr>
-          <p:cNvPr id="8" name="ZoneTexte 7">
-            <a:extLst>
-              <a:ext uri="{FF2B5EF4-FFF2-40B4-BE49-F238E27FC236}">
-                <a16:creationId xmlns:a16="http://schemas.microsoft.com/office/drawing/2014/main" id="{AC32730B-6D07-37BE-5E05-17826CC33CC8}"/>
-              </a:ext>
-            </a:extLst>
-          </p:cNvPr>
-          <p:cNvSpPr txBox="1"/>
-          <p:nvPr/>
-        </p:nvSpPr>
-        <p:spPr>
-          <a:xfrm>
-            <a:off x="61124" y="2936557"/>
-            <a:ext cx="3637995" cy="830997"/>
-          </a:xfrm>
-          <a:prstGeom prst="rect">
-            <a:avLst/>
-          </a:prstGeom>
-          <a:noFill/>
-        </p:spPr>
-        <p:txBody>
-          <a:bodyPr wrap="square" rtlCol="0">
-            <a:spAutoFit/>
-          </a:bodyPr>
-          <a:lstStyle/>
-          <a:p>
-            <a:r>
-              <a:rPr lang="fr-FR" sz="1600" dirty="0"/>
-              <a:t>HTTP POST</a:t>
-            </a:r>
-          </a:p>
-          <a:p>
-            <a:r>
-              <a:rPr lang="fr-FR" sz="1600" dirty="0">
-                <a:hlinkClick r:id="rId2"/>
-              </a:rPr>
-              <a:t>http://slimfaas/</a:t>
-            </a:r>
-            <a:r>
-              <a:rPr lang="fr-FR" sz="1600" dirty="0">
-                <a:highlight>
-                  <a:srgbClr val="FFFF00"/>
-                </a:highlight>
-                <a:hlinkClick r:id="rId2"/>
-              </a:rPr>
-              <a:t>async-publish</a:t>
-            </a:r>
-            <a:r>
-              <a:rPr lang="fr-FR" sz="1600" dirty="0">
-                <a:hlinkClick r:id="rId2"/>
-              </a:rPr>
-              <a:t>/fibonacci</a:t>
-            </a:r>
-            <a:endParaRPr lang="fr-FR" sz="1600" dirty="0"/>
-          </a:p>
-          <a:p>
-            <a:r>
-              <a:rPr lang="fr-FR" sz="1600" dirty="0"/>
-              <a:t>{</a:t>
-            </a:r>
-            <a:r>
-              <a:rPr lang="fr-FR" sz="1600" b="0" i="0" dirty="0">
-                <a:effectLst/>
-                <a:latin typeface="-apple-system"/>
-              </a:rPr>
-              <a:t>"</a:t>
-            </a:r>
-            <a:r>
-              <a:rPr lang="fr-FR" sz="1600" dirty="0"/>
-              <a:t>input</a:t>
-            </a:r>
-            <a:r>
-              <a:rPr lang="fr-FR" sz="1600" b="0" i="0" dirty="0">
-                <a:effectLst/>
-                <a:latin typeface="-apple-system"/>
-              </a:rPr>
-              <a:t>"</a:t>
-            </a:r>
-            <a:r>
-              <a:rPr lang="fr-FR" sz="1600" dirty="0"/>
-              <a:t>:42}</a:t>
-            </a:r>
-          </a:p>
-        </p:txBody>
-      </p:sp>
-      <p:sp>
-        <p:nvSpPr>
-          <p:cNvPr id="9" name="ZoneTexte 8">
-            <a:extLst>
-              <a:ext uri="{FF2B5EF4-FFF2-40B4-BE49-F238E27FC236}">
-                <a16:creationId xmlns:a16="http://schemas.microsoft.com/office/drawing/2014/main" id="{6611272C-28EE-7524-CD4D-AAE3B72A1A73}"/>
-              </a:ext>
-            </a:extLst>
-          </p:cNvPr>
-          <p:cNvSpPr txBox="1"/>
-          <p:nvPr/>
-        </p:nvSpPr>
-        <p:spPr>
-          <a:xfrm>
-            <a:off x="6542729" y="997387"/>
-            <a:ext cx="1659171" cy="830997"/>
-          </a:xfrm>
-          <a:prstGeom prst="rect">
-            <a:avLst/>
-          </a:prstGeom>
-          <a:noFill/>
-        </p:spPr>
-        <p:txBody>
-          <a:bodyPr wrap="square" rtlCol="0">
-            <a:spAutoFit/>
-          </a:bodyPr>
-          <a:lstStyle/>
-          <a:p>
-            <a:r>
-              <a:rPr lang="fr-FR" sz="1600" dirty="0"/>
-              <a:t>HTTP POST</a:t>
-            </a:r>
-          </a:p>
-          <a:p>
-            <a:r>
-              <a:rPr lang="fr-FR" sz="1600" dirty="0">
-                <a:hlinkClick r:id="rId3"/>
-              </a:rPr>
-              <a:t>http://fibonacci</a:t>
-            </a:r>
-            <a:r>
-              <a:rPr lang="fr-FR" sz="1600" dirty="0"/>
-              <a:t> </a:t>
-            </a:r>
-            <a:br>
-              <a:rPr lang="fr-FR" sz="1600" dirty="0"/>
-            </a:br>
-            <a:r>
-              <a:rPr lang="fr-FR" sz="1600" dirty="0"/>
-              <a:t>{</a:t>
-            </a:r>
-            <a:r>
-              <a:rPr lang="fr-FR" sz="1600" b="0" i="0" dirty="0">
-                <a:effectLst/>
-                <a:latin typeface="-apple-system"/>
-              </a:rPr>
-              <a:t>"</a:t>
-            </a:r>
-            <a:r>
-              <a:rPr lang="fr-FR" sz="1600" dirty="0"/>
-              <a:t>input</a:t>
-            </a:r>
-            <a:r>
-              <a:rPr lang="fr-FR" sz="1600" b="0" i="0" dirty="0">
-                <a:effectLst/>
-                <a:latin typeface="-apple-system"/>
-              </a:rPr>
-              <a:t>"</a:t>
-            </a:r>
-            <a:r>
-              <a:rPr lang="fr-FR" sz="1600" dirty="0"/>
-              <a:t>:42}</a:t>
-            </a:r>
-          </a:p>
-        </p:txBody>
-      </p:sp>
-      <p:sp>
-        <p:nvSpPr>
-          <p:cNvPr id="10" name="Rounded Rectangle 45">
-            <a:extLst>
-              <a:ext uri="{FF2B5EF4-FFF2-40B4-BE49-F238E27FC236}">
-                <a16:creationId xmlns:a16="http://schemas.microsoft.com/office/drawing/2014/main" id="{D79C9965-A2CD-C2C1-A01C-697EABB121C8}"/>
-              </a:ext>
-            </a:extLst>
-          </p:cNvPr>
-          <p:cNvSpPr/>
-          <p:nvPr/>
-        </p:nvSpPr>
-        <p:spPr>
-          <a:xfrm>
-            <a:off x="8812333" y="509182"/>
-            <a:ext cx="3040144" cy="1540322"/>
-          </a:xfrm>
-          <a:prstGeom prst="roundRect">
-            <a:avLst/>
-          </a:prstGeom>
-          <a:solidFill>
-            <a:schemeClr val="bg2">
-              <a:lumMod val="25000"/>
-            </a:schemeClr>
-          </a:solidFill>
-          <a:ln>
-            <a:noFill/>
           </a:ln>
         </p:spPr>
         <p:style>
           <a:lnRef idx="2">
             <a:schemeClr val="accent1">
-              <a:shade val="50000"/>
+              <a:shade val="15000"/>
             </a:schemeClr>
           </a:lnRef>
           <a:fillRef idx="1">
@@ -9009,632 +10105,105 @@
           <a:lstStyle/>
           <a:p>
             <a:pPr algn="ctr"/>
-            <a:r>
-              <a:rPr lang="fr-FR" sz="2400" dirty="0">
-                <a:solidFill>
-                  <a:schemeClr val="bg1"/>
-                </a:solidFill>
-              </a:rPr>
-              <a:t>function « fibonacci » instance 1</a:t>
-            </a:r>
-            <a:endParaRPr lang="en-FR" sz="2400" dirty="0">
-              <a:solidFill>
-                <a:schemeClr val="bg1"/>
-              </a:solidFill>
-            </a:endParaRPr>
-          </a:p>
-        </p:txBody>
-      </p:sp>
-      <p:pic>
-        <p:nvPicPr>
-          <p:cNvPr id="11" name="Picture 2" descr="Afficher l’image source">
-            <a:extLst>
-              <a:ext uri="{FF2B5EF4-FFF2-40B4-BE49-F238E27FC236}">
-                <a16:creationId xmlns:a16="http://schemas.microsoft.com/office/drawing/2014/main" id="{B80A9736-02F1-1190-8A3C-F71D0B8C1D08}"/>
-              </a:ext>
-            </a:extLst>
-          </p:cNvPr>
-          <p:cNvPicPr>
-            <a:picLocks noChangeAspect="1" noChangeArrowheads="1"/>
-          </p:cNvPicPr>
+            <a:endParaRPr lang="fr-FR"/>
+          </a:p>
+        </p:txBody>
+      </p:sp>
+      <p:sp>
+        <p:nvSpPr>
+          <p:cNvPr id="54" name="Rectangle 1">
+            <a:extLst>
+              <a:ext uri="{FF2B5EF4-FFF2-40B4-BE49-F238E27FC236}">
+                <a16:creationId xmlns:a16="http://schemas.microsoft.com/office/drawing/2014/main" id="{2EBBAE0F-2B30-2674-1904-BEDE427482DA}"/>
+              </a:ext>
+            </a:extLst>
+          </p:cNvPr>
+          <p:cNvSpPr>
+            <a:spLocks noChangeArrowheads="1"/>
+          </p:cNvSpPr>
           <p:nvPr/>
-        </p:nvPicPr>
-        <p:blipFill>
-          <a:blip r:embed="rId4">
-            <a:extLst>
-              <a:ext uri="{28A0092B-C50C-407E-A947-70E740481C1C}">
-                <a14:useLocalDpi xmlns:a14="http://schemas.microsoft.com/office/drawing/2010/main" val="0"/>
-              </a:ext>
-            </a:extLst>
-          </a:blip>
-          <a:srcRect/>
-          <a:stretch>
-            <a:fillRect/>
-          </a:stretch>
-        </p:blipFill>
+        </p:nvSpPr>
         <p:spPr bwMode="auto">
           <a:xfrm>
-            <a:off x="8618142" y="206059"/>
-            <a:ext cx="588793" cy="572693"/>
+            <a:off x="6208595" y="4045110"/>
+            <a:ext cx="1260230" cy="246221"/>
           </a:xfrm>
           <a:prstGeom prst="rect">
             <a:avLst/>
           </a:prstGeom>
           <a:noFill/>
-          <a:extLst>
-            <a:ext uri="{909E8E84-426E-40DD-AFC4-6F175D3DCCD1}">
-              <a14:hiddenFill xmlns:a14="http://schemas.microsoft.com/office/drawing/2010/main">
-                <a:solidFill>
-                  <a:srgbClr val="FFFFFF"/>
-                </a:solidFill>
-              </a14:hiddenFill>
-            </a:ext>
-          </a:extLst>
-        </p:spPr>
-      </p:pic>
-      <p:cxnSp>
-        <p:nvCxnSpPr>
-          <p:cNvPr id="12" name="Connecteur droit avec flèche 11">
-            <a:extLst>
-              <a:ext uri="{FF2B5EF4-FFF2-40B4-BE49-F238E27FC236}">
-                <a16:creationId xmlns:a16="http://schemas.microsoft.com/office/drawing/2014/main" id="{3AFE1186-6876-1E2D-BB90-BFA726C0ACA3}"/>
-              </a:ext>
-            </a:extLst>
-          </p:cNvPr>
-          <p:cNvCxnSpPr>
-            <a:cxnSpLocks/>
-            <a:stCxn id="6" idx="3"/>
-            <a:endCxn id="10" idx="1"/>
-          </p:cNvCxnSpPr>
-          <p:nvPr/>
-        </p:nvCxnSpPr>
-        <p:spPr>
-          <a:xfrm flipV="1">
-            <a:off x="6520406" y="1279343"/>
-            <a:ext cx="2291927" cy="2068498"/>
-          </a:xfrm>
-          <a:prstGeom prst="straightConnector1">
-            <a:avLst/>
-          </a:prstGeom>
-          <a:ln w="127000">
-            <a:solidFill>
-              <a:schemeClr val="accent6">
-                <a:lumMod val="75000"/>
-              </a:schemeClr>
-            </a:solidFill>
-            <a:tailEnd type="triangle"/>
+          <a:ln>
+            <a:noFill/>
           </a:ln>
-        </p:spPr>
-        <p:style>
-          <a:lnRef idx="1">
-            <a:schemeClr val="accent1"/>
-          </a:lnRef>
-          <a:fillRef idx="0">
-            <a:schemeClr val="accent1"/>
-          </a:fillRef>
-          <a:effectRef idx="0">
-            <a:schemeClr val="accent1"/>
-          </a:effectRef>
-          <a:fontRef idx="minor">
-            <a:schemeClr val="tx1"/>
-          </a:fontRef>
-        </p:style>
-      </p:cxnSp>
-      <p:sp>
-        <p:nvSpPr>
-          <p:cNvPr id="22" name="ZoneTexte 21">
-            <a:extLst>
-              <a:ext uri="{FF2B5EF4-FFF2-40B4-BE49-F238E27FC236}">
-                <a16:creationId xmlns:a16="http://schemas.microsoft.com/office/drawing/2014/main" id="{B20F6461-EFC4-60A1-6479-F83792C4E189}"/>
-              </a:ext>
-            </a:extLst>
-          </p:cNvPr>
-          <p:cNvSpPr txBox="1"/>
-          <p:nvPr/>
-        </p:nvSpPr>
-        <p:spPr>
-          <a:xfrm>
-            <a:off x="7304194" y="3284661"/>
-            <a:ext cx="1659171" cy="830997"/>
-          </a:xfrm>
-          <a:prstGeom prst="rect">
-            <a:avLst/>
-          </a:prstGeom>
-          <a:noFill/>
-        </p:spPr>
-        <p:txBody>
-          <a:bodyPr wrap="square" rtlCol="0">
+          <a:effectLst/>
+        </p:spPr>
+        <p:txBody>
+          <a:bodyPr vert="horz" wrap="square" lIns="91440" tIns="0" rIns="91440" bIns="0" numCol="1" anchor="ctr" anchorCtr="0" compatLnSpc="1">
+            <a:prstTxWarp prst="textNoShape">
+              <a:avLst/>
+            </a:prstTxWarp>
             <a:spAutoFit/>
           </a:bodyPr>
           <a:lstStyle/>
           <a:p>
-            <a:r>
-              <a:rPr lang="fr-FR" sz="1600" dirty="0"/>
-              <a:t>HTTP POST</a:t>
-            </a:r>
-          </a:p>
-          <a:p>
-            <a:r>
-              <a:rPr lang="fr-FR" sz="1600" dirty="0">
-                <a:hlinkClick r:id="rId3"/>
+            <a:pPr marL="0" marR="0" lvl="0" indent="0" algn="l" defTabSz="914400" rtl="0" eaLnBrk="0" fontAlgn="base" latinLnBrk="0" hangingPunct="0">
+              <a:lnSpc>
+                <a:spcPct val="100000"/>
+              </a:lnSpc>
+              <a:spcBef>
+                <a:spcPct val="0"/>
+              </a:spcBef>
+              <a:spcAft>
+                <a:spcPct val="0"/>
+              </a:spcAft>
+              <a:buClrTx/>
+              <a:buSzTx/>
+              <a:buFontTx/>
+              <a:buNone/>
+              <a:tabLst/>
+            </a:pPr>
+            <a:r>
+              <a:rPr kumimoji="0" lang="fr-FR" altLang="fr-FR" sz="1600" b="0" i="0" u="none" strike="noStrike" cap="none" normalizeH="0" baseline="0" dirty="0">
+                <a:ln>
+                  <a:noFill/>
+                </a:ln>
+                <a:solidFill>
+                  <a:srgbClr val="548235"/>
+                </a:solidFill>
+                <a:effectLst/>
+                <a:latin typeface="var(--fontStack-monospace, ui-monospace, SFMono-Regular, SF Mono, Menlo, Consolas, Liberation Mono, monospace)"/>
               </a:rPr>
-              <a:t>http://fibonacci</a:t>
-            </a:r>
-            <a:r>
-              <a:rPr lang="fr-FR" sz="1600" dirty="0"/>
+              <a:t>Port: 5000</a:t>
+            </a:r>
+            <a:r>
+              <a:rPr kumimoji="0" lang="fr-FR" altLang="fr-FR" sz="1400" b="0" i="0" u="none" strike="noStrike" cap="none" normalizeH="0" baseline="0" dirty="0">
+                <a:ln>
+                  <a:noFill/>
+                </a:ln>
+                <a:solidFill>
+                  <a:srgbClr val="548235"/>
+                </a:solidFill>
+                <a:effectLst/>
+              </a:rPr>
               <a:t> </a:t>
             </a:r>
-            <a:br>
-              <a:rPr lang="fr-FR" sz="1600" dirty="0"/>
-            </a:br>
-            <a:r>
-              <a:rPr lang="fr-FR" sz="1600" dirty="0"/>
-              <a:t>{</a:t>
-            </a:r>
-            <a:r>
-              <a:rPr lang="fr-FR" sz="1600" b="0" i="0" dirty="0">
-                <a:effectLst/>
-                <a:latin typeface="-apple-system"/>
-              </a:rPr>
-              <a:t>"</a:t>
-            </a:r>
-            <a:r>
-              <a:rPr lang="fr-FR" sz="1600" dirty="0"/>
-              <a:t>input</a:t>
-            </a:r>
-            <a:r>
-              <a:rPr lang="fr-FR" sz="1600" b="0" i="0" dirty="0">
-                <a:effectLst/>
-                <a:latin typeface="-apple-system"/>
-              </a:rPr>
-              <a:t>"</a:t>
-            </a:r>
-            <a:r>
-              <a:rPr lang="fr-FR" sz="1600" dirty="0"/>
-              <a:t>:42}</a:t>
-            </a:r>
-          </a:p>
-        </p:txBody>
-      </p:sp>
-      <p:sp>
-        <p:nvSpPr>
-          <p:cNvPr id="23" name="Rounded Rectangle 45">
-            <a:extLst>
-              <a:ext uri="{FF2B5EF4-FFF2-40B4-BE49-F238E27FC236}">
-                <a16:creationId xmlns:a16="http://schemas.microsoft.com/office/drawing/2014/main" id="{02CDF874-6617-192D-7FBF-DFCDF050DE8B}"/>
-              </a:ext>
-            </a:extLst>
-          </p:cNvPr>
-          <p:cNvSpPr/>
-          <p:nvPr/>
-        </p:nvSpPr>
-        <p:spPr>
-          <a:xfrm>
-            <a:off x="8858733" y="2401822"/>
-            <a:ext cx="3040144" cy="1540322"/>
-          </a:xfrm>
-          <a:prstGeom prst="roundRect">
-            <a:avLst/>
-          </a:prstGeom>
-          <a:solidFill>
-            <a:schemeClr val="bg2">
-              <a:lumMod val="25000"/>
-            </a:schemeClr>
-          </a:solidFill>
-          <a:ln>
-            <a:noFill/>
-          </a:ln>
-        </p:spPr>
-        <p:style>
-          <a:lnRef idx="2">
-            <a:schemeClr val="accent1">
-              <a:shade val="50000"/>
-            </a:schemeClr>
-          </a:lnRef>
-          <a:fillRef idx="1">
-            <a:schemeClr val="accent1"/>
-          </a:fillRef>
-          <a:effectRef idx="0">
-            <a:schemeClr val="accent1"/>
-          </a:effectRef>
-          <a:fontRef idx="minor">
-            <a:schemeClr val="lt1"/>
-          </a:fontRef>
-        </p:style>
-        <p:txBody>
-          <a:bodyPr rtlCol="0" anchor="ctr"/>
-          <a:lstStyle/>
-          <a:p>
-            <a:pPr algn="ctr"/>
-            <a:r>
-              <a:rPr lang="fr-FR" sz="2400" dirty="0">
-                <a:solidFill>
-                  <a:schemeClr val="bg1"/>
-                </a:solidFill>
-              </a:rPr>
-              <a:t>function « fibonacci » instance 2</a:t>
-            </a:r>
-          </a:p>
-        </p:txBody>
-      </p:sp>
-      <p:pic>
-        <p:nvPicPr>
-          <p:cNvPr id="24" name="Picture 2" descr="Afficher l’image source">
-            <a:extLst>
-              <a:ext uri="{FF2B5EF4-FFF2-40B4-BE49-F238E27FC236}">
-                <a16:creationId xmlns:a16="http://schemas.microsoft.com/office/drawing/2014/main" id="{6367FF6E-BE42-9237-982C-7249BC298201}"/>
-              </a:ext>
-            </a:extLst>
-          </p:cNvPr>
-          <p:cNvPicPr>
-            <a:picLocks noChangeAspect="1" noChangeArrowheads="1"/>
-          </p:cNvPicPr>
-          <p:nvPr/>
-        </p:nvPicPr>
-        <p:blipFill>
-          <a:blip r:embed="rId4">
-            <a:extLst>
-              <a:ext uri="{28A0092B-C50C-407E-A947-70E740481C1C}">
-                <a14:useLocalDpi xmlns:a14="http://schemas.microsoft.com/office/drawing/2010/main" val="0"/>
-              </a:ext>
-            </a:extLst>
-          </a:blip>
-          <a:srcRect/>
-          <a:stretch>
-            <a:fillRect/>
-          </a:stretch>
-        </p:blipFill>
-        <p:spPr bwMode="auto">
-          <a:xfrm>
-            <a:off x="8799603" y="2111546"/>
-            <a:ext cx="588793" cy="572693"/>
-          </a:xfrm>
-          <a:prstGeom prst="rect">
-            <a:avLst/>
-          </a:prstGeom>
-          <a:noFill/>
-          <a:extLst>
-            <a:ext uri="{909E8E84-426E-40DD-AFC4-6F175D3DCCD1}">
-              <a14:hiddenFill xmlns:a14="http://schemas.microsoft.com/office/drawing/2010/main">
-                <a:solidFill>
-                  <a:srgbClr val="FFFFFF"/>
-                </a:solidFill>
-              </a14:hiddenFill>
-            </a:ext>
-          </a:extLst>
-        </p:spPr>
-      </p:pic>
-      <p:cxnSp>
-        <p:nvCxnSpPr>
-          <p:cNvPr id="25" name="Connecteur droit avec flèche 24">
-            <a:extLst>
-              <a:ext uri="{FF2B5EF4-FFF2-40B4-BE49-F238E27FC236}">
-                <a16:creationId xmlns:a16="http://schemas.microsoft.com/office/drawing/2014/main" id="{47CCB34C-BDE9-83E6-DBE9-369CE229F27F}"/>
-              </a:ext>
-            </a:extLst>
-          </p:cNvPr>
-          <p:cNvCxnSpPr>
-            <a:cxnSpLocks/>
-            <a:stCxn id="6" idx="3"/>
-            <a:endCxn id="23" idx="1"/>
-          </p:cNvCxnSpPr>
-          <p:nvPr/>
-        </p:nvCxnSpPr>
-        <p:spPr>
-          <a:xfrm flipV="1">
-            <a:off x="6520406" y="3171983"/>
-            <a:ext cx="2338327" cy="175858"/>
-          </a:xfrm>
-          <a:prstGeom prst="straightConnector1">
-            <a:avLst/>
-          </a:prstGeom>
-          <a:ln w="127000">
-            <a:solidFill>
-              <a:schemeClr val="accent6">
-                <a:lumMod val="75000"/>
-              </a:schemeClr>
-            </a:solidFill>
-            <a:tailEnd type="triangle"/>
-          </a:ln>
-        </p:spPr>
-        <p:style>
-          <a:lnRef idx="1">
-            <a:schemeClr val="accent1"/>
-          </a:lnRef>
-          <a:fillRef idx="0">
-            <a:schemeClr val="accent1"/>
-          </a:fillRef>
-          <a:effectRef idx="0">
-            <a:schemeClr val="accent1"/>
-          </a:effectRef>
-          <a:fontRef idx="minor">
-            <a:schemeClr val="tx1"/>
-          </a:fontRef>
-        </p:style>
-      </p:cxnSp>
-      <p:sp>
-        <p:nvSpPr>
-          <p:cNvPr id="28" name="Rounded Rectangle 45">
-            <a:extLst>
-              <a:ext uri="{FF2B5EF4-FFF2-40B4-BE49-F238E27FC236}">
-                <a16:creationId xmlns:a16="http://schemas.microsoft.com/office/drawing/2014/main" id="{38FF5A4C-559C-1D52-9476-314AAD56BECB}"/>
-              </a:ext>
-            </a:extLst>
-          </p:cNvPr>
-          <p:cNvSpPr/>
-          <p:nvPr/>
-        </p:nvSpPr>
-        <p:spPr>
-          <a:xfrm>
-            <a:off x="8822212" y="4493355"/>
-            <a:ext cx="3040144" cy="1540322"/>
-          </a:xfrm>
-          <a:prstGeom prst="roundRect">
-            <a:avLst/>
-          </a:prstGeom>
-          <a:solidFill>
-            <a:schemeClr val="bg2">
-              <a:lumMod val="25000"/>
-            </a:schemeClr>
-          </a:solidFill>
-          <a:ln>
-            <a:noFill/>
-          </a:ln>
-        </p:spPr>
-        <p:style>
-          <a:lnRef idx="2">
-            <a:schemeClr val="accent1">
-              <a:shade val="50000"/>
-            </a:schemeClr>
-          </a:lnRef>
-          <a:fillRef idx="1">
-            <a:schemeClr val="accent1"/>
-          </a:fillRef>
-          <a:effectRef idx="0">
-            <a:schemeClr val="accent1"/>
-          </a:effectRef>
-          <a:fontRef idx="minor">
-            <a:schemeClr val="lt1"/>
-          </a:fontRef>
-        </p:style>
-        <p:txBody>
-          <a:bodyPr rtlCol="0" anchor="ctr"/>
-          <a:lstStyle/>
-          <a:p>
-            <a:pPr algn="ctr"/>
-            <a:r>
-              <a:rPr lang="fr-FR" sz="2400" dirty="0">
-                <a:solidFill>
-                  <a:schemeClr val="bg1"/>
-                </a:solidFill>
-              </a:rPr>
-              <a:t>function « fibonacci » instance 3</a:t>
-            </a:r>
-          </a:p>
-        </p:txBody>
-      </p:sp>
-      <p:pic>
-        <p:nvPicPr>
-          <p:cNvPr id="29" name="Picture 2" descr="Afficher l’image source">
-            <a:extLst>
-              <a:ext uri="{FF2B5EF4-FFF2-40B4-BE49-F238E27FC236}">
-                <a16:creationId xmlns:a16="http://schemas.microsoft.com/office/drawing/2014/main" id="{5C2C929B-DD3A-D402-D3D0-47B59BB4F807}"/>
-              </a:ext>
-            </a:extLst>
-          </p:cNvPr>
-          <p:cNvPicPr>
-            <a:picLocks noChangeAspect="1" noChangeArrowheads="1"/>
-          </p:cNvPicPr>
-          <p:nvPr/>
-        </p:nvPicPr>
-        <p:blipFill>
-          <a:blip r:embed="rId4">
-            <a:extLst>
-              <a:ext uri="{28A0092B-C50C-407E-A947-70E740481C1C}">
-                <a14:useLocalDpi xmlns:a14="http://schemas.microsoft.com/office/drawing/2010/main" val="0"/>
-              </a:ext>
-            </a:extLst>
-          </a:blip>
-          <a:srcRect/>
-          <a:stretch>
-            <a:fillRect/>
-          </a:stretch>
-        </p:blipFill>
-        <p:spPr bwMode="auto">
-          <a:xfrm>
-            <a:off x="8753203" y="4252319"/>
-            <a:ext cx="588793" cy="572693"/>
-          </a:xfrm>
-          <a:prstGeom prst="rect">
-            <a:avLst/>
-          </a:prstGeom>
-          <a:noFill/>
-          <a:extLst>
-            <a:ext uri="{909E8E84-426E-40DD-AFC4-6F175D3DCCD1}">
-              <a14:hiddenFill xmlns:a14="http://schemas.microsoft.com/office/drawing/2010/main">
-                <a:solidFill>
-                  <a:srgbClr val="FFFFFF"/>
-                </a:solidFill>
-              </a14:hiddenFill>
-            </a:ext>
-          </a:extLst>
-        </p:spPr>
-      </p:pic>
-      <p:cxnSp>
-        <p:nvCxnSpPr>
-          <p:cNvPr id="30" name="Connecteur droit avec flèche 29">
-            <a:extLst>
-              <a:ext uri="{FF2B5EF4-FFF2-40B4-BE49-F238E27FC236}">
-                <a16:creationId xmlns:a16="http://schemas.microsoft.com/office/drawing/2014/main" id="{3C17D7D9-AD0C-3CB9-E9C2-8FE52952EA0A}"/>
-              </a:ext>
-            </a:extLst>
-          </p:cNvPr>
-          <p:cNvCxnSpPr>
-            <a:cxnSpLocks/>
-            <a:stCxn id="6" idx="3"/>
-            <a:endCxn id="28" idx="1"/>
-          </p:cNvCxnSpPr>
-          <p:nvPr/>
-        </p:nvCxnSpPr>
-        <p:spPr>
-          <a:xfrm>
-            <a:off x="6520406" y="3347841"/>
-            <a:ext cx="2301806" cy="1915675"/>
-          </a:xfrm>
-          <a:prstGeom prst="straightConnector1">
-            <a:avLst/>
-          </a:prstGeom>
-          <a:ln w="127000">
-            <a:solidFill>
-              <a:schemeClr val="accent6">
-                <a:lumMod val="75000"/>
-              </a:schemeClr>
-            </a:solidFill>
-            <a:tailEnd type="triangle"/>
-          </a:ln>
-        </p:spPr>
-        <p:style>
-          <a:lnRef idx="1">
-            <a:schemeClr val="accent1"/>
-          </a:lnRef>
-          <a:fillRef idx="0">
-            <a:schemeClr val="accent1"/>
-          </a:fillRef>
-          <a:effectRef idx="0">
-            <a:schemeClr val="accent1"/>
-          </a:effectRef>
-          <a:fontRef idx="minor">
-            <a:schemeClr val="tx1"/>
-          </a:fontRef>
-        </p:style>
-      </p:cxnSp>
-      <p:sp>
-        <p:nvSpPr>
-          <p:cNvPr id="38" name="ZoneTexte 37">
-            <a:extLst>
-              <a:ext uri="{FF2B5EF4-FFF2-40B4-BE49-F238E27FC236}">
-                <a16:creationId xmlns:a16="http://schemas.microsoft.com/office/drawing/2014/main" id="{3E51368A-C3EC-DCF9-2D42-54C522F99A21}"/>
-              </a:ext>
-            </a:extLst>
-          </p:cNvPr>
-          <p:cNvSpPr txBox="1"/>
-          <p:nvPr/>
-        </p:nvSpPr>
-        <p:spPr>
-          <a:xfrm>
-            <a:off x="7218978" y="5412088"/>
-            <a:ext cx="1659171" cy="830997"/>
-          </a:xfrm>
-          <a:prstGeom prst="rect">
-            <a:avLst/>
-          </a:prstGeom>
-          <a:noFill/>
-        </p:spPr>
-        <p:txBody>
-          <a:bodyPr wrap="square" rtlCol="0">
-            <a:spAutoFit/>
-          </a:bodyPr>
-          <a:lstStyle/>
-          <a:p>
-            <a:r>
-              <a:rPr lang="fr-FR" sz="1600" dirty="0"/>
-              <a:t>HTTP POST</a:t>
-            </a:r>
-          </a:p>
-          <a:p>
-            <a:r>
-              <a:rPr lang="fr-FR" sz="1600" dirty="0">
-                <a:hlinkClick r:id="rId3"/>
-              </a:rPr>
-              <a:t>http://fibonacci</a:t>
-            </a:r>
-            <a:r>
-              <a:rPr lang="fr-FR" sz="1600" dirty="0"/>
-              <a:t> </a:t>
-            </a:r>
-            <a:br>
-              <a:rPr lang="fr-FR" sz="1600" dirty="0"/>
-            </a:br>
-            <a:r>
-              <a:rPr lang="fr-FR" sz="1600" dirty="0"/>
-              <a:t>{</a:t>
-            </a:r>
-            <a:r>
-              <a:rPr lang="fr-FR" sz="1600" b="0" i="0" dirty="0">
-                <a:effectLst/>
-                <a:latin typeface="-apple-system"/>
-              </a:rPr>
-              <a:t>"</a:t>
-            </a:r>
-            <a:r>
-              <a:rPr lang="fr-FR" sz="1600" dirty="0"/>
-              <a:t>input</a:t>
-            </a:r>
-            <a:r>
-              <a:rPr lang="fr-FR" sz="1600" b="0" i="0" dirty="0">
-                <a:effectLst/>
-                <a:latin typeface="-apple-system"/>
-              </a:rPr>
-              <a:t>"</a:t>
-            </a:r>
-            <a:r>
-              <a:rPr lang="fr-FR" sz="1600" dirty="0"/>
-              <a:t>:42}</a:t>
-            </a:r>
-          </a:p>
-        </p:txBody>
-      </p:sp>
-      <p:pic>
-        <p:nvPicPr>
-          <p:cNvPr id="5" name="Picture 2" descr="Afficher l’image source">
-            <a:extLst>
-              <a:ext uri="{FF2B5EF4-FFF2-40B4-BE49-F238E27FC236}">
-                <a16:creationId xmlns:a16="http://schemas.microsoft.com/office/drawing/2014/main" id="{9CF92849-9C7F-61C9-32C2-F99F37E01F43}"/>
-              </a:ext>
-            </a:extLst>
-          </p:cNvPr>
-          <p:cNvPicPr>
-            <a:picLocks noChangeAspect="1" noChangeArrowheads="1"/>
-          </p:cNvPicPr>
-          <p:nvPr/>
-        </p:nvPicPr>
-        <p:blipFill>
-          <a:blip r:embed="rId4">
-            <a:extLst>
-              <a:ext uri="{28A0092B-C50C-407E-A947-70E740481C1C}">
-                <a14:useLocalDpi xmlns:a14="http://schemas.microsoft.com/office/drawing/2010/main" val="0"/>
-              </a:ext>
-            </a:extLst>
-          </a:blip>
-          <a:srcRect/>
-          <a:stretch>
-            <a:fillRect/>
-          </a:stretch>
-        </p:blipFill>
-        <p:spPr bwMode="auto">
-          <a:xfrm>
-            <a:off x="4066798" y="2514707"/>
-            <a:ext cx="588793" cy="572693"/>
-          </a:xfrm>
-          <a:prstGeom prst="rect">
-            <a:avLst/>
-          </a:prstGeom>
-          <a:noFill/>
-          <a:extLst>
-            <a:ext uri="{909E8E84-426E-40DD-AFC4-6F175D3DCCD1}">
-              <a14:hiddenFill xmlns:a14="http://schemas.microsoft.com/office/drawing/2010/main">
-                <a:solidFill>
-                  <a:srgbClr val="FFFFFF"/>
-                </a:solidFill>
-              </a14:hiddenFill>
-            </a:ext>
-          </a:extLst>
-        </p:spPr>
-      </p:pic>
+            <a:endParaRPr kumimoji="0" lang="fr-FR" altLang="fr-FR" sz="4000" b="0" i="0" u="none" strike="noStrike" cap="none" normalizeH="0" baseline="0" dirty="0">
+              <a:ln>
+                <a:noFill/>
+              </a:ln>
+              <a:solidFill>
+                <a:srgbClr val="548235"/>
+              </a:solidFill>
+              <a:effectLst/>
+              <a:latin typeface="Arial" panose="020B0604020202020204" pitchFamily="34" charset="0"/>
+            </a:endParaRPr>
+          </a:p>
+        </p:txBody>
+      </p:sp>
     </p:spTree>
     <p:extLst>
       <p:ext uri="{BB962C8B-B14F-4D97-AF65-F5344CB8AC3E}">
-        <p14:creationId xmlns:p14="http://schemas.microsoft.com/office/powerpoint/2010/main" val="1816212992"/>
+        <p14:creationId xmlns:p14="http://schemas.microsoft.com/office/powerpoint/2010/main" val="2074995021"/>
       </p:ext>
     </p:extLst>
   </p:cSld>

--- a/documentation/slimfaas.pptx
+++ b/documentation/slimfaas.pptx
@@ -5,16 +5,17 @@
     <p:sldMasterId id="2147483648" r:id="rId4"/>
   </p:sldMasterIdLst>
   <p:notesMasterIdLst>
-    <p:notesMasterId r:id="rId9"/>
+    <p:notesMasterId r:id="rId10"/>
   </p:notesMasterIdLst>
   <p:handoutMasterIdLst>
-    <p:handoutMasterId r:id="rId10"/>
+    <p:handoutMasterId r:id="rId11"/>
   </p:handoutMasterIdLst>
   <p:sldIdLst>
-    <p:sldId id="891" r:id="rId5"/>
-    <p:sldId id="892" r:id="rId6"/>
+    <p:sldId id="892" r:id="rId5"/>
+    <p:sldId id="891" r:id="rId6"/>
     <p:sldId id="893" r:id="rId7"/>
     <p:sldId id="894" r:id="rId8"/>
+    <p:sldId id="898" r:id="rId9"/>
   </p:sldIdLst>
   <p:sldSz cx="12192000" cy="6858000"/>
   <p:notesSz cx="6858000" cy="9144000"/>
@@ -118,10 +119,11 @@
       <p14:sectionLst xmlns:p14="http://schemas.microsoft.com/office/powerpoint/2010/main">
         <p14:section name="V1" id="{10A21BAB-C4AD-1B4A-8931-DCECE890AF5A}">
           <p14:sldIdLst>
+            <p14:sldId id="892"/>
             <p14:sldId id="891"/>
-            <p14:sldId id="892"/>
             <p14:sldId id="893"/>
             <p14:sldId id="894"/>
+            <p14:sldId id="898"/>
           </p14:sldIdLst>
         </p14:section>
       </p14:sectionLst>
@@ -238,7 +240,7 @@
           <a:p>
             <a:fld id="{F60FFC85-34C0-4167-8801-71D65E4D986C}" type="datetimeFigureOut">
               <a:rPr lang="fr-FR" smtClean="0"/>
-              <a:t>11/06/2024</a:t>
+              <a:t>24/06/2024</a:t>
             </a:fld>
             <a:endParaRPr lang="fr-FR"/>
           </a:p>
@@ -415,7 +417,7 @@
           <a:p>
             <a:fld id="{F2EE8696-3B2B-7D49-B212-A8F746F3A84B}" type="datetimeFigureOut">
               <a:rPr lang="es-ES_tradnl" smtClean="0"/>
-              <a:t>11/06/2024</a:t>
+              <a:t>24/06/2024</a:t>
             </a:fld>
             <a:endParaRPr lang="es-ES_tradnl"/>
           </a:p>
@@ -814,7 +816,7 @@
     </p:spTree>
     <p:extLst>
       <p:ext uri="{BB962C8B-B14F-4D97-AF65-F5344CB8AC3E}">
-        <p14:creationId xmlns:p14="http://schemas.microsoft.com/office/powerpoint/2010/main" val="802769483"/>
+        <p14:creationId xmlns:p14="http://schemas.microsoft.com/office/powerpoint/2010/main" val="2599060178"/>
       </p:ext>
     </p:extLst>
   </p:cSld>
@@ -955,7 +957,7 @@
     </p:spTree>
     <p:extLst>
       <p:ext uri="{BB962C8B-B14F-4D97-AF65-F5344CB8AC3E}">
-        <p14:creationId xmlns:p14="http://schemas.microsoft.com/office/powerpoint/2010/main" val="2599060178"/>
+        <p14:creationId xmlns:p14="http://schemas.microsoft.com/office/powerpoint/2010/main" val="802769483"/>
       </p:ext>
     </p:extLst>
   </p:cSld>
@@ -1112,7 +1114,7 @@
           <a:p>
             <a:fld id="{80160E5B-2E24-B941-8DE0-C0A90C36B7C5}" type="datetimeFigureOut">
               <a:rPr lang="en-GB" smtClean="0"/>
-              <a:t>11/06/2024</a:t>
+              <a:t>24/06/2024</a:t>
             </a:fld>
             <a:endParaRPr lang="en-GB"/>
           </a:p>
@@ -1310,7 +1312,7 @@
           <a:p>
             <a:fld id="{80160E5B-2E24-B941-8DE0-C0A90C36B7C5}" type="datetimeFigureOut">
               <a:rPr lang="en-GB" smtClean="0"/>
-              <a:t>11/06/2024</a:t>
+              <a:t>24/06/2024</a:t>
             </a:fld>
             <a:endParaRPr lang="en-GB"/>
           </a:p>
@@ -1557,7 +1559,7 @@
           <a:p>
             <a:fld id="{80160E5B-2E24-B941-8DE0-C0A90C36B7C5}" type="datetimeFigureOut">
               <a:rPr lang="en-GB" smtClean="0"/>
-              <a:t>11/06/2024</a:t>
+              <a:t>24/06/2024</a:t>
             </a:fld>
             <a:endParaRPr lang="en-GB"/>
           </a:p>
@@ -1776,7 +1778,7 @@
           <a:p>
             <a:fld id="{80160E5B-2E24-B941-8DE0-C0A90C36B7C5}" type="datetimeFigureOut">
               <a:rPr lang="en-GB" smtClean="0"/>
-              <a:t>11/06/2024</a:t>
+              <a:t>24/06/2024</a:t>
             </a:fld>
             <a:endParaRPr lang="en-GB"/>
           </a:p>
@@ -2051,7 +2053,7 @@
           <a:p>
             <a:fld id="{80160E5B-2E24-B941-8DE0-C0A90C36B7C5}" type="datetimeFigureOut">
               <a:rPr lang="en-GB" smtClean="0"/>
-              <a:t>11/06/2024</a:t>
+              <a:t>24/06/2024</a:t>
             </a:fld>
             <a:endParaRPr lang="en-GB"/>
           </a:p>
@@ -2355,7 +2357,7 @@
           <a:p>
             <a:fld id="{80160E5B-2E24-B941-8DE0-C0A90C36B7C5}" type="datetimeFigureOut">
               <a:rPr lang="en-GB" smtClean="0"/>
-              <a:t>11/06/2024</a:t>
+              <a:t>24/06/2024</a:t>
             </a:fld>
             <a:endParaRPr lang="en-GB"/>
           </a:p>
@@ -2806,7 +2808,7 @@
           <a:p>
             <a:fld id="{80160E5B-2E24-B941-8DE0-C0A90C36B7C5}" type="datetimeFigureOut">
               <a:rPr lang="en-GB" smtClean="0"/>
-              <a:t>11/06/2024</a:t>
+              <a:t>24/06/2024</a:t>
             </a:fld>
             <a:endParaRPr lang="en-GB"/>
           </a:p>
@@ -2986,7 +2988,7 @@
           <a:p>
             <a:fld id="{80160E5B-2E24-B941-8DE0-C0A90C36B7C5}" type="datetimeFigureOut">
               <a:rPr lang="en-GB" smtClean="0"/>
-              <a:t>11/06/2024</a:t>
+              <a:t>24/06/2024</a:t>
             </a:fld>
             <a:endParaRPr lang="en-GB"/>
           </a:p>
@@ -3138,7 +3140,7 @@
           <a:p>
             <a:fld id="{80160E5B-2E24-B941-8DE0-C0A90C36B7C5}" type="datetimeFigureOut">
               <a:rPr lang="en-GB" smtClean="0"/>
-              <a:t>11/06/2024</a:t>
+              <a:t>24/06/2024</a:t>
             </a:fld>
             <a:endParaRPr lang="en-GB"/>
           </a:p>
@@ -3488,7 +3490,7 @@
           <a:p>
             <a:fld id="{80160E5B-2E24-B941-8DE0-C0A90C36B7C5}" type="datetimeFigureOut">
               <a:rPr lang="en-GB" smtClean="0"/>
-              <a:t>11/06/2024</a:t>
+              <a:t>24/06/2024</a:t>
             </a:fld>
             <a:endParaRPr lang="en-GB"/>
           </a:p>
@@ -3815,7 +3817,7 @@
           <a:p>
             <a:fld id="{80160E5B-2E24-B941-8DE0-C0A90C36B7C5}" type="datetimeFigureOut">
               <a:rPr lang="en-GB" smtClean="0"/>
-              <a:t>11/06/2024</a:t>
+              <a:t>24/06/2024</a:t>
             </a:fld>
             <a:endParaRPr lang="en-GB"/>
           </a:p>
@@ -4095,7 +4097,7 @@
           <a:p>
             <a:fld id="{80160E5B-2E24-B941-8DE0-C0A90C36B7C5}" type="datetimeFigureOut">
               <a:rPr lang="en-GB" smtClean="0"/>
-              <a:t>11/06/2024</a:t>
+              <a:t>24/06/2024</a:t>
             </a:fld>
             <a:endParaRPr lang="en-GB"/>
           </a:p>
@@ -4610,10 +4612,10 @@
       </p:grpSpPr>
       <p:sp>
         <p:nvSpPr>
-          <p:cNvPr id="17" name="Rectangle 16">
-            <a:extLst>
-              <a:ext uri="{FF2B5EF4-FFF2-40B4-BE49-F238E27FC236}">
-                <a16:creationId xmlns:a16="http://schemas.microsoft.com/office/drawing/2014/main" id="{83C60C87-609E-41AB-8E66-C44853DB93B6}"/>
+          <p:cNvPr id="21" name="Rectangle : coins arrondis 20">
+            <a:extLst>
+              <a:ext uri="{FF2B5EF4-FFF2-40B4-BE49-F238E27FC236}">
+                <a16:creationId xmlns:a16="http://schemas.microsoft.com/office/drawing/2014/main" id="{10281813-D3E5-87C3-B19F-4CEC0004BAF6}"/>
               </a:ext>
             </a:extLst>
           </p:cNvPr>
@@ -4622,60 +4624,8 @@
         </p:nvSpPr>
         <p:spPr>
           <a:xfrm>
-            <a:off x="95250" y="6604378"/>
-            <a:ext cx="6305550" cy="253622"/>
-          </a:xfrm>
-          <a:prstGeom prst="rect">
-            <a:avLst/>
-          </a:prstGeom>
-          <a:solidFill>
-            <a:schemeClr val="bg1"/>
-          </a:solidFill>
-          <a:ln>
-            <a:noFill/>
-          </a:ln>
-        </p:spPr>
-        <p:style>
-          <a:lnRef idx="2">
-            <a:schemeClr val="accent1">
-              <a:shade val="50000"/>
-            </a:schemeClr>
-          </a:lnRef>
-          <a:fillRef idx="1">
-            <a:schemeClr val="accent1"/>
-          </a:fillRef>
-          <a:effectRef idx="0">
-            <a:schemeClr val="accent1"/>
-          </a:effectRef>
-          <a:fontRef idx="minor">
-            <a:schemeClr val="lt1"/>
-          </a:fontRef>
-        </p:style>
-        <p:txBody>
-          <a:bodyPr rtlCol="0" anchor="ctr"/>
-          <a:lstStyle/>
-          <a:p>
-            <a:pPr algn="ctr"/>
-            <a:endParaRPr lang="fr-FR"/>
-          </a:p>
-        </p:txBody>
-      </p:sp>
-      <p:sp>
-        <p:nvSpPr>
-          <p:cNvPr id="15" name="Rectangle : coins arrondis 14">
-            <a:extLst>
-              <a:ext uri="{FF2B5EF4-FFF2-40B4-BE49-F238E27FC236}">
-                <a16:creationId xmlns:a16="http://schemas.microsoft.com/office/drawing/2014/main" id="{A6226B3F-3380-E0AA-AF16-830B21A49428}"/>
-              </a:ext>
-            </a:extLst>
-          </p:cNvPr>
-          <p:cNvSpPr/>
-          <p:nvPr/>
-        </p:nvSpPr>
-        <p:spPr>
-          <a:xfrm>
-            <a:off x="270274" y="3860695"/>
-            <a:ext cx="5854700" cy="2824928"/>
+            <a:off x="3926528" y="2223970"/>
+            <a:ext cx="3341145" cy="3514653"/>
           </a:xfrm>
           <a:prstGeom prst="roundRect">
             <a:avLst/>
@@ -4718,184 +4668,12 @@
           </a:p>
         </p:txBody>
       </p:sp>
-      <p:sp>
-        <p:nvSpPr>
-          <p:cNvPr id="11" name="Rectangle : coins arrondis 10">
-            <a:extLst>
-              <a:ext uri="{FF2B5EF4-FFF2-40B4-BE49-F238E27FC236}">
-                <a16:creationId xmlns:a16="http://schemas.microsoft.com/office/drawing/2014/main" id="{4E0312E4-E02C-5132-9EC7-E21ECBAD0DFB}"/>
-              </a:ext>
-            </a:extLst>
-          </p:cNvPr>
-          <p:cNvSpPr/>
-          <p:nvPr/>
-        </p:nvSpPr>
-        <p:spPr>
-          <a:xfrm>
-            <a:off x="4816216" y="445875"/>
-            <a:ext cx="6118483" cy="2953155"/>
-          </a:xfrm>
-          <a:prstGeom prst="roundRect">
-            <a:avLst/>
-          </a:prstGeom>
-          <a:solidFill>
-            <a:schemeClr val="bg2">
-              <a:lumMod val="25000"/>
-            </a:schemeClr>
-          </a:solidFill>
-          <a:ln>
-            <a:noFill/>
-          </a:ln>
-        </p:spPr>
-        <p:style>
-          <a:lnRef idx="2">
-            <a:schemeClr val="accent1">
-              <a:shade val="50000"/>
-            </a:schemeClr>
-          </a:lnRef>
-          <a:fillRef idx="1">
-            <a:schemeClr val="accent1"/>
-          </a:fillRef>
-          <a:effectRef idx="0">
-            <a:schemeClr val="accent1"/>
-          </a:effectRef>
-          <a:fontRef idx="minor">
-            <a:schemeClr val="lt1"/>
-          </a:fontRef>
-        </p:style>
-        <p:txBody>
-          <a:bodyPr rtlCol="0" anchor="ctr"/>
-          <a:lstStyle/>
-          <a:p>
-            <a:pPr algn="ctr"/>
-            <a:endParaRPr lang="fr-FR" sz="4000">
-              <a:solidFill>
-                <a:schemeClr val="bg1"/>
-              </a:solidFill>
-            </a:endParaRPr>
-          </a:p>
-        </p:txBody>
-      </p:sp>
-      <p:cxnSp>
-        <p:nvCxnSpPr>
-          <p:cNvPr id="25" name="Connecteur droit avec flèche 24">
-            <a:extLst>
-              <a:ext uri="{FF2B5EF4-FFF2-40B4-BE49-F238E27FC236}">
-                <a16:creationId xmlns:a16="http://schemas.microsoft.com/office/drawing/2014/main" id="{EF74DD91-1B16-470B-A20B-035F88F385D6}"/>
-              </a:ext>
-            </a:extLst>
-          </p:cNvPr>
-          <p:cNvCxnSpPr>
-            <a:cxnSpLocks/>
-            <a:stCxn id="2" idx="3"/>
-            <a:endCxn id="13" idx="1"/>
-          </p:cNvCxnSpPr>
-          <p:nvPr/>
-        </p:nvCxnSpPr>
-        <p:spPr>
-          <a:xfrm flipV="1">
-            <a:off x="5945039" y="5223738"/>
-            <a:ext cx="2412084" cy="4209"/>
-          </a:xfrm>
-          <a:prstGeom prst="straightConnector1">
-            <a:avLst/>
-          </a:prstGeom>
-          <a:ln w="127000">
-            <a:solidFill>
-              <a:schemeClr val="accent6">
-                <a:lumMod val="75000"/>
-              </a:schemeClr>
-            </a:solidFill>
-            <a:tailEnd type="triangle"/>
-          </a:ln>
-        </p:spPr>
-        <p:style>
-          <a:lnRef idx="1">
-            <a:schemeClr val="accent1"/>
-          </a:lnRef>
-          <a:fillRef idx="0">
-            <a:schemeClr val="accent1"/>
-          </a:fillRef>
-          <a:effectRef idx="0">
-            <a:schemeClr val="accent1"/>
-          </a:effectRef>
-          <a:fontRef idx="minor">
-            <a:schemeClr val="tx1"/>
-          </a:fontRef>
-        </p:style>
-      </p:cxnSp>
-      <p:sp>
-        <p:nvSpPr>
-          <p:cNvPr id="13" name="Rounded Rectangle 45">
-            <a:extLst>
-              <a:ext uri="{FF2B5EF4-FFF2-40B4-BE49-F238E27FC236}">
-                <a16:creationId xmlns:a16="http://schemas.microsoft.com/office/drawing/2014/main" id="{010C1183-1FCB-4B5B-84DC-B7D70796FA94}"/>
-              </a:ext>
-            </a:extLst>
-          </p:cNvPr>
-          <p:cNvSpPr/>
-          <p:nvPr/>
-        </p:nvSpPr>
-        <p:spPr>
-          <a:xfrm>
-            <a:off x="8357123" y="4174427"/>
-            <a:ext cx="3145551" cy="2098622"/>
-          </a:xfrm>
-          <a:prstGeom prst="roundRect">
-            <a:avLst/>
-          </a:prstGeom>
-          <a:solidFill>
-            <a:schemeClr val="bg2">
-              <a:lumMod val="25000"/>
-            </a:schemeClr>
-          </a:solidFill>
-          <a:ln>
-            <a:noFill/>
-          </a:ln>
-        </p:spPr>
-        <p:style>
-          <a:lnRef idx="2">
-            <a:schemeClr val="accent1">
-              <a:shade val="50000"/>
-            </a:schemeClr>
-          </a:lnRef>
-          <a:fillRef idx="1">
-            <a:schemeClr val="accent1"/>
-          </a:fillRef>
-          <a:effectRef idx="0">
-            <a:schemeClr val="accent1"/>
-          </a:effectRef>
-          <a:fontRef idx="minor">
-            <a:schemeClr val="lt1"/>
-          </a:fontRef>
-        </p:style>
-        <p:txBody>
-          <a:bodyPr rtlCol="0" anchor="ctr"/>
-          <a:lstStyle/>
-          <a:p>
-            <a:pPr algn="ctr"/>
-            <a:r>
-              <a:rPr lang="fr-FR" sz="4000" dirty="0">
-                <a:solidFill>
-                  <a:schemeClr val="bg1"/>
-                </a:solidFill>
-              </a:rPr>
-              <a:t>function « fibonacci »</a:t>
-            </a:r>
-            <a:endParaRPr lang="en-FR" sz="4000" dirty="0">
-              <a:solidFill>
-                <a:schemeClr val="bg1"/>
-              </a:solidFill>
-            </a:endParaRPr>
-          </a:p>
-        </p:txBody>
-      </p:sp>
       <p:pic>
         <p:nvPicPr>
-          <p:cNvPr id="1026" name="Picture 2" descr="Afficher l’image source">
-            <a:extLst>
-              <a:ext uri="{FF2B5EF4-FFF2-40B4-BE49-F238E27FC236}">
-                <a16:creationId xmlns:a16="http://schemas.microsoft.com/office/drawing/2014/main" id="{F291C231-1626-4F0E-B26C-1EFF6A7E0B9C}"/>
+          <p:cNvPr id="22" name="Picture 2" descr="Afficher l’image source">
+            <a:extLst>
+              <a:ext uri="{FF2B5EF4-FFF2-40B4-BE49-F238E27FC236}">
+                <a16:creationId xmlns:a16="http://schemas.microsoft.com/office/drawing/2014/main" id="{4C3C7A7E-0F7E-D5AB-7CB7-FE79F49436F5}"/>
               </a:ext>
             </a:extLst>
           </p:cNvPr>
@@ -4919,7 +4697,7 @@
         </p:blipFill>
         <p:spPr bwMode="auto">
           <a:xfrm>
-            <a:off x="8259048" y="3953020"/>
+            <a:off x="6738009" y="1908836"/>
             <a:ext cx="588793" cy="572693"/>
           </a:xfrm>
           <a:prstGeom prst="rect">
@@ -4939,10 +4717,10 @@
       </p:pic>
       <p:sp>
         <p:nvSpPr>
-          <p:cNvPr id="2" name="Rounded Rectangle 44">
-            <a:extLst>
-              <a:ext uri="{FF2B5EF4-FFF2-40B4-BE49-F238E27FC236}">
-                <a16:creationId xmlns:a16="http://schemas.microsoft.com/office/drawing/2014/main" id="{ECE643B4-61AF-3733-8039-0237A0938B0F}"/>
+          <p:cNvPr id="17" name="Rectangle 16">
+            <a:extLst>
+              <a:ext uri="{FF2B5EF4-FFF2-40B4-BE49-F238E27FC236}">
+                <a16:creationId xmlns:a16="http://schemas.microsoft.com/office/drawing/2014/main" id="{83C60C87-609E-41AB-8E66-C44853DB93B6}"/>
               </a:ext>
             </a:extLst>
           </p:cNvPr>
@@ -4951,8 +4729,60 @@
         </p:nvSpPr>
         <p:spPr>
           <a:xfrm>
-            <a:off x="4021081" y="4700432"/>
-            <a:ext cx="1923958" cy="1055029"/>
+            <a:off x="95250" y="6604378"/>
+            <a:ext cx="6305550" cy="253622"/>
+          </a:xfrm>
+          <a:prstGeom prst="rect">
+            <a:avLst/>
+          </a:prstGeom>
+          <a:solidFill>
+            <a:schemeClr val="bg1"/>
+          </a:solidFill>
+          <a:ln>
+            <a:noFill/>
+          </a:ln>
+        </p:spPr>
+        <p:style>
+          <a:lnRef idx="2">
+            <a:schemeClr val="accent1">
+              <a:shade val="50000"/>
+            </a:schemeClr>
+          </a:lnRef>
+          <a:fillRef idx="1">
+            <a:schemeClr val="accent1"/>
+          </a:fillRef>
+          <a:effectRef idx="0">
+            <a:schemeClr val="accent1"/>
+          </a:effectRef>
+          <a:fontRef idx="minor">
+            <a:schemeClr val="lt1"/>
+          </a:fontRef>
+        </p:style>
+        <p:txBody>
+          <a:bodyPr rtlCol="0" anchor="ctr"/>
+          <a:lstStyle/>
+          <a:p>
+            <a:pPr algn="ctr"/>
+            <a:endParaRPr lang="fr-FR"/>
+          </a:p>
+        </p:txBody>
+      </p:sp>
+      <p:sp>
+        <p:nvSpPr>
+          <p:cNvPr id="5" name="Rounded Rectangle 44">
+            <a:extLst>
+              <a:ext uri="{FF2B5EF4-FFF2-40B4-BE49-F238E27FC236}">
+                <a16:creationId xmlns:a16="http://schemas.microsoft.com/office/drawing/2014/main" id="{8B31C066-D6ED-6B00-6DFD-759464A699DC}"/>
+              </a:ext>
+            </a:extLst>
+          </p:cNvPr>
+          <p:cNvSpPr/>
+          <p:nvPr/>
+        </p:nvSpPr>
+        <p:spPr>
+          <a:xfrm>
+            <a:off x="4679484" y="2886177"/>
+            <a:ext cx="1858037" cy="923330"/>
           </a:xfrm>
           <a:prstGeom prst="roundRect">
             <a:avLst/>
@@ -4996,65 +4826,6 @@
           </a:p>
         </p:txBody>
       </p:sp>
-      <p:sp>
-        <p:nvSpPr>
-          <p:cNvPr id="5" name="Rounded Rectangle 44">
-            <a:extLst>
-              <a:ext uri="{FF2B5EF4-FFF2-40B4-BE49-F238E27FC236}">
-                <a16:creationId xmlns:a16="http://schemas.microsoft.com/office/drawing/2014/main" id="{8B31C066-D6ED-6B00-6DFD-759464A699DC}"/>
-              </a:ext>
-            </a:extLst>
-          </p:cNvPr>
-          <p:cNvSpPr/>
-          <p:nvPr/>
-        </p:nvSpPr>
-        <p:spPr>
-          <a:xfrm>
-            <a:off x="5058673" y="1397217"/>
-            <a:ext cx="2135174" cy="923330"/>
-          </a:xfrm>
-          <a:prstGeom prst="roundRect">
-            <a:avLst/>
-          </a:prstGeom>
-          <a:solidFill>
-            <a:srgbClr val="7030A0"/>
-          </a:solidFill>
-          <a:ln>
-            <a:noFill/>
-          </a:ln>
-        </p:spPr>
-        <p:style>
-          <a:lnRef idx="2">
-            <a:schemeClr val="accent1">
-              <a:shade val="50000"/>
-            </a:schemeClr>
-          </a:lnRef>
-          <a:fillRef idx="1">
-            <a:schemeClr val="accent1"/>
-          </a:fillRef>
-          <a:effectRef idx="0">
-            <a:schemeClr val="accent1"/>
-          </a:effectRef>
-          <a:fontRef idx="minor">
-            <a:schemeClr val="lt1"/>
-          </a:fontRef>
-        </p:style>
-        <p:txBody>
-          <a:bodyPr rtlCol="0" anchor="ctr"/>
-          <a:lstStyle/>
-          <a:p>
-            <a:pPr algn="ctr"/>
-            <a:r>
-              <a:rPr lang="en-US" sz="2800" dirty="0">
-                <a:solidFill>
-                  <a:schemeClr val="bg1"/>
-                </a:solidFill>
-              </a:rPr>
-              <a:t>SlimFaas</a:t>
-            </a:r>
-          </a:p>
-        </p:txBody>
-      </p:sp>
       <p:cxnSp>
         <p:nvCxnSpPr>
           <p:cNvPr id="1030" name="Connecteur droit avec flèche 1029">
@@ -5066,15 +4837,15 @@
           </p:cNvPr>
           <p:cNvCxnSpPr>
             <a:cxnSpLocks/>
-            <a:stCxn id="1035" idx="3"/>
+            <a:stCxn id="2" idx="2"/>
             <a:endCxn id="5" idx="1"/>
           </p:cNvCxnSpPr>
           <p:nvPr/>
         </p:nvCxnSpPr>
         <p:spPr>
-          <a:xfrm flipV="1">
-            <a:off x="4184018" y="1858882"/>
-            <a:ext cx="874655" cy="17029"/>
+          <a:xfrm>
+            <a:off x="3635557" y="1606148"/>
+            <a:ext cx="1043927" cy="1741694"/>
           </a:xfrm>
           <a:prstGeom prst="straightConnector1">
             <a:avLst/>
@@ -5105,158 +4876,76 @@
       </p:cxnSp>
       <p:sp>
         <p:nvSpPr>
-          <p:cNvPr id="1035" name="ZoneTexte 1034">
-            <a:extLst>
-              <a:ext uri="{FF2B5EF4-FFF2-40B4-BE49-F238E27FC236}">
-                <a16:creationId xmlns:a16="http://schemas.microsoft.com/office/drawing/2014/main" id="{D180C645-D94F-EC3F-08F1-4AB872A877B7}"/>
-              </a:ext>
-            </a:extLst>
-          </p:cNvPr>
-          <p:cNvSpPr txBox="1"/>
+          <p:cNvPr id="14" name="Rounded Rectangle 45">
+            <a:extLst>
+              <a:ext uri="{FF2B5EF4-FFF2-40B4-BE49-F238E27FC236}">
+                <a16:creationId xmlns:a16="http://schemas.microsoft.com/office/drawing/2014/main" id="{86948BFE-3A92-09B5-773B-172DD8AA2DEA}"/>
+              </a:ext>
+            </a:extLst>
+          </p:cNvPr>
+          <p:cNvSpPr/>
           <p:nvPr/>
         </p:nvSpPr>
         <p:spPr>
           <a:xfrm>
-            <a:off x="377495" y="1460412"/>
-            <a:ext cx="3806523" cy="830997"/>
-          </a:xfrm>
-          <a:prstGeom prst="rect">
+            <a:off x="8653554" y="3756681"/>
+            <a:ext cx="3145551" cy="2247742"/>
+          </a:xfrm>
+          <a:prstGeom prst="roundRect">
             <a:avLst/>
           </a:prstGeom>
-          <a:noFill/>
-        </p:spPr>
-        <p:txBody>
-          <a:bodyPr wrap="square" rtlCol="0">
-            <a:spAutoFit/>
-          </a:bodyPr>
+          <a:solidFill>
+            <a:schemeClr val="bg2">
+              <a:lumMod val="25000"/>
+            </a:schemeClr>
+          </a:solidFill>
+          <a:ln>
+            <a:noFill/>
+          </a:ln>
+        </p:spPr>
+        <p:style>
+          <a:lnRef idx="2">
+            <a:schemeClr val="accent1">
+              <a:shade val="50000"/>
+            </a:schemeClr>
+          </a:lnRef>
+          <a:fillRef idx="1">
+            <a:schemeClr val="accent1"/>
+          </a:fillRef>
+          <a:effectRef idx="0">
+            <a:schemeClr val="accent1"/>
+          </a:effectRef>
+          <a:fontRef idx="minor">
+            <a:schemeClr val="lt1"/>
+          </a:fontRef>
+        </p:style>
+        <p:txBody>
+          <a:bodyPr rtlCol="0" anchor="ctr"/>
           <a:lstStyle/>
           <a:p>
-            <a:r>
-              <a:rPr lang="fr-FR" sz="1600" dirty="0"/>
-              <a:t>HTTP POST</a:t>
-            </a:r>
-          </a:p>
-          <a:p>
-            <a:r>
-              <a:rPr lang="fr-FR" sz="1600" dirty="0">
-                <a:hlinkClick r:id="rId4"/>
+            <a:pPr algn="ctr"/>
+            <a:r>
+              <a:rPr lang="fr-FR" sz="4000" dirty="0">
+                <a:solidFill>
+                  <a:schemeClr val="bg1"/>
+                </a:solidFill>
               </a:rPr>
-              <a:t>http://slimfaas/async-function/fibonacci</a:t>
-            </a:r>
-            <a:endParaRPr lang="fr-FR" sz="1600" dirty="0"/>
-          </a:p>
-          <a:p>
-            <a:r>
-              <a:rPr lang="fr-FR" sz="1600" dirty="0"/>
-              <a:t>{</a:t>
-            </a:r>
-            <a:r>
-              <a:rPr lang="fr-FR" sz="1600" b="0" i="0" dirty="0">
-                <a:effectLst/>
-                <a:latin typeface="-apple-system"/>
-              </a:rPr>
-              <a:t>"</a:t>
-            </a:r>
-            <a:r>
-              <a:rPr lang="fr-FR" sz="1600" dirty="0"/>
-              <a:t>input</a:t>
-            </a:r>
-            <a:r>
-              <a:rPr lang="fr-FR" sz="1600" b="0" i="0" dirty="0">
-                <a:effectLst/>
-                <a:latin typeface="-apple-system"/>
-              </a:rPr>
-              <a:t>"</a:t>
-            </a:r>
-            <a:r>
-              <a:rPr lang="fr-FR" sz="1600" dirty="0"/>
-              <a:t>:42}</a:t>
-            </a:r>
-          </a:p>
-        </p:txBody>
-      </p:sp>
-      <p:sp>
-        <p:nvSpPr>
-          <p:cNvPr id="1069" name="ZoneTexte 1068">
-            <a:extLst>
-              <a:ext uri="{FF2B5EF4-FFF2-40B4-BE49-F238E27FC236}">
-                <a16:creationId xmlns:a16="http://schemas.microsoft.com/office/drawing/2014/main" id="{090E0DC5-DC00-5D4D-282B-8F120B96B110}"/>
-              </a:ext>
-            </a:extLst>
-          </p:cNvPr>
-          <p:cNvSpPr txBox="1"/>
-          <p:nvPr/>
-        </p:nvSpPr>
-        <p:spPr>
-          <a:xfrm>
-            <a:off x="6450048" y="4110214"/>
-            <a:ext cx="1858037" cy="830997"/>
-          </a:xfrm>
-          <a:prstGeom prst="rect">
-            <a:avLst/>
-          </a:prstGeom>
-          <a:noFill/>
-        </p:spPr>
-        <p:txBody>
-          <a:bodyPr wrap="square" rtlCol="0">
-            <a:spAutoFit/>
-          </a:bodyPr>
-          <a:lstStyle/>
-          <a:p>
-            <a:r>
-              <a:rPr lang="fr-FR" sz="1600" dirty="0"/>
-              <a:t>HTTP POST</a:t>
-            </a:r>
-          </a:p>
-          <a:p>
-            <a:r>
-              <a:rPr lang="fr-FR" sz="1600" dirty="0">
-                <a:hlinkClick r:id="rId5"/>
-              </a:rPr>
-              <a:t>http://fibonacci</a:t>
-            </a:r>
-            <a:r>
-              <a:rPr lang="fr-FR" sz="1600" dirty="0"/>
-              <a:t> </a:t>
-            </a:r>
-            <a:br>
-              <a:rPr lang="fr-FR" sz="1600" dirty="0"/>
-            </a:br>
-            <a:r>
-              <a:rPr lang="fr-FR" sz="1600" dirty="0"/>
-              <a:t>{</a:t>
-            </a:r>
-            <a:r>
-              <a:rPr lang="fr-FR" sz="1600" b="0" i="0" dirty="0">
-                <a:effectLst/>
-                <a:latin typeface="-apple-system"/>
-              </a:rPr>
-              <a:t>"</a:t>
-            </a:r>
-            <a:r>
-              <a:rPr lang="fr-FR" sz="1600" dirty="0"/>
-              <a:t>input</a:t>
-            </a:r>
-            <a:r>
-              <a:rPr lang="fr-FR" sz="1600" b="0" i="0" dirty="0">
-                <a:effectLst/>
-                <a:latin typeface="-apple-system"/>
-              </a:rPr>
-              <a:t>"</a:t>
-            </a:r>
-            <a:r>
-              <a:rPr lang="fr-FR" sz="1600" dirty="0"/>
-              <a:t>:42}</a:t>
-            </a:r>
+              <a:t>function « fibonacci »</a:t>
+            </a:r>
+            <a:endParaRPr lang="en-FR" sz="4000" dirty="0">
+              <a:solidFill>
+                <a:schemeClr val="bg1"/>
+              </a:solidFill>
+            </a:endParaRPr>
           </a:p>
         </p:txBody>
       </p:sp>
       <p:pic>
         <p:nvPicPr>
-          <p:cNvPr id="3" name="Picture 2" descr="Afficher l’image source">
-            <a:extLst>
-              <a:ext uri="{FF2B5EF4-FFF2-40B4-BE49-F238E27FC236}">
-                <a16:creationId xmlns:a16="http://schemas.microsoft.com/office/drawing/2014/main" id="{6DDAFA19-505A-5974-5381-D1AA62FE6CDB}"/>
+          <p:cNvPr id="15" name="Picture 2" descr="Afficher l’image source">
+            <a:extLst>
+              <a:ext uri="{FF2B5EF4-FFF2-40B4-BE49-F238E27FC236}">
+                <a16:creationId xmlns:a16="http://schemas.microsoft.com/office/drawing/2014/main" id="{35712BBA-EBEC-F7AF-781C-F0A47F710A3D}"/>
               </a:ext>
             </a:extLst>
           </p:cNvPr>
@@ -5280,7 +4969,7 @@
         </p:blipFill>
         <p:spPr bwMode="auto">
           <a:xfrm>
-            <a:off x="0" y="3664234"/>
+            <a:off x="11210312" y="3441547"/>
             <a:ext cx="588793" cy="572693"/>
           </a:xfrm>
           <a:prstGeom prst="rect">
@@ -5298,59 +4987,60 @@
           </a:extLst>
         </p:spPr>
       </p:pic>
-      <p:pic>
-        <p:nvPicPr>
-          <p:cNvPr id="6" name="Picture 2" descr="Afficher l’image source">
-            <a:extLst>
-              <a:ext uri="{FF2B5EF4-FFF2-40B4-BE49-F238E27FC236}">
-                <a16:creationId xmlns:a16="http://schemas.microsoft.com/office/drawing/2014/main" id="{BCBC1B21-323D-218D-4E88-A0D74047C9FD}"/>
-              </a:ext>
-            </a:extLst>
-          </p:cNvPr>
-          <p:cNvPicPr>
-            <a:picLocks noChangeAspect="1" noChangeArrowheads="1"/>
-          </p:cNvPicPr>
+      <p:cxnSp>
+        <p:nvCxnSpPr>
+          <p:cNvPr id="16" name="Connecteur droit avec flèche 15">
+            <a:extLst>
+              <a:ext uri="{FF2B5EF4-FFF2-40B4-BE49-F238E27FC236}">
+                <a16:creationId xmlns:a16="http://schemas.microsoft.com/office/drawing/2014/main" id="{E672AC01-B7E2-9CC9-7A1C-110F38B184E7}"/>
+              </a:ext>
+            </a:extLst>
+          </p:cNvPr>
+          <p:cNvCxnSpPr>
+            <a:cxnSpLocks/>
+            <a:stCxn id="5" idx="3"/>
+            <a:endCxn id="14" idx="1"/>
+          </p:cNvCxnSpPr>
           <p:nvPr/>
-        </p:nvPicPr>
-        <p:blipFill>
-          <a:blip r:embed="rId3">
-            <a:extLst>
-              <a:ext uri="{28A0092B-C50C-407E-A947-70E740481C1C}">
-                <a14:useLocalDpi xmlns:a14="http://schemas.microsoft.com/office/drawing/2010/main" val="0"/>
-              </a:ext>
-            </a:extLst>
-          </a:blip>
-          <a:srcRect/>
-          <a:stretch>
-            <a:fillRect/>
-          </a:stretch>
-        </p:blipFill>
-        <p:spPr bwMode="auto">
-          <a:xfrm>
-            <a:off x="4679017" y="192047"/>
-            <a:ext cx="588793" cy="572693"/>
-          </a:xfrm>
-          <a:prstGeom prst="rect">
+        </p:nvCxnSpPr>
+        <p:spPr>
+          <a:xfrm>
+            <a:off x="6537521" y="3347842"/>
+            <a:ext cx="2116033" cy="1532710"/>
+          </a:xfrm>
+          <a:prstGeom prst="straightConnector1">
             <a:avLst/>
           </a:prstGeom>
-          <a:noFill/>
-          <a:extLst>
-            <a:ext uri="{909E8E84-426E-40DD-AFC4-6F175D3DCCD1}">
-              <a14:hiddenFill xmlns:a14="http://schemas.microsoft.com/office/drawing/2010/main">
-                <a:solidFill>
-                  <a:srgbClr val="FFFFFF"/>
-                </a:solidFill>
-              </a14:hiddenFill>
-            </a:ext>
-          </a:extLst>
-        </p:spPr>
-      </p:pic>
-      <p:sp>
-        <p:nvSpPr>
-          <p:cNvPr id="1028" name="Cylindre 1027">
-            <a:extLst>
-              <a:ext uri="{FF2B5EF4-FFF2-40B4-BE49-F238E27FC236}">
-                <a16:creationId xmlns:a16="http://schemas.microsoft.com/office/drawing/2014/main" id="{B2C2AFFD-8B14-9C7B-077E-D589D392B66C}"/>
+          <a:ln w="127000">
+            <a:solidFill>
+              <a:schemeClr val="accent6">
+                <a:lumMod val="75000"/>
+              </a:schemeClr>
+            </a:solidFill>
+            <a:tailEnd type="triangle"/>
+          </a:ln>
+        </p:spPr>
+        <p:style>
+          <a:lnRef idx="1">
+            <a:schemeClr val="accent1"/>
+          </a:lnRef>
+          <a:fillRef idx="0">
+            <a:schemeClr val="accent1"/>
+          </a:fillRef>
+          <a:effectRef idx="0">
+            <a:schemeClr val="accent1"/>
+          </a:effectRef>
+          <a:fontRef idx="minor">
+            <a:schemeClr val="tx1"/>
+          </a:fontRef>
+        </p:style>
+      </p:cxnSp>
+      <p:sp>
+        <p:nvSpPr>
+          <p:cNvPr id="20" name="Cylindre 19">
+            <a:extLst>
+              <a:ext uri="{FF2B5EF4-FFF2-40B4-BE49-F238E27FC236}">
+                <a16:creationId xmlns:a16="http://schemas.microsoft.com/office/drawing/2014/main" id="{ADE31F5A-3083-C305-22A8-E05EB3D3CEAE}"/>
               </a:ext>
             </a:extLst>
           </p:cNvPr>
@@ -5359,8 +5049,8 @@
         </p:nvSpPr>
         <p:spPr>
           <a:xfrm>
-            <a:off x="7797140" y="584200"/>
-            <a:ext cx="2977880" cy="2552700"/>
+            <a:off x="5004417" y="4325969"/>
+            <a:ext cx="1208169" cy="1258899"/>
           </a:xfrm>
           <a:prstGeom prst="can">
             <a:avLst/>
@@ -5381,7 +5071,7 @@
           </a:fontRef>
         </p:style>
         <p:txBody>
-          <a:bodyPr rtlCol="0" anchor="b"/>
+          <a:bodyPr rtlCol="0" anchor="ctr"/>
           <a:lstStyle/>
           <a:p>
             <a:pPr algn="ctr"/>
@@ -5393,75 +5083,26 @@
           </a:p>
         </p:txBody>
       </p:sp>
-      <p:sp>
-        <p:nvSpPr>
-          <p:cNvPr id="22" name="Cylindre 21">
-            <a:extLst>
-              <a:ext uri="{FF2B5EF4-FFF2-40B4-BE49-F238E27FC236}">
-                <a16:creationId xmlns:a16="http://schemas.microsoft.com/office/drawing/2014/main" id="{DD2C0339-DDF8-EC26-D9E3-90D001F95C2A}"/>
-              </a:ext>
-            </a:extLst>
-          </p:cNvPr>
-          <p:cNvSpPr/>
-          <p:nvPr/>
-        </p:nvSpPr>
-        <p:spPr>
-          <a:xfrm rot="16200000">
-            <a:off x="8953364" y="631988"/>
-            <a:ext cx="751315" cy="2408164"/>
-          </a:xfrm>
-          <a:prstGeom prst="can">
-            <a:avLst/>
-          </a:prstGeom>
-        </p:spPr>
-        <p:style>
-          <a:lnRef idx="2">
-            <a:schemeClr val="accent1">
-              <a:shade val="50000"/>
-            </a:schemeClr>
-          </a:lnRef>
-          <a:fillRef idx="1">
-            <a:schemeClr val="accent1"/>
-          </a:fillRef>
-          <a:effectRef idx="0">
-            <a:schemeClr val="accent1"/>
-          </a:effectRef>
-          <a:fontRef idx="minor">
-            <a:schemeClr val="lt1"/>
-          </a:fontRef>
-        </p:style>
-        <p:txBody>
-          <a:bodyPr vert="vert" rtlCol="0" anchor="ctr"/>
-          <a:lstStyle/>
-          <a:p>
-            <a:pPr algn="ctr"/>
-            <a:r>
-              <a:rPr lang="fr-FR" sz="2400" dirty="0"/>
-              <a:t>Queue « fibonacci »</a:t>
-            </a:r>
-          </a:p>
-        </p:txBody>
-      </p:sp>
       <p:cxnSp>
         <p:nvCxnSpPr>
-          <p:cNvPr id="7" name="Connecteur droit avec flèche 6">
-            <a:extLst>
-              <a:ext uri="{FF2B5EF4-FFF2-40B4-BE49-F238E27FC236}">
-                <a16:creationId xmlns:a16="http://schemas.microsoft.com/office/drawing/2014/main" id="{C972C828-7F9D-394D-A68C-FE40C3507285}"/>
+          <p:cNvPr id="1034" name="Connecteur droit avec flèche 1033">
+            <a:extLst>
+              <a:ext uri="{FF2B5EF4-FFF2-40B4-BE49-F238E27FC236}">
+                <a16:creationId xmlns:a16="http://schemas.microsoft.com/office/drawing/2014/main" id="{C97FA525-2FE2-BE58-B3CE-7494FA2825DA}"/>
               </a:ext>
             </a:extLst>
           </p:cNvPr>
           <p:cNvCxnSpPr>
             <a:cxnSpLocks/>
-            <a:stCxn id="5" idx="3"/>
-            <a:endCxn id="1028" idx="2"/>
+            <a:stCxn id="5" idx="2"/>
+            <a:endCxn id="20" idx="1"/>
           </p:cNvCxnSpPr>
           <p:nvPr/>
         </p:nvCxnSpPr>
         <p:spPr>
-          <a:xfrm>
-            <a:off x="7193847" y="1858882"/>
-            <a:ext cx="603293" cy="1668"/>
+          <a:xfrm flipH="1">
+            <a:off x="5608502" y="3809507"/>
+            <a:ext cx="1" cy="516462"/>
           </a:xfrm>
           <a:prstGeom prst="straightConnector1">
             <a:avLst/>
@@ -5490,158 +5131,219 @@
       </p:cxnSp>
       <p:sp>
         <p:nvSpPr>
-          <p:cNvPr id="1029" name="Cylindre 1028">
-            <a:extLst>
-              <a:ext uri="{FF2B5EF4-FFF2-40B4-BE49-F238E27FC236}">
-                <a16:creationId xmlns:a16="http://schemas.microsoft.com/office/drawing/2014/main" id="{6E9828DD-5050-2C93-4833-E135683F4973}"/>
-              </a:ext>
-            </a:extLst>
-          </p:cNvPr>
-          <p:cNvSpPr/>
+          <p:cNvPr id="2" name="ZoneTexte 1">
+            <a:extLst>
+              <a:ext uri="{FF2B5EF4-FFF2-40B4-BE49-F238E27FC236}">
+                <a16:creationId xmlns:a16="http://schemas.microsoft.com/office/drawing/2014/main" id="{3D360B9F-683E-C474-0972-4C7E01410CD7}"/>
+              </a:ext>
+            </a:extLst>
+          </p:cNvPr>
+          <p:cNvSpPr txBox="1"/>
           <p:nvPr/>
         </p:nvSpPr>
         <p:spPr>
           <a:xfrm>
-            <a:off x="490214" y="3953020"/>
-            <a:ext cx="2813045" cy="2549855"/>
-          </a:xfrm>
-          <a:prstGeom prst="can">
+            <a:off x="95250" y="405819"/>
+            <a:ext cx="7080613" cy="1200329"/>
+          </a:xfrm>
+          <a:prstGeom prst="rect">
             <a:avLst/>
           </a:prstGeom>
-        </p:spPr>
-        <p:style>
-          <a:lnRef idx="0">
-            <a:schemeClr val="accent5"/>
-          </a:lnRef>
-          <a:fillRef idx="3">
-            <a:schemeClr val="accent5"/>
-          </a:fillRef>
-          <a:effectRef idx="3">
-            <a:schemeClr val="accent5"/>
-          </a:effectRef>
-          <a:fontRef idx="minor">
-            <a:schemeClr val="lt1"/>
-          </a:fontRef>
-        </p:style>
-        <p:txBody>
-          <a:bodyPr rtlCol="0" anchor="b"/>
+          <a:noFill/>
+        </p:spPr>
+        <p:txBody>
+          <a:bodyPr wrap="square" rtlCol="0">
+            <a:spAutoFit/>
+          </a:bodyPr>
           <a:lstStyle/>
           <a:p>
-            <a:pPr algn="ctr"/>
-            <a:r>
-              <a:rPr lang="fr-FR" sz="2000" dirty="0"/>
-              <a:t>SlimData</a:t>
-            </a:r>
-            <a:endParaRPr lang="fr-FR" sz="1400" dirty="0"/>
-          </a:p>
-        </p:txBody>
-      </p:sp>
-      <p:sp>
-        <p:nvSpPr>
-          <p:cNvPr id="27" name="Cylindre 26">
-            <a:extLst>
-              <a:ext uri="{FF2B5EF4-FFF2-40B4-BE49-F238E27FC236}">
-                <a16:creationId xmlns:a16="http://schemas.microsoft.com/office/drawing/2014/main" id="{146FCB4D-473D-B689-1A53-2B815AC45570}"/>
-              </a:ext>
-            </a:extLst>
-          </p:cNvPr>
-          <p:cNvSpPr/>
+            <a:r>
+              <a:rPr lang="fr-FR" sz="2400" dirty="0"/>
+              <a:t>HTTP POST</a:t>
+            </a:r>
+          </a:p>
+          <a:p>
+            <a:r>
+              <a:rPr lang="fr-FR" sz="2400" dirty="0">
+                <a:hlinkClick r:id="rId4"/>
+              </a:rPr>
+              <a:t>http://slimfaas/</a:t>
+            </a:r>
+            <a:r>
+              <a:rPr lang="fr-FR" sz="2400" dirty="0">
+                <a:highlight>
+                  <a:srgbClr val="FFFF00"/>
+                </a:highlight>
+                <a:hlinkClick r:id="rId4"/>
+              </a:rPr>
+              <a:t>function</a:t>
+            </a:r>
+            <a:r>
+              <a:rPr lang="fr-FR" sz="2400" dirty="0">
+                <a:hlinkClick r:id="rId4"/>
+              </a:rPr>
+              <a:t>/</a:t>
+            </a:r>
+            <a:r>
+              <a:rPr lang="fr-FR" sz="2400" dirty="0">
+                <a:highlight>
+                  <a:srgbClr val="00FF00"/>
+                </a:highlight>
+                <a:hlinkClick r:id="rId4"/>
+              </a:rPr>
+              <a:t>fibonacci</a:t>
+            </a:r>
+            <a:r>
+              <a:rPr lang="fr-FR" sz="2400" dirty="0">
+                <a:hlinkClick r:id="rId4"/>
+              </a:rPr>
+              <a:t>/</a:t>
+            </a:r>
+            <a:r>
+              <a:rPr lang="fr-FR" sz="2400" dirty="0">
+                <a:highlight>
+                  <a:srgbClr val="FF6C45"/>
+                </a:highlight>
+                <a:hlinkClick r:id="rId4"/>
+              </a:rPr>
+              <a:t>hello/guillaume</a:t>
+            </a:r>
+            <a:endParaRPr lang="fr-FR" sz="2400" dirty="0">
+              <a:highlight>
+                <a:srgbClr val="FF6C45"/>
+              </a:highlight>
+            </a:endParaRPr>
+          </a:p>
+          <a:p>
+            <a:r>
+              <a:rPr lang="fr-FR" sz="2400" dirty="0"/>
+              <a:t>{</a:t>
+            </a:r>
+            <a:r>
+              <a:rPr lang="fr-FR" sz="2400" b="0" i="0" dirty="0">
+                <a:effectLst/>
+                <a:latin typeface="-apple-system"/>
+              </a:rPr>
+              <a:t>"</a:t>
+            </a:r>
+            <a:r>
+              <a:rPr lang="fr-FR" sz="2400" dirty="0"/>
+              <a:t>input</a:t>
+            </a:r>
+            <a:r>
+              <a:rPr lang="fr-FR" sz="2400" b="0" i="0" dirty="0">
+                <a:effectLst/>
+                <a:latin typeface="-apple-system"/>
+              </a:rPr>
+              <a:t>"</a:t>
+            </a:r>
+            <a:r>
+              <a:rPr lang="fr-FR" sz="2400" dirty="0"/>
+              <a:t>:42}</a:t>
+            </a:r>
+          </a:p>
+        </p:txBody>
+      </p:sp>
+      <p:sp>
+        <p:nvSpPr>
+          <p:cNvPr id="6" name="ZoneTexte 5">
+            <a:extLst>
+              <a:ext uri="{FF2B5EF4-FFF2-40B4-BE49-F238E27FC236}">
+                <a16:creationId xmlns:a16="http://schemas.microsoft.com/office/drawing/2014/main" id="{43E3B7B0-10A9-2A13-B906-B992930A68C1}"/>
+              </a:ext>
+            </a:extLst>
+          </p:cNvPr>
+          <p:cNvSpPr txBox="1"/>
           <p:nvPr/>
         </p:nvSpPr>
         <p:spPr>
-          <a:xfrm rot="16200000">
-            <a:off x="1568764" y="3997138"/>
-            <a:ext cx="751315" cy="2408164"/>
-          </a:xfrm>
-          <a:prstGeom prst="can">
+          <a:xfrm>
+            <a:off x="7558644" y="2137261"/>
+            <a:ext cx="4438754" cy="1200329"/>
+          </a:xfrm>
+          <a:prstGeom prst="rect">
             <a:avLst/>
           </a:prstGeom>
-        </p:spPr>
-        <p:style>
-          <a:lnRef idx="2">
-            <a:schemeClr val="accent1">
-              <a:shade val="50000"/>
-            </a:schemeClr>
-          </a:lnRef>
-          <a:fillRef idx="1">
-            <a:schemeClr val="accent1"/>
-          </a:fillRef>
-          <a:effectRef idx="0">
-            <a:schemeClr val="accent1"/>
-          </a:effectRef>
-          <a:fontRef idx="minor">
-            <a:schemeClr val="lt1"/>
-          </a:fontRef>
-        </p:style>
-        <p:txBody>
-          <a:bodyPr vert="vert" rtlCol="0" anchor="ctr"/>
+          <a:noFill/>
+        </p:spPr>
+        <p:txBody>
+          <a:bodyPr wrap="square" rtlCol="0">
+            <a:spAutoFit/>
+          </a:bodyPr>
           <a:lstStyle/>
           <a:p>
-            <a:pPr algn="ctr"/>
             <a:r>
               <a:rPr lang="fr-FR" sz="2400" dirty="0"/>
-              <a:t>Queue </a:t>
-            </a:r>
-          </a:p>
-          <a:p>
-            <a:pPr algn="ctr"/>
-            <a:r>
+              <a:t>HTTP POST</a:t>
+            </a:r>
+          </a:p>
+          <a:p>
+            <a:r>
+              <a:rPr lang="fr-FR" sz="2400" dirty="0">
+                <a:hlinkClick r:id="rId5"/>
+              </a:rPr>
+              <a:t>http://</a:t>
+            </a:r>
+            <a:r>
+              <a:rPr lang="fr-FR" sz="2400" dirty="0">
+                <a:highlight>
+                  <a:srgbClr val="00FF00"/>
+                </a:highlight>
+                <a:hlinkClick r:id="rId5"/>
+              </a:rPr>
+              <a:t>fibonacci</a:t>
+            </a:r>
+            <a:r>
+              <a:rPr lang="fr-FR" sz="2400" dirty="0">
+                <a:hlinkClick r:id="rId5"/>
+              </a:rPr>
+              <a:t>/</a:t>
+            </a:r>
+            <a:r>
+              <a:rPr lang="fr-FR" sz="2400" dirty="0">
+                <a:highlight>
+                  <a:srgbClr val="FF6C45"/>
+                </a:highlight>
+                <a:hlinkClick r:id="rId5"/>
+              </a:rPr>
+              <a:t>hello/guillaume</a:t>
+            </a:r>
+            <a:br>
               <a:rPr lang="fr-FR" sz="2400" dirty="0"/>
-              <a:t>« fibonacci »</a:t>
-            </a:r>
-          </a:p>
-        </p:txBody>
-      </p:sp>
-      <p:cxnSp>
-        <p:nvCxnSpPr>
-          <p:cNvPr id="1049" name="Connecteur droit avec flèche 1048">
-            <a:extLst>
-              <a:ext uri="{FF2B5EF4-FFF2-40B4-BE49-F238E27FC236}">
-                <a16:creationId xmlns:a16="http://schemas.microsoft.com/office/drawing/2014/main" id="{AF84025A-C525-17D2-CABA-45F015AF903D}"/>
-              </a:ext>
-            </a:extLst>
-          </p:cNvPr>
-          <p:cNvCxnSpPr>
-            <a:cxnSpLocks/>
-            <a:stCxn id="2" idx="1"/>
-            <a:endCxn id="1029" idx="4"/>
-          </p:cNvCxnSpPr>
-          <p:nvPr/>
-        </p:nvCxnSpPr>
-        <p:spPr>
-          <a:xfrm flipH="1">
-            <a:off x="3303259" y="5227947"/>
-            <a:ext cx="717822" cy="1"/>
-          </a:xfrm>
-          <a:prstGeom prst="straightConnector1">
-            <a:avLst/>
-          </a:prstGeom>
-          <a:ln w="127000">
-            <a:solidFill>
-              <a:srgbClr val="0070C0"/>
-            </a:solidFill>
-            <a:tailEnd type="triangle"/>
-          </a:ln>
-        </p:spPr>
-        <p:style>
-          <a:lnRef idx="1">
-            <a:schemeClr val="accent1"/>
-          </a:lnRef>
-          <a:fillRef idx="0">
-            <a:schemeClr val="accent1"/>
-          </a:fillRef>
-          <a:effectRef idx="0">
-            <a:schemeClr val="accent1"/>
-          </a:effectRef>
-          <a:fontRef idx="minor">
-            <a:schemeClr val="tx1"/>
-          </a:fontRef>
-        </p:style>
-      </p:cxnSp>
+            </a:br>
+            <a:r>
+              <a:rPr lang="fr-FR" sz="2400" dirty="0"/>
+              <a:t>{</a:t>
+            </a:r>
+            <a:r>
+              <a:rPr lang="fr-FR" sz="2400" b="0" i="0" dirty="0">
+                <a:effectLst/>
+                <a:latin typeface="-apple-system"/>
+              </a:rPr>
+              <a:t>"</a:t>
+            </a:r>
+            <a:r>
+              <a:rPr lang="fr-FR" sz="2400" dirty="0"/>
+              <a:t>input</a:t>
+            </a:r>
+            <a:r>
+              <a:rPr lang="fr-FR" sz="2400" b="0" i="0" dirty="0">
+                <a:effectLst/>
+                <a:latin typeface="-apple-system"/>
+              </a:rPr>
+              <a:t>"</a:t>
+            </a:r>
+            <a:r>
+              <a:rPr lang="fr-FR" sz="2400" dirty="0"/>
+              <a:t>:42}</a:t>
+            </a:r>
+          </a:p>
+        </p:txBody>
+      </p:sp>
     </p:spTree>
     <p:extLst>
       <p:ext uri="{BB962C8B-B14F-4D97-AF65-F5344CB8AC3E}">
-        <p14:creationId xmlns:p14="http://schemas.microsoft.com/office/powerpoint/2010/main" val="2307360419"/>
+        <p14:creationId xmlns:p14="http://schemas.microsoft.com/office/powerpoint/2010/main" val="129032465"/>
       </p:ext>
     </p:extLst>
   </p:cSld>
@@ -5670,10 +5372,10 @@
       </p:grpSpPr>
       <p:sp>
         <p:nvSpPr>
-          <p:cNvPr id="21" name="Rectangle : coins arrondis 20">
-            <a:extLst>
-              <a:ext uri="{FF2B5EF4-FFF2-40B4-BE49-F238E27FC236}">
-                <a16:creationId xmlns:a16="http://schemas.microsoft.com/office/drawing/2014/main" id="{10281813-D3E5-87C3-B19F-4CEC0004BAF6}"/>
+          <p:cNvPr id="17" name="Rectangle 16">
+            <a:extLst>
+              <a:ext uri="{FF2B5EF4-FFF2-40B4-BE49-F238E27FC236}">
+                <a16:creationId xmlns:a16="http://schemas.microsoft.com/office/drawing/2014/main" id="{83C60C87-609E-41AB-8E66-C44853DB93B6}"/>
               </a:ext>
             </a:extLst>
           </p:cNvPr>
@@ -5682,8 +5384,60 @@
         </p:nvSpPr>
         <p:spPr>
           <a:xfrm>
-            <a:off x="3926528" y="2223970"/>
-            <a:ext cx="3341145" cy="3514653"/>
+            <a:off x="95250" y="6604378"/>
+            <a:ext cx="6305550" cy="253622"/>
+          </a:xfrm>
+          <a:prstGeom prst="rect">
+            <a:avLst/>
+          </a:prstGeom>
+          <a:solidFill>
+            <a:schemeClr val="bg1"/>
+          </a:solidFill>
+          <a:ln>
+            <a:noFill/>
+          </a:ln>
+        </p:spPr>
+        <p:style>
+          <a:lnRef idx="2">
+            <a:schemeClr val="accent1">
+              <a:shade val="50000"/>
+            </a:schemeClr>
+          </a:lnRef>
+          <a:fillRef idx="1">
+            <a:schemeClr val="accent1"/>
+          </a:fillRef>
+          <a:effectRef idx="0">
+            <a:schemeClr val="accent1"/>
+          </a:effectRef>
+          <a:fontRef idx="minor">
+            <a:schemeClr val="lt1"/>
+          </a:fontRef>
+        </p:style>
+        <p:txBody>
+          <a:bodyPr rtlCol="0" anchor="ctr"/>
+          <a:lstStyle/>
+          <a:p>
+            <a:pPr algn="ctr"/>
+            <a:endParaRPr lang="fr-FR"/>
+          </a:p>
+        </p:txBody>
+      </p:sp>
+      <p:sp>
+        <p:nvSpPr>
+          <p:cNvPr id="15" name="Rectangle : coins arrondis 14">
+            <a:extLst>
+              <a:ext uri="{FF2B5EF4-FFF2-40B4-BE49-F238E27FC236}">
+                <a16:creationId xmlns:a16="http://schemas.microsoft.com/office/drawing/2014/main" id="{A6226B3F-3380-E0AA-AF16-830B21A49428}"/>
+              </a:ext>
+            </a:extLst>
+          </p:cNvPr>
+          <p:cNvSpPr/>
+          <p:nvPr/>
+        </p:nvSpPr>
+        <p:spPr>
+          <a:xfrm>
+            <a:off x="270274" y="3860695"/>
+            <a:ext cx="5854700" cy="2824928"/>
           </a:xfrm>
           <a:prstGeom prst="roundRect">
             <a:avLst/>
@@ -5726,12 +5480,184 @@
           </a:p>
         </p:txBody>
       </p:sp>
+      <p:sp>
+        <p:nvSpPr>
+          <p:cNvPr id="11" name="Rectangle : coins arrondis 10">
+            <a:extLst>
+              <a:ext uri="{FF2B5EF4-FFF2-40B4-BE49-F238E27FC236}">
+                <a16:creationId xmlns:a16="http://schemas.microsoft.com/office/drawing/2014/main" id="{4E0312E4-E02C-5132-9EC7-E21ECBAD0DFB}"/>
+              </a:ext>
+            </a:extLst>
+          </p:cNvPr>
+          <p:cNvSpPr/>
+          <p:nvPr/>
+        </p:nvSpPr>
+        <p:spPr>
+          <a:xfrm>
+            <a:off x="5788599" y="248280"/>
+            <a:ext cx="6118483" cy="2953155"/>
+          </a:xfrm>
+          <a:prstGeom prst="roundRect">
+            <a:avLst/>
+          </a:prstGeom>
+          <a:solidFill>
+            <a:schemeClr val="bg2">
+              <a:lumMod val="25000"/>
+            </a:schemeClr>
+          </a:solidFill>
+          <a:ln>
+            <a:noFill/>
+          </a:ln>
+        </p:spPr>
+        <p:style>
+          <a:lnRef idx="2">
+            <a:schemeClr val="accent1">
+              <a:shade val="50000"/>
+            </a:schemeClr>
+          </a:lnRef>
+          <a:fillRef idx="1">
+            <a:schemeClr val="accent1"/>
+          </a:fillRef>
+          <a:effectRef idx="0">
+            <a:schemeClr val="accent1"/>
+          </a:effectRef>
+          <a:fontRef idx="minor">
+            <a:schemeClr val="lt1"/>
+          </a:fontRef>
+        </p:style>
+        <p:txBody>
+          <a:bodyPr rtlCol="0" anchor="ctr"/>
+          <a:lstStyle/>
+          <a:p>
+            <a:pPr algn="ctr"/>
+            <a:endParaRPr lang="fr-FR" sz="4000">
+              <a:solidFill>
+                <a:schemeClr val="bg1"/>
+              </a:solidFill>
+            </a:endParaRPr>
+          </a:p>
+        </p:txBody>
+      </p:sp>
+      <p:cxnSp>
+        <p:nvCxnSpPr>
+          <p:cNvPr id="25" name="Connecteur droit avec flèche 24">
+            <a:extLst>
+              <a:ext uri="{FF2B5EF4-FFF2-40B4-BE49-F238E27FC236}">
+                <a16:creationId xmlns:a16="http://schemas.microsoft.com/office/drawing/2014/main" id="{EF74DD91-1B16-470B-A20B-035F88F385D6}"/>
+              </a:ext>
+            </a:extLst>
+          </p:cNvPr>
+          <p:cNvCxnSpPr>
+            <a:cxnSpLocks/>
+            <a:stCxn id="2" idx="3"/>
+            <a:endCxn id="13" idx="1"/>
+          </p:cNvCxnSpPr>
+          <p:nvPr/>
+        </p:nvCxnSpPr>
+        <p:spPr>
+          <a:xfrm flipV="1">
+            <a:off x="5945039" y="5223738"/>
+            <a:ext cx="2412084" cy="4209"/>
+          </a:xfrm>
+          <a:prstGeom prst="straightConnector1">
+            <a:avLst/>
+          </a:prstGeom>
+          <a:ln w="127000">
+            <a:solidFill>
+              <a:schemeClr val="accent6">
+                <a:lumMod val="75000"/>
+              </a:schemeClr>
+            </a:solidFill>
+            <a:tailEnd type="triangle"/>
+          </a:ln>
+        </p:spPr>
+        <p:style>
+          <a:lnRef idx="1">
+            <a:schemeClr val="accent1"/>
+          </a:lnRef>
+          <a:fillRef idx="0">
+            <a:schemeClr val="accent1"/>
+          </a:fillRef>
+          <a:effectRef idx="0">
+            <a:schemeClr val="accent1"/>
+          </a:effectRef>
+          <a:fontRef idx="minor">
+            <a:schemeClr val="tx1"/>
+          </a:fontRef>
+        </p:style>
+      </p:cxnSp>
+      <p:sp>
+        <p:nvSpPr>
+          <p:cNvPr id="13" name="Rounded Rectangle 45">
+            <a:extLst>
+              <a:ext uri="{FF2B5EF4-FFF2-40B4-BE49-F238E27FC236}">
+                <a16:creationId xmlns:a16="http://schemas.microsoft.com/office/drawing/2014/main" id="{010C1183-1FCB-4B5B-84DC-B7D70796FA94}"/>
+              </a:ext>
+            </a:extLst>
+          </p:cNvPr>
+          <p:cNvSpPr/>
+          <p:nvPr/>
+        </p:nvSpPr>
+        <p:spPr>
+          <a:xfrm>
+            <a:off x="8357123" y="4174427"/>
+            <a:ext cx="3145551" cy="2098622"/>
+          </a:xfrm>
+          <a:prstGeom prst="roundRect">
+            <a:avLst/>
+          </a:prstGeom>
+          <a:solidFill>
+            <a:schemeClr val="bg2">
+              <a:lumMod val="25000"/>
+            </a:schemeClr>
+          </a:solidFill>
+          <a:ln>
+            <a:noFill/>
+          </a:ln>
+        </p:spPr>
+        <p:style>
+          <a:lnRef idx="2">
+            <a:schemeClr val="accent1">
+              <a:shade val="50000"/>
+            </a:schemeClr>
+          </a:lnRef>
+          <a:fillRef idx="1">
+            <a:schemeClr val="accent1"/>
+          </a:fillRef>
+          <a:effectRef idx="0">
+            <a:schemeClr val="accent1"/>
+          </a:effectRef>
+          <a:fontRef idx="minor">
+            <a:schemeClr val="lt1"/>
+          </a:fontRef>
+        </p:style>
+        <p:txBody>
+          <a:bodyPr rtlCol="0" anchor="ctr"/>
+          <a:lstStyle/>
+          <a:p>
+            <a:pPr algn="ctr"/>
+            <a:r>
+              <a:rPr lang="fr-FR" sz="4000" dirty="0">
+                <a:solidFill>
+                  <a:schemeClr val="bg1"/>
+                </a:solidFill>
+              </a:rPr>
+              <a:t>function « fibonacci »</a:t>
+            </a:r>
+            <a:endParaRPr lang="en-FR" sz="4000" dirty="0">
+              <a:solidFill>
+                <a:schemeClr val="bg1"/>
+              </a:solidFill>
+            </a:endParaRPr>
+          </a:p>
+        </p:txBody>
+      </p:sp>
       <p:pic>
         <p:nvPicPr>
-          <p:cNvPr id="22" name="Picture 2" descr="Afficher l’image source">
-            <a:extLst>
-              <a:ext uri="{FF2B5EF4-FFF2-40B4-BE49-F238E27FC236}">
-                <a16:creationId xmlns:a16="http://schemas.microsoft.com/office/drawing/2014/main" id="{4C3C7A7E-0F7E-D5AB-7CB7-FE79F49436F5}"/>
+          <p:cNvPr id="1026" name="Picture 2" descr="Afficher l’image source">
+            <a:extLst>
+              <a:ext uri="{FF2B5EF4-FFF2-40B4-BE49-F238E27FC236}">
+                <a16:creationId xmlns:a16="http://schemas.microsoft.com/office/drawing/2014/main" id="{F291C231-1626-4F0E-B26C-1EFF6A7E0B9C}"/>
               </a:ext>
             </a:extLst>
           </p:cNvPr>
@@ -5755,7 +5681,7 @@
         </p:blipFill>
         <p:spPr bwMode="auto">
           <a:xfrm>
-            <a:off x="3755743" y="1933694"/>
+            <a:off x="11029347" y="4031598"/>
             <a:ext cx="588793" cy="572693"/>
           </a:xfrm>
           <a:prstGeom prst="rect">
@@ -5775,10 +5701,10 @@
       </p:pic>
       <p:sp>
         <p:nvSpPr>
-          <p:cNvPr id="17" name="Rectangle 16">
-            <a:extLst>
-              <a:ext uri="{FF2B5EF4-FFF2-40B4-BE49-F238E27FC236}">
-                <a16:creationId xmlns:a16="http://schemas.microsoft.com/office/drawing/2014/main" id="{83C60C87-609E-41AB-8E66-C44853DB93B6}"/>
+          <p:cNvPr id="2" name="Rounded Rectangle 44">
+            <a:extLst>
+              <a:ext uri="{FF2B5EF4-FFF2-40B4-BE49-F238E27FC236}">
+                <a16:creationId xmlns:a16="http://schemas.microsoft.com/office/drawing/2014/main" id="{ECE643B4-61AF-3733-8039-0237A0938B0F}"/>
               </a:ext>
             </a:extLst>
           </p:cNvPr>
@@ -5787,60 +5713,8 @@
         </p:nvSpPr>
         <p:spPr>
           <a:xfrm>
-            <a:off x="95250" y="6604378"/>
-            <a:ext cx="6305550" cy="253622"/>
-          </a:xfrm>
-          <a:prstGeom prst="rect">
-            <a:avLst/>
-          </a:prstGeom>
-          <a:solidFill>
-            <a:schemeClr val="bg1"/>
-          </a:solidFill>
-          <a:ln>
-            <a:noFill/>
-          </a:ln>
-        </p:spPr>
-        <p:style>
-          <a:lnRef idx="2">
-            <a:schemeClr val="accent1">
-              <a:shade val="50000"/>
-            </a:schemeClr>
-          </a:lnRef>
-          <a:fillRef idx="1">
-            <a:schemeClr val="accent1"/>
-          </a:fillRef>
-          <a:effectRef idx="0">
-            <a:schemeClr val="accent1"/>
-          </a:effectRef>
-          <a:fontRef idx="minor">
-            <a:schemeClr val="lt1"/>
-          </a:fontRef>
-        </p:style>
-        <p:txBody>
-          <a:bodyPr rtlCol="0" anchor="ctr"/>
-          <a:lstStyle/>
-          <a:p>
-            <a:pPr algn="ctr"/>
-            <a:endParaRPr lang="fr-FR"/>
-          </a:p>
-        </p:txBody>
-      </p:sp>
-      <p:sp>
-        <p:nvSpPr>
-          <p:cNvPr id="5" name="Rounded Rectangle 44">
-            <a:extLst>
-              <a:ext uri="{FF2B5EF4-FFF2-40B4-BE49-F238E27FC236}">
-                <a16:creationId xmlns:a16="http://schemas.microsoft.com/office/drawing/2014/main" id="{8B31C066-D6ED-6B00-6DFD-759464A699DC}"/>
-              </a:ext>
-            </a:extLst>
-          </p:cNvPr>
-          <p:cNvSpPr/>
-          <p:nvPr/>
-        </p:nvSpPr>
-        <p:spPr>
-          <a:xfrm>
-            <a:off x="4679484" y="2886177"/>
-            <a:ext cx="1858037" cy="923330"/>
+            <a:off x="4021081" y="4700432"/>
+            <a:ext cx="1923958" cy="1055029"/>
           </a:xfrm>
           <a:prstGeom prst="roundRect">
             <a:avLst/>
@@ -5884,6 +5758,65 @@
           </a:p>
         </p:txBody>
       </p:sp>
+      <p:sp>
+        <p:nvSpPr>
+          <p:cNvPr id="5" name="Rounded Rectangle 44">
+            <a:extLst>
+              <a:ext uri="{FF2B5EF4-FFF2-40B4-BE49-F238E27FC236}">
+                <a16:creationId xmlns:a16="http://schemas.microsoft.com/office/drawing/2014/main" id="{8B31C066-D6ED-6B00-6DFD-759464A699DC}"/>
+              </a:ext>
+            </a:extLst>
+          </p:cNvPr>
+          <p:cNvSpPr/>
+          <p:nvPr/>
+        </p:nvSpPr>
+        <p:spPr>
+          <a:xfrm>
+            <a:off x="6031056" y="1199622"/>
+            <a:ext cx="2135174" cy="923330"/>
+          </a:xfrm>
+          <a:prstGeom prst="roundRect">
+            <a:avLst/>
+          </a:prstGeom>
+          <a:solidFill>
+            <a:srgbClr val="7030A0"/>
+          </a:solidFill>
+          <a:ln>
+            <a:noFill/>
+          </a:ln>
+        </p:spPr>
+        <p:style>
+          <a:lnRef idx="2">
+            <a:schemeClr val="accent1">
+              <a:shade val="50000"/>
+            </a:schemeClr>
+          </a:lnRef>
+          <a:fillRef idx="1">
+            <a:schemeClr val="accent1"/>
+          </a:fillRef>
+          <a:effectRef idx="0">
+            <a:schemeClr val="accent1"/>
+          </a:effectRef>
+          <a:fontRef idx="minor">
+            <a:schemeClr val="lt1"/>
+          </a:fontRef>
+        </p:style>
+        <p:txBody>
+          <a:bodyPr rtlCol="0" anchor="ctr"/>
+          <a:lstStyle/>
+          <a:p>
+            <a:pPr algn="ctr"/>
+            <a:r>
+              <a:rPr lang="en-US" sz="2800" dirty="0">
+                <a:solidFill>
+                  <a:schemeClr val="bg1"/>
+                </a:solidFill>
+              </a:rPr>
+              <a:t>SlimFaas</a:t>
+            </a:r>
+          </a:p>
+        </p:txBody>
+      </p:sp>
       <p:cxnSp>
         <p:nvCxnSpPr>
           <p:cNvPr id="1030" name="Connecteur droit avec flèche 1029">
@@ -5902,8 +5835,8 @@
         </p:nvCxnSpPr>
         <p:spPr>
           <a:xfrm>
-            <a:off x="3322445" y="3347842"/>
-            <a:ext cx="1357039" cy="0"/>
+            <a:off x="4995157" y="1657406"/>
+            <a:ext cx="1035899" cy="3881"/>
           </a:xfrm>
           <a:prstGeom prst="straightConnector1">
             <a:avLst/>
@@ -5946,8 +5879,8 @@
         </p:nvSpPr>
         <p:spPr>
           <a:xfrm>
-            <a:off x="166495" y="2932343"/>
-            <a:ext cx="3155950" cy="830997"/>
+            <a:off x="48143" y="1288074"/>
+            <a:ext cx="4947014" cy="738664"/>
           </a:xfrm>
           <a:prstGeom prst="rect">
             <a:avLst/>
@@ -5961,44 +5894,87 @@
           <a:lstStyle/>
           <a:p>
             <a:r>
-              <a:rPr lang="fr-FR" sz="1600" dirty="0"/>
+              <a:rPr lang="fr-FR" sz="1400" dirty="0"/>
               <a:t>HTTP POST</a:t>
             </a:r>
           </a:p>
           <a:p>
             <a:r>
-              <a:rPr lang="fr-FR" sz="1600" dirty="0">
+              <a:rPr lang="fr-FR" sz="1400" dirty="0">
                 <a:hlinkClick r:id="rId4"/>
               </a:rPr>
-              <a:t>http://slimfaas/function/fibonacci</a:t>
-            </a:r>
-            <a:endParaRPr lang="fr-FR" sz="1600" dirty="0"/>
-          </a:p>
-          <a:p>
-            <a:r>
-              <a:rPr lang="fr-FR" sz="1600" dirty="0"/>
+              <a:t>http://slimfaas/</a:t>
+            </a:r>
+            <a:r>
+              <a:rPr lang="fr-FR" sz="1400" dirty="0">
+                <a:highlight>
+                  <a:srgbClr val="FFFF00"/>
+                </a:highlight>
+                <a:hlinkClick r:id="rId4"/>
+              </a:rPr>
+              <a:t>async-function</a:t>
+            </a:r>
+            <a:r>
+              <a:rPr lang="fr-FR" sz="1400" dirty="0">
+                <a:hlinkClick r:id="rId4"/>
+              </a:rPr>
+              <a:t>/</a:t>
+            </a:r>
+            <a:r>
+              <a:rPr lang="fr-FR" sz="1400" dirty="0">
+                <a:highlight>
+                  <a:srgbClr val="00FF00"/>
+                </a:highlight>
+                <a:hlinkClick r:id="rId4"/>
+              </a:rPr>
+              <a:t>fibonacci</a:t>
+            </a:r>
+            <a:r>
+              <a:rPr lang="fr-FR" sz="1400" dirty="0">
+                <a:hlinkClick r:id="rId4"/>
+              </a:rPr>
+              <a:t>/</a:t>
+            </a:r>
+            <a:r>
+              <a:rPr lang="fr-FR" sz="1400" dirty="0">
+                <a:highlight>
+                  <a:srgbClr val="FF6C45"/>
+                </a:highlight>
+                <a:hlinkClick r:id="rId4"/>
+              </a:rPr>
+              <a:t>hello/guillaume</a:t>
+            </a:r>
+            <a:endParaRPr lang="fr-FR" sz="1400" dirty="0">
+              <a:highlight>
+                <a:srgbClr val="FF6C45"/>
+              </a:highlight>
+            </a:endParaRPr>
+          </a:p>
+          <a:p>
+            <a:r>
+              <a:rPr lang="fr-FR" sz="1400" dirty="0"/>
               <a:t>{</a:t>
             </a:r>
             <a:r>
-              <a:rPr lang="fr-FR" sz="1600" b="0" i="0" dirty="0">
+              <a:rPr lang="fr-FR" sz="1400" b="0" i="0" dirty="0">
                 <a:effectLst/>
                 <a:latin typeface="-apple-system"/>
               </a:rPr>
               <a:t>"</a:t>
             </a:r>
             <a:r>
-              <a:rPr lang="fr-FR" sz="1600" dirty="0"/>
+              <a:rPr lang="fr-FR" sz="1400" dirty="0"/>
               <a:t>input</a:t>
             </a:r>
             <a:r>
-              <a:rPr lang="fr-FR" sz="1600" b="0" i="0" dirty="0">
+              <a:rPr lang="fr-FR" sz="1400" b="0" i="0" dirty="0">
                 <a:effectLst/>
                 <a:latin typeface="-apple-system"/>
               </a:rPr>
               <a:t>"</a:t>
             </a:r>
             <a:r>
-              <a:rPr lang="fr-FR" sz="1600" dirty="0"/>
+              <a:rPr lang="fr-FR" sz="1400" dirty="0"/>
               <a:t>:42}</a:t>
             </a:r>
           </a:p>
@@ -6006,10 +5982,10 @@
       </p:sp>
       <p:sp>
         <p:nvSpPr>
-          <p:cNvPr id="12" name="ZoneTexte 11">
-            <a:extLst>
-              <a:ext uri="{FF2B5EF4-FFF2-40B4-BE49-F238E27FC236}">
-                <a16:creationId xmlns:a16="http://schemas.microsoft.com/office/drawing/2014/main" id="{F13DD677-D1D6-F5D4-49E9-45EA78EE7994}"/>
+          <p:cNvPr id="1069" name="ZoneTexte 1068">
+            <a:extLst>
+              <a:ext uri="{FF2B5EF4-FFF2-40B4-BE49-F238E27FC236}">
+                <a16:creationId xmlns:a16="http://schemas.microsoft.com/office/drawing/2014/main" id="{090E0DC5-DC00-5D4D-282B-8F120B96B110}"/>
               </a:ext>
             </a:extLst>
           </p:cNvPr>
@@ -6018,8 +5994,8 @@
         </p:nvSpPr>
         <p:spPr>
           <a:xfrm>
-            <a:off x="7389910" y="2286012"/>
-            <a:ext cx="1659171" cy="830997"/>
+            <a:off x="6096000" y="3302938"/>
+            <a:ext cx="4920343" cy="1200329"/>
           </a:xfrm>
           <a:prstGeom prst="rect">
             <a:avLst/>
@@ -6033,125 +6009,79 @@
           <a:lstStyle/>
           <a:p>
             <a:r>
-              <a:rPr lang="fr-FR" sz="1600" dirty="0"/>
+              <a:rPr lang="fr-FR" sz="2400" dirty="0"/>
               <a:t>HTTP POST</a:t>
             </a:r>
           </a:p>
           <a:p>
             <a:r>
-              <a:rPr lang="fr-FR" sz="1600" dirty="0">
+              <a:rPr lang="fr-FR" sz="2400" dirty="0">
                 <a:hlinkClick r:id="rId5"/>
               </a:rPr>
-              <a:t>http://fibonacci</a:t>
-            </a:r>
-            <a:r>
-              <a:rPr lang="fr-FR" sz="1600" dirty="0"/>
-              <a:t> </a:t>
+              <a:t>http://</a:t>
+            </a:r>
+            <a:r>
+              <a:rPr lang="fr-FR" sz="2400" dirty="0">
+                <a:highlight>
+                  <a:srgbClr val="00FF00"/>
+                </a:highlight>
+                <a:hlinkClick r:id="rId5"/>
+              </a:rPr>
+              <a:t>fibonacci</a:t>
+            </a:r>
+            <a:r>
+              <a:rPr lang="fr-FR" sz="2400" dirty="0">
+                <a:hlinkClick r:id="rId5"/>
+              </a:rPr>
+              <a:t>/</a:t>
+            </a:r>
+            <a:r>
+              <a:rPr lang="fr-FR" sz="2400" dirty="0">
+                <a:highlight>
+                  <a:srgbClr val="FF6C45"/>
+                </a:highlight>
+                <a:hlinkClick r:id="rId5"/>
+              </a:rPr>
+              <a:t>hello/guillaume</a:t>
             </a:r>
             <a:br>
-              <a:rPr lang="fr-FR" sz="1600" dirty="0"/>
+              <a:rPr lang="fr-FR" sz="2400" dirty="0"/>
             </a:br>
             <a:r>
-              <a:rPr lang="fr-FR" sz="1600" dirty="0"/>
+              <a:rPr lang="fr-FR" sz="2400" dirty="0"/>
               <a:t>{</a:t>
             </a:r>
             <a:r>
-              <a:rPr lang="fr-FR" sz="1600" b="0" i="0" dirty="0">
+              <a:rPr lang="fr-FR" sz="2400" b="0" i="0" dirty="0">
                 <a:effectLst/>
                 <a:latin typeface="-apple-system"/>
               </a:rPr>
               <a:t>"</a:t>
             </a:r>
             <a:r>
-              <a:rPr lang="fr-FR" sz="1600" dirty="0"/>
+              <a:rPr lang="fr-FR" sz="2400" dirty="0"/>
               <a:t>input</a:t>
             </a:r>
             <a:r>
-              <a:rPr lang="fr-FR" sz="1600" b="0" i="0" dirty="0">
+              <a:rPr lang="fr-FR" sz="2400" b="0" i="0" dirty="0">
                 <a:effectLst/>
                 <a:latin typeface="-apple-system"/>
               </a:rPr>
               <a:t>"</a:t>
             </a:r>
             <a:r>
-              <a:rPr lang="fr-FR" sz="1600" dirty="0"/>
+              <a:rPr lang="fr-FR" sz="2400" dirty="0"/>
               <a:t>:42}</a:t>
             </a:r>
-          </a:p>
-        </p:txBody>
-      </p:sp>
-      <p:sp>
-        <p:nvSpPr>
-          <p:cNvPr id="14" name="Rounded Rectangle 45">
-            <a:extLst>
-              <a:ext uri="{FF2B5EF4-FFF2-40B4-BE49-F238E27FC236}">
-                <a16:creationId xmlns:a16="http://schemas.microsoft.com/office/drawing/2014/main" id="{86948BFE-3A92-09B5-773B-172DD8AA2DEA}"/>
-              </a:ext>
-            </a:extLst>
-          </p:cNvPr>
-          <p:cNvSpPr/>
-          <p:nvPr/>
-        </p:nvSpPr>
-        <p:spPr>
-          <a:xfrm>
-            <a:off x="8949648" y="2223970"/>
-            <a:ext cx="3145551" cy="2247742"/>
-          </a:xfrm>
-          <a:prstGeom prst="roundRect">
-            <a:avLst/>
-          </a:prstGeom>
-          <a:solidFill>
-            <a:schemeClr val="bg2">
-              <a:lumMod val="25000"/>
-            </a:schemeClr>
-          </a:solidFill>
-          <a:ln>
-            <a:noFill/>
-          </a:ln>
-        </p:spPr>
-        <p:style>
-          <a:lnRef idx="2">
-            <a:schemeClr val="accent1">
-              <a:shade val="50000"/>
-            </a:schemeClr>
-          </a:lnRef>
-          <a:fillRef idx="1">
-            <a:schemeClr val="accent1"/>
-          </a:fillRef>
-          <a:effectRef idx="0">
-            <a:schemeClr val="accent1"/>
-          </a:effectRef>
-          <a:fontRef idx="minor">
-            <a:schemeClr val="lt1"/>
-          </a:fontRef>
-        </p:style>
-        <p:txBody>
-          <a:bodyPr rtlCol="0" anchor="ctr"/>
-          <a:lstStyle/>
-          <a:p>
-            <a:pPr algn="ctr"/>
-            <a:r>
-              <a:rPr lang="fr-FR" sz="4000" dirty="0">
-                <a:solidFill>
-                  <a:schemeClr val="bg1"/>
-                </a:solidFill>
-              </a:rPr>
-              <a:t>function « fibonacci »</a:t>
-            </a:r>
-            <a:endParaRPr lang="en-FR" sz="4000" dirty="0">
-              <a:solidFill>
-                <a:schemeClr val="bg1"/>
-              </a:solidFill>
-            </a:endParaRPr>
           </a:p>
         </p:txBody>
       </p:sp>
       <p:pic>
         <p:nvPicPr>
-          <p:cNvPr id="15" name="Picture 2" descr="Afficher l’image source">
-            <a:extLst>
-              <a:ext uri="{FF2B5EF4-FFF2-40B4-BE49-F238E27FC236}">
-                <a16:creationId xmlns:a16="http://schemas.microsoft.com/office/drawing/2014/main" id="{35712BBA-EBEC-F7AF-781C-F0A47F710A3D}"/>
+          <p:cNvPr id="3" name="Picture 2" descr="Afficher l’image source">
+            <a:extLst>
+              <a:ext uri="{FF2B5EF4-FFF2-40B4-BE49-F238E27FC236}">
+                <a16:creationId xmlns:a16="http://schemas.microsoft.com/office/drawing/2014/main" id="{6DDAFA19-505A-5974-5381-D1AA62FE6CDB}"/>
               </a:ext>
             </a:extLst>
           </p:cNvPr>
@@ -6175,7 +6105,7 @@
         </p:blipFill>
         <p:spPr bwMode="auto">
           <a:xfrm>
-            <a:off x="8890519" y="1933694"/>
+            <a:off x="0" y="3664234"/>
             <a:ext cx="588793" cy="572693"/>
           </a:xfrm>
           <a:prstGeom prst="rect">
@@ -6193,60 +6123,59 @@
           </a:extLst>
         </p:spPr>
       </p:pic>
-      <p:cxnSp>
-        <p:nvCxnSpPr>
-          <p:cNvPr id="16" name="Connecteur droit avec flèche 15">
-            <a:extLst>
-              <a:ext uri="{FF2B5EF4-FFF2-40B4-BE49-F238E27FC236}">
-                <a16:creationId xmlns:a16="http://schemas.microsoft.com/office/drawing/2014/main" id="{E672AC01-B7E2-9CC9-7A1C-110F38B184E7}"/>
-              </a:ext>
-            </a:extLst>
-          </p:cNvPr>
-          <p:cNvCxnSpPr>
-            <a:cxnSpLocks/>
-            <a:stCxn id="5" idx="3"/>
-            <a:endCxn id="14" idx="1"/>
-          </p:cNvCxnSpPr>
+      <p:pic>
+        <p:nvPicPr>
+          <p:cNvPr id="6" name="Picture 2" descr="Afficher l’image source">
+            <a:extLst>
+              <a:ext uri="{FF2B5EF4-FFF2-40B4-BE49-F238E27FC236}">
+                <a16:creationId xmlns:a16="http://schemas.microsoft.com/office/drawing/2014/main" id="{BCBC1B21-323D-218D-4E88-A0D74047C9FD}"/>
+              </a:ext>
+            </a:extLst>
+          </p:cNvPr>
+          <p:cNvPicPr>
+            <a:picLocks noChangeAspect="1" noChangeArrowheads="1"/>
+          </p:cNvPicPr>
           <p:nvPr/>
-        </p:nvCxnSpPr>
-        <p:spPr>
-          <a:xfrm flipV="1">
-            <a:off x="6537521" y="3347841"/>
-            <a:ext cx="2412127" cy="1"/>
-          </a:xfrm>
-          <a:prstGeom prst="straightConnector1">
+        </p:nvPicPr>
+        <p:blipFill>
+          <a:blip r:embed="rId3">
+            <a:extLst>
+              <a:ext uri="{28A0092B-C50C-407E-A947-70E740481C1C}">
+                <a14:useLocalDpi xmlns:a14="http://schemas.microsoft.com/office/drawing/2010/main" val="0"/>
+              </a:ext>
+            </a:extLst>
+          </a:blip>
+          <a:srcRect/>
+          <a:stretch>
+            <a:fillRect/>
+          </a:stretch>
+        </p:blipFill>
+        <p:spPr bwMode="auto">
+          <a:xfrm>
+            <a:off x="11453006" y="54884"/>
+            <a:ext cx="588793" cy="572693"/>
+          </a:xfrm>
+          <a:prstGeom prst="rect">
             <a:avLst/>
           </a:prstGeom>
-          <a:ln w="127000">
-            <a:solidFill>
-              <a:schemeClr val="accent6">
-                <a:lumMod val="75000"/>
-              </a:schemeClr>
-            </a:solidFill>
-            <a:tailEnd type="triangle"/>
-          </a:ln>
-        </p:spPr>
-        <p:style>
-          <a:lnRef idx="1">
-            <a:schemeClr val="accent1"/>
-          </a:lnRef>
-          <a:fillRef idx="0">
-            <a:schemeClr val="accent1"/>
-          </a:fillRef>
-          <a:effectRef idx="0">
-            <a:schemeClr val="accent1"/>
-          </a:effectRef>
-          <a:fontRef idx="minor">
-            <a:schemeClr val="tx1"/>
-          </a:fontRef>
-        </p:style>
-      </p:cxnSp>
-      <p:sp>
-        <p:nvSpPr>
-          <p:cNvPr id="20" name="Cylindre 19">
-            <a:extLst>
-              <a:ext uri="{FF2B5EF4-FFF2-40B4-BE49-F238E27FC236}">
-                <a16:creationId xmlns:a16="http://schemas.microsoft.com/office/drawing/2014/main" id="{ADE31F5A-3083-C305-22A8-E05EB3D3CEAE}"/>
+          <a:noFill/>
+          <a:extLst>
+            <a:ext uri="{909E8E84-426E-40DD-AFC4-6F175D3DCCD1}">
+              <a14:hiddenFill xmlns:a14="http://schemas.microsoft.com/office/drawing/2010/main">
+                <a:solidFill>
+                  <a:srgbClr val="FFFFFF"/>
+                </a:solidFill>
+              </a14:hiddenFill>
+            </a:ext>
+          </a:extLst>
+        </p:spPr>
+      </p:pic>
+      <p:sp>
+        <p:nvSpPr>
+          <p:cNvPr id="1028" name="Cylindre 1027">
+            <a:extLst>
+              <a:ext uri="{FF2B5EF4-FFF2-40B4-BE49-F238E27FC236}">
+                <a16:creationId xmlns:a16="http://schemas.microsoft.com/office/drawing/2014/main" id="{B2C2AFFD-8B14-9C7B-077E-D589D392B66C}"/>
               </a:ext>
             </a:extLst>
           </p:cNvPr>
@@ -6255,8 +6184,8 @@
         </p:nvSpPr>
         <p:spPr>
           <a:xfrm>
-            <a:off x="5004417" y="4325969"/>
-            <a:ext cx="1208169" cy="1258899"/>
+            <a:off x="8769523" y="386605"/>
+            <a:ext cx="2977880" cy="2552700"/>
           </a:xfrm>
           <a:prstGeom prst="can">
             <a:avLst/>
@@ -6277,7 +6206,7 @@
           </a:fontRef>
         </p:style>
         <p:txBody>
-          <a:bodyPr rtlCol="0" anchor="ctr"/>
+          <a:bodyPr rtlCol="0" anchor="b"/>
           <a:lstStyle/>
           <a:p>
             <a:pPr algn="ctr"/>
@@ -6289,26 +6218,75 @@
           </a:p>
         </p:txBody>
       </p:sp>
+      <p:sp>
+        <p:nvSpPr>
+          <p:cNvPr id="22" name="Cylindre 21">
+            <a:extLst>
+              <a:ext uri="{FF2B5EF4-FFF2-40B4-BE49-F238E27FC236}">
+                <a16:creationId xmlns:a16="http://schemas.microsoft.com/office/drawing/2014/main" id="{DD2C0339-DDF8-EC26-D9E3-90D001F95C2A}"/>
+              </a:ext>
+            </a:extLst>
+          </p:cNvPr>
+          <p:cNvSpPr/>
+          <p:nvPr/>
+        </p:nvSpPr>
+        <p:spPr>
+          <a:xfrm rot="16200000">
+            <a:off x="9925747" y="434393"/>
+            <a:ext cx="751315" cy="2408164"/>
+          </a:xfrm>
+          <a:prstGeom prst="can">
+            <a:avLst/>
+          </a:prstGeom>
+        </p:spPr>
+        <p:style>
+          <a:lnRef idx="2">
+            <a:schemeClr val="accent1">
+              <a:shade val="50000"/>
+            </a:schemeClr>
+          </a:lnRef>
+          <a:fillRef idx="1">
+            <a:schemeClr val="accent1"/>
+          </a:fillRef>
+          <a:effectRef idx="0">
+            <a:schemeClr val="accent1"/>
+          </a:effectRef>
+          <a:fontRef idx="minor">
+            <a:schemeClr val="lt1"/>
+          </a:fontRef>
+        </p:style>
+        <p:txBody>
+          <a:bodyPr vert="vert" rtlCol="0" anchor="ctr"/>
+          <a:lstStyle/>
+          <a:p>
+            <a:pPr algn="ctr"/>
+            <a:r>
+              <a:rPr lang="fr-FR" sz="2400" dirty="0"/>
+              <a:t>Queue « fibonacci »</a:t>
+            </a:r>
+          </a:p>
+        </p:txBody>
+      </p:sp>
       <p:cxnSp>
         <p:nvCxnSpPr>
-          <p:cNvPr id="1034" name="Connecteur droit avec flèche 1033">
-            <a:extLst>
-              <a:ext uri="{FF2B5EF4-FFF2-40B4-BE49-F238E27FC236}">
-                <a16:creationId xmlns:a16="http://schemas.microsoft.com/office/drawing/2014/main" id="{C97FA525-2FE2-BE58-B3CE-7494FA2825DA}"/>
+          <p:cNvPr id="7" name="Connecteur droit avec flèche 6">
+            <a:extLst>
+              <a:ext uri="{FF2B5EF4-FFF2-40B4-BE49-F238E27FC236}">
+                <a16:creationId xmlns:a16="http://schemas.microsoft.com/office/drawing/2014/main" id="{C972C828-7F9D-394D-A68C-FE40C3507285}"/>
               </a:ext>
             </a:extLst>
           </p:cNvPr>
           <p:cNvCxnSpPr>
             <a:cxnSpLocks/>
-            <a:stCxn id="5" idx="2"/>
-            <a:endCxn id="20" idx="1"/>
+            <a:stCxn id="5" idx="3"/>
+            <a:endCxn id="1028" idx="2"/>
           </p:cNvCxnSpPr>
           <p:nvPr/>
         </p:nvCxnSpPr>
         <p:spPr>
-          <a:xfrm flipH="1">
-            <a:off x="5608502" y="3809507"/>
-            <a:ext cx="1" cy="516462"/>
+          <a:xfrm>
+            <a:off x="8166230" y="1661287"/>
+            <a:ext cx="603293" cy="1668"/>
           </a:xfrm>
           <a:prstGeom prst="straightConnector1">
             <a:avLst/>
@@ -6335,10 +6313,160 @@
           </a:fontRef>
         </p:style>
       </p:cxnSp>
+      <p:sp>
+        <p:nvSpPr>
+          <p:cNvPr id="1029" name="Cylindre 1028">
+            <a:extLst>
+              <a:ext uri="{FF2B5EF4-FFF2-40B4-BE49-F238E27FC236}">
+                <a16:creationId xmlns:a16="http://schemas.microsoft.com/office/drawing/2014/main" id="{6E9828DD-5050-2C93-4833-E135683F4973}"/>
+              </a:ext>
+            </a:extLst>
+          </p:cNvPr>
+          <p:cNvSpPr/>
+          <p:nvPr/>
+        </p:nvSpPr>
+        <p:spPr>
+          <a:xfrm>
+            <a:off x="490214" y="3953020"/>
+            <a:ext cx="2813045" cy="2549855"/>
+          </a:xfrm>
+          <a:prstGeom prst="can">
+            <a:avLst/>
+          </a:prstGeom>
+        </p:spPr>
+        <p:style>
+          <a:lnRef idx="0">
+            <a:schemeClr val="accent5"/>
+          </a:lnRef>
+          <a:fillRef idx="3">
+            <a:schemeClr val="accent5"/>
+          </a:fillRef>
+          <a:effectRef idx="3">
+            <a:schemeClr val="accent5"/>
+          </a:effectRef>
+          <a:fontRef idx="minor">
+            <a:schemeClr val="lt1"/>
+          </a:fontRef>
+        </p:style>
+        <p:txBody>
+          <a:bodyPr rtlCol="0" anchor="b"/>
+          <a:lstStyle/>
+          <a:p>
+            <a:pPr algn="ctr"/>
+            <a:r>
+              <a:rPr lang="fr-FR" sz="2000" dirty="0"/>
+              <a:t>SlimData</a:t>
+            </a:r>
+            <a:endParaRPr lang="fr-FR" sz="1400" dirty="0"/>
+          </a:p>
+        </p:txBody>
+      </p:sp>
+      <p:sp>
+        <p:nvSpPr>
+          <p:cNvPr id="27" name="Cylindre 26">
+            <a:extLst>
+              <a:ext uri="{FF2B5EF4-FFF2-40B4-BE49-F238E27FC236}">
+                <a16:creationId xmlns:a16="http://schemas.microsoft.com/office/drawing/2014/main" id="{146FCB4D-473D-B689-1A53-2B815AC45570}"/>
+              </a:ext>
+            </a:extLst>
+          </p:cNvPr>
+          <p:cNvSpPr/>
+          <p:nvPr/>
+        </p:nvSpPr>
+        <p:spPr>
+          <a:xfrm rot="16200000">
+            <a:off x="1568764" y="3997138"/>
+            <a:ext cx="751315" cy="2408164"/>
+          </a:xfrm>
+          <a:prstGeom prst="can">
+            <a:avLst/>
+          </a:prstGeom>
+        </p:spPr>
+        <p:style>
+          <a:lnRef idx="2">
+            <a:schemeClr val="accent1">
+              <a:shade val="50000"/>
+            </a:schemeClr>
+          </a:lnRef>
+          <a:fillRef idx="1">
+            <a:schemeClr val="accent1"/>
+          </a:fillRef>
+          <a:effectRef idx="0">
+            <a:schemeClr val="accent1"/>
+          </a:effectRef>
+          <a:fontRef idx="minor">
+            <a:schemeClr val="lt1"/>
+          </a:fontRef>
+        </p:style>
+        <p:txBody>
+          <a:bodyPr vert="vert" rtlCol="0" anchor="ctr"/>
+          <a:lstStyle/>
+          <a:p>
+            <a:pPr algn="ctr"/>
+            <a:r>
+              <a:rPr lang="fr-FR" sz="2400" dirty="0"/>
+              <a:t>Queue </a:t>
+            </a:r>
+          </a:p>
+          <a:p>
+            <a:pPr algn="ctr"/>
+            <a:r>
+              <a:rPr lang="fr-FR" sz="2400" dirty="0"/>
+              <a:t>« fibonacci »</a:t>
+            </a:r>
+          </a:p>
+        </p:txBody>
+      </p:sp>
+      <p:cxnSp>
+        <p:nvCxnSpPr>
+          <p:cNvPr id="1049" name="Connecteur droit avec flèche 1048">
+            <a:extLst>
+              <a:ext uri="{FF2B5EF4-FFF2-40B4-BE49-F238E27FC236}">
+                <a16:creationId xmlns:a16="http://schemas.microsoft.com/office/drawing/2014/main" id="{AF84025A-C525-17D2-CABA-45F015AF903D}"/>
+              </a:ext>
+            </a:extLst>
+          </p:cNvPr>
+          <p:cNvCxnSpPr>
+            <a:cxnSpLocks/>
+            <a:stCxn id="2" idx="1"/>
+            <a:endCxn id="1029" idx="4"/>
+          </p:cNvCxnSpPr>
+          <p:nvPr/>
+        </p:nvCxnSpPr>
+        <p:spPr>
+          <a:xfrm flipH="1">
+            <a:off x="3303259" y="5227947"/>
+            <a:ext cx="717822" cy="1"/>
+          </a:xfrm>
+          <a:prstGeom prst="straightConnector1">
+            <a:avLst/>
+          </a:prstGeom>
+          <a:ln w="127000">
+            <a:solidFill>
+              <a:srgbClr val="0070C0"/>
+            </a:solidFill>
+            <a:tailEnd type="triangle"/>
+          </a:ln>
+        </p:spPr>
+        <p:style>
+          <a:lnRef idx="1">
+            <a:schemeClr val="accent1"/>
+          </a:lnRef>
+          <a:fillRef idx="0">
+            <a:schemeClr val="accent1"/>
+          </a:fillRef>
+          <a:effectRef idx="0">
+            <a:schemeClr val="accent1"/>
+          </a:effectRef>
+          <a:fontRef idx="minor">
+            <a:schemeClr val="tx1"/>
+          </a:fontRef>
+        </p:style>
+      </p:cxnSp>
     </p:spTree>
     <p:extLst>
       <p:ext uri="{BB962C8B-B14F-4D97-AF65-F5344CB8AC3E}">
-        <p14:creationId xmlns:p14="http://schemas.microsoft.com/office/powerpoint/2010/main" val="129032465"/>
+        <p14:creationId xmlns:p14="http://schemas.microsoft.com/office/powerpoint/2010/main" val="2307360419"/>
       </p:ext>
     </p:extLst>
   </p:cSld>
@@ -8578,6 +8706,1504 @@
     <p:extLst>
       <p:ext uri="{BB962C8B-B14F-4D97-AF65-F5344CB8AC3E}">
         <p14:creationId xmlns:p14="http://schemas.microsoft.com/office/powerpoint/2010/main" val="1816212992"/>
+      </p:ext>
+    </p:extLst>
+  </p:cSld>
+  <p:clrMapOvr>
+    <a:masterClrMapping/>
+  </p:clrMapOvr>
+</p:sld>
+</file>
+
+<file path=ppt/slides/slide5.xml><?xml version="1.0" encoding="utf-8"?>
+<p:sld xmlns:a="http://schemas.openxmlformats.org/drawingml/2006/main" xmlns:r="http://schemas.openxmlformats.org/officeDocument/2006/relationships" xmlns:p="http://schemas.openxmlformats.org/presentationml/2006/main">
+  <p:cSld>
+    <p:spTree>
+      <p:nvGrpSpPr>
+        <p:cNvPr id="1" name=""/>
+        <p:cNvGrpSpPr/>
+        <p:nvPr/>
+      </p:nvGrpSpPr>
+      <p:grpSpPr>
+        <a:xfrm>
+          <a:off x="0" y="0"/>
+          <a:ext cx="0" cy="0"/>
+          <a:chOff x="0" y="0"/>
+          <a:chExt cx="0" cy="0"/>
+        </a:xfrm>
+      </p:grpSpPr>
+      <p:sp>
+        <p:nvSpPr>
+          <p:cNvPr id="3" name="Espace réservé du contenu 2">
+            <a:extLst>
+              <a:ext uri="{FF2B5EF4-FFF2-40B4-BE49-F238E27FC236}">
+                <a16:creationId xmlns:a16="http://schemas.microsoft.com/office/drawing/2014/main" id="{F808C092-CC0D-57C7-0901-F8EB72559CF1}"/>
+              </a:ext>
+            </a:extLst>
+          </p:cNvPr>
+          <p:cNvSpPr>
+            <a:spLocks noGrp="1"/>
+          </p:cNvSpPr>
+          <p:nvPr>
+            <p:ph idx="1"/>
+          </p:nvPr>
+        </p:nvSpPr>
+        <p:spPr>
+          <a:xfrm>
+            <a:off x="0" y="6301962"/>
+            <a:ext cx="12192000" cy="556038"/>
+          </a:xfrm>
+        </p:spPr>
+        <p:txBody>
+          <a:bodyPr/>
+          <a:lstStyle/>
+          <a:p>
+            <a:endParaRPr lang="fr-FR"/>
+          </a:p>
+        </p:txBody>
+      </p:sp>
+      <p:sp>
+        <p:nvSpPr>
+          <p:cNvPr id="4" name="Rectangle : coins arrondis 3">
+            <a:extLst>
+              <a:ext uri="{FF2B5EF4-FFF2-40B4-BE49-F238E27FC236}">
+                <a16:creationId xmlns:a16="http://schemas.microsoft.com/office/drawing/2014/main" id="{F9FDB491-B3FC-051D-11E0-E5F1546F9A17}"/>
+              </a:ext>
+            </a:extLst>
+          </p:cNvPr>
+          <p:cNvSpPr/>
+          <p:nvPr/>
+        </p:nvSpPr>
+        <p:spPr>
+          <a:xfrm>
+            <a:off x="6487884" y="4781006"/>
+            <a:ext cx="2621281" cy="1137502"/>
+          </a:xfrm>
+          <a:prstGeom prst="roundRect">
+            <a:avLst/>
+          </a:prstGeom>
+          <a:solidFill>
+            <a:schemeClr val="bg2">
+              <a:lumMod val="25000"/>
+            </a:schemeClr>
+          </a:solidFill>
+          <a:ln>
+            <a:noFill/>
+          </a:ln>
+        </p:spPr>
+        <p:style>
+          <a:lnRef idx="2">
+            <a:schemeClr val="accent1">
+              <a:shade val="50000"/>
+            </a:schemeClr>
+          </a:lnRef>
+          <a:fillRef idx="1">
+            <a:schemeClr val="accent1"/>
+          </a:fillRef>
+          <a:effectRef idx="0">
+            <a:schemeClr val="accent1"/>
+          </a:effectRef>
+          <a:fontRef idx="minor">
+            <a:schemeClr val="lt1"/>
+          </a:fontRef>
+        </p:style>
+        <p:txBody>
+          <a:bodyPr rtlCol="0" anchor="ctr"/>
+          <a:lstStyle/>
+          <a:p>
+            <a:pPr algn="ctr"/>
+            <a:endParaRPr lang="fr-FR" sz="4000">
+              <a:solidFill>
+                <a:schemeClr val="bg1"/>
+              </a:solidFill>
+            </a:endParaRPr>
+          </a:p>
+        </p:txBody>
+      </p:sp>
+      <p:sp>
+        <p:nvSpPr>
+          <p:cNvPr id="5" name="Rounded Rectangle 44">
+            <a:extLst>
+              <a:ext uri="{FF2B5EF4-FFF2-40B4-BE49-F238E27FC236}">
+                <a16:creationId xmlns:a16="http://schemas.microsoft.com/office/drawing/2014/main" id="{1CA3DB76-45FF-F2C4-05A6-2001F38BCAFA}"/>
+              </a:ext>
+            </a:extLst>
+          </p:cNvPr>
+          <p:cNvSpPr/>
+          <p:nvPr/>
+        </p:nvSpPr>
+        <p:spPr>
+          <a:xfrm>
+            <a:off x="6751655" y="5250742"/>
+            <a:ext cx="1103476" cy="344358"/>
+          </a:xfrm>
+          <a:prstGeom prst="roundRect">
+            <a:avLst/>
+          </a:prstGeom>
+          <a:solidFill>
+            <a:srgbClr val="7030A0"/>
+          </a:solidFill>
+          <a:ln>
+            <a:noFill/>
+          </a:ln>
+        </p:spPr>
+        <p:style>
+          <a:lnRef idx="2">
+            <a:schemeClr val="accent1">
+              <a:shade val="50000"/>
+            </a:schemeClr>
+          </a:lnRef>
+          <a:fillRef idx="1">
+            <a:schemeClr val="accent1"/>
+          </a:fillRef>
+          <a:effectRef idx="0">
+            <a:schemeClr val="accent1"/>
+          </a:effectRef>
+          <a:fontRef idx="minor">
+            <a:schemeClr val="lt1"/>
+          </a:fontRef>
+        </p:style>
+        <p:txBody>
+          <a:bodyPr rtlCol="0" anchor="ctr"/>
+          <a:lstStyle/>
+          <a:p>
+            <a:pPr algn="ctr"/>
+            <a:r>
+              <a:rPr lang="en-US" sz="1400" dirty="0">
+                <a:solidFill>
+                  <a:schemeClr val="bg1"/>
+                </a:solidFill>
+              </a:rPr>
+              <a:t>SlimFaas</a:t>
+            </a:r>
+          </a:p>
+        </p:txBody>
+      </p:sp>
+      <p:pic>
+        <p:nvPicPr>
+          <p:cNvPr id="6" name="Picture 2" descr="Afficher l’image source">
+            <a:extLst>
+              <a:ext uri="{FF2B5EF4-FFF2-40B4-BE49-F238E27FC236}">
+                <a16:creationId xmlns:a16="http://schemas.microsoft.com/office/drawing/2014/main" id="{86FC0B2B-0EA9-9828-9A73-E62E8C8C11FB}"/>
+              </a:ext>
+            </a:extLst>
+          </p:cNvPr>
+          <p:cNvPicPr>
+            <a:picLocks noChangeAspect="1" noChangeArrowheads="1"/>
+          </p:cNvPicPr>
+          <p:nvPr/>
+        </p:nvPicPr>
+        <p:blipFill>
+          <a:blip r:embed="rId2">
+            <a:extLst>
+              <a:ext uri="{28A0092B-C50C-407E-A947-70E740481C1C}">
+                <a14:useLocalDpi xmlns:a14="http://schemas.microsoft.com/office/drawing/2010/main" val="0"/>
+              </a:ext>
+            </a:extLst>
+          </a:blip>
+          <a:srcRect/>
+          <a:stretch>
+            <a:fillRect/>
+          </a:stretch>
+        </p:blipFill>
+        <p:spPr bwMode="auto">
+          <a:xfrm>
+            <a:off x="8837789" y="4620991"/>
+            <a:ext cx="421692" cy="410161"/>
+          </a:xfrm>
+          <a:prstGeom prst="rect">
+            <a:avLst/>
+          </a:prstGeom>
+          <a:noFill/>
+          <a:extLst>
+            <a:ext uri="{909E8E84-426E-40DD-AFC4-6F175D3DCCD1}">
+              <a14:hiddenFill xmlns:a14="http://schemas.microsoft.com/office/drawing/2010/main">
+                <a:solidFill>
+                  <a:srgbClr val="FFFFFF"/>
+                </a:solidFill>
+              </a14:hiddenFill>
+            </a:ext>
+          </a:extLst>
+        </p:spPr>
+      </p:pic>
+      <p:sp>
+        <p:nvSpPr>
+          <p:cNvPr id="7" name="Cylindre 6">
+            <a:extLst>
+              <a:ext uri="{FF2B5EF4-FFF2-40B4-BE49-F238E27FC236}">
+                <a16:creationId xmlns:a16="http://schemas.microsoft.com/office/drawing/2014/main" id="{9734965A-C108-A6DD-1AA6-E711131D6227}"/>
+              </a:ext>
+            </a:extLst>
+          </p:cNvPr>
+          <p:cNvSpPr/>
+          <p:nvPr/>
+        </p:nvSpPr>
+        <p:spPr>
+          <a:xfrm>
+            <a:off x="7953437" y="5111992"/>
+            <a:ext cx="884352" cy="621858"/>
+          </a:xfrm>
+          <a:prstGeom prst="can">
+            <a:avLst/>
+          </a:prstGeom>
+        </p:spPr>
+        <p:style>
+          <a:lnRef idx="0">
+            <a:schemeClr val="accent5"/>
+          </a:lnRef>
+          <a:fillRef idx="3">
+            <a:schemeClr val="accent5"/>
+          </a:fillRef>
+          <a:effectRef idx="3">
+            <a:schemeClr val="accent5"/>
+          </a:effectRef>
+          <a:fontRef idx="minor">
+            <a:schemeClr val="lt1"/>
+          </a:fontRef>
+        </p:style>
+        <p:txBody>
+          <a:bodyPr rtlCol="0" anchor="b"/>
+          <a:lstStyle/>
+          <a:p>
+            <a:pPr algn="ctr"/>
+            <a:r>
+              <a:rPr lang="fr-FR" sz="1400" dirty="0"/>
+              <a:t>SlimData</a:t>
+            </a:r>
+            <a:endParaRPr lang="fr-FR" sz="1050" dirty="0"/>
+          </a:p>
+        </p:txBody>
+      </p:sp>
+      <p:sp>
+        <p:nvSpPr>
+          <p:cNvPr id="13" name="Rectangle : coins arrondis 12">
+            <a:extLst>
+              <a:ext uri="{FF2B5EF4-FFF2-40B4-BE49-F238E27FC236}">
+                <a16:creationId xmlns:a16="http://schemas.microsoft.com/office/drawing/2014/main" id="{286E557E-9D2D-E39E-7BAA-470B8AA24E84}"/>
+              </a:ext>
+            </a:extLst>
+          </p:cNvPr>
+          <p:cNvSpPr/>
+          <p:nvPr/>
+        </p:nvSpPr>
+        <p:spPr>
+          <a:xfrm>
+            <a:off x="9030787" y="2914738"/>
+            <a:ext cx="2621281" cy="1137502"/>
+          </a:xfrm>
+          <a:prstGeom prst="roundRect">
+            <a:avLst/>
+          </a:prstGeom>
+          <a:solidFill>
+            <a:schemeClr val="bg2">
+              <a:lumMod val="25000"/>
+            </a:schemeClr>
+          </a:solidFill>
+          <a:ln>
+            <a:noFill/>
+          </a:ln>
+        </p:spPr>
+        <p:style>
+          <a:lnRef idx="2">
+            <a:schemeClr val="accent1">
+              <a:shade val="50000"/>
+            </a:schemeClr>
+          </a:lnRef>
+          <a:fillRef idx="1">
+            <a:schemeClr val="accent1"/>
+          </a:fillRef>
+          <a:effectRef idx="0">
+            <a:schemeClr val="accent1"/>
+          </a:effectRef>
+          <a:fontRef idx="minor">
+            <a:schemeClr val="lt1"/>
+          </a:fontRef>
+        </p:style>
+        <p:txBody>
+          <a:bodyPr rtlCol="0" anchor="ctr"/>
+          <a:lstStyle/>
+          <a:p>
+            <a:pPr algn="ctr"/>
+            <a:endParaRPr lang="fr-FR" sz="4000">
+              <a:solidFill>
+                <a:schemeClr val="bg1"/>
+              </a:solidFill>
+            </a:endParaRPr>
+          </a:p>
+        </p:txBody>
+      </p:sp>
+      <p:sp>
+        <p:nvSpPr>
+          <p:cNvPr id="14" name="Rounded Rectangle 44">
+            <a:extLst>
+              <a:ext uri="{FF2B5EF4-FFF2-40B4-BE49-F238E27FC236}">
+                <a16:creationId xmlns:a16="http://schemas.microsoft.com/office/drawing/2014/main" id="{6E477DDA-1E6D-9A03-7191-54FABBE60642}"/>
+              </a:ext>
+            </a:extLst>
+          </p:cNvPr>
+          <p:cNvSpPr/>
+          <p:nvPr/>
+        </p:nvSpPr>
+        <p:spPr>
+          <a:xfrm>
+            <a:off x="9294558" y="3384474"/>
+            <a:ext cx="1103476" cy="344358"/>
+          </a:xfrm>
+          <a:prstGeom prst="roundRect">
+            <a:avLst/>
+          </a:prstGeom>
+          <a:solidFill>
+            <a:srgbClr val="7030A0"/>
+          </a:solidFill>
+          <a:ln>
+            <a:noFill/>
+          </a:ln>
+        </p:spPr>
+        <p:style>
+          <a:lnRef idx="2">
+            <a:schemeClr val="accent1">
+              <a:shade val="50000"/>
+            </a:schemeClr>
+          </a:lnRef>
+          <a:fillRef idx="1">
+            <a:schemeClr val="accent1"/>
+          </a:fillRef>
+          <a:effectRef idx="0">
+            <a:schemeClr val="accent1"/>
+          </a:effectRef>
+          <a:fontRef idx="minor">
+            <a:schemeClr val="lt1"/>
+          </a:fontRef>
+        </p:style>
+        <p:txBody>
+          <a:bodyPr rtlCol="0" anchor="ctr"/>
+          <a:lstStyle/>
+          <a:p>
+            <a:pPr algn="ctr"/>
+            <a:r>
+              <a:rPr lang="en-US" sz="1400" dirty="0">
+                <a:solidFill>
+                  <a:schemeClr val="bg1"/>
+                </a:solidFill>
+              </a:rPr>
+              <a:t>SlimFaas</a:t>
+            </a:r>
+          </a:p>
+        </p:txBody>
+      </p:sp>
+      <p:pic>
+        <p:nvPicPr>
+          <p:cNvPr id="15" name="Picture 2" descr="Afficher l’image source">
+            <a:extLst>
+              <a:ext uri="{FF2B5EF4-FFF2-40B4-BE49-F238E27FC236}">
+                <a16:creationId xmlns:a16="http://schemas.microsoft.com/office/drawing/2014/main" id="{88ED471D-D11B-63C5-CD2D-4DECE1E35849}"/>
+              </a:ext>
+            </a:extLst>
+          </p:cNvPr>
+          <p:cNvPicPr>
+            <a:picLocks noChangeAspect="1" noChangeArrowheads="1"/>
+          </p:cNvPicPr>
+          <p:nvPr/>
+        </p:nvPicPr>
+        <p:blipFill>
+          <a:blip r:embed="rId2">
+            <a:extLst>
+              <a:ext uri="{28A0092B-C50C-407E-A947-70E740481C1C}">
+                <a14:useLocalDpi xmlns:a14="http://schemas.microsoft.com/office/drawing/2010/main" val="0"/>
+              </a:ext>
+            </a:extLst>
+          </a:blip>
+          <a:srcRect/>
+          <a:stretch>
+            <a:fillRect/>
+          </a:stretch>
+        </p:blipFill>
+        <p:spPr bwMode="auto">
+          <a:xfrm>
+            <a:off x="11380692" y="2754723"/>
+            <a:ext cx="421692" cy="410161"/>
+          </a:xfrm>
+          <a:prstGeom prst="rect">
+            <a:avLst/>
+          </a:prstGeom>
+          <a:noFill/>
+          <a:extLst>
+            <a:ext uri="{909E8E84-426E-40DD-AFC4-6F175D3DCCD1}">
+              <a14:hiddenFill xmlns:a14="http://schemas.microsoft.com/office/drawing/2010/main">
+                <a:solidFill>
+                  <a:srgbClr val="FFFFFF"/>
+                </a:solidFill>
+              </a14:hiddenFill>
+            </a:ext>
+          </a:extLst>
+        </p:spPr>
+      </p:pic>
+      <p:sp>
+        <p:nvSpPr>
+          <p:cNvPr id="16" name="Cylindre 15">
+            <a:extLst>
+              <a:ext uri="{FF2B5EF4-FFF2-40B4-BE49-F238E27FC236}">
+                <a16:creationId xmlns:a16="http://schemas.microsoft.com/office/drawing/2014/main" id="{36C1722F-F481-386A-71BC-DA17893D6A1E}"/>
+              </a:ext>
+            </a:extLst>
+          </p:cNvPr>
+          <p:cNvSpPr/>
+          <p:nvPr/>
+        </p:nvSpPr>
+        <p:spPr>
+          <a:xfrm>
+            <a:off x="10496340" y="3245724"/>
+            <a:ext cx="884352" cy="621858"/>
+          </a:xfrm>
+          <a:prstGeom prst="can">
+            <a:avLst/>
+          </a:prstGeom>
+        </p:spPr>
+        <p:style>
+          <a:lnRef idx="0">
+            <a:schemeClr val="accent5"/>
+          </a:lnRef>
+          <a:fillRef idx="3">
+            <a:schemeClr val="accent5"/>
+          </a:fillRef>
+          <a:effectRef idx="3">
+            <a:schemeClr val="accent5"/>
+          </a:effectRef>
+          <a:fontRef idx="minor">
+            <a:schemeClr val="lt1"/>
+          </a:fontRef>
+        </p:style>
+        <p:txBody>
+          <a:bodyPr rtlCol="0" anchor="b"/>
+          <a:lstStyle/>
+          <a:p>
+            <a:pPr algn="ctr"/>
+            <a:r>
+              <a:rPr lang="fr-FR" sz="1400" dirty="0"/>
+              <a:t>SlimData</a:t>
+            </a:r>
+            <a:endParaRPr lang="fr-FR" sz="1050" dirty="0"/>
+          </a:p>
+        </p:txBody>
+      </p:sp>
+      <p:sp>
+        <p:nvSpPr>
+          <p:cNvPr id="17" name="Rectangle : coins arrondis 16">
+            <a:extLst>
+              <a:ext uri="{FF2B5EF4-FFF2-40B4-BE49-F238E27FC236}">
+                <a16:creationId xmlns:a16="http://schemas.microsoft.com/office/drawing/2014/main" id="{FA892C96-9746-CAD2-5A8F-2877A3233167}"/>
+              </a:ext>
+            </a:extLst>
+          </p:cNvPr>
+          <p:cNvSpPr/>
+          <p:nvPr/>
+        </p:nvSpPr>
+        <p:spPr>
+          <a:xfrm>
+            <a:off x="6337568" y="1231306"/>
+            <a:ext cx="2621281" cy="1137502"/>
+          </a:xfrm>
+          <a:prstGeom prst="roundRect">
+            <a:avLst/>
+          </a:prstGeom>
+          <a:solidFill>
+            <a:schemeClr val="bg2">
+              <a:lumMod val="25000"/>
+            </a:schemeClr>
+          </a:solidFill>
+          <a:ln>
+            <a:noFill/>
+          </a:ln>
+        </p:spPr>
+        <p:style>
+          <a:lnRef idx="2">
+            <a:schemeClr val="accent1">
+              <a:shade val="50000"/>
+            </a:schemeClr>
+          </a:lnRef>
+          <a:fillRef idx="1">
+            <a:schemeClr val="accent1"/>
+          </a:fillRef>
+          <a:effectRef idx="0">
+            <a:schemeClr val="accent1"/>
+          </a:effectRef>
+          <a:fontRef idx="minor">
+            <a:schemeClr val="lt1"/>
+          </a:fontRef>
+        </p:style>
+        <p:txBody>
+          <a:bodyPr rtlCol="0" anchor="ctr"/>
+          <a:lstStyle/>
+          <a:p>
+            <a:pPr algn="ctr"/>
+            <a:endParaRPr lang="fr-FR" sz="4000">
+              <a:solidFill>
+                <a:schemeClr val="bg1"/>
+              </a:solidFill>
+            </a:endParaRPr>
+          </a:p>
+        </p:txBody>
+      </p:sp>
+      <p:sp>
+        <p:nvSpPr>
+          <p:cNvPr id="18" name="Rounded Rectangle 44">
+            <a:extLst>
+              <a:ext uri="{FF2B5EF4-FFF2-40B4-BE49-F238E27FC236}">
+                <a16:creationId xmlns:a16="http://schemas.microsoft.com/office/drawing/2014/main" id="{2AD36C36-BFA5-B972-A126-EDA1BAD396E0}"/>
+              </a:ext>
+            </a:extLst>
+          </p:cNvPr>
+          <p:cNvSpPr/>
+          <p:nvPr/>
+        </p:nvSpPr>
+        <p:spPr>
+          <a:xfrm>
+            <a:off x="6601339" y="1701042"/>
+            <a:ext cx="1103476" cy="344358"/>
+          </a:xfrm>
+          <a:prstGeom prst="roundRect">
+            <a:avLst/>
+          </a:prstGeom>
+          <a:solidFill>
+            <a:srgbClr val="7030A0"/>
+          </a:solidFill>
+          <a:ln>
+            <a:noFill/>
+          </a:ln>
+        </p:spPr>
+        <p:style>
+          <a:lnRef idx="2">
+            <a:schemeClr val="accent1">
+              <a:shade val="50000"/>
+            </a:schemeClr>
+          </a:lnRef>
+          <a:fillRef idx="1">
+            <a:schemeClr val="accent1"/>
+          </a:fillRef>
+          <a:effectRef idx="0">
+            <a:schemeClr val="accent1"/>
+          </a:effectRef>
+          <a:fontRef idx="minor">
+            <a:schemeClr val="lt1"/>
+          </a:fontRef>
+        </p:style>
+        <p:txBody>
+          <a:bodyPr rtlCol="0" anchor="ctr"/>
+          <a:lstStyle/>
+          <a:p>
+            <a:pPr algn="ctr"/>
+            <a:r>
+              <a:rPr lang="en-US" sz="1400" dirty="0">
+                <a:solidFill>
+                  <a:schemeClr val="bg1"/>
+                </a:solidFill>
+              </a:rPr>
+              <a:t>SlimFaas</a:t>
+            </a:r>
+          </a:p>
+        </p:txBody>
+      </p:sp>
+      <p:pic>
+        <p:nvPicPr>
+          <p:cNvPr id="19" name="Picture 2" descr="Afficher l’image source">
+            <a:extLst>
+              <a:ext uri="{FF2B5EF4-FFF2-40B4-BE49-F238E27FC236}">
+                <a16:creationId xmlns:a16="http://schemas.microsoft.com/office/drawing/2014/main" id="{A69EEC02-815C-3D73-8D5E-E235B608C8FA}"/>
+              </a:ext>
+            </a:extLst>
+          </p:cNvPr>
+          <p:cNvPicPr>
+            <a:picLocks noChangeAspect="1" noChangeArrowheads="1"/>
+          </p:cNvPicPr>
+          <p:nvPr/>
+        </p:nvPicPr>
+        <p:blipFill>
+          <a:blip r:embed="rId2">
+            <a:extLst>
+              <a:ext uri="{28A0092B-C50C-407E-A947-70E740481C1C}">
+                <a14:useLocalDpi xmlns:a14="http://schemas.microsoft.com/office/drawing/2010/main" val="0"/>
+              </a:ext>
+            </a:extLst>
+          </a:blip>
+          <a:srcRect/>
+          <a:stretch>
+            <a:fillRect/>
+          </a:stretch>
+        </p:blipFill>
+        <p:spPr bwMode="auto">
+          <a:xfrm>
+            <a:off x="8687473" y="1071291"/>
+            <a:ext cx="421692" cy="410161"/>
+          </a:xfrm>
+          <a:prstGeom prst="rect">
+            <a:avLst/>
+          </a:prstGeom>
+          <a:noFill/>
+          <a:extLst>
+            <a:ext uri="{909E8E84-426E-40DD-AFC4-6F175D3DCCD1}">
+              <a14:hiddenFill xmlns:a14="http://schemas.microsoft.com/office/drawing/2010/main">
+                <a:solidFill>
+                  <a:srgbClr val="FFFFFF"/>
+                </a:solidFill>
+              </a14:hiddenFill>
+            </a:ext>
+          </a:extLst>
+        </p:spPr>
+      </p:pic>
+      <p:sp>
+        <p:nvSpPr>
+          <p:cNvPr id="20" name="Cylindre 19">
+            <a:extLst>
+              <a:ext uri="{FF2B5EF4-FFF2-40B4-BE49-F238E27FC236}">
+                <a16:creationId xmlns:a16="http://schemas.microsoft.com/office/drawing/2014/main" id="{9AA8AB1F-9667-FC25-A1EA-CE17557BDC77}"/>
+              </a:ext>
+            </a:extLst>
+          </p:cNvPr>
+          <p:cNvSpPr/>
+          <p:nvPr/>
+        </p:nvSpPr>
+        <p:spPr>
+          <a:xfrm>
+            <a:off x="7803121" y="1562292"/>
+            <a:ext cx="884352" cy="621858"/>
+          </a:xfrm>
+          <a:prstGeom prst="can">
+            <a:avLst/>
+          </a:prstGeom>
+        </p:spPr>
+        <p:style>
+          <a:lnRef idx="0">
+            <a:schemeClr val="accent5"/>
+          </a:lnRef>
+          <a:fillRef idx="3">
+            <a:schemeClr val="accent5"/>
+          </a:fillRef>
+          <a:effectRef idx="3">
+            <a:schemeClr val="accent5"/>
+          </a:effectRef>
+          <a:fontRef idx="minor">
+            <a:schemeClr val="lt1"/>
+          </a:fontRef>
+        </p:style>
+        <p:txBody>
+          <a:bodyPr rtlCol="0" anchor="b"/>
+          <a:lstStyle/>
+          <a:p>
+            <a:pPr algn="ctr"/>
+            <a:r>
+              <a:rPr lang="fr-FR" sz="1400" dirty="0"/>
+              <a:t>SlimData</a:t>
+            </a:r>
+            <a:endParaRPr lang="fr-FR" sz="1050" dirty="0"/>
+          </a:p>
+        </p:txBody>
+      </p:sp>
+      <p:sp>
+        <p:nvSpPr>
+          <p:cNvPr id="21" name="Ellipse 20">
+            <a:extLst>
+              <a:ext uri="{FF2B5EF4-FFF2-40B4-BE49-F238E27FC236}">
+                <a16:creationId xmlns:a16="http://schemas.microsoft.com/office/drawing/2014/main" id="{6B8CA824-F2D6-C941-56C6-57EFEC5F0498}"/>
+              </a:ext>
+            </a:extLst>
+          </p:cNvPr>
+          <p:cNvSpPr/>
+          <p:nvPr/>
+        </p:nvSpPr>
+        <p:spPr>
+          <a:xfrm>
+            <a:off x="7497892" y="2277056"/>
+            <a:ext cx="150316" cy="162476"/>
+          </a:xfrm>
+          <a:prstGeom prst="ellipse">
+            <a:avLst/>
+          </a:prstGeom>
+          <a:ln>
+            <a:solidFill>
+              <a:schemeClr val="accent1"/>
+            </a:solidFill>
+          </a:ln>
+        </p:spPr>
+        <p:style>
+          <a:lnRef idx="2">
+            <a:schemeClr val="accent1">
+              <a:shade val="15000"/>
+            </a:schemeClr>
+          </a:lnRef>
+          <a:fillRef idx="1">
+            <a:schemeClr val="accent1"/>
+          </a:fillRef>
+          <a:effectRef idx="0">
+            <a:schemeClr val="accent1"/>
+          </a:effectRef>
+          <a:fontRef idx="minor">
+            <a:schemeClr val="lt1"/>
+          </a:fontRef>
+        </p:style>
+        <p:txBody>
+          <a:bodyPr rtlCol="0" anchor="ctr"/>
+          <a:lstStyle/>
+          <a:p>
+            <a:pPr algn="ctr"/>
+            <a:endParaRPr lang="fr-FR"/>
+          </a:p>
+        </p:txBody>
+      </p:sp>
+      <p:sp>
+        <p:nvSpPr>
+          <p:cNvPr id="22" name="Ellipse 21">
+            <a:extLst>
+              <a:ext uri="{FF2B5EF4-FFF2-40B4-BE49-F238E27FC236}">
+                <a16:creationId xmlns:a16="http://schemas.microsoft.com/office/drawing/2014/main" id="{F0452D9E-ED2D-134D-ABD3-73C73C90D978}"/>
+              </a:ext>
+            </a:extLst>
+          </p:cNvPr>
+          <p:cNvSpPr/>
+          <p:nvPr/>
+        </p:nvSpPr>
+        <p:spPr>
+          <a:xfrm>
+            <a:off x="8937527" y="3673488"/>
+            <a:ext cx="150316" cy="162476"/>
+          </a:xfrm>
+          <a:prstGeom prst="ellipse">
+            <a:avLst/>
+          </a:prstGeom>
+          <a:ln>
+            <a:solidFill>
+              <a:schemeClr val="accent1"/>
+            </a:solidFill>
+          </a:ln>
+        </p:spPr>
+        <p:style>
+          <a:lnRef idx="2">
+            <a:schemeClr val="accent1">
+              <a:shade val="15000"/>
+            </a:schemeClr>
+          </a:lnRef>
+          <a:fillRef idx="1">
+            <a:schemeClr val="accent1"/>
+          </a:fillRef>
+          <a:effectRef idx="0">
+            <a:schemeClr val="accent1"/>
+          </a:effectRef>
+          <a:fontRef idx="minor">
+            <a:schemeClr val="lt1"/>
+          </a:fontRef>
+        </p:style>
+        <p:txBody>
+          <a:bodyPr rtlCol="0" anchor="ctr"/>
+          <a:lstStyle/>
+          <a:p>
+            <a:pPr algn="ctr"/>
+            <a:endParaRPr lang="fr-FR"/>
+          </a:p>
+        </p:txBody>
+      </p:sp>
+      <p:sp>
+        <p:nvSpPr>
+          <p:cNvPr id="23" name="Ellipse 22">
+            <a:extLst>
+              <a:ext uri="{FF2B5EF4-FFF2-40B4-BE49-F238E27FC236}">
+                <a16:creationId xmlns:a16="http://schemas.microsoft.com/office/drawing/2014/main" id="{0D957D03-E9F0-CC29-FF3E-98F0C04AC7E4}"/>
+              </a:ext>
+            </a:extLst>
+          </p:cNvPr>
+          <p:cNvSpPr/>
+          <p:nvPr/>
+        </p:nvSpPr>
+        <p:spPr>
+          <a:xfrm>
+            <a:off x="7554497" y="4689254"/>
+            <a:ext cx="150316" cy="162476"/>
+          </a:xfrm>
+          <a:prstGeom prst="ellipse">
+            <a:avLst/>
+          </a:prstGeom>
+          <a:ln>
+            <a:solidFill>
+              <a:schemeClr val="accent1"/>
+            </a:solidFill>
+          </a:ln>
+        </p:spPr>
+        <p:style>
+          <a:lnRef idx="2">
+            <a:schemeClr val="accent1">
+              <a:shade val="15000"/>
+            </a:schemeClr>
+          </a:lnRef>
+          <a:fillRef idx="1">
+            <a:schemeClr val="accent1"/>
+          </a:fillRef>
+          <a:effectRef idx="0">
+            <a:schemeClr val="accent1"/>
+          </a:effectRef>
+          <a:fontRef idx="minor">
+            <a:schemeClr val="lt1"/>
+          </a:fontRef>
+        </p:style>
+        <p:txBody>
+          <a:bodyPr rtlCol="0" anchor="ctr"/>
+          <a:lstStyle/>
+          <a:p>
+            <a:pPr algn="ctr"/>
+            <a:endParaRPr lang="fr-FR"/>
+          </a:p>
+        </p:txBody>
+      </p:sp>
+      <p:sp>
+        <p:nvSpPr>
+          <p:cNvPr id="24" name="Rectangle 1">
+            <a:extLst>
+              <a:ext uri="{FF2B5EF4-FFF2-40B4-BE49-F238E27FC236}">
+                <a16:creationId xmlns:a16="http://schemas.microsoft.com/office/drawing/2014/main" id="{B3FD976E-91E9-0851-5AA0-07B3FA0FA124}"/>
+              </a:ext>
+            </a:extLst>
+          </p:cNvPr>
+          <p:cNvSpPr>
+            <a:spLocks noChangeArrowheads="1"/>
+          </p:cNvSpPr>
+          <p:nvPr/>
+        </p:nvSpPr>
+        <p:spPr bwMode="auto">
+          <a:xfrm>
+            <a:off x="8050138" y="2485340"/>
+            <a:ext cx="2488839" cy="246221"/>
+          </a:xfrm>
+          <a:prstGeom prst="rect">
+            <a:avLst/>
+          </a:prstGeom>
+          <a:solidFill>
+            <a:schemeClr val="bg1"/>
+          </a:solidFill>
+          <a:ln>
+            <a:noFill/>
+          </a:ln>
+          <a:effectLst/>
+        </p:spPr>
+        <p:txBody>
+          <a:bodyPr vert="horz" wrap="square" lIns="91440" tIns="0" rIns="91440" bIns="0" numCol="1" anchor="ctr" anchorCtr="0" compatLnSpc="1">
+            <a:prstTxWarp prst="textNoShape">
+              <a:avLst/>
+            </a:prstTxWarp>
+            <a:spAutoFit/>
+          </a:bodyPr>
+          <a:lstStyle/>
+          <a:p>
+            <a:pPr marL="0" marR="0" lvl="0" indent="0" algn="l" defTabSz="914400" rtl="0" eaLnBrk="0" fontAlgn="base" latinLnBrk="0" hangingPunct="0">
+              <a:lnSpc>
+                <a:spcPct val="100000"/>
+              </a:lnSpc>
+              <a:spcBef>
+                <a:spcPct val="0"/>
+              </a:spcBef>
+              <a:spcAft>
+                <a:spcPct val="0"/>
+              </a:spcAft>
+              <a:buClrTx/>
+              <a:buSzTx/>
+              <a:buFontTx/>
+              <a:buNone/>
+              <a:tabLst/>
+            </a:pPr>
+            <a:r>
+              <a:rPr kumimoji="0" lang="fr-FR" altLang="fr-FR" sz="1600" b="0" i="0" u="none" strike="noStrike" cap="none" normalizeH="0" baseline="0" dirty="0" err="1">
+                <a:ln>
+                  <a:noFill/>
+                </a:ln>
+                <a:solidFill>
+                  <a:srgbClr val="FF6C45"/>
+                </a:solidFill>
+                <a:effectLst/>
+                <a:latin typeface="var(--fontStack-monospace, ui-monospace, SFMono-Regular, SF Mono, Menlo, Consolas, Liberation Mono, monospace)"/>
+              </a:rPr>
+              <a:t>Internal</a:t>
+            </a:r>
+            <a:r>
+              <a:rPr kumimoji="0" lang="fr-FR" altLang="fr-FR" sz="1600" b="0" i="0" u="none" strike="noStrike" cap="none" normalizeH="0" baseline="0" dirty="0">
+                <a:ln>
+                  <a:noFill/>
+                </a:ln>
+                <a:solidFill>
+                  <a:srgbClr val="FF6C45"/>
+                </a:solidFill>
+                <a:effectLst/>
+                <a:latin typeface="var(--fontStack-monospace, ui-monospace, SFMono-Regular, SF Mono, Menlo, Consolas, Liberation Mono, monospace)"/>
+              </a:rPr>
+              <a:t> </a:t>
+            </a:r>
+            <a:r>
+              <a:rPr kumimoji="0" lang="fr-FR" altLang="fr-FR" sz="1600" b="0" i="0" u="none" strike="noStrike" cap="none" normalizeH="0" baseline="0" dirty="0" err="1">
+                <a:ln>
+                  <a:noFill/>
+                </a:ln>
+                <a:solidFill>
+                  <a:srgbClr val="FF6C45"/>
+                </a:solidFill>
+                <a:effectLst/>
+                <a:latin typeface="var(--fontStack-monospace, ui-monospace, SFMono-Regular, SF Mono, Menlo, Consolas, Liberation Mono, monospace)"/>
+              </a:rPr>
+              <a:t>SimData</a:t>
+            </a:r>
+            <a:r>
+              <a:rPr kumimoji="0" lang="fr-FR" altLang="fr-FR" sz="1600" b="0" i="0" u="none" strike="noStrike" cap="none" normalizeH="0" baseline="0" dirty="0">
+                <a:ln>
+                  <a:noFill/>
+                </a:ln>
+                <a:solidFill>
+                  <a:srgbClr val="FF6C45"/>
+                </a:solidFill>
+                <a:effectLst/>
+                <a:latin typeface="var(--fontStack-monospace, ui-monospace, SFMono-Regular, SF Mono, Menlo, Consolas, Liberation Mono, monospace)"/>
+              </a:rPr>
+              <a:t> Port: 3262</a:t>
+            </a:r>
+            <a:r>
+              <a:rPr kumimoji="0" lang="fr-FR" altLang="fr-FR" sz="1400" b="0" i="0" u="none" strike="noStrike" cap="none" normalizeH="0" baseline="0" dirty="0">
+                <a:ln>
+                  <a:noFill/>
+                </a:ln>
+                <a:solidFill>
+                  <a:srgbClr val="FF6C45"/>
+                </a:solidFill>
+                <a:effectLst/>
+              </a:rPr>
+              <a:t> </a:t>
+            </a:r>
+            <a:endParaRPr kumimoji="0" lang="fr-FR" altLang="fr-FR" sz="4000" b="0" i="0" u="none" strike="noStrike" cap="none" normalizeH="0" baseline="0" dirty="0">
+              <a:ln>
+                <a:noFill/>
+              </a:ln>
+              <a:solidFill>
+                <a:srgbClr val="FF6C45"/>
+              </a:solidFill>
+              <a:effectLst/>
+              <a:latin typeface="Arial" panose="020B0604020202020204" pitchFamily="34" charset="0"/>
+            </a:endParaRPr>
+          </a:p>
+        </p:txBody>
+      </p:sp>
+      <p:cxnSp>
+        <p:nvCxnSpPr>
+          <p:cNvPr id="26" name="Connecteur droit avec flèche 25">
+            <a:extLst>
+              <a:ext uri="{FF2B5EF4-FFF2-40B4-BE49-F238E27FC236}">
+                <a16:creationId xmlns:a16="http://schemas.microsoft.com/office/drawing/2014/main" id="{D204E2D4-980D-D09E-2A14-1E01520550A3}"/>
+              </a:ext>
+            </a:extLst>
+          </p:cNvPr>
+          <p:cNvCxnSpPr>
+            <a:cxnSpLocks/>
+            <a:stCxn id="21" idx="5"/>
+            <a:endCxn id="22" idx="1"/>
+          </p:cNvCxnSpPr>
+          <p:nvPr/>
+        </p:nvCxnSpPr>
+        <p:spPr>
+          <a:xfrm>
+            <a:off x="7626195" y="2415738"/>
+            <a:ext cx="1333345" cy="1281544"/>
+          </a:xfrm>
+          <a:prstGeom prst="straightConnector1">
+            <a:avLst/>
+          </a:prstGeom>
+          <a:ln w="41275">
+            <a:headEnd type="triangle"/>
+            <a:tailEnd type="triangle"/>
+          </a:ln>
+        </p:spPr>
+        <p:style>
+          <a:lnRef idx="1">
+            <a:schemeClr val="accent1"/>
+          </a:lnRef>
+          <a:fillRef idx="0">
+            <a:schemeClr val="accent1"/>
+          </a:fillRef>
+          <a:effectRef idx="0">
+            <a:schemeClr val="accent1"/>
+          </a:effectRef>
+          <a:fontRef idx="minor">
+            <a:schemeClr val="tx1"/>
+          </a:fontRef>
+        </p:style>
+      </p:cxnSp>
+      <p:cxnSp>
+        <p:nvCxnSpPr>
+          <p:cNvPr id="31" name="Connecteur droit avec flèche 30">
+            <a:extLst>
+              <a:ext uri="{FF2B5EF4-FFF2-40B4-BE49-F238E27FC236}">
+                <a16:creationId xmlns:a16="http://schemas.microsoft.com/office/drawing/2014/main" id="{F34D6D17-6ED9-0C70-9D7E-AE21F121E093}"/>
+              </a:ext>
+            </a:extLst>
+          </p:cNvPr>
+          <p:cNvCxnSpPr>
+            <a:cxnSpLocks/>
+            <a:stCxn id="23" idx="6"/>
+            <a:endCxn id="22" idx="3"/>
+          </p:cNvCxnSpPr>
+          <p:nvPr/>
+        </p:nvCxnSpPr>
+        <p:spPr>
+          <a:xfrm flipV="1">
+            <a:off x="7704813" y="3812170"/>
+            <a:ext cx="1254727" cy="958322"/>
+          </a:xfrm>
+          <a:prstGeom prst="straightConnector1">
+            <a:avLst/>
+          </a:prstGeom>
+          <a:ln w="41275">
+            <a:headEnd type="triangle"/>
+            <a:tailEnd type="triangle"/>
+          </a:ln>
+        </p:spPr>
+        <p:style>
+          <a:lnRef idx="1">
+            <a:schemeClr val="accent1"/>
+          </a:lnRef>
+          <a:fillRef idx="0">
+            <a:schemeClr val="accent1"/>
+          </a:fillRef>
+          <a:effectRef idx="0">
+            <a:schemeClr val="accent1"/>
+          </a:effectRef>
+          <a:fontRef idx="minor">
+            <a:schemeClr val="tx1"/>
+          </a:fontRef>
+        </p:style>
+      </p:cxnSp>
+      <p:cxnSp>
+        <p:nvCxnSpPr>
+          <p:cNvPr id="34" name="Connecteur droit avec flèche 33">
+            <a:extLst>
+              <a:ext uri="{FF2B5EF4-FFF2-40B4-BE49-F238E27FC236}">
+                <a16:creationId xmlns:a16="http://schemas.microsoft.com/office/drawing/2014/main" id="{52449EB5-6793-E334-6CB9-CFB0DB03EC77}"/>
+              </a:ext>
+            </a:extLst>
+          </p:cNvPr>
+          <p:cNvCxnSpPr>
+            <a:cxnSpLocks/>
+            <a:stCxn id="23" idx="0"/>
+            <a:endCxn id="21" idx="4"/>
+          </p:cNvCxnSpPr>
+          <p:nvPr/>
+        </p:nvCxnSpPr>
+        <p:spPr>
+          <a:xfrm flipH="1" flipV="1">
+            <a:off x="7573050" y="2439532"/>
+            <a:ext cx="56605" cy="2249722"/>
+          </a:xfrm>
+          <a:prstGeom prst="straightConnector1">
+            <a:avLst/>
+          </a:prstGeom>
+          <a:ln w="41275">
+            <a:headEnd type="triangle"/>
+            <a:tailEnd type="triangle"/>
+          </a:ln>
+        </p:spPr>
+        <p:style>
+          <a:lnRef idx="1">
+            <a:schemeClr val="accent1"/>
+          </a:lnRef>
+          <a:fillRef idx="0">
+            <a:schemeClr val="accent1"/>
+          </a:fillRef>
+          <a:effectRef idx="0">
+            <a:schemeClr val="accent1"/>
+          </a:effectRef>
+          <a:fontRef idx="minor">
+            <a:schemeClr val="tx1"/>
+          </a:fontRef>
+        </p:style>
+      </p:cxnSp>
+      <p:sp>
+        <p:nvSpPr>
+          <p:cNvPr id="43" name="ZoneTexte 42">
+            <a:extLst>
+              <a:ext uri="{FF2B5EF4-FFF2-40B4-BE49-F238E27FC236}">
+                <a16:creationId xmlns:a16="http://schemas.microsoft.com/office/drawing/2014/main" id="{51123BC5-7864-73B9-596B-21DE65460DE3}"/>
+              </a:ext>
+            </a:extLst>
+          </p:cNvPr>
+          <p:cNvSpPr txBox="1"/>
+          <p:nvPr/>
+        </p:nvSpPr>
+        <p:spPr>
+          <a:xfrm>
+            <a:off x="165248" y="3204084"/>
+            <a:ext cx="4782639" cy="738664"/>
+          </a:xfrm>
+          <a:prstGeom prst="rect">
+            <a:avLst/>
+          </a:prstGeom>
+          <a:noFill/>
+        </p:spPr>
+        <p:txBody>
+          <a:bodyPr wrap="square" rtlCol="0">
+            <a:spAutoFit/>
+          </a:bodyPr>
+          <a:lstStyle/>
+          <a:p>
+            <a:r>
+              <a:rPr lang="fr-FR" sz="1400" dirty="0"/>
+              <a:t>HTTP POST</a:t>
+            </a:r>
+          </a:p>
+          <a:p>
+            <a:r>
+              <a:rPr lang="fr-FR" sz="1400" dirty="0">
+                <a:hlinkClick r:id="rId3"/>
+              </a:rPr>
+              <a:t>http://slimfaas/async-function/fibonacci/hello/guillaume</a:t>
+            </a:r>
+            <a:endParaRPr lang="fr-FR" sz="1400" dirty="0"/>
+          </a:p>
+          <a:p>
+            <a:r>
+              <a:rPr lang="fr-FR" sz="1400" dirty="0"/>
+              <a:t>{</a:t>
+            </a:r>
+            <a:r>
+              <a:rPr lang="fr-FR" sz="1400" b="0" i="0" dirty="0">
+                <a:effectLst/>
+                <a:latin typeface="-apple-system"/>
+              </a:rPr>
+              <a:t>"</a:t>
+            </a:r>
+            <a:r>
+              <a:rPr lang="fr-FR" sz="1400" dirty="0"/>
+              <a:t>input</a:t>
+            </a:r>
+            <a:r>
+              <a:rPr lang="fr-FR" sz="1400" b="0" i="0" dirty="0">
+                <a:effectLst/>
+                <a:latin typeface="-apple-system"/>
+              </a:rPr>
+              <a:t>"</a:t>
+            </a:r>
+            <a:r>
+              <a:rPr lang="fr-FR" sz="1400" dirty="0"/>
+              <a:t>:42}</a:t>
+            </a:r>
+          </a:p>
+        </p:txBody>
+      </p:sp>
+      <p:cxnSp>
+        <p:nvCxnSpPr>
+          <p:cNvPr id="44" name="Connecteur droit avec flèche 43">
+            <a:extLst>
+              <a:ext uri="{FF2B5EF4-FFF2-40B4-BE49-F238E27FC236}">
+                <a16:creationId xmlns:a16="http://schemas.microsoft.com/office/drawing/2014/main" id="{9FE5D1DE-F1C1-2170-ADB1-5E2ECFF39882}"/>
+              </a:ext>
+            </a:extLst>
+          </p:cNvPr>
+          <p:cNvCxnSpPr>
+            <a:cxnSpLocks/>
+            <a:stCxn id="43" idx="3"/>
+            <a:endCxn id="50" idx="2"/>
+          </p:cNvCxnSpPr>
+          <p:nvPr/>
+        </p:nvCxnSpPr>
+        <p:spPr>
+          <a:xfrm>
+            <a:off x="4947887" y="3573416"/>
+            <a:ext cx="1784118" cy="1171417"/>
+          </a:xfrm>
+          <a:prstGeom prst="straightConnector1">
+            <a:avLst/>
+          </a:prstGeom>
+          <a:ln w="41275">
+            <a:solidFill>
+              <a:schemeClr val="accent6">
+                <a:lumMod val="75000"/>
+              </a:schemeClr>
+            </a:solidFill>
+            <a:tailEnd type="triangle"/>
+          </a:ln>
+        </p:spPr>
+        <p:style>
+          <a:lnRef idx="1">
+            <a:schemeClr val="accent1"/>
+          </a:lnRef>
+          <a:fillRef idx="0">
+            <a:schemeClr val="accent1"/>
+          </a:fillRef>
+          <a:effectRef idx="0">
+            <a:schemeClr val="accent1"/>
+          </a:effectRef>
+          <a:fontRef idx="minor">
+            <a:schemeClr val="tx1"/>
+          </a:fontRef>
+        </p:style>
+      </p:cxnSp>
+      <p:sp>
+        <p:nvSpPr>
+          <p:cNvPr id="50" name="Ellipse 49">
+            <a:extLst>
+              <a:ext uri="{FF2B5EF4-FFF2-40B4-BE49-F238E27FC236}">
+                <a16:creationId xmlns:a16="http://schemas.microsoft.com/office/drawing/2014/main" id="{AB7340EF-BFC8-1492-ACB3-2B0D636ACBE5}"/>
+              </a:ext>
+            </a:extLst>
+          </p:cNvPr>
+          <p:cNvSpPr/>
+          <p:nvPr/>
+        </p:nvSpPr>
+        <p:spPr>
+          <a:xfrm>
+            <a:off x="6732005" y="4663595"/>
+            <a:ext cx="150316" cy="162476"/>
+          </a:xfrm>
+          <a:prstGeom prst="ellipse">
+            <a:avLst/>
+          </a:prstGeom>
+          <a:solidFill>
+            <a:schemeClr val="accent6">
+              <a:lumMod val="75000"/>
+            </a:schemeClr>
+          </a:solidFill>
+          <a:ln>
+            <a:solidFill>
+              <a:schemeClr val="accent6">
+                <a:lumMod val="75000"/>
+              </a:schemeClr>
+            </a:solidFill>
+          </a:ln>
+        </p:spPr>
+        <p:style>
+          <a:lnRef idx="2">
+            <a:schemeClr val="accent1">
+              <a:shade val="15000"/>
+            </a:schemeClr>
+          </a:lnRef>
+          <a:fillRef idx="1">
+            <a:schemeClr val="accent1"/>
+          </a:fillRef>
+          <a:effectRef idx="0">
+            <a:schemeClr val="accent1"/>
+          </a:effectRef>
+          <a:fontRef idx="minor">
+            <a:schemeClr val="lt1"/>
+          </a:fontRef>
+        </p:style>
+        <p:txBody>
+          <a:bodyPr rtlCol="0" anchor="ctr"/>
+          <a:lstStyle/>
+          <a:p>
+            <a:pPr algn="ctr"/>
+            <a:endParaRPr lang="fr-FR"/>
+          </a:p>
+        </p:txBody>
+      </p:sp>
+      <p:sp>
+        <p:nvSpPr>
+          <p:cNvPr id="52" name="Ellipse 51">
+            <a:extLst>
+              <a:ext uri="{FF2B5EF4-FFF2-40B4-BE49-F238E27FC236}">
+                <a16:creationId xmlns:a16="http://schemas.microsoft.com/office/drawing/2014/main" id="{3F6D3BC2-8D90-0C98-D000-85E9E1C9A537}"/>
+              </a:ext>
+            </a:extLst>
+          </p:cNvPr>
+          <p:cNvSpPr/>
+          <p:nvPr/>
+        </p:nvSpPr>
+        <p:spPr>
+          <a:xfrm>
+            <a:off x="6673963" y="2307595"/>
+            <a:ext cx="150316" cy="162476"/>
+          </a:xfrm>
+          <a:prstGeom prst="ellipse">
+            <a:avLst/>
+          </a:prstGeom>
+          <a:solidFill>
+            <a:schemeClr val="accent6">
+              <a:lumMod val="75000"/>
+            </a:schemeClr>
+          </a:solidFill>
+          <a:ln>
+            <a:solidFill>
+              <a:schemeClr val="accent6">
+                <a:lumMod val="75000"/>
+              </a:schemeClr>
+            </a:solidFill>
+          </a:ln>
+        </p:spPr>
+        <p:style>
+          <a:lnRef idx="2">
+            <a:schemeClr val="accent1">
+              <a:shade val="15000"/>
+            </a:schemeClr>
+          </a:lnRef>
+          <a:fillRef idx="1">
+            <a:schemeClr val="accent1"/>
+          </a:fillRef>
+          <a:effectRef idx="0">
+            <a:schemeClr val="accent1"/>
+          </a:effectRef>
+          <a:fontRef idx="minor">
+            <a:schemeClr val="lt1"/>
+          </a:fontRef>
+        </p:style>
+        <p:txBody>
+          <a:bodyPr rtlCol="0" anchor="ctr"/>
+          <a:lstStyle/>
+          <a:p>
+            <a:pPr algn="ctr"/>
+            <a:endParaRPr lang="fr-FR"/>
+          </a:p>
+        </p:txBody>
+      </p:sp>
+      <p:sp>
+        <p:nvSpPr>
+          <p:cNvPr id="53" name="Ellipse 52">
+            <a:extLst>
+              <a:ext uri="{FF2B5EF4-FFF2-40B4-BE49-F238E27FC236}">
+                <a16:creationId xmlns:a16="http://schemas.microsoft.com/office/drawing/2014/main" id="{A5592046-EFC4-3631-5FF1-CDA00F19082F}"/>
+              </a:ext>
+            </a:extLst>
+          </p:cNvPr>
+          <p:cNvSpPr/>
+          <p:nvPr/>
+        </p:nvSpPr>
+        <p:spPr>
+          <a:xfrm>
+            <a:off x="8937527" y="3338623"/>
+            <a:ext cx="150316" cy="162476"/>
+          </a:xfrm>
+          <a:prstGeom prst="ellipse">
+            <a:avLst/>
+          </a:prstGeom>
+          <a:solidFill>
+            <a:schemeClr val="accent6">
+              <a:lumMod val="75000"/>
+            </a:schemeClr>
+          </a:solidFill>
+          <a:ln>
+            <a:solidFill>
+              <a:schemeClr val="accent6">
+                <a:lumMod val="75000"/>
+              </a:schemeClr>
+            </a:solidFill>
+          </a:ln>
+        </p:spPr>
+        <p:style>
+          <a:lnRef idx="2">
+            <a:schemeClr val="accent1">
+              <a:shade val="15000"/>
+            </a:schemeClr>
+          </a:lnRef>
+          <a:fillRef idx="1">
+            <a:schemeClr val="accent1"/>
+          </a:fillRef>
+          <a:effectRef idx="0">
+            <a:schemeClr val="accent1"/>
+          </a:effectRef>
+          <a:fontRef idx="minor">
+            <a:schemeClr val="lt1"/>
+          </a:fontRef>
+        </p:style>
+        <p:txBody>
+          <a:bodyPr rtlCol="0" anchor="ctr"/>
+          <a:lstStyle/>
+          <a:p>
+            <a:pPr algn="ctr"/>
+            <a:endParaRPr lang="fr-FR"/>
+          </a:p>
+        </p:txBody>
+      </p:sp>
+      <p:sp>
+        <p:nvSpPr>
+          <p:cNvPr id="54" name="Rectangle 1">
+            <a:extLst>
+              <a:ext uri="{FF2B5EF4-FFF2-40B4-BE49-F238E27FC236}">
+                <a16:creationId xmlns:a16="http://schemas.microsoft.com/office/drawing/2014/main" id="{2EBBAE0F-2B30-2674-1904-BEDE427482DA}"/>
+              </a:ext>
+            </a:extLst>
+          </p:cNvPr>
+          <p:cNvSpPr>
+            <a:spLocks noChangeArrowheads="1"/>
+          </p:cNvSpPr>
+          <p:nvPr/>
+        </p:nvSpPr>
+        <p:spPr bwMode="auto">
+          <a:xfrm>
+            <a:off x="6208595" y="4045110"/>
+            <a:ext cx="1260230" cy="246221"/>
+          </a:xfrm>
+          <a:prstGeom prst="rect">
+            <a:avLst/>
+          </a:prstGeom>
+          <a:noFill/>
+          <a:ln>
+            <a:noFill/>
+          </a:ln>
+          <a:effectLst/>
+        </p:spPr>
+        <p:txBody>
+          <a:bodyPr vert="horz" wrap="square" lIns="91440" tIns="0" rIns="91440" bIns="0" numCol="1" anchor="ctr" anchorCtr="0" compatLnSpc="1">
+            <a:prstTxWarp prst="textNoShape">
+              <a:avLst/>
+            </a:prstTxWarp>
+            <a:spAutoFit/>
+          </a:bodyPr>
+          <a:lstStyle/>
+          <a:p>
+            <a:pPr marL="0" marR="0" lvl="0" indent="0" algn="l" defTabSz="914400" rtl="0" eaLnBrk="0" fontAlgn="base" latinLnBrk="0" hangingPunct="0">
+              <a:lnSpc>
+                <a:spcPct val="100000"/>
+              </a:lnSpc>
+              <a:spcBef>
+                <a:spcPct val="0"/>
+              </a:spcBef>
+              <a:spcAft>
+                <a:spcPct val="0"/>
+              </a:spcAft>
+              <a:buClrTx/>
+              <a:buSzTx/>
+              <a:buFontTx/>
+              <a:buNone/>
+              <a:tabLst/>
+            </a:pPr>
+            <a:r>
+              <a:rPr kumimoji="0" lang="fr-FR" altLang="fr-FR" sz="1600" b="0" i="0" u="none" strike="noStrike" cap="none" normalizeH="0" baseline="0" dirty="0">
+                <a:ln>
+                  <a:noFill/>
+                </a:ln>
+                <a:solidFill>
+                  <a:srgbClr val="548235"/>
+                </a:solidFill>
+                <a:effectLst/>
+                <a:latin typeface="var(--fontStack-monospace, ui-monospace, SFMono-Regular, SF Mono, Menlo, Consolas, Liberation Mono, monospace)"/>
+              </a:rPr>
+              <a:t>Port: 5000</a:t>
+            </a:r>
+            <a:r>
+              <a:rPr kumimoji="0" lang="fr-FR" altLang="fr-FR" sz="1400" b="0" i="0" u="none" strike="noStrike" cap="none" normalizeH="0" baseline="0" dirty="0">
+                <a:ln>
+                  <a:noFill/>
+                </a:ln>
+                <a:solidFill>
+                  <a:srgbClr val="548235"/>
+                </a:solidFill>
+                <a:effectLst/>
+              </a:rPr>
+              <a:t> </a:t>
+            </a:r>
+            <a:endParaRPr kumimoji="0" lang="fr-FR" altLang="fr-FR" sz="4000" b="0" i="0" u="none" strike="noStrike" cap="none" normalizeH="0" baseline="0" dirty="0">
+              <a:ln>
+                <a:noFill/>
+              </a:ln>
+              <a:solidFill>
+                <a:srgbClr val="548235"/>
+              </a:solidFill>
+              <a:effectLst/>
+              <a:latin typeface="Arial" panose="020B0604020202020204" pitchFamily="34" charset="0"/>
+            </a:endParaRPr>
+          </a:p>
+        </p:txBody>
+      </p:sp>
+    </p:spTree>
+    <p:extLst>
+      <p:ext uri="{BB962C8B-B14F-4D97-AF65-F5344CB8AC3E}">
+        <p14:creationId xmlns:p14="http://schemas.microsoft.com/office/powerpoint/2010/main" val="2074995021"/>
       </p:ext>
     </p:extLst>
   </p:cSld>
@@ -9439,6 +11065,34 @@
 </file>
 
 <file path=customXml/item1.xml><?xml version="1.0" encoding="utf-8"?>
+<p:properties xmlns:p="http://schemas.microsoft.com/office/2006/metadata/properties" xmlns:xsi="http://www.w3.org/2001/XMLSchema-instance" xmlns:pc="http://schemas.microsoft.com/office/infopath/2007/PartnerControls">
+  <documentManagement>
+    <SharedWithUsers xmlns="03cb9dc2-e9ea-44ac-afed-001b6fad4f36">
+      <UserInfo>
+        <DisplayName>LEMARCHAND THOMAS</DisplayName>
+        <AccountId>16</AccountId>
+        <AccountType/>
+      </UserInfo>
+      <UserInfo>
+        <DisplayName>CHERVET Guillaume</DisplayName>
+        <AccountId>84</AccountId>
+        <AccountType/>
+      </UserInfo>
+    </SharedWithUsers>
+  </documentManagement>
+</p:properties>
+</file>
+
+<file path=customXml/item2.xml><?xml version="1.0" encoding="utf-8"?>
+<?mso-contentType ?>
+<FormTemplates xmlns="http://schemas.microsoft.com/sharepoint/v3/contenttype/forms">
+  <Display>DocumentLibraryForm</Display>
+  <Edit>DocumentLibraryForm</Edit>
+  <New>DocumentLibraryForm</New>
+</FormTemplates>
+</file>
+
+<file path=customXml/item3.xml><?xml version="1.0" encoding="utf-8"?>
 <ct:contentTypeSchema xmlns:ct="http://schemas.microsoft.com/office/2006/metadata/contentType" xmlns:ma="http://schemas.microsoft.com/office/2006/metadata/properties/metaAttributes" ct:_="" ma:_="" ma:contentTypeName="Document" ma:contentTypeID="0x0101003BE0F011240A094E827BA56BE9109944" ma:contentTypeVersion="13" ma:contentTypeDescription="Create a new document." ma:contentTypeScope="" ma:versionID="5dc1144dd420c1d8a9ebf51c7358c8f0">
   <xsd:schema xmlns:xsd="http://www.w3.org/2001/XMLSchema" xmlns:xs="http://www.w3.org/2001/XMLSchema" xmlns:p="http://schemas.microsoft.com/office/2006/metadata/properties" xmlns:ns3="03cb9dc2-e9ea-44ac-afed-001b6fad4f36" xmlns:ns4="d0879fa5-f2db-41a7-8861-4a44e7ee3b24" targetNamespace="http://schemas.microsoft.com/office/2006/metadata/properties" ma:root="true" ma:fieldsID="6dda18631f78ef64168f1da1c53d30ff" ns3:_="" ns4:_="">
     <xsd:import namespace="03cb9dc2-e9ea-44ac-afed-001b6fad4f36"/>
@@ -9661,35 +11315,32 @@
 </ct:contentTypeSchema>
 </file>
 
-<file path=customXml/item2.xml><?xml version="1.0" encoding="utf-8"?>
-<?mso-contentType ?>
-<FormTemplates xmlns="http://schemas.microsoft.com/sharepoint/v3/contenttype/forms">
-  <Display>DocumentLibraryForm</Display>
-  <Edit>DocumentLibraryForm</Edit>
-  <New>DocumentLibraryForm</New>
-</FormTemplates>
+<file path=customXml/itemProps1.xml><?xml version="1.0" encoding="utf-8"?>
+<ds:datastoreItem xmlns:ds="http://schemas.openxmlformats.org/officeDocument/2006/customXml" ds:itemID="{C522BBC0-3E7A-472B-9CC6-34C5EA434DEE}">
+  <ds:schemaRefs>
+    <ds:schemaRef ds:uri="http://purl.org/dc/terms/"/>
+    <ds:schemaRef ds:uri="http://schemas.openxmlformats.org/package/2006/metadata/core-properties"/>
+    <ds:schemaRef ds:uri="http://purl.org/dc/dcmitype/"/>
+    <ds:schemaRef ds:uri="http://schemas.microsoft.com/office/infopath/2007/PartnerControls"/>
+    <ds:schemaRef ds:uri="http://schemas.microsoft.com/office/2006/documentManagement/types"/>
+    <ds:schemaRef ds:uri="http://purl.org/dc/elements/1.1/"/>
+    <ds:schemaRef ds:uri="http://schemas.microsoft.com/office/2006/metadata/properties"/>
+    <ds:schemaRef ds:uri="d0879fa5-f2db-41a7-8861-4a44e7ee3b24"/>
+    <ds:schemaRef ds:uri="03cb9dc2-e9ea-44ac-afed-001b6fad4f36"/>
+    <ds:schemaRef ds:uri="http://www.w3.org/XML/1998/namespace"/>
+  </ds:schemaRefs>
+</ds:datastoreItem>
 </file>
 
-<file path=customXml/item3.xml><?xml version="1.0" encoding="utf-8"?>
-<p:properties xmlns:p="http://schemas.microsoft.com/office/2006/metadata/properties" xmlns:xsi="http://www.w3.org/2001/XMLSchema-instance" xmlns:pc="http://schemas.microsoft.com/office/infopath/2007/PartnerControls">
-  <documentManagement>
-    <SharedWithUsers xmlns="03cb9dc2-e9ea-44ac-afed-001b6fad4f36">
-      <UserInfo>
-        <DisplayName>LEMARCHAND THOMAS</DisplayName>
-        <AccountId>16</AccountId>
-        <AccountType/>
-      </UserInfo>
-      <UserInfo>
-        <DisplayName>CHERVET Guillaume</DisplayName>
-        <AccountId>84</AccountId>
-        <AccountType/>
-      </UserInfo>
-    </SharedWithUsers>
-  </documentManagement>
-</p:properties>
+<file path=customXml/itemProps2.xml><?xml version="1.0" encoding="utf-8"?>
+<ds:datastoreItem xmlns:ds="http://schemas.openxmlformats.org/officeDocument/2006/customXml" ds:itemID="{05D7AB42-0DA9-4407-9B22-92C435FE7C62}">
+  <ds:schemaRefs>
+    <ds:schemaRef ds:uri="http://schemas.microsoft.com/sharepoint/v3/contenttype/forms"/>
+  </ds:schemaRefs>
+</ds:datastoreItem>
 </file>
 
-<file path=customXml/itemProps1.xml><?xml version="1.0" encoding="utf-8"?>
+<file path=customXml/itemProps3.xml><?xml version="1.0" encoding="utf-8"?>
 <ds:datastoreItem xmlns:ds="http://schemas.openxmlformats.org/officeDocument/2006/customXml" ds:itemID="{C72C7657-97CD-4958-88DD-F8AC87258741}">
   <ds:schemaRefs>
     <ds:schemaRef ds:uri="http://schemas.microsoft.com/office/2006/metadata/contentType"/>
@@ -9706,29 +11357,4 @@
     <ds:schemaRef ds:uri="http://schemas.microsoft.com/internal/obd"/>
   </ds:schemaRefs>
 </ds:datastoreItem>
-</file>
-
-<file path=customXml/itemProps2.xml><?xml version="1.0" encoding="utf-8"?>
-<ds:datastoreItem xmlns:ds="http://schemas.openxmlformats.org/officeDocument/2006/customXml" ds:itemID="{05D7AB42-0DA9-4407-9B22-92C435FE7C62}">
-  <ds:schemaRefs>
-    <ds:schemaRef ds:uri="http://schemas.microsoft.com/sharepoint/v3/contenttype/forms"/>
-  </ds:schemaRefs>
-</ds:datastoreItem>
-</file>
-
-<file path=customXml/itemProps3.xml><?xml version="1.0" encoding="utf-8"?>
-<ds:datastoreItem xmlns:ds="http://schemas.openxmlformats.org/officeDocument/2006/customXml" ds:itemID="{C522BBC0-3E7A-472B-9CC6-34C5EA434DEE}">
-  <ds:schemaRefs>
-    <ds:schemaRef ds:uri="http://purl.org/dc/terms/"/>
-    <ds:schemaRef ds:uri="http://schemas.openxmlformats.org/package/2006/metadata/core-properties"/>
-    <ds:schemaRef ds:uri="http://purl.org/dc/dcmitype/"/>
-    <ds:schemaRef ds:uri="http://schemas.microsoft.com/office/infopath/2007/PartnerControls"/>
-    <ds:schemaRef ds:uri="http://schemas.microsoft.com/office/2006/documentManagement/types"/>
-    <ds:schemaRef ds:uri="http://purl.org/dc/elements/1.1/"/>
-    <ds:schemaRef ds:uri="http://schemas.microsoft.com/office/2006/metadata/properties"/>
-    <ds:schemaRef ds:uri="d0879fa5-f2db-41a7-8861-4a44e7ee3b24"/>
-    <ds:schemaRef ds:uri="03cb9dc2-e9ea-44ac-afed-001b6fad4f36"/>
-    <ds:schemaRef ds:uri="http://www.w3.org/XML/1998/namespace"/>
-  </ds:schemaRefs>
-</ds:datastoreItem>
 </file>
--- a/documentation/slimfaas.pptx
+++ b/documentation/slimfaas.pptx
@@ -240,7 +240,7 @@
           <a:p>
             <a:fld id="{F60FFC85-34C0-4167-8801-71D65E4D986C}" type="datetimeFigureOut">
               <a:rPr lang="fr-FR" smtClean="0"/>
-              <a:t>24/06/2024</a:t>
+              <a:t>08/10/2024</a:t>
             </a:fld>
             <a:endParaRPr lang="fr-FR"/>
           </a:p>
@@ -417,7 +417,7 @@
           <a:p>
             <a:fld id="{F2EE8696-3B2B-7D49-B212-A8F746F3A84B}" type="datetimeFigureOut">
               <a:rPr lang="es-ES_tradnl" smtClean="0"/>
-              <a:t>24/06/2024</a:t>
+              <a:t>08/10/2024</a:t>
             </a:fld>
             <a:endParaRPr lang="es-ES_tradnl"/>
           </a:p>
@@ -1114,7 +1114,7 @@
           <a:p>
             <a:fld id="{80160E5B-2E24-B941-8DE0-C0A90C36B7C5}" type="datetimeFigureOut">
               <a:rPr lang="en-GB" smtClean="0"/>
-              <a:t>24/06/2024</a:t>
+              <a:t>08/10/2024</a:t>
             </a:fld>
             <a:endParaRPr lang="en-GB"/>
           </a:p>
@@ -1312,7 +1312,7 @@
           <a:p>
             <a:fld id="{80160E5B-2E24-B941-8DE0-C0A90C36B7C5}" type="datetimeFigureOut">
               <a:rPr lang="en-GB" smtClean="0"/>
-              <a:t>24/06/2024</a:t>
+              <a:t>08/10/2024</a:t>
             </a:fld>
             <a:endParaRPr lang="en-GB"/>
           </a:p>
@@ -1559,7 +1559,7 @@
           <a:p>
             <a:fld id="{80160E5B-2E24-B941-8DE0-C0A90C36B7C5}" type="datetimeFigureOut">
               <a:rPr lang="en-GB" smtClean="0"/>
-              <a:t>24/06/2024</a:t>
+              <a:t>08/10/2024</a:t>
             </a:fld>
             <a:endParaRPr lang="en-GB"/>
           </a:p>
@@ -1778,7 +1778,7 @@
           <a:p>
             <a:fld id="{80160E5B-2E24-B941-8DE0-C0A90C36B7C5}" type="datetimeFigureOut">
               <a:rPr lang="en-GB" smtClean="0"/>
-              <a:t>24/06/2024</a:t>
+              <a:t>08/10/2024</a:t>
             </a:fld>
             <a:endParaRPr lang="en-GB"/>
           </a:p>
@@ -2053,7 +2053,7 @@
           <a:p>
             <a:fld id="{80160E5B-2E24-B941-8DE0-C0A90C36B7C5}" type="datetimeFigureOut">
               <a:rPr lang="en-GB" smtClean="0"/>
-              <a:t>24/06/2024</a:t>
+              <a:t>08/10/2024</a:t>
             </a:fld>
             <a:endParaRPr lang="en-GB"/>
           </a:p>
@@ -2357,7 +2357,7 @@
           <a:p>
             <a:fld id="{80160E5B-2E24-B941-8DE0-C0A90C36B7C5}" type="datetimeFigureOut">
               <a:rPr lang="en-GB" smtClean="0"/>
-              <a:t>24/06/2024</a:t>
+              <a:t>08/10/2024</a:t>
             </a:fld>
             <a:endParaRPr lang="en-GB"/>
           </a:p>
@@ -2808,7 +2808,7 @@
           <a:p>
             <a:fld id="{80160E5B-2E24-B941-8DE0-C0A90C36B7C5}" type="datetimeFigureOut">
               <a:rPr lang="en-GB" smtClean="0"/>
-              <a:t>24/06/2024</a:t>
+              <a:t>08/10/2024</a:t>
             </a:fld>
             <a:endParaRPr lang="en-GB"/>
           </a:p>
@@ -2988,7 +2988,7 @@
           <a:p>
             <a:fld id="{80160E5B-2E24-B941-8DE0-C0A90C36B7C5}" type="datetimeFigureOut">
               <a:rPr lang="en-GB" smtClean="0"/>
-              <a:t>24/06/2024</a:t>
+              <a:t>08/10/2024</a:t>
             </a:fld>
             <a:endParaRPr lang="en-GB"/>
           </a:p>
@@ -3140,7 +3140,7 @@
           <a:p>
             <a:fld id="{80160E5B-2E24-B941-8DE0-C0A90C36B7C5}" type="datetimeFigureOut">
               <a:rPr lang="en-GB" smtClean="0"/>
-              <a:t>24/06/2024</a:t>
+              <a:t>08/10/2024</a:t>
             </a:fld>
             <a:endParaRPr lang="en-GB"/>
           </a:p>
@@ -3490,7 +3490,7 @@
           <a:p>
             <a:fld id="{80160E5B-2E24-B941-8DE0-C0A90C36B7C5}" type="datetimeFigureOut">
               <a:rPr lang="en-GB" smtClean="0"/>
-              <a:t>24/06/2024</a:t>
+              <a:t>08/10/2024</a:t>
             </a:fld>
             <a:endParaRPr lang="en-GB"/>
           </a:p>
@@ -3817,7 +3817,7 @@
           <a:p>
             <a:fld id="{80160E5B-2E24-B941-8DE0-C0A90C36B7C5}" type="datetimeFigureOut">
               <a:rPr lang="en-GB" smtClean="0"/>
-              <a:t>24/06/2024</a:t>
+              <a:t>08/10/2024</a:t>
             </a:fld>
             <a:endParaRPr lang="en-GB"/>
           </a:p>
@@ -4097,7 +4097,7 @@
           <a:p>
             <a:fld id="{80160E5B-2E24-B941-8DE0-C0A90C36B7C5}" type="datetimeFigureOut">
               <a:rPr lang="en-GB" smtClean="0"/>
-              <a:t>24/06/2024</a:t>
+              <a:t>08/10/2024</a:t>
             </a:fld>
             <a:endParaRPr lang="en-GB"/>
           </a:p>
@@ -5835,8 +5835,8 @@
         </p:nvCxnSpPr>
         <p:spPr>
           <a:xfrm>
-            <a:off x="4995157" y="1657406"/>
-            <a:ext cx="1035899" cy="3881"/>
+            <a:off x="5259755" y="1661287"/>
+            <a:ext cx="771301" cy="0"/>
           </a:xfrm>
           <a:prstGeom prst="straightConnector1">
             <a:avLst/>
@@ -5879,8 +5879,8 @@
         </p:nvSpPr>
         <p:spPr>
           <a:xfrm>
-            <a:off x="48143" y="1288074"/>
-            <a:ext cx="4947014" cy="738664"/>
+            <a:off x="50098" y="1245788"/>
+            <a:ext cx="5209657" cy="830997"/>
           </a:xfrm>
           <a:prstGeom prst="rect">
             <a:avLst/>
@@ -5894,19 +5894,19 @@
           <a:lstStyle/>
           <a:p>
             <a:r>
-              <a:rPr lang="fr-FR" sz="1400" dirty="0"/>
+              <a:rPr lang="fr-FR" sz="1600" dirty="0"/>
               <a:t>HTTP POST</a:t>
             </a:r>
           </a:p>
           <a:p>
             <a:r>
-              <a:rPr lang="fr-FR" sz="1400" dirty="0">
+              <a:rPr lang="fr-FR" sz="1600" dirty="0">
                 <a:hlinkClick r:id="rId4"/>
               </a:rPr>
               <a:t>http://slimfaas/</a:t>
             </a:r>
             <a:r>
-              <a:rPr lang="fr-FR" sz="1400" dirty="0">
+              <a:rPr lang="fr-FR" sz="1600" dirty="0">
                 <a:highlight>
                   <a:srgbClr val="FFFF00"/>
                 </a:highlight>
@@ -5915,13 +5915,13 @@
               <a:t>async-function</a:t>
             </a:r>
             <a:r>
-              <a:rPr lang="fr-FR" sz="1400" dirty="0">
+              <a:rPr lang="fr-FR" sz="1600" dirty="0">
                 <a:hlinkClick r:id="rId4"/>
               </a:rPr>
               <a:t>/</a:t>
             </a:r>
             <a:r>
-              <a:rPr lang="fr-FR" sz="1400" dirty="0">
+              <a:rPr lang="fr-FR" sz="1600" dirty="0">
                 <a:highlight>
                   <a:srgbClr val="00FF00"/>
                 </a:highlight>
@@ -5930,13 +5930,13 @@
               <a:t>fibonacci</a:t>
             </a:r>
             <a:r>
-              <a:rPr lang="fr-FR" sz="1400" dirty="0">
+              <a:rPr lang="fr-FR" sz="1600" dirty="0">
                 <a:hlinkClick r:id="rId4"/>
               </a:rPr>
               <a:t>/</a:t>
             </a:r>
             <a:r>
-              <a:rPr lang="fr-FR" sz="1400" dirty="0">
+              <a:rPr lang="fr-FR" sz="1600" dirty="0">
                 <a:highlight>
                   <a:srgbClr val="FF6C45"/>
                 </a:highlight>
@@ -5944,7 +5944,7 @@
               </a:rPr>
               <a:t>hello/guillaume</a:t>
             </a:r>
-            <a:endParaRPr lang="fr-FR" sz="1400" dirty="0">
+            <a:endParaRPr lang="fr-FR" sz="1600" dirty="0">
               <a:highlight>
                 <a:srgbClr val="FF6C45"/>
               </a:highlight>
@@ -5952,29 +5952,29 @@
           </a:p>
           <a:p>
             <a:r>
-              <a:rPr lang="fr-FR" sz="1400" dirty="0"/>
+              <a:rPr lang="fr-FR" sz="1600" dirty="0"/>
               <a:t>{</a:t>
             </a:r>
             <a:r>
-              <a:rPr lang="fr-FR" sz="1400" b="0" i="0" dirty="0">
+              <a:rPr lang="fr-FR" sz="1600" b="0" i="0" dirty="0">
                 <a:effectLst/>
                 <a:latin typeface="-apple-system"/>
               </a:rPr>
               <a:t>"</a:t>
             </a:r>
             <a:r>
-              <a:rPr lang="fr-FR" sz="1400" dirty="0"/>
+              <a:rPr lang="fr-FR" sz="1600" dirty="0"/>
               <a:t>input</a:t>
             </a:r>
             <a:r>
-              <a:rPr lang="fr-FR" sz="1400" b="0" i="0" dirty="0">
+              <a:rPr lang="fr-FR" sz="1600" b="0" i="0" dirty="0">
                 <a:effectLst/>
                 <a:latin typeface="-apple-system"/>
               </a:rPr>
               <a:t>"</a:t>
             </a:r>
             <a:r>
-              <a:rPr lang="fr-FR" sz="1400" dirty="0"/>
+              <a:rPr lang="fr-FR" sz="1600" dirty="0"/>
               <a:t>:42}</a:t>
             </a:r>
           </a:p>
@@ -6539,7 +6539,7 @@
         </p:nvSpPr>
         <p:spPr>
           <a:xfrm>
-            <a:off x="4179398" y="4170279"/>
+            <a:off x="5814767" y="3822474"/>
             <a:ext cx="1659171" cy="543302"/>
           </a:xfrm>
           <a:prstGeom prst="roundRect">
@@ -6603,9 +6603,9 @@
           <p:nvPr/>
         </p:nvCxnSpPr>
         <p:spPr>
-          <a:xfrm flipV="1">
-            <a:off x="3219449" y="4441930"/>
-            <a:ext cx="959949" cy="3902"/>
+          <a:xfrm>
+            <a:off x="4818185" y="4094125"/>
+            <a:ext cx="996582" cy="0"/>
           </a:xfrm>
           <a:prstGeom prst="straightConnector1">
             <a:avLst/>
@@ -6648,8 +6648,8 @@
         </p:nvSpPr>
         <p:spPr>
           <a:xfrm>
-            <a:off x="72470" y="4122666"/>
-            <a:ext cx="3146979" cy="646331"/>
+            <a:off x="0" y="3632460"/>
+            <a:ext cx="4818185" cy="923330"/>
           </a:xfrm>
           <a:prstGeom prst="rect">
             <a:avLst/>
@@ -6663,19 +6663,19 @@
           <a:lstStyle/>
           <a:p>
             <a:r>
-              <a:rPr lang="fr-FR" sz="1200" dirty="0"/>
+              <a:rPr lang="fr-FR" dirty="0"/>
               <a:t>HTTP POST</a:t>
             </a:r>
           </a:p>
           <a:p>
             <a:r>
-              <a:rPr lang="fr-FR" sz="1200" dirty="0">
+              <a:rPr lang="fr-FR" dirty="0">
                 <a:hlinkClick r:id="rId2"/>
               </a:rPr>
               <a:t>http://slimfaas/</a:t>
             </a:r>
             <a:r>
-              <a:rPr lang="fr-FR" sz="1200" dirty="0">
+              <a:rPr lang="fr-FR" dirty="0">
                 <a:highlight>
                   <a:srgbClr val="FFFF00"/>
                 </a:highlight>
@@ -6684,13 +6684,13 @@
               <a:t>publish-event</a:t>
             </a:r>
             <a:r>
-              <a:rPr lang="fr-FR" sz="1200" dirty="0">
+              <a:rPr lang="fr-FR" dirty="0">
                 <a:hlinkClick r:id="rId2"/>
               </a:rPr>
               <a:t>/</a:t>
             </a:r>
             <a:r>
-              <a:rPr lang="fr-FR" sz="1200" dirty="0">
+              <a:rPr lang="fr-FR" dirty="0">
                 <a:highlight>
                   <a:srgbClr val="00FF00"/>
                 </a:highlight>
@@ -6699,11 +6699,11 @@
               <a:t>fib-event</a:t>
             </a:r>
             <a:r>
-              <a:rPr lang="fr-FR" sz="1200" dirty="0"/>
+              <a:rPr lang="fr-FR" dirty="0"/>
               <a:t>/</a:t>
             </a:r>
             <a:r>
-              <a:rPr lang="fr-FR" sz="1200" dirty="0">
+              <a:rPr lang="fr-FR" dirty="0">
                 <a:highlight>
                   <a:srgbClr val="FF6C45"/>
                 </a:highlight>
@@ -6713,29 +6713,29 @@
           </a:p>
           <a:p>
             <a:r>
-              <a:rPr lang="fr-FR" sz="1200" dirty="0"/>
+              <a:rPr lang="fr-FR" dirty="0"/>
               <a:t>{</a:t>
             </a:r>
             <a:r>
-              <a:rPr lang="fr-FR" sz="1200" b="0" i="0" dirty="0">
+              <a:rPr lang="fr-FR" b="0" i="0" dirty="0">
                 <a:effectLst/>
                 <a:latin typeface="-apple-system"/>
               </a:rPr>
               <a:t>"</a:t>
             </a:r>
             <a:r>
-              <a:rPr lang="fr-FR" sz="1200" dirty="0"/>
+              <a:rPr lang="fr-FR" dirty="0"/>
               <a:t>input</a:t>
             </a:r>
             <a:r>
-              <a:rPr lang="fr-FR" sz="1200" b="0" i="0" dirty="0">
+              <a:rPr lang="fr-FR" b="0" i="0" dirty="0">
                 <a:effectLst/>
                 <a:latin typeface="-apple-system"/>
               </a:rPr>
               <a:t>"</a:t>
             </a:r>
             <a:r>
-              <a:rPr lang="fr-FR" sz="1200" dirty="0"/>
+              <a:rPr lang="fr-FR" dirty="0"/>
               <a:t>:42}</a:t>
             </a:r>
           </a:p>
@@ -6755,8 +6755,8 @@
         </p:nvSpPr>
         <p:spPr>
           <a:xfrm>
-            <a:off x="8812332" y="2979399"/>
-            <a:ext cx="3144316" cy="830997"/>
+            <a:off x="5893462" y="1629886"/>
+            <a:ext cx="2330078" cy="923330"/>
           </a:xfrm>
           <a:prstGeom prst="rect">
             <a:avLst/>
@@ -6770,19 +6770,19 @@
           <a:lstStyle/>
           <a:p>
             <a:r>
-              <a:rPr lang="fr-FR" sz="1600" dirty="0"/>
+              <a:rPr lang="fr-FR" dirty="0"/>
               <a:t>HTTP POST</a:t>
             </a:r>
           </a:p>
           <a:p>
             <a:r>
-              <a:rPr lang="fr-FR" sz="1600" dirty="0">
+              <a:rPr lang="fr-FR" dirty="0">
                 <a:hlinkClick r:id="rId3"/>
               </a:rPr>
               <a:t>http://fibonacci/</a:t>
             </a:r>
             <a:r>
-              <a:rPr lang="fr-FR" sz="1600" dirty="0">
+              <a:rPr lang="fr-FR" dirty="0">
                 <a:highlight>
                   <a:srgbClr val="FF6C45"/>
                 </a:highlight>
@@ -6791,32 +6791,32 @@
               <a:t>path</a:t>
             </a:r>
             <a:br>
-              <a:rPr lang="fr-FR" sz="1600" dirty="0"/>
+              <a:rPr lang="fr-FR" dirty="0"/>
             </a:br>
             <a:r>
-              <a:rPr lang="fr-FR" sz="1600" dirty="0"/>
+              <a:rPr lang="fr-FR" dirty="0"/>
               <a:t>{</a:t>
             </a:r>
             <a:r>
-              <a:rPr lang="fr-FR" sz="1600" b="0" i="0" dirty="0">
+              <a:rPr lang="fr-FR" b="0" i="0" dirty="0">
                 <a:effectLst/>
                 <a:latin typeface="-apple-system"/>
               </a:rPr>
               <a:t>"</a:t>
             </a:r>
             <a:r>
-              <a:rPr lang="fr-FR" sz="1600" dirty="0"/>
+              <a:rPr lang="fr-FR" dirty="0"/>
               <a:t>input</a:t>
             </a:r>
             <a:r>
-              <a:rPr lang="fr-FR" sz="1600" b="0" i="0" dirty="0">
+              <a:rPr lang="fr-FR" b="0" i="0" dirty="0">
                 <a:effectLst/>
                 <a:latin typeface="-apple-system"/>
               </a:rPr>
               <a:t>"</a:t>
             </a:r>
             <a:r>
-              <a:rPr lang="fr-FR" sz="1600" dirty="0"/>
+              <a:rPr lang="fr-FR" dirty="0"/>
               <a:t>:42}</a:t>
             </a:r>
           </a:p>
@@ -6953,8 +6953,8 @@
         </p:nvCxnSpPr>
         <p:spPr>
           <a:xfrm flipV="1">
-            <a:off x="5838569" y="937506"/>
-            <a:ext cx="2973764" cy="3504424"/>
+            <a:off x="7473938" y="937506"/>
+            <a:ext cx="1338395" cy="3156619"/>
           </a:xfrm>
           <a:prstGeom prst="straightConnector1">
             <a:avLst/>
@@ -7001,8 +7001,8 @@
         </p:nvCxnSpPr>
         <p:spPr>
           <a:xfrm flipV="1">
-            <a:off x="5838569" y="2360768"/>
-            <a:ext cx="2973764" cy="2081162"/>
+            <a:off x="7473938" y="2360768"/>
+            <a:ext cx="1338395" cy="1733357"/>
           </a:xfrm>
           <a:prstGeom prst="straightConnector1">
             <a:avLst/>
@@ -7045,14 +7045,16 @@
         </p:nvSpPr>
         <p:spPr>
           <a:xfrm>
-            <a:off x="819054" y="522900"/>
+            <a:off x="235352" y="275936"/>
             <a:ext cx="4922420" cy="1227315"/>
           </a:xfrm>
           <a:prstGeom prst="roundRect">
             <a:avLst/>
           </a:prstGeom>
           <a:solidFill>
-            <a:srgbClr val="7030A0"/>
+            <a:schemeClr val="bg1">
+              <a:lumMod val="50000"/>
+            </a:schemeClr>
           </a:solidFill>
           <a:ln>
             <a:noFill/>
@@ -7096,7 +7098,7 @@
                   <a:schemeClr val="bg1"/>
                 </a:solidFill>
               </a:rPr>
-              <a:t>other</a:t>
+              <a:t>fibonacci</a:t>
             </a:r>
           </a:p>
           <a:p>
@@ -7518,8 +7520,8 @@
         </p:nvCxnSpPr>
         <p:spPr>
           <a:xfrm>
-            <a:off x="5838569" y="4441930"/>
-            <a:ext cx="2973764" cy="159994"/>
+            <a:off x="7473938" y="4094125"/>
+            <a:ext cx="1338395" cy="507799"/>
           </a:xfrm>
           <a:prstGeom prst="straightConnector1">
             <a:avLst/>
@@ -7566,8 +7568,8 @@
         </p:nvCxnSpPr>
         <p:spPr>
           <a:xfrm>
-            <a:off x="5838569" y="4441930"/>
-            <a:ext cx="2973764" cy="1588093"/>
+            <a:off x="7473938" y="4094125"/>
+            <a:ext cx="1338395" cy="1935898"/>
           </a:xfrm>
           <a:prstGeom prst="straightConnector1">
             <a:avLst/>
@@ -7610,14 +7612,16 @@
         </p:nvSpPr>
         <p:spPr>
           <a:xfrm>
-            <a:off x="819054" y="1999049"/>
+            <a:off x="235352" y="1752085"/>
             <a:ext cx="4922420" cy="1227314"/>
           </a:xfrm>
           <a:prstGeom prst="roundRect">
             <a:avLst/>
           </a:prstGeom>
           <a:solidFill>
-            <a:srgbClr val="7030A0"/>
+            <a:schemeClr val="bg1">
+              <a:lumMod val="50000"/>
+            </a:schemeClr>
           </a:solidFill>
           <a:ln>
             <a:noFill/>
@@ -7692,6 +7696,87 @@
                 </a:solidFill>
               </a:rPr>
               <a:t>"</a:t>
+            </a:r>
+          </a:p>
+        </p:txBody>
+      </p:sp>
+      <p:sp>
+        <p:nvSpPr>
+          <p:cNvPr id="4" name="ZoneTexte 3">
+            <a:extLst>
+              <a:ext uri="{FF2B5EF4-FFF2-40B4-BE49-F238E27FC236}">
+                <a16:creationId xmlns:a16="http://schemas.microsoft.com/office/drawing/2014/main" id="{14E1F493-8193-9296-F981-B40EC109296F}"/>
+              </a:ext>
+            </a:extLst>
+          </p:cNvPr>
+          <p:cNvSpPr txBox="1"/>
+          <p:nvPr/>
+        </p:nvSpPr>
+        <p:spPr>
+          <a:xfrm>
+            <a:off x="6049579" y="4814452"/>
+            <a:ext cx="2368152" cy="923330"/>
+          </a:xfrm>
+          <a:prstGeom prst="rect">
+            <a:avLst/>
+          </a:prstGeom>
+          <a:noFill/>
+        </p:spPr>
+        <p:txBody>
+          <a:bodyPr wrap="square" rtlCol="0">
+            <a:spAutoFit/>
+          </a:bodyPr>
+          <a:lstStyle/>
+          <a:p>
+            <a:r>
+              <a:rPr lang="fr-FR" dirty="0"/>
+              <a:t>HTTP POST</a:t>
+            </a:r>
+          </a:p>
+          <a:p>
+            <a:r>
+              <a:rPr lang="fr-FR" dirty="0">
+                <a:hlinkClick r:id="rId3"/>
+              </a:rPr>
+              <a:t>http://other/</a:t>
+            </a:r>
+            <a:r>
+              <a:rPr lang="fr-FR" dirty="0">
+                <a:highlight>
+                  <a:srgbClr val="FF6C45"/>
+                </a:highlight>
+                <a:hlinkClick r:id="rId3"/>
+              </a:rPr>
+              <a:t>path</a:t>
+            </a:r>
+            <a:br>
+              <a:rPr lang="fr-FR" dirty="0"/>
+            </a:br>
+            <a:r>
+              <a:rPr lang="fr-FR" dirty="0"/>
+              <a:t>{</a:t>
+            </a:r>
+            <a:r>
+              <a:rPr lang="fr-FR" b="0" i="0" dirty="0">
+                <a:effectLst/>
+                <a:latin typeface="-apple-system"/>
+              </a:rPr>
+              <a:t>"</a:t>
+            </a:r>
+            <a:r>
+              <a:rPr lang="fr-FR" dirty="0"/>
+              <a:t>input</a:t>
+            </a:r>
+            <a:r>
+              <a:rPr lang="fr-FR" b="0" i="0" dirty="0">
+                <a:effectLst/>
+                <a:latin typeface="-apple-system"/>
+              </a:rPr>
+              <a:t>"</a:t>
+            </a:r>
+            <a:r>
+              <a:rPr lang="fr-FR" dirty="0"/>
+              <a:t>:42}</a:t>
             </a:r>
           </a:p>
         </p:txBody>
@@ -9567,8 +9652,8 @@
         </p:nvSpPr>
         <p:spPr bwMode="auto">
           <a:xfrm>
-            <a:off x="8050138" y="2485340"/>
-            <a:ext cx="2488839" cy="246221"/>
+            <a:off x="8050138" y="2423785"/>
+            <a:ext cx="2488839" cy="369332"/>
           </a:xfrm>
           <a:prstGeom prst="rect">
             <a:avLst/>
@@ -9607,7 +9692,7 @@
               <a:tabLst/>
             </a:pPr>
             <a:r>
-              <a:rPr kumimoji="0" lang="fr-FR" altLang="fr-FR" sz="1600" b="0" i="0" u="none" strike="noStrike" cap="none" normalizeH="0" baseline="0" dirty="0" err="1">
+              <a:rPr kumimoji="0" lang="fr-FR" altLang="fr-FR" sz="2400" b="0" i="0" u="none" strike="noStrike" cap="none" normalizeH="0" baseline="0" dirty="0">
                 <a:ln>
                   <a:noFill/>
                 </a:ln>
@@ -9617,49 +9702,10 @@
                 <a:effectLst/>
                 <a:latin typeface="var(--fontStack-monospace, ui-monospace, SFMono-Regular, SF Mono, Menlo, Consolas, Liberation Mono, monospace)"/>
               </a:rPr>
-              <a:t>Internal</a:t>
-            </a:r>
-            <a:r>
-              <a:rPr kumimoji="0" lang="fr-FR" altLang="fr-FR" sz="1600" b="0" i="0" u="none" strike="noStrike" cap="none" normalizeH="0" baseline="0" dirty="0">
-                <a:ln>
-                  <a:noFill/>
-                </a:ln>
-                <a:solidFill>
-                  <a:srgbClr val="FF6C45"/>
-                </a:solidFill>
-                <a:effectLst/>
-                <a:latin typeface="var(--fontStack-monospace, ui-monospace, SFMono-Regular, SF Mono, Menlo, Consolas, Liberation Mono, monospace)"/>
-              </a:rPr>
-              <a:t> </a:t>
-            </a:r>
-            <a:r>
-              <a:rPr kumimoji="0" lang="fr-FR" altLang="fr-FR" sz="1600" b="0" i="0" u="none" strike="noStrike" cap="none" normalizeH="0" baseline="0" dirty="0" err="1">
-                <a:ln>
-                  <a:noFill/>
-                </a:ln>
-                <a:solidFill>
-                  <a:srgbClr val="FF6C45"/>
-                </a:solidFill>
-                <a:effectLst/>
-                <a:latin typeface="var(--fontStack-monospace, ui-monospace, SFMono-Regular, SF Mono, Menlo, Consolas, Liberation Mono, monospace)"/>
-              </a:rPr>
-              <a:t>SimData</a:t>
-            </a:r>
-            <a:r>
-              <a:rPr kumimoji="0" lang="fr-FR" altLang="fr-FR" sz="1600" b="0" i="0" u="none" strike="noStrike" cap="none" normalizeH="0" baseline="0" dirty="0">
-                <a:ln>
-                  <a:noFill/>
-                </a:ln>
-                <a:solidFill>
-                  <a:srgbClr val="FF6C45"/>
-                </a:solidFill>
-                <a:effectLst/>
-                <a:latin typeface="var(--fontStack-monospace, ui-monospace, SFMono-Regular, SF Mono, Menlo, Consolas, Liberation Mono, monospace)"/>
-              </a:rPr>
-              <a:t> Port: 3262</a:t>
-            </a:r>
-            <a:r>
-              <a:rPr kumimoji="0" lang="fr-FR" altLang="fr-FR" sz="1400" b="0" i="0" u="none" strike="noStrike" cap="none" normalizeH="0" baseline="0" dirty="0">
+              <a:t>Port: 3262</a:t>
+            </a:r>
+            <a:r>
+              <a:rPr kumimoji="0" lang="fr-FR" altLang="fr-FR" sz="2000" b="0" i="0" u="none" strike="noStrike" cap="none" normalizeH="0" baseline="0" dirty="0">
                 <a:ln>
                   <a:noFill/>
                 </a:ln>
@@ -9670,7 +9716,7 @@
               </a:rPr>
               <a:t> </a:t>
             </a:r>
-            <a:endParaRPr kumimoji="0" lang="fr-FR" altLang="fr-FR" sz="4000" b="0" i="0" u="none" strike="noStrike" cap="none" normalizeH="0" baseline="0" dirty="0">
+            <a:endParaRPr kumimoji="0" lang="fr-FR" altLang="fr-FR" sz="5400" b="0" i="0" u="none" strike="noStrike" cap="none" normalizeH="0" baseline="0" dirty="0">
               <a:ln>
                 <a:noFill/>
               </a:ln>
@@ -9829,8 +9875,8 @@
         </p:nvSpPr>
         <p:spPr>
           <a:xfrm>
-            <a:off x="165248" y="3204084"/>
-            <a:ext cx="4782639" cy="738664"/>
+            <a:off x="165249" y="3204084"/>
+            <a:ext cx="4223206" cy="1323439"/>
           </a:xfrm>
           <a:prstGeom prst="rect">
             <a:avLst/>
@@ -9844,44 +9890,44 @@
           <a:lstStyle/>
           <a:p>
             <a:r>
-              <a:rPr lang="fr-FR" sz="1400" dirty="0"/>
+              <a:rPr lang="fr-FR" sz="2000" dirty="0"/>
               <a:t>HTTP POST</a:t>
             </a:r>
           </a:p>
           <a:p>
             <a:r>
-              <a:rPr lang="fr-FR" sz="1400" dirty="0">
+              <a:rPr lang="fr-FR" sz="2000" dirty="0">
                 <a:hlinkClick r:id="rId3"/>
               </a:rPr>
               <a:t>http://slimfaas/async-function/fibonacci/hello/guillaume</a:t>
             </a:r>
-            <a:endParaRPr lang="fr-FR" sz="1400" dirty="0"/>
-          </a:p>
-          <a:p>
-            <a:r>
-              <a:rPr lang="fr-FR" sz="1400" dirty="0"/>
+            <a:endParaRPr lang="fr-FR" sz="2000" dirty="0"/>
+          </a:p>
+          <a:p>
+            <a:r>
+              <a:rPr lang="fr-FR" sz="2000" dirty="0"/>
               <a:t>{</a:t>
             </a:r>
             <a:r>
-              <a:rPr lang="fr-FR" sz="1400" b="0" i="0" dirty="0">
+              <a:rPr lang="fr-FR" sz="2000" b="0" i="0" dirty="0">
                 <a:effectLst/>
                 <a:latin typeface="-apple-system"/>
               </a:rPr>
               <a:t>"</a:t>
             </a:r>
             <a:r>
-              <a:rPr lang="fr-FR" sz="1400" dirty="0"/>
+              <a:rPr lang="fr-FR" sz="2000" dirty="0"/>
               <a:t>input</a:t>
             </a:r>
             <a:r>
-              <a:rPr lang="fr-FR" sz="1400" b="0" i="0" dirty="0">
+              <a:rPr lang="fr-FR" sz="2000" b="0" i="0" dirty="0">
                 <a:effectLst/>
                 <a:latin typeface="-apple-system"/>
               </a:rPr>
               <a:t>"</a:t>
             </a:r>
             <a:r>
-              <a:rPr lang="fr-FR" sz="1400" dirty="0"/>
+              <a:rPr lang="fr-FR" sz="2000" dirty="0"/>
               <a:t>:42}</a:t>
             </a:r>
           </a:p>
@@ -9905,8 +9951,8 @@
         </p:nvCxnSpPr>
         <p:spPr>
           <a:xfrm>
-            <a:off x="4947887" y="3573416"/>
-            <a:ext cx="1784118" cy="1171417"/>
+            <a:off x="4388455" y="3865804"/>
+            <a:ext cx="2343550" cy="879029"/>
           </a:xfrm>
           <a:prstGeom prst="straightConnector1">
             <a:avLst/>
@@ -10125,8 +10171,8 @@
         </p:nvSpPr>
         <p:spPr bwMode="auto">
           <a:xfrm>
-            <a:off x="6208595" y="4045110"/>
-            <a:ext cx="1260230" cy="246221"/>
+            <a:off x="5151898" y="3686005"/>
+            <a:ext cx="1784118" cy="369332"/>
           </a:xfrm>
           <a:prstGeom prst="rect">
             <a:avLst/>
@@ -10163,7 +10209,7 @@
               <a:tabLst/>
             </a:pPr>
             <a:r>
-              <a:rPr kumimoji="0" lang="fr-FR" altLang="fr-FR" sz="1600" b="0" i="0" u="none" strike="noStrike" cap="none" normalizeH="0" baseline="0" dirty="0">
+              <a:rPr kumimoji="0" lang="fr-FR" altLang="fr-FR" sz="2400" b="0" i="0" u="none" strike="noStrike" cap="none" normalizeH="0" baseline="0" dirty="0">
                 <a:ln>
                   <a:noFill/>
                 </a:ln>
@@ -10176,7 +10222,7 @@
               <a:t>Port: 5000</a:t>
             </a:r>
             <a:r>
-              <a:rPr kumimoji="0" lang="fr-FR" altLang="fr-FR" sz="1400" b="0" i="0" u="none" strike="noStrike" cap="none" normalizeH="0" baseline="0" dirty="0">
+              <a:rPr kumimoji="0" lang="fr-FR" altLang="fr-FR" sz="2000" b="0" i="0" u="none" strike="noStrike" cap="none" normalizeH="0" baseline="0" dirty="0">
                 <a:ln>
                   <a:noFill/>
                 </a:ln>
@@ -10187,7 +10233,7 @@
               </a:rPr>
               <a:t> </a:t>
             </a:r>
-            <a:endParaRPr kumimoji="0" lang="fr-FR" altLang="fr-FR" sz="4000" b="0" i="0" u="none" strike="noStrike" cap="none" normalizeH="0" baseline="0" dirty="0">
+            <a:endParaRPr kumimoji="0" lang="fr-FR" altLang="fr-FR" sz="5400" b="0" i="0" u="none" strike="noStrike" cap="none" normalizeH="0" baseline="0" dirty="0">
               <a:ln>
                 <a:noFill/>
               </a:ln>
@@ -11065,34 +11111,6 @@
 </file>
 
 <file path=customXml/item1.xml><?xml version="1.0" encoding="utf-8"?>
-<p:properties xmlns:p="http://schemas.microsoft.com/office/2006/metadata/properties" xmlns:xsi="http://www.w3.org/2001/XMLSchema-instance" xmlns:pc="http://schemas.microsoft.com/office/infopath/2007/PartnerControls">
-  <documentManagement>
-    <SharedWithUsers xmlns="03cb9dc2-e9ea-44ac-afed-001b6fad4f36">
-      <UserInfo>
-        <DisplayName>LEMARCHAND THOMAS</DisplayName>
-        <AccountId>16</AccountId>
-        <AccountType/>
-      </UserInfo>
-      <UserInfo>
-        <DisplayName>CHERVET Guillaume</DisplayName>
-        <AccountId>84</AccountId>
-        <AccountType/>
-      </UserInfo>
-    </SharedWithUsers>
-  </documentManagement>
-</p:properties>
-</file>
-
-<file path=customXml/item2.xml><?xml version="1.0" encoding="utf-8"?>
-<?mso-contentType ?>
-<FormTemplates xmlns="http://schemas.microsoft.com/sharepoint/v3/contenttype/forms">
-  <Display>DocumentLibraryForm</Display>
-  <Edit>DocumentLibraryForm</Edit>
-  <New>DocumentLibraryForm</New>
-</FormTemplates>
-</file>
-
-<file path=customXml/item3.xml><?xml version="1.0" encoding="utf-8"?>
 <ct:contentTypeSchema xmlns:ct="http://schemas.microsoft.com/office/2006/metadata/contentType" xmlns:ma="http://schemas.microsoft.com/office/2006/metadata/properties/metaAttributes" ct:_="" ma:_="" ma:contentTypeName="Document" ma:contentTypeID="0x0101003BE0F011240A094E827BA56BE9109944" ma:contentTypeVersion="13" ma:contentTypeDescription="Create a new document." ma:contentTypeScope="" ma:versionID="5dc1144dd420c1d8a9ebf51c7358c8f0">
   <xsd:schema xmlns:xsd="http://www.w3.org/2001/XMLSchema" xmlns:xs="http://www.w3.org/2001/XMLSchema" xmlns:p="http://schemas.microsoft.com/office/2006/metadata/properties" xmlns:ns3="03cb9dc2-e9ea-44ac-afed-001b6fad4f36" xmlns:ns4="d0879fa5-f2db-41a7-8861-4a44e7ee3b24" targetNamespace="http://schemas.microsoft.com/office/2006/metadata/properties" ma:root="true" ma:fieldsID="6dda18631f78ef64168f1da1c53d30ff" ns3:_="" ns4:_="">
     <xsd:import namespace="03cb9dc2-e9ea-44ac-afed-001b6fad4f36"/>
@@ -11315,32 +11333,35 @@
 </ct:contentTypeSchema>
 </file>
 
-<file path=customXml/itemProps1.xml><?xml version="1.0" encoding="utf-8"?>
-<ds:datastoreItem xmlns:ds="http://schemas.openxmlformats.org/officeDocument/2006/customXml" ds:itemID="{C522BBC0-3E7A-472B-9CC6-34C5EA434DEE}">
-  <ds:schemaRefs>
-    <ds:schemaRef ds:uri="http://purl.org/dc/terms/"/>
-    <ds:schemaRef ds:uri="http://schemas.openxmlformats.org/package/2006/metadata/core-properties"/>
-    <ds:schemaRef ds:uri="http://purl.org/dc/dcmitype/"/>
-    <ds:schemaRef ds:uri="http://schemas.microsoft.com/office/infopath/2007/PartnerControls"/>
-    <ds:schemaRef ds:uri="http://schemas.microsoft.com/office/2006/documentManagement/types"/>
-    <ds:schemaRef ds:uri="http://purl.org/dc/elements/1.1/"/>
-    <ds:schemaRef ds:uri="http://schemas.microsoft.com/office/2006/metadata/properties"/>
-    <ds:schemaRef ds:uri="d0879fa5-f2db-41a7-8861-4a44e7ee3b24"/>
-    <ds:schemaRef ds:uri="03cb9dc2-e9ea-44ac-afed-001b6fad4f36"/>
-    <ds:schemaRef ds:uri="http://www.w3.org/XML/1998/namespace"/>
-  </ds:schemaRefs>
-</ds:datastoreItem>
+<file path=customXml/item2.xml><?xml version="1.0" encoding="utf-8"?>
+<?mso-contentType ?>
+<FormTemplates xmlns="http://schemas.microsoft.com/sharepoint/v3/contenttype/forms">
+  <Display>DocumentLibraryForm</Display>
+  <Edit>DocumentLibraryForm</Edit>
+  <New>DocumentLibraryForm</New>
+</FormTemplates>
 </file>
 
-<file path=customXml/itemProps2.xml><?xml version="1.0" encoding="utf-8"?>
-<ds:datastoreItem xmlns:ds="http://schemas.openxmlformats.org/officeDocument/2006/customXml" ds:itemID="{05D7AB42-0DA9-4407-9B22-92C435FE7C62}">
-  <ds:schemaRefs>
-    <ds:schemaRef ds:uri="http://schemas.microsoft.com/sharepoint/v3/contenttype/forms"/>
-  </ds:schemaRefs>
-</ds:datastoreItem>
+<file path=customXml/item3.xml><?xml version="1.0" encoding="utf-8"?>
+<p:properties xmlns:p="http://schemas.microsoft.com/office/2006/metadata/properties" xmlns:xsi="http://www.w3.org/2001/XMLSchema-instance" xmlns:pc="http://schemas.microsoft.com/office/infopath/2007/PartnerControls">
+  <documentManagement>
+    <SharedWithUsers xmlns="03cb9dc2-e9ea-44ac-afed-001b6fad4f36">
+      <UserInfo>
+        <DisplayName>LEMARCHAND THOMAS</DisplayName>
+        <AccountId>16</AccountId>
+        <AccountType/>
+      </UserInfo>
+      <UserInfo>
+        <DisplayName>CHERVET Guillaume</DisplayName>
+        <AccountId>84</AccountId>
+        <AccountType/>
+      </UserInfo>
+    </SharedWithUsers>
+  </documentManagement>
+</p:properties>
 </file>
 
-<file path=customXml/itemProps3.xml><?xml version="1.0" encoding="utf-8"?>
+<file path=customXml/itemProps1.xml><?xml version="1.0" encoding="utf-8"?>
 <ds:datastoreItem xmlns:ds="http://schemas.openxmlformats.org/officeDocument/2006/customXml" ds:itemID="{C72C7657-97CD-4958-88DD-F8AC87258741}">
   <ds:schemaRefs>
     <ds:schemaRef ds:uri="http://schemas.microsoft.com/office/2006/metadata/contentType"/>
@@ -11357,4 +11378,29 @@
     <ds:schemaRef ds:uri="http://schemas.microsoft.com/internal/obd"/>
   </ds:schemaRefs>
 </ds:datastoreItem>
+</file>
+
+<file path=customXml/itemProps2.xml><?xml version="1.0" encoding="utf-8"?>
+<ds:datastoreItem xmlns:ds="http://schemas.openxmlformats.org/officeDocument/2006/customXml" ds:itemID="{05D7AB42-0DA9-4407-9B22-92C435FE7C62}">
+  <ds:schemaRefs>
+    <ds:schemaRef ds:uri="http://schemas.microsoft.com/sharepoint/v3/contenttype/forms"/>
+  </ds:schemaRefs>
+</ds:datastoreItem>
+</file>
+
+<file path=customXml/itemProps3.xml><?xml version="1.0" encoding="utf-8"?>
+<ds:datastoreItem xmlns:ds="http://schemas.openxmlformats.org/officeDocument/2006/customXml" ds:itemID="{C522BBC0-3E7A-472B-9CC6-34C5EA434DEE}">
+  <ds:schemaRefs>
+    <ds:schemaRef ds:uri="http://purl.org/dc/terms/"/>
+    <ds:schemaRef ds:uri="http://schemas.openxmlformats.org/package/2006/metadata/core-properties"/>
+    <ds:schemaRef ds:uri="http://purl.org/dc/dcmitype/"/>
+    <ds:schemaRef ds:uri="http://schemas.microsoft.com/office/infopath/2007/PartnerControls"/>
+    <ds:schemaRef ds:uri="http://schemas.microsoft.com/office/2006/documentManagement/types"/>
+    <ds:schemaRef ds:uri="http://purl.org/dc/elements/1.1/"/>
+    <ds:schemaRef ds:uri="http://schemas.microsoft.com/office/2006/metadata/properties"/>
+    <ds:schemaRef ds:uri="d0879fa5-f2db-41a7-8861-4a44e7ee3b24"/>
+    <ds:schemaRef ds:uri="03cb9dc2-e9ea-44ac-afed-001b6fad4f36"/>
+    <ds:schemaRef ds:uri="http://www.w3.org/XML/1998/namespace"/>
+  </ds:schemaRefs>
+</ds:datastoreItem>
 </file>